--- a/documentation/Abschluss/Abschlusspräsentation.pptx
+++ b/documentation/Abschluss/Abschlusspräsentation.pptx
@@ -141,7 +141,7 @@
 </file>
 
 <file path=ppt/charts/chart1.xml><?xml version="1.0" encoding="utf-8"?>
-<c:chartSpace xmlns:c="http://schemas.openxmlformats.org/drawingml/2006/chart" xmlns:a="http://schemas.openxmlformats.org/drawingml/2006/main" xmlns:r="http://schemas.openxmlformats.org/officeDocument/2006/relationships">
+<c:chartSpace xmlns:c="http://schemas.openxmlformats.org/drawingml/2006/chart" xmlns:a="http://schemas.openxmlformats.org/drawingml/2006/main" xmlns:r="http://schemas.openxmlformats.org/officeDocument/2006/relationships" xmlns:c16r2="http://schemas.microsoft.com/office/drawing/2015/06/chart">
   <c:date1904 val="0"/>
   <c:lang val="de-DE"/>
   <c:roundedCorners val="0"/>
@@ -180,7 +180,6 @@
           </a:p>
         </c:rich>
       </c:tx>
-      <c:layout/>
       <c:overlay val="0"/>
       <c:spPr>
         <a:noFill/>
@@ -277,24 +276,24 @@
                   <c:v>4.5</c:v>
                 </c:pt>
                 <c:pt idx="1">
-                  <c:v>5.1667</c:v>
+                  <c:v>5.1666999999999996</c:v>
                 </c:pt>
                 <c:pt idx="2">
-                  <c:v>4.6667</c:v>
+                  <c:v>4.6666999999999996</c:v>
                 </c:pt>
                 <c:pt idx="3">
                   <c:v>4.5</c:v>
                 </c:pt>
                 <c:pt idx="4">
-                  <c:v>5.0</c:v>
+                  <c:v>5</c:v>
                 </c:pt>
                 <c:pt idx="5">
-                  <c:v>4.333</c:v>
+                  <c:v>4.3330000000000002</c:v>
                 </c:pt>
               </c:numCache>
             </c:numRef>
           </c:val>
-          <c:extLst xmlns:c16r2="http://schemas.microsoft.com/office/drawing/2015/06/chart">
+          <c:extLst>
             <c:ext xmlns:c16="http://schemas.microsoft.com/office/drawing/2014/chart" uri="{C3380CC4-5D6E-409C-BE32-E72D297353CC}">
               <c16:uniqueId val="{00000000-5253-460E-879C-581206D8B81C}"/>
             </c:ext>
@@ -367,8 +366,8 @@
         <c:axId val="-2101982640"/>
         <c:scaling>
           <c:orientation val="minMax"/>
-          <c:max val="7.0"/>
-          <c:min val="1.0"/>
+          <c:max val="7"/>
+          <c:min val="1"/>
         </c:scaling>
         <c:delete val="0"/>
         <c:axPos val="b"/>
@@ -431,14 +430,14 @@
     </c:plotArea>
     <c:plotVisOnly val="1"/>
     <c:dispBlanksAs val="gap"/>
-    <c:showDLblsOverMax val="0"/>
-    <c:extLst xmlns:c16r2="http://schemas.microsoft.com/office/drawing/2015/06/chart">
+    <c:extLst>
       <c:ext xmlns:c16r3="http://schemas.microsoft.com/office/drawing/2017/03/chart" uri="{56B9EC1D-385E-4148-901F-78D8002777C0}">
         <c16r3:dataDisplayOptions16>
           <c16r3:dispNaAsBlank val="1"/>
         </c16r3:dataDisplayOptions16>
       </c:ext>
     </c:extLst>
+    <c:showDLblsOverMax val="0"/>
   </c:chart>
   <c:spPr>
     <a:noFill/>
@@ -464,7 +463,7 @@
 </file>
 
 <file path=ppt/charts/chart2.xml><?xml version="1.0" encoding="utf-8"?>
-<c:chartSpace xmlns:c="http://schemas.openxmlformats.org/drawingml/2006/chart" xmlns:a="http://schemas.openxmlformats.org/drawingml/2006/main" xmlns:r="http://schemas.openxmlformats.org/officeDocument/2006/relationships">
+<c:chartSpace xmlns:c="http://schemas.openxmlformats.org/drawingml/2006/chart" xmlns:a="http://schemas.openxmlformats.org/drawingml/2006/main" xmlns:r="http://schemas.openxmlformats.org/officeDocument/2006/relationships" xmlns:c16r2="http://schemas.microsoft.com/office/drawing/2015/06/chart">
   <c:date1904 val="0"/>
   <c:lang val="de-DE"/>
   <c:roundedCorners val="0"/>
@@ -497,14 +496,12 @@
               </a:defRPr>
             </a:pPr>
             <a:r>
-              <a:rPr lang="de-DE" dirty="0" smtClean="0"/>
+              <a:rPr lang="de-DE" dirty="0"/>
               <a:t>Aufgaben</a:t>
             </a:r>
-            <a:endParaRPr lang="de-DE" dirty="0"/>
           </a:p>
         </c:rich>
       </c:tx>
-      <c:layout/>
       <c:overlay val="0"/>
       <c:spPr>
         <a:noFill/>
@@ -541,10 +538,10 @@
           <c:layoutTarget val="inner"/>
           <c:xMode val="edge"/>
           <c:yMode val="edge"/>
-          <c:x val="0.483757176715864"/>
-          <c:y val="0.153842229808954"/>
-          <c:w val="0.456798500115378"/>
-          <c:h val="0.657051955580055"/>
+          <c:x val="0.48375717671586399"/>
+          <c:y val="0.15384222980895401"/>
+          <c:w val="0.45679850011537798"/>
+          <c:h val="0.65705195558005502"/>
         </c:manualLayout>
       </c:layout>
       <c:barChart>
@@ -614,33 +611,33 @@
                 <c:formatCode>General</c:formatCode>
                 <c:ptCount val="8"/>
                 <c:pt idx="0">
-                  <c:v>4.08333</c:v>
+                  <c:v>4.0833300000000001</c:v>
                 </c:pt>
                 <c:pt idx="1">
                   <c:v>3.75</c:v>
                 </c:pt>
                 <c:pt idx="2">
-                  <c:v>4.8333</c:v>
+                  <c:v>4.8333000000000004</c:v>
                 </c:pt>
                 <c:pt idx="3">
-                  <c:v>4.91667</c:v>
+                  <c:v>4.9166699999999999</c:v>
                 </c:pt>
                 <c:pt idx="4">
                   <c:v>4.25</c:v>
                 </c:pt>
                 <c:pt idx="5">
-                  <c:v>5.58333</c:v>
+                  <c:v>5.5833300000000001</c:v>
                 </c:pt>
                 <c:pt idx="6">
                   <c:v>6.5</c:v>
                 </c:pt>
                 <c:pt idx="7">
-                  <c:v>5.66667</c:v>
+                  <c:v>5.6666699999999999</c:v>
                 </c:pt>
               </c:numCache>
             </c:numRef>
           </c:val>
-          <c:extLst xmlns:c16r2="http://schemas.microsoft.com/office/drawing/2015/06/chart">
+          <c:extLst>
             <c:ext xmlns:c16="http://schemas.microsoft.com/office/drawing/2014/chart" uri="{C3380CC4-5D6E-409C-BE32-E72D297353CC}">
               <c16:uniqueId val="{00000000-5253-460E-879C-581206D8B81C}"/>
             </c:ext>
@@ -712,30 +709,30 @@
                   <c:v>4.5</c:v>
                 </c:pt>
                 <c:pt idx="1">
-                  <c:v>4.66667</c:v>
+                  <c:v>4.6666699999999999</c:v>
                 </c:pt>
                 <c:pt idx="2">
-                  <c:v>5.08333</c:v>
+                  <c:v>5.0833300000000001</c:v>
                 </c:pt>
                 <c:pt idx="3">
                   <c:v>5.25</c:v>
                 </c:pt>
                 <c:pt idx="4">
-                  <c:v>2.8333</c:v>
+                  <c:v>2.8332999999999999</c:v>
                 </c:pt>
                 <c:pt idx="5">
-                  <c:v>6.08333</c:v>
+                  <c:v>6.0833300000000001</c:v>
                 </c:pt>
                 <c:pt idx="6">
                   <c:v>5.5</c:v>
                 </c:pt>
                 <c:pt idx="7">
-                  <c:v>5.33333</c:v>
+                  <c:v>5.3333300000000001</c:v>
                 </c:pt>
               </c:numCache>
             </c:numRef>
           </c:val>
-          <c:extLst xmlns:c16r2="http://schemas.microsoft.com/office/drawing/2015/06/chart">
+          <c:extLst>
             <c:ext xmlns:c16="http://schemas.microsoft.com/office/drawing/2014/chart" uri="{C3380CC4-5D6E-409C-BE32-E72D297353CC}">
               <c16:uniqueId val="{00000001-5253-460E-879C-581206D8B81C}"/>
             </c:ext>
@@ -806,7 +803,7 @@
               </c:numCache>
             </c:numRef>
           </c:val>
-          <c:extLst xmlns:c16r2="http://schemas.microsoft.com/office/drawing/2015/06/chart">
+          <c:extLst>
             <c:ext xmlns:c16="http://schemas.microsoft.com/office/drawing/2014/chart" uri="{C3380CC4-5D6E-409C-BE32-E72D297353CC}">
               <c16:uniqueId val="{00000000-B8AC-4D32-B8BD-2D16DC70C46C}"/>
             </c:ext>
@@ -879,8 +876,8 @@
         <c:axId val="2120589728"/>
         <c:scaling>
           <c:orientation val="minMax"/>
-          <c:max val="7.0"/>
-          <c:min val="1.0"/>
+          <c:max val="7"/>
+          <c:min val="1"/>
         </c:scaling>
         <c:delete val="0"/>
         <c:axPos val="b"/>
@@ -947,7 +944,6 @@
         <c:idx val="0"/>
         <c:delete val="1"/>
       </c:legendEntry>
-      <c:layout/>
       <c:overlay val="0"/>
       <c:spPr>
         <a:noFill/>
@@ -979,14 +975,14 @@
     </c:legend>
     <c:plotVisOnly val="1"/>
     <c:dispBlanksAs val="gap"/>
-    <c:showDLblsOverMax val="0"/>
-    <c:extLst xmlns:c16r2="http://schemas.microsoft.com/office/drawing/2015/06/chart">
+    <c:extLst>
       <c:ext xmlns:c16r3="http://schemas.microsoft.com/office/drawing/2017/03/chart" uri="{56B9EC1D-385E-4148-901F-78D8002777C0}">
         <c16r3:dataDisplayOptions16>
           <c16r3:dispNaAsBlank val="1"/>
         </c16r3:dataDisplayOptions16>
       </c:ext>
     </c:extLst>
+    <c:showDLblsOverMax val="0"/>
   </c:chart>
   <c:spPr>
     <a:noFill/>
@@ -3022,10 +3018,9 @@
         <a:lstStyle/>
         <a:p>
           <a:r>
-            <a:rPr lang="de-DE" sz="2300" dirty="0" smtClean="0"/>
+            <a:rPr lang="de-DE" sz="2300" dirty="0"/>
             <a:t>Integrationstests</a:t>
           </a:r>
-          <a:endParaRPr lang="de-DE" sz="2300" dirty="0"/>
         </a:p>
       </dgm:t>
     </dgm:pt>
@@ -3092,10 +3087,9 @@
         <a:lstStyle/>
         <a:p>
           <a:r>
-            <a:rPr lang="de-DE" dirty="0" smtClean="0"/>
+            <a:rPr lang="de-DE" dirty="0"/>
             <a:t>UI-Tests</a:t>
           </a:r>
-          <a:endParaRPr lang="de-DE" dirty="0"/>
         </a:p>
       </dgm:t>
     </dgm:pt>
@@ -3129,7 +3123,7 @@
         <a:lstStyle/>
         <a:p>
           <a:r>
-            <a:rPr lang="de-DE" dirty="0" err="1" smtClean="0"/>
+            <a:rPr lang="de-DE" dirty="0" err="1"/>
             <a:t>Unittests</a:t>
           </a:r>
           <a:endParaRPr lang="de-DE" dirty="0"/>
@@ -3166,10 +3160,9 @@
         <a:lstStyle/>
         <a:p>
           <a:r>
-            <a:rPr lang="de-DE" dirty="0" smtClean="0"/>
+            <a:rPr lang="de-DE" dirty="0"/>
             <a:t>manuelle Tests</a:t>
           </a:r>
-          <a:endParaRPr lang="de-DE" dirty="0"/>
         </a:p>
       </dgm:t>
     </dgm:pt>
@@ -3212,13 +3205,6 @@
     <dgm:pt modelId="{7E987B23-1FBF-934F-AE84-A1950824BC19}" type="pres">
       <dgm:prSet presAssocID="{92C21019-64F2-0A48-BD7D-7FDFDD8673B8}" presName="acctBkgd" presStyleLbl="alignAcc1" presStyleIdx="0" presStyleCnt="4"/>
       <dgm:spPr/>
-      <dgm:t>
-        <a:bodyPr/>
-        <a:lstStyle/>
-        <a:p>
-          <a:endParaRPr lang="de-DE"/>
-        </a:p>
-      </dgm:t>
     </dgm:pt>
     <dgm:pt modelId="{018B8698-0B3B-D540-A270-4559257B67AF}" type="pres">
       <dgm:prSet presAssocID="{92C21019-64F2-0A48-BD7D-7FDFDD8673B8}" presName="acctTx" presStyleLbl="alignAcc1" presStyleIdx="0" presStyleCnt="4">
@@ -3227,13 +3213,6 @@
         </dgm:presLayoutVars>
       </dgm:prSet>
       <dgm:spPr/>
-      <dgm:t>
-        <a:bodyPr/>
-        <a:lstStyle/>
-        <a:p>
-          <a:endParaRPr lang="de-DE"/>
-        </a:p>
-      </dgm:t>
     </dgm:pt>
     <dgm:pt modelId="{A9F61433-CB8A-8047-8082-C85308266DA6}" type="pres">
       <dgm:prSet presAssocID="{92C21019-64F2-0A48-BD7D-7FDFDD8673B8}" presName="level" presStyleLbl="node1" presStyleIdx="0" presStyleCnt="4">
@@ -3243,13 +3222,6 @@
         </dgm:presLayoutVars>
       </dgm:prSet>
       <dgm:spPr/>
-      <dgm:t>
-        <a:bodyPr/>
-        <a:lstStyle/>
-        <a:p>
-          <a:endParaRPr lang="de-DE"/>
-        </a:p>
-      </dgm:t>
     </dgm:pt>
     <dgm:pt modelId="{4D34D131-0121-2641-AF3E-C4A924B66906}" type="pres">
       <dgm:prSet presAssocID="{92C21019-64F2-0A48-BD7D-7FDFDD8673B8}" presName="levelTx" presStyleLbl="revTx" presStyleIdx="0" presStyleCnt="0">
@@ -3259,13 +3231,6 @@
         </dgm:presLayoutVars>
       </dgm:prSet>
       <dgm:spPr/>
-      <dgm:t>
-        <a:bodyPr/>
-        <a:lstStyle/>
-        <a:p>
-          <a:endParaRPr lang="de-DE"/>
-        </a:p>
-      </dgm:t>
     </dgm:pt>
     <dgm:pt modelId="{5E71FEFC-0AEF-6148-9B9A-CB806F178227}" type="pres">
       <dgm:prSet presAssocID="{51F1C30F-BC6D-964B-805C-7251FA337436}" presName="Name8" presStyleCnt="0"/>
@@ -3274,13 +3239,6 @@
     <dgm:pt modelId="{8D281AA3-EAE3-0045-A5A0-7223F2D67F92}" type="pres">
       <dgm:prSet presAssocID="{51F1C30F-BC6D-964B-805C-7251FA337436}" presName="acctBkgd" presStyleLbl="alignAcc1" presStyleIdx="1" presStyleCnt="4"/>
       <dgm:spPr/>
-      <dgm:t>
-        <a:bodyPr/>
-        <a:lstStyle/>
-        <a:p>
-          <a:endParaRPr lang="de-DE"/>
-        </a:p>
-      </dgm:t>
     </dgm:pt>
     <dgm:pt modelId="{E9BA28E7-8E28-DC4E-8CFA-4CB60151A223}" type="pres">
       <dgm:prSet presAssocID="{51F1C30F-BC6D-964B-805C-7251FA337436}" presName="acctTx" presStyleLbl="alignAcc1" presStyleIdx="1" presStyleCnt="4">
@@ -3289,13 +3247,6 @@
         </dgm:presLayoutVars>
       </dgm:prSet>
       <dgm:spPr/>
-      <dgm:t>
-        <a:bodyPr/>
-        <a:lstStyle/>
-        <a:p>
-          <a:endParaRPr lang="de-DE"/>
-        </a:p>
-      </dgm:t>
     </dgm:pt>
     <dgm:pt modelId="{6B11F3B5-2AD7-F54A-803F-23A8CC73E218}" type="pres">
       <dgm:prSet presAssocID="{51F1C30F-BC6D-964B-805C-7251FA337436}" presName="level" presStyleLbl="node1" presStyleIdx="1" presStyleCnt="4">
@@ -3305,13 +3256,6 @@
         </dgm:presLayoutVars>
       </dgm:prSet>
       <dgm:spPr/>
-      <dgm:t>
-        <a:bodyPr/>
-        <a:lstStyle/>
-        <a:p>
-          <a:endParaRPr lang="de-DE"/>
-        </a:p>
-      </dgm:t>
     </dgm:pt>
     <dgm:pt modelId="{48B723AD-B3BC-6C4A-BEC9-85FE6C47C9A8}" type="pres">
       <dgm:prSet presAssocID="{51F1C30F-BC6D-964B-805C-7251FA337436}" presName="levelTx" presStyleLbl="revTx" presStyleIdx="0" presStyleCnt="0">
@@ -3321,13 +3265,6 @@
         </dgm:presLayoutVars>
       </dgm:prSet>
       <dgm:spPr/>
-      <dgm:t>
-        <a:bodyPr/>
-        <a:lstStyle/>
-        <a:p>
-          <a:endParaRPr lang="de-DE"/>
-        </a:p>
-      </dgm:t>
     </dgm:pt>
     <dgm:pt modelId="{E3A7B8DF-2AB4-EF4B-A31D-63776D53F9A5}" type="pres">
       <dgm:prSet presAssocID="{95522B47-3477-C141-AFAA-3FD0434218F0}" presName="Name8" presStyleCnt="0"/>
@@ -3336,13 +3273,6 @@
     <dgm:pt modelId="{D77927C9-F46D-F245-BE2A-ABD276F67486}" type="pres">
       <dgm:prSet presAssocID="{95522B47-3477-C141-AFAA-3FD0434218F0}" presName="acctBkgd" presStyleLbl="alignAcc1" presStyleIdx="2" presStyleCnt="4"/>
       <dgm:spPr/>
-      <dgm:t>
-        <a:bodyPr/>
-        <a:lstStyle/>
-        <a:p>
-          <a:endParaRPr lang="de-DE"/>
-        </a:p>
-      </dgm:t>
     </dgm:pt>
     <dgm:pt modelId="{7CA8BB3D-EC27-DF4B-B646-4F05EA0EC76E}" type="pres">
       <dgm:prSet presAssocID="{95522B47-3477-C141-AFAA-3FD0434218F0}" presName="acctTx" presStyleLbl="alignAcc1" presStyleIdx="2" presStyleCnt="4">
@@ -3351,13 +3281,6 @@
         </dgm:presLayoutVars>
       </dgm:prSet>
       <dgm:spPr/>
-      <dgm:t>
-        <a:bodyPr/>
-        <a:lstStyle/>
-        <a:p>
-          <a:endParaRPr lang="de-DE"/>
-        </a:p>
-      </dgm:t>
     </dgm:pt>
     <dgm:pt modelId="{A8CB1A31-73B3-534A-A39D-2DE64F9500D0}" type="pres">
       <dgm:prSet presAssocID="{95522B47-3477-C141-AFAA-3FD0434218F0}" presName="level" presStyleLbl="node1" presStyleIdx="2" presStyleCnt="4">
@@ -3367,13 +3290,6 @@
         </dgm:presLayoutVars>
       </dgm:prSet>
       <dgm:spPr/>
-      <dgm:t>
-        <a:bodyPr/>
-        <a:lstStyle/>
-        <a:p>
-          <a:endParaRPr lang="de-DE"/>
-        </a:p>
-      </dgm:t>
     </dgm:pt>
     <dgm:pt modelId="{DF22608E-46D2-D64D-9F3F-99E16C8A152A}" type="pres">
       <dgm:prSet presAssocID="{95522B47-3477-C141-AFAA-3FD0434218F0}" presName="levelTx" presStyleLbl="revTx" presStyleIdx="0" presStyleCnt="0">
@@ -3383,13 +3299,6 @@
         </dgm:presLayoutVars>
       </dgm:prSet>
       <dgm:spPr/>
-      <dgm:t>
-        <a:bodyPr/>
-        <a:lstStyle/>
-        <a:p>
-          <a:endParaRPr lang="de-DE"/>
-        </a:p>
-      </dgm:t>
     </dgm:pt>
     <dgm:pt modelId="{BF33163F-9E3F-CB49-B9A9-63644BFD4A82}" type="pres">
       <dgm:prSet presAssocID="{D26D63A6-FB7D-0240-97D8-6615283E9E74}" presName="Name8" presStyleCnt="0"/>
@@ -3398,13 +3307,6 @@
     <dgm:pt modelId="{999FE6A6-E8B1-BB44-B941-3BC9347AA8FE}" type="pres">
       <dgm:prSet presAssocID="{D26D63A6-FB7D-0240-97D8-6615283E9E74}" presName="acctBkgd" presStyleLbl="alignAcc1" presStyleIdx="3" presStyleCnt="4"/>
       <dgm:spPr/>
-      <dgm:t>
-        <a:bodyPr/>
-        <a:lstStyle/>
-        <a:p>
-          <a:endParaRPr lang="de-DE"/>
-        </a:p>
-      </dgm:t>
     </dgm:pt>
     <dgm:pt modelId="{26251B07-6187-0C4B-902B-8F81E2C76F5A}" type="pres">
       <dgm:prSet presAssocID="{D26D63A6-FB7D-0240-97D8-6615283E9E74}" presName="acctTx" presStyleLbl="alignAcc1" presStyleIdx="3" presStyleCnt="4">
@@ -3413,13 +3315,6 @@
         </dgm:presLayoutVars>
       </dgm:prSet>
       <dgm:spPr/>
-      <dgm:t>
-        <a:bodyPr/>
-        <a:lstStyle/>
-        <a:p>
-          <a:endParaRPr lang="de-DE"/>
-        </a:p>
-      </dgm:t>
     </dgm:pt>
     <dgm:pt modelId="{2A0A634F-9A33-6544-B1F3-6BFFBF7806C4}" type="pres">
       <dgm:prSet presAssocID="{D26D63A6-FB7D-0240-97D8-6615283E9E74}" presName="level" presStyleLbl="node1" presStyleIdx="3" presStyleCnt="4">
@@ -3429,13 +3324,6 @@
         </dgm:presLayoutVars>
       </dgm:prSet>
       <dgm:spPr/>
-      <dgm:t>
-        <a:bodyPr/>
-        <a:lstStyle/>
-        <a:p>
-          <a:endParaRPr lang="de-DE"/>
-        </a:p>
-      </dgm:t>
     </dgm:pt>
     <dgm:pt modelId="{E68B17FE-F1BB-8B4E-B878-6C4CEBB5AB7C}" type="pres">
       <dgm:prSet presAssocID="{D26D63A6-FB7D-0240-97D8-6615283E9E74}" presName="levelTx" presStyleLbl="revTx" presStyleIdx="0" presStyleCnt="0">
@@ -3445,41 +3333,34 @@
         </dgm:presLayoutVars>
       </dgm:prSet>
       <dgm:spPr/>
-      <dgm:t>
-        <a:bodyPr/>
-        <a:lstStyle/>
-        <a:p>
-          <a:endParaRPr lang="de-DE"/>
-        </a:p>
-      </dgm:t>
     </dgm:pt>
   </dgm:ptLst>
   <dgm:cxnLst>
-    <dgm:cxn modelId="{211DC5FE-E8F6-E641-82FB-5EBA978E76D0}" srcId="{52B83748-D356-8E4B-901B-689C881CB76E}" destId="{51F1C30F-BC6D-964B-805C-7251FA337436}" srcOrd="1" destOrd="0" parTransId="{A57266B8-A1C1-1B41-A949-12337937A6C8}" sibTransId="{C79C864C-4DC6-7443-A73D-93284B5B0F3A}"/>
-    <dgm:cxn modelId="{8CE25D3E-3852-0647-B35F-AD06DFC609EB}" type="presOf" srcId="{92C21019-64F2-0A48-BD7D-7FDFDD8673B8}" destId="{4D34D131-0121-2641-AF3E-C4A924B66906}" srcOrd="1" destOrd="0" presId="urn:microsoft.com/office/officeart/2005/8/layout/pyramid1"/>
+    <dgm:cxn modelId="{1D8B7A02-969F-CF45-8699-77BD1E7D48F3}" type="presOf" srcId="{E3B96449-42AF-F148-8F67-EB889FB6512C}" destId="{8D281AA3-EAE3-0045-A5A0-7223F2D67F92}" srcOrd="0" destOrd="0" presId="urn:microsoft.com/office/officeart/2005/8/layout/pyramid1"/>
     <dgm:cxn modelId="{71386A13-7EC1-004B-9EBD-37E3167C6D12}" type="presOf" srcId="{D26D63A6-FB7D-0240-97D8-6615283E9E74}" destId="{2A0A634F-9A33-6544-B1F3-6BFFBF7806C4}" srcOrd="0" destOrd="0" presId="urn:microsoft.com/office/officeart/2005/8/layout/pyramid1"/>
-    <dgm:cxn modelId="{502CE793-7F02-AA47-9CE6-FDC1E7427C22}" type="presOf" srcId="{86562535-CB87-E34D-8DAD-030AF61C8641}" destId="{7E987B23-1FBF-934F-AE84-A1950824BC19}" srcOrd="0" destOrd="0" presId="urn:microsoft.com/office/officeart/2005/8/layout/pyramid1"/>
-    <dgm:cxn modelId="{9A721D8F-3AAB-9141-84E7-9B39BE271760}" type="presOf" srcId="{D2AA4A43-264F-8648-B9B2-CFED45AB96AB}" destId="{D77927C9-F46D-F245-BE2A-ABD276F67486}" srcOrd="0" destOrd="0" presId="urn:microsoft.com/office/officeart/2005/8/layout/pyramid1"/>
-    <dgm:cxn modelId="{E6B1AA86-CAC3-3949-AEA8-582395F83494}" srcId="{52B83748-D356-8E4B-901B-689C881CB76E}" destId="{95522B47-3477-C141-AFAA-3FD0434218F0}" srcOrd="2" destOrd="0" parTransId="{DFBFE72D-52F8-F54E-9F32-235413E7185E}" sibTransId="{B3DE6D2F-29BD-8247-9BF7-96EB91225252}"/>
-    <dgm:cxn modelId="{24C3F674-5E6E-3A42-98C0-BB38B6F005A0}" srcId="{95522B47-3477-C141-AFAA-3FD0434218F0}" destId="{D2AA4A43-264F-8648-B9B2-CFED45AB96AB}" srcOrd="0" destOrd="0" parTransId="{474CA716-F6C1-7B45-8DAC-52B1A20AF057}" sibTransId="{10B6231A-D3E5-9248-B90E-44C8058A4611}"/>
-    <dgm:cxn modelId="{CD931F3B-724D-E94B-A36F-46CE2D24E813}" srcId="{52B83748-D356-8E4B-901B-689C881CB76E}" destId="{92C21019-64F2-0A48-BD7D-7FDFDD8673B8}" srcOrd="0" destOrd="0" parTransId="{CFFC1156-F014-ED4C-A89E-770AF591ECA4}" sibTransId="{9703F012-5FE8-834E-AD99-07FBC06FD25E}"/>
-    <dgm:cxn modelId="{C0DCFC6C-C5B3-A742-AD97-5E92FB86351D}" type="presOf" srcId="{86562535-CB87-E34D-8DAD-030AF61C8641}" destId="{018B8698-0B3B-D540-A270-4559257B67AF}" srcOrd="1" destOrd="0" presId="urn:microsoft.com/office/officeart/2005/8/layout/pyramid1"/>
-    <dgm:cxn modelId="{E97A5C97-0681-864D-8A3C-14A82006E75D}" srcId="{51F1C30F-BC6D-964B-805C-7251FA337436}" destId="{E3B96449-42AF-F148-8F67-EB889FB6512C}" srcOrd="0" destOrd="0" parTransId="{B5FCD191-7AD4-B448-88CE-82D53C569F1C}" sibTransId="{13F26C4E-C59A-774E-8760-E5E040AFEC23}"/>
-    <dgm:cxn modelId="{DBBF9DA3-28E7-7C42-84A2-4562B85A7E17}" type="presOf" srcId="{95522B47-3477-C141-AFAA-3FD0434218F0}" destId="{A8CB1A31-73B3-534A-A39D-2DE64F9500D0}" srcOrd="0" destOrd="0" presId="urn:microsoft.com/office/officeart/2005/8/layout/pyramid1"/>
-    <dgm:cxn modelId="{55DB5057-E167-0F4D-9C45-97536FB21FC5}" srcId="{92C21019-64F2-0A48-BD7D-7FDFDD8673B8}" destId="{86562535-CB87-E34D-8DAD-030AF61C8641}" srcOrd="0" destOrd="0" parTransId="{8E834B72-D6E0-FA42-B016-285DE2472A1B}" sibTransId="{955D2653-D915-ED40-80DB-1448DE6D629A}"/>
+    <dgm:cxn modelId="{627BF814-1DF4-6F44-ACBD-B39B7772361D}" type="presOf" srcId="{51F1C30F-BC6D-964B-805C-7251FA337436}" destId="{6B11F3B5-2AD7-F54A-803F-23A8CC73E218}" srcOrd="0" destOrd="0" presId="urn:microsoft.com/office/officeart/2005/8/layout/pyramid1"/>
     <dgm:cxn modelId="{7B8EC030-0B4B-3F49-93CC-273FA493DEE6}" type="presOf" srcId="{54BB39A5-BC0D-3B45-B235-407F12CB716A}" destId="{26251B07-6187-0C4B-902B-8F81E2C76F5A}" srcOrd="1" destOrd="0" presId="urn:microsoft.com/office/officeart/2005/8/layout/pyramid1"/>
     <dgm:cxn modelId="{2FE19B32-6313-E84C-8062-479A4E821B8B}" type="presOf" srcId="{51F1C30F-BC6D-964B-805C-7251FA337436}" destId="{48B723AD-B3BC-6C4A-BEC9-85FE6C47C9A8}" srcOrd="1" destOrd="0" presId="urn:microsoft.com/office/officeart/2005/8/layout/pyramid1"/>
-    <dgm:cxn modelId="{1D8B7A02-969F-CF45-8699-77BD1E7D48F3}" type="presOf" srcId="{E3B96449-42AF-F148-8F67-EB889FB6512C}" destId="{8D281AA3-EAE3-0045-A5A0-7223F2D67F92}" srcOrd="0" destOrd="0" presId="urn:microsoft.com/office/officeart/2005/8/layout/pyramid1"/>
+    <dgm:cxn modelId="{CD931F3B-724D-E94B-A36F-46CE2D24E813}" srcId="{52B83748-D356-8E4B-901B-689C881CB76E}" destId="{92C21019-64F2-0A48-BD7D-7FDFDD8673B8}" srcOrd="0" destOrd="0" parTransId="{CFFC1156-F014-ED4C-A89E-770AF591ECA4}" sibTransId="{9703F012-5FE8-834E-AD99-07FBC06FD25E}"/>
+    <dgm:cxn modelId="{8CE25D3E-3852-0647-B35F-AD06DFC609EB}" type="presOf" srcId="{92C21019-64F2-0A48-BD7D-7FDFDD8673B8}" destId="{4D34D131-0121-2641-AF3E-C4A924B66906}" srcOrd="1" destOrd="0" presId="urn:microsoft.com/office/officeart/2005/8/layout/pyramid1"/>
+    <dgm:cxn modelId="{389C8662-EA50-E548-927E-2B90779875DA}" type="presOf" srcId="{52B83748-D356-8E4B-901B-689C881CB76E}" destId="{B087545F-E550-464C-8013-DA49045A25FB}" srcOrd="0" destOrd="0" presId="urn:microsoft.com/office/officeart/2005/8/layout/pyramid1"/>
+    <dgm:cxn modelId="{C0DCFC6C-C5B3-A742-AD97-5E92FB86351D}" type="presOf" srcId="{86562535-CB87-E34D-8DAD-030AF61C8641}" destId="{018B8698-0B3B-D540-A270-4559257B67AF}" srcOrd="1" destOrd="0" presId="urn:microsoft.com/office/officeart/2005/8/layout/pyramid1"/>
+    <dgm:cxn modelId="{FE5D4574-3829-E849-A575-0E0B3845CA89}" type="presOf" srcId="{95522B47-3477-C141-AFAA-3FD0434218F0}" destId="{DF22608E-46D2-D64D-9F3F-99E16C8A152A}" srcOrd="1" destOrd="0" presId="urn:microsoft.com/office/officeart/2005/8/layout/pyramid1"/>
+    <dgm:cxn modelId="{24C3F674-5E6E-3A42-98C0-BB38B6F005A0}" srcId="{95522B47-3477-C141-AFAA-3FD0434218F0}" destId="{D2AA4A43-264F-8648-B9B2-CFED45AB96AB}" srcOrd="0" destOrd="0" parTransId="{474CA716-F6C1-7B45-8DAC-52B1A20AF057}" sibTransId="{10B6231A-D3E5-9248-B90E-44C8058A4611}"/>
+    <dgm:cxn modelId="{55DB5057-E167-0F4D-9C45-97536FB21FC5}" srcId="{92C21019-64F2-0A48-BD7D-7FDFDD8673B8}" destId="{86562535-CB87-E34D-8DAD-030AF61C8641}" srcOrd="0" destOrd="0" parTransId="{8E834B72-D6E0-FA42-B016-285DE2472A1B}" sibTransId="{955D2653-D915-ED40-80DB-1448DE6D629A}"/>
+    <dgm:cxn modelId="{E6B1AA86-CAC3-3949-AEA8-582395F83494}" srcId="{52B83748-D356-8E4B-901B-689C881CB76E}" destId="{95522B47-3477-C141-AFAA-3FD0434218F0}" srcOrd="2" destOrd="0" parTransId="{DFBFE72D-52F8-F54E-9F32-235413E7185E}" sibTransId="{B3DE6D2F-29BD-8247-9BF7-96EB91225252}"/>
+    <dgm:cxn modelId="{9A721D8F-3AAB-9141-84E7-9B39BE271760}" type="presOf" srcId="{D2AA4A43-264F-8648-B9B2-CFED45AB96AB}" destId="{D77927C9-F46D-F245-BE2A-ABD276F67486}" srcOrd="0" destOrd="0" presId="urn:microsoft.com/office/officeart/2005/8/layout/pyramid1"/>
+    <dgm:cxn modelId="{502CE793-7F02-AA47-9CE6-FDC1E7427C22}" type="presOf" srcId="{86562535-CB87-E34D-8DAD-030AF61C8641}" destId="{7E987B23-1FBF-934F-AE84-A1950824BC19}" srcOrd="0" destOrd="0" presId="urn:microsoft.com/office/officeart/2005/8/layout/pyramid1"/>
+    <dgm:cxn modelId="{E97A5C97-0681-864D-8A3C-14A82006E75D}" srcId="{51F1C30F-BC6D-964B-805C-7251FA337436}" destId="{E3B96449-42AF-F148-8F67-EB889FB6512C}" srcOrd="0" destOrd="0" parTransId="{B5FCD191-7AD4-B448-88CE-82D53C569F1C}" sibTransId="{13F26C4E-C59A-774E-8760-E5E040AFEC23}"/>
+    <dgm:cxn modelId="{86DBF4A1-E75F-914F-BDB4-267F893AF406}" type="presOf" srcId="{54BB39A5-BC0D-3B45-B235-407F12CB716A}" destId="{999FE6A6-E8B1-BB44-B941-3BC9347AA8FE}" srcOrd="0" destOrd="0" presId="urn:microsoft.com/office/officeart/2005/8/layout/pyramid1"/>
+    <dgm:cxn modelId="{DBBF9DA3-28E7-7C42-84A2-4562B85A7E17}" type="presOf" srcId="{95522B47-3477-C141-AFAA-3FD0434218F0}" destId="{A8CB1A31-73B3-534A-A39D-2DE64F9500D0}" srcOrd="0" destOrd="0" presId="urn:microsoft.com/office/officeart/2005/8/layout/pyramid1"/>
     <dgm:cxn modelId="{EA7A61B1-4190-0B40-AE07-15097723928E}" type="presOf" srcId="{D2AA4A43-264F-8648-B9B2-CFED45AB96AB}" destId="{7CA8BB3D-EC27-DF4B-B646-4F05EA0EC76E}" srcOrd="1" destOrd="0" presId="urn:microsoft.com/office/officeart/2005/8/layout/pyramid1"/>
+    <dgm:cxn modelId="{DC60B0B8-DA17-4A4F-989C-BA209B87140B}" type="presOf" srcId="{D26D63A6-FB7D-0240-97D8-6615283E9E74}" destId="{E68B17FE-F1BB-8B4E-B878-6C4CEBB5AB7C}" srcOrd="1" destOrd="0" presId="urn:microsoft.com/office/officeart/2005/8/layout/pyramid1"/>
+    <dgm:cxn modelId="{45E5BCC5-B613-8F47-9D41-F55D9A2F034E}" srcId="{52B83748-D356-8E4B-901B-689C881CB76E}" destId="{D26D63A6-FB7D-0240-97D8-6615283E9E74}" srcOrd="3" destOrd="0" parTransId="{5479B260-1F67-9E43-BC62-5CD5ECE50579}" sibTransId="{CD96E1A7-72A0-D945-B269-B382626CF372}"/>
+    <dgm:cxn modelId="{EBFDDAD3-5806-1448-A843-A19FFE20FB5A}" type="presOf" srcId="{92C21019-64F2-0A48-BD7D-7FDFDD8673B8}" destId="{A9F61433-CB8A-8047-8082-C85308266DA6}" srcOrd="0" destOrd="0" presId="urn:microsoft.com/office/officeart/2005/8/layout/pyramid1"/>
+    <dgm:cxn modelId="{52297CD7-8089-D24E-B92B-08B2B0849FA7}" srcId="{D26D63A6-FB7D-0240-97D8-6615283E9E74}" destId="{54BB39A5-BC0D-3B45-B235-407F12CB716A}" srcOrd="0" destOrd="0" parTransId="{6BE7F2BC-7853-2844-BD56-AB5ED85CCB6B}" sibTransId="{984FBD6F-6A42-B741-BB79-BB20B9D4D83F}"/>
     <dgm:cxn modelId="{112C46F9-DC31-A24F-A8F9-6809E192320C}" type="presOf" srcId="{E3B96449-42AF-F148-8F67-EB889FB6512C}" destId="{E9BA28E7-8E28-DC4E-8CFA-4CB60151A223}" srcOrd="1" destOrd="0" presId="urn:microsoft.com/office/officeart/2005/8/layout/pyramid1"/>
-    <dgm:cxn modelId="{EBFDDAD3-5806-1448-A843-A19FFE20FB5A}" type="presOf" srcId="{92C21019-64F2-0A48-BD7D-7FDFDD8673B8}" destId="{A9F61433-CB8A-8047-8082-C85308266DA6}" srcOrd="0" destOrd="0" presId="urn:microsoft.com/office/officeart/2005/8/layout/pyramid1"/>
-    <dgm:cxn modelId="{45E5BCC5-B613-8F47-9D41-F55D9A2F034E}" srcId="{52B83748-D356-8E4B-901B-689C881CB76E}" destId="{D26D63A6-FB7D-0240-97D8-6615283E9E74}" srcOrd="3" destOrd="0" parTransId="{5479B260-1F67-9E43-BC62-5CD5ECE50579}" sibTransId="{CD96E1A7-72A0-D945-B269-B382626CF372}"/>
-    <dgm:cxn modelId="{627BF814-1DF4-6F44-ACBD-B39B7772361D}" type="presOf" srcId="{51F1C30F-BC6D-964B-805C-7251FA337436}" destId="{6B11F3B5-2AD7-F54A-803F-23A8CC73E218}" srcOrd="0" destOrd="0" presId="urn:microsoft.com/office/officeart/2005/8/layout/pyramid1"/>
-    <dgm:cxn modelId="{86DBF4A1-E75F-914F-BDB4-267F893AF406}" type="presOf" srcId="{54BB39A5-BC0D-3B45-B235-407F12CB716A}" destId="{999FE6A6-E8B1-BB44-B941-3BC9347AA8FE}" srcOrd="0" destOrd="0" presId="urn:microsoft.com/office/officeart/2005/8/layout/pyramid1"/>
-    <dgm:cxn modelId="{FE5D4574-3829-E849-A575-0E0B3845CA89}" type="presOf" srcId="{95522B47-3477-C141-AFAA-3FD0434218F0}" destId="{DF22608E-46D2-D64D-9F3F-99E16C8A152A}" srcOrd="1" destOrd="0" presId="urn:microsoft.com/office/officeart/2005/8/layout/pyramid1"/>
-    <dgm:cxn modelId="{52297CD7-8089-D24E-B92B-08B2B0849FA7}" srcId="{D26D63A6-FB7D-0240-97D8-6615283E9E74}" destId="{54BB39A5-BC0D-3B45-B235-407F12CB716A}" srcOrd="0" destOrd="0" parTransId="{6BE7F2BC-7853-2844-BD56-AB5ED85CCB6B}" sibTransId="{984FBD6F-6A42-B741-BB79-BB20B9D4D83F}"/>
-    <dgm:cxn modelId="{389C8662-EA50-E548-927E-2B90779875DA}" type="presOf" srcId="{52B83748-D356-8E4B-901B-689C881CB76E}" destId="{B087545F-E550-464C-8013-DA49045A25FB}" srcOrd="0" destOrd="0" presId="urn:microsoft.com/office/officeart/2005/8/layout/pyramid1"/>
-    <dgm:cxn modelId="{DC60B0B8-DA17-4A4F-989C-BA209B87140B}" type="presOf" srcId="{D26D63A6-FB7D-0240-97D8-6615283E9E74}" destId="{E68B17FE-F1BB-8B4E-B878-6C4CEBB5AB7C}" srcOrd="1" destOrd="0" presId="urn:microsoft.com/office/officeart/2005/8/layout/pyramid1"/>
+    <dgm:cxn modelId="{211DC5FE-E8F6-E641-82FB-5EBA978E76D0}" srcId="{52B83748-D356-8E4B-901B-689C881CB76E}" destId="{51F1C30F-BC6D-964B-805C-7251FA337436}" srcOrd="1" destOrd="0" parTransId="{A57266B8-A1C1-1B41-A949-12337937A6C8}" sibTransId="{C79C864C-4DC6-7443-A73D-93284B5B0F3A}"/>
     <dgm:cxn modelId="{1140912D-454D-3140-B36C-3D051227A737}" type="presParOf" srcId="{B087545F-E550-464C-8013-DA49045A25FB}" destId="{1BE0FB69-2C40-A646-8F48-6CA9A4A163F8}" srcOrd="0" destOrd="0" presId="urn:microsoft.com/office/officeart/2005/8/layout/pyramid1"/>
     <dgm:cxn modelId="{123CB294-32AD-A848-BECE-3620CB2030FC}" type="presParOf" srcId="{1BE0FB69-2C40-A646-8F48-6CA9A4A163F8}" destId="{7E987B23-1FBF-934F-AE84-A1950824BC19}" srcOrd="0" destOrd="0" presId="urn:microsoft.com/office/officeart/2005/8/layout/pyramid1"/>
     <dgm:cxn modelId="{8FD2DC62-457F-BC42-85F0-06289DDC0FFD}" type="presParOf" srcId="{1BE0FB69-2C40-A646-8F48-6CA9A4A163F8}" destId="{018B8698-0B3B-D540-A270-4559257B67AF}" srcOrd="1" destOrd="0" presId="urn:microsoft.com/office/officeart/2005/8/layout/pyramid1"/>
@@ -3586,13 +3467,12 @@
             <a:spcAft>
               <a:spcPct val="15000"/>
             </a:spcAft>
-            <a:buChar char="••"/>
+            <a:buChar char="•"/>
           </a:pPr>
           <a:r>
-            <a:rPr lang="de-DE" sz="2300" kern="1200" dirty="0" smtClean="0"/>
+            <a:rPr lang="de-DE" sz="2300" kern="1200" dirty="0"/>
             <a:t>Integrationstests</a:t>
           </a:r>
-          <a:endParaRPr lang="de-DE" sz="2300" kern="1200" dirty="0"/>
         </a:p>
       </dsp:txBody>
       <dsp:txXfrm rot="10800000">
@@ -3663,7 +3543,7 @@
         </a:bodyPr>
         <a:lstStyle/>
         <a:p>
-          <a:pPr lvl="0" algn="ctr" defTabSz="889000">
+          <a:pPr marL="0" lvl="0" indent="0" algn="ctr" defTabSz="889000">
             <a:lnSpc>
               <a:spcPct val="90000"/>
             </a:lnSpc>
@@ -3673,6 +3553,7 @@
             <a:spcAft>
               <a:spcPct val="35000"/>
             </a:spcAft>
+            <a:buNone/>
           </a:pPr>
           <a:endParaRPr lang="de-DE" sz="2000" kern="1200" dirty="0"/>
         </a:p>
@@ -3749,13 +3630,12 @@
             <a:spcAft>
               <a:spcPct val="15000"/>
             </a:spcAft>
-            <a:buChar char="••"/>
+            <a:buChar char="•"/>
           </a:pPr>
           <a:r>
-            <a:rPr lang="de-DE" sz="2300" kern="1200" dirty="0" smtClean="0"/>
+            <a:rPr lang="de-DE" sz="2300" kern="1200" dirty="0"/>
             <a:t>UI-Tests</a:t>
           </a:r>
-          <a:endParaRPr lang="de-DE" sz="2300" kern="1200" dirty="0"/>
         </a:p>
       </dsp:txBody>
       <dsp:txXfrm rot="10800000">
@@ -3826,7 +3706,7 @@
         </a:bodyPr>
         <a:lstStyle/>
         <a:p>
-          <a:pPr lvl="0" algn="ctr" defTabSz="2889250">
+          <a:pPr marL="0" lvl="0" indent="0" algn="ctr" defTabSz="2889250">
             <a:lnSpc>
               <a:spcPct val="90000"/>
             </a:lnSpc>
@@ -3836,6 +3716,7 @@
             <a:spcAft>
               <a:spcPct val="35000"/>
             </a:spcAft>
+            <a:buNone/>
           </a:pPr>
           <a:endParaRPr lang="de-DE" sz="6500" kern="1200" dirty="0"/>
         </a:p>
@@ -3912,10 +3793,10 @@
             <a:spcAft>
               <a:spcPct val="15000"/>
             </a:spcAft>
-            <a:buChar char="••"/>
+            <a:buChar char="•"/>
           </a:pPr>
           <a:r>
-            <a:rPr lang="de-DE" sz="2300" kern="1200" dirty="0" err="1" smtClean="0"/>
+            <a:rPr lang="de-DE" sz="2300" kern="1200" dirty="0" err="1"/>
             <a:t>Unittests</a:t>
           </a:r>
           <a:endParaRPr lang="de-DE" sz="2300" kern="1200" dirty="0"/>
@@ -3989,7 +3870,7 @@
         </a:bodyPr>
         <a:lstStyle/>
         <a:p>
-          <a:pPr lvl="0" algn="ctr" defTabSz="2889250">
+          <a:pPr marL="0" lvl="0" indent="0" algn="ctr" defTabSz="2889250">
             <a:lnSpc>
               <a:spcPct val="90000"/>
             </a:lnSpc>
@@ -3999,6 +3880,7 @@
             <a:spcAft>
               <a:spcPct val="35000"/>
             </a:spcAft>
+            <a:buNone/>
           </a:pPr>
           <a:endParaRPr lang="de-DE" sz="6500" kern="1200" dirty="0"/>
         </a:p>
@@ -4075,13 +3957,12 @@
             <a:spcAft>
               <a:spcPct val="15000"/>
             </a:spcAft>
-            <a:buChar char="••"/>
+            <a:buChar char="•"/>
           </a:pPr>
           <a:r>
-            <a:rPr lang="de-DE" sz="2300" kern="1200" dirty="0" smtClean="0"/>
+            <a:rPr lang="de-DE" sz="2300" kern="1200" dirty="0"/>
             <a:t>manuelle Tests</a:t>
           </a:r>
-          <a:endParaRPr lang="de-DE" sz="2300" kern="1200" dirty="0"/>
         </a:p>
       </dsp:txBody>
       <dsp:txXfrm rot="10800000">
@@ -4152,7 +4033,7 @@
         </a:bodyPr>
         <a:lstStyle/>
         <a:p>
-          <a:pPr lvl="0" algn="ctr" defTabSz="2889250">
+          <a:pPr marL="0" lvl="0" indent="0" algn="ctr" defTabSz="2889250">
             <a:lnSpc>
               <a:spcPct val="90000"/>
             </a:lnSpc>
@@ -4162,6 +4043,7 @@
             <a:spcAft>
               <a:spcPct val="35000"/>
             </a:spcAft>
+            <a:buNone/>
           </a:pPr>
           <a:endParaRPr lang="de-DE" sz="6500" kern="1200" dirty="0"/>
         </a:p>
@@ -5488,7 +5370,7 @@
           </a:lstStyle>
           <a:p>
             <a:r>
-              <a:rPr kumimoji="0" lang="de-DE" smtClean="0"/>
+              <a:rPr kumimoji="0" lang="de-DE"/>
               <a:t>Titelmasterformat durch Klicken bearbeiten</a:t>
             </a:r>
             <a:endParaRPr kumimoji="0" lang="en-US"/>
@@ -5549,7 +5431,7 @@
           </a:lstStyle>
           <a:p>
             <a:r>
-              <a:rPr kumimoji="0" lang="de-DE" smtClean="0"/>
+              <a:rPr kumimoji="0" lang="de-DE"/>
               <a:t>Formatvorlage des Untertitelmasters durch Klicken bearbeiten</a:t>
             </a:r>
             <a:endParaRPr kumimoji="0" lang="en-US"/>
@@ -5579,7 +5461,7 @@
             <a:fld id="{EB99765B-6265-4230-895B-55A7E0C311D7}" type="datetimeFigureOut">
               <a:rPr lang="de-DE" smtClean="0"/>
               <a:pPr/>
-              <a:t>15.09.18</a:t>
+              <a:t>16.09.2018</a:t>
             </a:fld>
             <a:endParaRPr lang="de-DE"/>
           </a:p>
@@ -6373,7 +6255,7 @@
           <a:lstStyle/>
           <a:p>
             <a:r>
-              <a:rPr kumimoji="0" lang="de-DE" smtClean="0"/>
+              <a:rPr kumimoji="0" lang="de-DE"/>
               <a:t>Titelmasterformat durch Klicken bearbeiten</a:t>
             </a:r>
             <a:endParaRPr kumimoji="0" lang="en-US"/>
@@ -6397,35 +6279,35 @@
           <a:p>
             <a:pPr lvl="0" eaLnBrk="1" latinLnBrk="0" hangingPunct="1"/>
             <a:r>
-              <a:rPr lang="de-DE" smtClean="0"/>
+              <a:rPr lang="de-DE"/>
               <a:t>Textmasterformate durch Klicken bearbeiten</a:t>
             </a:r>
           </a:p>
           <a:p>
             <a:pPr lvl="1" eaLnBrk="1" latinLnBrk="0" hangingPunct="1"/>
             <a:r>
-              <a:rPr lang="de-DE" smtClean="0"/>
+              <a:rPr lang="de-DE"/>
               <a:t>Zweite Ebene</a:t>
             </a:r>
           </a:p>
           <a:p>
             <a:pPr lvl="2" eaLnBrk="1" latinLnBrk="0" hangingPunct="1"/>
             <a:r>
-              <a:rPr lang="de-DE" smtClean="0"/>
+              <a:rPr lang="de-DE"/>
               <a:t>Dritte Ebene</a:t>
             </a:r>
           </a:p>
           <a:p>
             <a:pPr lvl="3" eaLnBrk="1" latinLnBrk="0" hangingPunct="1"/>
             <a:r>
-              <a:rPr lang="de-DE" smtClean="0"/>
+              <a:rPr lang="de-DE"/>
               <a:t>Vierte Ebene</a:t>
             </a:r>
           </a:p>
           <a:p>
             <a:pPr lvl="4" eaLnBrk="1" latinLnBrk="0" hangingPunct="1"/>
             <a:r>
-              <a:rPr lang="de-DE" smtClean="0"/>
+              <a:rPr lang="de-DE"/>
               <a:t>Fünfte Ebene</a:t>
             </a:r>
             <a:endParaRPr kumimoji="0" lang="en-US"/>
@@ -6450,7 +6332,7 @@
             <a:fld id="{EB99765B-6265-4230-895B-55A7E0C311D7}" type="datetimeFigureOut">
               <a:rPr lang="de-DE" smtClean="0"/>
               <a:pPr/>
-              <a:t>15.09.18</a:t>
+              <a:t>16.09.2018</a:t>
             </a:fld>
             <a:endParaRPr lang="de-DE"/>
           </a:p>
@@ -6545,7 +6427,7 @@
           <a:lstStyle/>
           <a:p>
             <a:r>
-              <a:rPr kumimoji="0" lang="de-DE" smtClean="0"/>
+              <a:rPr kumimoji="0" lang="de-DE"/>
               <a:t>Titelmasterformat durch Klicken bearbeiten</a:t>
             </a:r>
             <a:endParaRPr kumimoji="0" lang="en-US"/>
@@ -6574,35 +6456,35 @@
           <a:p>
             <a:pPr lvl="0" eaLnBrk="1" latinLnBrk="0" hangingPunct="1"/>
             <a:r>
-              <a:rPr lang="de-DE" smtClean="0"/>
+              <a:rPr lang="de-DE"/>
               <a:t>Textmasterformate durch Klicken bearbeiten</a:t>
             </a:r>
           </a:p>
           <a:p>
             <a:pPr lvl="1" eaLnBrk="1" latinLnBrk="0" hangingPunct="1"/>
             <a:r>
-              <a:rPr lang="de-DE" smtClean="0"/>
+              <a:rPr lang="de-DE"/>
               <a:t>Zweite Ebene</a:t>
             </a:r>
           </a:p>
           <a:p>
             <a:pPr lvl="2" eaLnBrk="1" latinLnBrk="0" hangingPunct="1"/>
             <a:r>
-              <a:rPr lang="de-DE" smtClean="0"/>
+              <a:rPr lang="de-DE"/>
               <a:t>Dritte Ebene</a:t>
             </a:r>
           </a:p>
           <a:p>
             <a:pPr lvl="3" eaLnBrk="1" latinLnBrk="0" hangingPunct="1"/>
             <a:r>
-              <a:rPr lang="de-DE" smtClean="0"/>
+              <a:rPr lang="de-DE"/>
               <a:t>Vierte Ebene</a:t>
             </a:r>
           </a:p>
           <a:p>
             <a:pPr lvl="4" eaLnBrk="1" latinLnBrk="0" hangingPunct="1"/>
             <a:r>
-              <a:rPr lang="de-DE" smtClean="0"/>
+              <a:rPr lang="de-DE"/>
               <a:t>Fünfte Ebene</a:t>
             </a:r>
             <a:endParaRPr kumimoji="0" lang="en-US"/>
@@ -6627,7 +6509,7 @@
             <a:fld id="{EB99765B-6265-4230-895B-55A7E0C311D7}" type="datetimeFigureOut">
               <a:rPr lang="de-DE" smtClean="0"/>
               <a:pPr/>
-              <a:t>15.09.18</a:t>
+              <a:t>16.09.2018</a:t>
             </a:fld>
             <a:endParaRPr lang="de-DE"/>
           </a:p>
@@ -6717,7 +6599,7 @@
           <a:lstStyle/>
           <a:p>
             <a:r>
-              <a:rPr kumimoji="0" lang="de-DE" smtClean="0"/>
+              <a:rPr kumimoji="0" lang="de-DE"/>
               <a:t>Titelmasterformat durch Klicken bearbeiten</a:t>
             </a:r>
             <a:endParaRPr kumimoji="0" lang="en-US"/>
@@ -6746,35 +6628,35 @@
           <a:p>
             <a:pPr lvl="0" eaLnBrk="1" latinLnBrk="0" hangingPunct="1"/>
             <a:r>
-              <a:rPr lang="de-DE" smtClean="0"/>
+              <a:rPr lang="de-DE"/>
               <a:t>Textmasterformate durch Klicken bearbeiten</a:t>
             </a:r>
           </a:p>
           <a:p>
             <a:pPr lvl="1" eaLnBrk="1" latinLnBrk="0" hangingPunct="1"/>
             <a:r>
-              <a:rPr lang="de-DE" smtClean="0"/>
+              <a:rPr lang="de-DE"/>
               <a:t>Zweite Ebene</a:t>
             </a:r>
           </a:p>
           <a:p>
             <a:pPr lvl="2" eaLnBrk="1" latinLnBrk="0" hangingPunct="1"/>
             <a:r>
-              <a:rPr lang="de-DE" smtClean="0"/>
+              <a:rPr lang="de-DE"/>
               <a:t>Dritte Ebene</a:t>
             </a:r>
           </a:p>
           <a:p>
             <a:pPr lvl="3" eaLnBrk="1" latinLnBrk="0" hangingPunct="1"/>
             <a:r>
-              <a:rPr lang="de-DE" smtClean="0"/>
+              <a:rPr lang="de-DE"/>
               <a:t>Vierte Ebene</a:t>
             </a:r>
           </a:p>
           <a:p>
             <a:pPr lvl="4" eaLnBrk="1" latinLnBrk="0" hangingPunct="1"/>
             <a:r>
-              <a:rPr lang="de-DE" smtClean="0"/>
+              <a:rPr lang="de-DE"/>
               <a:t>Fünfte Ebene</a:t>
             </a:r>
             <a:endParaRPr kumimoji="0" lang="en-US"/>
@@ -6799,7 +6681,7 @@
             <a:fld id="{EB99765B-6265-4230-895B-55A7E0C311D7}" type="datetimeFigureOut">
               <a:rPr lang="de-DE" smtClean="0"/>
               <a:pPr/>
-              <a:t>15.09.18</a:t>
+              <a:t>16.09.2018</a:t>
             </a:fld>
             <a:endParaRPr lang="de-DE"/>
           </a:p>
@@ -6904,7 +6786,7 @@
           </a:lstStyle>
           <a:p>
             <a:r>
-              <a:rPr kumimoji="0" lang="de-DE" smtClean="0"/>
+              <a:rPr kumimoji="0" lang="de-DE"/>
               <a:t>Titelmasterformat durch Klicken bearbeiten</a:t>
             </a:r>
             <a:endParaRPr kumimoji="0" lang="en-US"/>
@@ -6982,7 +6864,7 @@
           <a:p>
             <a:pPr lvl="0" eaLnBrk="1" latinLnBrk="0" hangingPunct="1"/>
             <a:r>
-              <a:rPr kumimoji="0" lang="de-DE" smtClean="0"/>
+              <a:rPr kumimoji="0" lang="de-DE"/>
               <a:t>Textmasterformate durch Klicken bearbeiten</a:t>
             </a:r>
           </a:p>
@@ -7011,7 +6893,7 @@
             <a:fld id="{EB99765B-6265-4230-895B-55A7E0C311D7}" type="datetimeFigureOut">
               <a:rPr lang="de-DE" smtClean="0"/>
               <a:pPr/>
-              <a:t>15.09.18</a:t>
+              <a:t>16.09.2018</a:t>
             </a:fld>
             <a:endParaRPr lang="de-DE"/>
           </a:p>
@@ -7802,7 +7684,7 @@
           <a:lstStyle/>
           <a:p>
             <a:r>
-              <a:rPr kumimoji="0" lang="de-DE" smtClean="0"/>
+              <a:rPr kumimoji="0" lang="de-DE"/>
               <a:t>Titelmasterformat durch Klicken bearbeiten</a:t>
             </a:r>
             <a:endParaRPr kumimoji="0" lang="en-US"/>
@@ -7827,7 +7709,7 @@
             <a:fld id="{EB99765B-6265-4230-895B-55A7E0C311D7}" type="datetimeFigureOut">
               <a:rPr lang="de-DE" smtClean="0"/>
               <a:pPr/>
-              <a:t>15.09.18</a:t>
+              <a:t>16.09.2018</a:t>
             </a:fld>
             <a:endParaRPr lang="de-DE"/>
           </a:p>
@@ -7898,35 +7780,35 @@
           <a:p>
             <a:pPr lvl="0" eaLnBrk="1" latinLnBrk="0" hangingPunct="1"/>
             <a:r>
-              <a:rPr lang="de-DE" smtClean="0"/>
+              <a:rPr lang="de-DE"/>
               <a:t>Textmasterformate durch Klicken bearbeiten</a:t>
             </a:r>
           </a:p>
           <a:p>
             <a:pPr lvl="1" eaLnBrk="1" latinLnBrk="0" hangingPunct="1"/>
             <a:r>
-              <a:rPr lang="de-DE" smtClean="0"/>
+              <a:rPr lang="de-DE"/>
               <a:t>Zweite Ebene</a:t>
             </a:r>
           </a:p>
           <a:p>
             <a:pPr lvl="2" eaLnBrk="1" latinLnBrk="0" hangingPunct="1"/>
             <a:r>
-              <a:rPr lang="de-DE" smtClean="0"/>
+              <a:rPr lang="de-DE"/>
               <a:t>Dritte Ebene</a:t>
             </a:r>
           </a:p>
           <a:p>
             <a:pPr lvl="3" eaLnBrk="1" latinLnBrk="0" hangingPunct="1"/>
             <a:r>
-              <a:rPr lang="de-DE" smtClean="0"/>
+              <a:rPr lang="de-DE"/>
               <a:t>Vierte Ebene</a:t>
             </a:r>
           </a:p>
           <a:p>
             <a:pPr lvl="4" eaLnBrk="1" latinLnBrk="0" hangingPunct="1"/>
             <a:r>
-              <a:rPr lang="de-DE" smtClean="0"/>
+              <a:rPr lang="de-DE"/>
               <a:t>Fünfte Ebene</a:t>
             </a:r>
             <a:endParaRPr kumimoji="0" lang="en-US"/>
@@ -7955,35 +7837,35 @@
           <a:p>
             <a:pPr lvl="0" eaLnBrk="1" latinLnBrk="0" hangingPunct="1"/>
             <a:r>
-              <a:rPr lang="de-DE" smtClean="0"/>
+              <a:rPr lang="de-DE"/>
               <a:t>Textmasterformate durch Klicken bearbeiten</a:t>
             </a:r>
           </a:p>
           <a:p>
             <a:pPr lvl="1" eaLnBrk="1" latinLnBrk="0" hangingPunct="1"/>
             <a:r>
-              <a:rPr lang="de-DE" smtClean="0"/>
+              <a:rPr lang="de-DE"/>
               <a:t>Zweite Ebene</a:t>
             </a:r>
           </a:p>
           <a:p>
             <a:pPr lvl="2" eaLnBrk="1" latinLnBrk="0" hangingPunct="1"/>
             <a:r>
-              <a:rPr lang="de-DE" smtClean="0"/>
+              <a:rPr lang="de-DE"/>
               <a:t>Dritte Ebene</a:t>
             </a:r>
           </a:p>
           <a:p>
             <a:pPr lvl="3" eaLnBrk="1" latinLnBrk="0" hangingPunct="1"/>
             <a:r>
-              <a:rPr lang="de-DE" smtClean="0"/>
+              <a:rPr lang="de-DE"/>
               <a:t>Vierte Ebene</a:t>
             </a:r>
           </a:p>
           <a:p>
             <a:pPr lvl="4" eaLnBrk="1" latinLnBrk="0" hangingPunct="1"/>
             <a:r>
-              <a:rPr lang="de-DE" smtClean="0"/>
+              <a:rPr lang="de-DE"/>
               <a:t>Fünfte Ebene</a:t>
             </a:r>
             <a:endParaRPr kumimoji="0" lang="en-US"/>
@@ -8040,7 +7922,7 @@
           </a:lstStyle>
           <a:p>
             <a:r>
-              <a:rPr kumimoji="0" lang="de-DE" smtClean="0"/>
+              <a:rPr kumimoji="0" lang="de-DE"/>
               <a:t>Titelmasterformat durch Klicken bearbeiten</a:t>
             </a:r>
             <a:endParaRPr kumimoji="0" lang="en-US"/>
@@ -8065,7 +7947,7 @@
             <a:fld id="{EB99765B-6265-4230-895B-55A7E0C311D7}" type="datetimeFigureOut">
               <a:rPr lang="de-DE" smtClean="0"/>
               <a:pPr/>
-              <a:t>15.09.18</a:t>
+              <a:t>16.09.2018</a:t>
             </a:fld>
             <a:endParaRPr lang="de-DE"/>
           </a:p>
@@ -8136,35 +8018,35 @@
           <a:p>
             <a:pPr lvl="0" eaLnBrk="1" latinLnBrk="0" hangingPunct="1"/>
             <a:r>
-              <a:rPr lang="de-DE" smtClean="0"/>
+              <a:rPr lang="de-DE"/>
               <a:t>Textmasterformate durch Klicken bearbeiten</a:t>
             </a:r>
           </a:p>
           <a:p>
             <a:pPr lvl="1" eaLnBrk="1" latinLnBrk="0" hangingPunct="1"/>
             <a:r>
-              <a:rPr lang="de-DE" smtClean="0"/>
+              <a:rPr lang="de-DE"/>
               <a:t>Zweite Ebene</a:t>
             </a:r>
           </a:p>
           <a:p>
             <a:pPr lvl="2" eaLnBrk="1" latinLnBrk="0" hangingPunct="1"/>
             <a:r>
-              <a:rPr lang="de-DE" smtClean="0"/>
+              <a:rPr lang="de-DE"/>
               <a:t>Dritte Ebene</a:t>
             </a:r>
           </a:p>
           <a:p>
             <a:pPr lvl="3" eaLnBrk="1" latinLnBrk="0" hangingPunct="1"/>
             <a:r>
-              <a:rPr lang="de-DE" smtClean="0"/>
+              <a:rPr lang="de-DE"/>
               <a:t>Vierte Ebene</a:t>
             </a:r>
           </a:p>
           <a:p>
             <a:pPr lvl="4" eaLnBrk="1" latinLnBrk="0" hangingPunct="1"/>
             <a:r>
-              <a:rPr lang="de-DE" smtClean="0"/>
+              <a:rPr lang="de-DE"/>
               <a:t>Fünfte Ebene</a:t>
             </a:r>
             <a:endParaRPr kumimoji="0" lang="en-US"/>
@@ -8193,35 +8075,35 @@
           <a:p>
             <a:pPr lvl="0" eaLnBrk="1" latinLnBrk="0" hangingPunct="1"/>
             <a:r>
-              <a:rPr lang="de-DE" smtClean="0"/>
+              <a:rPr lang="de-DE"/>
               <a:t>Textmasterformate durch Klicken bearbeiten</a:t>
             </a:r>
           </a:p>
           <a:p>
             <a:pPr lvl="1" eaLnBrk="1" latinLnBrk="0" hangingPunct="1"/>
             <a:r>
-              <a:rPr lang="de-DE" smtClean="0"/>
+              <a:rPr lang="de-DE"/>
               <a:t>Zweite Ebene</a:t>
             </a:r>
           </a:p>
           <a:p>
             <a:pPr lvl="2" eaLnBrk="1" latinLnBrk="0" hangingPunct="1"/>
             <a:r>
-              <a:rPr lang="de-DE" smtClean="0"/>
+              <a:rPr lang="de-DE"/>
               <a:t>Dritte Ebene</a:t>
             </a:r>
           </a:p>
           <a:p>
             <a:pPr lvl="3" eaLnBrk="1" latinLnBrk="0" hangingPunct="1"/>
             <a:r>
-              <a:rPr lang="de-DE" smtClean="0"/>
+              <a:rPr lang="de-DE"/>
               <a:t>Vierte Ebene</a:t>
             </a:r>
           </a:p>
           <a:p>
             <a:pPr lvl="4" eaLnBrk="1" latinLnBrk="0" hangingPunct="1"/>
             <a:r>
-              <a:rPr lang="de-DE" smtClean="0"/>
+              <a:rPr lang="de-DE"/>
               <a:t>Fünfte Ebene</a:t>
             </a:r>
             <a:endParaRPr kumimoji="0" lang="en-US"/>
@@ -8270,7 +8152,7 @@
           <a:p>
             <a:pPr lvl="0" eaLnBrk="1" latinLnBrk="0" hangingPunct="1"/>
             <a:r>
-              <a:rPr kumimoji="0" lang="de-DE" smtClean="0"/>
+              <a:rPr kumimoji="0" lang="de-DE"/>
               <a:t>Textmasterformate durch Klicken bearbeiten</a:t>
             </a:r>
           </a:p>
@@ -8318,7 +8200,7 @@
           <a:p>
             <a:pPr lvl="0" eaLnBrk="1" latinLnBrk="0" hangingPunct="1"/>
             <a:r>
-              <a:rPr kumimoji="0" lang="de-DE" smtClean="0"/>
+              <a:rPr kumimoji="0" lang="de-DE"/>
               <a:t>Textmasterformate durch Klicken bearbeiten</a:t>
             </a:r>
           </a:p>
@@ -8365,7 +8247,7 @@
           <a:lstStyle/>
           <a:p>
             <a:r>
-              <a:rPr kumimoji="0" lang="de-DE" smtClean="0"/>
+              <a:rPr kumimoji="0" lang="de-DE"/>
               <a:t>Titelmasterformat durch Klicken bearbeiten</a:t>
             </a:r>
             <a:endParaRPr kumimoji="0" lang="en-US"/>
@@ -8390,7 +8272,7 @@
             <a:fld id="{EB99765B-6265-4230-895B-55A7E0C311D7}" type="datetimeFigureOut">
               <a:rPr lang="de-DE" smtClean="0"/>
               <a:pPr/>
-              <a:t>15.09.18</a:t>
+              <a:t>16.09.2018</a:t>
             </a:fld>
             <a:endParaRPr lang="de-DE"/>
           </a:p>
@@ -8482,7 +8364,7 @@
             <a:fld id="{EB99765B-6265-4230-895B-55A7E0C311D7}" type="datetimeFigureOut">
               <a:rPr lang="de-DE" smtClean="0"/>
               <a:pPr/>
-              <a:t>15.09.18</a:t>
+              <a:t>16.09.2018</a:t>
             </a:fld>
             <a:endParaRPr lang="de-DE"/>
           </a:p>
@@ -8626,7 +8508,7 @@
           </a:lstStyle>
           <a:p>
             <a:r>
-              <a:rPr kumimoji="0" lang="de-DE" smtClean="0"/>
+              <a:rPr kumimoji="0" lang="de-DE"/>
               <a:t>Titelmasterformat durch Klicken bearbeiten</a:t>
             </a:r>
             <a:endParaRPr kumimoji="0" lang="en-US"/>
@@ -8682,7 +8564,7 @@
           <a:p>
             <a:pPr lvl="0" eaLnBrk="1" latinLnBrk="0" hangingPunct="1"/>
             <a:r>
-              <a:rPr kumimoji="0" lang="de-DE" smtClean="0"/>
+              <a:rPr kumimoji="0" lang="de-DE"/>
               <a:t>Textmasterformate durch Klicken bearbeiten</a:t>
             </a:r>
           </a:p>
@@ -8948,35 +8830,35 @@
           <a:p>
             <a:pPr lvl="0" eaLnBrk="1" latinLnBrk="0" hangingPunct="1"/>
             <a:r>
-              <a:rPr lang="de-DE" smtClean="0"/>
+              <a:rPr lang="de-DE"/>
               <a:t>Textmasterformate durch Klicken bearbeiten</a:t>
             </a:r>
           </a:p>
           <a:p>
             <a:pPr lvl="1" eaLnBrk="1" latinLnBrk="0" hangingPunct="1"/>
             <a:r>
-              <a:rPr lang="de-DE" smtClean="0"/>
+              <a:rPr lang="de-DE"/>
               <a:t>Zweite Ebene</a:t>
             </a:r>
           </a:p>
           <a:p>
             <a:pPr lvl="2" eaLnBrk="1" latinLnBrk="0" hangingPunct="1"/>
             <a:r>
-              <a:rPr lang="de-DE" smtClean="0"/>
+              <a:rPr lang="de-DE"/>
               <a:t>Dritte Ebene</a:t>
             </a:r>
           </a:p>
           <a:p>
             <a:pPr lvl="3" eaLnBrk="1" latinLnBrk="0" hangingPunct="1"/>
             <a:r>
-              <a:rPr lang="de-DE" smtClean="0"/>
+              <a:rPr lang="de-DE"/>
               <a:t>Vierte Ebene</a:t>
             </a:r>
           </a:p>
           <a:p>
             <a:pPr lvl="4" eaLnBrk="1" latinLnBrk="0" hangingPunct="1"/>
             <a:r>
-              <a:rPr lang="de-DE" smtClean="0"/>
+              <a:rPr lang="de-DE"/>
               <a:t>Fünfte Ebene</a:t>
             </a:r>
             <a:endParaRPr kumimoji="0" lang="en-US"/>
@@ -9001,7 +8883,7 @@
             <a:fld id="{EB99765B-6265-4230-895B-55A7E0C311D7}" type="datetimeFigureOut">
               <a:rPr lang="de-DE" smtClean="0"/>
               <a:pPr/>
-              <a:t>15.09.18</a:t>
+              <a:t>16.09.2018</a:t>
             </a:fld>
             <a:endParaRPr lang="de-DE"/>
           </a:p>
@@ -9182,7 +9064,7 @@
           </a:lstStyle>
           <a:p>
             <a:r>
-              <a:rPr kumimoji="0" lang="de-DE" smtClean="0"/>
+              <a:rPr kumimoji="0" lang="de-DE"/>
               <a:t>Titelmasterformat durch Klicken bearbeiten</a:t>
             </a:r>
             <a:endParaRPr kumimoji="0" lang="en-US"/>
@@ -9241,7 +9123,7 @@
               <a:buNone/>
             </a:pPr>
             <a:r>
-              <a:rPr kumimoji="0" lang="de-DE" smtClean="0"/>
+              <a:rPr kumimoji="0" lang="de-DE"/>
               <a:t>Bild durch Klicken auf Symbol hinzufügen</a:t>
             </a:r>
             <a:endParaRPr kumimoji="0" lang="en-US" dirty="0"/>
@@ -9296,7 +9178,7 @@
           <a:p>
             <a:pPr lvl="0" eaLnBrk="1" latinLnBrk="0" hangingPunct="1"/>
             <a:r>
-              <a:rPr kumimoji="0" lang="de-DE" smtClean="0"/>
+              <a:rPr kumimoji="0" lang="de-DE"/>
               <a:t>Textmasterformate durch Klicken bearbeiten</a:t>
             </a:r>
           </a:p>
@@ -9514,7 +9396,7 @@
             <a:fld id="{EB99765B-6265-4230-895B-55A7E0C311D7}" type="datetimeFigureOut">
               <a:rPr lang="de-DE" smtClean="0"/>
               <a:pPr/>
-              <a:t>15.09.18</a:t>
+              <a:t>16.09.2018</a:t>
             </a:fld>
             <a:endParaRPr lang="de-DE"/>
           </a:p>
@@ -9658,7 +9540,7 @@
           <a:lstStyle/>
           <a:p>
             <a:r>
-              <a:rPr kumimoji="0" lang="de-DE" smtClean="0"/>
+              <a:rPr kumimoji="0" lang="de-DE"/>
               <a:t>Titelmasterformat durch Klicken bearbeiten</a:t>
             </a:r>
             <a:endParaRPr kumimoji="0" lang="en-US"/>
@@ -9692,35 +9574,35 @@
           <a:p>
             <a:pPr lvl="0" eaLnBrk="1" latinLnBrk="0" hangingPunct="1"/>
             <a:r>
-              <a:rPr kumimoji="0" lang="de-DE" smtClean="0"/>
+              <a:rPr kumimoji="0" lang="de-DE"/>
               <a:t>Textmasterformate durch Klicken bearbeiten</a:t>
             </a:r>
           </a:p>
           <a:p>
             <a:pPr lvl="1" eaLnBrk="1" latinLnBrk="0" hangingPunct="1"/>
             <a:r>
-              <a:rPr kumimoji="0" lang="de-DE" smtClean="0"/>
+              <a:rPr kumimoji="0" lang="de-DE"/>
               <a:t>Zweite Ebene</a:t>
             </a:r>
           </a:p>
           <a:p>
             <a:pPr lvl="2" eaLnBrk="1" latinLnBrk="0" hangingPunct="1"/>
             <a:r>
-              <a:rPr kumimoji="0" lang="de-DE" smtClean="0"/>
+              <a:rPr kumimoji="0" lang="de-DE"/>
               <a:t>Dritte Ebene</a:t>
             </a:r>
           </a:p>
           <a:p>
             <a:pPr lvl="3" eaLnBrk="1" latinLnBrk="0" hangingPunct="1"/>
             <a:r>
-              <a:rPr kumimoji="0" lang="de-DE" smtClean="0"/>
+              <a:rPr kumimoji="0" lang="de-DE"/>
               <a:t>Vierte Ebene</a:t>
             </a:r>
           </a:p>
           <a:p>
             <a:pPr lvl="4" eaLnBrk="1" latinLnBrk="0" hangingPunct="1"/>
             <a:r>
-              <a:rPr kumimoji="0" lang="de-DE" smtClean="0"/>
+              <a:rPr kumimoji="0" lang="de-DE"/>
               <a:t>Fünfte Ebene</a:t>
             </a:r>
             <a:endParaRPr kumimoji="0" lang="en-US"/>
@@ -9761,7 +9643,7 @@
             <a:fld id="{EB99765B-6265-4230-895B-55A7E0C311D7}" type="datetimeFigureOut">
               <a:rPr lang="de-DE" smtClean="0"/>
               <a:pPr/>
-              <a:t>15.09.18</a:t>
+              <a:t>16.09.2018</a:t>
             </a:fld>
             <a:endParaRPr lang="de-DE"/>
           </a:p>
@@ -10418,17 +10300,16 @@
           <a:p>
             <a:pPr algn="ctr"/>
             <a:r>
-              <a:rPr lang="de-DE" sz="4000" b="0" dirty="0" smtClean="0"/>
+              <a:rPr lang="de-DE" sz="4000" b="0" dirty="0"/>
               <a:t>Praxis der Softwareentwicklung</a:t>
             </a:r>
             <a:br>
-              <a:rPr lang="de-DE" sz="4000" b="0" dirty="0" smtClean="0"/>
+              <a:rPr lang="de-DE" sz="4000" b="0" dirty="0"/>
             </a:br>
             <a:r>
-              <a:rPr lang="de-DE" sz="4000" b="0" dirty="0" smtClean="0"/>
+              <a:rPr lang="de-DE" sz="4000" b="0" dirty="0"/>
               <a:t>Abschlusspräsentation</a:t>
             </a:r>
-            <a:endParaRPr lang="de-DE" sz="4000" b="0" dirty="0"/>
           </a:p>
         </p:txBody>
       </p:sp>
@@ -10459,37 +10340,36 @@
           <a:p>
             <a:pPr algn="ctr"/>
             <a:r>
-              <a:rPr lang="de-DE" sz="2400" dirty="0" err="1" smtClean="0"/>
+              <a:rPr lang="de-DE" sz="2400" dirty="0" err="1"/>
               <a:t>Yunjia</a:t>
             </a:r>
             <a:r>
-              <a:rPr lang="de-DE" sz="2400" dirty="0" smtClean="0"/>
+              <a:rPr lang="de-DE" sz="2400" dirty="0"/>
               <a:t> Chen, Jasmin </a:t>
             </a:r>
             <a:r>
-              <a:rPr lang="de-DE" sz="2400" dirty="0" err="1" smtClean="0"/>
+              <a:rPr lang="de-DE" sz="2400" dirty="0" err="1"/>
               <a:t>Jat</a:t>
             </a:r>
             <a:r>
-              <a:rPr lang="de-DE" sz="2400" dirty="0" smtClean="0"/>
+              <a:rPr lang="de-DE" sz="2400" dirty="0"/>
               <a:t>, </a:t>
             </a:r>
           </a:p>
           <a:p>
             <a:pPr algn="ctr"/>
             <a:r>
-              <a:rPr lang="de-DE" sz="2400" dirty="0" smtClean="0"/>
+              <a:rPr lang="de-DE" sz="2400" dirty="0"/>
               <a:t>Min </a:t>
             </a:r>
             <a:r>
-              <a:rPr lang="de-DE" sz="2400" dirty="0" err="1" smtClean="0"/>
+              <a:rPr lang="de-DE" sz="2400" dirty="0" err="1"/>
               <a:t>Hye</a:t>
             </a:r>
             <a:r>
-              <a:rPr lang="de-DE" sz="2400" dirty="0" smtClean="0"/>
+              <a:rPr lang="de-DE" sz="2400" dirty="0"/>
               <a:t> Park, Alina Shah, Lisa Wang</a:t>
             </a:r>
-            <a:endParaRPr lang="de-DE" sz="2400" dirty="0"/>
           </a:p>
         </p:txBody>
       </p:sp>
@@ -10522,13 +10402,6 @@
   <p:clrMapOvr>
     <a:masterClrMapping/>
   </p:clrMapOvr>
-  <p:timing>
-    <p:tnLst>
-      <p:par>
-        <p:cTn id="1" dur="indefinite" restart="never" nodeType="tmRoot"/>
-      </p:par>
-    </p:tnLst>
-  </p:timing>
 </p:sld>
 </file>
 
@@ -10786,10 +10659,9 @@
                 </a:spcAft>
               </a:pPr>
               <a:r>
-                <a:rPr lang="de-DE" sz="2200" kern="1200" dirty="0" smtClean="0"/>
+                <a:rPr lang="de-DE" sz="2200" kern="1200" dirty="0"/>
                 <a:t>Pflichtenheft</a:t>
               </a:r>
-              <a:endParaRPr lang="de-DE" sz="2200" kern="1200" dirty="0"/>
             </a:p>
           </p:txBody>
         </p:sp>
@@ -11069,10 +10941,1191 @@
                 </a:spcAft>
               </a:pPr>
               <a:r>
-                <a:rPr lang="de-DE" sz="2200" kern="1200" dirty="0" smtClean="0"/>
+                <a:rPr lang="de-DE" sz="2200" kern="1200" dirty="0"/>
                 <a:t>Entwurf</a:t>
               </a:r>
-              <a:endParaRPr lang="de-DE" sz="2200" kern="1200" dirty="0"/>
+            </a:p>
+          </p:txBody>
+        </p:sp>
+        <p:sp>
+          <p:nvSpPr>
+            <p:cNvPr id="13" name="Rechteck 12"/>
+            <p:cNvSpPr/>
+            <p:nvPr/>
+          </p:nvSpPr>
+          <p:spPr>
+            <a:xfrm>
+              <a:off x="4504940" y="2238837"/>
+              <a:ext cx="1240311" cy="964794"/>
+            </a:xfrm>
+            <a:prstGeom prst="rect">
+              <a:avLst/>
+            </a:prstGeom>
+          </p:spPr>
+          <p:style>
+            <a:lnRef idx="0">
+              <a:schemeClr val="dk1">
+                <a:alpha val="0"/>
+                <a:hueOff val="0"/>
+                <a:satOff val="0"/>
+                <a:lumOff val="0"/>
+                <a:alphaOff val="0"/>
+              </a:schemeClr>
+            </a:lnRef>
+            <a:fillRef idx="0">
+              <a:schemeClr val="lt1">
+                <a:alpha val="0"/>
+                <a:hueOff val="0"/>
+                <a:satOff val="0"/>
+                <a:lumOff val="0"/>
+                <a:alphaOff val="0"/>
+              </a:schemeClr>
+            </a:fillRef>
+            <a:effectRef idx="0">
+              <a:schemeClr val="lt1">
+                <a:alpha val="0"/>
+                <a:hueOff val="0"/>
+                <a:satOff val="0"/>
+                <a:lumOff val="0"/>
+                <a:alphaOff val="0"/>
+              </a:schemeClr>
+            </a:effectRef>
+            <a:fontRef idx="minor">
+              <a:schemeClr val="tx1">
+                <a:hueOff val="0"/>
+                <a:satOff val="0"/>
+                <a:lumOff val="0"/>
+                <a:alphaOff val="0"/>
+              </a:schemeClr>
+            </a:fontRef>
+          </p:style>
+        </p:sp>
+        <p:sp>
+          <p:nvSpPr>
+            <p:cNvPr id="14" name="Nach oben gebogener Pfeil 13"/>
+            <p:cNvSpPr/>
+            <p:nvPr/>
+          </p:nvSpPr>
+          <p:spPr>
+            <a:xfrm rot="5400000">
+              <a:off x="4354105" y="4222962"/>
+              <a:ext cx="1013034" cy="1153303"/>
+            </a:xfrm>
+            <a:prstGeom prst="bentUpArrow">
+              <a:avLst>
+                <a:gd name="adj1" fmla="val 32840"/>
+                <a:gd name="adj2" fmla="val 25000"/>
+                <a:gd name="adj3" fmla="val 35780"/>
+              </a:avLst>
+            </a:prstGeom>
+          </p:spPr>
+          <p:style>
+            <a:lnRef idx="1">
+              <a:schemeClr val="dk1">
+                <a:shade val="80000"/>
+                <a:hueOff val="0"/>
+                <a:satOff val="0"/>
+                <a:lumOff val="0"/>
+                <a:alphaOff val="0"/>
+              </a:schemeClr>
+            </a:lnRef>
+            <a:fillRef idx="1">
+              <a:schemeClr val="dk1">
+                <a:tint val="40000"/>
+                <a:hueOff val="0"/>
+                <a:satOff val="0"/>
+                <a:lumOff val="0"/>
+                <a:alphaOff val="0"/>
+              </a:schemeClr>
+            </a:fillRef>
+            <a:effectRef idx="1">
+              <a:schemeClr val="dk1">
+                <a:tint val="40000"/>
+                <a:hueOff val="0"/>
+                <a:satOff val="0"/>
+                <a:lumOff val="0"/>
+                <a:alphaOff val="0"/>
+              </a:schemeClr>
+            </a:effectRef>
+            <a:fontRef idx="minor">
+              <a:schemeClr val="lt1">
+                <a:hueOff val="0"/>
+                <a:satOff val="0"/>
+                <a:lumOff val="0"/>
+                <a:alphaOff val="0"/>
+              </a:schemeClr>
+            </a:fontRef>
+          </p:style>
+        </p:sp>
+        <p:sp>
+          <p:nvSpPr>
+            <p:cNvPr id="15" name="Freihandform 14"/>
+            <p:cNvSpPr/>
+            <p:nvPr/>
+          </p:nvSpPr>
+          <p:spPr>
+            <a:xfrm>
+              <a:off x="3900770" y="3588825"/>
+              <a:ext cx="2713865" cy="669422"/>
+            </a:xfrm>
+            <a:custGeom>
+              <a:avLst/>
+              <a:gdLst>
+                <a:gd name="connsiteX0" fmla="*/ 0 w 2713865"/>
+                <a:gd name="connsiteY0" fmla="*/ 111593 h 669422"/>
+                <a:gd name="connsiteX1" fmla="*/ 111593 w 2713865"/>
+                <a:gd name="connsiteY1" fmla="*/ 0 h 669422"/>
+                <a:gd name="connsiteX2" fmla="*/ 2602272 w 2713865"/>
+                <a:gd name="connsiteY2" fmla="*/ 0 h 669422"/>
+                <a:gd name="connsiteX3" fmla="*/ 2713865 w 2713865"/>
+                <a:gd name="connsiteY3" fmla="*/ 111593 h 669422"/>
+                <a:gd name="connsiteX4" fmla="*/ 2713865 w 2713865"/>
+                <a:gd name="connsiteY4" fmla="*/ 557829 h 669422"/>
+                <a:gd name="connsiteX5" fmla="*/ 2602272 w 2713865"/>
+                <a:gd name="connsiteY5" fmla="*/ 669422 h 669422"/>
+                <a:gd name="connsiteX6" fmla="*/ 111593 w 2713865"/>
+                <a:gd name="connsiteY6" fmla="*/ 669422 h 669422"/>
+                <a:gd name="connsiteX7" fmla="*/ 0 w 2713865"/>
+                <a:gd name="connsiteY7" fmla="*/ 557829 h 669422"/>
+                <a:gd name="connsiteX8" fmla="*/ 0 w 2713865"/>
+                <a:gd name="connsiteY8" fmla="*/ 111593 h 669422"/>
+              </a:gdLst>
+              <a:ahLst/>
+              <a:cxnLst>
+                <a:cxn ang="0">
+                  <a:pos x="connsiteX0" y="connsiteY0"/>
+                </a:cxn>
+                <a:cxn ang="0">
+                  <a:pos x="connsiteX1" y="connsiteY1"/>
+                </a:cxn>
+                <a:cxn ang="0">
+                  <a:pos x="connsiteX2" y="connsiteY2"/>
+                </a:cxn>
+                <a:cxn ang="0">
+                  <a:pos x="connsiteX3" y="connsiteY3"/>
+                </a:cxn>
+                <a:cxn ang="0">
+                  <a:pos x="connsiteX4" y="connsiteY4"/>
+                </a:cxn>
+                <a:cxn ang="0">
+                  <a:pos x="connsiteX5" y="connsiteY5"/>
+                </a:cxn>
+                <a:cxn ang="0">
+                  <a:pos x="connsiteX6" y="connsiteY6"/>
+                </a:cxn>
+                <a:cxn ang="0">
+                  <a:pos x="connsiteX7" y="connsiteY7"/>
+                </a:cxn>
+                <a:cxn ang="0">
+                  <a:pos x="connsiteX8" y="connsiteY8"/>
+                </a:cxn>
+              </a:cxnLst>
+              <a:rect l="l" t="t" r="r" b="b"/>
+              <a:pathLst>
+                <a:path w="2713865" h="669422">
+                  <a:moveTo>
+                    <a:pt x="0" y="111593"/>
+                  </a:moveTo>
+                  <a:cubicBezTo>
+                    <a:pt x="0" y="49962"/>
+                    <a:pt x="49962" y="0"/>
+                    <a:pt x="111593" y="0"/>
+                  </a:cubicBezTo>
+                  <a:lnTo>
+                    <a:pt x="2602272" y="0"/>
+                  </a:lnTo>
+                  <a:cubicBezTo>
+                    <a:pt x="2663903" y="0"/>
+                    <a:pt x="2713865" y="49962"/>
+                    <a:pt x="2713865" y="111593"/>
+                  </a:cubicBezTo>
+                  <a:lnTo>
+                    <a:pt x="2713865" y="557829"/>
+                  </a:lnTo>
+                  <a:cubicBezTo>
+                    <a:pt x="2713865" y="619460"/>
+                    <a:pt x="2663903" y="669422"/>
+                    <a:pt x="2602272" y="669422"/>
+                  </a:cubicBezTo>
+                  <a:lnTo>
+                    <a:pt x="111593" y="669422"/>
+                  </a:lnTo>
+                  <a:cubicBezTo>
+                    <a:pt x="49962" y="669422"/>
+                    <a:pt x="0" y="619460"/>
+                    <a:pt x="0" y="557829"/>
+                  </a:cubicBezTo>
+                  <a:lnTo>
+                    <a:pt x="0" y="111593"/>
+                  </a:lnTo>
+                  <a:close/>
+                </a:path>
+              </a:pathLst>
+            </a:custGeom>
+          </p:spPr>
+          <p:style>
+            <a:lnRef idx="1">
+              <a:schemeClr val="accent1"/>
+            </a:lnRef>
+            <a:fillRef idx="2">
+              <a:schemeClr val="accent1"/>
+            </a:fillRef>
+            <a:effectRef idx="1">
+              <a:schemeClr val="accent1"/>
+            </a:effectRef>
+            <a:fontRef idx="minor">
+              <a:schemeClr val="dk1"/>
+            </a:fontRef>
+          </p:style>
+          <p:txBody>
+            <a:bodyPr spcFirstLastPara="0" vert="horz" wrap="square" lIns="116504" tIns="116504" rIns="116504" bIns="116504" numCol="1" spcCol="1270" anchor="ctr" anchorCtr="0">
+              <a:noAutofit/>
+            </a:bodyPr>
+            <a:lstStyle/>
+            <a:p>
+              <a:pPr lvl="0" algn="ctr" defTabSz="977900">
+                <a:lnSpc>
+                  <a:spcPct val="90000"/>
+                </a:lnSpc>
+                <a:spcBef>
+                  <a:spcPct val="0"/>
+                </a:spcBef>
+                <a:spcAft>
+                  <a:spcPct val="35000"/>
+                </a:spcAft>
+              </a:pPr>
+              <a:r>
+                <a:rPr lang="de-DE" sz="2200" b="1" kern="1200" dirty="0"/>
+                <a:t>Implementierung</a:t>
+              </a:r>
+            </a:p>
+          </p:txBody>
+        </p:sp>
+        <p:sp>
+          <p:nvSpPr>
+            <p:cNvPr id="16" name="Rechteck 15"/>
+            <p:cNvSpPr/>
+            <p:nvPr/>
+          </p:nvSpPr>
+          <p:spPr>
+            <a:xfrm>
+              <a:off x="6187019" y="3465902"/>
+              <a:ext cx="1240311" cy="964794"/>
+            </a:xfrm>
+            <a:prstGeom prst="rect">
+              <a:avLst/>
+            </a:prstGeom>
+          </p:spPr>
+          <p:style>
+            <a:lnRef idx="0">
+              <a:schemeClr val="dk1">
+                <a:alpha val="0"/>
+                <a:hueOff val="0"/>
+                <a:satOff val="0"/>
+                <a:lumOff val="0"/>
+                <a:alphaOff val="0"/>
+              </a:schemeClr>
+            </a:lnRef>
+            <a:fillRef idx="0">
+              <a:schemeClr val="lt1">
+                <a:alpha val="0"/>
+                <a:hueOff val="0"/>
+                <a:satOff val="0"/>
+                <a:lumOff val="0"/>
+                <a:alphaOff val="0"/>
+              </a:schemeClr>
+            </a:fillRef>
+            <a:effectRef idx="0">
+              <a:schemeClr val="lt1">
+                <a:alpha val="0"/>
+                <a:hueOff val="0"/>
+                <a:satOff val="0"/>
+                <a:lumOff val="0"/>
+                <a:alphaOff val="0"/>
+              </a:schemeClr>
+            </a:effectRef>
+            <a:fontRef idx="minor">
+              <a:schemeClr val="tx1">
+                <a:hueOff val="0"/>
+                <a:satOff val="0"/>
+                <a:lumOff val="0"/>
+                <a:alphaOff val="0"/>
+              </a:schemeClr>
+            </a:fontRef>
+          </p:style>
+        </p:sp>
+        <p:sp>
+          <p:nvSpPr>
+            <p:cNvPr id="17" name="Freihandform 16"/>
+            <p:cNvSpPr/>
+            <p:nvPr/>
+          </p:nvSpPr>
+          <p:spPr>
+            <a:xfrm>
+              <a:off x="5432949" y="4804206"/>
+              <a:ext cx="2619013" cy="705436"/>
+            </a:xfrm>
+            <a:custGeom>
+              <a:avLst/>
+              <a:gdLst>
+                <a:gd name="connsiteX0" fmla="*/ 0 w 2619013"/>
+                <a:gd name="connsiteY0" fmla="*/ 117596 h 705436"/>
+                <a:gd name="connsiteX1" fmla="*/ 117596 w 2619013"/>
+                <a:gd name="connsiteY1" fmla="*/ 0 h 705436"/>
+                <a:gd name="connsiteX2" fmla="*/ 2501417 w 2619013"/>
+                <a:gd name="connsiteY2" fmla="*/ 0 h 705436"/>
+                <a:gd name="connsiteX3" fmla="*/ 2619013 w 2619013"/>
+                <a:gd name="connsiteY3" fmla="*/ 117596 h 705436"/>
+                <a:gd name="connsiteX4" fmla="*/ 2619013 w 2619013"/>
+                <a:gd name="connsiteY4" fmla="*/ 587840 h 705436"/>
+                <a:gd name="connsiteX5" fmla="*/ 2501417 w 2619013"/>
+                <a:gd name="connsiteY5" fmla="*/ 705436 h 705436"/>
+                <a:gd name="connsiteX6" fmla="*/ 117596 w 2619013"/>
+                <a:gd name="connsiteY6" fmla="*/ 705436 h 705436"/>
+                <a:gd name="connsiteX7" fmla="*/ 0 w 2619013"/>
+                <a:gd name="connsiteY7" fmla="*/ 587840 h 705436"/>
+                <a:gd name="connsiteX8" fmla="*/ 0 w 2619013"/>
+                <a:gd name="connsiteY8" fmla="*/ 117596 h 705436"/>
+              </a:gdLst>
+              <a:ahLst/>
+              <a:cxnLst>
+                <a:cxn ang="0">
+                  <a:pos x="connsiteX0" y="connsiteY0"/>
+                </a:cxn>
+                <a:cxn ang="0">
+                  <a:pos x="connsiteX1" y="connsiteY1"/>
+                </a:cxn>
+                <a:cxn ang="0">
+                  <a:pos x="connsiteX2" y="connsiteY2"/>
+                </a:cxn>
+                <a:cxn ang="0">
+                  <a:pos x="connsiteX3" y="connsiteY3"/>
+                </a:cxn>
+                <a:cxn ang="0">
+                  <a:pos x="connsiteX4" y="connsiteY4"/>
+                </a:cxn>
+                <a:cxn ang="0">
+                  <a:pos x="connsiteX5" y="connsiteY5"/>
+                </a:cxn>
+                <a:cxn ang="0">
+                  <a:pos x="connsiteX6" y="connsiteY6"/>
+                </a:cxn>
+                <a:cxn ang="0">
+                  <a:pos x="connsiteX7" y="connsiteY7"/>
+                </a:cxn>
+                <a:cxn ang="0">
+                  <a:pos x="connsiteX8" y="connsiteY8"/>
+                </a:cxn>
+              </a:cxnLst>
+              <a:rect l="l" t="t" r="r" b="b"/>
+              <a:pathLst>
+                <a:path w="2619013" h="705436">
+                  <a:moveTo>
+                    <a:pt x="0" y="117596"/>
+                  </a:moveTo>
+                  <a:cubicBezTo>
+                    <a:pt x="0" y="52650"/>
+                    <a:pt x="52650" y="0"/>
+                    <a:pt x="117596" y="0"/>
+                  </a:cubicBezTo>
+                  <a:lnTo>
+                    <a:pt x="2501417" y="0"/>
+                  </a:lnTo>
+                  <a:cubicBezTo>
+                    <a:pt x="2566363" y="0"/>
+                    <a:pt x="2619013" y="52650"/>
+                    <a:pt x="2619013" y="117596"/>
+                  </a:cubicBezTo>
+                  <a:lnTo>
+                    <a:pt x="2619013" y="587840"/>
+                  </a:lnTo>
+                  <a:cubicBezTo>
+                    <a:pt x="2619013" y="652786"/>
+                    <a:pt x="2566363" y="705436"/>
+                    <a:pt x="2501417" y="705436"/>
+                  </a:cubicBezTo>
+                  <a:lnTo>
+                    <a:pt x="117596" y="705436"/>
+                  </a:lnTo>
+                  <a:cubicBezTo>
+                    <a:pt x="52650" y="705436"/>
+                    <a:pt x="0" y="652786"/>
+                    <a:pt x="0" y="587840"/>
+                  </a:cubicBezTo>
+                  <a:lnTo>
+                    <a:pt x="0" y="117596"/>
+                  </a:lnTo>
+                  <a:close/>
+                </a:path>
+              </a:pathLst>
+            </a:custGeom>
+            <a:scene3d>
+              <a:camera prst="orthographicFront"/>
+              <a:lightRig rig="flat" dir="t"/>
+            </a:scene3d>
+            <a:sp3d prstMaterial="dkEdge">
+              <a:bevelT w="8200" h="38100"/>
+            </a:sp3d>
+          </p:spPr>
+          <p:style>
+            <a:lnRef idx="0">
+              <a:schemeClr val="dk1">
+                <a:shade val="80000"/>
+                <a:hueOff val="0"/>
+                <a:satOff val="0"/>
+                <a:lumOff val="0"/>
+                <a:alphaOff val="0"/>
+              </a:schemeClr>
+            </a:lnRef>
+            <a:fillRef idx="2">
+              <a:schemeClr val="lt1">
+                <a:hueOff val="0"/>
+                <a:satOff val="0"/>
+                <a:lumOff val="0"/>
+                <a:alphaOff val="0"/>
+              </a:schemeClr>
+            </a:fillRef>
+            <a:effectRef idx="1">
+              <a:schemeClr val="lt1">
+                <a:hueOff val="0"/>
+                <a:satOff val="0"/>
+                <a:lumOff val="0"/>
+                <a:alphaOff val="0"/>
+              </a:schemeClr>
+            </a:effectRef>
+            <a:fontRef idx="minor">
+              <a:schemeClr val="dk1">
+                <a:hueOff val="0"/>
+                <a:satOff val="0"/>
+                <a:lumOff val="0"/>
+                <a:alphaOff val="0"/>
+              </a:schemeClr>
+            </a:fontRef>
+          </p:style>
+          <p:txBody>
+            <a:bodyPr spcFirstLastPara="0" vert="horz" wrap="square" lIns="118263" tIns="118263" rIns="118263" bIns="118263" numCol="1" spcCol="1270" anchor="ctr" anchorCtr="0">
+              <a:noAutofit/>
+            </a:bodyPr>
+            <a:lstStyle/>
+            <a:p>
+              <a:pPr lvl="0" algn="ctr" defTabSz="977900">
+                <a:lnSpc>
+                  <a:spcPct val="90000"/>
+                </a:lnSpc>
+                <a:spcBef>
+                  <a:spcPct val="0"/>
+                </a:spcBef>
+                <a:spcAft>
+                  <a:spcPct val="35000"/>
+                </a:spcAft>
+              </a:pPr>
+              <a:r>
+                <a:rPr lang="de-DE" sz="2200" kern="1200" dirty="0"/>
+                <a:t>Qualitätssicherung</a:t>
+              </a:r>
+            </a:p>
+          </p:txBody>
+        </p:sp>
+      </p:grpSp>
+    </p:spTree>
+    <p:extLst>
+      <p:ext uri="{BB962C8B-B14F-4D97-AF65-F5344CB8AC3E}">
+        <p14:creationId xmlns:p14="http://schemas.microsoft.com/office/powerpoint/2010/main" val="215962541"/>
+      </p:ext>
+    </p:extLst>
+  </p:cSld>
+  <p:clrMapOvr>
+    <a:masterClrMapping/>
+  </p:clrMapOvr>
+</p:sld>
+</file>
+
+<file path=ppt/slides/slide11.xml><?xml version="1.0" encoding="utf-8"?>
+<p:sld xmlns:a="http://schemas.openxmlformats.org/drawingml/2006/main" xmlns:r="http://schemas.openxmlformats.org/officeDocument/2006/relationships" xmlns:p="http://schemas.openxmlformats.org/presentationml/2006/main">
+  <p:cSld>
+    <p:spTree>
+      <p:nvGrpSpPr>
+        <p:cNvPr id="1" name=""/>
+        <p:cNvGrpSpPr/>
+        <p:nvPr/>
+      </p:nvGrpSpPr>
+      <p:grpSpPr>
+        <a:xfrm>
+          <a:off x="0" y="0"/>
+          <a:ext cx="0" cy="0"/>
+          <a:chOff x="0" y="0"/>
+          <a:chExt cx="0" cy="0"/>
+        </a:xfrm>
+      </p:grpSpPr>
+      <p:sp>
+        <p:nvSpPr>
+          <p:cNvPr id="2" name="Titel 1"/>
+          <p:cNvSpPr>
+            <a:spLocks noGrp="1"/>
+          </p:cNvSpPr>
+          <p:nvPr>
+            <p:ph type="title"/>
+          </p:nvPr>
+        </p:nvSpPr>
+        <p:spPr/>
+        <p:txBody>
+          <a:bodyPr>
+            <a:normAutofit/>
+          </a:bodyPr>
+          <a:lstStyle/>
+          <a:p>
+            <a:r>
+              <a:rPr lang="de-DE" sz="4000" dirty="0"/>
+              <a:t>Implementierungsphase</a:t>
+            </a:r>
+          </a:p>
+        </p:txBody>
+      </p:sp>
+      <p:sp>
+        <p:nvSpPr>
+          <p:cNvPr id="3" name="Inhaltsplatzhalter 2"/>
+          <p:cNvSpPr>
+            <a:spLocks noGrp="1"/>
+          </p:cNvSpPr>
+          <p:nvPr>
+            <p:ph sz="quarter" idx="1"/>
+          </p:nvPr>
+        </p:nvSpPr>
+        <p:spPr>
+          <a:xfrm>
+            <a:off x="457200" y="1700808"/>
+            <a:ext cx="7467600" cy="4900634"/>
+          </a:xfrm>
+        </p:spPr>
+        <p:txBody>
+          <a:bodyPr>
+            <a:normAutofit/>
+          </a:bodyPr>
+          <a:lstStyle/>
+          <a:p>
+            <a:pPr marL="447675" indent="-447675">
+              <a:buNone/>
+            </a:pPr>
+            <a:endParaRPr lang="de-DE" sz="1000" dirty="0"/>
+          </a:p>
+          <a:p>
+            <a:pPr marL="447675" indent="-447675"/>
+            <a:r>
+              <a:rPr lang="de-DE" sz="3200" dirty="0"/>
+              <a:t>Änderung: Lesebestätigung</a:t>
+            </a:r>
+          </a:p>
+          <a:p>
+            <a:pPr marL="447675" indent="-447675">
+              <a:buNone/>
+            </a:pPr>
+            <a:endParaRPr lang="de-DE" sz="1000" dirty="0"/>
+          </a:p>
+          <a:p>
+            <a:pPr marL="447675" indent="-447675"/>
+            <a:r>
+              <a:rPr lang="de-DE" sz="3200" dirty="0"/>
+              <a:t>Aufgabenaufteilung</a:t>
+            </a:r>
+          </a:p>
+          <a:p>
+            <a:pPr marL="447675" indent="-447675">
+              <a:buNone/>
+            </a:pPr>
+            <a:endParaRPr lang="de-DE" sz="1000" dirty="0"/>
+          </a:p>
+          <a:p>
+            <a:pPr marL="447675" indent="-447675"/>
+            <a:r>
+              <a:rPr lang="de-DE" sz="3200" dirty="0"/>
+              <a:t>Probleme</a:t>
+            </a:r>
+          </a:p>
+          <a:p>
+            <a:pPr marL="813435" lvl="1" indent="-447675"/>
+            <a:r>
+              <a:rPr lang="de-DE" sz="2900" dirty="0"/>
+              <a:t>Fehlende Erfahrung</a:t>
+            </a:r>
+          </a:p>
+          <a:p>
+            <a:pPr marL="813435" lvl="1" indent="-447675"/>
+            <a:r>
+              <a:rPr lang="de-DE" sz="2900" dirty="0"/>
+              <a:t>Verbindung mit lokaler Datenbank</a:t>
+            </a:r>
+          </a:p>
+          <a:p>
+            <a:pPr marL="813435" lvl="1" indent="-447675"/>
+            <a:r>
+              <a:rPr lang="de-DE" sz="2900" dirty="0"/>
+              <a:t>Zeitdruck</a:t>
+            </a:r>
+          </a:p>
+          <a:p>
+            <a:pPr marL="447675" indent="-447675">
+              <a:buNone/>
+            </a:pPr>
+            <a:endParaRPr lang="de-DE" sz="1000" dirty="0"/>
+          </a:p>
+          <a:p>
+            <a:pPr marL="447675" indent="-447675"/>
+            <a:endParaRPr lang="de-DE" sz="1000" dirty="0"/>
+          </a:p>
+        </p:txBody>
+      </p:sp>
+    </p:spTree>
+    <p:extLst>
+      <p:ext uri="{BB962C8B-B14F-4D97-AF65-F5344CB8AC3E}">
+        <p14:creationId xmlns:p14="http://schemas.microsoft.com/office/powerpoint/2010/main" val="849743291"/>
+      </p:ext>
+    </p:extLst>
+  </p:cSld>
+  <p:clrMapOvr>
+    <a:masterClrMapping/>
+  </p:clrMapOvr>
+</p:sld>
+</file>
+
+<file path=ppt/slides/slide12.xml><?xml version="1.0" encoding="utf-8"?>
+<p:sld xmlns:a="http://schemas.openxmlformats.org/drawingml/2006/main" xmlns:r="http://schemas.openxmlformats.org/officeDocument/2006/relationships" xmlns:p="http://schemas.openxmlformats.org/presentationml/2006/main">
+  <p:cSld>
+    <p:spTree>
+      <p:nvGrpSpPr>
+        <p:cNvPr id="1" name=""/>
+        <p:cNvGrpSpPr/>
+        <p:nvPr/>
+      </p:nvGrpSpPr>
+      <p:grpSpPr>
+        <a:xfrm>
+          <a:off x="0" y="0"/>
+          <a:ext cx="0" cy="0"/>
+          <a:chOff x="0" y="0"/>
+          <a:chExt cx="0" cy="0"/>
+        </a:xfrm>
+      </p:grpSpPr>
+      <p:grpSp>
+        <p:nvGrpSpPr>
+          <p:cNvPr id="7" name="Gruppierung 6"/>
+          <p:cNvGrpSpPr/>
+          <p:nvPr/>
+        </p:nvGrpSpPr>
+        <p:grpSpPr>
+          <a:xfrm>
+            <a:off x="683568" y="1011773"/>
+            <a:ext cx="7368394" cy="4497869"/>
+            <a:chOff x="683568" y="1011773"/>
+            <a:chExt cx="7368394" cy="4497869"/>
+          </a:xfrm>
+        </p:grpSpPr>
+        <p:sp>
+          <p:nvSpPr>
+            <p:cNvPr id="8" name="Nach oben gebogener Pfeil 7"/>
+            <p:cNvSpPr/>
+            <p:nvPr/>
+          </p:nvSpPr>
+          <p:spPr>
+            <a:xfrm rot="5400000">
+              <a:off x="1148757" y="1847546"/>
+              <a:ext cx="1013034" cy="1153303"/>
+            </a:xfrm>
+            <a:prstGeom prst="bentUpArrow">
+              <a:avLst>
+                <a:gd name="adj1" fmla="val 32840"/>
+                <a:gd name="adj2" fmla="val 25000"/>
+                <a:gd name="adj3" fmla="val 35780"/>
+              </a:avLst>
+            </a:prstGeom>
+          </p:spPr>
+          <p:style>
+            <a:lnRef idx="1">
+              <a:schemeClr val="dk1">
+                <a:shade val="80000"/>
+                <a:hueOff val="0"/>
+                <a:satOff val="0"/>
+                <a:lumOff val="0"/>
+                <a:alphaOff val="0"/>
+              </a:schemeClr>
+            </a:lnRef>
+            <a:fillRef idx="1">
+              <a:schemeClr val="dk1">
+                <a:tint val="40000"/>
+                <a:hueOff val="0"/>
+                <a:satOff val="0"/>
+                <a:lumOff val="0"/>
+                <a:alphaOff val="0"/>
+              </a:schemeClr>
+            </a:fillRef>
+            <a:effectRef idx="1">
+              <a:schemeClr val="dk1">
+                <a:tint val="40000"/>
+                <a:hueOff val="0"/>
+                <a:satOff val="0"/>
+                <a:lumOff val="0"/>
+                <a:alphaOff val="0"/>
+              </a:schemeClr>
+            </a:effectRef>
+            <a:fontRef idx="minor">
+              <a:schemeClr val="lt1">
+                <a:hueOff val="0"/>
+                <a:satOff val="0"/>
+                <a:lumOff val="0"/>
+                <a:alphaOff val="0"/>
+              </a:schemeClr>
+            </a:fontRef>
+          </p:style>
+        </p:sp>
+        <p:sp>
+          <p:nvSpPr>
+            <p:cNvPr id="9" name="Freihandform 8"/>
+            <p:cNvSpPr/>
+            <p:nvPr/>
+          </p:nvSpPr>
+          <p:spPr>
+            <a:xfrm>
+              <a:off x="683568" y="1340763"/>
+              <a:ext cx="2671760" cy="541984"/>
+            </a:xfrm>
+            <a:custGeom>
+              <a:avLst/>
+              <a:gdLst>
+                <a:gd name="connsiteX0" fmla="*/ 0 w 2671760"/>
+                <a:gd name="connsiteY0" fmla="*/ 90349 h 541984"/>
+                <a:gd name="connsiteX1" fmla="*/ 90349 w 2671760"/>
+                <a:gd name="connsiteY1" fmla="*/ 0 h 541984"/>
+                <a:gd name="connsiteX2" fmla="*/ 2581411 w 2671760"/>
+                <a:gd name="connsiteY2" fmla="*/ 0 h 541984"/>
+                <a:gd name="connsiteX3" fmla="*/ 2671760 w 2671760"/>
+                <a:gd name="connsiteY3" fmla="*/ 90349 h 541984"/>
+                <a:gd name="connsiteX4" fmla="*/ 2671760 w 2671760"/>
+                <a:gd name="connsiteY4" fmla="*/ 451635 h 541984"/>
+                <a:gd name="connsiteX5" fmla="*/ 2581411 w 2671760"/>
+                <a:gd name="connsiteY5" fmla="*/ 541984 h 541984"/>
+                <a:gd name="connsiteX6" fmla="*/ 90349 w 2671760"/>
+                <a:gd name="connsiteY6" fmla="*/ 541984 h 541984"/>
+                <a:gd name="connsiteX7" fmla="*/ 0 w 2671760"/>
+                <a:gd name="connsiteY7" fmla="*/ 451635 h 541984"/>
+                <a:gd name="connsiteX8" fmla="*/ 0 w 2671760"/>
+                <a:gd name="connsiteY8" fmla="*/ 90349 h 541984"/>
+              </a:gdLst>
+              <a:ahLst/>
+              <a:cxnLst>
+                <a:cxn ang="0">
+                  <a:pos x="connsiteX0" y="connsiteY0"/>
+                </a:cxn>
+                <a:cxn ang="0">
+                  <a:pos x="connsiteX1" y="connsiteY1"/>
+                </a:cxn>
+                <a:cxn ang="0">
+                  <a:pos x="connsiteX2" y="connsiteY2"/>
+                </a:cxn>
+                <a:cxn ang="0">
+                  <a:pos x="connsiteX3" y="connsiteY3"/>
+                </a:cxn>
+                <a:cxn ang="0">
+                  <a:pos x="connsiteX4" y="connsiteY4"/>
+                </a:cxn>
+                <a:cxn ang="0">
+                  <a:pos x="connsiteX5" y="connsiteY5"/>
+                </a:cxn>
+                <a:cxn ang="0">
+                  <a:pos x="connsiteX6" y="connsiteY6"/>
+                </a:cxn>
+                <a:cxn ang="0">
+                  <a:pos x="connsiteX7" y="connsiteY7"/>
+                </a:cxn>
+                <a:cxn ang="0">
+                  <a:pos x="connsiteX8" y="connsiteY8"/>
+                </a:cxn>
+              </a:cxnLst>
+              <a:rect l="l" t="t" r="r" b="b"/>
+              <a:pathLst>
+                <a:path w="2671760" h="541984">
+                  <a:moveTo>
+                    <a:pt x="0" y="90349"/>
+                  </a:moveTo>
+                  <a:cubicBezTo>
+                    <a:pt x="0" y="40451"/>
+                    <a:pt x="40451" y="0"/>
+                    <a:pt x="90349" y="0"/>
+                  </a:cubicBezTo>
+                  <a:lnTo>
+                    <a:pt x="2581411" y="0"/>
+                  </a:lnTo>
+                  <a:cubicBezTo>
+                    <a:pt x="2631309" y="0"/>
+                    <a:pt x="2671760" y="40451"/>
+                    <a:pt x="2671760" y="90349"/>
+                  </a:cubicBezTo>
+                  <a:lnTo>
+                    <a:pt x="2671760" y="451635"/>
+                  </a:lnTo>
+                  <a:cubicBezTo>
+                    <a:pt x="2671760" y="501533"/>
+                    <a:pt x="2631309" y="541984"/>
+                    <a:pt x="2581411" y="541984"/>
+                  </a:cubicBezTo>
+                  <a:lnTo>
+                    <a:pt x="90349" y="541984"/>
+                  </a:lnTo>
+                  <a:cubicBezTo>
+                    <a:pt x="40451" y="541984"/>
+                    <a:pt x="0" y="501533"/>
+                    <a:pt x="0" y="451635"/>
+                  </a:cubicBezTo>
+                  <a:lnTo>
+                    <a:pt x="0" y="90349"/>
+                  </a:lnTo>
+                  <a:close/>
+                </a:path>
+              </a:pathLst>
+            </a:custGeom>
+            <a:scene3d>
+              <a:camera prst="orthographicFront"/>
+              <a:lightRig rig="flat" dir="t"/>
+            </a:scene3d>
+            <a:sp3d prstMaterial="dkEdge">
+              <a:bevelT w="8200" h="38100"/>
+            </a:sp3d>
+          </p:spPr>
+          <p:style>
+            <a:lnRef idx="0">
+              <a:schemeClr val="dk1">
+                <a:shade val="80000"/>
+                <a:hueOff val="0"/>
+                <a:satOff val="0"/>
+                <a:lumOff val="0"/>
+                <a:alphaOff val="0"/>
+              </a:schemeClr>
+            </a:lnRef>
+            <a:fillRef idx="2">
+              <a:schemeClr val="lt1">
+                <a:hueOff val="0"/>
+                <a:satOff val="0"/>
+                <a:lumOff val="0"/>
+                <a:alphaOff val="0"/>
+              </a:schemeClr>
+            </a:fillRef>
+            <a:effectRef idx="1">
+              <a:schemeClr val="lt1">
+                <a:hueOff val="0"/>
+                <a:satOff val="0"/>
+                <a:lumOff val="0"/>
+                <a:alphaOff val="0"/>
+              </a:schemeClr>
+            </a:effectRef>
+            <a:fontRef idx="minor">
+              <a:schemeClr val="dk1">
+                <a:hueOff val="0"/>
+                <a:satOff val="0"/>
+                <a:lumOff val="0"/>
+                <a:alphaOff val="0"/>
+              </a:schemeClr>
+            </a:fontRef>
+          </p:style>
+          <p:txBody>
+            <a:bodyPr spcFirstLastPara="0" vert="horz" wrap="square" lIns="110282" tIns="110282" rIns="110282" bIns="110282" numCol="1" spcCol="1270" anchor="ctr" anchorCtr="0">
+              <a:noAutofit/>
+            </a:bodyPr>
+            <a:lstStyle/>
+            <a:p>
+              <a:pPr lvl="0" algn="ctr" defTabSz="977900">
+                <a:lnSpc>
+                  <a:spcPct val="90000"/>
+                </a:lnSpc>
+                <a:spcBef>
+                  <a:spcPct val="0"/>
+                </a:spcBef>
+                <a:spcAft>
+                  <a:spcPct val="35000"/>
+                </a:spcAft>
+              </a:pPr>
+              <a:r>
+                <a:rPr lang="de-DE" sz="2200" kern="1200" dirty="0"/>
+                <a:t>Pflichtenheft</a:t>
+              </a:r>
+            </a:p>
+          </p:txBody>
+        </p:sp>
+        <p:sp>
+          <p:nvSpPr>
+            <p:cNvPr id="10" name="Rechteck 9"/>
+            <p:cNvSpPr/>
+            <p:nvPr/>
+          </p:nvSpPr>
+          <p:spPr>
+            <a:xfrm>
+              <a:off x="2874252" y="1011773"/>
+              <a:ext cx="1240311" cy="964794"/>
+            </a:xfrm>
+            <a:prstGeom prst="rect">
+              <a:avLst/>
+            </a:prstGeom>
+          </p:spPr>
+          <p:style>
+            <a:lnRef idx="0">
+              <a:schemeClr val="dk1">
+                <a:alpha val="0"/>
+                <a:hueOff val="0"/>
+                <a:satOff val="0"/>
+                <a:lumOff val="0"/>
+                <a:alphaOff val="0"/>
+              </a:schemeClr>
+            </a:lnRef>
+            <a:fillRef idx="0">
+              <a:schemeClr val="lt1">
+                <a:alpha val="0"/>
+                <a:hueOff val="0"/>
+                <a:satOff val="0"/>
+                <a:lumOff val="0"/>
+                <a:alphaOff val="0"/>
+              </a:schemeClr>
+            </a:fillRef>
+            <a:effectRef idx="0">
+              <a:schemeClr val="lt1">
+                <a:alpha val="0"/>
+                <a:hueOff val="0"/>
+                <a:satOff val="0"/>
+                <a:lumOff val="0"/>
+                <a:alphaOff val="0"/>
+              </a:schemeClr>
+            </a:effectRef>
+            <a:fontRef idx="minor">
+              <a:schemeClr val="tx1">
+                <a:hueOff val="0"/>
+                <a:satOff val="0"/>
+                <a:lumOff val="0"/>
+                <a:alphaOff val="0"/>
+              </a:schemeClr>
+            </a:fontRef>
+          </p:style>
+        </p:sp>
+        <p:sp>
+          <p:nvSpPr>
+            <p:cNvPr id="11" name="Nach oben gebogener Pfeil 10"/>
+            <p:cNvSpPr/>
+            <p:nvPr/>
+          </p:nvSpPr>
+          <p:spPr>
+            <a:xfrm rot="5400000">
+              <a:off x="2769931" y="2998825"/>
+              <a:ext cx="1013034" cy="1153303"/>
+            </a:xfrm>
+            <a:prstGeom prst="bentUpArrow">
+              <a:avLst>
+                <a:gd name="adj1" fmla="val 32840"/>
+                <a:gd name="adj2" fmla="val 25000"/>
+                <a:gd name="adj3" fmla="val 35780"/>
+              </a:avLst>
+            </a:prstGeom>
+          </p:spPr>
+          <p:style>
+            <a:lnRef idx="1">
+              <a:schemeClr val="dk1">
+                <a:shade val="80000"/>
+                <a:hueOff val="0"/>
+                <a:satOff val="0"/>
+                <a:lumOff val="0"/>
+                <a:alphaOff val="0"/>
+              </a:schemeClr>
+            </a:lnRef>
+            <a:fillRef idx="1">
+              <a:schemeClr val="dk1">
+                <a:tint val="40000"/>
+                <a:hueOff val="0"/>
+                <a:satOff val="0"/>
+                <a:lumOff val="0"/>
+                <a:alphaOff val="0"/>
+              </a:schemeClr>
+            </a:fillRef>
+            <a:effectRef idx="1">
+              <a:schemeClr val="dk1">
+                <a:tint val="40000"/>
+                <a:hueOff val="0"/>
+                <a:satOff val="0"/>
+                <a:lumOff val="0"/>
+                <a:alphaOff val="0"/>
+              </a:schemeClr>
+            </a:effectRef>
+            <a:fontRef idx="minor">
+              <a:schemeClr val="lt1">
+                <a:hueOff val="0"/>
+                <a:satOff val="0"/>
+                <a:lumOff val="0"/>
+                <a:alphaOff val="0"/>
+              </a:schemeClr>
+            </a:fontRef>
+          </p:style>
+        </p:sp>
+        <p:sp>
+          <p:nvSpPr>
+            <p:cNvPr id="12" name="Freihandform 11"/>
+            <p:cNvSpPr/>
+            <p:nvPr/>
+          </p:nvSpPr>
+          <p:spPr>
+            <a:xfrm>
+              <a:off x="2267738" y="2420890"/>
+              <a:ext cx="2641422" cy="619180"/>
+            </a:xfrm>
+            <a:custGeom>
+              <a:avLst/>
+              <a:gdLst>
+                <a:gd name="connsiteX0" fmla="*/ 0 w 2641422"/>
+                <a:gd name="connsiteY0" fmla="*/ 103217 h 619180"/>
+                <a:gd name="connsiteX1" fmla="*/ 103217 w 2641422"/>
+                <a:gd name="connsiteY1" fmla="*/ 0 h 619180"/>
+                <a:gd name="connsiteX2" fmla="*/ 2538205 w 2641422"/>
+                <a:gd name="connsiteY2" fmla="*/ 0 h 619180"/>
+                <a:gd name="connsiteX3" fmla="*/ 2641422 w 2641422"/>
+                <a:gd name="connsiteY3" fmla="*/ 103217 h 619180"/>
+                <a:gd name="connsiteX4" fmla="*/ 2641422 w 2641422"/>
+                <a:gd name="connsiteY4" fmla="*/ 515963 h 619180"/>
+                <a:gd name="connsiteX5" fmla="*/ 2538205 w 2641422"/>
+                <a:gd name="connsiteY5" fmla="*/ 619180 h 619180"/>
+                <a:gd name="connsiteX6" fmla="*/ 103217 w 2641422"/>
+                <a:gd name="connsiteY6" fmla="*/ 619180 h 619180"/>
+                <a:gd name="connsiteX7" fmla="*/ 0 w 2641422"/>
+                <a:gd name="connsiteY7" fmla="*/ 515963 h 619180"/>
+                <a:gd name="connsiteX8" fmla="*/ 0 w 2641422"/>
+                <a:gd name="connsiteY8" fmla="*/ 103217 h 619180"/>
+              </a:gdLst>
+              <a:ahLst/>
+              <a:cxnLst>
+                <a:cxn ang="0">
+                  <a:pos x="connsiteX0" y="connsiteY0"/>
+                </a:cxn>
+                <a:cxn ang="0">
+                  <a:pos x="connsiteX1" y="connsiteY1"/>
+                </a:cxn>
+                <a:cxn ang="0">
+                  <a:pos x="connsiteX2" y="connsiteY2"/>
+                </a:cxn>
+                <a:cxn ang="0">
+                  <a:pos x="connsiteX3" y="connsiteY3"/>
+                </a:cxn>
+                <a:cxn ang="0">
+                  <a:pos x="connsiteX4" y="connsiteY4"/>
+                </a:cxn>
+                <a:cxn ang="0">
+                  <a:pos x="connsiteX5" y="connsiteY5"/>
+                </a:cxn>
+                <a:cxn ang="0">
+                  <a:pos x="connsiteX6" y="connsiteY6"/>
+                </a:cxn>
+                <a:cxn ang="0">
+                  <a:pos x="connsiteX7" y="connsiteY7"/>
+                </a:cxn>
+                <a:cxn ang="0">
+                  <a:pos x="connsiteX8" y="connsiteY8"/>
+                </a:cxn>
+              </a:cxnLst>
+              <a:rect l="l" t="t" r="r" b="b"/>
+              <a:pathLst>
+                <a:path w="2641422" h="619180">
+                  <a:moveTo>
+                    <a:pt x="0" y="103217"/>
+                  </a:moveTo>
+                  <a:cubicBezTo>
+                    <a:pt x="0" y="46212"/>
+                    <a:pt x="46212" y="0"/>
+                    <a:pt x="103217" y="0"/>
+                  </a:cubicBezTo>
+                  <a:lnTo>
+                    <a:pt x="2538205" y="0"/>
+                  </a:lnTo>
+                  <a:cubicBezTo>
+                    <a:pt x="2595210" y="0"/>
+                    <a:pt x="2641422" y="46212"/>
+                    <a:pt x="2641422" y="103217"/>
+                  </a:cubicBezTo>
+                  <a:lnTo>
+                    <a:pt x="2641422" y="515963"/>
+                  </a:lnTo>
+                  <a:cubicBezTo>
+                    <a:pt x="2641422" y="572968"/>
+                    <a:pt x="2595210" y="619180"/>
+                    <a:pt x="2538205" y="619180"/>
+                  </a:cubicBezTo>
+                  <a:lnTo>
+                    <a:pt x="103217" y="619180"/>
+                  </a:lnTo>
+                  <a:cubicBezTo>
+                    <a:pt x="46212" y="619180"/>
+                    <a:pt x="0" y="572968"/>
+                    <a:pt x="0" y="515963"/>
+                  </a:cubicBezTo>
+                  <a:lnTo>
+                    <a:pt x="0" y="103217"/>
+                  </a:lnTo>
+                  <a:close/>
+                </a:path>
+              </a:pathLst>
+            </a:custGeom>
+            <a:scene3d>
+              <a:camera prst="orthographicFront"/>
+              <a:lightRig rig="flat" dir="t"/>
+            </a:scene3d>
+            <a:sp3d prstMaterial="dkEdge">
+              <a:bevelT w="8200" h="38100"/>
+            </a:sp3d>
+          </p:spPr>
+          <p:style>
+            <a:lnRef idx="0">
+              <a:schemeClr val="dk1">
+                <a:shade val="80000"/>
+                <a:hueOff val="0"/>
+                <a:satOff val="0"/>
+                <a:lumOff val="0"/>
+                <a:alphaOff val="0"/>
+              </a:schemeClr>
+            </a:lnRef>
+            <a:fillRef idx="2">
+              <a:schemeClr val="lt1">
+                <a:hueOff val="0"/>
+                <a:satOff val="0"/>
+                <a:lumOff val="0"/>
+                <a:alphaOff val="0"/>
+              </a:schemeClr>
+            </a:fillRef>
+            <a:effectRef idx="1">
+              <a:schemeClr val="lt1">
+                <a:hueOff val="0"/>
+                <a:satOff val="0"/>
+                <a:lumOff val="0"/>
+                <a:alphaOff val="0"/>
+              </a:schemeClr>
+            </a:effectRef>
+            <a:fontRef idx="minor">
+              <a:schemeClr val="dk1">
+                <a:hueOff val="0"/>
+                <a:satOff val="0"/>
+                <a:lumOff val="0"/>
+                <a:alphaOff val="0"/>
+              </a:schemeClr>
+            </a:fontRef>
+          </p:style>
+          <p:txBody>
+            <a:bodyPr spcFirstLastPara="0" vert="horz" wrap="square" lIns="114051" tIns="114051" rIns="114051" bIns="114051" numCol="1" spcCol="1270" anchor="ctr" anchorCtr="0">
+              <a:noAutofit/>
+            </a:bodyPr>
+            <a:lstStyle/>
+            <a:p>
+              <a:pPr lvl="0" algn="ctr" defTabSz="977900">
+                <a:lnSpc>
+                  <a:spcPct val="90000"/>
+                </a:lnSpc>
+                <a:spcBef>
+                  <a:spcPct val="0"/>
+                </a:spcBef>
+                <a:spcAft>
+                  <a:spcPct val="35000"/>
+                </a:spcAft>
+              </a:pPr>
+              <a:r>
+                <a:rPr lang="de-DE" sz="2200" kern="1200" dirty="0"/>
+                <a:t>Entwurf</a:t>
+              </a:r>
             </a:p>
           </p:txBody>
         </p:sp>
@@ -11352,10 +12405,2545 @@
                 </a:spcAft>
               </a:pPr>
               <a:r>
-                <a:rPr lang="de-DE" sz="2200" b="1" kern="1200" dirty="0" smtClean="0"/>
+                <a:rPr lang="de-DE" sz="2200" kern="1200" dirty="0"/>
                 <a:t>Implementierung</a:t>
               </a:r>
-              <a:endParaRPr lang="de-DE" sz="2200" b="1" kern="1200" dirty="0"/>
+            </a:p>
+          </p:txBody>
+        </p:sp>
+        <p:sp>
+          <p:nvSpPr>
+            <p:cNvPr id="16" name="Rechteck 15"/>
+            <p:cNvSpPr/>
+            <p:nvPr/>
+          </p:nvSpPr>
+          <p:spPr>
+            <a:xfrm>
+              <a:off x="6187019" y="3465902"/>
+              <a:ext cx="1240311" cy="964794"/>
+            </a:xfrm>
+            <a:prstGeom prst="rect">
+              <a:avLst/>
+            </a:prstGeom>
+          </p:spPr>
+          <p:style>
+            <a:lnRef idx="0">
+              <a:schemeClr val="dk1">
+                <a:alpha val="0"/>
+                <a:hueOff val="0"/>
+                <a:satOff val="0"/>
+                <a:lumOff val="0"/>
+                <a:alphaOff val="0"/>
+              </a:schemeClr>
+            </a:lnRef>
+            <a:fillRef idx="0">
+              <a:schemeClr val="lt1">
+                <a:alpha val="0"/>
+                <a:hueOff val="0"/>
+                <a:satOff val="0"/>
+                <a:lumOff val="0"/>
+                <a:alphaOff val="0"/>
+              </a:schemeClr>
+            </a:fillRef>
+            <a:effectRef idx="0">
+              <a:schemeClr val="lt1">
+                <a:alpha val="0"/>
+                <a:hueOff val="0"/>
+                <a:satOff val="0"/>
+                <a:lumOff val="0"/>
+                <a:alphaOff val="0"/>
+              </a:schemeClr>
+            </a:effectRef>
+            <a:fontRef idx="minor">
+              <a:schemeClr val="tx1">
+                <a:hueOff val="0"/>
+                <a:satOff val="0"/>
+                <a:lumOff val="0"/>
+                <a:alphaOff val="0"/>
+              </a:schemeClr>
+            </a:fontRef>
+          </p:style>
+        </p:sp>
+        <p:sp>
+          <p:nvSpPr>
+            <p:cNvPr id="17" name="Freihandform 16"/>
+            <p:cNvSpPr/>
+            <p:nvPr/>
+          </p:nvSpPr>
+          <p:spPr>
+            <a:xfrm>
+              <a:off x="5432949" y="4804206"/>
+              <a:ext cx="2619013" cy="705436"/>
+            </a:xfrm>
+            <a:custGeom>
+              <a:avLst/>
+              <a:gdLst>
+                <a:gd name="connsiteX0" fmla="*/ 0 w 2619013"/>
+                <a:gd name="connsiteY0" fmla="*/ 117596 h 705436"/>
+                <a:gd name="connsiteX1" fmla="*/ 117596 w 2619013"/>
+                <a:gd name="connsiteY1" fmla="*/ 0 h 705436"/>
+                <a:gd name="connsiteX2" fmla="*/ 2501417 w 2619013"/>
+                <a:gd name="connsiteY2" fmla="*/ 0 h 705436"/>
+                <a:gd name="connsiteX3" fmla="*/ 2619013 w 2619013"/>
+                <a:gd name="connsiteY3" fmla="*/ 117596 h 705436"/>
+                <a:gd name="connsiteX4" fmla="*/ 2619013 w 2619013"/>
+                <a:gd name="connsiteY4" fmla="*/ 587840 h 705436"/>
+                <a:gd name="connsiteX5" fmla="*/ 2501417 w 2619013"/>
+                <a:gd name="connsiteY5" fmla="*/ 705436 h 705436"/>
+                <a:gd name="connsiteX6" fmla="*/ 117596 w 2619013"/>
+                <a:gd name="connsiteY6" fmla="*/ 705436 h 705436"/>
+                <a:gd name="connsiteX7" fmla="*/ 0 w 2619013"/>
+                <a:gd name="connsiteY7" fmla="*/ 587840 h 705436"/>
+                <a:gd name="connsiteX8" fmla="*/ 0 w 2619013"/>
+                <a:gd name="connsiteY8" fmla="*/ 117596 h 705436"/>
+              </a:gdLst>
+              <a:ahLst/>
+              <a:cxnLst>
+                <a:cxn ang="0">
+                  <a:pos x="connsiteX0" y="connsiteY0"/>
+                </a:cxn>
+                <a:cxn ang="0">
+                  <a:pos x="connsiteX1" y="connsiteY1"/>
+                </a:cxn>
+                <a:cxn ang="0">
+                  <a:pos x="connsiteX2" y="connsiteY2"/>
+                </a:cxn>
+                <a:cxn ang="0">
+                  <a:pos x="connsiteX3" y="connsiteY3"/>
+                </a:cxn>
+                <a:cxn ang="0">
+                  <a:pos x="connsiteX4" y="connsiteY4"/>
+                </a:cxn>
+                <a:cxn ang="0">
+                  <a:pos x="connsiteX5" y="connsiteY5"/>
+                </a:cxn>
+                <a:cxn ang="0">
+                  <a:pos x="connsiteX6" y="connsiteY6"/>
+                </a:cxn>
+                <a:cxn ang="0">
+                  <a:pos x="connsiteX7" y="connsiteY7"/>
+                </a:cxn>
+                <a:cxn ang="0">
+                  <a:pos x="connsiteX8" y="connsiteY8"/>
+                </a:cxn>
+              </a:cxnLst>
+              <a:rect l="l" t="t" r="r" b="b"/>
+              <a:pathLst>
+                <a:path w="2619013" h="705436">
+                  <a:moveTo>
+                    <a:pt x="0" y="117596"/>
+                  </a:moveTo>
+                  <a:cubicBezTo>
+                    <a:pt x="0" y="52650"/>
+                    <a:pt x="52650" y="0"/>
+                    <a:pt x="117596" y="0"/>
+                  </a:cubicBezTo>
+                  <a:lnTo>
+                    <a:pt x="2501417" y="0"/>
+                  </a:lnTo>
+                  <a:cubicBezTo>
+                    <a:pt x="2566363" y="0"/>
+                    <a:pt x="2619013" y="52650"/>
+                    <a:pt x="2619013" y="117596"/>
+                  </a:cubicBezTo>
+                  <a:lnTo>
+                    <a:pt x="2619013" y="587840"/>
+                  </a:lnTo>
+                  <a:cubicBezTo>
+                    <a:pt x="2619013" y="652786"/>
+                    <a:pt x="2566363" y="705436"/>
+                    <a:pt x="2501417" y="705436"/>
+                  </a:cubicBezTo>
+                  <a:lnTo>
+                    <a:pt x="117596" y="705436"/>
+                  </a:lnTo>
+                  <a:cubicBezTo>
+                    <a:pt x="52650" y="705436"/>
+                    <a:pt x="0" y="652786"/>
+                    <a:pt x="0" y="587840"/>
+                  </a:cubicBezTo>
+                  <a:lnTo>
+                    <a:pt x="0" y="117596"/>
+                  </a:lnTo>
+                  <a:close/>
+                </a:path>
+              </a:pathLst>
+            </a:custGeom>
+          </p:spPr>
+          <p:style>
+            <a:lnRef idx="1">
+              <a:schemeClr val="accent1"/>
+            </a:lnRef>
+            <a:fillRef idx="2">
+              <a:schemeClr val="accent1"/>
+            </a:fillRef>
+            <a:effectRef idx="1">
+              <a:schemeClr val="accent1"/>
+            </a:effectRef>
+            <a:fontRef idx="minor">
+              <a:schemeClr val="dk1"/>
+            </a:fontRef>
+          </p:style>
+          <p:txBody>
+            <a:bodyPr spcFirstLastPara="0" vert="horz" wrap="square" lIns="118263" tIns="118263" rIns="118263" bIns="118263" numCol="1" spcCol="1270" anchor="ctr" anchorCtr="0">
+              <a:noAutofit/>
+            </a:bodyPr>
+            <a:lstStyle/>
+            <a:p>
+              <a:pPr lvl="0" algn="ctr" defTabSz="977900">
+                <a:lnSpc>
+                  <a:spcPct val="90000"/>
+                </a:lnSpc>
+                <a:spcBef>
+                  <a:spcPct val="0"/>
+                </a:spcBef>
+                <a:spcAft>
+                  <a:spcPct val="35000"/>
+                </a:spcAft>
+              </a:pPr>
+              <a:r>
+                <a:rPr lang="de-DE" sz="2200" b="1" kern="1200" dirty="0"/>
+                <a:t>Qualitätssicherung</a:t>
+              </a:r>
+            </a:p>
+          </p:txBody>
+        </p:sp>
+      </p:grpSp>
+    </p:spTree>
+    <p:extLst>
+      <p:ext uri="{BB962C8B-B14F-4D97-AF65-F5344CB8AC3E}">
+        <p14:creationId xmlns:p14="http://schemas.microsoft.com/office/powerpoint/2010/main" val="1976057169"/>
+      </p:ext>
+    </p:extLst>
+  </p:cSld>
+  <p:clrMapOvr>
+    <a:masterClrMapping/>
+  </p:clrMapOvr>
+</p:sld>
+</file>
+
+<file path=ppt/slides/slide13.xml><?xml version="1.0" encoding="utf-8"?>
+<p:sld xmlns:a="http://schemas.openxmlformats.org/drawingml/2006/main" xmlns:r="http://schemas.openxmlformats.org/officeDocument/2006/relationships" xmlns:p="http://schemas.openxmlformats.org/presentationml/2006/main">
+  <p:cSld>
+    <p:spTree>
+      <p:nvGrpSpPr>
+        <p:cNvPr id="1" name=""/>
+        <p:cNvGrpSpPr/>
+        <p:nvPr/>
+      </p:nvGrpSpPr>
+      <p:grpSpPr>
+        <a:xfrm>
+          <a:off x="0" y="0"/>
+          <a:ext cx="0" cy="0"/>
+          <a:chOff x="0" y="0"/>
+          <a:chExt cx="0" cy="0"/>
+        </a:xfrm>
+      </p:grpSpPr>
+      <p:sp>
+        <p:nvSpPr>
+          <p:cNvPr id="2" name="Titel 1"/>
+          <p:cNvSpPr>
+            <a:spLocks noGrp="1"/>
+          </p:cNvSpPr>
+          <p:nvPr>
+            <p:ph type="title"/>
+          </p:nvPr>
+        </p:nvSpPr>
+        <p:spPr/>
+        <p:txBody>
+          <a:bodyPr>
+            <a:normAutofit/>
+          </a:bodyPr>
+          <a:lstStyle/>
+          <a:p>
+            <a:r>
+              <a:rPr lang="de-DE" sz="4000" dirty="0"/>
+              <a:t>Qualitätssicherungsphase</a:t>
+            </a:r>
+          </a:p>
+        </p:txBody>
+      </p:sp>
+      <p:sp>
+        <p:nvSpPr>
+          <p:cNvPr id="3" name="Inhaltsplatzhalter 2"/>
+          <p:cNvSpPr>
+            <a:spLocks noGrp="1"/>
+          </p:cNvSpPr>
+          <p:nvPr>
+            <p:ph sz="quarter" idx="1"/>
+          </p:nvPr>
+        </p:nvSpPr>
+        <p:spPr>
+          <a:xfrm>
+            <a:off x="4860032" y="1790834"/>
+            <a:ext cx="3600400" cy="4086438"/>
+          </a:xfrm>
+        </p:spPr>
+        <p:txBody>
+          <a:bodyPr>
+            <a:normAutofit fontScale="92500"/>
+          </a:bodyPr>
+          <a:lstStyle/>
+          <a:p>
+            <a:pPr marL="447675" indent="-447675">
+              <a:buNone/>
+            </a:pPr>
+            <a:endParaRPr lang="de-DE" sz="1000" dirty="0"/>
+          </a:p>
+          <a:p>
+            <a:pPr marL="447675" indent="-447675"/>
+            <a:r>
+              <a:rPr lang="de-DE" sz="3200" dirty="0"/>
+              <a:t>Probleme</a:t>
+            </a:r>
+          </a:p>
+          <a:p>
+            <a:pPr marL="813435" lvl="1" indent="-447675"/>
+            <a:r>
+              <a:rPr lang="de-DE" sz="3200" dirty="0"/>
+              <a:t>Wenig Erfahrung</a:t>
+            </a:r>
+          </a:p>
+          <a:p>
+            <a:pPr marL="813435" lvl="1" indent="-447675"/>
+            <a:endParaRPr lang="de-DE" sz="3200" dirty="0"/>
+          </a:p>
+          <a:p>
+            <a:pPr marL="813435" lvl="1" indent="-447675"/>
+            <a:r>
+              <a:rPr lang="de-DE" sz="3200" dirty="0"/>
+              <a:t>Keine Treffen</a:t>
+            </a:r>
+          </a:p>
+          <a:p>
+            <a:pPr marL="447675" indent="-447675">
+              <a:buNone/>
+            </a:pPr>
+            <a:endParaRPr lang="de-DE" sz="3200" dirty="0"/>
+          </a:p>
+          <a:p>
+            <a:pPr marL="813435" lvl="1" indent="-447675"/>
+            <a:r>
+              <a:rPr lang="de-DE" sz="3200" dirty="0"/>
+              <a:t>Weniger Online-Konferenzen</a:t>
+            </a:r>
+          </a:p>
+          <a:p>
+            <a:pPr marL="447675" indent="-447675">
+              <a:buNone/>
+            </a:pPr>
+            <a:endParaRPr lang="de-DE" sz="1000" dirty="0"/>
+          </a:p>
+          <a:p>
+            <a:pPr marL="447675" indent="-447675"/>
+            <a:endParaRPr lang="de-DE" sz="1000" dirty="0"/>
+          </a:p>
+          <a:p>
+            <a:pPr marL="447675" indent="-447675"/>
+            <a:endParaRPr lang="de-DE" sz="1000" dirty="0"/>
+          </a:p>
+        </p:txBody>
+      </p:sp>
+      <p:graphicFrame>
+        <p:nvGraphicFramePr>
+          <p:cNvPr id="4" name="Diagramm 3"/>
+          <p:cNvGraphicFramePr/>
+          <p:nvPr>
+            <p:extLst>
+              <p:ext uri="{D42A27DB-BD31-4B8C-83A1-F6EECF244321}">
+                <p14:modId xmlns:p14="http://schemas.microsoft.com/office/powerpoint/2010/main" val="625910118"/>
+              </p:ext>
+            </p:extLst>
+          </p:nvPr>
+        </p:nvGraphicFramePr>
+        <p:xfrm>
+          <a:off x="-163388" y="1723453"/>
+          <a:ext cx="4752528" cy="4311227"/>
+        </p:xfrm>
+        <a:graphic>
+          <a:graphicData uri="http://schemas.openxmlformats.org/drawingml/2006/diagram">
+            <dgm:relIds xmlns:dgm="http://schemas.openxmlformats.org/drawingml/2006/diagram" xmlns:r="http://schemas.openxmlformats.org/officeDocument/2006/relationships" r:dm="rId2" r:lo="rId3" r:qs="rId4" r:cs="rId5"/>
+          </a:graphicData>
+        </a:graphic>
+      </p:graphicFrame>
+    </p:spTree>
+    <p:extLst>
+      <p:ext uri="{BB962C8B-B14F-4D97-AF65-F5344CB8AC3E}">
+        <p14:creationId xmlns:p14="http://schemas.microsoft.com/office/powerpoint/2010/main" val="179655853"/>
+      </p:ext>
+    </p:extLst>
+  </p:cSld>
+  <p:clrMapOvr>
+    <a:masterClrMapping/>
+  </p:clrMapOvr>
+</p:sld>
+</file>
+
+<file path=ppt/slides/slide14.xml><?xml version="1.0" encoding="utf-8"?>
+<p:sld xmlns:a="http://schemas.openxmlformats.org/drawingml/2006/main" xmlns:r="http://schemas.openxmlformats.org/officeDocument/2006/relationships" xmlns:p="http://schemas.openxmlformats.org/presentationml/2006/main">
+  <p:cSld>
+    <p:spTree>
+      <p:nvGrpSpPr>
+        <p:cNvPr id="1" name=""/>
+        <p:cNvGrpSpPr/>
+        <p:nvPr/>
+      </p:nvGrpSpPr>
+      <p:grpSpPr>
+        <a:xfrm>
+          <a:off x="0" y="0"/>
+          <a:ext cx="0" cy="0"/>
+          <a:chOff x="0" y="0"/>
+          <a:chExt cx="0" cy="0"/>
+        </a:xfrm>
+      </p:grpSpPr>
+      <p:sp>
+        <p:nvSpPr>
+          <p:cNvPr id="2" name="Titel 1"/>
+          <p:cNvSpPr>
+            <a:spLocks noGrp="1"/>
+          </p:cNvSpPr>
+          <p:nvPr>
+            <p:ph type="title"/>
+          </p:nvPr>
+        </p:nvSpPr>
+        <p:spPr/>
+        <p:txBody>
+          <a:bodyPr>
+            <a:normAutofit/>
+          </a:bodyPr>
+          <a:lstStyle/>
+          <a:p>
+            <a:r>
+              <a:rPr lang="de-DE" sz="4000" dirty="0"/>
+              <a:t>Nutzerstudie</a:t>
+            </a:r>
+          </a:p>
+        </p:txBody>
+      </p:sp>
+      <p:graphicFrame>
+        <p:nvGraphicFramePr>
+          <p:cNvPr id="7" name="Diagramm 6">
+            <a:extLst>
+              <a:ext uri="{FF2B5EF4-FFF2-40B4-BE49-F238E27FC236}">
+                <a16:creationId xmlns:a16="http://schemas.microsoft.com/office/drawing/2014/main" id="{9841F122-51C3-430E-8A7E-871D79072991}"/>
+              </a:ext>
+            </a:extLst>
+          </p:cNvPr>
+          <p:cNvGraphicFramePr/>
+          <p:nvPr>
+            <p:extLst>
+              <p:ext uri="{D42A27DB-BD31-4B8C-83A1-F6EECF244321}">
+                <p14:modId xmlns:p14="http://schemas.microsoft.com/office/powerpoint/2010/main" val="694219115"/>
+              </p:ext>
+            </p:extLst>
+          </p:nvPr>
+        </p:nvGraphicFramePr>
+        <p:xfrm>
+          <a:off x="4355976" y="1412330"/>
+          <a:ext cx="4443536" cy="3816424"/>
+        </p:xfrm>
+        <a:graphic>
+          <a:graphicData uri="http://schemas.openxmlformats.org/drawingml/2006/chart">
+            <c:chart xmlns:c="http://schemas.openxmlformats.org/drawingml/2006/chart" xmlns:r="http://schemas.openxmlformats.org/officeDocument/2006/relationships" r:id="rId2"/>
+          </a:graphicData>
+        </a:graphic>
+      </p:graphicFrame>
+      <p:graphicFrame>
+        <p:nvGraphicFramePr>
+          <p:cNvPr id="8" name="Diagramm 7">
+            <a:extLst>
+              <a:ext uri="{FF2B5EF4-FFF2-40B4-BE49-F238E27FC236}">
+                <a16:creationId xmlns:a16="http://schemas.microsoft.com/office/drawing/2014/main" id="{9841F122-51C3-430E-8A7E-871D79072991}"/>
+              </a:ext>
+            </a:extLst>
+          </p:cNvPr>
+          <p:cNvGraphicFramePr/>
+          <p:nvPr>
+            <p:extLst>
+              <p:ext uri="{D42A27DB-BD31-4B8C-83A1-F6EECF244321}">
+                <p14:modId xmlns:p14="http://schemas.microsoft.com/office/powerpoint/2010/main" val="29132963"/>
+              </p:ext>
+            </p:extLst>
+          </p:nvPr>
+        </p:nvGraphicFramePr>
+        <p:xfrm>
+          <a:off x="-118864" y="1417638"/>
+          <a:ext cx="4474840" cy="4752528"/>
+        </p:xfrm>
+        <a:graphic>
+          <a:graphicData uri="http://schemas.openxmlformats.org/drawingml/2006/chart">
+            <c:chart xmlns:c="http://schemas.openxmlformats.org/drawingml/2006/chart" xmlns:r="http://schemas.openxmlformats.org/officeDocument/2006/relationships" r:id="rId3"/>
+          </a:graphicData>
+        </a:graphic>
+      </p:graphicFrame>
+    </p:spTree>
+    <p:extLst>
+      <p:ext uri="{BB962C8B-B14F-4D97-AF65-F5344CB8AC3E}">
+        <p14:creationId xmlns:p14="http://schemas.microsoft.com/office/powerpoint/2010/main" val="1350698107"/>
+      </p:ext>
+    </p:extLst>
+  </p:cSld>
+  <p:clrMapOvr>
+    <a:masterClrMapping/>
+  </p:clrMapOvr>
+</p:sld>
+</file>
+
+<file path=ppt/slides/slide15.xml><?xml version="1.0" encoding="utf-8"?>
+<p:sld xmlns:a="http://schemas.openxmlformats.org/drawingml/2006/main" xmlns:r="http://schemas.openxmlformats.org/officeDocument/2006/relationships" xmlns:p="http://schemas.openxmlformats.org/presentationml/2006/main">
+  <p:cSld>
+    <p:spTree>
+      <p:nvGrpSpPr>
+        <p:cNvPr id="1" name=""/>
+        <p:cNvGrpSpPr/>
+        <p:nvPr/>
+      </p:nvGrpSpPr>
+      <p:grpSpPr>
+        <a:xfrm>
+          <a:off x="0" y="0"/>
+          <a:ext cx="0" cy="0"/>
+          <a:chOff x="0" y="0"/>
+          <a:chExt cx="0" cy="0"/>
+        </a:xfrm>
+      </p:grpSpPr>
+      <p:sp>
+        <p:nvSpPr>
+          <p:cNvPr id="2" name="Titel 1"/>
+          <p:cNvSpPr>
+            <a:spLocks noGrp="1"/>
+          </p:cNvSpPr>
+          <p:nvPr>
+            <p:ph type="title"/>
+          </p:nvPr>
+        </p:nvSpPr>
+        <p:spPr/>
+        <p:txBody>
+          <a:bodyPr>
+            <a:normAutofit/>
+          </a:bodyPr>
+          <a:lstStyle/>
+          <a:p>
+            <a:r>
+              <a:rPr lang="de-DE" sz="4000" dirty="0"/>
+              <a:t>Demo</a:t>
+            </a:r>
+          </a:p>
+        </p:txBody>
+      </p:sp>
+      <p:sp>
+        <p:nvSpPr>
+          <p:cNvPr id="3" name="Inhaltsplatzhalter 2"/>
+          <p:cNvSpPr>
+            <a:spLocks noGrp="1"/>
+          </p:cNvSpPr>
+          <p:nvPr>
+            <p:ph sz="quarter" idx="1"/>
+          </p:nvPr>
+        </p:nvSpPr>
+        <p:spPr>
+          <a:xfrm>
+            <a:off x="457200" y="1600200"/>
+            <a:ext cx="7467600" cy="4900634"/>
+          </a:xfrm>
+        </p:spPr>
+        <p:txBody>
+          <a:bodyPr>
+            <a:normAutofit/>
+          </a:bodyPr>
+          <a:lstStyle/>
+          <a:p>
+            <a:pPr marL="447675" indent="-447675">
+              <a:buNone/>
+            </a:pPr>
+            <a:endParaRPr lang="de-DE" sz="1000" dirty="0"/>
+          </a:p>
+          <a:p>
+            <a:pPr marL="447675" indent="-447675"/>
+            <a:r>
+              <a:rPr lang="de-DE" sz="3200" dirty="0"/>
+              <a:t>x</a:t>
+            </a:r>
+          </a:p>
+          <a:p>
+            <a:pPr marL="447675" indent="-447675">
+              <a:buNone/>
+            </a:pPr>
+            <a:endParaRPr lang="de-DE" sz="1000" dirty="0"/>
+          </a:p>
+          <a:p>
+            <a:pPr marL="447675" indent="-447675"/>
+            <a:r>
+              <a:rPr lang="de-DE" sz="3200" dirty="0"/>
+              <a:t>x</a:t>
+            </a:r>
+          </a:p>
+          <a:p>
+            <a:pPr marL="447675" indent="-447675">
+              <a:buNone/>
+            </a:pPr>
+            <a:endParaRPr lang="de-DE" sz="1000" dirty="0"/>
+          </a:p>
+          <a:p>
+            <a:pPr marL="447675" indent="-447675"/>
+            <a:r>
+              <a:rPr lang="de-DE" sz="3200" dirty="0"/>
+              <a:t>x</a:t>
+            </a:r>
+          </a:p>
+          <a:p>
+            <a:pPr marL="447675" indent="-447675">
+              <a:buNone/>
+            </a:pPr>
+            <a:endParaRPr lang="de-DE" sz="1000" dirty="0"/>
+          </a:p>
+          <a:p>
+            <a:pPr marL="447675" indent="-447675"/>
+            <a:r>
+              <a:rPr lang="de-DE" sz="3200" dirty="0"/>
+              <a:t>x</a:t>
+            </a:r>
+            <a:endParaRPr lang="de-DE" sz="1000" dirty="0"/>
+          </a:p>
+          <a:p>
+            <a:pPr marL="447675" indent="-447675">
+              <a:buNone/>
+            </a:pPr>
+            <a:endParaRPr lang="de-DE" sz="1000" dirty="0"/>
+          </a:p>
+          <a:p>
+            <a:pPr marL="447675" indent="-447675"/>
+            <a:r>
+              <a:rPr lang="de-DE" sz="3200" dirty="0"/>
+              <a:t>x</a:t>
+            </a:r>
+            <a:endParaRPr lang="de-DE" sz="1000" dirty="0"/>
+          </a:p>
+          <a:p>
+            <a:pPr marL="447675" indent="-447675"/>
+            <a:endParaRPr lang="de-DE" sz="1000" dirty="0"/>
+          </a:p>
+        </p:txBody>
+      </p:sp>
+    </p:spTree>
+    <p:extLst>
+      <p:ext uri="{BB962C8B-B14F-4D97-AF65-F5344CB8AC3E}">
+        <p14:creationId xmlns:p14="http://schemas.microsoft.com/office/powerpoint/2010/main" val="666352572"/>
+      </p:ext>
+    </p:extLst>
+  </p:cSld>
+  <p:clrMapOvr>
+    <a:masterClrMapping/>
+  </p:clrMapOvr>
+</p:sld>
+</file>
+
+<file path=ppt/slides/slide16.xml><?xml version="1.0" encoding="utf-8"?>
+<p:sld xmlns:a="http://schemas.openxmlformats.org/drawingml/2006/main" xmlns:r="http://schemas.openxmlformats.org/officeDocument/2006/relationships" xmlns:p="http://schemas.openxmlformats.org/presentationml/2006/main">
+  <p:cSld>
+    <p:spTree>
+      <p:nvGrpSpPr>
+        <p:cNvPr id="1" name=""/>
+        <p:cNvGrpSpPr/>
+        <p:nvPr/>
+      </p:nvGrpSpPr>
+      <p:grpSpPr>
+        <a:xfrm>
+          <a:off x="0" y="0"/>
+          <a:ext cx="0" cy="0"/>
+          <a:chOff x="0" y="0"/>
+          <a:chExt cx="0" cy="0"/>
+        </a:xfrm>
+      </p:grpSpPr>
+      <p:sp>
+        <p:nvSpPr>
+          <p:cNvPr id="2" name="Titel 1"/>
+          <p:cNvSpPr>
+            <a:spLocks noGrp="1"/>
+          </p:cNvSpPr>
+          <p:nvPr>
+            <p:ph type="title"/>
+          </p:nvPr>
+        </p:nvSpPr>
+        <p:spPr/>
+        <p:txBody>
+          <a:bodyPr/>
+          <a:lstStyle/>
+          <a:p>
+            <a:r>
+              <a:rPr lang="de-DE" sz="4000" dirty="0"/>
+              <a:t>Statistiken</a:t>
+            </a:r>
+          </a:p>
+        </p:txBody>
+      </p:sp>
+      <p:sp>
+        <p:nvSpPr>
+          <p:cNvPr id="3" name="Inhaltsplatzhalter 2"/>
+          <p:cNvSpPr>
+            <a:spLocks noGrp="1"/>
+          </p:cNvSpPr>
+          <p:nvPr>
+            <p:ph sz="quarter" idx="1"/>
+          </p:nvPr>
+        </p:nvSpPr>
+        <p:spPr/>
+        <p:txBody>
+          <a:bodyPr/>
+          <a:lstStyle/>
+          <a:p>
+            <a:endParaRPr lang="de-DE"/>
+          </a:p>
+        </p:txBody>
+      </p:sp>
+    </p:spTree>
+    <p:extLst>
+      <p:ext uri="{BB962C8B-B14F-4D97-AF65-F5344CB8AC3E}">
+        <p14:creationId xmlns:p14="http://schemas.microsoft.com/office/powerpoint/2010/main" val="323547714"/>
+      </p:ext>
+    </p:extLst>
+  </p:cSld>
+  <p:clrMapOvr>
+    <a:masterClrMapping/>
+  </p:clrMapOvr>
+</p:sld>
+</file>
+
+<file path=ppt/slides/slide17.xml><?xml version="1.0" encoding="utf-8"?>
+<p:sld xmlns:a="http://schemas.openxmlformats.org/drawingml/2006/main" xmlns:r="http://schemas.openxmlformats.org/officeDocument/2006/relationships" xmlns:p="http://schemas.openxmlformats.org/presentationml/2006/main">
+  <p:cSld>
+    <p:spTree>
+      <p:nvGrpSpPr>
+        <p:cNvPr id="1" name=""/>
+        <p:cNvGrpSpPr/>
+        <p:nvPr/>
+      </p:nvGrpSpPr>
+      <p:grpSpPr>
+        <a:xfrm>
+          <a:off x="0" y="0"/>
+          <a:ext cx="0" cy="0"/>
+          <a:chOff x="0" y="0"/>
+          <a:chExt cx="0" cy="0"/>
+        </a:xfrm>
+      </p:grpSpPr>
+      <p:sp>
+        <p:nvSpPr>
+          <p:cNvPr id="2" name="Titel 1"/>
+          <p:cNvSpPr>
+            <a:spLocks noGrp="1"/>
+          </p:cNvSpPr>
+          <p:nvPr>
+            <p:ph type="title"/>
+          </p:nvPr>
+        </p:nvSpPr>
+        <p:spPr/>
+        <p:txBody>
+          <a:bodyPr>
+            <a:normAutofit/>
+          </a:bodyPr>
+          <a:lstStyle/>
+          <a:p>
+            <a:r>
+              <a:rPr lang="de-DE" sz="4000" dirty="0"/>
+              <a:t>Unser Fazit </a:t>
+            </a:r>
+          </a:p>
+        </p:txBody>
+      </p:sp>
+      <p:graphicFrame>
+        <p:nvGraphicFramePr>
+          <p:cNvPr id="4" name="Tabelle 3"/>
+          <p:cNvGraphicFramePr>
+            <a:graphicFrameLocks noGrp="1"/>
+          </p:cNvGraphicFramePr>
+          <p:nvPr>
+            <p:extLst>
+              <p:ext uri="{D42A27DB-BD31-4B8C-83A1-F6EECF244321}">
+                <p14:modId xmlns:p14="http://schemas.microsoft.com/office/powerpoint/2010/main" val="712036674"/>
+              </p:ext>
+            </p:extLst>
+          </p:nvPr>
+        </p:nvGraphicFramePr>
+        <p:xfrm>
+          <a:off x="827584" y="1772816"/>
+          <a:ext cx="7344816" cy="1463040"/>
+        </p:xfrm>
+        <a:graphic>
+          <a:graphicData uri="http://schemas.openxmlformats.org/drawingml/2006/table">
+            <a:tbl>
+              <a:tblPr firstRow="1" bandRow="1">
+                <a:tableStyleId>{616DA210-FB5B-4158-B5E0-FEB733F419BA}</a:tableStyleId>
+              </a:tblPr>
+              <a:tblGrid>
+                <a:gridCol w="2457776">
+                  <a:extLst>
+                    <a:ext uri="{9D8B030D-6E8A-4147-A177-3AD203B41FA5}">
+                      <a16:colId xmlns:a16="http://schemas.microsoft.com/office/drawing/2014/main" val="20000"/>
+                    </a:ext>
+                  </a:extLst>
+                </a:gridCol>
+                <a:gridCol w="2438768">
+                  <a:extLst>
+                    <a:ext uri="{9D8B030D-6E8A-4147-A177-3AD203B41FA5}">
+                      <a16:colId xmlns:a16="http://schemas.microsoft.com/office/drawing/2014/main" val="20001"/>
+                    </a:ext>
+                  </a:extLst>
+                </a:gridCol>
+                <a:gridCol w="2448272">
+                  <a:extLst>
+                    <a:ext uri="{9D8B030D-6E8A-4147-A177-3AD203B41FA5}">
+                      <a16:colId xmlns:a16="http://schemas.microsoft.com/office/drawing/2014/main" val="20002"/>
+                    </a:ext>
+                  </a:extLst>
+                </a:gridCol>
+              </a:tblGrid>
+              <a:tr h="360040">
+                <a:tc>
+                  <a:txBody>
+                    <a:bodyPr/>
+                    <a:lstStyle/>
+                    <a:p>
+                      <a:r>
+                        <a:rPr lang="de-DE" dirty="0"/>
+                        <a:t>negativ</a:t>
+                      </a:r>
+                    </a:p>
+                  </a:txBody>
+                  <a:tcPr/>
+                </a:tc>
+                <a:tc>
+                  <a:txBody>
+                    <a:bodyPr/>
+                    <a:lstStyle/>
+                    <a:p>
+                      <a:r>
+                        <a:rPr lang="de-DE" dirty="0"/>
+                        <a:t>positiv</a:t>
+                      </a:r>
+                    </a:p>
+                  </a:txBody>
+                  <a:tcPr/>
+                </a:tc>
+                <a:tc>
+                  <a:txBody>
+                    <a:bodyPr/>
+                    <a:lstStyle/>
+                    <a:p>
+                      <a:r>
+                        <a:rPr lang="de-DE" dirty="0"/>
+                        <a:t>Wasserfallmodell</a:t>
+                      </a:r>
+                    </a:p>
+                  </a:txBody>
+                  <a:tcPr/>
+                </a:tc>
+                <a:extLst>
+                  <a:ext uri="{0D108BD9-81ED-4DB2-BD59-A6C34878D82A}">
+                    <a16:rowId xmlns:a16="http://schemas.microsoft.com/office/drawing/2014/main" val="10000"/>
+                  </a:ext>
+                </a:extLst>
+              </a:tr>
+              <a:tr h="360040">
+                <a:tc>
+                  <a:txBody>
+                    <a:bodyPr/>
+                    <a:lstStyle/>
+                    <a:p>
+                      <a:endParaRPr lang="de-DE" dirty="0"/>
+                    </a:p>
+                  </a:txBody>
+                  <a:tcPr/>
+                </a:tc>
+                <a:tc>
+                  <a:txBody>
+                    <a:bodyPr/>
+                    <a:lstStyle/>
+                    <a:p>
+                      <a:endParaRPr lang="de-DE" dirty="0"/>
+                    </a:p>
+                  </a:txBody>
+                  <a:tcPr/>
+                </a:tc>
+                <a:tc>
+                  <a:txBody>
+                    <a:bodyPr/>
+                    <a:lstStyle/>
+                    <a:p>
+                      <a:endParaRPr lang="de-DE" dirty="0"/>
+                    </a:p>
+                  </a:txBody>
+                  <a:tcPr/>
+                </a:tc>
+                <a:extLst>
+                  <a:ext uri="{0D108BD9-81ED-4DB2-BD59-A6C34878D82A}">
+                    <a16:rowId xmlns:a16="http://schemas.microsoft.com/office/drawing/2014/main" val="10001"/>
+                  </a:ext>
+                </a:extLst>
+              </a:tr>
+              <a:tr h="360040">
+                <a:tc>
+                  <a:txBody>
+                    <a:bodyPr/>
+                    <a:lstStyle/>
+                    <a:p>
+                      <a:endParaRPr lang="de-DE" dirty="0"/>
+                    </a:p>
+                  </a:txBody>
+                  <a:tcPr/>
+                </a:tc>
+                <a:tc>
+                  <a:txBody>
+                    <a:bodyPr/>
+                    <a:lstStyle/>
+                    <a:p>
+                      <a:endParaRPr lang="de-DE" dirty="0"/>
+                    </a:p>
+                  </a:txBody>
+                  <a:tcPr/>
+                </a:tc>
+                <a:tc>
+                  <a:txBody>
+                    <a:bodyPr/>
+                    <a:lstStyle/>
+                    <a:p>
+                      <a:endParaRPr lang="de-DE" dirty="0"/>
+                    </a:p>
+                  </a:txBody>
+                  <a:tcPr/>
+                </a:tc>
+                <a:extLst>
+                  <a:ext uri="{0D108BD9-81ED-4DB2-BD59-A6C34878D82A}">
+                    <a16:rowId xmlns:a16="http://schemas.microsoft.com/office/drawing/2014/main" val="10002"/>
+                  </a:ext>
+                </a:extLst>
+              </a:tr>
+              <a:tr h="360040">
+                <a:tc>
+                  <a:txBody>
+                    <a:bodyPr/>
+                    <a:lstStyle/>
+                    <a:p>
+                      <a:endParaRPr lang="de-DE" dirty="0"/>
+                    </a:p>
+                  </a:txBody>
+                  <a:tcPr/>
+                </a:tc>
+                <a:tc>
+                  <a:txBody>
+                    <a:bodyPr/>
+                    <a:lstStyle/>
+                    <a:p>
+                      <a:endParaRPr lang="de-DE" dirty="0"/>
+                    </a:p>
+                  </a:txBody>
+                  <a:tcPr/>
+                </a:tc>
+                <a:tc>
+                  <a:txBody>
+                    <a:bodyPr/>
+                    <a:lstStyle/>
+                    <a:p>
+                      <a:endParaRPr lang="de-DE" dirty="0"/>
+                    </a:p>
+                  </a:txBody>
+                  <a:tcPr/>
+                </a:tc>
+                <a:extLst>
+                  <a:ext uri="{0D108BD9-81ED-4DB2-BD59-A6C34878D82A}">
+                    <a16:rowId xmlns:a16="http://schemas.microsoft.com/office/drawing/2014/main" val="10003"/>
+                  </a:ext>
+                </a:extLst>
+              </a:tr>
+            </a:tbl>
+          </a:graphicData>
+        </a:graphic>
+      </p:graphicFrame>
+    </p:spTree>
+    <p:extLst>
+      <p:ext uri="{BB962C8B-B14F-4D97-AF65-F5344CB8AC3E}">
+        <p14:creationId xmlns:p14="http://schemas.microsoft.com/office/powerpoint/2010/main" val="1751430848"/>
+      </p:ext>
+    </p:extLst>
+  </p:cSld>
+  <p:clrMapOvr>
+    <a:masterClrMapping/>
+  </p:clrMapOvr>
+</p:sld>
+</file>
+
+<file path=ppt/slides/slide18.xml><?xml version="1.0" encoding="utf-8"?>
+<p:sld xmlns:a="http://schemas.openxmlformats.org/drawingml/2006/main" xmlns:r="http://schemas.openxmlformats.org/officeDocument/2006/relationships" xmlns:p="http://schemas.openxmlformats.org/presentationml/2006/main">
+  <p:cSld>
+    <p:spTree>
+      <p:nvGrpSpPr>
+        <p:cNvPr id="1" name=""/>
+        <p:cNvGrpSpPr/>
+        <p:nvPr/>
+      </p:nvGrpSpPr>
+      <p:grpSpPr>
+        <a:xfrm>
+          <a:off x="0" y="0"/>
+          <a:ext cx="0" cy="0"/>
+          <a:chOff x="0" y="0"/>
+          <a:chExt cx="0" cy="0"/>
+        </a:xfrm>
+      </p:grpSpPr>
+      <p:sp>
+        <p:nvSpPr>
+          <p:cNvPr id="6" name="Abgerundete rechteckige Legende 5"/>
+          <p:cNvSpPr/>
+          <p:nvPr/>
+        </p:nvSpPr>
+        <p:spPr>
+          <a:xfrm>
+            <a:off x="2995602" y="866758"/>
+            <a:ext cx="5500726" cy="2071702"/>
+          </a:xfrm>
+          <a:prstGeom prst="wedgeRoundRectCallout">
+            <a:avLst>
+              <a:gd name="adj1" fmla="val -43716"/>
+              <a:gd name="adj2" fmla="val 79137"/>
+              <a:gd name="adj3" fmla="val 16667"/>
+            </a:avLst>
+          </a:prstGeom>
+          <a:solidFill>
+            <a:srgbClr val="C5F3EA">
+              <a:alpha val="37647"/>
+            </a:srgbClr>
+          </a:solidFill>
+          <a:ln>
+            <a:solidFill>
+              <a:srgbClr val="66ECB9">
+                <a:alpha val="30000"/>
+              </a:srgbClr>
+            </a:solidFill>
+          </a:ln>
+        </p:spPr>
+        <p:style>
+          <a:lnRef idx="2">
+            <a:schemeClr val="accent1">
+              <a:shade val="50000"/>
+            </a:schemeClr>
+          </a:lnRef>
+          <a:fillRef idx="1">
+            <a:schemeClr val="accent1"/>
+          </a:fillRef>
+          <a:effectRef idx="0">
+            <a:schemeClr val="accent1"/>
+          </a:effectRef>
+          <a:fontRef idx="minor">
+            <a:schemeClr val="lt1"/>
+          </a:fontRef>
+        </p:style>
+        <p:txBody>
+          <a:bodyPr rtlCol="0" anchor="ctr"/>
+          <a:lstStyle/>
+          <a:p>
+            <a:pPr algn="ctr"/>
+            <a:endParaRPr lang="de-DE"/>
+          </a:p>
+        </p:txBody>
+      </p:sp>
+      <p:sp>
+        <p:nvSpPr>
+          <p:cNvPr id="5" name="Titel 4"/>
+          <p:cNvSpPr>
+            <a:spLocks noGrp="1"/>
+          </p:cNvSpPr>
+          <p:nvPr>
+            <p:ph type="title"/>
+          </p:nvPr>
+        </p:nvSpPr>
+        <p:spPr>
+          <a:xfrm>
+            <a:off x="3143239" y="1081072"/>
+            <a:ext cx="5538799" cy="1439850"/>
+          </a:xfrm>
+        </p:spPr>
+        <p:txBody>
+          <a:bodyPr>
+            <a:normAutofit/>
+          </a:bodyPr>
+          <a:lstStyle/>
+          <a:p>
+            <a:r>
+              <a:rPr lang="de-DE" sz="4000" dirty="0"/>
+              <a:t>Vielen Dank </a:t>
+            </a:r>
+            <a:br>
+              <a:rPr lang="de-DE" sz="4000" dirty="0"/>
+            </a:br>
+            <a:r>
+              <a:rPr lang="de-DE" sz="4000" dirty="0"/>
+              <a:t>für Ihre Aufmerksamkeit!</a:t>
+            </a:r>
+          </a:p>
+        </p:txBody>
+      </p:sp>
+      <p:pic>
+        <p:nvPicPr>
+          <p:cNvPr id="7" name="Grafik 6" descr="fridge_face.png"/>
+          <p:cNvPicPr>
+            <a:picLocks noChangeAspect="1"/>
+          </p:cNvPicPr>
+          <p:nvPr/>
+        </p:nvPicPr>
+        <p:blipFill>
+          <a:blip r:embed="rId2"/>
+          <a:stretch>
+            <a:fillRect/>
+          </a:stretch>
+        </p:blipFill>
+        <p:spPr>
+          <a:xfrm>
+            <a:off x="928662" y="2643182"/>
+            <a:ext cx="2400302" cy="4000504"/>
+          </a:xfrm>
+          <a:prstGeom prst="rect">
+            <a:avLst/>
+          </a:prstGeom>
+        </p:spPr>
+      </p:pic>
+      <p:pic>
+        <p:nvPicPr>
+          <p:cNvPr id="8" name="Grafik 7" descr="fridget_logotext.PNG"/>
+          <p:cNvPicPr>
+            <a:picLocks noChangeAspect="1"/>
+          </p:cNvPicPr>
+          <p:nvPr/>
+        </p:nvPicPr>
+        <p:blipFill>
+          <a:blip r:embed="rId3"/>
+          <a:stretch>
+            <a:fillRect/>
+          </a:stretch>
+        </p:blipFill>
+        <p:spPr>
+          <a:xfrm>
+            <a:off x="4000496" y="4357694"/>
+            <a:ext cx="3221206" cy="857256"/>
+          </a:xfrm>
+          <a:prstGeom prst="rect">
+            <a:avLst/>
+          </a:prstGeom>
+        </p:spPr>
+      </p:pic>
+    </p:spTree>
+  </p:cSld>
+  <p:clrMapOvr>
+    <a:masterClrMapping/>
+  </p:clrMapOvr>
+</p:sld>
+</file>
+
+<file path=ppt/slides/slide2.xml><?xml version="1.0" encoding="utf-8"?>
+<p:sld xmlns:a="http://schemas.openxmlformats.org/drawingml/2006/main" xmlns:r="http://schemas.openxmlformats.org/officeDocument/2006/relationships" xmlns:p="http://schemas.openxmlformats.org/presentationml/2006/main">
+  <p:cSld>
+    <p:spTree>
+      <p:nvGrpSpPr>
+        <p:cNvPr id="1" name=""/>
+        <p:cNvGrpSpPr/>
+        <p:nvPr/>
+      </p:nvGrpSpPr>
+      <p:grpSpPr>
+        <a:xfrm>
+          <a:off x="0" y="0"/>
+          <a:ext cx="0" cy="0"/>
+          <a:chOff x="0" y="0"/>
+          <a:chExt cx="0" cy="0"/>
+        </a:xfrm>
+      </p:grpSpPr>
+      <p:sp>
+        <p:nvSpPr>
+          <p:cNvPr id="2" name="Titel 1"/>
+          <p:cNvSpPr>
+            <a:spLocks noGrp="1"/>
+          </p:cNvSpPr>
+          <p:nvPr>
+            <p:ph type="title"/>
+          </p:nvPr>
+        </p:nvSpPr>
+        <p:spPr/>
+        <p:txBody>
+          <a:bodyPr>
+            <a:normAutofit/>
+          </a:bodyPr>
+          <a:lstStyle/>
+          <a:p>
+            <a:r>
+              <a:rPr lang="de-DE" sz="4000" dirty="0" err="1"/>
+              <a:t>Einleitungs</a:t>
+            </a:r>
+            <a:r>
+              <a:rPr lang="de-DE" sz="4000" dirty="0"/>
+              <a:t> Animation</a:t>
+            </a:r>
+          </a:p>
+        </p:txBody>
+      </p:sp>
+      <p:sp>
+        <p:nvSpPr>
+          <p:cNvPr id="4" name="Inhaltsplatzhalter 3"/>
+          <p:cNvSpPr>
+            <a:spLocks noGrp="1"/>
+          </p:cNvSpPr>
+          <p:nvPr>
+            <p:ph sz="quarter" idx="1"/>
+          </p:nvPr>
+        </p:nvSpPr>
+        <p:spPr/>
+        <p:txBody>
+          <a:bodyPr/>
+          <a:lstStyle/>
+          <a:p>
+            <a:endParaRPr lang="de-DE" dirty="0"/>
+          </a:p>
+        </p:txBody>
+      </p:sp>
+    </p:spTree>
+    <p:extLst>
+      <p:ext uri="{BB962C8B-B14F-4D97-AF65-F5344CB8AC3E}">
+        <p14:creationId xmlns:p14="http://schemas.microsoft.com/office/powerpoint/2010/main" val="190360359"/>
+      </p:ext>
+    </p:extLst>
+  </p:cSld>
+  <p:clrMapOvr>
+    <a:masterClrMapping/>
+  </p:clrMapOvr>
+</p:sld>
+</file>
+
+<file path=ppt/slides/slide3.xml><?xml version="1.0" encoding="utf-8"?>
+<p:sld xmlns:a="http://schemas.openxmlformats.org/drawingml/2006/main" xmlns:r="http://schemas.openxmlformats.org/officeDocument/2006/relationships" xmlns:p="http://schemas.openxmlformats.org/presentationml/2006/main">
+  <p:cSld>
+    <p:spTree>
+      <p:nvGrpSpPr>
+        <p:cNvPr id="1" name=""/>
+        <p:cNvGrpSpPr/>
+        <p:nvPr/>
+      </p:nvGrpSpPr>
+      <p:grpSpPr>
+        <a:xfrm>
+          <a:off x="0" y="0"/>
+          <a:ext cx="0" cy="0"/>
+          <a:chOff x="0" y="0"/>
+          <a:chExt cx="0" cy="0"/>
+        </a:xfrm>
+      </p:grpSpPr>
+      <p:sp>
+        <p:nvSpPr>
+          <p:cNvPr id="2" name="Titel 1"/>
+          <p:cNvSpPr>
+            <a:spLocks noGrp="1"/>
+          </p:cNvSpPr>
+          <p:nvPr>
+            <p:ph type="title"/>
+          </p:nvPr>
+        </p:nvSpPr>
+        <p:spPr>
+          <a:xfrm>
+            <a:off x="457200" y="274638"/>
+            <a:ext cx="7467600" cy="1143000"/>
+          </a:xfrm>
+        </p:spPr>
+        <p:txBody>
+          <a:bodyPr>
+            <a:normAutofit/>
+          </a:bodyPr>
+          <a:lstStyle/>
+          <a:p>
+            <a:r>
+              <a:rPr lang="de-DE" sz="4000" dirty="0"/>
+              <a:t>Was ist </a:t>
+            </a:r>
+            <a:r>
+              <a:rPr lang="de-DE" sz="4000" dirty="0" err="1"/>
+              <a:t>Fridget</a:t>
+            </a:r>
+            <a:r>
+              <a:rPr lang="de-DE" sz="4000" dirty="0"/>
+              <a:t>?</a:t>
+            </a:r>
+          </a:p>
+        </p:txBody>
+      </p:sp>
+      <p:sp>
+        <p:nvSpPr>
+          <p:cNvPr id="3" name="Inhaltsplatzhalter 2"/>
+          <p:cNvSpPr>
+            <a:spLocks noGrp="1"/>
+          </p:cNvSpPr>
+          <p:nvPr>
+            <p:ph sz="quarter" idx="1"/>
+          </p:nvPr>
+        </p:nvSpPr>
+        <p:spPr>
+          <a:xfrm>
+            <a:off x="529208" y="3435909"/>
+            <a:ext cx="7467600" cy="3647898"/>
+          </a:xfrm>
+        </p:spPr>
+        <p:txBody>
+          <a:bodyPr>
+            <a:normAutofit/>
+          </a:bodyPr>
+          <a:lstStyle/>
+          <a:p>
+            <a:pPr marL="447675" indent="-447675">
+              <a:buNone/>
+            </a:pPr>
+            <a:endParaRPr lang="de-DE" sz="1000" dirty="0"/>
+          </a:p>
+          <a:p>
+            <a:pPr marL="447675" indent="-447675"/>
+            <a:endParaRPr lang="de-DE" sz="3200" dirty="0"/>
+          </a:p>
+          <a:p>
+            <a:pPr marL="447675" indent="-447675"/>
+            <a:r>
+              <a:rPr lang="de-DE" sz="3200" dirty="0"/>
+              <a:t>Online-Pinnwand für Wohn- und Lebensgemeinschaften</a:t>
+            </a:r>
+            <a:endParaRPr lang="de-DE" sz="1000" dirty="0"/>
+          </a:p>
+          <a:p>
+            <a:pPr marL="0" indent="0">
+              <a:buNone/>
+            </a:pPr>
+            <a:endParaRPr lang="de-DE" sz="1000" dirty="0"/>
+          </a:p>
+          <a:p>
+            <a:pPr marL="447675" indent="-447675"/>
+            <a:r>
+              <a:rPr lang="de-DE" sz="3200" dirty="0"/>
+              <a:t>„</a:t>
+            </a:r>
+            <a:r>
+              <a:rPr lang="de-DE" sz="3200" dirty="0" err="1"/>
+              <a:t>Fridge</a:t>
+            </a:r>
+            <a:r>
+              <a:rPr lang="de-DE" sz="3200" dirty="0"/>
+              <a:t>“ + „Gadget“ = FRIDGET!</a:t>
+            </a:r>
+          </a:p>
+          <a:p>
+            <a:pPr marL="447675" indent="-447675"/>
+            <a:endParaRPr lang="de-DE" sz="3200" dirty="0"/>
+          </a:p>
+        </p:txBody>
+      </p:sp>
+      <p:sp>
+        <p:nvSpPr>
+          <p:cNvPr id="4" name="Textfeld 3"/>
+          <p:cNvSpPr txBox="1"/>
+          <p:nvPr/>
+        </p:nvSpPr>
+        <p:spPr>
+          <a:xfrm>
+            <a:off x="912856" y="1885020"/>
+            <a:ext cx="1728358" cy="369332"/>
+          </a:xfrm>
+          <a:prstGeom prst="rect">
+            <a:avLst/>
+          </a:prstGeom>
+          <a:noFill/>
+        </p:spPr>
+        <p:txBody>
+          <a:bodyPr wrap="none" rtlCol="0">
+            <a:spAutoFit/>
+          </a:bodyPr>
+          <a:lstStyle/>
+          <a:p>
+            <a:r>
+              <a:rPr lang="de-DE" dirty="0"/>
+              <a:t>Zu viel </a:t>
+            </a:r>
+            <a:r>
+              <a:rPr lang="de-DE" dirty="0" err="1"/>
+              <a:t>Gespame</a:t>
+            </a:r>
+            <a:endParaRPr lang="de-DE" dirty="0"/>
+          </a:p>
+        </p:txBody>
+      </p:sp>
+      <p:sp>
+        <p:nvSpPr>
+          <p:cNvPr id="5" name="Textfeld 4">
+            <a:extLst>
+              <a:ext uri="{FF2B5EF4-FFF2-40B4-BE49-F238E27FC236}">
+                <a16:creationId xmlns:a16="http://schemas.microsoft.com/office/drawing/2014/main" id="{09786EE4-3498-40F3-9F90-CDFBC09CBAF7}"/>
+              </a:ext>
+            </a:extLst>
+          </p:cNvPr>
+          <p:cNvSpPr txBox="1"/>
+          <p:nvPr/>
+        </p:nvSpPr>
+        <p:spPr>
+          <a:xfrm>
+            <a:off x="907582" y="2896598"/>
+            <a:ext cx="2102050" cy="369332"/>
+          </a:xfrm>
+          <a:prstGeom prst="rect">
+            <a:avLst/>
+          </a:prstGeom>
+          <a:noFill/>
+        </p:spPr>
+        <p:txBody>
+          <a:bodyPr wrap="none" rtlCol="0">
+            <a:spAutoFit/>
+          </a:bodyPr>
+          <a:lstStyle/>
+          <a:p>
+            <a:r>
+              <a:rPr lang="de-DE" dirty="0"/>
+              <a:t>Zu viele Nachrichten</a:t>
+            </a:r>
+          </a:p>
+        </p:txBody>
+      </p:sp>
+      <p:sp>
+        <p:nvSpPr>
+          <p:cNvPr id="6" name="Textfeld 5">
+            <a:extLst>
+              <a:ext uri="{FF2B5EF4-FFF2-40B4-BE49-F238E27FC236}">
+                <a16:creationId xmlns:a16="http://schemas.microsoft.com/office/drawing/2014/main" id="{69886C5E-71FD-41B2-868A-548B5A8ABE95}"/>
+              </a:ext>
+            </a:extLst>
+          </p:cNvPr>
+          <p:cNvSpPr txBox="1"/>
+          <p:nvPr/>
+        </p:nvSpPr>
+        <p:spPr>
+          <a:xfrm>
+            <a:off x="2641171" y="2252310"/>
+            <a:ext cx="2328843" cy="646331"/>
+          </a:xfrm>
+          <a:prstGeom prst="rect">
+            <a:avLst/>
+          </a:prstGeom>
+          <a:noFill/>
+        </p:spPr>
+        <p:txBody>
+          <a:bodyPr wrap="none" rtlCol="0">
+            <a:spAutoFit/>
+          </a:bodyPr>
+          <a:lstStyle/>
+          <a:p>
+            <a:pPr algn="ctr"/>
+            <a:r>
+              <a:rPr lang="de-DE" dirty="0"/>
+              <a:t>Untergehen von </a:t>
+            </a:r>
+          </a:p>
+          <a:p>
+            <a:pPr algn="ctr"/>
+            <a:r>
+              <a:rPr lang="de-DE" dirty="0"/>
+              <a:t>Wichtigen Nachrichten</a:t>
+            </a:r>
+          </a:p>
+        </p:txBody>
+      </p:sp>
+      <p:cxnSp>
+        <p:nvCxnSpPr>
+          <p:cNvPr id="8" name="Gerader Verbinder 7">
+            <a:extLst>
+              <a:ext uri="{FF2B5EF4-FFF2-40B4-BE49-F238E27FC236}">
+                <a16:creationId xmlns:a16="http://schemas.microsoft.com/office/drawing/2014/main" id="{472F3D41-D8FA-45DF-9E64-84B95CF2462D}"/>
+              </a:ext>
+            </a:extLst>
+          </p:cNvPr>
+          <p:cNvCxnSpPr>
+            <a:cxnSpLocks/>
+          </p:cNvCxnSpPr>
+          <p:nvPr/>
+        </p:nvCxnSpPr>
+        <p:spPr>
+          <a:xfrm>
+            <a:off x="1097233" y="1946572"/>
+            <a:ext cx="3291408" cy="1584176"/>
+          </a:xfrm>
+          <a:prstGeom prst="line">
+            <a:avLst/>
+          </a:prstGeom>
+          <a:ln w="57150"/>
+        </p:spPr>
+        <p:style>
+          <a:lnRef idx="1">
+            <a:schemeClr val="accent1"/>
+          </a:lnRef>
+          <a:fillRef idx="0">
+            <a:schemeClr val="accent1"/>
+          </a:fillRef>
+          <a:effectRef idx="0">
+            <a:schemeClr val="accent1"/>
+          </a:effectRef>
+          <a:fontRef idx="minor">
+            <a:schemeClr val="tx1"/>
+          </a:fontRef>
+        </p:style>
+      </p:cxnSp>
+      <p:cxnSp>
+        <p:nvCxnSpPr>
+          <p:cNvPr id="9" name="Gerader Verbinder 8">
+            <a:extLst>
+              <a:ext uri="{FF2B5EF4-FFF2-40B4-BE49-F238E27FC236}">
+                <a16:creationId xmlns:a16="http://schemas.microsoft.com/office/drawing/2014/main" id="{9D2AC886-E6AD-4582-807A-531D6E17B093}"/>
+              </a:ext>
+            </a:extLst>
+          </p:cNvPr>
+          <p:cNvCxnSpPr>
+            <a:cxnSpLocks/>
+          </p:cNvCxnSpPr>
+          <p:nvPr/>
+        </p:nvCxnSpPr>
+        <p:spPr>
+          <a:xfrm flipH="1">
+            <a:off x="899592" y="1945354"/>
+            <a:ext cx="3363416" cy="1584176"/>
+          </a:xfrm>
+          <a:prstGeom prst="line">
+            <a:avLst/>
+          </a:prstGeom>
+          <a:ln w="57150"/>
+        </p:spPr>
+        <p:style>
+          <a:lnRef idx="1">
+            <a:schemeClr val="accent1"/>
+          </a:lnRef>
+          <a:fillRef idx="0">
+            <a:schemeClr val="accent1"/>
+          </a:fillRef>
+          <a:effectRef idx="0">
+            <a:schemeClr val="accent1"/>
+          </a:effectRef>
+          <a:fontRef idx="minor">
+            <a:schemeClr val="tx1"/>
+          </a:fontRef>
+        </p:style>
+      </p:cxnSp>
+      <p:sp>
+        <p:nvSpPr>
+          <p:cNvPr id="14" name="Pfeil: nach rechts 13">
+            <a:extLst>
+              <a:ext uri="{FF2B5EF4-FFF2-40B4-BE49-F238E27FC236}">
+                <a16:creationId xmlns:a16="http://schemas.microsoft.com/office/drawing/2014/main" id="{62849E79-E495-42E3-A5C7-0396A5C82072}"/>
+              </a:ext>
+            </a:extLst>
+          </p:cNvPr>
+          <p:cNvSpPr/>
+          <p:nvPr/>
+        </p:nvSpPr>
+        <p:spPr>
+          <a:xfrm>
+            <a:off x="5015785" y="2534555"/>
+            <a:ext cx="627110" cy="338551"/>
+          </a:xfrm>
+          <a:prstGeom prst="rightArrow">
+            <a:avLst/>
+          </a:prstGeom>
+        </p:spPr>
+        <p:style>
+          <a:lnRef idx="2">
+            <a:schemeClr val="accent1">
+              <a:shade val="50000"/>
+            </a:schemeClr>
+          </a:lnRef>
+          <a:fillRef idx="1">
+            <a:schemeClr val="accent1"/>
+          </a:fillRef>
+          <a:effectRef idx="0">
+            <a:schemeClr val="accent1"/>
+          </a:effectRef>
+          <a:fontRef idx="minor">
+            <a:schemeClr val="lt1"/>
+          </a:fontRef>
+        </p:style>
+        <p:txBody>
+          <a:bodyPr rtlCol="0" anchor="ctr"/>
+          <a:lstStyle/>
+          <a:p>
+            <a:pPr algn="ctr"/>
+            <a:endParaRPr lang="de-DE"/>
+          </a:p>
+        </p:txBody>
+      </p:sp>
+      <p:pic>
+        <p:nvPicPr>
+          <p:cNvPr id="15" name="Grafik 14" descr="fridge_face.png">
+            <a:extLst>
+              <a:ext uri="{FF2B5EF4-FFF2-40B4-BE49-F238E27FC236}">
+                <a16:creationId xmlns:a16="http://schemas.microsoft.com/office/drawing/2014/main" id="{0E33A284-8A7D-4AD9-A5FB-C64E6211E25C}"/>
+              </a:ext>
+            </a:extLst>
+          </p:cNvPr>
+          <p:cNvPicPr>
+            <a:picLocks noChangeAspect="1"/>
+          </p:cNvPicPr>
+          <p:nvPr/>
+        </p:nvPicPr>
+        <p:blipFill>
+          <a:blip r:embed="rId2"/>
+          <a:stretch>
+            <a:fillRect/>
+          </a:stretch>
+        </p:blipFill>
+        <p:spPr>
+          <a:xfrm>
+            <a:off x="6084168" y="1787065"/>
+            <a:ext cx="1140452" cy="1900753"/>
+          </a:xfrm>
+          <a:prstGeom prst="rect">
+            <a:avLst/>
+          </a:prstGeom>
+        </p:spPr>
+      </p:pic>
+    </p:spTree>
+  </p:cSld>
+  <p:clrMapOvr>
+    <a:masterClrMapping/>
+  </p:clrMapOvr>
+</p:sld>
+</file>
+
+<file path=ppt/slides/slide4.xml><?xml version="1.0" encoding="utf-8"?>
+<p:sld xmlns:a="http://schemas.openxmlformats.org/drawingml/2006/main" xmlns:r="http://schemas.openxmlformats.org/officeDocument/2006/relationships" xmlns:p="http://schemas.openxmlformats.org/presentationml/2006/main">
+  <p:cSld>
+    <p:spTree>
+      <p:nvGrpSpPr>
+        <p:cNvPr id="1" name=""/>
+        <p:cNvGrpSpPr/>
+        <p:nvPr/>
+      </p:nvGrpSpPr>
+      <p:grpSpPr>
+        <a:xfrm>
+          <a:off x="0" y="0"/>
+          <a:ext cx="0" cy="0"/>
+          <a:chOff x="0" y="0"/>
+          <a:chExt cx="0" cy="0"/>
+        </a:xfrm>
+      </p:grpSpPr>
+      <p:sp>
+        <p:nvSpPr>
+          <p:cNvPr id="2" name="Titel 1"/>
+          <p:cNvSpPr>
+            <a:spLocks noGrp="1"/>
+          </p:cNvSpPr>
+          <p:nvPr>
+            <p:ph type="title"/>
+          </p:nvPr>
+        </p:nvSpPr>
+        <p:spPr/>
+        <p:txBody>
+          <a:bodyPr>
+            <a:normAutofit/>
+          </a:bodyPr>
+          <a:lstStyle/>
+          <a:p>
+            <a:endParaRPr lang="de-DE" sz="4000" dirty="0"/>
+          </a:p>
+        </p:txBody>
+      </p:sp>
+      <p:sp>
+        <p:nvSpPr>
+          <p:cNvPr id="3" name="Inhaltsplatzhalter 2"/>
+          <p:cNvSpPr>
+            <a:spLocks noGrp="1"/>
+          </p:cNvSpPr>
+          <p:nvPr>
+            <p:ph sz="quarter" idx="1"/>
+          </p:nvPr>
+        </p:nvSpPr>
+        <p:spPr>
+          <a:xfrm>
+            <a:off x="457200" y="1600200"/>
+            <a:ext cx="7467600" cy="4900634"/>
+          </a:xfrm>
+        </p:spPr>
+        <p:txBody>
+          <a:bodyPr>
+            <a:normAutofit/>
+          </a:bodyPr>
+          <a:lstStyle/>
+          <a:p>
+            <a:pPr marL="447675" indent="-447675">
+              <a:buNone/>
+            </a:pPr>
+            <a:endParaRPr lang="de-DE" sz="1000" dirty="0"/>
+          </a:p>
+          <a:p>
+            <a:pPr marL="447675" indent="-447675"/>
+            <a:r>
+              <a:rPr lang="de-DE" sz="3200" dirty="0"/>
+              <a:t>x</a:t>
+            </a:r>
+          </a:p>
+          <a:p>
+            <a:pPr marL="447675" indent="-447675">
+              <a:buNone/>
+            </a:pPr>
+            <a:endParaRPr lang="de-DE" sz="1000" dirty="0"/>
+          </a:p>
+          <a:p>
+            <a:pPr marL="447675" indent="-447675"/>
+            <a:r>
+              <a:rPr lang="de-DE" sz="3200" dirty="0"/>
+              <a:t>x</a:t>
+            </a:r>
+          </a:p>
+          <a:p>
+            <a:pPr marL="447675" indent="-447675">
+              <a:buNone/>
+            </a:pPr>
+            <a:endParaRPr lang="de-DE" sz="1000" dirty="0"/>
+          </a:p>
+          <a:p>
+            <a:pPr marL="447675" indent="-447675"/>
+            <a:r>
+              <a:rPr lang="de-DE" sz="3200" dirty="0"/>
+              <a:t>x</a:t>
+            </a:r>
+          </a:p>
+          <a:p>
+            <a:pPr marL="447675" indent="-447675">
+              <a:buNone/>
+            </a:pPr>
+            <a:endParaRPr lang="de-DE" sz="1000" dirty="0"/>
+          </a:p>
+          <a:p>
+            <a:pPr marL="447675" indent="-447675"/>
+            <a:r>
+              <a:rPr lang="de-DE" sz="3200" dirty="0"/>
+              <a:t>x</a:t>
+            </a:r>
+            <a:endParaRPr lang="de-DE" sz="1000" dirty="0"/>
+          </a:p>
+          <a:p>
+            <a:pPr marL="447675" indent="-447675">
+              <a:buNone/>
+            </a:pPr>
+            <a:endParaRPr lang="de-DE" sz="1000" dirty="0"/>
+          </a:p>
+          <a:p>
+            <a:pPr marL="447675" indent="-447675"/>
+            <a:r>
+              <a:rPr lang="de-DE" sz="3200" dirty="0"/>
+              <a:t>x</a:t>
+            </a:r>
+            <a:endParaRPr lang="de-DE" sz="1000" dirty="0"/>
+          </a:p>
+          <a:p>
+            <a:pPr marL="447675" indent="-447675"/>
+            <a:endParaRPr lang="de-DE" sz="1000" dirty="0"/>
+          </a:p>
+        </p:txBody>
+      </p:sp>
+    </p:spTree>
+    <p:extLst>
+      <p:ext uri="{BB962C8B-B14F-4D97-AF65-F5344CB8AC3E}">
+        <p14:creationId xmlns:p14="http://schemas.microsoft.com/office/powerpoint/2010/main" val="246517011"/>
+      </p:ext>
+    </p:extLst>
+  </p:cSld>
+  <p:clrMapOvr>
+    <a:masterClrMapping/>
+  </p:clrMapOvr>
+</p:sld>
+</file>
+
+<file path=ppt/slides/slide5.xml><?xml version="1.0" encoding="utf-8"?>
+<p:sld xmlns:a="http://schemas.openxmlformats.org/drawingml/2006/main" xmlns:r="http://schemas.openxmlformats.org/officeDocument/2006/relationships" xmlns:p="http://schemas.openxmlformats.org/presentationml/2006/main">
+  <p:cSld>
+    <p:spTree>
+      <p:nvGrpSpPr>
+        <p:cNvPr id="1" name=""/>
+        <p:cNvGrpSpPr/>
+        <p:nvPr/>
+      </p:nvGrpSpPr>
+      <p:grpSpPr>
+        <a:xfrm>
+          <a:off x="0" y="0"/>
+          <a:ext cx="0" cy="0"/>
+          <a:chOff x="0" y="0"/>
+          <a:chExt cx="0" cy="0"/>
+        </a:xfrm>
+      </p:grpSpPr>
+      <p:grpSp>
+        <p:nvGrpSpPr>
+          <p:cNvPr id="7" name="Gruppierung 6"/>
+          <p:cNvGrpSpPr/>
+          <p:nvPr/>
+        </p:nvGrpSpPr>
+        <p:grpSpPr>
+          <a:xfrm>
+            <a:off x="683568" y="1011773"/>
+            <a:ext cx="7368394" cy="4497869"/>
+            <a:chOff x="683568" y="1011773"/>
+            <a:chExt cx="7368394" cy="4497869"/>
+          </a:xfrm>
+        </p:grpSpPr>
+        <p:sp>
+          <p:nvSpPr>
+            <p:cNvPr id="8" name="Nach oben gebogener Pfeil 7"/>
+            <p:cNvSpPr/>
+            <p:nvPr/>
+          </p:nvSpPr>
+          <p:spPr>
+            <a:xfrm rot="5400000">
+              <a:off x="1148757" y="1847546"/>
+              <a:ext cx="1013034" cy="1153303"/>
+            </a:xfrm>
+            <a:prstGeom prst="bentUpArrow">
+              <a:avLst>
+                <a:gd name="adj1" fmla="val 32840"/>
+                <a:gd name="adj2" fmla="val 25000"/>
+                <a:gd name="adj3" fmla="val 35780"/>
+              </a:avLst>
+            </a:prstGeom>
+          </p:spPr>
+          <p:style>
+            <a:lnRef idx="1">
+              <a:schemeClr val="dk1">
+                <a:shade val="80000"/>
+                <a:hueOff val="0"/>
+                <a:satOff val="0"/>
+                <a:lumOff val="0"/>
+                <a:alphaOff val="0"/>
+              </a:schemeClr>
+            </a:lnRef>
+            <a:fillRef idx="1">
+              <a:schemeClr val="dk1">
+                <a:tint val="40000"/>
+                <a:hueOff val="0"/>
+                <a:satOff val="0"/>
+                <a:lumOff val="0"/>
+                <a:alphaOff val="0"/>
+              </a:schemeClr>
+            </a:fillRef>
+            <a:effectRef idx="1">
+              <a:schemeClr val="dk1">
+                <a:tint val="40000"/>
+                <a:hueOff val="0"/>
+                <a:satOff val="0"/>
+                <a:lumOff val="0"/>
+                <a:alphaOff val="0"/>
+              </a:schemeClr>
+            </a:effectRef>
+            <a:fontRef idx="minor">
+              <a:schemeClr val="lt1">
+                <a:hueOff val="0"/>
+                <a:satOff val="0"/>
+                <a:lumOff val="0"/>
+                <a:alphaOff val="0"/>
+              </a:schemeClr>
+            </a:fontRef>
+          </p:style>
+        </p:sp>
+        <p:sp>
+          <p:nvSpPr>
+            <p:cNvPr id="9" name="Freihandform 8"/>
+            <p:cNvSpPr/>
+            <p:nvPr/>
+          </p:nvSpPr>
+          <p:spPr>
+            <a:xfrm>
+              <a:off x="683568" y="1340763"/>
+              <a:ext cx="2671760" cy="541984"/>
+            </a:xfrm>
+            <a:custGeom>
+              <a:avLst/>
+              <a:gdLst>
+                <a:gd name="connsiteX0" fmla="*/ 0 w 2671760"/>
+                <a:gd name="connsiteY0" fmla="*/ 90349 h 541984"/>
+                <a:gd name="connsiteX1" fmla="*/ 90349 w 2671760"/>
+                <a:gd name="connsiteY1" fmla="*/ 0 h 541984"/>
+                <a:gd name="connsiteX2" fmla="*/ 2581411 w 2671760"/>
+                <a:gd name="connsiteY2" fmla="*/ 0 h 541984"/>
+                <a:gd name="connsiteX3" fmla="*/ 2671760 w 2671760"/>
+                <a:gd name="connsiteY3" fmla="*/ 90349 h 541984"/>
+                <a:gd name="connsiteX4" fmla="*/ 2671760 w 2671760"/>
+                <a:gd name="connsiteY4" fmla="*/ 451635 h 541984"/>
+                <a:gd name="connsiteX5" fmla="*/ 2581411 w 2671760"/>
+                <a:gd name="connsiteY5" fmla="*/ 541984 h 541984"/>
+                <a:gd name="connsiteX6" fmla="*/ 90349 w 2671760"/>
+                <a:gd name="connsiteY6" fmla="*/ 541984 h 541984"/>
+                <a:gd name="connsiteX7" fmla="*/ 0 w 2671760"/>
+                <a:gd name="connsiteY7" fmla="*/ 451635 h 541984"/>
+                <a:gd name="connsiteX8" fmla="*/ 0 w 2671760"/>
+                <a:gd name="connsiteY8" fmla="*/ 90349 h 541984"/>
+              </a:gdLst>
+              <a:ahLst/>
+              <a:cxnLst>
+                <a:cxn ang="0">
+                  <a:pos x="connsiteX0" y="connsiteY0"/>
+                </a:cxn>
+                <a:cxn ang="0">
+                  <a:pos x="connsiteX1" y="connsiteY1"/>
+                </a:cxn>
+                <a:cxn ang="0">
+                  <a:pos x="connsiteX2" y="connsiteY2"/>
+                </a:cxn>
+                <a:cxn ang="0">
+                  <a:pos x="connsiteX3" y="connsiteY3"/>
+                </a:cxn>
+                <a:cxn ang="0">
+                  <a:pos x="connsiteX4" y="connsiteY4"/>
+                </a:cxn>
+                <a:cxn ang="0">
+                  <a:pos x="connsiteX5" y="connsiteY5"/>
+                </a:cxn>
+                <a:cxn ang="0">
+                  <a:pos x="connsiteX6" y="connsiteY6"/>
+                </a:cxn>
+                <a:cxn ang="0">
+                  <a:pos x="connsiteX7" y="connsiteY7"/>
+                </a:cxn>
+                <a:cxn ang="0">
+                  <a:pos x="connsiteX8" y="connsiteY8"/>
+                </a:cxn>
+              </a:cxnLst>
+              <a:rect l="l" t="t" r="r" b="b"/>
+              <a:pathLst>
+                <a:path w="2671760" h="541984">
+                  <a:moveTo>
+                    <a:pt x="0" y="90349"/>
+                  </a:moveTo>
+                  <a:cubicBezTo>
+                    <a:pt x="0" y="40451"/>
+                    <a:pt x="40451" y="0"/>
+                    <a:pt x="90349" y="0"/>
+                  </a:cubicBezTo>
+                  <a:lnTo>
+                    <a:pt x="2581411" y="0"/>
+                  </a:lnTo>
+                  <a:cubicBezTo>
+                    <a:pt x="2631309" y="0"/>
+                    <a:pt x="2671760" y="40451"/>
+                    <a:pt x="2671760" y="90349"/>
+                  </a:cubicBezTo>
+                  <a:lnTo>
+                    <a:pt x="2671760" y="451635"/>
+                  </a:lnTo>
+                  <a:cubicBezTo>
+                    <a:pt x="2671760" y="501533"/>
+                    <a:pt x="2631309" y="541984"/>
+                    <a:pt x="2581411" y="541984"/>
+                  </a:cubicBezTo>
+                  <a:lnTo>
+                    <a:pt x="90349" y="541984"/>
+                  </a:lnTo>
+                  <a:cubicBezTo>
+                    <a:pt x="40451" y="541984"/>
+                    <a:pt x="0" y="501533"/>
+                    <a:pt x="0" y="451635"/>
+                  </a:cubicBezTo>
+                  <a:lnTo>
+                    <a:pt x="0" y="90349"/>
+                  </a:lnTo>
+                  <a:close/>
+                </a:path>
+              </a:pathLst>
+            </a:custGeom>
+          </p:spPr>
+          <p:style>
+            <a:lnRef idx="1">
+              <a:schemeClr val="accent1"/>
+            </a:lnRef>
+            <a:fillRef idx="2">
+              <a:schemeClr val="accent1"/>
+            </a:fillRef>
+            <a:effectRef idx="1">
+              <a:schemeClr val="accent1"/>
+            </a:effectRef>
+            <a:fontRef idx="minor">
+              <a:schemeClr val="dk1"/>
+            </a:fontRef>
+          </p:style>
+          <p:txBody>
+            <a:bodyPr spcFirstLastPara="0" vert="horz" wrap="square" lIns="110282" tIns="110282" rIns="110282" bIns="110282" numCol="1" spcCol="1270" anchor="ctr" anchorCtr="0">
+              <a:noAutofit/>
+            </a:bodyPr>
+            <a:lstStyle/>
+            <a:p>
+              <a:pPr lvl="0" algn="ctr" defTabSz="977900">
+                <a:lnSpc>
+                  <a:spcPct val="90000"/>
+                </a:lnSpc>
+                <a:spcBef>
+                  <a:spcPct val="0"/>
+                </a:spcBef>
+                <a:spcAft>
+                  <a:spcPct val="35000"/>
+                </a:spcAft>
+              </a:pPr>
+              <a:r>
+                <a:rPr lang="de-DE" sz="2200" b="1" kern="1200" dirty="0"/>
+                <a:t>Pflichtenheft</a:t>
+              </a:r>
+            </a:p>
+          </p:txBody>
+        </p:sp>
+        <p:sp>
+          <p:nvSpPr>
+            <p:cNvPr id="10" name="Rechteck 9"/>
+            <p:cNvSpPr/>
+            <p:nvPr/>
+          </p:nvSpPr>
+          <p:spPr>
+            <a:xfrm>
+              <a:off x="2874252" y="1011773"/>
+              <a:ext cx="1240311" cy="964794"/>
+            </a:xfrm>
+            <a:prstGeom prst="rect">
+              <a:avLst/>
+            </a:prstGeom>
+          </p:spPr>
+          <p:style>
+            <a:lnRef idx="0">
+              <a:schemeClr val="dk1">
+                <a:alpha val="0"/>
+                <a:hueOff val="0"/>
+                <a:satOff val="0"/>
+                <a:lumOff val="0"/>
+                <a:alphaOff val="0"/>
+              </a:schemeClr>
+            </a:lnRef>
+            <a:fillRef idx="0">
+              <a:schemeClr val="lt1">
+                <a:alpha val="0"/>
+                <a:hueOff val="0"/>
+                <a:satOff val="0"/>
+                <a:lumOff val="0"/>
+                <a:alphaOff val="0"/>
+              </a:schemeClr>
+            </a:fillRef>
+            <a:effectRef idx="0">
+              <a:schemeClr val="lt1">
+                <a:alpha val="0"/>
+                <a:hueOff val="0"/>
+                <a:satOff val="0"/>
+                <a:lumOff val="0"/>
+                <a:alphaOff val="0"/>
+              </a:schemeClr>
+            </a:effectRef>
+            <a:fontRef idx="minor">
+              <a:schemeClr val="tx1">
+                <a:hueOff val="0"/>
+                <a:satOff val="0"/>
+                <a:lumOff val="0"/>
+                <a:alphaOff val="0"/>
+              </a:schemeClr>
+            </a:fontRef>
+          </p:style>
+        </p:sp>
+        <p:sp>
+          <p:nvSpPr>
+            <p:cNvPr id="11" name="Nach oben gebogener Pfeil 10"/>
+            <p:cNvSpPr/>
+            <p:nvPr/>
+          </p:nvSpPr>
+          <p:spPr>
+            <a:xfrm rot="5400000">
+              <a:off x="2769931" y="2998825"/>
+              <a:ext cx="1013034" cy="1153303"/>
+            </a:xfrm>
+            <a:prstGeom prst="bentUpArrow">
+              <a:avLst>
+                <a:gd name="adj1" fmla="val 32840"/>
+                <a:gd name="adj2" fmla="val 25000"/>
+                <a:gd name="adj3" fmla="val 35780"/>
+              </a:avLst>
+            </a:prstGeom>
+          </p:spPr>
+          <p:style>
+            <a:lnRef idx="1">
+              <a:schemeClr val="dk1">
+                <a:shade val="80000"/>
+                <a:hueOff val="0"/>
+                <a:satOff val="0"/>
+                <a:lumOff val="0"/>
+                <a:alphaOff val="0"/>
+              </a:schemeClr>
+            </a:lnRef>
+            <a:fillRef idx="1">
+              <a:schemeClr val="dk1">
+                <a:tint val="40000"/>
+                <a:hueOff val="0"/>
+                <a:satOff val="0"/>
+                <a:lumOff val="0"/>
+                <a:alphaOff val="0"/>
+              </a:schemeClr>
+            </a:fillRef>
+            <a:effectRef idx="1">
+              <a:schemeClr val="dk1">
+                <a:tint val="40000"/>
+                <a:hueOff val="0"/>
+                <a:satOff val="0"/>
+                <a:lumOff val="0"/>
+                <a:alphaOff val="0"/>
+              </a:schemeClr>
+            </a:effectRef>
+            <a:fontRef idx="minor">
+              <a:schemeClr val="lt1">
+                <a:hueOff val="0"/>
+                <a:satOff val="0"/>
+                <a:lumOff val="0"/>
+                <a:alphaOff val="0"/>
+              </a:schemeClr>
+            </a:fontRef>
+          </p:style>
+        </p:sp>
+        <p:sp>
+          <p:nvSpPr>
+            <p:cNvPr id="12" name="Freihandform 11"/>
+            <p:cNvSpPr/>
+            <p:nvPr/>
+          </p:nvSpPr>
+          <p:spPr>
+            <a:xfrm>
+              <a:off x="2267738" y="2420890"/>
+              <a:ext cx="2641422" cy="619180"/>
+            </a:xfrm>
+            <a:custGeom>
+              <a:avLst/>
+              <a:gdLst>
+                <a:gd name="connsiteX0" fmla="*/ 0 w 2641422"/>
+                <a:gd name="connsiteY0" fmla="*/ 103217 h 619180"/>
+                <a:gd name="connsiteX1" fmla="*/ 103217 w 2641422"/>
+                <a:gd name="connsiteY1" fmla="*/ 0 h 619180"/>
+                <a:gd name="connsiteX2" fmla="*/ 2538205 w 2641422"/>
+                <a:gd name="connsiteY2" fmla="*/ 0 h 619180"/>
+                <a:gd name="connsiteX3" fmla="*/ 2641422 w 2641422"/>
+                <a:gd name="connsiteY3" fmla="*/ 103217 h 619180"/>
+                <a:gd name="connsiteX4" fmla="*/ 2641422 w 2641422"/>
+                <a:gd name="connsiteY4" fmla="*/ 515963 h 619180"/>
+                <a:gd name="connsiteX5" fmla="*/ 2538205 w 2641422"/>
+                <a:gd name="connsiteY5" fmla="*/ 619180 h 619180"/>
+                <a:gd name="connsiteX6" fmla="*/ 103217 w 2641422"/>
+                <a:gd name="connsiteY6" fmla="*/ 619180 h 619180"/>
+                <a:gd name="connsiteX7" fmla="*/ 0 w 2641422"/>
+                <a:gd name="connsiteY7" fmla="*/ 515963 h 619180"/>
+                <a:gd name="connsiteX8" fmla="*/ 0 w 2641422"/>
+                <a:gd name="connsiteY8" fmla="*/ 103217 h 619180"/>
+              </a:gdLst>
+              <a:ahLst/>
+              <a:cxnLst>
+                <a:cxn ang="0">
+                  <a:pos x="connsiteX0" y="connsiteY0"/>
+                </a:cxn>
+                <a:cxn ang="0">
+                  <a:pos x="connsiteX1" y="connsiteY1"/>
+                </a:cxn>
+                <a:cxn ang="0">
+                  <a:pos x="connsiteX2" y="connsiteY2"/>
+                </a:cxn>
+                <a:cxn ang="0">
+                  <a:pos x="connsiteX3" y="connsiteY3"/>
+                </a:cxn>
+                <a:cxn ang="0">
+                  <a:pos x="connsiteX4" y="connsiteY4"/>
+                </a:cxn>
+                <a:cxn ang="0">
+                  <a:pos x="connsiteX5" y="connsiteY5"/>
+                </a:cxn>
+                <a:cxn ang="0">
+                  <a:pos x="connsiteX6" y="connsiteY6"/>
+                </a:cxn>
+                <a:cxn ang="0">
+                  <a:pos x="connsiteX7" y="connsiteY7"/>
+                </a:cxn>
+                <a:cxn ang="0">
+                  <a:pos x="connsiteX8" y="connsiteY8"/>
+                </a:cxn>
+              </a:cxnLst>
+              <a:rect l="l" t="t" r="r" b="b"/>
+              <a:pathLst>
+                <a:path w="2641422" h="619180">
+                  <a:moveTo>
+                    <a:pt x="0" y="103217"/>
+                  </a:moveTo>
+                  <a:cubicBezTo>
+                    <a:pt x="0" y="46212"/>
+                    <a:pt x="46212" y="0"/>
+                    <a:pt x="103217" y="0"/>
+                  </a:cubicBezTo>
+                  <a:lnTo>
+                    <a:pt x="2538205" y="0"/>
+                  </a:lnTo>
+                  <a:cubicBezTo>
+                    <a:pt x="2595210" y="0"/>
+                    <a:pt x="2641422" y="46212"/>
+                    <a:pt x="2641422" y="103217"/>
+                  </a:cubicBezTo>
+                  <a:lnTo>
+                    <a:pt x="2641422" y="515963"/>
+                  </a:lnTo>
+                  <a:cubicBezTo>
+                    <a:pt x="2641422" y="572968"/>
+                    <a:pt x="2595210" y="619180"/>
+                    <a:pt x="2538205" y="619180"/>
+                  </a:cubicBezTo>
+                  <a:lnTo>
+                    <a:pt x="103217" y="619180"/>
+                  </a:lnTo>
+                  <a:cubicBezTo>
+                    <a:pt x="46212" y="619180"/>
+                    <a:pt x="0" y="572968"/>
+                    <a:pt x="0" y="515963"/>
+                  </a:cubicBezTo>
+                  <a:lnTo>
+                    <a:pt x="0" y="103217"/>
+                  </a:lnTo>
+                  <a:close/>
+                </a:path>
+              </a:pathLst>
+            </a:custGeom>
+            <a:scene3d>
+              <a:camera prst="orthographicFront"/>
+              <a:lightRig rig="flat" dir="t"/>
+            </a:scene3d>
+            <a:sp3d prstMaterial="dkEdge">
+              <a:bevelT w="8200" h="38100"/>
+            </a:sp3d>
+          </p:spPr>
+          <p:style>
+            <a:lnRef idx="0">
+              <a:schemeClr val="dk1">
+                <a:shade val="80000"/>
+                <a:hueOff val="0"/>
+                <a:satOff val="0"/>
+                <a:lumOff val="0"/>
+                <a:alphaOff val="0"/>
+              </a:schemeClr>
+            </a:lnRef>
+            <a:fillRef idx="2">
+              <a:schemeClr val="lt1">
+                <a:hueOff val="0"/>
+                <a:satOff val="0"/>
+                <a:lumOff val="0"/>
+                <a:alphaOff val="0"/>
+              </a:schemeClr>
+            </a:fillRef>
+            <a:effectRef idx="1">
+              <a:schemeClr val="lt1">
+                <a:hueOff val="0"/>
+                <a:satOff val="0"/>
+                <a:lumOff val="0"/>
+                <a:alphaOff val="0"/>
+              </a:schemeClr>
+            </a:effectRef>
+            <a:fontRef idx="minor">
+              <a:schemeClr val="dk1">
+                <a:hueOff val="0"/>
+                <a:satOff val="0"/>
+                <a:lumOff val="0"/>
+                <a:alphaOff val="0"/>
+              </a:schemeClr>
+            </a:fontRef>
+          </p:style>
+          <p:txBody>
+            <a:bodyPr spcFirstLastPara="0" vert="horz" wrap="square" lIns="114051" tIns="114051" rIns="114051" bIns="114051" numCol="1" spcCol="1270" anchor="ctr" anchorCtr="0">
+              <a:noAutofit/>
+            </a:bodyPr>
+            <a:lstStyle/>
+            <a:p>
+              <a:pPr lvl="0" algn="ctr" defTabSz="977900">
+                <a:lnSpc>
+                  <a:spcPct val="90000"/>
+                </a:lnSpc>
+                <a:spcBef>
+                  <a:spcPct val="0"/>
+                </a:spcBef>
+                <a:spcAft>
+                  <a:spcPct val="35000"/>
+                </a:spcAft>
+              </a:pPr>
+              <a:r>
+                <a:rPr lang="de-DE" sz="2200" kern="1200" dirty="0"/>
+                <a:t>Entwurf</a:t>
+              </a:r>
+            </a:p>
+          </p:txBody>
+        </p:sp>
+        <p:sp>
+          <p:nvSpPr>
+            <p:cNvPr id="13" name="Rechteck 12"/>
+            <p:cNvSpPr/>
+            <p:nvPr/>
+          </p:nvSpPr>
+          <p:spPr>
+            <a:xfrm>
+              <a:off x="4504940" y="2238837"/>
+              <a:ext cx="1240311" cy="964794"/>
+            </a:xfrm>
+            <a:prstGeom prst="rect">
+              <a:avLst/>
+            </a:prstGeom>
+          </p:spPr>
+          <p:style>
+            <a:lnRef idx="0">
+              <a:schemeClr val="dk1">
+                <a:alpha val="0"/>
+                <a:hueOff val="0"/>
+                <a:satOff val="0"/>
+                <a:lumOff val="0"/>
+                <a:alphaOff val="0"/>
+              </a:schemeClr>
+            </a:lnRef>
+            <a:fillRef idx="0">
+              <a:schemeClr val="lt1">
+                <a:alpha val="0"/>
+                <a:hueOff val="0"/>
+                <a:satOff val="0"/>
+                <a:lumOff val="0"/>
+                <a:alphaOff val="0"/>
+              </a:schemeClr>
+            </a:fillRef>
+            <a:effectRef idx="0">
+              <a:schemeClr val="lt1">
+                <a:alpha val="0"/>
+                <a:hueOff val="0"/>
+                <a:satOff val="0"/>
+                <a:lumOff val="0"/>
+                <a:alphaOff val="0"/>
+              </a:schemeClr>
+            </a:effectRef>
+            <a:fontRef idx="minor">
+              <a:schemeClr val="tx1">
+                <a:hueOff val="0"/>
+                <a:satOff val="0"/>
+                <a:lumOff val="0"/>
+                <a:alphaOff val="0"/>
+              </a:schemeClr>
+            </a:fontRef>
+          </p:style>
+        </p:sp>
+        <p:sp>
+          <p:nvSpPr>
+            <p:cNvPr id="14" name="Nach oben gebogener Pfeil 13"/>
+            <p:cNvSpPr/>
+            <p:nvPr/>
+          </p:nvSpPr>
+          <p:spPr>
+            <a:xfrm rot="5400000">
+              <a:off x="4354105" y="4222962"/>
+              <a:ext cx="1013034" cy="1153303"/>
+            </a:xfrm>
+            <a:prstGeom prst="bentUpArrow">
+              <a:avLst>
+                <a:gd name="adj1" fmla="val 32840"/>
+                <a:gd name="adj2" fmla="val 25000"/>
+                <a:gd name="adj3" fmla="val 35780"/>
+              </a:avLst>
+            </a:prstGeom>
+          </p:spPr>
+          <p:style>
+            <a:lnRef idx="1">
+              <a:schemeClr val="dk1">
+                <a:shade val="80000"/>
+                <a:hueOff val="0"/>
+                <a:satOff val="0"/>
+                <a:lumOff val="0"/>
+                <a:alphaOff val="0"/>
+              </a:schemeClr>
+            </a:lnRef>
+            <a:fillRef idx="1">
+              <a:schemeClr val="dk1">
+                <a:tint val="40000"/>
+                <a:hueOff val="0"/>
+                <a:satOff val="0"/>
+                <a:lumOff val="0"/>
+                <a:alphaOff val="0"/>
+              </a:schemeClr>
+            </a:fillRef>
+            <a:effectRef idx="1">
+              <a:schemeClr val="dk1">
+                <a:tint val="40000"/>
+                <a:hueOff val="0"/>
+                <a:satOff val="0"/>
+                <a:lumOff val="0"/>
+                <a:alphaOff val="0"/>
+              </a:schemeClr>
+            </a:effectRef>
+            <a:fontRef idx="minor">
+              <a:schemeClr val="lt1">
+                <a:hueOff val="0"/>
+                <a:satOff val="0"/>
+                <a:lumOff val="0"/>
+                <a:alphaOff val="0"/>
+              </a:schemeClr>
+            </a:fontRef>
+          </p:style>
+        </p:sp>
+        <p:sp>
+          <p:nvSpPr>
+            <p:cNvPr id="15" name="Freihandform 14"/>
+            <p:cNvSpPr/>
+            <p:nvPr/>
+          </p:nvSpPr>
+          <p:spPr>
+            <a:xfrm>
+              <a:off x="3900770" y="3588825"/>
+              <a:ext cx="2713865" cy="669422"/>
+            </a:xfrm>
+            <a:custGeom>
+              <a:avLst/>
+              <a:gdLst>
+                <a:gd name="connsiteX0" fmla="*/ 0 w 2713865"/>
+                <a:gd name="connsiteY0" fmla="*/ 111593 h 669422"/>
+                <a:gd name="connsiteX1" fmla="*/ 111593 w 2713865"/>
+                <a:gd name="connsiteY1" fmla="*/ 0 h 669422"/>
+                <a:gd name="connsiteX2" fmla="*/ 2602272 w 2713865"/>
+                <a:gd name="connsiteY2" fmla="*/ 0 h 669422"/>
+                <a:gd name="connsiteX3" fmla="*/ 2713865 w 2713865"/>
+                <a:gd name="connsiteY3" fmla="*/ 111593 h 669422"/>
+                <a:gd name="connsiteX4" fmla="*/ 2713865 w 2713865"/>
+                <a:gd name="connsiteY4" fmla="*/ 557829 h 669422"/>
+                <a:gd name="connsiteX5" fmla="*/ 2602272 w 2713865"/>
+                <a:gd name="connsiteY5" fmla="*/ 669422 h 669422"/>
+                <a:gd name="connsiteX6" fmla="*/ 111593 w 2713865"/>
+                <a:gd name="connsiteY6" fmla="*/ 669422 h 669422"/>
+                <a:gd name="connsiteX7" fmla="*/ 0 w 2713865"/>
+                <a:gd name="connsiteY7" fmla="*/ 557829 h 669422"/>
+                <a:gd name="connsiteX8" fmla="*/ 0 w 2713865"/>
+                <a:gd name="connsiteY8" fmla="*/ 111593 h 669422"/>
+              </a:gdLst>
+              <a:ahLst/>
+              <a:cxnLst>
+                <a:cxn ang="0">
+                  <a:pos x="connsiteX0" y="connsiteY0"/>
+                </a:cxn>
+                <a:cxn ang="0">
+                  <a:pos x="connsiteX1" y="connsiteY1"/>
+                </a:cxn>
+                <a:cxn ang="0">
+                  <a:pos x="connsiteX2" y="connsiteY2"/>
+                </a:cxn>
+                <a:cxn ang="0">
+                  <a:pos x="connsiteX3" y="connsiteY3"/>
+                </a:cxn>
+                <a:cxn ang="0">
+                  <a:pos x="connsiteX4" y="connsiteY4"/>
+                </a:cxn>
+                <a:cxn ang="0">
+                  <a:pos x="connsiteX5" y="connsiteY5"/>
+                </a:cxn>
+                <a:cxn ang="0">
+                  <a:pos x="connsiteX6" y="connsiteY6"/>
+                </a:cxn>
+                <a:cxn ang="0">
+                  <a:pos x="connsiteX7" y="connsiteY7"/>
+                </a:cxn>
+                <a:cxn ang="0">
+                  <a:pos x="connsiteX8" y="connsiteY8"/>
+                </a:cxn>
+              </a:cxnLst>
+              <a:rect l="l" t="t" r="r" b="b"/>
+              <a:pathLst>
+                <a:path w="2713865" h="669422">
+                  <a:moveTo>
+                    <a:pt x="0" y="111593"/>
+                  </a:moveTo>
+                  <a:cubicBezTo>
+                    <a:pt x="0" y="49962"/>
+                    <a:pt x="49962" y="0"/>
+                    <a:pt x="111593" y="0"/>
+                  </a:cubicBezTo>
+                  <a:lnTo>
+                    <a:pt x="2602272" y="0"/>
+                  </a:lnTo>
+                  <a:cubicBezTo>
+                    <a:pt x="2663903" y="0"/>
+                    <a:pt x="2713865" y="49962"/>
+                    <a:pt x="2713865" y="111593"/>
+                  </a:cubicBezTo>
+                  <a:lnTo>
+                    <a:pt x="2713865" y="557829"/>
+                  </a:lnTo>
+                  <a:cubicBezTo>
+                    <a:pt x="2713865" y="619460"/>
+                    <a:pt x="2663903" y="669422"/>
+                    <a:pt x="2602272" y="669422"/>
+                  </a:cubicBezTo>
+                  <a:lnTo>
+                    <a:pt x="111593" y="669422"/>
+                  </a:lnTo>
+                  <a:cubicBezTo>
+                    <a:pt x="49962" y="669422"/>
+                    <a:pt x="0" y="619460"/>
+                    <a:pt x="0" y="557829"/>
+                  </a:cubicBezTo>
+                  <a:lnTo>
+                    <a:pt x="0" y="111593"/>
+                  </a:lnTo>
+                  <a:close/>
+                </a:path>
+              </a:pathLst>
+            </a:custGeom>
+            <a:scene3d>
+              <a:camera prst="orthographicFront"/>
+              <a:lightRig rig="flat" dir="t"/>
+            </a:scene3d>
+            <a:sp3d prstMaterial="dkEdge">
+              <a:bevelT w="8200" h="38100"/>
+            </a:sp3d>
+          </p:spPr>
+          <p:style>
+            <a:lnRef idx="0">
+              <a:schemeClr val="dk1">
+                <a:shade val="80000"/>
+                <a:hueOff val="0"/>
+                <a:satOff val="0"/>
+                <a:lumOff val="0"/>
+                <a:alphaOff val="0"/>
+              </a:schemeClr>
+            </a:lnRef>
+            <a:fillRef idx="2">
+              <a:schemeClr val="lt1">
+                <a:hueOff val="0"/>
+                <a:satOff val="0"/>
+                <a:lumOff val="0"/>
+                <a:alphaOff val="0"/>
+              </a:schemeClr>
+            </a:fillRef>
+            <a:effectRef idx="1">
+              <a:schemeClr val="lt1">
+                <a:hueOff val="0"/>
+                <a:satOff val="0"/>
+                <a:lumOff val="0"/>
+                <a:alphaOff val="0"/>
+              </a:schemeClr>
+            </a:effectRef>
+            <a:fontRef idx="minor">
+              <a:schemeClr val="dk1">
+                <a:hueOff val="0"/>
+                <a:satOff val="0"/>
+                <a:lumOff val="0"/>
+                <a:alphaOff val="0"/>
+              </a:schemeClr>
+            </a:fontRef>
+          </p:style>
+          <p:txBody>
+            <a:bodyPr spcFirstLastPara="0" vert="horz" wrap="square" lIns="116504" tIns="116504" rIns="116504" bIns="116504" numCol="1" spcCol="1270" anchor="ctr" anchorCtr="0">
+              <a:noAutofit/>
+            </a:bodyPr>
+            <a:lstStyle/>
+            <a:p>
+              <a:pPr lvl="0" algn="ctr" defTabSz="977900">
+                <a:lnSpc>
+                  <a:spcPct val="90000"/>
+                </a:lnSpc>
+                <a:spcBef>
+                  <a:spcPct val="0"/>
+                </a:spcBef>
+                <a:spcAft>
+                  <a:spcPct val="35000"/>
+                </a:spcAft>
+              </a:pPr>
+              <a:r>
+                <a:rPr lang="de-DE" sz="2200" kern="1200" dirty="0"/>
+                <a:t>Implementierung</a:t>
+              </a:r>
             </a:p>
           </p:txBody>
         </p:sp>
@@ -11578,10 +15166,9 @@
                 </a:spcAft>
               </a:pPr>
               <a:r>
-                <a:rPr lang="de-DE" sz="2200" kern="1200" dirty="0" smtClean="0"/>
+                <a:rPr lang="de-DE" sz="2200" kern="1200" dirty="0"/>
                 <a:t>Qualitätssicherung</a:t>
               </a:r>
-              <a:endParaRPr lang="de-DE" sz="2200" kern="1200" dirty="0"/>
             </a:p>
           </p:txBody>
         </p:sp>
@@ -11589,24 +15176,17 @@
     </p:spTree>
     <p:extLst>
       <p:ext uri="{BB962C8B-B14F-4D97-AF65-F5344CB8AC3E}">
-        <p14:creationId xmlns:p14="http://schemas.microsoft.com/office/powerpoint/2010/main" val="215962541"/>
+        <p14:creationId xmlns:p14="http://schemas.microsoft.com/office/powerpoint/2010/main" val="1754742320"/>
       </p:ext>
     </p:extLst>
   </p:cSld>
   <p:clrMapOvr>
     <a:masterClrMapping/>
   </p:clrMapOvr>
-  <p:timing>
-    <p:tnLst>
-      <p:par>
-        <p:cTn id="1" dur="indefinite" restart="never" nodeType="tmRoot"/>
-      </p:par>
-    </p:tnLst>
-  </p:timing>
 </p:sld>
 </file>
 
-<file path=ppt/slides/slide11.xml><?xml version="1.0" encoding="utf-8"?>
+<file path=ppt/slides/slide6.xml><?xml version="1.0" encoding="utf-8"?>
 <p:sld xmlns:a="http://schemas.openxmlformats.org/drawingml/2006/main" xmlns:r="http://schemas.openxmlformats.org/officeDocument/2006/relationships" xmlns:p="http://schemas.openxmlformats.org/presentationml/2006/main">
   <p:cSld>
     <p:spTree>
@@ -11641,10 +15221,9 @@
           <a:lstStyle/>
           <a:p>
             <a:r>
-              <a:rPr lang="de-DE" sz="4000" dirty="0" smtClean="0"/>
-              <a:t>Implementierungsphase</a:t>
+              <a:rPr lang="de-DE" sz="4000" dirty="0"/>
+              <a:t>Pflichtenheftphase</a:t>
             </a:r>
-            <a:endParaRPr lang="de-DE" sz="4000" dirty="0"/>
           </a:p>
         </p:txBody>
       </p:sp>
@@ -11660,7 +15239,7 @@
         </p:nvSpPr>
         <p:spPr>
           <a:xfrm>
-            <a:off x="457200" y="1700808"/>
+            <a:off x="457200" y="1600200"/>
             <a:ext cx="7467600" cy="4900634"/>
           </a:xfrm>
         </p:spPr>
@@ -11673,61 +15252,34 @@
             <a:pPr marL="447675" indent="-447675">
               <a:buNone/>
             </a:pPr>
-            <a:endParaRPr lang="de-DE" sz="1000" dirty="0" smtClean="0"/>
+            <a:endParaRPr lang="de-DE" sz="1000" dirty="0"/>
           </a:p>
           <a:p>
             <a:pPr marL="447675" indent="-447675"/>
             <a:r>
-              <a:rPr lang="de-DE" sz="3200" dirty="0" smtClean="0"/>
-              <a:t>Änderung: Lesebestätigung</a:t>
+              <a:rPr lang="de-DE" sz="3200" dirty="0" err="1"/>
+              <a:t>Frozen</a:t>
             </a:r>
-          </a:p>
-          <a:p>
-            <a:pPr marL="447675" indent="-447675">
-              <a:buNone/>
-            </a:pPr>
-            <a:endParaRPr lang="de-DE" sz="1000" dirty="0" smtClean="0"/>
-          </a:p>
-          <a:p>
-            <a:pPr marL="447675" indent="-447675"/>
             <a:r>
-              <a:rPr lang="de-DE" sz="3200" dirty="0" smtClean="0"/>
-              <a:t>Aufgabenaufteilung</a:t>
+              <a:rPr lang="de-DE" sz="3200" dirty="0"/>
+              <a:t> Notes</a:t>
             </a:r>
-          </a:p>
-          <a:p>
-            <a:pPr marL="447675" indent="-447675">
-              <a:buNone/>
-            </a:pPr>
-            <a:endParaRPr lang="de-DE" sz="1000" dirty="0" smtClean="0"/>
-          </a:p>
-          <a:p>
-            <a:pPr marL="447675" indent="-447675"/>
-            <a:r>
-              <a:rPr lang="de-DE" sz="3200" dirty="0" smtClean="0"/>
-              <a:t>Probleme</a:t>
-            </a:r>
+            <a:endParaRPr lang="de-DE" sz="1000" dirty="0"/>
           </a:p>
           <a:p>
             <a:pPr marL="813435" lvl="1" indent="-447675"/>
             <a:r>
-              <a:rPr lang="de-DE" sz="2900" dirty="0" smtClean="0"/>
-              <a:t>Fehlende Erfahrung</a:t>
+              <a:rPr lang="de-DE" sz="2900" dirty="0"/>
+              <a:t>bearbeitbar </a:t>
             </a:r>
           </a:p>
           <a:p>
             <a:pPr marL="813435" lvl="1" indent="-447675"/>
             <a:r>
-              <a:rPr lang="de-DE" sz="2900" dirty="0" smtClean="0"/>
-              <a:t>Verbindung mit lokaler Datenbank</a:t>
+              <a:rPr lang="de-DE" sz="2900" dirty="0"/>
+              <a:t>Nicht löschbar</a:t>
             </a:r>
-          </a:p>
-          <a:p>
-            <a:pPr marL="813435" lvl="1" indent="-447675"/>
-            <a:r>
-              <a:rPr lang="de-DE" sz="2900" dirty="0" smtClean="0"/>
-              <a:t>Zeitdruck</a:t>
-            </a:r>
+            <a:endParaRPr lang="de-DE" sz="700" dirty="0"/>
           </a:p>
           <a:p>
             <a:pPr marL="447675" indent="-447675">
@@ -11736,32 +15288,342 @@
             <a:endParaRPr lang="de-DE" sz="1000" dirty="0"/>
           </a:p>
           <a:p>
+            <a:pPr marL="447675" indent="-447675">
+              <a:buNone/>
+            </a:pPr>
+            <a:endParaRPr lang="de-DE" sz="1000" dirty="0"/>
+          </a:p>
+          <a:p>
             <a:pPr marL="447675" indent="-447675"/>
-            <a:endParaRPr lang="de-DE" sz="1000" dirty="0" smtClean="0"/>
+            <a:r>
+              <a:rPr lang="de-DE" sz="3200" dirty="0"/>
+              <a:t>Cool Notes</a:t>
+            </a:r>
+            <a:endParaRPr lang="de-DE" sz="1000" dirty="0"/>
+          </a:p>
+          <a:p>
+            <a:pPr marL="813435" lvl="1" indent="-447675"/>
+            <a:r>
+              <a:rPr lang="de-DE" sz="2900" dirty="0"/>
+              <a:t>erstellen </a:t>
+            </a:r>
+          </a:p>
+          <a:p>
+            <a:pPr marL="813435" lvl="1" indent="-447675"/>
+            <a:r>
+              <a:rPr lang="de-DE" sz="2900" dirty="0"/>
+              <a:t>löschen</a:t>
+            </a:r>
+          </a:p>
+          <a:p>
+            <a:pPr marL="447675" indent="-447675"/>
+            <a:endParaRPr lang="de-DE" sz="1000" dirty="0"/>
+          </a:p>
+          <a:p>
+            <a:pPr marL="447675" indent="-447675"/>
+            <a:endParaRPr lang="de-DE" sz="1000" dirty="0"/>
+          </a:p>
+        </p:txBody>
+      </p:sp>
+      <p:pic>
+        <p:nvPicPr>
+          <p:cNvPr id="4" name="Bild 3"/>
+          <p:cNvPicPr>
+            <a:picLocks noChangeAspect="1"/>
+          </p:cNvPicPr>
+          <p:nvPr/>
+        </p:nvPicPr>
+        <p:blipFill>
+          <a:blip r:embed="rId2" cstate="print">
+            <a:extLst>
+              <a:ext uri="{28A0092B-C50C-407E-A947-70E740481C1C}">
+                <a14:useLocalDpi xmlns:a14="http://schemas.microsoft.com/office/drawing/2010/main" val="0"/>
+              </a:ext>
+            </a:extLst>
+          </a:blip>
+          <a:stretch>
+            <a:fillRect/>
+          </a:stretch>
+        </p:blipFill>
+        <p:spPr>
+          <a:xfrm>
+            <a:off x="4860032" y="1759953"/>
+            <a:ext cx="2767029" cy="4581128"/>
+          </a:xfrm>
+          <a:prstGeom prst="rect">
+            <a:avLst/>
+          </a:prstGeom>
+        </p:spPr>
+      </p:pic>
+      <p:sp>
+        <p:nvSpPr>
+          <p:cNvPr id="5" name="Geschweifte Klammer links 4"/>
+          <p:cNvSpPr/>
+          <p:nvPr/>
+        </p:nvSpPr>
+        <p:spPr>
+          <a:xfrm>
+            <a:off x="4283968" y="2276872"/>
+            <a:ext cx="288032" cy="1368152"/>
+          </a:xfrm>
+          <a:prstGeom prst="leftBrace">
+            <a:avLst/>
+          </a:prstGeom>
+          <a:ln w="38100"/>
+        </p:spPr>
+        <p:style>
+          <a:lnRef idx="1">
+            <a:schemeClr val="accent1"/>
+          </a:lnRef>
+          <a:fillRef idx="0">
+            <a:schemeClr val="accent1"/>
+          </a:fillRef>
+          <a:effectRef idx="0">
+            <a:schemeClr val="accent1"/>
+          </a:effectRef>
+          <a:fontRef idx="minor">
+            <a:schemeClr val="tx1"/>
+          </a:fontRef>
+        </p:style>
+        <p:txBody>
+          <a:bodyPr rtlCol="0" anchor="ctr"/>
+          <a:lstStyle/>
+          <a:p>
+            <a:pPr algn="ctr"/>
+            <a:endParaRPr lang="de-DE"/>
+          </a:p>
+        </p:txBody>
+      </p:sp>
+      <p:sp>
+        <p:nvSpPr>
+          <p:cNvPr id="6" name="Geschweifte Klammer links 5"/>
+          <p:cNvSpPr/>
+          <p:nvPr/>
+        </p:nvSpPr>
+        <p:spPr>
+          <a:xfrm>
+            <a:off x="4283968" y="3844230"/>
+            <a:ext cx="288032" cy="2249066"/>
+          </a:xfrm>
+          <a:prstGeom prst="leftBrace">
+            <a:avLst/>
+          </a:prstGeom>
+          <a:ln w="38100"/>
+        </p:spPr>
+        <p:style>
+          <a:lnRef idx="1">
+            <a:schemeClr val="accent1"/>
+          </a:lnRef>
+          <a:fillRef idx="0">
+            <a:schemeClr val="accent1"/>
+          </a:fillRef>
+          <a:effectRef idx="0">
+            <a:schemeClr val="accent1"/>
+          </a:effectRef>
+          <a:fontRef idx="minor">
+            <a:schemeClr val="tx1"/>
+          </a:fontRef>
+        </p:style>
+        <p:txBody>
+          <a:bodyPr rtlCol="0" anchor="ctr"/>
+          <a:lstStyle/>
+          <a:p>
+            <a:pPr algn="ctr"/>
+            <a:endParaRPr lang="de-DE"/>
           </a:p>
         </p:txBody>
       </p:sp>
     </p:spTree>
     <p:extLst>
       <p:ext uri="{BB962C8B-B14F-4D97-AF65-F5344CB8AC3E}">
-        <p14:creationId xmlns:p14="http://schemas.microsoft.com/office/powerpoint/2010/main" val="849743291"/>
+        <p14:creationId xmlns:p14="http://schemas.microsoft.com/office/powerpoint/2010/main" val="1633567392"/>
       </p:ext>
     </p:extLst>
   </p:cSld>
   <p:clrMapOvr>
     <a:masterClrMapping/>
   </p:clrMapOvr>
-  <p:timing>
-    <p:tnLst>
-      <p:par>
-        <p:cTn id="1" dur="indefinite" restart="never" nodeType="tmRoot"/>
-      </p:par>
-    </p:tnLst>
-  </p:timing>
 </p:sld>
 </file>
 
-<file path=ppt/slides/slide12.xml><?xml version="1.0" encoding="utf-8"?>
+<file path=ppt/slides/slide7.xml><?xml version="1.0" encoding="utf-8"?>
+<p:sld xmlns:a="http://schemas.openxmlformats.org/drawingml/2006/main" xmlns:r="http://schemas.openxmlformats.org/officeDocument/2006/relationships" xmlns:p="http://schemas.openxmlformats.org/presentationml/2006/main">
+  <p:cSld>
+    <p:spTree>
+      <p:nvGrpSpPr>
+        <p:cNvPr id="1" name=""/>
+        <p:cNvGrpSpPr/>
+        <p:nvPr/>
+      </p:nvGrpSpPr>
+      <p:grpSpPr>
+        <a:xfrm>
+          <a:off x="0" y="0"/>
+          <a:ext cx="0" cy="0"/>
+          <a:chOff x="0" y="0"/>
+          <a:chExt cx="0" cy="0"/>
+        </a:xfrm>
+      </p:grpSpPr>
+      <p:sp>
+        <p:nvSpPr>
+          <p:cNvPr id="2" name="Titel 1"/>
+          <p:cNvSpPr>
+            <a:spLocks noGrp="1"/>
+          </p:cNvSpPr>
+          <p:nvPr>
+            <p:ph type="title"/>
+          </p:nvPr>
+        </p:nvSpPr>
+        <p:spPr/>
+        <p:txBody>
+          <a:bodyPr>
+            <a:normAutofit/>
+          </a:bodyPr>
+          <a:lstStyle/>
+          <a:p>
+            <a:r>
+              <a:rPr lang="de-DE" sz="4000" dirty="0"/>
+              <a:t>Pflichtenheftphase</a:t>
+            </a:r>
+          </a:p>
+        </p:txBody>
+      </p:sp>
+      <p:sp>
+        <p:nvSpPr>
+          <p:cNvPr id="3" name="Inhaltsplatzhalter 2"/>
+          <p:cNvSpPr>
+            <a:spLocks noGrp="1"/>
+          </p:cNvSpPr>
+          <p:nvPr>
+            <p:ph sz="quarter" idx="1"/>
+          </p:nvPr>
+        </p:nvSpPr>
+        <p:spPr>
+          <a:xfrm>
+            <a:off x="457200" y="1556792"/>
+            <a:ext cx="7467600" cy="4900634"/>
+          </a:xfrm>
+        </p:spPr>
+        <p:txBody>
+          <a:bodyPr>
+            <a:normAutofit fontScale="92500" lnSpcReduction="10000"/>
+          </a:bodyPr>
+          <a:lstStyle/>
+          <a:p>
+            <a:pPr marL="447675" indent="-447675">
+              <a:buNone/>
+            </a:pPr>
+            <a:endParaRPr lang="de-DE" sz="1000" dirty="0"/>
+          </a:p>
+          <a:p>
+            <a:pPr marL="447675" indent="-447675"/>
+            <a:r>
+              <a:rPr lang="de-DE" sz="3200" dirty="0"/>
+              <a:t>Musskriterien</a:t>
+            </a:r>
+          </a:p>
+          <a:p>
+            <a:pPr marL="447675" indent="-447675">
+              <a:buNone/>
+            </a:pPr>
+            <a:endParaRPr lang="de-DE" sz="1000" dirty="0"/>
+          </a:p>
+          <a:p>
+            <a:pPr marL="813435" lvl="1" indent="-447675"/>
+            <a:r>
+              <a:rPr lang="de-DE" sz="2900" dirty="0"/>
+              <a:t>Erstellen einer WG Pinnwand</a:t>
+            </a:r>
+          </a:p>
+          <a:p>
+            <a:pPr marL="447675" indent="-447675">
+              <a:buNone/>
+            </a:pPr>
+            <a:endParaRPr lang="de-DE" sz="1000" dirty="0"/>
+          </a:p>
+          <a:p>
+            <a:pPr marL="813435" lvl="1" indent="-447675"/>
+            <a:r>
+              <a:rPr lang="de-DE" sz="2900" dirty="0"/>
+              <a:t>Interaktion mit der Pinnwand</a:t>
+            </a:r>
+            <a:endParaRPr lang="de-DE" sz="2600" dirty="0"/>
+          </a:p>
+          <a:p>
+            <a:pPr marL="447675" indent="-447675">
+              <a:buNone/>
+            </a:pPr>
+            <a:endParaRPr lang="de-DE" sz="1000" dirty="0"/>
+          </a:p>
+          <a:p>
+            <a:pPr marL="813435" lvl="1" indent="-447675"/>
+            <a:r>
+              <a:rPr lang="de-DE" sz="2900" dirty="0"/>
+              <a:t>Synchronisierung mit dem Server</a:t>
+            </a:r>
+            <a:endParaRPr lang="de-DE" sz="700" dirty="0"/>
+          </a:p>
+          <a:p>
+            <a:pPr marL="447675" indent="-447675">
+              <a:buNone/>
+            </a:pPr>
+            <a:endParaRPr lang="de-DE" sz="1000" dirty="0"/>
+          </a:p>
+          <a:p>
+            <a:pPr marL="813435" lvl="1" indent="-447675"/>
+            <a:r>
+              <a:rPr lang="de-DE" sz="2900" dirty="0"/>
+              <a:t>App-Menü	</a:t>
+            </a:r>
+            <a:endParaRPr lang="de-DE" sz="700" dirty="0"/>
+          </a:p>
+          <a:p>
+            <a:pPr marL="447675" indent="-447675">
+              <a:buNone/>
+            </a:pPr>
+            <a:endParaRPr lang="de-DE" sz="1000" dirty="0"/>
+          </a:p>
+          <a:p>
+            <a:pPr marL="813435" lvl="1" indent="-447675"/>
+            <a:r>
+              <a:rPr lang="de-DE" sz="2900" dirty="0"/>
+              <a:t>Lesebestätigung	</a:t>
+            </a:r>
+            <a:endParaRPr lang="de-DE" sz="700" dirty="0"/>
+          </a:p>
+          <a:p>
+            <a:pPr marL="447675" indent="-447675">
+              <a:buNone/>
+            </a:pPr>
+            <a:endParaRPr lang="de-DE" sz="1000" dirty="0"/>
+          </a:p>
+          <a:p>
+            <a:pPr marL="813435" lvl="1" indent="-447675"/>
+            <a:r>
+              <a:rPr lang="de-DE" sz="2900" dirty="0"/>
+              <a:t>Push-Benachrichtigung	</a:t>
+            </a:r>
+            <a:endParaRPr lang="de-DE" sz="700" dirty="0"/>
+          </a:p>
+          <a:p>
+            <a:pPr marL="447675" indent="-447675"/>
+            <a:endParaRPr lang="de-DE" sz="1000" dirty="0"/>
+          </a:p>
+        </p:txBody>
+      </p:sp>
+    </p:spTree>
+    <p:extLst>
+      <p:ext uri="{BB962C8B-B14F-4D97-AF65-F5344CB8AC3E}">
+        <p14:creationId xmlns:p14="http://schemas.microsoft.com/office/powerpoint/2010/main" val="1753996425"/>
+      </p:ext>
+    </p:extLst>
+  </p:cSld>
+  <p:clrMapOvr>
+    <a:masterClrMapping/>
+  </p:clrMapOvr>
+</p:sld>
+</file>
+
+<file path=ppt/slides/slide8.xml><?xml version="1.0" encoding="utf-8"?>
 <p:sld xmlns:a="http://schemas.openxmlformats.org/drawingml/2006/main" xmlns:r="http://schemas.openxmlformats.org/officeDocument/2006/relationships" xmlns:p="http://schemas.openxmlformats.org/presentationml/2006/main">
   <p:cSld>
     <p:spTree>
@@ -12015,10 +15877,9 @@
                 </a:spcAft>
               </a:pPr>
               <a:r>
-                <a:rPr lang="de-DE" sz="2200" kern="1200" dirty="0" smtClean="0"/>
+                <a:rPr lang="de-DE" sz="2200" kern="1200" dirty="0"/>
                 <a:t>Pflichtenheft</a:t>
               </a:r>
-              <a:endParaRPr lang="de-DE" sz="2200" kern="1200" dirty="0"/>
             </a:p>
           </p:txBody>
         </p:sp>
@@ -12237,47 +16098,19 @@
                 </a:path>
               </a:pathLst>
             </a:custGeom>
-            <a:scene3d>
-              <a:camera prst="orthographicFront"/>
-              <a:lightRig rig="flat" dir="t"/>
-            </a:scene3d>
-            <a:sp3d prstMaterial="dkEdge">
-              <a:bevelT w="8200" h="38100"/>
-            </a:sp3d>
           </p:spPr>
           <p:style>
-            <a:lnRef idx="0">
-              <a:schemeClr val="dk1">
-                <a:shade val="80000"/>
-                <a:hueOff val="0"/>
-                <a:satOff val="0"/>
-                <a:lumOff val="0"/>
-                <a:alphaOff val="0"/>
-              </a:schemeClr>
+            <a:lnRef idx="1">
+              <a:schemeClr val="accent1"/>
             </a:lnRef>
             <a:fillRef idx="2">
-              <a:schemeClr val="lt1">
-                <a:hueOff val="0"/>
-                <a:satOff val="0"/>
-                <a:lumOff val="0"/>
-                <a:alphaOff val="0"/>
-              </a:schemeClr>
+              <a:schemeClr val="accent1"/>
             </a:fillRef>
             <a:effectRef idx="1">
-              <a:schemeClr val="lt1">
-                <a:hueOff val="0"/>
-                <a:satOff val="0"/>
-                <a:lumOff val="0"/>
-                <a:alphaOff val="0"/>
-              </a:schemeClr>
+              <a:schemeClr val="accent1"/>
             </a:effectRef>
             <a:fontRef idx="minor">
-              <a:schemeClr val="dk1">
-                <a:hueOff val="0"/>
-                <a:satOff val="0"/>
-                <a:lumOff val="0"/>
-                <a:alphaOff val="0"/>
-              </a:schemeClr>
+              <a:schemeClr val="dk1"/>
             </a:fontRef>
           </p:style>
           <p:txBody>
@@ -12298,10 +16131,9 @@
                 </a:spcAft>
               </a:pPr>
               <a:r>
-                <a:rPr lang="de-DE" sz="2200" kern="1200" dirty="0" smtClean="0"/>
+                <a:rPr lang="de-DE" sz="2200" b="1" kern="1200" dirty="0"/>
                 <a:t>Entwurf</a:t>
               </a:r>
-              <a:endParaRPr lang="de-DE" sz="2200" kern="1200" dirty="0"/>
             </a:p>
           </p:txBody>
         </p:sp>
@@ -12581,10 +16413,9 @@
                 </a:spcAft>
               </a:pPr>
               <a:r>
-                <a:rPr lang="de-DE" sz="2200" kern="1200" dirty="0" smtClean="0"/>
+                <a:rPr lang="de-DE" sz="2200" kern="1200" dirty="0"/>
                 <a:t>Implementierung</a:t>
               </a:r>
-              <a:endParaRPr lang="de-DE" sz="2200" kern="1200" dirty="0"/>
             </a:p>
           </p:txBody>
         </p:sp>
@@ -12807,3963 +16638,9 @@
                 </a:spcAft>
               </a:pPr>
               <a:r>
-                <a:rPr lang="de-DE" sz="2200" b="1" kern="1200" dirty="0" smtClean="0"/>
+                <a:rPr lang="de-DE" sz="2200" kern="1200" dirty="0"/>
                 <a:t>Qualitätssicherung</a:t>
               </a:r>
-              <a:endParaRPr lang="de-DE" sz="2200" b="1" kern="1200" dirty="0"/>
-            </a:p>
-          </p:txBody>
-        </p:sp>
-      </p:grpSp>
-    </p:spTree>
-    <p:extLst>
-      <p:ext uri="{BB962C8B-B14F-4D97-AF65-F5344CB8AC3E}">
-        <p14:creationId xmlns:p14="http://schemas.microsoft.com/office/powerpoint/2010/main" val="1976057169"/>
-      </p:ext>
-    </p:extLst>
-  </p:cSld>
-  <p:clrMapOvr>
-    <a:masterClrMapping/>
-  </p:clrMapOvr>
-  <p:timing>
-    <p:tnLst>
-      <p:par>
-        <p:cTn id="1" dur="indefinite" restart="never" nodeType="tmRoot"/>
-      </p:par>
-    </p:tnLst>
-  </p:timing>
-</p:sld>
-</file>
-
-<file path=ppt/slides/slide13.xml><?xml version="1.0" encoding="utf-8"?>
-<p:sld xmlns:a="http://schemas.openxmlformats.org/drawingml/2006/main" xmlns:r="http://schemas.openxmlformats.org/officeDocument/2006/relationships" xmlns:p="http://schemas.openxmlformats.org/presentationml/2006/main">
-  <p:cSld>
-    <p:spTree>
-      <p:nvGrpSpPr>
-        <p:cNvPr id="1" name=""/>
-        <p:cNvGrpSpPr/>
-        <p:nvPr/>
-      </p:nvGrpSpPr>
-      <p:grpSpPr>
-        <a:xfrm>
-          <a:off x="0" y="0"/>
-          <a:ext cx="0" cy="0"/>
-          <a:chOff x="0" y="0"/>
-          <a:chExt cx="0" cy="0"/>
-        </a:xfrm>
-      </p:grpSpPr>
-      <p:sp>
-        <p:nvSpPr>
-          <p:cNvPr id="2" name="Titel 1"/>
-          <p:cNvSpPr>
-            <a:spLocks noGrp="1"/>
-          </p:cNvSpPr>
-          <p:nvPr>
-            <p:ph type="title"/>
-          </p:nvPr>
-        </p:nvSpPr>
-        <p:spPr/>
-        <p:txBody>
-          <a:bodyPr>
-            <a:normAutofit/>
-          </a:bodyPr>
-          <a:lstStyle/>
-          <a:p>
-            <a:r>
-              <a:rPr lang="de-DE" sz="4000" dirty="0" smtClean="0"/>
-              <a:t>Qualitätssicherungsphase</a:t>
-            </a:r>
-            <a:endParaRPr lang="de-DE" sz="4000" dirty="0"/>
-          </a:p>
-        </p:txBody>
-      </p:sp>
-      <p:sp>
-        <p:nvSpPr>
-          <p:cNvPr id="3" name="Inhaltsplatzhalter 2"/>
-          <p:cNvSpPr>
-            <a:spLocks noGrp="1"/>
-          </p:cNvSpPr>
-          <p:nvPr>
-            <p:ph sz="quarter" idx="1"/>
-          </p:nvPr>
-        </p:nvSpPr>
-        <p:spPr>
-          <a:xfrm>
-            <a:off x="4860032" y="1790834"/>
-            <a:ext cx="3600400" cy="4086438"/>
-          </a:xfrm>
-        </p:spPr>
-        <p:txBody>
-          <a:bodyPr>
-            <a:normAutofit fontScale="92500"/>
-          </a:bodyPr>
-          <a:lstStyle/>
-          <a:p>
-            <a:pPr marL="447675" indent="-447675">
-              <a:buNone/>
-            </a:pPr>
-            <a:endParaRPr lang="de-DE" sz="1000" dirty="0" smtClean="0"/>
-          </a:p>
-          <a:p>
-            <a:pPr marL="447675" indent="-447675"/>
-            <a:r>
-              <a:rPr lang="de-DE" sz="3200" dirty="0" smtClean="0"/>
-              <a:t>Probleme</a:t>
-            </a:r>
-          </a:p>
-          <a:p>
-            <a:pPr marL="813435" lvl="1" indent="-447675"/>
-            <a:r>
-              <a:rPr lang="de-DE" sz="3200" dirty="0" smtClean="0"/>
-              <a:t>Wenig Erfahrung</a:t>
-            </a:r>
-          </a:p>
-          <a:p>
-            <a:pPr marL="813435" lvl="1" indent="-447675"/>
-            <a:endParaRPr lang="de-DE" sz="3200" dirty="0" smtClean="0"/>
-          </a:p>
-          <a:p>
-            <a:pPr marL="813435" lvl="1" indent="-447675"/>
-            <a:r>
-              <a:rPr lang="de-DE" sz="3200" dirty="0" smtClean="0"/>
-              <a:t>Keine Treffen</a:t>
-            </a:r>
-          </a:p>
-          <a:p>
-            <a:pPr marL="447675" indent="-447675">
-              <a:buNone/>
-            </a:pPr>
-            <a:endParaRPr lang="de-DE" sz="3200" dirty="0" smtClean="0"/>
-          </a:p>
-          <a:p>
-            <a:pPr marL="813435" lvl="1" indent="-447675"/>
-            <a:r>
-              <a:rPr lang="de-DE" sz="3200" dirty="0" smtClean="0"/>
-              <a:t>Weniger Online-Konferenzen</a:t>
-            </a:r>
-            <a:endParaRPr lang="de-DE" sz="3200" dirty="0"/>
-          </a:p>
-          <a:p>
-            <a:pPr marL="447675" indent="-447675">
-              <a:buNone/>
-            </a:pPr>
-            <a:endParaRPr lang="de-DE" sz="1000" dirty="0"/>
-          </a:p>
-          <a:p>
-            <a:pPr marL="447675" indent="-447675"/>
-            <a:endParaRPr lang="de-DE" sz="1000" dirty="0"/>
-          </a:p>
-          <a:p>
-            <a:pPr marL="447675" indent="-447675"/>
-            <a:endParaRPr lang="de-DE" sz="1000" dirty="0" smtClean="0"/>
-          </a:p>
-        </p:txBody>
-      </p:sp>
-      <p:graphicFrame>
-        <p:nvGraphicFramePr>
-          <p:cNvPr id="4" name="Diagramm 3"/>
-          <p:cNvGraphicFramePr/>
-          <p:nvPr>
-            <p:extLst>
-              <p:ext uri="{D42A27DB-BD31-4B8C-83A1-F6EECF244321}">
-                <p14:modId xmlns:p14="http://schemas.microsoft.com/office/powerpoint/2010/main" val="625910118"/>
-              </p:ext>
-            </p:extLst>
-          </p:nvPr>
-        </p:nvGraphicFramePr>
-        <p:xfrm>
-          <a:off x="-163388" y="1723453"/>
-          <a:ext cx="4752528" cy="4311227"/>
-        </p:xfrm>
-        <a:graphic>
-          <a:graphicData uri="http://schemas.openxmlformats.org/drawingml/2006/diagram">
-            <dgm:relIds xmlns:dgm="http://schemas.openxmlformats.org/drawingml/2006/diagram" xmlns:r="http://schemas.openxmlformats.org/officeDocument/2006/relationships" r:dm="rId2" r:lo="rId3" r:qs="rId4" r:cs="rId5"/>
-          </a:graphicData>
-        </a:graphic>
-      </p:graphicFrame>
-    </p:spTree>
-    <p:extLst>
-      <p:ext uri="{BB962C8B-B14F-4D97-AF65-F5344CB8AC3E}">
-        <p14:creationId xmlns:p14="http://schemas.microsoft.com/office/powerpoint/2010/main" val="179655853"/>
-      </p:ext>
-    </p:extLst>
-  </p:cSld>
-  <p:clrMapOvr>
-    <a:masterClrMapping/>
-  </p:clrMapOvr>
-  <p:timing>
-    <p:tnLst>
-      <p:par>
-        <p:cTn id="1" dur="indefinite" restart="never" nodeType="tmRoot"/>
-      </p:par>
-    </p:tnLst>
-  </p:timing>
-</p:sld>
-</file>
-
-<file path=ppt/slides/slide14.xml><?xml version="1.0" encoding="utf-8"?>
-<p:sld xmlns:a="http://schemas.openxmlformats.org/drawingml/2006/main" xmlns:r="http://schemas.openxmlformats.org/officeDocument/2006/relationships" xmlns:p="http://schemas.openxmlformats.org/presentationml/2006/main">
-  <p:cSld>
-    <p:spTree>
-      <p:nvGrpSpPr>
-        <p:cNvPr id="1" name=""/>
-        <p:cNvGrpSpPr/>
-        <p:nvPr/>
-      </p:nvGrpSpPr>
-      <p:grpSpPr>
-        <a:xfrm>
-          <a:off x="0" y="0"/>
-          <a:ext cx="0" cy="0"/>
-          <a:chOff x="0" y="0"/>
-          <a:chExt cx="0" cy="0"/>
-        </a:xfrm>
-      </p:grpSpPr>
-      <p:sp>
-        <p:nvSpPr>
-          <p:cNvPr id="2" name="Titel 1"/>
-          <p:cNvSpPr>
-            <a:spLocks noGrp="1"/>
-          </p:cNvSpPr>
-          <p:nvPr>
-            <p:ph type="title"/>
-          </p:nvPr>
-        </p:nvSpPr>
-        <p:spPr/>
-        <p:txBody>
-          <a:bodyPr>
-            <a:normAutofit/>
-          </a:bodyPr>
-          <a:lstStyle/>
-          <a:p>
-            <a:r>
-              <a:rPr lang="de-DE" sz="4000" dirty="0" smtClean="0"/>
-              <a:t>Nutzerstudie</a:t>
-            </a:r>
-            <a:endParaRPr lang="de-DE" sz="4000" dirty="0"/>
-          </a:p>
-        </p:txBody>
-      </p:sp>
-      <p:graphicFrame>
-        <p:nvGraphicFramePr>
-          <p:cNvPr id="7" name="Diagramm 6">
-            <a:extLst>
-              <a:ext uri="{FF2B5EF4-FFF2-40B4-BE49-F238E27FC236}">
-                <a16:creationId xmlns="" xmlns:a16="http://schemas.microsoft.com/office/drawing/2014/main" id="{9841F122-51C3-430E-8A7E-871D79072991}"/>
-              </a:ext>
-            </a:extLst>
-          </p:cNvPr>
-          <p:cNvGraphicFramePr/>
-          <p:nvPr>
-            <p:extLst>
-              <p:ext uri="{D42A27DB-BD31-4B8C-83A1-F6EECF244321}">
-                <p14:modId xmlns:p14="http://schemas.microsoft.com/office/powerpoint/2010/main" val="694219115"/>
-              </p:ext>
-            </p:extLst>
-          </p:nvPr>
-        </p:nvGraphicFramePr>
-        <p:xfrm>
-          <a:off x="4355976" y="1412330"/>
-          <a:ext cx="4443536" cy="3816424"/>
-        </p:xfrm>
-        <a:graphic>
-          <a:graphicData uri="http://schemas.openxmlformats.org/drawingml/2006/chart">
-            <c:chart xmlns:c="http://schemas.openxmlformats.org/drawingml/2006/chart" xmlns:r="http://schemas.openxmlformats.org/officeDocument/2006/relationships" r:id="rId2"/>
-          </a:graphicData>
-        </a:graphic>
-      </p:graphicFrame>
-      <p:graphicFrame>
-        <p:nvGraphicFramePr>
-          <p:cNvPr id="8" name="Diagramm 7">
-            <a:extLst>
-              <a:ext uri="{FF2B5EF4-FFF2-40B4-BE49-F238E27FC236}">
-                <a16:creationId xmlns="" xmlns:a16="http://schemas.microsoft.com/office/drawing/2014/main" id="{9841F122-51C3-430E-8A7E-871D79072991}"/>
-              </a:ext>
-            </a:extLst>
-          </p:cNvPr>
-          <p:cNvGraphicFramePr/>
-          <p:nvPr>
-            <p:extLst>
-              <p:ext uri="{D42A27DB-BD31-4B8C-83A1-F6EECF244321}">
-                <p14:modId xmlns:p14="http://schemas.microsoft.com/office/powerpoint/2010/main" val="29132963"/>
-              </p:ext>
-            </p:extLst>
-          </p:nvPr>
-        </p:nvGraphicFramePr>
-        <p:xfrm>
-          <a:off x="-118864" y="1417638"/>
-          <a:ext cx="4474840" cy="4752528"/>
-        </p:xfrm>
-        <a:graphic>
-          <a:graphicData uri="http://schemas.openxmlformats.org/drawingml/2006/chart">
-            <c:chart xmlns:c="http://schemas.openxmlformats.org/drawingml/2006/chart" xmlns:r="http://schemas.openxmlformats.org/officeDocument/2006/relationships" r:id="rId3"/>
-          </a:graphicData>
-        </a:graphic>
-      </p:graphicFrame>
-    </p:spTree>
-    <p:extLst>
-      <p:ext uri="{BB962C8B-B14F-4D97-AF65-F5344CB8AC3E}">
-        <p14:creationId xmlns:p14="http://schemas.microsoft.com/office/powerpoint/2010/main" val="1350698107"/>
-      </p:ext>
-    </p:extLst>
-  </p:cSld>
-  <p:clrMapOvr>
-    <a:masterClrMapping/>
-  </p:clrMapOvr>
-  <p:timing>
-    <p:tnLst>
-      <p:par>
-        <p:cTn id="1" dur="indefinite" restart="never" nodeType="tmRoot"/>
-      </p:par>
-    </p:tnLst>
-  </p:timing>
-</p:sld>
-</file>
-
-<file path=ppt/slides/slide15.xml><?xml version="1.0" encoding="utf-8"?>
-<p:sld xmlns:a="http://schemas.openxmlformats.org/drawingml/2006/main" xmlns:r="http://schemas.openxmlformats.org/officeDocument/2006/relationships" xmlns:p="http://schemas.openxmlformats.org/presentationml/2006/main">
-  <p:cSld>
-    <p:spTree>
-      <p:nvGrpSpPr>
-        <p:cNvPr id="1" name=""/>
-        <p:cNvGrpSpPr/>
-        <p:nvPr/>
-      </p:nvGrpSpPr>
-      <p:grpSpPr>
-        <a:xfrm>
-          <a:off x="0" y="0"/>
-          <a:ext cx="0" cy="0"/>
-          <a:chOff x="0" y="0"/>
-          <a:chExt cx="0" cy="0"/>
-        </a:xfrm>
-      </p:grpSpPr>
-      <p:sp>
-        <p:nvSpPr>
-          <p:cNvPr id="2" name="Titel 1"/>
-          <p:cNvSpPr>
-            <a:spLocks noGrp="1"/>
-          </p:cNvSpPr>
-          <p:nvPr>
-            <p:ph type="title"/>
-          </p:nvPr>
-        </p:nvSpPr>
-        <p:spPr/>
-        <p:txBody>
-          <a:bodyPr>
-            <a:normAutofit/>
-          </a:bodyPr>
-          <a:lstStyle/>
-          <a:p>
-            <a:r>
-              <a:rPr lang="de-DE" sz="4000" dirty="0" smtClean="0"/>
-              <a:t>Demo</a:t>
-            </a:r>
-            <a:endParaRPr lang="de-DE" sz="4000" dirty="0"/>
-          </a:p>
-        </p:txBody>
-      </p:sp>
-      <p:sp>
-        <p:nvSpPr>
-          <p:cNvPr id="3" name="Inhaltsplatzhalter 2"/>
-          <p:cNvSpPr>
-            <a:spLocks noGrp="1"/>
-          </p:cNvSpPr>
-          <p:nvPr>
-            <p:ph sz="quarter" idx="1"/>
-          </p:nvPr>
-        </p:nvSpPr>
-        <p:spPr>
-          <a:xfrm>
-            <a:off x="457200" y="1600200"/>
-            <a:ext cx="7467600" cy="4900634"/>
-          </a:xfrm>
-        </p:spPr>
-        <p:txBody>
-          <a:bodyPr>
-            <a:normAutofit/>
-          </a:bodyPr>
-          <a:lstStyle/>
-          <a:p>
-            <a:pPr marL="447675" indent="-447675">
-              <a:buNone/>
-            </a:pPr>
-            <a:endParaRPr lang="de-DE" sz="1000" dirty="0" smtClean="0"/>
-          </a:p>
-          <a:p>
-            <a:pPr marL="447675" indent="-447675"/>
-            <a:r>
-              <a:rPr lang="de-DE" sz="3200" dirty="0"/>
-              <a:t>x</a:t>
-            </a:r>
-            <a:endParaRPr lang="de-DE" sz="3200" dirty="0" smtClean="0"/>
-          </a:p>
-          <a:p>
-            <a:pPr marL="447675" indent="-447675">
-              <a:buNone/>
-            </a:pPr>
-            <a:endParaRPr lang="de-DE" sz="1000" dirty="0" smtClean="0"/>
-          </a:p>
-          <a:p>
-            <a:pPr marL="447675" indent="-447675"/>
-            <a:r>
-              <a:rPr lang="de-DE" sz="3200" dirty="0" smtClean="0"/>
-              <a:t>x</a:t>
-            </a:r>
-          </a:p>
-          <a:p>
-            <a:pPr marL="447675" indent="-447675">
-              <a:buNone/>
-            </a:pPr>
-            <a:endParaRPr lang="de-DE" sz="1000" dirty="0" smtClean="0"/>
-          </a:p>
-          <a:p>
-            <a:pPr marL="447675" indent="-447675"/>
-            <a:r>
-              <a:rPr lang="de-DE" sz="3200" dirty="0" smtClean="0"/>
-              <a:t>x</a:t>
-            </a:r>
-          </a:p>
-          <a:p>
-            <a:pPr marL="447675" indent="-447675">
-              <a:buNone/>
-            </a:pPr>
-            <a:endParaRPr lang="de-DE" sz="1000" dirty="0"/>
-          </a:p>
-          <a:p>
-            <a:pPr marL="447675" indent="-447675"/>
-            <a:r>
-              <a:rPr lang="de-DE" sz="3200" dirty="0"/>
-              <a:t>x</a:t>
-            </a:r>
-            <a:endParaRPr lang="de-DE" sz="1000" dirty="0"/>
-          </a:p>
-          <a:p>
-            <a:pPr marL="447675" indent="-447675">
-              <a:buNone/>
-            </a:pPr>
-            <a:endParaRPr lang="de-DE" sz="1000" dirty="0"/>
-          </a:p>
-          <a:p>
-            <a:pPr marL="447675" indent="-447675"/>
-            <a:r>
-              <a:rPr lang="de-DE" sz="3200" dirty="0"/>
-              <a:t>x</a:t>
-            </a:r>
-            <a:endParaRPr lang="de-DE" sz="1000" dirty="0"/>
-          </a:p>
-          <a:p>
-            <a:pPr marL="447675" indent="-447675"/>
-            <a:endParaRPr lang="de-DE" sz="1000" dirty="0" smtClean="0"/>
-          </a:p>
-        </p:txBody>
-      </p:sp>
-    </p:spTree>
-    <p:extLst>
-      <p:ext uri="{BB962C8B-B14F-4D97-AF65-F5344CB8AC3E}">
-        <p14:creationId xmlns:p14="http://schemas.microsoft.com/office/powerpoint/2010/main" val="666352572"/>
-      </p:ext>
-    </p:extLst>
-  </p:cSld>
-  <p:clrMapOvr>
-    <a:masterClrMapping/>
-  </p:clrMapOvr>
-  <p:timing>
-    <p:tnLst>
-      <p:par>
-        <p:cTn id="1" dur="indefinite" restart="never" nodeType="tmRoot"/>
-      </p:par>
-    </p:tnLst>
-  </p:timing>
-</p:sld>
-</file>
-
-<file path=ppt/slides/slide16.xml><?xml version="1.0" encoding="utf-8"?>
-<p:sld xmlns:a="http://schemas.openxmlformats.org/drawingml/2006/main" xmlns:r="http://schemas.openxmlformats.org/officeDocument/2006/relationships" xmlns:p="http://schemas.openxmlformats.org/presentationml/2006/main">
-  <p:cSld>
-    <p:spTree>
-      <p:nvGrpSpPr>
-        <p:cNvPr id="1" name=""/>
-        <p:cNvGrpSpPr/>
-        <p:nvPr/>
-      </p:nvGrpSpPr>
-      <p:grpSpPr>
-        <a:xfrm>
-          <a:off x="0" y="0"/>
-          <a:ext cx="0" cy="0"/>
-          <a:chOff x="0" y="0"/>
-          <a:chExt cx="0" cy="0"/>
-        </a:xfrm>
-      </p:grpSpPr>
-      <p:sp>
-        <p:nvSpPr>
-          <p:cNvPr id="2" name="Titel 1"/>
-          <p:cNvSpPr>
-            <a:spLocks noGrp="1"/>
-          </p:cNvSpPr>
-          <p:nvPr>
-            <p:ph type="title"/>
-          </p:nvPr>
-        </p:nvSpPr>
-        <p:spPr/>
-        <p:txBody>
-          <a:bodyPr/>
-          <a:lstStyle/>
-          <a:p>
-            <a:r>
-              <a:rPr lang="de-DE" sz="4000" dirty="0" smtClean="0"/>
-              <a:t>Statistiken</a:t>
-            </a:r>
-            <a:endParaRPr lang="de-DE" sz="4000" dirty="0"/>
-          </a:p>
-        </p:txBody>
-      </p:sp>
-      <p:sp>
-        <p:nvSpPr>
-          <p:cNvPr id="3" name="Inhaltsplatzhalter 2"/>
-          <p:cNvSpPr>
-            <a:spLocks noGrp="1"/>
-          </p:cNvSpPr>
-          <p:nvPr>
-            <p:ph sz="quarter" idx="1"/>
-          </p:nvPr>
-        </p:nvSpPr>
-        <p:spPr/>
-        <p:txBody>
-          <a:bodyPr/>
-          <a:lstStyle/>
-          <a:p>
-            <a:endParaRPr lang="de-DE"/>
-          </a:p>
-        </p:txBody>
-      </p:sp>
-    </p:spTree>
-    <p:extLst>
-      <p:ext uri="{BB962C8B-B14F-4D97-AF65-F5344CB8AC3E}">
-        <p14:creationId xmlns:p14="http://schemas.microsoft.com/office/powerpoint/2010/main" val="323547714"/>
-      </p:ext>
-    </p:extLst>
-  </p:cSld>
-  <p:clrMapOvr>
-    <a:masterClrMapping/>
-  </p:clrMapOvr>
-</p:sld>
-</file>
-
-<file path=ppt/slides/slide17.xml><?xml version="1.0" encoding="utf-8"?>
-<p:sld xmlns:a="http://schemas.openxmlformats.org/drawingml/2006/main" xmlns:r="http://schemas.openxmlformats.org/officeDocument/2006/relationships" xmlns:p="http://schemas.openxmlformats.org/presentationml/2006/main">
-  <p:cSld>
-    <p:spTree>
-      <p:nvGrpSpPr>
-        <p:cNvPr id="1" name=""/>
-        <p:cNvGrpSpPr/>
-        <p:nvPr/>
-      </p:nvGrpSpPr>
-      <p:grpSpPr>
-        <a:xfrm>
-          <a:off x="0" y="0"/>
-          <a:ext cx="0" cy="0"/>
-          <a:chOff x="0" y="0"/>
-          <a:chExt cx="0" cy="0"/>
-        </a:xfrm>
-      </p:grpSpPr>
-      <p:sp>
-        <p:nvSpPr>
-          <p:cNvPr id="2" name="Titel 1"/>
-          <p:cNvSpPr>
-            <a:spLocks noGrp="1"/>
-          </p:cNvSpPr>
-          <p:nvPr>
-            <p:ph type="title"/>
-          </p:nvPr>
-        </p:nvSpPr>
-        <p:spPr/>
-        <p:txBody>
-          <a:bodyPr>
-            <a:normAutofit/>
-          </a:bodyPr>
-          <a:lstStyle/>
-          <a:p>
-            <a:r>
-              <a:rPr lang="de-DE" sz="4000" dirty="0" smtClean="0"/>
-              <a:t>Unser Fazit </a:t>
-            </a:r>
-            <a:endParaRPr lang="de-DE" sz="4000" dirty="0"/>
-          </a:p>
-        </p:txBody>
-      </p:sp>
-      <p:graphicFrame>
-        <p:nvGraphicFramePr>
-          <p:cNvPr id="4" name="Tabelle 3"/>
-          <p:cNvGraphicFramePr>
-            <a:graphicFrameLocks noGrp="1"/>
-          </p:cNvGraphicFramePr>
-          <p:nvPr>
-            <p:extLst>
-              <p:ext uri="{D42A27DB-BD31-4B8C-83A1-F6EECF244321}">
-                <p14:modId xmlns:p14="http://schemas.microsoft.com/office/powerpoint/2010/main" val="712036674"/>
-              </p:ext>
-            </p:extLst>
-          </p:nvPr>
-        </p:nvGraphicFramePr>
-        <p:xfrm>
-          <a:off x="827584" y="1772816"/>
-          <a:ext cx="7344816" cy="1463040"/>
-        </p:xfrm>
-        <a:graphic>
-          <a:graphicData uri="http://schemas.openxmlformats.org/drawingml/2006/table">
-            <a:tbl>
-              <a:tblPr firstRow="1" bandRow="1">
-                <a:tableStyleId>{616DA210-FB5B-4158-B5E0-FEB733F419BA}</a:tableStyleId>
-              </a:tblPr>
-              <a:tblGrid>
-                <a:gridCol w="2457776"/>
-                <a:gridCol w="2438768"/>
-                <a:gridCol w="2448272"/>
-              </a:tblGrid>
-              <a:tr h="360040">
-                <a:tc>
-                  <a:txBody>
-                    <a:bodyPr/>
-                    <a:lstStyle/>
-                    <a:p>
-                      <a:r>
-                        <a:rPr lang="de-DE" dirty="0" smtClean="0"/>
-                        <a:t>negativ</a:t>
-                      </a:r>
-                      <a:endParaRPr lang="de-DE" dirty="0"/>
-                    </a:p>
-                  </a:txBody>
-                  <a:tcPr/>
-                </a:tc>
-                <a:tc>
-                  <a:txBody>
-                    <a:bodyPr/>
-                    <a:lstStyle/>
-                    <a:p>
-                      <a:r>
-                        <a:rPr lang="de-DE" dirty="0" smtClean="0"/>
-                        <a:t>positiv</a:t>
-                      </a:r>
-                      <a:endParaRPr lang="de-DE" dirty="0"/>
-                    </a:p>
-                  </a:txBody>
-                  <a:tcPr/>
-                </a:tc>
-                <a:tc>
-                  <a:txBody>
-                    <a:bodyPr/>
-                    <a:lstStyle/>
-                    <a:p>
-                      <a:r>
-                        <a:rPr lang="de-DE" dirty="0" smtClean="0"/>
-                        <a:t>Wasserfallmodell</a:t>
-                      </a:r>
-                      <a:endParaRPr lang="de-DE" dirty="0"/>
-                    </a:p>
-                  </a:txBody>
-                  <a:tcPr/>
-                </a:tc>
-              </a:tr>
-              <a:tr h="360040">
-                <a:tc>
-                  <a:txBody>
-                    <a:bodyPr/>
-                    <a:lstStyle/>
-                    <a:p>
-                      <a:endParaRPr lang="de-DE" dirty="0"/>
-                    </a:p>
-                  </a:txBody>
-                  <a:tcPr/>
-                </a:tc>
-                <a:tc>
-                  <a:txBody>
-                    <a:bodyPr/>
-                    <a:lstStyle/>
-                    <a:p>
-                      <a:endParaRPr lang="de-DE" dirty="0"/>
-                    </a:p>
-                  </a:txBody>
-                  <a:tcPr/>
-                </a:tc>
-                <a:tc>
-                  <a:txBody>
-                    <a:bodyPr/>
-                    <a:lstStyle/>
-                    <a:p>
-                      <a:endParaRPr lang="de-DE" dirty="0"/>
-                    </a:p>
-                  </a:txBody>
-                  <a:tcPr/>
-                </a:tc>
-              </a:tr>
-              <a:tr h="360040">
-                <a:tc>
-                  <a:txBody>
-                    <a:bodyPr/>
-                    <a:lstStyle/>
-                    <a:p>
-                      <a:endParaRPr lang="de-DE" dirty="0"/>
-                    </a:p>
-                  </a:txBody>
-                  <a:tcPr/>
-                </a:tc>
-                <a:tc>
-                  <a:txBody>
-                    <a:bodyPr/>
-                    <a:lstStyle/>
-                    <a:p>
-                      <a:endParaRPr lang="de-DE" dirty="0"/>
-                    </a:p>
-                  </a:txBody>
-                  <a:tcPr/>
-                </a:tc>
-                <a:tc>
-                  <a:txBody>
-                    <a:bodyPr/>
-                    <a:lstStyle/>
-                    <a:p>
-                      <a:endParaRPr lang="de-DE" dirty="0"/>
-                    </a:p>
-                  </a:txBody>
-                  <a:tcPr/>
-                </a:tc>
-              </a:tr>
-              <a:tr h="360040">
-                <a:tc>
-                  <a:txBody>
-                    <a:bodyPr/>
-                    <a:lstStyle/>
-                    <a:p>
-                      <a:endParaRPr lang="de-DE" dirty="0"/>
-                    </a:p>
-                  </a:txBody>
-                  <a:tcPr/>
-                </a:tc>
-                <a:tc>
-                  <a:txBody>
-                    <a:bodyPr/>
-                    <a:lstStyle/>
-                    <a:p>
-                      <a:endParaRPr lang="de-DE" dirty="0"/>
-                    </a:p>
-                  </a:txBody>
-                  <a:tcPr/>
-                </a:tc>
-                <a:tc>
-                  <a:txBody>
-                    <a:bodyPr/>
-                    <a:lstStyle/>
-                    <a:p>
-                      <a:endParaRPr lang="de-DE" dirty="0"/>
-                    </a:p>
-                  </a:txBody>
-                  <a:tcPr/>
-                </a:tc>
-              </a:tr>
-            </a:tbl>
-          </a:graphicData>
-        </a:graphic>
-      </p:graphicFrame>
-    </p:spTree>
-    <p:extLst>
-      <p:ext uri="{BB962C8B-B14F-4D97-AF65-F5344CB8AC3E}">
-        <p14:creationId xmlns:p14="http://schemas.microsoft.com/office/powerpoint/2010/main" val="1751430848"/>
-      </p:ext>
-    </p:extLst>
-  </p:cSld>
-  <p:clrMapOvr>
-    <a:masterClrMapping/>
-  </p:clrMapOvr>
-  <p:timing>
-    <p:tnLst>
-      <p:par>
-        <p:cTn id="1" dur="indefinite" restart="never" nodeType="tmRoot"/>
-      </p:par>
-    </p:tnLst>
-  </p:timing>
-</p:sld>
-</file>
-
-<file path=ppt/slides/slide18.xml><?xml version="1.0" encoding="utf-8"?>
-<p:sld xmlns:a="http://schemas.openxmlformats.org/drawingml/2006/main" xmlns:r="http://schemas.openxmlformats.org/officeDocument/2006/relationships" xmlns:p="http://schemas.openxmlformats.org/presentationml/2006/main">
-  <p:cSld>
-    <p:spTree>
-      <p:nvGrpSpPr>
-        <p:cNvPr id="1" name=""/>
-        <p:cNvGrpSpPr/>
-        <p:nvPr/>
-      </p:nvGrpSpPr>
-      <p:grpSpPr>
-        <a:xfrm>
-          <a:off x="0" y="0"/>
-          <a:ext cx="0" cy="0"/>
-          <a:chOff x="0" y="0"/>
-          <a:chExt cx="0" cy="0"/>
-        </a:xfrm>
-      </p:grpSpPr>
-      <p:sp>
-        <p:nvSpPr>
-          <p:cNvPr id="6" name="Abgerundete rechteckige Legende 5"/>
-          <p:cNvSpPr/>
-          <p:nvPr/>
-        </p:nvSpPr>
-        <p:spPr>
-          <a:xfrm>
-            <a:off x="2995602" y="866758"/>
-            <a:ext cx="5500726" cy="2071702"/>
-          </a:xfrm>
-          <a:prstGeom prst="wedgeRoundRectCallout">
-            <a:avLst>
-              <a:gd name="adj1" fmla="val -43716"/>
-              <a:gd name="adj2" fmla="val 79137"/>
-              <a:gd name="adj3" fmla="val 16667"/>
-            </a:avLst>
-          </a:prstGeom>
-          <a:solidFill>
-            <a:srgbClr val="C5F3EA">
-              <a:alpha val="37647"/>
-            </a:srgbClr>
-          </a:solidFill>
-          <a:ln>
-            <a:solidFill>
-              <a:srgbClr val="66ECB9">
-                <a:alpha val="30000"/>
-              </a:srgbClr>
-            </a:solidFill>
-          </a:ln>
-        </p:spPr>
-        <p:style>
-          <a:lnRef idx="2">
-            <a:schemeClr val="accent1">
-              <a:shade val="50000"/>
-            </a:schemeClr>
-          </a:lnRef>
-          <a:fillRef idx="1">
-            <a:schemeClr val="accent1"/>
-          </a:fillRef>
-          <a:effectRef idx="0">
-            <a:schemeClr val="accent1"/>
-          </a:effectRef>
-          <a:fontRef idx="minor">
-            <a:schemeClr val="lt1"/>
-          </a:fontRef>
-        </p:style>
-        <p:txBody>
-          <a:bodyPr rtlCol="0" anchor="ctr"/>
-          <a:lstStyle/>
-          <a:p>
-            <a:pPr algn="ctr"/>
-            <a:endParaRPr lang="de-DE"/>
-          </a:p>
-        </p:txBody>
-      </p:sp>
-      <p:sp>
-        <p:nvSpPr>
-          <p:cNvPr id="5" name="Titel 4"/>
-          <p:cNvSpPr>
-            <a:spLocks noGrp="1"/>
-          </p:cNvSpPr>
-          <p:nvPr>
-            <p:ph type="title"/>
-          </p:nvPr>
-        </p:nvSpPr>
-        <p:spPr>
-          <a:xfrm>
-            <a:off x="3143239" y="1081072"/>
-            <a:ext cx="5538799" cy="1439850"/>
-          </a:xfrm>
-        </p:spPr>
-        <p:txBody>
-          <a:bodyPr>
-            <a:normAutofit/>
-          </a:bodyPr>
-          <a:lstStyle/>
-          <a:p>
-            <a:r>
-              <a:rPr lang="de-DE" sz="4000" dirty="0" smtClean="0"/>
-              <a:t>Vielen Dank </a:t>
-            </a:r>
-            <a:br>
-              <a:rPr lang="de-DE" sz="4000" dirty="0" smtClean="0"/>
-            </a:br>
-            <a:r>
-              <a:rPr lang="de-DE" sz="4000" dirty="0" smtClean="0"/>
-              <a:t>für Ihre Aufmerksamkeit!</a:t>
-            </a:r>
-            <a:endParaRPr lang="de-DE" sz="4000" dirty="0"/>
-          </a:p>
-        </p:txBody>
-      </p:sp>
-      <p:pic>
-        <p:nvPicPr>
-          <p:cNvPr id="7" name="Grafik 6" descr="fridge_face.png"/>
-          <p:cNvPicPr>
-            <a:picLocks noChangeAspect="1"/>
-          </p:cNvPicPr>
-          <p:nvPr/>
-        </p:nvPicPr>
-        <p:blipFill>
-          <a:blip r:embed="rId2"/>
-          <a:stretch>
-            <a:fillRect/>
-          </a:stretch>
-        </p:blipFill>
-        <p:spPr>
-          <a:xfrm>
-            <a:off x="928662" y="2643182"/>
-            <a:ext cx="2400302" cy="4000504"/>
-          </a:xfrm>
-          <a:prstGeom prst="rect">
-            <a:avLst/>
-          </a:prstGeom>
-        </p:spPr>
-      </p:pic>
-      <p:pic>
-        <p:nvPicPr>
-          <p:cNvPr id="8" name="Grafik 7" descr="fridget_logotext.PNG"/>
-          <p:cNvPicPr>
-            <a:picLocks noChangeAspect="1"/>
-          </p:cNvPicPr>
-          <p:nvPr/>
-        </p:nvPicPr>
-        <p:blipFill>
-          <a:blip r:embed="rId3"/>
-          <a:stretch>
-            <a:fillRect/>
-          </a:stretch>
-        </p:blipFill>
-        <p:spPr>
-          <a:xfrm>
-            <a:off x="4000496" y="4357694"/>
-            <a:ext cx="3221206" cy="857256"/>
-          </a:xfrm>
-          <a:prstGeom prst="rect">
-            <a:avLst/>
-          </a:prstGeom>
-        </p:spPr>
-      </p:pic>
-    </p:spTree>
-  </p:cSld>
-  <p:clrMapOvr>
-    <a:masterClrMapping/>
-  </p:clrMapOvr>
-  <p:timing>
-    <p:tnLst>
-      <p:par>
-        <p:cTn id="1" dur="indefinite" restart="never" nodeType="tmRoot"/>
-      </p:par>
-    </p:tnLst>
-  </p:timing>
-</p:sld>
-</file>
-
-<file path=ppt/slides/slide2.xml><?xml version="1.0" encoding="utf-8"?>
-<p:sld xmlns:a="http://schemas.openxmlformats.org/drawingml/2006/main" xmlns:r="http://schemas.openxmlformats.org/officeDocument/2006/relationships" xmlns:p="http://schemas.openxmlformats.org/presentationml/2006/main">
-  <p:cSld>
-    <p:spTree>
-      <p:nvGrpSpPr>
-        <p:cNvPr id="1" name=""/>
-        <p:cNvGrpSpPr/>
-        <p:nvPr/>
-      </p:nvGrpSpPr>
-      <p:grpSpPr>
-        <a:xfrm>
-          <a:off x="0" y="0"/>
-          <a:ext cx="0" cy="0"/>
-          <a:chOff x="0" y="0"/>
-          <a:chExt cx="0" cy="0"/>
-        </a:xfrm>
-      </p:grpSpPr>
-      <p:sp>
-        <p:nvSpPr>
-          <p:cNvPr id="2" name="Titel 1"/>
-          <p:cNvSpPr>
-            <a:spLocks noGrp="1"/>
-          </p:cNvSpPr>
-          <p:nvPr>
-            <p:ph type="title"/>
-          </p:nvPr>
-        </p:nvSpPr>
-        <p:spPr/>
-        <p:txBody>
-          <a:bodyPr>
-            <a:normAutofit/>
-          </a:bodyPr>
-          <a:lstStyle/>
-          <a:p>
-            <a:r>
-              <a:rPr lang="de-DE" sz="4000" dirty="0" err="1" smtClean="0"/>
-              <a:t>Einleitungs</a:t>
-            </a:r>
-            <a:r>
-              <a:rPr lang="de-DE" sz="4000" dirty="0" smtClean="0"/>
-              <a:t> Animation</a:t>
-            </a:r>
-            <a:endParaRPr lang="de-DE" sz="4000" dirty="0"/>
-          </a:p>
-        </p:txBody>
-      </p:sp>
-      <p:sp>
-        <p:nvSpPr>
-          <p:cNvPr id="4" name="Inhaltsplatzhalter 3"/>
-          <p:cNvSpPr>
-            <a:spLocks noGrp="1"/>
-          </p:cNvSpPr>
-          <p:nvPr>
-            <p:ph sz="quarter" idx="1"/>
-          </p:nvPr>
-        </p:nvSpPr>
-        <p:spPr/>
-        <p:txBody>
-          <a:bodyPr/>
-          <a:lstStyle/>
-          <a:p>
-            <a:endParaRPr lang="de-DE" dirty="0"/>
-          </a:p>
-        </p:txBody>
-      </p:sp>
-    </p:spTree>
-    <p:extLst>
-      <p:ext uri="{BB962C8B-B14F-4D97-AF65-F5344CB8AC3E}">
-        <p14:creationId xmlns:p14="http://schemas.microsoft.com/office/powerpoint/2010/main" val="190360359"/>
-      </p:ext>
-    </p:extLst>
-  </p:cSld>
-  <p:clrMapOvr>
-    <a:masterClrMapping/>
-  </p:clrMapOvr>
-  <p:timing>
-    <p:tnLst>
-      <p:par>
-        <p:cTn id="1" dur="indefinite" restart="never" nodeType="tmRoot"/>
-      </p:par>
-    </p:tnLst>
-  </p:timing>
-</p:sld>
-</file>
-
-<file path=ppt/slides/slide3.xml><?xml version="1.0" encoding="utf-8"?>
-<p:sld xmlns:a="http://schemas.openxmlformats.org/drawingml/2006/main" xmlns:r="http://schemas.openxmlformats.org/officeDocument/2006/relationships" xmlns:p="http://schemas.openxmlformats.org/presentationml/2006/main">
-  <p:cSld>
-    <p:spTree>
-      <p:nvGrpSpPr>
-        <p:cNvPr id="1" name=""/>
-        <p:cNvGrpSpPr/>
-        <p:nvPr/>
-      </p:nvGrpSpPr>
-      <p:grpSpPr>
-        <a:xfrm>
-          <a:off x="0" y="0"/>
-          <a:ext cx="0" cy="0"/>
-          <a:chOff x="0" y="0"/>
-          <a:chExt cx="0" cy="0"/>
-        </a:xfrm>
-      </p:grpSpPr>
-      <p:sp>
-        <p:nvSpPr>
-          <p:cNvPr id="2" name="Titel 1"/>
-          <p:cNvSpPr>
-            <a:spLocks noGrp="1"/>
-          </p:cNvSpPr>
-          <p:nvPr>
-            <p:ph type="title"/>
-          </p:nvPr>
-        </p:nvSpPr>
-        <p:spPr/>
-        <p:txBody>
-          <a:bodyPr>
-            <a:normAutofit/>
-          </a:bodyPr>
-          <a:lstStyle/>
-          <a:p>
-            <a:r>
-              <a:rPr lang="de-DE" sz="4000" dirty="0" smtClean="0"/>
-              <a:t>Was ist </a:t>
-            </a:r>
-            <a:r>
-              <a:rPr lang="de-DE" sz="4000" dirty="0" err="1" smtClean="0"/>
-              <a:t>Fridget</a:t>
-            </a:r>
-            <a:r>
-              <a:rPr lang="de-DE" sz="4000" dirty="0" smtClean="0"/>
-              <a:t>?</a:t>
-            </a:r>
-            <a:endParaRPr lang="de-DE" sz="4000" dirty="0"/>
-          </a:p>
-        </p:txBody>
-      </p:sp>
-      <p:sp>
-        <p:nvSpPr>
-          <p:cNvPr id="3" name="Inhaltsplatzhalter 2"/>
-          <p:cNvSpPr>
-            <a:spLocks noGrp="1"/>
-          </p:cNvSpPr>
-          <p:nvPr>
-            <p:ph sz="quarter" idx="1"/>
-          </p:nvPr>
-        </p:nvSpPr>
-        <p:spPr>
-          <a:xfrm>
-            <a:off x="611560" y="3210102"/>
-            <a:ext cx="7467600" cy="3647898"/>
-          </a:xfrm>
-        </p:spPr>
-        <p:txBody>
-          <a:bodyPr>
-            <a:normAutofit/>
-          </a:bodyPr>
-          <a:lstStyle/>
-          <a:p>
-            <a:pPr marL="447675" indent="-447675">
-              <a:buNone/>
-            </a:pPr>
-            <a:endParaRPr lang="de-DE" sz="1000" dirty="0" smtClean="0"/>
-          </a:p>
-          <a:p>
-            <a:pPr marL="447675" indent="-447675"/>
-            <a:endParaRPr lang="de-DE" sz="3200" dirty="0" smtClean="0"/>
-          </a:p>
-          <a:p>
-            <a:pPr marL="447675" indent="-447675"/>
-            <a:r>
-              <a:rPr lang="de-DE" sz="3200" dirty="0" smtClean="0"/>
-              <a:t>Online-Pinnwand </a:t>
-            </a:r>
-            <a:r>
-              <a:rPr lang="de-DE" sz="3200" dirty="0" smtClean="0"/>
-              <a:t>für Wohn- und </a:t>
-            </a:r>
-            <a:r>
-              <a:rPr lang="de-DE" sz="3200" dirty="0" smtClean="0"/>
-              <a:t>Lebensgemeinschaften</a:t>
-            </a:r>
-            <a:endParaRPr lang="de-DE" sz="1000" dirty="0" smtClean="0"/>
-          </a:p>
-          <a:p>
-            <a:pPr marL="0" indent="0">
-              <a:buNone/>
-            </a:pPr>
-            <a:endParaRPr lang="de-DE" sz="1000" dirty="0" smtClean="0"/>
-          </a:p>
-          <a:p>
-            <a:pPr marL="447675" indent="-447675"/>
-            <a:r>
-              <a:rPr lang="de-DE" sz="3200" dirty="0"/>
-              <a:t>„</a:t>
-            </a:r>
-            <a:r>
-              <a:rPr lang="de-DE" sz="3200" dirty="0" err="1"/>
-              <a:t>Fridge</a:t>
-            </a:r>
-            <a:r>
-              <a:rPr lang="de-DE" sz="3200" dirty="0"/>
-              <a:t>“ + „Gadget“ = FRIDGET!</a:t>
-            </a:r>
-          </a:p>
-          <a:p>
-            <a:pPr marL="447675" indent="-447675"/>
-            <a:endParaRPr lang="de-DE" sz="3200" dirty="0"/>
-          </a:p>
-        </p:txBody>
-      </p:sp>
-      <p:sp>
-        <p:nvSpPr>
-          <p:cNvPr id="4" name="Textfeld 3"/>
-          <p:cNvSpPr txBox="1"/>
-          <p:nvPr/>
-        </p:nvSpPr>
-        <p:spPr>
-          <a:xfrm>
-            <a:off x="251520" y="1600200"/>
-            <a:ext cx="1596656" cy="369332"/>
-          </a:xfrm>
-          <a:prstGeom prst="rect">
-            <a:avLst/>
-          </a:prstGeom>
-          <a:noFill/>
-        </p:spPr>
-        <p:txBody>
-          <a:bodyPr wrap="none" rtlCol="0">
-            <a:spAutoFit/>
-          </a:bodyPr>
-          <a:lstStyle/>
-          <a:p>
-            <a:r>
-              <a:rPr lang="de-DE" dirty="0" smtClean="0"/>
-              <a:t>Mehr </a:t>
-            </a:r>
-            <a:r>
-              <a:rPr lang="de-DE" dirty="0" err="1" smtClean="0"/>
-              <a:t>gespame</a:t>
-            </a:r>
-            <a:endParaRPr lang="de-DE" dirty="0"/>
-          </a:p>
-        </p:txBody>
-      </p:sp>
-    </p:spTree>
-  </p:cSld>
-  <p:clrMapOvr>
-    <a:masterClrMapping/>
-  </p:clrMapOvr>
-  <p:timing>
-    <p:tnLst>
-      <p:par>
-        <p:cTn id="1" dur="indefinite" restart="never" nodeType="tmRoot"/>
-      </p:par>
-    </p:tnLst>
-  </p:timing>
-</p:sld>
-</file>
-
-<file path=ppt/slides/slide4.xml><?xml version="1.0" encoding="utf-8"?>
-<p:sld xmlns:a="http://schemas.openxmlformats.org/drawingml/2006/main" xmlns:r="http://schemas.openxmlformats.org/officeDocument/2006/relationships" xmlns:p="http://schemas.openxmlformats.org/presentationml/2006/main">
-  <p:cSld>
-    <p:spTree>
-      <p:nvGrpSpPr>
-        <p:cNvPr id="1" name=""/>
-        <p:cNvGrpSpPr/>
-        <p:nvPr/>
-      </p:nvGrpSpPr>
-      <p:grpSpPr>
-        <a:xfrm>
-          <a:off x="0" y="0"/>
-          <a:ext cx="0" cy="0"/>
-          <a:chOff x="0" y="0"/>
-          <a:chExt cx="0" cy="0"/>
-        </a:xfrm>
-      </p:grpSpPr>
-      <p:sp>
-        <p:nvSpPr>
-          <p:cNvPr id="2" name="Titel 1"/>
-          <p:cNvSpPr>
-            <a:spLocks noGrp="1"/>
-          </p:cNvSpPr>
-          <p:nvPr>
-            <p:ph type="title"/>
-          </p:nvPr>
-        </p:nvSpPr>
-        <p:spPr/>
-        <p:txBody>
-          <a:bodyPr>
-            <a:normAutofit/>
-          </a:bodyPr>
-          <a:lstStyle/>
-          <a:p>
-            <a:endParaRPr lang="de-DE" sz="4000" dirty="0"/>
-          </a:p>
-        </p:txBody>
-      </p:sp>
-      <p:sp>
-        <p:nvSpPr>
-          <p:cNvPr id="3" name="Inhaltsplatzhalter 2"/>
-          <p:cNvSpPr>
-            <a:spLocks noGrp="1"/>
-          </p:cNvSpPr>
-          <p:nvPr>
-            <p:ph sz="quarter" idx="1"/>
-          </p:nvPr>
-        </p:nvSpPr>
-        <p:spPr>
-          <a:xfrm>
-            <a:off x="457200" y="1600200"/>
-            <a:ext cx="7467600" cy="4900634"/>
-          </a:xfrm>
-        </p:spPr>
-        <p:txBody>
-          <a:bodyPr>
-            <a:normAutofit/>
-          </a:bodyPr>
-          <a:lstStyle/>
-          <a:p>
-            <a:pPr marL="447675" indent="-447675">
-              <a:buNone/>
-            </a:pPr>
-            <a:endParaRPr lang="de-DE" sz="1000" dirty="0" smtClean="0"/>
-          </a:p>
-          <a:p>
-            <a:pPr marL="447675" indent="-447675"/>
-            <a:r>
-              <a:rPr lang="de-DE" sz="3200" dirty="0"/>
-              <a:t>x</a:t>
-            </a:r>
-            <a:endParaRPr lang="de-DE" sz="3200" dirty="0" smtClean="0"/>
-          </a:p>
-          <a:p>
-            <a:pPr marL="447675" indent="-447675">
-              <a:buNone/>
-            </a:pPr>
-            <a:endParaRPr lang="de-DE" sz="1000" dirty="0" smtClean="0"/>
-          </a:p>
-          <a:p>
-            <a:pPr marL="447675" indent="-447675"/>
-            <a:r>
-              <a:rPr lang="de-DE" sz="3200" dirty="0" smtClean="0"/>
-              <a:t>x</a:t>
-            </a:r>
-          </a:p>
-          <a:p>
-            <a:pPr marL="447675" indent="-447675">
-              <a:buNone/>
-            </a:pPr>
-            <a:endParaRPr lang="de-DE" sz="1000" dirty="0" smtClean="0"/>
-          </a:p>
-          <a:p>
-            <a:pPr marL="447675" indent="-447675"/>
-            <a:r>
-              <a:rPr lang="de-DE" sz="3200" dirty="0" smtClean="0"/>
-              <a:t>x</a:t>
-            </a:r>
-          </a:p>
-          <a:p>
-            <a:pPr marL="447675" indent="-447675">
-              <a:buNone/>
-            </a:pPr>
-            <a:endParaRPr lang="de-DE" sz="1000" dirty="0"/>
-          </a:p>
-          <a:p>
-            <a:pPr marL="447675" indent="-447675"/>
-            <a:r>
-              <a:rPr lang="de-DE" sz="3200" dirty="0"/>
-              <a:t>x</a:t>
-            </a:r>
-            <a:endParaRPr lang="de-DE" sz="1000" dirty="0"/>
-          </a:p>
-          <a:p>
-            <a:pPr marL="447675" indent="-447675">
-              <a:buNone/>
-            </a:pPr>
-            <a:endParaRPr lang="de-DE" sz="1000" dirty="0"/>
-          </a:p>
-          <a:p>
-            <a:pPr marL="447675" indent="-447675"/>
-            <a:r>
-              <a:rPr lang="de-DE" sz="3200" dirty="0"/>
-              <a:t>x</a:t>
-            </a:r>
-            <a:endParaRPr lang="de-DE" sz="1000" dirty="0"/>
-          </a:p>
-          <a:p>
-            <a:pPr marL="447675" indent="-447675"/>
-            <a:endParaRPr lang="de-DE" sz="1000" dirty="0" smtClean="0"/>
-          </a:p>
-        </p:txBody>
-      </p:sp>
-    </p:spTree>
-    <p:extLst>
-      <p:ext uri="{BB962C8B-B14F-4D97-AF65-F5344CB8AC3E}">
-        <p14:creationId xmlns:p14="http://schemas.microsoft.com/office/powerpoint/2010/main" val="246517011"/>
-      </p:ext>
-    </p:extLst>
-  </p:cSld>
-  <p:clrMapOvr>
-    <a:masterClrMapping/>
-  </p:clrMapOvr>
-  <p:timing>
-    <p:tnLst>
-      <p:par>
-        <p:cTn id="1" dur="indefinite" restart="never" nodeType="tmRoot"/>
-      </p:par>
-    </p:tnLst>
-  </p:timing>
-</p:sld>
-</file>
-
-<file path=ppt/slides/slide5.xml><?xml version="1.0" encoding="utf-8"?>
-<p:sld xmlns:a="http://schemas.openxmlformats.org/drawingml/2006/main" xmlns:r="http://schemas.openxmlformats.org/officeDocument/2006/relationships" xmlns:p="http://schemas.openxmlformats.org/presentationml/2006/main">
-  <p:cSld>
-    <p:spTree>
-      <p:nvGrpSpPr>
-        <p:cNvPr id="1" name=""/>
-        <p:cNvGrpSpPr/>
-        <p:nvPr/>
-      </p:nvGrpSpPr>
-      <p:grpSpPr>
-        <a:xfrm>
-          <a:off x="0" y="0"/>
-          <a:ext cx="0" cy="0"/>
-          <a:chOff x="0" y="0"/>
-          <a:chExt cx="0" cy="0"/>
-        </a:xfrm>
-      </p:grpSpPr>
-      <p:grpSp>
-        <p:nvGrpSpPr>
-          <p:cNvPr id="7" name="Gruppierung 6"/>
-          <p:cNvGrpSpPr/>
-          <p:nvPr/>
-        </p:nvGrpSpPr>
-        <p:grpSpPr>
-          <a:xfrm>
-            <a:off x="683568" y="1011773"/>
-            <a:ext cx="7368394" cy="4497869"/>
-            <a:chOff x="683568" y="1011773"/>
-            <a:chExt cx="7368394" cy="4497869"/>
-          </a:xfrm>
-        </p:grpSpPr>
-        <p:sp>
-          <p:nvSpPr>
-            <p:cNvPr id="8" name="Nach oben gebogener Pfeil 7"/>
-            <p:cNvSpPr/>
-            <p:nvPr/>
-          </p:nvSpPr>
-          <p:spPr>
-            <a:xfrm rot="5400000">
-              <a:off x="1148757" y="1847546"/>
-              <a:ext cx="1013034" cy="1153303"/>
-            </a:xfrm>
-            <a:prstGeom prst="bentUpArrow">
-              <a:avLst>
-                <a:gd name="adj1" fmla="val 32840"/>
-                <a:gd name="adj2" fmla="val 25000"/>
-                <a:gd name="adj3" fmla="val 35780"/>
-              </a:avLst>
-            </a:prstGeom>
-          </p:spPr>
-          <p:style>
-            <a:lnRef idx="1">
-              <a:schemeClr val="dk1">
-                <a:shade val="80000"/>
-                <a:hueOff val="0"/>
-                <a:satOff val="0"/>
-                <a:lumOff val="0"/>
-                <a:alphaOff val="0"/>
-              </a:schemeClr>
-            </a:lnRef>
-            <a:fillRef idx="1">
-              <a:schemeClr val="dk1">
-                <a:tint val="40000"/>
-                <a:hueOff val="0"/>
-                <a:satOff val="0"/>
-                <a:lumOff val="0"/>
-                <a:alphaOff val="0"/>
-              </a:schemeClr>
-            </a:fillRef>
-            <a:effectRef idx="1">
-              <a:schemeClr val="dk1">
-                <a:tint val="40000"/>
-                <a:hueOff val="0"/>
-                <a:satOff val="0"/>
-                <a:lumOff val="0"/>
-                <a:alphaOff val="0"/>
-              </a:schemeClr>
-            </a:effectRef>
-            <a:fontRef idx="minor">
-              <a:schemeClr val="lt1">
-                <a:hueOff val="0"/>
-                <a:satOff val="0"/>
-                <a:lumOff val="0"/>
-                <a:alphaOff val="0"/>
-              </a:schemeClr>
-            </a:fontRef>
-          </p:style>
-        </p:sp>
-        <p:sp>
-          <p:nvSpPr>
-            <p:cNvPr id="9" name="Freihandform 8"/>
-            <p:cNvSpPr/>
-            <p:nvPr/>
-          </p:nvSpPr>
-          <p:spPr>
-            <a:xfrm>
-              <a:off x="683568" y="1340763"/>
-              <a:ext cx="2671760" cy="541984"/>
-            </a:xfrm>
-            <a:custGeom>
-              <a:avLst/>
-              <a:gdLst>
-                <a:gd name="connsiteX0" fmla="*/ 0 w 2671760"/>
-                <a:gd name="connsiteY0" fmla="*/ 90349 h 541984"/>
-                <a:gd name="connsiteX1" fmla="*/ 90349 w 2671760"/>
-                <a:gd name="connsiteY1" fmla="*/ 0 h 541984"/>
-                <a:gd name="connsiteX2" fmla="*/ 2581411 w 2671760"/>
-                <a:gd name="connsiteY2" fmla="*/ 0 h 541984"/>
-                <a:gd name="connsiteX3" fmla="*/ 2671760 w 2671760"/>
-                <a:gd name="connsiteY3" fmla="*/ 90349 h 541984"/>
-                <a:gd name="connsiteX4" fmla="*/ 2671760 w 2671760"/>
-                <a:gd name="connsiteY4" fmla="*/ 451635 h 541984"/>
-                <a:gd name="connsiteX5" fmla="*/ 2581411 w 2671760"/>
-                <a:gd name="connsiteY5" fmla="*/ 541984 h 541984"/>
-                <a:gd name="connsiteX6" fmla="*/ 90349 w 2671760"/>
-                <a:gd name="connsiteY6" fmla="*/ 541984 h 541984"/>
-                <a:gd name="connsiteX7" fmla="*/ 0 w 2671760"/>
-                <a:gd name="connsiteY7" fmla="*/ 451635 h 541984"/>
-                <a:gd name="connsiteX8" fmla="*/ 0 w 2671760"/>
-                <a:gd name="connsiteY8" fmla="*/ 90349 h 541984"/>
-              </a:gdLst>
-              <a:ahLst/>
-              <a:cxnLst>
-                <a:cxn ang="0">
-                  <a:pos x="connsiteX0" y="connsiteY0"/>
-                </a:cxn>
-                <a:cxn ang="0">
-                  <a:pos x="connsiteX1" y="connsiteY1"/>
-                </a:cxn>
-                <a:cxn ang="0">
-                  <a:pos x="connsiteX2" y="connsiteY2"/>
-                </a:cxn>
-                <a:cxn ang="0">
-                  <a:pos x="connsiteX3" y="connsiteY3"/>
-                </a:cxn>
-                <a:cxn ang="0">
-                  <a:pos x="connsiteX4" y="connsiteY4"/>
-                </a:cxn>
-                <a:cxn ang="0">
-                  <a:pos x="connsiteX5" y="connsiteY5"/>
-                </a:cxn>
-                <a:cxn ang="0">
-                  <a:pos x="connsiteX6" y="connsiteY6"/>
-                </a:cxn>
-                <a:cxn ang="0">
-                  <a:pos x="connsiteX7" y="connsiteY7"/>
-                </a:cxn>
-                <a:cxn ang="0">
-                  <a:pos x="connsiteX8" y="connsiteY8"/>
-                </a:cxn>
-              </a:cxnLst>
-              <a:rect l="l" t="t" r="r" b="b"/>
-              <a:pathLst>
-                <a:path w="2671760" h="541984">
-                  <a:moveTo>
-                    <a:pt x="0" y="90349"/>
-                  </a:moveTo>
-                  <a:cubicBezTo>
-                    <a:pt x="0" y="40451"/>
-                    <a:pt x="40451" y="0"/>
-                    <a:pt x="90349" y="0"/>
-                  </a:cubicBezTo>
-                  <a:lnTo>
-                    <a:pt x="2581411" y="0"/>
-                  </a:lnTo>
-                  <a:cubicBezTo>
-                    <a:pt x="2631309" y="0"/>
-                    <a:pt x="2671760" y="40451"/>
-                    <a:pt x="2671760" y="90349"/>
-                  </a:cubicBezTo>
-                  <a:lnTo>
-                    <a:pt x="2671760" y="451635"/>
-                  </a:lnTo>
-                  <a:cubicBezTo>
-                    <a:pt x="2671760" y="501533"/>
-                    <a:pt x="2631309" y="541984"/>
-                    <a:pt x="2581411" y="541984"/>
-                  </a:cubicBezTo>
-                  <a:lnTo>
-                    <a:pt x="90349" y="541984"/>
-                  </a:lnTo>
-                  <a:cubicBezTo>
-                    <a:pt x="40451" y="541984"/>
-                    <a:pt x="0" y="501533"/>
-                    <a:pt x="0" y="451635"/>
-                  </a:cubicBezTo>
-                  <a:lnTo>
-                    <a:pt x="0" y="90349"/>
-                  </a:lnTo>
-                  <a:close/>
-                </a:path>
-              </a:pathLst>
-            </a:custGeom>
-            <a:scene3d>
-              <a:camera prst="orthographicFront"/>
-              <a:lightRig rig="flat" dir="t"/>
-            </a:scene3d>
-            <a:sp3d prstMaterial="dkEdge">
-              <a:bevelT w="8200" h="38100"/>
-            </a:sp3d>
-          </p:spPr>
-          <p:style>
-            <a:lnRef idx="0">
-              <a:schemeClr val="dk1">
-                <a:shade val="80000"/>
-                <a:hueOff val="0"/>
-                <a:satOff val="0"/>
-                <a:lumOff val="0"/>
-                <a:alphaOff val="0"/>
-              </a:schemeClr>
-            </a:lnRef>
-            <a:fillRef idx="2">
-              <a:schemeClr val="lt1">
-                <a:hueOff val="0"/>
-                <a:satOff val="0"/>
-                <a:lumOff val="0"/>
-                <a:alphaOff val="0"/>
-              </a:schemeClr>
-            </a:fillRef>
-            <a:effectRef idx="1">
-              <a:schemeClr val="lt1">
-                <a:hueOff val="0"/>
-                <a:satOff val="0"/>
-                <a:lumOff val="0"/>
-                <a:alphaOff val="0"/>
-              </a:schemeClr>
-            </a:effectRef>
-            <a:fontRef idx="minor">
-              <a:schemeClr val="dk1">
-                <a:hueOff val="0"/>
-                <a:satOff val="0"/>
-                <a:lumOff val="0"/>
-                <a:alphaOff val="0"/>
-              </a:schemeClr>
-            </a:fontRef>
-          </p:style>
-          <p:txBody>
-            <a:bodyPr spcFirstLastPara="0" vert="horz" wrap="square" lIns="110282" tIns="110282" rIns="110282" bIns="110282" numCol="1" spcCol="1270" anchor="ctr" anchorCtr="0">
-              <a:noAutofit/>
-            </a:bodyPr>
-            <a:lstStyle/>
-            <a:p>
-              <a:pPr lvl="0" algn="ctr" defTabSz="977900">
-                <a:lnSpc>
-                  <a:spcPct val="90000"/>
-                </a:lnSpc>
-                <a:spcBef>
-                  <a:spcPct val="0"/>
-                </a:spcBef>
-                <a:spcAft>
-                  <a:spcPct val="35000"/>
-                </a:spcAft>
-              </a:pPr>
-              <a:r>
-                <a:rPr lang="de-DE" sz="2200" b="1" kern="1200" dirty="0" smtClean="0"/>
-                <a:t>Pflichtenheft</a:t>
-              </a:r>
-              <a:endParaRPr lang="de-DE" sz="2200" b="1" kern="1200" dirty="0"/>
-            </a:p>
-          </p:txBody>
-        </p:sp>
-        <p:sp>
-          <p:nvSpPr>
-            <p:cNvPr id="10" name="Rechteck 9"/>
-            <p:cNvSpPr/>
-            <p:nvPr/>
-          </p:nvSpPr>
-          <p:spPr>
-            <a:xfrm>
-              <a:off x="2874252" y="1011773"/>
-              <a:ext cx="1240311" cy="964794"/>
-            </a:xfrm>
-            <a:prstGeom prst="rect">
-              <a:avLst/>
-            </a:prstGeom>
-          </p:spPr>
-          <p:style>
-            <a:lnRef idx="0">
-              <a:schemeClr val="dk1">
-                <a:alpha val="0"/>
-                <a:hueOff val="0"/>
-                <a:satOff val="0"/>
-                <a:lumOff val="0"/>
-                <a:alphaOff val="0"/>
-              </a:schemeClr>
-            </a:lnRef>
-            <a:fillRef idx="0">
-              <a:schemeClr val="lt1">
-                <a:alpha val="0"/>
-                <a:hueOff val="0"/>
-                <a:satOff val="0"/>
-                <a:lumOff val="0"/>
-                <a:alphaOff val="0"/>
-              </a:schemeClr>
-            </a:fillRef>
-            <a:effectRef idx="0">
-              <a:schemeClr val="lt1">
-                <a:alpha val="0"/>
-                <a:hueOff val="0"/>
-                <a:satOff val="0"/>
-                <a:lumOff val="0"/>
-                <a:alphaOff val="0"/>
-              </a:schemeClr>
-            </a:effectRef>
-            <a:fontRef idx="minor">
-              <a:schemeClr val="tx1">
-                <a:hueOff val="0"/>
-                <a:satOff val="0"/>
-                <a:lumOff val="0"/>
-                <a:alphaOff val="0"/>
-              </a:schemeClr>
-            </a:fontRef>
-          </p:style>
-        </p:sp>
-        <p:sp>
-          <p:nvSpPr>
-            <p:cNvPr id="11" name="Nach oben gebogener Pfeil 10"/>
-            <p:cNvSpPr/>
-            <p:nvPr/>
-          </p:nvSpPr>
-          <p:spPr>
-            <a:xfrm rot="5400000">
-              <a:off x="2769931" y="2998825"/>
-              <a:ext cx="1013034" cy="1153303"/>
-            </a:xfrm>
-            <a:prstGeom prst="bentUpArrow">
-              <a:avLst>
-                <a:gd name="adj1" fmla="val 32840"/>
-                <a:gd name="adj2" fmla="val 25000"/>
-                <a:gd name="adj3" fmla="val 35780"/>
-              </a:avLst>
-            </a:prstGeom>
-          </p:spPr>
-          <p:style>
-            <a:lnRef idx="1">
-              <a:schemeClr val="dk1">
-                <a:shade val="80000"/>
-                <a:hueOff val="0"/>
-                <a:satOff val="0"/>
-                <a:lumOff val="0"/>
-                <a:alphaOff val="0"/>
-              </a:schemeClr>
-            </a:lnRef>
-            <a:fillRef idx="1">
-              <a:schemeClr val="dk1">
-                <a:tint val="40000"/>
-                <a:hueOff val="0"/>
-                <a:satOff val="0"/>
-                <a:lumOff val="0"/>
-                <a:alphaOff val="0"/>
-              </a:schemeClr>
-            </a:fillRef>
-            <a:effectRef idx="1">
-              <a:schemeClr val="dk1">
-                <a:tint val="40000"/>
-                <a:hueOff val="0"/>
-                <a:satOff val="0"/>
-                <a:lumOff val="0"/>
-                <a:alphaOff val="0"/>
-              </a:schemeClr>
-            </a:effectRef>
-            <a:fontRef idx="minor">
-              <a:schemeClr val="lt1">
-                <a:hueOff val="0"/>
-                <a:satOff val="0"/>
-                <a:lumOff val="0"/>
-                <a:alphaOff val="0"/>
-              </a:schemeClr>
-            </a:fontRef>
-          </p:style>
-        </p:sp>
-        <p:sp>
-          <p:nvSpPr>
-            <p:cNvPr id="12" name="Freihandform 11"/>
-            <p:cNvSpPr/>
-            <p:nvPr/>
-          </p:nvSpPr>
-          <p:spPr>
-            <a:xfrm>
-              <a:off x="2267738" y="2420890"/>
-              <a:ext cx="2641422" cy="619180"/>
-            </a:xfrm>
-            <a:custGeom>
-              <a:avLst/>
-              <a:gdLst>
-                <a:gd name="connsiteX0" fmla="*/ 0 w 2641422"/>
-                <a:gd name="connsiteY0" fmla="*/ 103217 h 619180"/>
-                <a:gd name="connsiteX1" fmla="*/ 103217 w 2641422"/>
-                <a:gd name="connsiteY1" fmla="*/ 0 h 619180"/>
-                <a:gd name="connsiteX2" fmla="*/ 2538205 w 2641422"/>
-                <a:gd name="connsiteY2" fmla="*/ 0 h 619180"/>
-                <a:gd name="connsiteX3" fmla="*/ 2641422 w 2641422"/>
-                <a:gd name="connsiteY3" fmla="*/ 103217 h 619180"/>
-                <a:gd name="connsiteX4" fmla="*/ 2641422 w 2641422"/>
-                <a:gd name="connsiteY4" fmla="*/ 515963 h 619180"/>
-                <a:gd name="connsiteX5" fmla="*/ 2538205 w 2641422"/>
-                <a:gd name="connsiteY5" fmla="*/ 619180 h 619180"/>
-                <a:gd name="connsiteX6" fmla="*/ 103217 w 2641422"/>
-                <a:gd name="connsiteY6" fmla="*/ 619180 h 619180"/>
-                <a:gd name="connsiteX7" fmla="*/ 0 w 2641422"/>
-                <a:gd name="connsiteY7" fmla="*/ 515963 h 619180"/>
-                <a:gd name="connsiteX8" fmla="*/ 0 w 2641422"/>
-                <a:gd name="connsiteY8" fmla="*/ 103217 h 619180"/>
-              </a:gdLst>
-              <a:ahLst/>
-              <a:cxnLst>
-                <a:cxn ang="0">
-                  <a:pos x="connsiteX0" y="connsiteY0"/>
-                </a:cxn>
-                <a:cxn ang="0">
-                  <a:pos x="connsiteX1" y="connsiteY1"/>
-                </a:cxn>
-                <a:cxn ang="0">
-                  <a:pos x="connsiteX2" y="connsiteY2"/>
-                </a:cxn>
-                <a:cxn ang="0">
-                  <a:pos x="connsiteX3" y="connsiteY3"/>
-                </a:cxn>
-                <a:cxn ang="0">
-                  <a:pos x="connsiteX4" y="connsiteY4"/>
-                </a:cxn>
-                <a:cxn ang="0">
-                  <a:pos x="connsiteX5" y="connsiteY5"/>
-                </a:cxn>
-                <a:cxn ang="0">
-                  <a:pos x="connsiteX6" y="connsiteY6"/>
-                </a:cxn>
-                <a:cxn ang="0">
-                  <a:pos x="connsiteX7" y="connsiteY7"/>
-                </a:cxn>
-                <a:cxn ang="0">
-                  <a:pos x="connsiteX8" y="connsiteY8"/>
-                </a:cxn>
-              </a:cxnLst>
-              <a:rect l="l" t="t" r="r" b="b"/>
-              <a:pathLst>
-                <a:path w="2641422" h="619180">
-                  <a:moveTo>
-                    <a:pt x="0" y="103217"/>
-                  </a:moveTo>
-                  <a:cubicBezTo>
-                    <a:pt x="0" y="46212"/>
-                    <a:pt x="46212" y="0"/>
-                    <a:pt x="103217" y="0"/>
-                  </a:cubicBezTo>
-                  <a:lnTo>
-                    <a:pt x="2538205" y="0"/>
-                  </a:lnTo>
-                  <a:cubicBezTo>
-                    <a:pt x="2595210" y="0"/>
-                    <a:pt x="2641422" y="46212"/>
-                    <a:pt x="2641422" y="103217"/>
-                  </a:cubicBezTo>
-                  <a:lnTo>
-                    <a:pt x="2641422" y="515963"/>
-                  </a:lnTo>
-                  <a:cubicBezTo>
-                    <a:pt x="2641422" y="572968"/>
-                    <a:pt x="2595210" y="619180"/>
-                    <a:pt x="2538205" y="619180"/>
-                  </a:cubicBezTo>
-                  <a:lnTo>
-                    <a:pt x="103217" y="619180"/>
-                  </a:lnTo>
-                  <a:cubicBezTo>
-                    <a:pt x="46212" y="619180"/>
-                    <a:pt x="0" y="572968"/>
-                    <a:pt x="0" y="515963"/>
-                  </a:cubicBezTo>
-                  <a:lnTo>
-                    <a:pt x="0" y="103217"/>
-                  </a:lnTo>
-                  <a:close/>
-                </a:path>
-              </a:pathLst>
-            </a:custGeom>
-            <a:scene3d>
-              <a:camera prst="orthographicFront"/>
-              <a:lightRig rig="flat" dir="t"/>
-            </a:scene3d>
-            <a:sp3d prstMaterial="dkEdge">
-              <a:bevelT w="8200" h="38100"/>
-            </a:sp3d>
-          </p:spPr>
-          <p:style>
-            <a:lnRef idx="0">
-              <a:schemeClr val="dk1">
-                <a:shade val="80000"/>
-                <a:hueOff val="0"/>
-                <a:satOff val="0"/>
-                <a:lumOff val="0"/>
-                <a:alphaOff val="0"/>
-              </a:schemeClr>
-            </a:lnRef>
-            <a:fillRef idx="2">
-              <a:schemeClr val="lt1">
-                <a:hueOff val="0"/>
-                <a:satOff val="0"/>
-                <a:lumOff val="0"/>
-                <a:alphaOff val="0"/>
-              </a:schemeClr>
-            </a:fillRef>
-            <a:effectRef idx="1">
-              <a:schemeClr val="lt1">
-                <a:hueOff val="0"/>
-                <a:satOff val="0"/>
-                <a:lumOff val="0"/>
-                <a:alphaOff val="0"/>
-              </a:schemeClr>
-            </a:effectRef>
-            <a:fontRef idx="minor">
-              <a:schemeClr val="dk1">
-                <a:hueOff val="0"/>
-                <a:satOff val="0"/>
-                <a:lumOff val="0"/>
-                <a:alphaOff val="0"/>
-              </a:schemeClr>
-            </a:fontRef>
-          </p:style>
-          <p:txBody>
-            <a:bodyPr spcFirstLastPara="0" vert="horz" wrap="square" lIns="114051" tIns="114051" rIns="114051" bIns="114051" numCol="1" spcCol="1270" anchor="ctr" anchorCtr="0">
-              <a:noAutofit/>
-            </a:bodyPr>
-            <a:lstStyle/>
-            <a:p>
-              <a:pPr lvl="0" algn="ctr" defTabSz="977900">
-                <a:lnSpc>
-                  <a:spcPct val="90000"/>
-                </a:lnSpc>
-                <a:spcBef>
-                  <a:spcPct val="0"/>
-                </a:spcBef>
-                <a:spcAft>
-                  <a:spcPct val="35000"/>
-                </a:spcAft>
-              </a:pPr>
-              <a:r>
-                <a:rPr lang="de-DE" sz="2200" kern="1200" dirty="0" smtClean="0"/>
-                <a:t>Entwurf</a:t>
-              </a:r>
-              <a:endParaRPr lang="de-DE" sz="2200" kern="1200" dirty="0"/>
-            </a:p>
-          </p:txBody>
-        </p:sp>
-        <p:sp>
-          <p:nvSpPr>
-            <p:cNvPr id="13" name="Rechteck 12"/>
-            <p:cNvSpPr/>
-            <p:nvPr/>
-          </p:nvSpPr>
-          <p:spPr>
-            <a:xfrm>
-              <a:off x="4504940" y="2238837"/>
-              <a:ext cx="1240311" cy="964794"/>
-            </a:xfrm>
-            <a:prstGeom prst="rect">
-              <a:avLst/>
-            </a:prstGeom>
-          </p:spPr>
-          <p:style>
-            <a:lnRef idx="0">
-              <a:schemeClr val="dk1">
-                <a:alpha val="0"/>
-                <a:hueOff val="0"/>
-                <a:satOff val="0"/>
-                <a:lumOff val="0"/>
-                <a:alphaOff val="0"/>
-              </a:schemeClr>
-            </a:lnRef>
-            <a:fillRef idx="0">
-              <a:schemeClr val="lt1">
-                <a:alpha val="0"/>
-                <a:hueOff val="0"/>
-                <a:satOff val="0"/>
-                <a:lumOff val="0"/>
-                <a:alphaOff val="0"/>
-              </a:schemeClr>
-            </a:fillRef>
-            <a:effectRef idx="0">
-              <a:schemeClr val="lt1">
-                <a:alpha val="0"/>
-                <a:hueOff val="0"/>
-                <a:satOff val="0"/>
-                <a:lumOff val="0"/>
-                <a:alphaOff val="0"/>
-              </a:schemeClr>
-            </a:effectRef>
-            <a:fontRef idx="minor">
-              <a:schemeClr val="tx1">
-                <a:hueOff val="0"/>
-                <a:satOff val="0"/>
-                <a:lumOff val="0"/>
-                <a:alphaOff val="0"/>
-              </a:schemeClr>
-            </a:fontRef>
-          </p:style>
-        </p:sp>
-        <p:sp>
-          <p:nvSpPr>
-            <p:cNvPr id="14" name="Nach oben gebogener Pfeil 13"/>
-            <p:cNvSpPr/>
-            <p:nvPr/>
-          </p:nvSpPr>
-          <p:spPr>
-            <a:xfrm rot="5400000">
-              <a:off x="4354105" y="4222962"/>
-              <a:ext cx="1013034" cy="1153303"/>
-            </a:xfrm>
-            <a:prstGeom prst="bentUpArrow">
-              <a:avLst>
-                <a:gd name="adj1" fmla="val 32840"/>
-                <a:gd name="adj2" fmla="val 25000"/>
-                <a:gd name="adj3" fmla="val 35780"/>
-              </a:avLst>
-            </a:prstGeom>
-          </p:spPr>
-          <p:style>
-            <a:lnRef idx="1">
-              <a:schemeClr val="dk1">
-                <a:shade val="80000"/>
-                <a:hueOff val="0"/>
-                <a:satOff val="0"/>
-                <a:lumOff val="0"/>
-                <a:alphaOff val="0"/>
-              </a:schemeClr>
-            </a:lnRef>
-            <a:fillRef idx="1">
-              <a:schemeClr val="dk1">
-                <a:tint val="40000"/>
-                <a:hueOff val="0"/>
-                <a:satOff val="0"/>
-                <a:lumOff val="0"/>
-                <a:alphaOff val="0"/>
-              </a:schemeClr>
-            </a:fillRef>
-            <a:effectRef idx="1">
-              <a:schemeClr val="dk1">
-                <a:tint val="40000"/>
-                <a:hueOff val="0"/>
-                <a:satOff val="0"/>
-                <a:lumOff val="0"/>
-                <a:alphaOff val="0"/>
-              </a:schemeClr>
-            </a:effectRef>
-            <a:fontRef idx="minor">
-              <a:schemeClr val="lt1">
-                <a:hueOff val="0"/>
-                <a:satOff val="0"/>
-                <a:lumOff val="0"/>
-                <a:alphaOff val="0"/>
-              </a:schemeClr>
-            </a:fontRef>
-          </p:style>
-        </p:sp>
-        <p:sp>
-          <p:nvSpPr>
-            <p:cNvPr id="15" name="Freihandform 14"/>
-            <p:cNvSpPr/>
-            <p:nvPr/>
-          </p:nvSpPr>
-          <p:spPr>
-            <a:xfrm>
-              <a:off x="3900770" y="3588825"/>
-              <a:ext cx="2713865" cy="669422"/>
-            </a:xfrm>
-            <a:custGeom>
-              <a:avLst/>
-              <a:gdLst>
-                <a:gd name="connsiteX0" fmla="*/ 0 w 2713865"/>
-                <a:gd name="connsiteY0" fmla="*/ 111593 h 669422"/>
-                <a:gd name="connsiteX1" fmla="*/ 111593 w 2713865"/>
-                <a:gd name="connsiteY1" fmla="*/ 0 h 669422"/>
-                <a:gd name="connsiteX2" fmla="*/ 2602272 w 2713865"/>
-                <a:gd name="connsiteY2" fmla="*/ 0 h 669422"/>
-                <a:gd name="connsiteX3" fmla="*/ 2713865 w 2713865"/>
-                <a:gd name="connsiteY3" fmla="*/ 111593 h 669422"/>
-                <a:gd name="connsiteX4" fmla="*/ 2713865 w 2713865"/>
-                <a:gd name="connsiteY4" fmla="*/ 557829 h 669422"/>
-                <a:gd name="connsiteX5" fmla="*/ 2602272 w 2713865"/>
-                <a:gd name="connsiteY5" fmla="*/ 669422 h 669422"/>
-                <a:gd name="connsiteX6" fmla="*/ 111593 w 2713865"/>
-                <a:gd name="connsiteY6" fmla="*/ 669422 h 669422"/>
-                <a:gd name="connsiteX7" fmla="*/ 0 w 2713865"/>
-                <a:gd name="connsiteY7" fmla="*/ 557829 h 669422"/>
-                <a:gd name="connsiteX8" fmla="*/ 0 w 2713865"/>
-                <a:gd name="connsiteY8" fmla="*/ 111593 h 669422"/>
-              </a:gdLst>
-              <a:ahLst/>
-              <a:cxnLst>
-                <a:cxn ang="0">
-                  <a:pos x="connsiteX0" y="connsiteY0"/>
-                </a:cxn>
-                <a:cxn ang="0">
-                  <a:pos x="connsiteX1" y="connsiteY1"/>
-                </a:cxn>
-                <a:cxn ang="0">
-                  <a:pos x="connsiteX2" y="connsiteY2"/>
-                </a:cxn>
-                <a:cxn ang="0">
-                  <a:pos x="connsiteX3" y="connsiteY3"/>
-                </a:cxn>
-                <a:cxn ang="0">
-                  <a:pos x="connsiteX4" y="connsiteY4"/>
-                </a:cxn>
-                <a:cxn ang="0">
-                  <a:pos x="connsiteX5" y="connsiteY5"/>
-                </a:cxn>
-                <a:cxn ang="0">
-                  <a:pos x="connsiteX6" y="connsiteY6"/>
-                </a:cxn>
-                <a:cxn ang="0">
-                  <a:pos x="connsiteX7" y="connsiteY7"/>
-                </a:cxn>
-                <a:cxn ang="0">
-                  <a:pos x="connsiteX8" y="connsiteY8"/>
-                </a:cxn>
-              </a:cxnLst>
-              <a:rect l="l" t="t" r="r" b="b"/>
-              <a:pathLst>
-                <a:path w="2713865" h="669422">
-                  <a:moveTo>
-                    <a:pt x="0" y="111593"/>
-                  </a:moveTo>
-                  <a:cubicBezTo>
-                    <a:pt x="0" y="49962"/>
-                    <a:pt x="49962" y="0"/>
-                    <a:pt x="111593" y="0"/>
-                  </a:cubicBezTo>
-                  <a:lnTo>
-                    <a:pt x="2602272" y="0"/>
-                  </a:lnTo>
-                  <a:cubicBezTo>
-                    <a:pt x="2663903" y="0"/>
-                    <a:pt x="2713865" y="49962"/>
-                    <a:pt x="2713865" y="111593"/>
-                  </a:cubicBezTo>
-                  <a:lnTo>
-                    <a:pt x="2713865" y="557829"/>
-                  </a:lnTo>
-                  <a:cubicBezTo>
-                    <a:pt x="2713865" y="619460"/>
-                    <a:pt x="2663903" y="669422"/>
-                    <a:pt x="2602272" y="669422"/>
-                  </a:cubicBezTo>
-                  <a:lnTo>
-                    <a:pt x="111593" y="669422"/>
-                  </a:lnTo>
-                  <a:cubicBezTo>
-                    <a:pt x="49962" y="669422"/>
-                    <a:pt x="0" y="619460"/>
-                    <a:pt x="0" y="557829"/>
-                  </a:cubicBezTo>
-                  <a:lnTo>
-                    <a:pt x="0" y="111593"/>
-                  </a:lnTo>
-                  <a:close/>
-                </a:path>
-              </a:pathLst>
-            </a:custGeom>
-            <a:scene3d>
-              <a:camera prst="orthographicFront"/>
-              <a:lightRig rig="flat" dir="t"/>
-            </a:scene3d>
-            <a:sp3d prstMaterial="dkEdge">
-              <a:bevelT w="8200" h="38100"/>
-            </a:sp3d>
-          </p:spPr>
-          <p:style>
-            <a:lnRef idx="0">
-              <a:schemeClr val="dk1">
-                <a:shade val="80000"/>
-                <a:hueOff val="0"/>
-                <a:satOff val="0"/>
-                <a:lumOff val="0"/>
-                <a:alphaOff val="0"/>
-              </a:schemeClr>
-            </a:lnRef>
-            <a:fillRef idx="2">
-              <a:schemeClr val="lt1">
-                <a:hueOff val="0"/>
-                <a:satOff val="0"/>
-                <a:lumOff val="0"/>
-                <a:alphaOff val="0"/>
-              </a:schemeClr>
-            </a:fillRef>
-            <a:effectRef idx="1">
-              <a:schemeClr val="lt1">
-                <a:hueOff val="0"/>
-                <a:satOff val="0"/>
-                <a:lumOff val="0"/>
-                <a:alphaOff val="0"/>
-              </a:schemeClr>
-            </a:effectRef>
-            <a:fontRef idx="minor">
-              <a:schemeClr val="dk1">
-                <a:hueOff val="0"/>
-                <a:satOff val="0"/>
-                <a:lumOff val="0"/>
-                <a:alphaOff val="0"/>
-              </a:schemeClr>
-            </a:fontRef>
-          </p:style>
-          <p:txBody>
-            <a:bodyPr spcFirstLastPara="0" vert="horz" wrap="square" lIns="116504" tIns="116504" rIns="116504" bIns="116504" numCol="1" spcCol="1270" anchor="ctr" anchorCtr="0">
-              <a:noAutofit/>
-            </a:bodyPr>
-            <a:lstStyle/>
-            <a:p>
-              <a:pPr lvl="0" algn="ctr" defTabSz="977900">
-                <a:lnSpc>
-                  <a:spcPct val="90000"/>
-                </a:lnSpc>
-                <a:spcBef>
-                  <a:spcPct val="0"/>
-                </a:spcBef>
-                <a:spcAft>
-                  <a:spcPct val="35000"/>
-                </a:spcAft>
-              </a:pPr>
-              <a:r>
-                <a:rPr lang="de-DE" sz="2200" kern="1200" dirty="0" smtClean="0"/>
-                <a:t>Implementierung</a:t>
-              </a:r>
-              <a:endParaRPr lang="de-DE" sz="2200" kern="1200" dirty="0"/>
-            </a:p>
-          </p:txBody>
-        </p:sp>
-        <p:sp>
-          <p:nvSpPr>
-            <p:cNvPr id="16" name="Rechteck 15"/>
-            <p:cNvSpPr/>
-            <p:nvPr/>
-          </p:nvSpPr>
-          <p:spPr>
-            <a:xfrm>
-              <a:off x="6187019" y="3465902"/>
-              <a:ext cx="1240311" cy="964794"/>
-            </a:xfrm>
-            <a:prstGeom prst="rect">
-              <a:avLst/>
-            </a:prstGeom>
-          </p:spPr>
-          <p:style>
-            <a:lnRef idx="0">
-              <a:schemeClr val="dk1">
-                <a:alpha val="0"/>
-                <a:hueOff val="0"/>
-                <a:satOff val="0"/>
-                <a:lumOff val="0"/>
-                <a:alphaOff val="0"/>
-              </a:schemeClr>
-            </a:lnRef>
-            <a:fillRef idx="0">
-              <a:schemeClr val="lt1">
-                <a:alpha val="0"/>
-                <a:hueOff val="0"/>
-                <a:satOff val="0"/>
-                <a:lumOff val="0"/>
-                <a:alphaOff val="0"/>
-              </a:schemeClr>
-            </a:fillRef>
-            <a:effectRef idx="0">
-              <a:schemeClr val="lt1">
-                <a:alpha val="0"/>
-                <a:hueOff val="0"/>
-                <a:satOff val="0"/>
-                <a:lumOff val="0"/>
-                <a:alphaOff val="0"/>
-              </a:schemeClr>
-            </a:effectRef>
-            <a:fontRef idx="minor">
-              <a:schemeClr val="tx1">
-                <a:hueOff val="0"/>
-                <a:satOff val="0"/>
-                <a:lumOff val="0"/>
-                <a:alphaOff val="0"/>
-              </a:schemeClr>
-            </a:fontRef>
-          </p:style>
-        </p:sp>
-        <p:sp>
-          <p:nvSpPr>
-            <p:cNvPr id="17" name="Freihandform 16"/>
-            <p:cNvSpPr/>
-            <p:nvPr/>
-          </p:nvSpPr>
-          <p:spPr>
-            <a:xfrm>
-              <a:off x="5432949" y="4804206"/>
-              <a:ext cx="2619013" cy="705436"/>
-            </a:xfrm>
-            <a:custGeom>
-              <a:avLst/>
-              <a:gdLst>
-                <a:gd name="connsiteX0" fmla="*/ 0 w 2619013"/>
-                <a:gd name="connsiteY0" fmla="*/ 117596 h 705436"/>
-                <a:gd name="connsiteX1" fmla="*/ 117596 w 2619013"/>
-                <a:gd name="connsiteY1" fmla="*/ 0 h 705436"/>
-                <a:gd name="connsiteX2" fmla="*/ 2501417 w 2619013"/>
-                <a:gd name="connsiteY2" fmla="*/ 0 h 705436"/>
-                <a:gd name="connsiteX3" fmla="*/ 2619013 w 2619013"/>
-                <a:gd name="connsiteY3" fmla="*/ 117596 h 705436"/>
-                <a:gd name="connsiteX4" fmla="*/ 2619013 w 2619013"/>
-                <a:gd name="connsiteY4" fmla="*/ 587840 h 705436"/>
-                <a:gd name="connsiteX5" fmla="*/ 2501417 w 2619013"/>
-                <a:gd name="connsiteY5" fmla="*/ 705436 h 705436"/>
-                <a:gd name="connsiteX6" fmla="*/ 117596 w 2619013"/>
-                <a:gd name="connsiteY6" fmla="*/ 705436 h 705436"/>
-                <a:gd name="connsiteX7" fmla="*/ 0 w 2619013"/>
-                <a:gd name="connsiteY7" fmla="*/ 587840 h 705436"/>
-                <a:gd name="connsiteX8" fmla="*/ 0 w 2619013"/>
-                <a:gd name="connsiteY8" fmla="*/ 117596 h 705436"/>
-              </a:gdLst>
-              <a:ahLst/>
-              <a:cxnLst>
-                <a:cxn ang="0">
-                  <a:pos x="connsiteX0" y="connsiteY0"/>
-                </a:cxn>
-                <a:cxn ang="0">
-                  <a:pos x="connsiteX1" y="connsiteY1"/>
-                </a:cxn>
-                <a:cxn ang="0">
-                  <a:pos x="connsiteX2" y="connsiteY2"/>
-                </a:cxn>
-                <a:cxn ang="0">
-                  <a:pos x="connsiteX3" y="connsiteY3"/>
-                </a:cxn>
-                <a:cxn ang="0">
-                  <a:pos x="connsiteX4" y="connsiteY4"/>
-                </a:cxn>
-                <a:cxn ang="0">
-                  <a:pos x="connsiteX5" y="connsiteY5"/>
-                </a:cxn>
-                <a:cxn ang="0">
-                  <a:pos x="connsiteX6" y="connsiteY6"/>
-                </a:cxn>
-                <a:cxn ang="0">
-                  <a:pos x="connsiteX7" y="connsiteY7"/>
-                </a:cxn>
-                <a:cxn ang="0">
-                  <a:pos x="connsiteX8" y="connsiteY8"/>
-                </a:cxn>
-              </a:cxnLst>
-              <a:rect l="l" t="t" r="r" b="b"/>
-              <a:pathLst>
-                <a:path w="2619013" h="705436">
-                  <a:moveTo>
-                    <a:pt x="0" y="117596"/>
-                  </a:moveTo>
-                  <a:cubicBezTo>
-                    <a:pt x="0" y="52650"/>
-                    <a:pt x="52650" y="0"/>
-                    <a:pt x="117596" y="0"/>
-                  </a:cubicBezTo>
-                  <a:lnTo>
-                    <a:pt x="2501417" y="0"/>
-                  </a:lnTo>
-                  <a:cubicBezTo>
-                    <a:pt x="2566363" y="0"/>
-                    <a:pt x="2619013" y="52650"/>
-                    <a:pt x="2619013" y="117596"/>
-                  </a:cubicBezTo>
-                  <a:lnTo>
-                    <a:pt x="2619013" y="587840"/>
-                  </a:lnTo>
-                  <a:cubicBezTo>
-                    <a:pt x="2619013" y="652786"/>
-                    <a:pt x="2566363" y="705436"/>
-                    <a:pt x="2501417" y="705436"/>
-                  </a:cubicBezTo>
-                  <a:lnTo>
-                    <a:pt x="117596" y="705436"/>
-                  </a:lnTo>
-                  <a:cubicBezTo>
-                    <a:pt x="52650" y="705436"/>
-                    <a:pt x="0" y="652786"/>
-                    <a:pt x="0" y="587840"/>
-                  </a:cubicBezTo>
-                  <a:lnTo>
-                    <a:pt x="0" y="117596"/>
-                  </a:lnTo>
-                  <a:close/>
-                </a:path>
-              </a:pathLst>
-            </a:custGeom>
-            <a:scene3d>
-              <a:camera prst="orthographicFront"/>
-              <a:lightRig rig="flat" dir="t"/>
-            </a:scene3d>
-            <a:sp3d prstMaterial="dkEdge">
-              <a:bevelT w="8200" h="38100"/>
-            </a:sp3d>
-          </p:spPr>
-          <p:style>
-            <a:lnRef idx="0">
-              <a:schemeClr val="dk1">
-                <a:shade val="80000"/>
-                <a:hueOff val="0"/>
-                <a:satOff val="0"/>
-                <a:lumOff val="0"/>
-                <a:alphaOff val="0"/>
-              </a:schemeClr>
-            </a:lnRef>
-            <a:fillRef idx="2">
-              <a:schemeClr val="lt1">
-                <a:hueOff val="0"/>
-                <a:satOff val="0"/>
-                <a:lumOff val="0"/>
-                <a:alphaOff val="0"/>
-              </a:schemeClr>
-            </a:fillRef>
-            <a:effectRef idx="1">
-              <a:schemeClr val="lt1">
-                <a:hueOff val="0"/>
-                <a:satOff val="0"/>
-                <a:lumOff val="0"/>
-                <a:alphaOff val="0"/>
-              </a:schemeClr>
-            </a:effectRef>
-            <a:fontRef idx="minor">
-              <a:schemeClr val="dk1">
-                <a:hueOff val="0"/>
-                <a:satOff val="0"/>
-                <a:lumOff val="0"/>
-                <a:alphaOff val="0"/>
-              </a:schemeClr>
-            </a:fontRef>
-          </p:style>
-          <p:txBody>
-            <a:bodyPr spcFirstLastPara="0" vert="horz" wrap="square" lIns="118263" tIns="118263" rIns="118263" bIns="118263" numCol="1" spcCol="1270" anchor="ctr" anchorCtr="0">
-              <a:noAutofit/>
-            </a:bodyPr>
-            <a:lstStyle/>
-            <a:p>
-              <a:pPr lvl="0" algn="ctr" defTabSz="977900">
-                <a:lnSpc>
-                  <a:spcPct val="90000"/>
-                </a:lnSpc>
-                <a:spcBef>
-                  <a:spcPct val="0"/>
-                </a:spcBef>
-                <a:spcAft>
-                  <a:spcPct val="35000"/>
-                </a:spcAft>
-              </a:pPr>
-              <a:r>
-                <a:rPr lang="de-DE" sz="2200" kern="1200" dirty="0" smtClean="0"/>
-                <a:t>Qualitätssicherung</a:t>
-              </a:r>
-              <a:endParaRPr lang="de-DE" sz="2200" kern="1200" dirty="0"/>
-            </a:p>
-          </p:txBody>
-        </p:sp>
-      </p:grpSp>
-    </p:spTree>
-    <p:extLst>
-      <p:ext uri="{BB962C8B-B14F-4D97-AF65-F5344CB8AC3E}">
-        <p14:creationId xmlns:p14="http://schemas.microsoft.com/office/powerpoint/2010/main" val="1754742320"/>
-      </p:ext>
-    </p:extLst>
-  </p:cSld>
-  <p:clrMapOvr>
-    <a:masterClrMapping/>
-  </p:clrMapOvr>
-  <p:timing>
-    <p:tnLst>
-      <p:par>
-        <p:cTn id="1" dur="indefinite" restart="never" nodeType="tmRoot"/>
-      </p:par>
-    </p:tnLst>
-  </p:timing>
-</p:sld>
-</file>
-
-<file path=ppt/slides/slide6.xml><?xml version="1.0" encoding="utf-8"?>
-<p:sld xmlns:a="http://schemas.openxmlformats.org/drawingml/2006/main" xmlns:r="http://schemas.openxmlformats.org/officeDocument/2006/relationships" xmlns:p="http://schemas.openxmlformats.org/presentationml/2006/main">
-  <p:cSld>
-    <p:spTree>
-      <p:nvGrpSpPr>
-        <p:cNvPr id="1" name=""/>
-        <p:cNvGrpSpPr/>
-        <p:nvPr/>
-      </p:nvGrpSpPr>
-      <p:grpSpPr>
-        <a:xfrm>
-          <a:off x="0" y="0"/>
-          <a:ext cx="0" cy="0"/>
-          <a:chOff x="0" y="0"/>
-          <a:chExt cx="0" cy="0"/>
-        </a:xfrm>
-      </p:grpSpPr>
-      <p:sp>
-        <p:nvSpPr>
-          <p:cNvPr id="2" name="Titel 1"/>
-          <p:cNvSpPr>
-            <a:spLocks noGrp="1"/>
-          </p:cNvSpPr>
-          <p:nvPr>
-            <p:ph type="title"/>
-          </p:nvPr>
-        </p:nvSpPr>
-        <p:spPr/>
-        <p:txBody>
-          <a:bodyPr>
-            <a:normAutofit/>
-          </a:bodyPr>
-          <a:lstStyle/>
-          <a:p>
-            <a:r>
-              <a:rPr lang="de-DE" sz="4000" dirty="0" smtClean="0"/>
-              <a:t>Pflichtenheftphase</a:t>
-            </a:r>
-            <a:endParaRPr lang="de-DE" sz="4000" dirty="0"/>
-          </a:p>
-        </p:txBody>
-      </p:sp>
-      <p:sp>
-        <p:nvSpPr>
-          <p:cNvPr id="3" name="Inhaltsplatzhalter 2"/>
-          <p:cNvSpPr>
-            <a:spLocks noGrp="1"/>
-          </p:cNvSpPr>
-          <p:nvPr>
-            <p:ph sz="quarter" idx="1"/>
-          </p:nvPr>
-        </p:nvSpPr>
-        <p:spPr>
-          <a:xfrm>
-            <a:off x="457200" y="1600200"/>
-            <a:ext cx="7467600" cy="4900634"/>
-          </a:xfrm>
-        </p:spPr>
-        <p:txBody>
-          <a:bodyPr>
-            <a:normAutofit/>
-          </a:bodyPr>
-          <a:lstStyle/>
-          <a:p>
-            <a:pPr marL="447675" indent="-447675">
-              <a:buNone/>
-            </a:pPr>
-            <a:endParaRPr lang="de-DE" sz="1000" dirty="0" smtClean="0"/>
-          </a:p>
-          <a:p>
-            <a:pPr marL="447675" indent="-447675"/>
-            <a:r>
-              <a:rPr lang="de-DE" sz="3200" dirty="0" err="1" smtClean="0"/>
-              <a:t>Frozen</a:t>
-            </a:r>
-            <a:r>
-              <a:rPr lang="de-DE" sz="3200" dirty="0" smtClean="0"/>
-              <a:t> </a:t>
-            </a:r>
-            <a:r>
-              <a:rPr lang="de-DE" sz="3200" dirty="0" smtClean="0"/>
-              <a:t>Notes</a:t>
-            </a:r>
-            <a:endParaRPr lang="de-DE" sz="1000" dirty="0"/>
-          </a:p>
-          <a:p>
-            <a:pPr marL="813435" lvl="1" indent="-447675"/>
-            <a:r>
-              <a:rPr lang="de-DE" sz="2900" dirty="0"/>
-              <a:t>b</a:t>
-            </a:r>
-            <a:r>
-              <a:rPr lang="de-DE" sz="2900" dirty="0" smtClean="0"/>
-              <a:t>earbeitbar </a:t>
-            </a:r>
-          </a:p>
-          <a:p>
-            <a:pPr marL="813435" lvl="1" indent="-447675"/>
-            <a:r>
-              <a:rPr lang="de-DE" sz="2900" dirty="0" smtClean="0"/>
-              <a:t>Nicht löschbar</a:t>
-            </a:r>
-            <a:endParaRPr lang="de-DE" sz="700" dirty="0"/>
-          </a:p>
-          <a:p>
-            <a:pPr marL="447675" indent="-447675">
-              <a:buNone/>
-            </a:pPr>
-            <a:endParaRPr lang="de-DE" sz="1000" dirty="0" smtClean="0"/>
-          </a:p>
-          <a:p>
-            <a:pPr marL="447675" indent="-447675">
-              <a:buNone/>
-            </a:pPr>
-            <a:endParaRPr lang="de-DE" sz="1000" dirty="0"/>
-          </a:p>
-          <a:p>
-            <a:pPr marL="447675" indent="-447675"/>
-            <a:r>
-              <a:rPr lang="de-DE" sz="3200" dirty="0"/>
-              <a:t>Cool </a:t>
-            </a:r>
-            <a:r>
-              <a:rPr lang="de-DE" sz="3200" dirty="0" smtClean="0"/>
-              <a:t>Notes</a:t>
-            </a:r>
-            <a:endParaRPr lang="de-DE" sz="1000" dirty="0"/>
-          </a:p>
-          <a:p>
-            <a:pPr marL="813435" lvl="1" indent="-447675"/>
-            <a:r>
-              <a:rPr lang="de-DE" sz="2900" dirty="0"/>
-              <a:t>erstellen </a:t>
-            </a:r>
-          </a:p>
-          <a:p>
-            <a:pPr marL="813435" lvl="1" indent="-447675"/>
-            <a:r>
-              <a:rPr lang="de-DE" sz="2900" dirty="0"/>
-              <a:t>löschen</a:t>
-            </a:r>
-          </a:p>
-          <a:p>
-            <a:pPr marL="447675" indent="-447675"/>
-            <a:endParaRPr lang="de-DE" sz="1000" dirty="0"/>
-          </a:p>
-          <a:p>
-            <a:pPr marL="447675" indent="-447675"/>
-            <a:endParaRPr lang="de-DE" sz="1000" dirty="0" smtClean="0"/>
-          </a:p>
-        </p:txBody>
-      </p:sp>
-      <p:pic>
-        <p:nvPicPr>
-          <p:cNvPr id="4" name="Bild 3"/>
-          <p:cNvPicPr>
-            <a:picLocks noChangeAspect="1"/>
-          </p:cNvPicPr>
-          <p:nvPr/>
-        </p:nvPicPr>
-        <p:blipFill>
-          <a:blip r:embed="rId2">
-            <a:extLst>
-              <a:ext uri="{28A0092B-C50C-407E-A947-70E740481C1C}">
-                <a14:useLocalDpi xmlns:a14="http://schemas.microsoft.com/office/drawing/2010/main" val="0"/>
-              </a:ext>
-            </a:extLst>
-          </a:blip>
-          <a:stretch>
-            <a:fillRect/>
-          </a:stretch>
-        </p:blipFill>
-        <p:spPr>
-          <a:xfrm>
-            <a:off x="4860032" y="1759953"/>
-            <a:ext cx="2767029" cy="4581128"/>
-          </a:xfrm>
-          <a:prstGeom prst="rect">
-            <a:avLst/>
-          </a:prstGeom>
-        </p:spPr>
-      </p:pic>
-      <p:sp>
-        <p:nvSpPr>
-          <p:cNvPr id="5" name="Geschweifte Klammer links 4"/>
-          <p:cNvSpPr/>
-          <p:nvPr/>
-        </p:nvSpPr>
-        <p:spPr>
-          <a:xfrm>
-            <a:off x="4283968" y="2276872"/>
-            <a:ext cx="288032" cy="1368152"/>
-          </a:xfrm>
-          <a:prstGeom prst="leftBrace">
-            <a:avLst/>
-          </a:prstGeom>
-          <a:ln w="38100"/>
-        </p:spPr>
-        <p:style>
-          <a:lnRef idx="1">
-            <a:schemeClr val="accent1"/>
-          </a:lnRef>
-          <a:fillRef idx="0">
-            <a:schemeClr val="accent1"/>
-          </a:fillRef>
-          <a:effectRef idx="0">
-            <a:schemeClr val="accent1"/>
-          </a:effectRef>
-          <a:fontRef idx="minor">
-            <a:schemeClr val="tx1"/>
-          </a:fontRef>
-        </p:style>
-        <p:txBody>
-          <a:bodyPr rtlCol="0" anchor="ctr"/>
-          <a:lstStyle/>
-          <a:p>
-            <a:pPr algn="ctr"/>
-            <a:endParaRPr lang="de-DE"/>
-          </a:p>
-        </p:txBody>
-      </p:sp>
-      <p:sp>
-        <p:nvSpPr>
-          <p:cNvPr id="6" name="Geschweifte Klammer links 5"/>
-          <p:cNvSpPr/>
-          <p:nvPr/>
-        </p:nvSpPr>
-        <p:spPr>
-          <a:xfrm>
-            <a:off x="4283968" y="3844230"/>
-            <a:ext cx="288032" cy="2249066"/>
-          </a:xfrm>
-          <a:prstGeom prst="leftBrace">
-            <a:avLst/>
-          </a:prstGeom>
-          <a:ln w="38100"/>
-        </p:spPr>
-        <p:style>
-          <a:lnRef idx="1">
-            <a:schemeClr val="accent1"/>
-          </a:lnRef>
-          <a:fillRef idx="0">
-            <a:schemeClr val="accent1"/>
-          </a:fillRef>
-          <a:effectRef idx="0">
-            <a:schemeClr val="accent1"/>
-          </a:effectRef>
-          <a:fontRef idx="minor">
-            <a:schemeClr val="tx1"/>
-          </a:fontRef>
-        </p:style>
-        <p:txBody>
-          <a:bodyPr rtlCol="0" anchor="ctr"/>
-          <a:lstStyle/>
-          <a:p>
-            <a:pPr algn="ctr"/>
-            <a:endParaRPr lang="de-DE"/>
-          </a:p>
-        </p:txBody>
-      </p:sp>
-    </p:spTree>
-    <p:extLst>
-      <p:ext uri="{BB962C8B-B14F-4D97-AF65-F5344CB8AC3E}">
-        <p14:creationId xmlns:p14="http://schemas.microsoft.com/office/powerpoint/2010/main" val="1633567392"/>
-      </p:ext>
-    </p:extLst>
-  </p:cSld>
-  <p:clrMapOvr>
-    <a:masterClrMapping/>
-  </p:clrMapOvr>
-  <p:timing>
-    <p:tnLst>
-      <p:par>
-        <p:cTn id="1" dur="indefinite" restart="never" nodeType="tmRoot"/>
-      </p:par>
-    </p:tnLst>
-  </p:timing>
-</p:sld>
-</file>
-
-<file path=ppt/slides/slide7.xml><?xml version="1.0" encoding="utf-8"?>
-<p:sld xmlns:a="http://schemas.openxmlformats.org/drawingml/2006/main" xmlns:r="http://schemas.openxmlformats.org/officeDocument/2006/relationships" xmlns:p="http://schemas.openxmlformats.org/presentationml/2006/main">
-  <p:cSld>
-    <p:spTree>
-      <p:nvGrpSpPr>
-        <p:cNvPr id="1" name=""/>
-        <p:cNvGrpSpPr/>
-        <p:nvPr/>
-      </p:nvGrpSpPr>
-      <p:grpSpPr>
-        <a:xfrm>
-          <a:off x="0" y="0"/>
-          <a:ext cx="0" cy="0"/>
-          <a:chOff x="0" y="0"/>
-          <a:chExt cx="0" cy="0"/>
-        </a:xfrm>
-      </p:grpSpPr>
-      <p:sp>
-        <p:nvSpPr>
-          <p:cNvPr id="2" name="Titel 1"/>
-          <p:cNvSpPr>
-            <a:spLocks noGrp="1"/>
-          </p:cNvSpPr>
-          <p:nvPr>
-            <p:ph type="title"/>
-          </p:nvPr>
-        </p:nvSpPr>
-        <p:spPr/>
-        <p:txBody>
-          <a:bodyPr>
-            <a:normAutofit/>
-          </a:bodyPr>
-          <a:lstStyle/>
-          <a:p>
-            <a:r>
-              <a:rPr lang="de-DE" sz="4000" dirty="0" smtClean="0"/>
-              <a:t>Pflichtenheftphase</a:t>
-            </a:r>
-            <a:endParaRPr lang="de-DE" sz="4000" dirty="0"/>
-          </a:p>
-        </p:txBody>
-      </p:sp>
-      <p:sp>
-        <p:nvSpPr>
-          <p:cNvPr id="3" name="Inhaltsplatzhalter 2"/>
-          <p:cNvSpPr>
-            <a:spLocks noGrp="1"/>
-          </p:cNvSpPr>
-          <p:nvPr>
-            <p:ph sz="quarter" idx="1"/>
-          </p:nvPr>
-        </p:nvSpPr>
-        <p:spPr>
-          <a:xfrm>
-            <a:off x="457200" y="1556792"/>
-            <a:ext cx="7467600" cy="4900634"/>
-          </a:xfrm>
-        </p:spPr>
-        <p:txBody>
-          <a:bodyPr>
-            <a:normAutofit fontScale="92500" lnSpcReduction="10000"/>
-          </a:bodyPr>
-          <a:lstStyle/>
-          <a:p>
-            <a:pPr marL="447675" indent="-447675">
-              <a:buNone/>
-            </a:pPr>
-            <a:endParaRPr lang="de-DE" sz="1000" dirty="0" smtClean="0"/>
-          </a:p>
-          <a:p>
-            <a:pPr marL="447675" indent="-447675"/>
-            <a:r>
-              <a:rPr lang="de-DE" sz="3200" dirty="0" smtClean="0"/>
-              <a:t>Musskriterien</a:t>
-            </a:r>
-          </a:p>
-          <a:p>
-            <a:pPr marL="447675" indent="-447675">
-              <a:buNone/>
-            </a:pPr>
-            <a:endParaRPr lang="de-DE" sz="1000" dirty="0" smtClean="0"/>
-          </a:p>
-          <a:p>
-            <a:pPr marL="813435" lvl="1" indent="-447675"/>
-            <a:r>
-              <a:rPr lang="de-DE" sz="2900" dirty="0" smtClean="0"/>
-              <a:t>Erstellen einer WG Pinnwand</a:t>
-            </a:r>
-          </a:p>
-          <a:p>
-            <a:pPr marL="447675" indent="-447675">
-              <a:buNone/>
-            </a:pPr>
-            <a:endParaRPr lang="de-DE" sz="1000" dirty="0" smtClean="0"/>
-          </a:p>
-          <a:p>
-            <a:pPr marL="813435" lvl="1" indent="-447675"/>
-            <a:r>
-              <a:rPr lang="de-DE" sz="2900" dirty="0" smtClean="0"/>
-              <a:t>Interaktion mit der Pinnwand</a:t>
-            </a:r>
-            <a:endParaRPr lang="de-DE" sz="2600" dirty="0" smtClean="0"/>
-          </a:p>
-          <a:p>
-            <a:pPr marL="447675" indent="-447675">
-              <a:buNone/>
-            </a:pPr>
-            <a:endParaRPr lang="de-DE" sz="1000" dirty="0"/>
-          </a:p>
-          <a:p>
-            <a:pPr marL="813435" lvl="1" indent="-447675"/>
-            <a:r>
-              <a:rPr lang="de-DE" sz="2900" dirty="0" smtClean="0"/>
-              <a:t>Synchronisierung mit dem Server</a:t>
-            </a:r>
-            <a:endParaRPr lang="de-DE" sz="700" dirty="0"/>
-          </a:p>
-          <a:p>
-            <a:pPr marL="447675" indent="-447675">
-              <a:buNone/>
-            </a:pPr>
-            <a:endParaRPr lang="de-DE" sz="1000" dirty="0"/>
-          </a:p>
-          <a:p>
-            <a:pPr marL="813435" lvl="1" indent="-447675"/>
-            <a:r>
-              <a:rPr lang="de-DE" sz="2900" dirty="0" smtClean="0"/>
-              <a:t>App-Menü	</a:t>
-            </a:r>
-            <a:endParaRPr lang="de-DE" sz="700" dirty="0"/>
-          </a:p>
-          <a:p>
-            <a:pPr marL="447675" indent="-447675">
-              <a:buNone/>
-            </a:pPr>
-            <a:endParaRPr lang="de-DE" sz="1000" dirty="0"/>
-          </a:p>
-          <a:p>
-            <a:pPr marL="813435" lvl="1" indent="-447675"/>
-            <a:r>
-              <a:rPr lang="de-DE" sz="2900" dirty="0" smtClean="0"/>
-              <a:t>Lesebestätigung</a:t>
-            </a:r>
-            <a:r>
-              <a:rPr lang="de-DE" sz="2900" dirty="0"/>
-              <a:t>	</a:t>
-            </a:r>
-            <a:endParaRPr lang="de-DE" sz="700" dirty="0"/>
-          </a:p>
-          <a:p>
-            <a:pPr marL="447675" indent="-447675">
-              <a:buNone/>
-            </a:pPr>
-            <a:endParaRPr lang="de-DE" sz="1000" dirty="0"/>
-          </a:p>
-          <a:p>
-            <a:pPr marL="813435" lvl="1" indent="-447675"/>
-            <a:r>
-              <a:rPr lang="de-DE" sz="2900" dirty="0" smtClean="0"/>
-              <a:t>Push-Benachrichtigung</a:t>
-            </a:r>
-            <a:r>
-              <a:rPr lang="de-DE" sz="2900" dirty="0"/>
-              <a:t>	</a:t>
-            </a:r>
-            <a:endParaRPr lang="de-DE" sz="700" dirty="0"/>
-          </a:p>
-          <a:p>
-            <a:pPr marL="447675" indent="-447675"/>
-            <a:endParaRPr lang="de-DE" sz="1000" dirty="0" smtClean="0"/>
-          </a:p>
-        </p:txBody>
-      </p:sp>
-    </p:spTree>
-    <p:extLst>
-      <p:ext uri="{BB962C8B-B14F-4D97-AF65-F5344CB8AC3E}">
-        <p14:creationId xmlns:p14="http://schemas.microsoft.com/office/powerpoint/2010/main" val="1753996425"/>
-      </p:ext>
-    </p:extLst>
-  </p:cSld>
-  <p:clrMapOvr>
-    <a:masterClrMapping/>
-  </p:clrMapOvr>
-  <p:timing>
-    <p:tnLst>
-      <p:par>
-        <p:cTn id="1" dur="indefinite" restart="never" nodeType="tmRoot"/>
-      </p:par>
-    </p:tnLst>
-  </p:timing>
-</p:sld>
-</file>
-
-<file path=ppt/slides/slide8.xml><?xml version="1.0" encoding="utf-8"?>
-<p:sld xmlns:a="http://schemas.openxmlformats.org/drawingml/2006/main" xmlns:r="http://schemas.openxmlformats.org/officeDocument/2006/relationships" xmlns:p="http://schemas.openxmlformats.org/presentationml/2006/main">
-  <p:cSld>
-    <p:spTree>
-      <p:nvGrpSpPr>
-        <p:cNvPr id="1" name=""/>
-        <p:cNvGrpSpPr/>
-        <p:nvPr/>
-      </p:nvGrpSpPr>
-      <p:grpSpPr>
-        <a:xfrm>
-          <a:off x="0" y="0"/>
-          <a:ext cx="0" cy="0"/>
-          <a:chOff x="0" y="0"/>
-          <a:chExt cx="0" cy="0"/>
-        </a:xfrm>
-      </p:grpSpPr>
-      <p:grpSp>
-        <p:nvGrpSpPr>
-          <p:cNvPr id="7" name="Gruppierung 6"/>
-          <p:cNvGrpSpPr/>
-          <p:nvPr/>
-        </p:nvGrpSpPr>
-        <p:grpSpPr>
-          <a:xfrm>
-            <a:off x="683568" y="1011773"/>
-            <a:ext cx="7368394" cy="4497869"/>
-            <a:chOff x="683568" y="1011773"/>
-            <a:chExt cx="7368394" cy="4497869"/>
-          </a:xfrm>
-        </p:grpSpPr>
-        <p:sp>
-          <p:nvSpPr>
-            <p:cNvPr id="8" name="Nach oben gebogener Pfeil 7"/>
-            <p:cNvSpPr/>
-            <p:nvPr/>
-          </p:nvSpPr>
-          <p:spPr>
-            <a:xfrm rot="5400000">
-              <a:off x="1148757" y="1847546"/>
-              <a:ext cx="1013034" cy="1153303"/>
-            </a:xfrm>
-            <a:prstGeom prst="bentUpArrow">
-              <a:avLst>
-                <a:gd name="adj1" fmla="val 32840"/>
-                <a:gd name="adj2" fmla="val 25000"/>
-                <a:gd name="adj3" fmla="val 35780"/>
-              </a:avLst>
-            </a:prstGeom>
-          </p:spPr>
-          <p:style>
-            <a:lnRef idx="1">
-              <a:schemeClr val="dk1">
-                <a:shade val="80000"/>
-                <a:hueOff val="0"/>
-                <a:satOff val="0"/>
-                <a:lumOff val="0"/>
-                <a:alphaOff val="0"/>
-              </a:schemeClr>
-            </a:lnRef>
-            <a:fillRef idx="1">
-              <a:schemeClr val="dk1">
-                <a:tint val="40000"/>
-                <a:hueOff val="0"/>
-                <a:satOff val="0"/>
-                <a:lumOff val="0"/>
-                <a:alphaOff val="0"/>
-              </a:schemeClr>
-            </a:fillRef>
-            <a:effectRef idx="1">
-              <a:schemeClr val="dk1">
-                <a:tint val="40000"/>
-                <a:hueOff val="0"/>
-                <a:satOff val="0"/>
-                <a:lumOff val="0"/>
-                <a:alphaOff val="0"/>
-              </a:schemeClr>
-            </a:effectRef>
-            <a:fontRef idx="minor">
-              <a:schemeClr val="lt1">
-                <a:hueOff val="0"/>
-                <a:satOff val="0"/>
-                <a:lumOff val="0"/>
-                <a:alphaOff val="0"/>
-              </a:schemeClr>
-            </a:fontRef>
-          </p:style>
-        </p:sp>
-        <p:sp>
-          <p:nvSpPr>
-            <p:cNvPr id="9" name="Freihandform 8"/>
-            <p:cNvSpPr/>
-            <p:nvPr/>
-          </p:nvSpPr>
-          <p:spPr>
-            <a:xfrm>
-              <a:off x="683568" y="1340763"/>
-              <a:ext cx="2671760" cy="541984"/>
-            </a:xfrm>
-            <a:custGeom>
-              <a:avLst/>
-              <a:gdLst>
-                <a:gd name="connsiteX0" fmla="*/ 0 w 2671760"/>
-                <a:gd name="connsiteY0" fmla="*/ 90349 h 541984"/>
-                <a:gd name="connsiteX1" fmla="*/ 90349 w 2671760"/>
-                <a:gd name="connsiteY1" fmla="*/ 0 h 541984"/>
-                <a:gd name="connsiteX2" fmla="*/ 2581411 w 2671760"/>
-                <a:gd name="connsiteY2" fmla="*/ 0 h 541984"/>
-                <a:gd name="connsiteX3" fmla="*/ 2671760 w 2671760"/>
-                <a:gd name="connsiteY3" fmla="*/ 90349 h 541984"/>
-                <a:gd name="connsiteX4" fmla="*/ 2671760 w 2671760"/>
-                <a:gd name="connsiteY4" fmla="*/ 451635 h 541984"/>
-                <a:gd name="connsiteX5" fmla="*/ 2581411 w 2671760"/>
-                <a:gd name="connsiteY5" fmla="*/ 541984 h 541984"/>
-                <a:gd name="connsiteX6" fmla="*/ 90349 w 2671760"/>
-                <a:gd name="connsiteY6" fmla="*/ 541984 h 541984"/>
-                <a:gd name="connsiteX7" fmla="*/ 0 w 2671760"/>
-                <a:gd name="connsiteY7" fmla="*/ 451635 h 541984"/>
-                <a:gd name="connsiteX8" fmla="*/ 0 w 2671760"/>
-                <a:gd name="connsiteY8" fmla="*/ 90349 h 541984"/>
-              </a:gdLst>
-              <a:ahLst/>
-              <a:cxnLst>
-                <a:cxn ang="0">
-                  <a:pos x="connsiteX0" y="connsiteY0"/>
-                </a:cxn>
-                <a:cxn ang="0">
-                  <a:pos x="connsiteX1" y="connsiteY1"/>
-                </a:cxn>
-                <a:cxn ang="0">
-                  <a:pos x="connsiteX2" y="connsiteY2"/>
-                </a:cxn>
-                <a:cxn ang="0">
-                  <a:pos x="connsiteX3" y="connsiteY3"/>
-                </a:cxn>
-                <a:cxn ang="0">
-                  <a:pos x="connsiteX4" y="connsiteY4"/>
-                </a:cxn>
-                <a:cxn ang="0">
-                  <a:pos x="connsiteX5" y="connsiteY5"/>
-                </a:cxn>
-                <a:cxn ang="0">
-                  <a:pos x="connsiteX6" y="connsiteY6"/>
-                </a:cxn>
-                <a:cxn ang="0">
-                  <a:pos x="connsiteX7" y="connsiteY7"/>
-                </a:cxn>
-                <a:cxn ang="0">
-                  <a:pos x="connsiteX8" y="connsiteY8"/>
-                </a:cxn>
-              </a:cxnLst>
-              <a:rect l="l" t="t" r="r" b="b"/>
-              <a:pathLst>
-                <a:path w="2671760" h="541984">
-                  <a:moveTo>
-                    <a:pt x="0" y="90349"/>
-                  </a:moveTo>
-                  <a:cubicBezTo>
-                    <a:pt x="0" y="40451"/>
-                    <a:pt x="40451" y="0"/>
-                    <a:pt x="90349" y="0"/>
-                  </a:cubicBezTo>
-                  <a:lnTo>
-                    <a:pt x="2581411" y="0"/>
-                  </a:lnTo>
-                  <a:cubicBezTo>
-                    <a:pt x="2631309" y="0"/>
-                    <a:pt x="2671760" y="40451"/>
-                    <a:pt x="2671760" y="90349"/>
-                  </a:cubicBezTo>
-                  <a:lnTo>
-                    <a:pt x="2671760" y="451635"/>
-                  </a:lnTo>
-                  <a:cubicBezTo>
-                    <a:pt x="2671760" y="501533"/>
-                    <a:pt x="2631309" y="541984"/>
-                    <a:pt x="2581411" y="541984"/>
-                  </a:cubicBezTo>
-                  <a:lnTo>
-                    <a:pt x="90349" y="541984"/>
-                  </a:lnTo>
-                  <a:cubicBezTo>
-                    <a:pt x="40451" y="541984"/>
-                    <a:pt x="0" y="501533"/>
-                    <a:pt x="0" y="451635"/>
-                  </a:cubicBezTo>
-                  <a:lnTo>
-                    <a:pt x="0" y="90349"/>
-                  </a:lnTo>
-                  <a:close/>
-                </a:path>
-              </a:pathLst>
-            </a:custGeom>
-            <a:scene3d>
-              <a:camera prst="orthographicFront"/>
-              <a:lightRig rig="flat" dir="t"/>
-            </a:scene3d>
-            <a:sp3d prstMaterial="dkEdge">
-              <a:bevelT w="8200" h="38100"/>
-            </a:sp3d>
-          </p:spPr>
-          <p:style>
-            <a:lnRef idx="0">
-              <a:schemeClr val="dk1">
-                <a:shade val="80000"/>
-                <a:hueOff val="0"/>
-                <a:satOff val="0"/>
-                <a:lumOff val="0"/>
-                <a:alphaOff val="0"/>
-              </a:schemeClr>
-            </a:lnRef>
-            <a:fillRef idx="2">
-              <a:schemeClr val="lt1">
-                <a:hueOff val="0"/>
-                <a:satOff val="0"/>
-                <a:lumOff val="0"/>
-                <a:alphaOff val="0"/>
-              </a:schemeClr>
-            </a:fillRef>
-            <a:effectRef idx="1">
-              <a:schemeClr val="lt1">
-                <a:hueOff val="0"/>
-                <a:satOff val="0"/>
-                <a:lumOff val="0"/>
-                <a:alphaOff val="0"/>
-              </a:schemeClr>
-            </a:effectRef>
-            <a:fontRef idx="minor">
-              <a:schemeClr val="dk1">
-                <a:hueOff val="0"/>
-                <a:satOff val="0"/>
-                <a:lumOff val="0"/>
-                <a:alphaOff val="0"/>
-              </a:schemeClr>
-            </a:fontRef>
-          </p:style>
-          <p:txBody>
-            <a:bodyPr spcFirstLastPara="0" vert="horz" wrap="square" lIns="110282" tIns="110282" rIns="110282" bIns="110282" numCol="1" spcCol="1270" anchor="ctr" anchorCtr="0">
-              <a:noAutofit/>
-            </a:bodyPr>
-            <a:lstStyle/>
-            <a:p>
-              <a:pPr lvl="0" algn="ctr" defTabSz="977900">
-                <a:lnSpc>
-                  <a:spcPct val="90000"/>
-                </a:lnSpc>
-                <a:spcBef>
-                  <a:spcPct val="0"/>
-                </a:spcBef>
-                <a:spcAft>
-                  <a:spcPct val="35000"/>
-                </a:spcAft>
-              </a:pPr>
-              <a:r>
-                <a:rPr lang="de-DE" sz="2200" kern="1200" dirty="0" smtClean="0"/>
-                <a:t>Pflichtenheft</a:t>
-              </a:r>
-              <a:endParaRPr lang="de-DE" sz="2200" kern="1200" dirty="0"/>
-            </a:p>
-          </p:txBody>
-        </p:sp>
-        <p:sp>
-          <p:nvSpPr>
-            <p:cNvPr id="10" name="Rechteck 9"/>
-            <p:cNvSpPr/>
-            <p:nvPr/>
-          </p:nvSpPr>
-          <p:spPr>
-            <a:xfrm>
-              <a:off x="2874252" y="1011773"/>
-              <a:ext cx="1240311" cy="964794"/>
-            </a:xfrm>
-            <a:prstGeom prst="rect">
-              <a:avLst/>
-            </a:prstGeom>
-          </p:spPr>
-          <p:style>
-            <a:lnRef idx="0">
-              <a:schemeClr val="dk1">
-                <a:alpha val="0"/>
-                <a:hueOff val="0"/>
-                <a:satOff val="0"/>
-                <a:lumOff val="0"/>
-                <a:alphaOff val="0"/>
-              </a:schemeClr>
-            </a:lnRef>
-            <a:fillRef idx="0">
-              <a:schemeClr val="lt1">
-                <a:alpha val="0"/>
-                <a:hueOff val="0"/>
-                <a:satOff val="0"/>
-                <a:lumOff val="0"/>
-                <a:alphaOff val="0"/>
-              </a:schemeClr>
-            </a:fillRef>
-            <a:effectRef idx="0">
-              <a:schemeClr val="lt1">
-                <a:alpha val="0"/>
-                <a:hueOff val="0"/>
-                <a:satOff val="0"/>
-                <a:lumOff val="0"/>
-                <a:alphaOff val="0"/>
-              </a:schemeClr>
-            </a:effectRef>
-            <a:fontRef idx="minor">
-              <a:schemeClr val="tx1">
-                <a:hueOff val="0"/>
-                <a:satOff val="0"/>
-                <a:lumOff val="0"/>
-                <a:alphaOff val="0"/>
-              </a:schemeClr>
-            </a:fontRef>
-          </p:style>
-        </p:sp>
-        <p:sp>
-          <p:nvSpPr>
-            <p:cNvPr id="11" name="Nach oben gebogener Pfeil 10"/>
-            <p:cNvSpPr/>
-            <p:nvPr/>
-          </p:nvSpPr>
-          <p:spPr>
-            <a:xfrm rot="5400000">
-              <a:off x="2769931" y="2998825"/>
-              <a:ext cx="1013034" cy="1153303"/>
-            </a:xfrm>
-            <a:prstGeom prst="bentUpArrow">
-              <a:avLst>
-                <a:gd name="adj1" fmla="val 32840"/>
-                <a:gd name="adj2" fmla="val 25000"/>
-                <a:gd name="adj3" fmla="val 35780"/>
-              </a:avLst>
-            </a:prstGeom>
-          </p:spPr>
-          <p:style>
-            <a:lnRef idx="1">
-              <a:schemeClr val="dk1">
-                <a:shade val="80000"/>
-                <a:hueOff val="0"/>
-                <a:satOff val="0"/>
-                <a:lumOff val="0"/>
-                <a:alphaOff val="0"/>
-              </a:schemeClr>
-            </a:lnRef>
-            <a:fillRef idx="1">
-              <a:schemeClr val="dk1">
-                <a:tint val="40000"/>
-                <a:hueOff val="0"/>
-                <a:satOff val="0"/>
-                <a:lumOff val="0"/>
-                <a:alphaOff val="0"/>
-              </a:schemeClr>
-            </a:fillRef>
-            <a:effectRef idx="1">
-              <a:schemeClr val="dk1">
-                <a:tint val="40000"/>
-                <a:hueOff val="0"/>
-                <a:satOff val="0"/>
-                <a:lumOff val="0"/>
-                <a:alphaOff val="0"/>
-              </a:schemeClr>
-            </a:effectRef>
-            <a:fontRef idx="minor">
-              <a:schemeClr val="lt1">
-                <a:hueOff val="0"/>
-                <a:satOff val="0"/>
-                <a:lumOff val="0"/>
-                <a:alphaOff val="0"/>
-              </a:schemeClr>
-            </a:fontRef>
-          </p:style>
-        </p:sp>
-        <p:sp>
-          <p:nvSpPr>
-            <p:cNvPr id="12" name="Freihandform 11"/>
-            <p:cNvSpPr/>
-            <p:nvPr/>
-          </p:nvSpPr>
-          <p:spPr>
-            <a:xfrm>
-              <a:off x="2267738" y="2420890"/>
-              <a:ext cx="2641422" cy="619180"/>
-            </a:xfrm>
-            <a:custGeom>
-              <a:avLst/>
-              <a:gdLst>
-                <a:gd name="connsiteX0" fmla="*/ 0 w 2641422"/>
-                <a:gd name="connsiteY0" fmla="*/ 103217 h 619180"/>
-                <a:gd name="connsiteX1" fmla="*/ 103217 w 2641422"/>
-                <a:gd name="connsiteY1" fmla="*/ 0 h 619180"/>
-                <a:gd name="connsiteX2" fmla="*/ 2538205 w 2641422"/>
-                <a:gd name="connsiteY2" fmla="*/ 0 h 619180"/>
-                <a:gd name="connsiteX3" fmla="*/ 2641422 w 2641422"/>
-                <a:gd name="connsiteY3" fmla="*/ 103217 h 619180"/>
-                <a:gd name="connsiteX4" fmla="*/ 2641422 w 2641422"/>
-                <a:gd name="connsiteY4" fmla="*/ 515963 h 619180"/>
-                <a:gd name="connsiteX5" fmla="*/ 2538205 w 2641422"/>
-                <a:gd name="connsiteY5" fmla="*/ 619180 h 619180"/>
-                <a:gd name="connsiteX6" fmla="*/ 103217 w 2641422"/>
-                <a:gd name="connsiteY6" fmla="*/ 619180 h 619180"/>
-                <a:gd name="connsiteX7" fmla="*/ 0 w 2641422"/>
-                <a:gd name="connsiteY7" fmla="*/ 515963 h 619180"/>
-                <a:gd name="connsiteX8" fmla="*/ 0 w 2641422"/>
-                <a:gd name="connsiteY8" fmla="*/ 103217 h 619180"/>
-              </a:gdLst>
-              <a:ahLst/>
-              <a:cxnLst>
-                <a:cxn ang="0">
-                  <a:pos x="connsiteX0" y="connsiteY0"/>
-                </a:cxn>
-                <a:cxn ang="0">
-                  <a:pos x="connsiteX1" y="connsiteY1"/>
-                </a:cxn>
-                <a:cxn ang="0">
-                  <a:pos x="connsiteX2" y="connsiteY2"/>
-                </a:cxn>
-                <a:cxn ang="0">
-                  <a:pos x="connsiteX3" y="connsiteY3"/>
-                </a:cxn>
-                <a:cxn ang="0">
-                  <a:pos x="connsiteX4" y="connsiteY4"/>
-                </a:cxn>
-                <a:cxn ang="0">
-                  <a:pos x="connsiteX5" y="connsiteY5"/>
-                </a:cxn>
-                <a:cxn ang="0">
-                  <a:pos x="connsiteX6" y="connsiteY6"/>
-                </a:cxn>
-                <a:cxn ang="0">
-                  <a:pos x="connsiteX7" y="connsiteY7"/>
-                </a:cxn>
-                <a:cxn ang="0">
-                  <a:pos x="connsiteX8" y="connsiteY8"/>
-                </a:cxn>
-              </a:cxnLst>
-              <a:rect l="l" t="t" r="r" b="b"/>
-              <a:pathLst>
-                <a:path w="2641422" h="619180">
-                  <a:moveTo>
-                    <a:pt x="0" y="103217"/>
-                  </a:moveTo>
-                  <a:cubicBezTo>
-                    <a:pt x="0" y="46212"/>
-                    <a:pt x="46212" y="0"/>
-                    <a:pt x="103217" y="0"/>
-                  </a:cubicBezTo>
-                  <a:lnTo>
-                    <a:pt x="2538205" y="0"/>
-                  </a:lnTo>
-                  <a:cubicBezTo>
-                    <a:pt x="2595210" y="0"/>
-                    <a:pt x="2641422" y="46212"/>
-                    <a:pt x="2641422" y="103217"/>
-                  </a:cubicBezTo>
-                  <a:lnTo>
-                    <a:pt x="2641422" y="515963"/>
-                  </a:lnTo>
-                  <a:cubicBezTo>
-                    <a:pt x="2641422" y="572968"/>
-                    <a:pt x="2595210" y="619180"/>
-                    <a:pt x="2538205" y="619180"/>
-                  </a:cubicBezTo>
-                  <a:lnTo>
-                    <a:pt x="103217" y="619180"/>
-                  </a:lnTo>
-                  <a:cubicBezTo>
-                    <a:pt x="46212" y="619180"/>
-                    <a:pt x="0" y="572968"/>
-                    <a:pt x="0" y="515963"/>
-                  </a:cubicBezTo>
-                  <a:lnTo>
-                    <a:pt x="0" y="103217"/>
-                  </a:lnTo>
-                  <a:close/>
-                </a:path>
-              </a:pathLst>
-            </a:custGeom>
-            <a:scene3d>
-              <a:camera prst="orthographicFront"/>
-              <a:lightRig rig="flat" dir="t"/>
-            </a:scene3d>
-            <a:sp3d prstMaterial="dkEdge">
-              <a:bevelT w="8200" h="38100"/>
-            </a:sp3d>
-          </p:spPr>
-          <p:style>
-            <a:lnRef idx="0">
-              <a:schemeClr val="dk1">
-                <a:shade val="80000"/>
-                <a:hueOff val="0"/>
-                <a:satOff val="0"/>
-                <a:lumOff val="0"/>
-                <a:alphaOff val="0"/>
-              </a:schemeClr>
-            </a:lnRef>
-            <a:fillRef idx="2">
-              <a:schemeClr val="lt1">
-                <a:hueOff val="0"/>
-                <a:satOff val="0"/>
-                <a:lumOff val="0"/>
-                <a:alphaOff val="0"/>
-              </a:schemeClr>
-            </a:fillRef>
-            <a:effectRef idx="1">
-              <a:schemeClr val="lt1">
-                <a:hueOff val="0"/>
-                <a:satOff val="0"/>
-                <a:lumOff val="0"/>
-                <a:alphaOff val="0"/>
-              </a:schemeClr>
-            </a:effectRef>
-            <a:fontRef idx="minor">
-              <a:schemeClr val="dk1">
-                <a:hueOff val="0"/>
-                <a:satOff val="0"/>
-                <a:lumOff val="0"/>
-                <a:alphaOff val="0"/>
-              </a:schemeClr>
-            </a:fontRef>
-          </p:style>
-          <p:txBody>
-            <a:bodyPr spcFirstLastPara="0" vert="horz" wrap="square" lIns="114051" tIns="114051" rIns="114051" bIns="114051" numCol="1" spcCol="1270" anchor="ctr" anchorCtr="0">
-              <a:noAutofit/>
-            </a:bodyPr>
-            <a:lstStyle/>
-            <a:p>
-              <a:pPr lvl="0" algn="ctr" defTabSz="977900">
-                <a:lnSpc>
-                  <a:spcPct val="90000"/>
-                </a:lnSpc>
-                <a:spcBef>
-                  <a:spcPct val="0"/>
-                </a:spcBef>
-                <a:spcAft>
-                  <a:spcPct val="35000"/>
-                </a:spcAft>
-              </a:pPr>
-              <a:r>
-                <a:rPr lang="de-DE" sz="2200" b="1" kern="1200" dirty="0" smtClean="0"/>
-                <a:t>Entwurf</a:t>
-              </a:r>
-              <a:endParaRPr lang="de-DE" sz="2200" b="1" kern="1200" dirty="0"/>
-            </a:p>
-          </p:txBody>
-        </p:sp>
-        <p:sp>
-          <p:nvSpPr>
-            <p:cNvPr id="13" name="Rechteck 12"/>
-            <p:cNvSpPr/>
-            <p:nvPr/>
-          </p:nvSpPr>
-          <p:spPr>
-            <a:xfrm>
-              <a:off x="4504940" y="2238837"/>
-              <a:ext cx="1240311" cy="964794"/>
-            </a:xfrm>
-            <a:prstGeom prst="rect">
-              <a:avLst/>
-            </a:prstGeom>
-          </p:spPr>
-          <p:style>
-            <a:lnRef idx="0">
-              <a:schemeClr val="dk1">
-                <a:alpha val="0"/>
-                <a:hueOff val="0"/>
-                <a:satOff val="0"/>
-                <a:lumOff val="0"/>
-                <a:alphaOff val="0"/>
-              </a:schemeClr>
-            </a:lnRef>
-            <a:fillRef idx="0">
-              <a:schemeClr val="lt1">
-                <a:alpha val="0"/>
-                <a:hueOff val="0"/>
-                <a:satOff val="0"/>
-                <a:lumOff val="0"/>
-                <a:alphaOff val="0"/>
-              </a:schemeClr>
-            </a:fillRef>
-            <a:effectRef idx="0">
-              <a:schemeClr val="lt1">
-                <a:alpha val="0"/>
-                <a:hueOff val="0"/>
-                <a:satOff val="0"/>
-                <a:lumOff val="0"/>
-                <a:alphaOff val="0"/>
-              </a:schemeClr>
-            </a:effectRef>
-            <a:fontRef idx="minor">
-              <a:schemeClr val="tx1">
-                <a:hueOff val="0"/>
-                <a:satOff val="0"/>
-                <a:lumOff val="0"/>
-                <a:alphaOff val="0"/>
-              </a:schemeClr>
-            </a:fontRef>
-          </p:style>
-        </p:sp>
-        <p:sp>
-          <p:nvSpPr>
-            <p:cNvPr id="14" name="Nach oben gebogener Pfeil 13"/>
-            <p:cNvSpPr/>
-            <p:nvPr/>
-          </p:nvSpPr>
-          <p:spPr>
-            <a:xfrm rot="5400000">
-              <a:off x="4354105" y="4222962"/>
-              <a:ext cx="1013034" cy="1153303"/>
-            </a:xfrm>
-            <a:prstGeom prst="bentUpArrow">
-              <a:avLst>
-                <a:gd name="adj1" fmla="val 32840"/>
-                <a:gd name="adj2" fmla="val 25000"/>
-                <a:gd name="adj3" fmla="val 35780"/>
-              </a:avLst>
-            </a:prstGeom>
-          </p:spPr>
-          <p:style>
-            <a:lnRef idx="1">
-              <a:schemeClr val="dk1">
-                <a:shade val="80000"/>
-                <a:hueOff val="0"/>
-                <a:satOff val="0"/>
-                <a:lumOff val="0"/>
-                <a:alphaOff val="0"/>
-              </a:schemeClr>
-            </a:lnRef>
-            <a:fillRef idx="1">
-              <a:schemeClr val="dk1">
-                <a:tint val="40000"/>
-                <a:hueOff val="0"/>
-                <a:satOff val="0"/>
-                <a:lumOff val="0"/>
-                <a:alphaOff val="0"/>
-              </a:schemeClr>
-            </a:fillRef>
-            <a:effectRef idx="1">
-              <a:schemeClr val="dk1">
-                <a:tint val="40000"/>
-                <a:hueOff val="0"/>
-                <a:satOff val="0"/>
-                <a:lumOff val="0"/>
-                <a:alphaOff val="0"/>
-              </a:schemeClr>
-            </a:effectRef>
-            <a:fontRef idx="minor">
-              <a:schemeClr val="lt1">
-                <a:hueOff val="0"/>
-                <a:satOff val="0"/>
-                <a:lumOff val="0"/>
-                <a:alphaOff val="0"/>
-              </a:schemeClr>
-            </a:fontRef>
-          </p:style>
-        </p:sp>
-        <p:sp>
-          <p:nvSpPr>
-            <p:cNvPr id="15" name="Freihandform 14"/>
-            <p:cNvSpPr/>
-            <p:nvPr/>
-          </p:nvSpPr>
-          <p:spPr>
-            <a:xfrm>
-              <a:off x="3900770" y="3588825"/>
-              <a:ext cx="2713865" cy="669422"/>
-            </a:xfrm>
-            <a:custGeom>
-              <a:avLst/>
-              <a:gdLst>
-                <a:gd name="connsiteX0" fmla="*/ 0 w 2713865"/>
-                <a:gd name="connsiteY0" fmla="*/ 111593 h 669422"/>
-                <a:gd name="connsiteX1" fmla="*/ 111593 w 2713865"/>
-                <a:gd name="connsiteY1" fmla="*/ 0 h 669422"/>
-                <a:gd name="connsiteX2" fmla="*/ 2602272 w 2713865"/>
-                <a:gd name="connsiteY2" fmla="*/ 0 h 669422"/>
-                <a:gd name="connsiteX3" fmla="*/ 2713865 w 2713865"/>
-                <a:gd name="connsiteY3" fmla="*/ 111593 h 669422"/>
-                <a:gd name="connsiteX4" fmla="*/ 2713865 w 2713865"/>
-                <a:gd name="connsiteY4" fmla="*/ 557829 h 669422"/>
-                <a:gd name="connsiteX5" fmla="*/ 2602272 w 2713865"/>
-                <a:gd name="connsiteY5" fmla="*/ 669422 h 669422"/>
-                <a:gd name="connsiteX6" fmla="*/ 111593 w 2713865"/>
-                <a:gd name="connsiteY6" fmla="*/ 669422 h 669422"/>
-                <a:gd name="connsiteX7" fmla="*/ 0 w 2713865"/>
-                <a:gd name="connsiteY7" fmla="*/ 557829 h 669422"/>
-                <a:gd name="connsiteX8" fmla="*/ 0 w 2713865"/>
-                <a:gd name="connsiteY8" fmla="*/ 111593 h 669422"/>
-              </a:gdLst>
-              <a:ahLst/>
-              <a:cxnLst>
-                <a:cxn ang="0">
-                  <a:pos x="connsiteX0" y="connsiteY0"/>
-                </a:cxn>
-                <a:cxn ang="0">
-                  <a:pos x="connsiteX1" y="connsiteY1"/>
-                </a:cxn>
-                <a:cxn ang="0">
-                  <a:pos x="connsiteX2" y="connsiteY2"/>
-                </a:cxn>
-                <a:cxn ang="0">
-                  <a:pos x="connsiteX3" y="connsiteY3"/>
-                </a:cxn>
-                <a:cxn ang="0">
-                  <a:pos x="connsiteX4" y="connsiteY4"/>
-                </a:cxn>
-                <a:cxn ang="0">
-                  <a:pos x="connsiteX5" y="connsiteY5"/>
-                </a:cxn>
-                <a:cxn ang="0">
-                  <a:pos x="connsiteX6" y="connsiteY6"/>
-                </a:cxn>
-                <a:cxn ang="0">
-                  <a:pos x="connsiteX7" y="connsiteY7"/>
-                </a:cxn>
-                <a:cxn ang="0">
-                  <a:pos x="connsiteX8" y="connsiteY8"/>
-                </a:cxn>
-              </a:cxnLst>
-              <a:rect l="l" t="t" r="r" b="b"/>
-              <a:pathLst>
-                <a:path w="2713865" h="669422">
-                  <a:moveTo>
-                    <a:pt x="0" y="111593"/>
-                  </a:moveTo>
-                  <a:cubicBezTo>
-                    <a:pt x="0" y="49962"/>
-                    <a:pt x="49962" y="0"/>
-                    <a:pt x="111593" y="0"/>
-                  </a:cubicBezTo>
-                  <a:lnTo>
-                    <a:pt x="2602272" y="0"/>
-                  </a:lnTo>
-                  <a:cubicBezTo>
-                    <a:pt x="2663903" y="0"/>
-                    <a:pt x="2713865" y="49962"/>
-                    <a:pt x="2713865" y="111593"/>
-                  </a:cubicBezTo>
-                  <a:lnTo>
-                    <a:pt x="2713865" y="557829"/>
-                  </a:lnTo>
-                  <a:cubicBezTo>
-                    <a:pt x="2713865" y="619460"/>
-                    <a:pt x="2663903" y="669422"/>
-                    <a:pt x="2602272" y="669422"/>
-                  </a:cubicBezTo>
-                  <a:lnTo>
-                    <a:pt x="111593" y="669422"/>
-                  </a:lnTo>
-                  <a:cubicBezTo>
-                    <a:pt x="49962" y="669422"/>
-                    <a:pt x="0" y="619460"/>
-                    <a:pt x="0" y="557829"/>
-                  </a:cubicBezTo>
-                  <a:lnTo>
-                    <a:pt x="0" y="111593"/>
-                  </a:lnTo>
-                  <a:close/>
-                </a:path>
-              </a:pathLst>
-            </a:custGeom>
-            <a:scene3d>
-              <a:camera prst="orthographicFront"/>
-              <a:lightRig rig="flat" dir="t"/>
-            </a:scene3d>
-            <a:sp3d prstMaterial="dkEdge">
-              <a:bevelT w="8200" h="38100"/>
-            </a:sp3d>
-          </p:spPr>
-          <p:style>
-            <a:lnRef idx="0">
-              <a:schemeClr val="dk1">
-                <a:shade val="80000"/>
-                <a:hueOff val="0"/>
-                <a:satOff val="0"/>
-                <a:lumOff val="0"/>
-                <a:alphaOff val="0"/>
-              </a:schemeClr>
-            </a:lnRef>
-            <a:fillRef idx="2">
-              <a:schemeClr val="lt1">
-                <a:hueOff val="0"/>
-                <a:satOff val="0"/>
-                <a:lumOff val="0"/>
-                <a:alphaOff val="0"/>
-              </a:schemeClr>
-            </a:fillRef>
-            <a:effectRef idx="1">
-              <a:schemeClr val="lt1">
-                <a:hueOff val="0"/>
-                <a:satOff val="0"/>
-                <a:lumOff val="0"/>
-                <a:alphaOff val="0"/>
-              </a:schemeClr>
-            </a:effectRef>
-            <a:fontRef idx="minor">
-              <a:schemeClr val="dk1">
-                <a:hueOff val="0"/>
-                <a:satOff val="0"/>
-                <a:lumOff val="0"/>
-                <a:alphaOff val="0"/>
-              </a:schemeClr>
-            </a:fontRef>
-          </p:style>
-          <p:txBody>
-            <a:bodyPr spcFirstLastPara="0" vert="horz" wrap="square" lIns="116504" tIns="116504" rIns="116504" bIns="116504" numCol="1" spcCol="1270" anchor="ctr" anchorCtr="0">
-              <a:noAutofit/>
-            </a:bodyPr>
-            <a:lstStyle/>
-            <a:p>
-              <a:pPr lvl="0" algn="ctr" defTabSz="977900">
-                <a:lnSpc>
-                  <a:spcPct val="90000"/>
-                </a:lnSpc>
-                <a:spcBef>
-                  <a:spcPct val="0"/>
-                </a:spcBef>
-                <a:spcAft>
-                  <a:spcPct val="35000"/>
-                </a:spcAft>
-              </a:pPr>
-              <a:r>
-                <a:rPr lang="de-DE" sz="2200" kern="1200" dirty="0" smtClean="0"/>
-                <a:t>Implementierung</a:t>
-              </a:r>
-              <a:endParaRPr lang="de-DE" sz="2200" kern="1200" dirty="0"/>
-            </a:p>
-          </p:txBody>
-        </p:sp>
-        <p:sp>
-          <p:nvSpPr>
-            <p:cNvPr id="16" name="Rechteck 15"/>
-            <p:cNvSpPr/>
-            <p:nvPr/>
-          </p:nvSpPr>
-          <p:spPr>
-            <a:xfrm>
-              <a:off x="6187019" y="3465902"/>
-              <a:ext cx="1240311" cy="964794"/>
-            </a:xfrm>
-            <a:prstGeom prst="rect">
-              <a:avLst/>
-            </a:prstGeom>
-          </p:spPr>
-          <p:style>
-            <a:lnRef idx="0">
-              <a:schemeClr val="dk1">
-                <a:alpha val="0"/>
-                <a:hueOff val="0"/>
-                <a:satOff val="0"/>
-                <a:lumOff val="0"/>
-                <a:alphaOff val="0"/>
-              </a:schemeClr>
-            </a:lnRef>
-            <a:fillRef idx="0">
-              <a:schemeClr val="lt1">
-                <a:alpha val="0"/>
-                <a:hueOff val="0"/>
-                <a:satOff val="0"/>
-                <a:lumOff val="0"/>
-                <a:alphaOff val="0"/>
-              </a:schemeClr>
-            </a:fillRef>
-            <a:effectRef idx="0">
-              <a:schemeClr val="lt1">
-                <a:alpha val="0"/>
-                <a:hueOff val="0"/>
-                <a:satOff val="0"/>
-                <a:lumOff val="0"/>
-                <a:alphaOff val="0"/>
-              </a:schemeClr>
-            </a:effectRef>
-            <a:fontRef idx="minor">
-              <a:schemeClr val="tx1">
-                <a:hueOff val="0"/>
-                <a:satOff val="0"/>
-                <a:lumOff val="0"/>
-                <a:alphaOff val="0"/>
-              </a:schemeClr>
-            </a:fontRef>
-          </p:style>
-        </p:sp>
-        <p:sp>
-          <p:nvSpPr>
-            <p:cNvPr id="17" name="Freihandform 16"/>
-            <p:cNvSpPr/>
-            <p:nvPr/>
-          </p:nvSpPr>
-          <p:spPr>
-            <a:xfrm>
-              <a:off x="5432949" y="4804206"/>
-              <a:ext cx="2619013" cy="705436"/>
-            </a:xfrm>
-            <a:custGeom>
-              <a:avLst/>
-              <a:gdLst>
-                <a:gd name="connsiteX0" fmla="*/ 0 w 2619013"/>
-                <a:gd name="connsiteY0" fmla="*/ 117596 h 705436"/>
-                <a:gd name="connsiteX1" fmla="*/ 117596 w 2619013"/>
-                <a:gd name="connsiteY1" fmla="*/ 0 h 705436"/>
-                <a:gd name="connsiteX2" fmla="*/ 2501417 w 2619013"/>
-                <a:gd name="connsiteY2" fmla="*/ 0 h 705436"/>
-                <a:gd name="connsiteX3" fmla="*/ 2619013 w 2619013"/>
-                <a:gd name="connsiteY3" fmla="*/ 117596 h 705436"/>
-                <a:gd name="connsiteX4" fmla="*/ 2619013 w 2619013"/>
-                <a:gd name="connsiteY4" fmla="*/ 587840 h 705436"/>
-                <a:gd name="connsiteX5" fmla="*/ 2501417 w 2619013"/>
-                <a:gd name="connsiteY5" fmla="*/ 705436 h 705436"/>
-                <a:gd name="connsiteX6" fmla="*/ 117596 w 2619013"/>
-                <a:gd name="connsiteY6" fmla="*/ 705436 h 705436"/>
-                <a:gd name="connsiteX7" fmla="*/ 0 w 2619013"/>
-                <a:gd name="connsiteY7" fmla="*/ 587840 h 705436"/>
-                <a:gd name="connsiteX8" fmla="*/ 0 w 2619013"/>
-                <a:gd name="connsiteY8" fmla="*/ 117596 h 705436"/>
-              </a:gdLst>
-              <a:ahLst/>
-              <a:cxnLst>
-                <a:cxn ang="0">
-                  <a:pos x="connsiteX0" y="connsiteY0"/>
-                </a:cxn>
-                <a:cxn ang="0">
-                  <a:pos x="connsiteX1" y="connsiteY1"/>
-                </a:cxn>
-                <a:cxn ang="0">
-                  <a:pos x="connsiteX2" y="connsiteY2"/>
-                </a:cxn>
-                <a:cxn ang="0">
-                  <a:pos x="connsiteX3" y="connsiteY3"/>
-                </a:cxn>
-                <a:cxn ang="0">
-                  <a:pos x="connsiteX4" y="connsiteY4"/>
-                </a:cxn>
-                <a:cxn ang="0">
-                  <a:pos x="connsiteX5" y="connsiteY5"/>
-                </a:cxn>
-                <a:cxn ang="0">
-                  <a:pos x="connsiteX6" y="connsiteY6"/>
-                </a:cxn>
-                <a:cxn ang="0">
-                  <a:pos x="connsiteX7" y="connsiteY7"/>
-                </a:cxn>
-                <a:cxn ang="0">
-                  <a:pos x="connsiteX8" y="connsiteY8"/>
-                </a:cxn>
-              </a:cxnLst>
-              <a:rect l="l" t="t" r="r" b="b"/>
-              <a:pathLst>
-                <a:path w="2619013" h="705436">
-                  <a:moveTo>
-                    <a:pt x="0" y="117596"/>
-                  </a:moveTo>
-                  <a:cubicBezTo>
-                    <a:pt x="0" y="52650"/>
-                    <a:pt x="52650" y="0"/>
-                    <a:pt x="117596" y="0"/>
-                  </a:cubicBezTo>
-                  <a:lnTo>
-                    <a:pt x="2501417" y="0"/>
-                  </a:lnTo>
-                  <a:cubicBezTo>
-                    <a:pt x="2566363" y="0"/>
-                    <a:pt x="2619013" y="52650"/>
-                    <a:pt x="2619013" y="117596"/>
-                  </a:cubicBezTo>
-                  <a:lnTo>
-                    <a:pt x="2619013" y="587840"/>
-                  </a:lnTo>
-                  <a:cubicBezTo>
-                    <a:pt x="2619013" y="652786"/>
-                    <a:pt x="2566363" y="705436"/>
-                    <a:pt x="2501417" y="705436"/>
-                  </a:cubicBezTo>
-                  <a:lnTo>
-                    <a:pt x="117596" y="705436"/>
-                  </a:lnTo>
-                  <a:cubicBezTo>
-                    <a:pt x="52650" y="705436"/>
-                    <a:pt x="0" y="652786"/>
-                    <a:pt x="0" y="587840"/>
-                  </a:cubicBezTo>
-                  <a:lnTo>
-                    <a:pt x="0" y="117596"/>
-                  </a:lnTo>
-                  <a:close/>
-                </a:path>
-              </a:pathLst>
-            </a:custGeom>
-            <a:scene3d>
-              <a:camera prst="orthographicFront"/>
-              <a:lightRig rig="flat" dir="t"/>
-            </a:scene3d>
-            <a:sp3d prstMaterial="dkEdge">
-              <a:bevelT w="8200" h="38100"/>
-            </a:sp3d>
-          </p:spPr>
-          <p:style>
-            <a:lnRef idx="0">
-              <a:schemeClr val="dk1">
-                <a:shade val="80000"/>
-                <a:hueOff val="0"/>
-                <a:satOff val="0"/>
-                <a:lumOff val="0"/>
-                <a:alphaOff val="0"/>
-              </a:schemeClr>
-            </a:lnRef>
-            <a:fillRef idx="2">
-              <a:schemeClr val="lt1">
-                <a:hueOff val="0"/>
-                <a:satOff val="0"/>
-                <a:lumOff val="0"/>
-                <a:alphaOff val="0"/>
-              </a:schemeClr>
-            </a:fillRef>
-            <a:effectRef idx="1">
-              <a:schemeClr val="lt1">
-                <a:hueOff val="0"/>
-                <a:satOff val="0"/>
-                <a:lumOff val="0"/>
-                <a:alphaOff val="0"/>
-              </a:schemeClr>
-            </a:effectRef>
-            <a:fontRef idx="minor">
-              <a:schemeClr val="dk1">
-                <a:hueOff val="0"/>
-                <a:satOff val="0"/>
-                <a:lumOff val="0"/>
-                <a:alphaOff val="0"/>
-              </a:schemeClr>
-            </a:fontRef>
-          </p:style>
-          <p:txBody>
-            <a:bodyPr spcFirstLastPara="0" vert="horz" wrap="square" lIns="118263" tIns="118263" rIns="118263" bIns="118263" numCol="1" spcCol="1270" anchor="ctr" anchorCtr="0">
-              <a:noAutofit/>
-            </a:bodyPr>
-            <a:lstStyle/>
-            <a:p>
-              <a:pPr lvl="0" algn="ctr" defTabSz="977900">
-                <a:lnSpc>
-                  <a:spcPct val="90000"/>
-                </a:lnSpc>
-                <a:spcBef>
-                  <a:spcPct val="0"/>
-                </a:spcBef>
-                <a:spcAft>
-                  <a:spcPct val="35000"/>
-                </a:spcAft>
-              </a:pPr>
-              <a:r>
-                <a:rPr lang="de-DE" sz="2200" kern="1200" dirty="0" smtClean="0"/>
-                <a:t>Qualitätssicherung</a:t>
-              </a:r>
-              <a:endParaRPr lang="de-DE" sz="2200" kern="1200" dirty="0"/>
             </a:p>
           </p:txBody>
         </p:sp>
@@ -16778,13 +16655,6 @@
   <p:clrMapOvr>
     <a:masterClrMapping/>
   </p:clrMapOvr>
-  <p:timing>
-    <p:tnLst>
-      <p:par>
-        <p:cTn id="1" dur="indefinite" restart="never" nodeType="tmRoot"/>
-      </p:par>
-    </p:tnLst>
-  </p:timing>
 </p:sld>
 </file>
 
@@ -16823,10 +16693,9 @@
           <a:lstStyle/>
           <a:p>
             <a:r>
-              <a:rPr lang="de-DE" sz="4000" dirty="0" smtClean="0"/>
+              <a:rPr lang="de-DE" sz="4000" dirty="0"/>
               <a:t>Entwurfsphase</a:t>
             </a:r>
-            <a:endParaRPr lang="de-DE" sz="4000" dirty="0"/>
           </a:p>
         </p:txBody>
       </p:sp>
@@ -16855,12 +16724,12 @@
             <a:pPr marL="447675" indent="-447675">
               <a:buNone/>
             </a:pPr>
-            <a:endParaRPr lang="de-DE" sz="1000" dirty="0" smtClean="0"/>
+            <a:endParaRPr lang="de-DE" sz="1000" dirty="0"/>
           </a:p>
           <a:p>
             <a:pPr marL="447675" indent="-447675"/>
             <a:r>
-              <a:rPr lang="de-DE" sz="3200" dirty="0" smtClean="0"/>
+              <a:rPr lang="de-DE" sz="3200" dirty="0"/>
               <a:t>Änderung: Zugangscode dauerhaft</a:t>
             </a:r>
           </a:p>
@@ -16871,21 +16740,9 @@
           <a:p>
             <a:pPr marL="447675" indent="-447675"/>
             <a:r>
-              <a:rPr lang="de-DE" sz="3200" dirty="0" smtClean="0"/>
+              <a:rPr lang="de-DE" sz="3200" dirty="0"/>
               <a:t>Entwurf</a:t>
             </a:r>
-          </a:p>
-          <a:p>
-            <a:pPr marL="447675" indent="-447675">
-              <a:buNone/>
-            </a:pPr>
-            <a:endParaRPr lang="de-DE" sz="1000" dirty="0" smtClean="0"/>
-          </a:p>
-          <a:p>
-            <a:pPr marL="0" indent="0">
-              <a:buNone/>
-            </a:pPr>
-            <a:endParaRPr lang="de-DE" sz="3200" dirty="0" smtClean="0"/>
           </a:p>
           <a:p>
             <a:pPr marL="447675" indent="-447675">
@@ -16894,10 +16751,10 @@
             <a:endParaRPr lang="de-DE" sz="1000" dirty="0"/>
           </a:p>
           <a:p>
-            <a:pPr marL="447675" indent="-447675">
+            <a:pPr marL="0" indent="0">
               <a:buNone/>
             </a:pPr>
-            <a:endParaRPr lang="de-DE" sz="1000" dirty="0" smtClean="0"/>
+            <a:endParaRPr lang="de-DE" sz="3200" dirty="0"/>
           </a:p>
           <a:p>
             <a:pPr marL="447675" indent="-447675">
@@ -16909,7 +16766,7 @@
             <a:pPr marL="447675" indent="-447675">
               <a:buNone/>
             </a:pPr>
-            <a:endParaRPr lang="de-DE" sz="1000" dirty="0" smtClean="0"/>
+            <a:endParaRPr lang="de-DE" sz="1000" dirty="0"/>
           </a:p>
           <a:p>
             <a:pPr marL="447675" indent="-447675">
@@ -16918,20 +16775,32 @@
             <a:endParaRPr lang="de-DE" sz="1000" dirty="0"/>
           </a:p>
           <a:p>
+            <a:pPr marL="447675" indent="-447675">
+              <a:buNone/>
+            </a:pPr>
+            <a:endParaRPr lang="de-DE" sz="1000" dirty="0"/>
+          </a:p>
+          <a:p>
+            <a:pPr marL="447675" indent="-447675">
+              <a:buNone/>
+            </a:pPr>
+            <a:endParaRPr lang="de-DE" sz="1000" dirty="0"/>
+          </a:p>
+          <a:p>
             <a:pPr marL="447675" indent="-447675"/>
-            <a:endParaRPr lang="de-DE" sz="1600" dirty="0" smtClean="0"/>
+            <a:endParaRPr lang="de-DE" sz="1600" dirty="0"/>
           </a:p>
           <a:p>
             <a:pPr marL="447675" indent="-447675"/>
             <a:r>
-              <a:rPr lang="de-DE" sz="3200" dirty="0" smtClean="0"/>
+              <a:rPr lang="de-DE" sz="3200" dirty="0"/>
               <a:t>Wöchentliches Treffen</a:t>
             </a:r>
             <a:endParaRPr lang="de-DE" sz="1000" dirty="0"/>
           </a:p>
           <a:p>
             <a:pPr marL="447675" indent="-447675"/>
-            <a:endParaRPr lang="de-DE" sz="1000" dirty="0" smtClean="0"/>
+            <a:endParaRPr lang="de-DE" sz="1000" dirty="0"/>
           </a:p>
         </p:txBody>
       </p:sp>
@@ -16963,7 +16832,7 @@
           <a:lstStyle/>
           <a:p>
             <a:r>
-              <a:rPr lang="de-DE" sz="3200" dirty="0" smtClean="0"/>
+              <a:rPr lang="de-DE" sz="3200" dirty="0"/>
               <a:t>  Client				Server   </a:t>
             </a:r>
           </a:p>
@@ -16971,21 +16840,20 @@
             <a:endParaRPr lang="de-DE" dirty="0"/>
           </a:p>
           <a:p>
-            <a:endParaRPr lang="de-DE" dirty="0" smtClean="0"/>
-          </a:p>
-          <a:p>
-            <a:endParaRPr lang="de-DE" dirty="0" smtClean="0"/>
+            <a:endParaRPr lang="de-DE" dirty="0"/>
+          </a:p>
+          <a:p>
+            <a:endParaRPr lang="de-DE" dirty="0"/>
           </a:p>
           <a:p>
             <a:r>
-              <a:rPr lang="de-DE" dirty="0" smtClean="0"/>
+              <a:rPr lang="de-DE" dirty="0"/>
               <a:t> </a:t>
             </a:r>
             <a:r>
-              <a:rPr lang="de-DE" sz="3200" dirty="0" smtClean="0"/>
+              <a:rPr lang="de-DE" sz="3200" dirty="0"/>
               <a:t>MVVM 				   MVC</a:t>
             </a:r>
-            <a:endParaRPr lang="de-DE" sz="3200" dirty="0"/>
           </a:p>
         </p:txBody>
       </p:sp>
@@ -17158,10 +17026,9 @@
           <a:lstStyle/>
           <a:p>
             <a:r>
-              <a:rPr lang="de-DE" sz="2400" dirty="0" smtClean="0"/>
+              <a:rPr lang="de-DE" sz="2400" dirty="0"/>
               <a:t>HTTP-Calls</a:t>
             </a:r>
-            <a:endParaRPr lang="de-DE" sz="2400" dirty="0"/>
           </a:p>
         </p:txBody>
       </p:sp>
@@ -17175,13 +17042,6 @@
   <p:clrMapOvr>
     <a:masterClrMapping/>
   </p:clrMapOvr>
-  <p:timing>
-    <p:tnLst>
-      <p:par>
-        <p:cTn id="1" dur="indefinite" restart="never" nodeType="tmRoot"/>
-      </p:par>
-    </p:tnLst>
-  </p:timing>
 </p:sld>
 </file>
 

--- a/documentation/Abschluss/Abschlusspräsentation.pptx
+++ b/documentation/Abschluss/Abschlusspräsentation.pptx
@@ -8,21 +8,22 @@
     <p:sldId id="256" r:id="rId2"/>
     <p:sldId id="265" r:id="rId3"/>
     <p:sldId id="257" r:id="rId4"/>
-    <p:sldId id="266" r:id="rId5"/>
-    <p:sldId id="268" r:id="rId6"/>
-    <p:sldId id="267" r:id="rId7"/>
-    <p:sldId id="279" r:id="rId8"/>
-    <p:sldId id="269" r:id="rId9"/>
-    <p:sldId id="272" r:id="rId10"/>
-    <p:sldId id="270" r:id="rId11"/>
-    <p:sldId id="273" r:id="rId12"/>
-    <p:sldId id="271" r:id="rId13"/>
-    <p:sldId id="274" r:id="rId14"/>
-    <p:sldId id="277" r:id="rId15"/>
-    <p:sldId id="275" r:id="rId16"/>
-    <p:sldId id="278" r:id="rId17"/>
-    <p:sldId id="276" r:id="rId18"/>
-    <p:sldId id="264" r:id="rId19"/>
+    <p:sldId id="280" r:id="rId5"/>
+    <p:sldId id="266" r:id="rId6"/>
+    <p:sldId id="268" r:id="rId7"/>
+    <p:sldId id="267" r:id="rId8"/>
+    <p:sldId id="279" r:id="rId9"/>
+    <p:sldId id="269" r:id="rId10"/>
+    <p:sldId id="272" r:id="rId11"/>
+    <p:sldId id="270" r:id="rId12"/>
+    <p:sldId id="273" r:id="rId13"/>
+    <p:sldId id="271" r:id="rId14"/>
+    <p:sldId id="274" r:id="rId15"/>
+    <p:sldId id="277" r:id="rId16"/>
+    <p:sldId id="275" r:id="rId17"/>
+    <p:sldId id="278" r:id="rId18"/>
+    <p:sldId id="276" r:id="rId19"/>
+    <p:sldId id="264" r:id="rId20"/>
   </p:sldIdLst>
   <p:sldSz cx="9144000" cy="6858000" type="screen4x3"/>
   <p:notesSz cx="6858000" cy="9144000"/>
@@ -5461,7 +5462,7 @@
             <a:fld id="{EB99765B-6265-4230-895B-55A7E0C311D7}" type="datetimeFigureOut">
               <a:rPr lang="de-DE" smtClean="0"/>
               <a:pPr/>
-              <a:t>16.09.2018</a:t>
+              <a:t>17.09.2018</a:t>
             </a:fld>
             <a:endParaRPr lang="de-DE"/>
           </a:p>
@@ -6332,7 +6333,7 @@
             <a:fld id="{EB99765B-6265-4230-895B-55A7E0C311D7}" type="datetimeFigureOut">
               <a:rPr lang="de-DE" smtClean="0"/>
               <a:pPr/>
-              <a:t>16.09.2018</a:t>
+              <a:t>17.09.2018</a:t>
             </a:fld>
             <a:endParaRPr lang="de-DE"/>
           </a:p>
@@ -6509,7 +6510,7 @@
             <a:fld id="{EB99765B-6265-4230-895B-55A7E0C311D7}" type="datetimeFigureOut">
               <a:rPr lang="de-DE" smtClean="0"/>
               <a:pPr/>
-              <a:t>16.09.2018</a:t>
+              <a:t>17.09.2018</a:t>
             </a:fld>
             <a:endParaRPr lang="de-DE"/>
           </a:p>
@@ -6681,7 +6682,7 @@
             <a:fld id="{EB99765B-6265-4230-895B-55A7E0C311D7}" type="datetimeFigureOut">
               <a:rPr lang="de-DE" smtClean="0"/>
               <a:pPr/>
-              <a:t>16.09.2018</a:t>
+              <a:t>17.09.2018</a:t>
             </a:fld>
             <a:endParaRPr lang="de-DE"/>
           </a:p>
@@ -6893,7 +6894,7 @@
             <a:fld id="{EB99765B-6265-4230-895B-55A7E0C311D7}" type="datetimeFigureOut">
               <a:rPr lang="de-DE" smtClean="0"/>
               <a:pPr/>
-              <a:t>16.09.2018</a:t>
+              <a:t>17.09.2018</a:t>
             </a:fld>
             <a:endParaRPr lang="de-DE"/>
           </a:p>
@@ -7709,7 +7710,7 @@
             <a:fld id="{EB99765B-6265-4230-895B-55A7E0C311D7}" type="datetimeFigureOut">
               <a:rPr lang="de-DE" smtClean="0"/>
               <a:pPr/>
-              <a:t>16.09.2018</a:t>
+              <a:t>17.09.2018</a:t>
             </a:fld>
             <a:endParaRPr lang="de-DE"/>
           </a:p>
@@ -7947,7 +7948,7 @@
             <a:fld id="{EB99765B-6265-4230-895B-55A7E0C311D7}" type="datetimeFigureOut">
               <a:rPr lang="de-DE" smtClean="0"/>
               <a:pPr/>
-              <a:t>16.09.2018</a:t>
+              <a:t>17.09.2018</a:t>
             </a:fld>
             <a:endParaRPr lang="de-DE"/>
           </a:p>
@@ -8272,7 +8273,7 @@
             <a:fld id="{EB99765B-6265-4230-895B-55A7E0C311D7}" type="datetimeFigureOut">
               <a:rPr lang="de-DE" smtClean="0"/>
               <a:pPr/>
-              <a:t>16.09.2018</a:t>
+              <a:t>17.09.2018</a:t>
             </a:fld>
             <a:endParaRPr lang="de-DE"/>
           </a:p>
@@ -8364,7 +8365,7 @@
             <a:fld id="{EB99765B-6265-4230-895B-55A7E0C311D7}" type="datetimeFigureOut">
               <a:rPr lang="de-DE" smtClean="0"/>
               <a:pPr/>
-              <a:t>16.09.2018</a:t>
+              <a:t>17.09.2018</a:t>
             </a:fld>
             <a:endParaRPr lang="de-DE"/>
           </a:p>
@@ -8883,7 +8884,7 @@
             <a:fld id="{EB99765B-6265-4230-895B-55A7E0C311D7}" type="datetimeFigureOut">
               <a:rPr lang="de-DE" smtClean="0"/>
               <a:pPr/>
-              <a:t>16.09.2018</a:t>
+              <a:t>17.09.2018</a:t>
             </a:fld>
             <a:endParaRPr lang="de-DE"/>
           </a:p>
@@ -9396,7 +9397,7 @@
             <a:fld id="{EB99765B-6265-4230-895B-55A7E0C311D7}" type="datetimeFigureOut">
               <a:rPr lang="de-DE" smtClean="0"/>
               <a:pPr/>
-              <a:t>16.09.2018</a:t>
+              <a:t>17.09.2018</a:t>
             </a:fld>
             <a:endParaRPr lang="de-DE"/>
           </a:p>
@@ -9643,7 +9644,7 @@
             <a:fld id="{EB99765B-6265-4230-895B-55A7E0C311D7}" type="datetimeFigureOut">
               <a:rPr lang="de-DE" smtClean="0"/>
               <a:pPr/>
-              <a:t>16.09.2018</a:t>
+              <a:t>17.09.2018</a:t>
             </a:fld>
             <a:endParaRPr lang="de-DE"/>
           </a:p>
@@ -10406,6 +10407,393 @@
 </file>
 
 <file path=ppt/slides/slide10.xml><?xml version="1.0" encoding="utf-8"?>
+<p:sld xmlns:a="http://schemas.openxmlformats.org/drawingml/2006/main" xmlns:r="http://schemas.openxmlformats.org/officeDocument/2006/relationships" xmlns:p="http://schemas.openxmlformats.org/presentationml/2006/main">
+  <p:cSld>
+    <p:spTree>
+      <p:nvGrpSpPr>
+        <p:cNvPr id="1" name=""/>
+        <p:cNvGrpSpPr/>
+        <p:nvPr/>
+      </p:nvGrpSpPr>
+      <p:grpSpPr>
+        <a:xfrm>
+          <a:off x="0" y="0"/>
+          <a:ext cx="0" cy="0"/>
+          <a:chOff x="0" y="0"/>
+          <a:chExt cx="0" cy="0"/>
+        </a:xfrm>
+      </p:grpSpPr>
+      <p:sp>
+        <p:nvSpPr>
+          <p:cNvPr id="2" name="Titel 1"/>
+          <p:cNvSpPr>
+            <a:spLocks noGrp="1"/>
+          </p:cNvSpPr>
+          <p:nvPr>
+            <p:ph type="title"/>
+          </p:nvPr>
+        </p:nvSpPr>
+        <p:spPr/>
+        <p:txBody>
+          <a:bodyPr>
+            <a:normAutofit/>
+          </a:bodyPr>
+          <a:lstStyle/>
+          <a:p>
+            <a:r>
+              <a:rPr lang="de-DE" sz="4000" dirty="0"/>
+              <a:t>Entwurfsphase</a:t>
+            </a:r>
+          </a:p>
+        </p:txBody>
+      </p:sp>
+      <p:sp>
+        <p:nvSpPr>
+          <p:cNvPr id="3" name="Inhaltsplatzhalter 2"/>
+          <p:cNvSpPr>
+            <a:spLocks noGrp="1"/>
+          </p:cNvSpPr>
+          <p:nvPr>
+            <p:ph sz="quarter" idx="1"/>
+          </p:nvPr>
+        </p:nvSpPr>
+        <p:spPr>
+          <a:xfrm>
+            <a:off x="457200" y="1600200"/>
+            <a:ext cx="7467600" cy="4900634"/>
+          </a:xfrm>
+        </p:spPr>
+        <p:txBody>
+          <a:bodyPr>
+            <a:normAutofit/>
+          </a:bodyPr>
+          <a:lstStyle/>
+          <a:p>
+            <a:pPr marL="447675" indent="-447675">
+              <a:buNone/>
+            </a:pPr>
+            <a:endParaRPr lang="de-DE" sz="1000" dirty="0"/>
+          </a:p>
+          <a:p>
+            <a:pPr marL="447675" indent="-447675"/>
+            <a:r>
+              <a:rPr lang="de-DE" sz="3200" dirty="0"/>
+              <a:t>Änderung: Zugangscode dauerhaft</a:t>
+            </a:r>
+          </a:p>
+          <a:p>
+            <a:pPr marL="447675" indent="-447675"/>
+            <a:endParaRPr lang="de-DE" sz="1000" dirty="0"/>
+          </a:p>
+          <a:p>
+            <a:pPr marL="447675" indent="-447675"/>
+            <a:r>
+              <a:rPr lang="de-DE" sz="3200" dirty="0"/>
+              <a:t>Entwurf</a:t>
+            </a:r>
+          </a:p>
+          <a:p>
+            <a:pPr marL="447675" indent="-447675">
+              <a:buNone/>
+            </a:pPr>
+            <a:endParaRPr lang="de-DE" sz="1000" dirty="0"/>
+          </a:p>
+          <a:p>
+            <a:pPr marL="0" indent="0">
+              <a:buNone/>
+            </a:pPr>
+            <a:endParaRPr lang="de-DE" sz="3200" dirty="0"/>
+          </a:p>
+          <a:p>
+            <a:pPr marL="447675" indent="-447675">
+              <a:buNone/>
+            </a:pPr>
+            <a:endParaRPr lang="de-DE" sz="1000" dirty="0"/>
+          </a:p>
+          <a:p>
+            <a:pPr marL="447675" indent="-447675">
+              <a:buNone/>
+            </a:pPr>
+            <a:endParaRPr lang="de-DE" sz="1000" dirty="0"/>
+          </a:p>
+          <a:p>
+            <a:pPr marL="447675" indent="-447675">
+              <a:buNone/>
+            </a:pPr>
+            <a:endParaRPr lang="de-DE" sz="1000" dirty="0"/>
+          </a:p>
+          <a:p>
+            <a:pPr marL="447675" indent="-447675">
+              <a:buNone/>
+            </a:pPr>
+            <a:endParaRPr lang="de-DE" sz="1000" dirty="0"/>
+          </a:p>
+          <a:p>
+            <a:pPr marL="447675" indent="-447675">
+              <a:buNone/>
+            </a:pPr>
+            <a:endParaRPr lang="de-DE" sz="1000" dirty="0"/>
+          </a:p>
+          <a:p>
+            <a:pPr marL="447675" indent="-447675"/>
+            <a:endParaRPr lang="de-DE" sz="1600" dirty="0"/>
+          </a:p>
+          <a:p>
+            <a:pPr marL="447675" indent="-447675"/>
+            <a:r>
+              <a:rPr lang="de-DE" sz="3200" dirty="0"/>
+              <a:t>Wöchentliches Treffen</a:t>
+            </a:r>
+            <a:endParaRPr lang="de-DE" sz="1000" dirty="0"/>
+          </a:p>
+          <a:p>
+            <a:pPr marL="447675" indent="-447675"/>
+            <a:endParaRPr lang="de-DE" sz="1000" dirty="0"/>
+          </a:p>
+        </p:txBody>
+      </p:sp>
+      <p:sp>
+        <p:nvSpPr>
+          <p:cNvPr id="4" name="Textfeld 3"/>
+          <p:cNvSpPr txBox="1"/>
+          <p:nvPr/>
+        </p:nvSpPr>
+        <p:spPr>
+          <a:xfrm>
+            <a:off x="1475656" y="3204131"/>
+            <a:ext cx="6147837" cy="1908215"/>
+          </a:xfrm>
+          <a:prstGeom prst="rect">
+            <a:avLst/>
+          </a:prstGeom>
+          <a:noFill/>
+          <a:ln>
+            <a:solidFill>
+              <a:schemeClr val="tx1"/>
+            </a:solidFill>
+          </a:ln>
+        </p:spPr>
+        <p:txBody>
+          <a:bodyPr wrap="none" rtlCol="0">
+            <a:spAutoFit/>
+          </a:bodyPr>
+          <a:lstStyle/>
+          <a:p>
+            <a:r>
+              <a:rPr lang="de-DE" sz="3200" dirty="0"/>
+              <a:t>  Client				Server   </a:t>
+            </a:r>
+          </a:p>
+          <a:p>
+            <a:endParaRPr lang="de-DE" dirty="0"/>
+          </a:p>
+          <a:p>
+            <a:endParaRPr lang="de-DE" dirty="0"/>
+          </a:p>
+          <a:p>
+            <a:endParaRPr lang="de-DE" dirty="0"/>
+          </a:p>
+          <a:p>
+            <a:r>
+              <a:rPr lang="de-DE" dirty="0"/>
+              <a:t> </a:t>
+            </a:r>
+            <a:r>
+              <a:rPr lang="de-DE" sz="3200" dirty="0"/>
+              <a:t>MVVM 				   MVC</a:t>
+            </a:r>
+          </a:p>
+        </p:txBody>
+      </p:sp>
+      <p:sp>
+        <p:nvSpPr>
+          <p:cNvPr id="5" name="Pfeil nach unten 4"/>
+          <p:cNvSpPr/>
+          <p:nvPr/>
+        </p:nvSpPr>
+        <p:spPr>
+          <a:xfrm>
+            <a:off x="2051720" y="3861048"/>
+            <a:ext cx="288032" cy="504056"/>
+          </a:xfrm>
+          <a:prstGeom prst="downArrow">
+            <a:avLst/>
+          </a:prstGeom>
+        </p:spPr>
+        <p:style>
+          <a:lnRef idx="2">
+            <a:schemeClr val="accent1">
+              <a:shade val="50000"/>
+            </a:schemeClr>
+          </a:lnRef>
+          <a:fillRef idx="1">
+            <a:schemeClr val="accent1"/>
+          </a:fillRef>
+          <a:effectRef idx="0">
+            <a:schemeClr val="accent1"/>
+          </a:effectRef>
+          <a:fontRef idx="minor">
+            <a:schemeClr val="lt1"/>
+          </a:fontRef>
+        </p:style>
+        <p:txBody>
+          <a:bodyPr rtlCol="0" anchor="ctr"/>
+          <a:lstStyle/>
+          <a:p>
+            <a:pPr algn="ctr"/>
+            <a:endParaRPr lang="de-DE"/>
+          </a:p>
+        </p:txBody>
+      </p:sp>
+      <p:sp>
+        <p:nvSpPr>
+          <p:cNvPr id="6" name="Pfeil nach unten 5"/>
+          <p:cNvSpPr/>
+          <p:nvPr/>
+        </p:nvSpPr>
+        <p:spPr>
+          <a:xfrm>
+            <a:off x="6588224" y="3861048"/>
+            <a:ext cx="288032" cy="504056"/>
+          </a:xfrm>
+          <a:prstGeom prst="downArrow">
+            <a:avLst/>
+          </a:prstGeom>
+        </p:spPr>
+        <p:style>
+          <a:lnRef idx="2">
+            <a:schemeClr val="accent1">
+              <a:shade val="50000"/>
+            </a:schemeClr>
+          </a:lnRef>
+          <a:fillRef idx="1">
+            <a:schemeClr val="accent1"/>
+          </a:fillRef>
+          <a:effectRef idx="0">
+            <a:schemeClr val="accent1"/>
+          </a:effectRef>
+          <a:fontRef idx="minor">
+            <a:schemeClr val="lt1"/>
+          </a:fontRef>
+        </p:style>
+        <p:txBody>
+          <a:bodyPr rtlCol="0" anchor="ctr"/>
+          <a:lstStyle/>
+          <a:p>
+            <a:pPr algn="ctr"/>
+            <a:endParaRPr lang="de-DE"/>
+          </a:p>
+        </p:txBody>
+      </p:sp>
+      <p:cxnSp>
+        <p:nvCxnSpPr>
+          <p:cNvPr id="9" name="Gerade Verbindung mit Pfeil 8"/>
+          <p:cNvCxnSpPr/>
+          <p:nvPr/>
+        </p:nvCxnSpPr>
+        <p:spPr>
+          <a:xfrm>
+            <a:off x="2843808" y="3429000"/>
+            <a:ext cx="3168352" cy="0"/>
+          </a:xfrm>
+          <a:prstGeom prst="straightConnector1">
+            <a:avLst/>
+          </a:prstGeom>
+          <a:ln>
+            <a:tailEnd type="triangle"/>
+          </a:ln>
+        </p:spPr>
+        <p:style>
+          <a:lnRef idx="1">
+            <a:schemeClr val="accent1"/>
+          </a:lnRef>
+          <a:fillRef idx="0">
+            <a:schemeClr val="accent1"/>
+          </a:fillRef>
+          <a:effectRef idx="0">
+            <a:schemeClr val="accent1"/>
+          </a:effectRef>
+          <a:fontRef idx="minor">
+            <a:schemeClr val="tx1"/>
+          </a:fontRef>
+        </p:style>
+      </p:cxnSp>
+      <p:cxnSp>
+        <p:nvCxnSpPr>
+          <p:cNvPr id="10" name="Gerade Verbindung mit Pfeil 9"/>
+          <p:cNvCxnSpPr/>
+          <p:nvPr/>
+        </p:nvCxnSpPr>
+        <p:spPr>
+          <a:xfrm flipH="1">
+            <a:off x="2835176" y="3653870"/>
+            <a:ext cx="3168352" cy="8846"/>
+          </a:xfrm>
+          <a:prstGeom prst="straightConnector1">
+            <a:avLst/>
+          </a:prstGeom>
+          <a:ln>
+            <a:tailEnd type="triangle"/>
+          </a:ln>
+        </p:spPr>
+        <p:style>
+          <a:lnRef idx="1">
+            <a:schemeClr val="accent1"/>
+          </a:lnRef>
+          <a:fillRef idx="0">
+            <a:schemeClr val="accent1"/>
+          </a:fillRef>
+          <a:effectRef idx="0">
+            <a:schemeClr val="accent1"/>
+          </a:effectRef>
+          <a:fontRef idx="minor">
+            <a:schemeClr val="tx1"/>
+          </a:fontRef>
+        </p:style>
+      </p:cxnSp>
+      <p:sp>
+        <p:nvSpPr>
+          <p:cNvPr id="13" name="Textfeld 12"/>
+          <p:cNvSpPr txBox="1"/>
+          <p:nvPr/>
+        </p:nvSpPr>
+        <p:spPr>
+          <a:xfrm>
+            <a:off x="3635896" y="3284984"/>
+            <a:ext cx="1656184" cy="461665"/>
+          </a:xfrm>
+          <a:prstGeom prst="rect">
+            <a:avLst/>
+          </a:prstGeom>
+          <a:noFill/>
+        </p:spPr>
+        <p:txBody>
+          <a:bodyPr wrap="square" rtlCol="0">
+            <a:spAutoFit/>
+          </a:bodyPr>
+          <a:lstStyle/>
+          <a:p>
+            <a:r>
+              <a:rPr lang="de-DE" sz="2400" dirty="0"/>
+              <a:t>HTTP-Calls</a:t>
+            </a:r>
+          </a:p>
+        </p:txBody>
+      </p:sp>
+    </p:spTree>
+    <p:extLst>
+      <p:ext uri="{BB962C8B-B14F-4D97-AF65-F5344CB8AC3E}">
+        <p14:creationId xmlns:p14="http://schemas.microsoft.com/office/powerpoint/2010/main" val="1925524024"/>
+      </p:ext>
+    </p:extLst>
+  </p:cSld>
+  <p:clrMapOvr>
+    <a:masterClrMapping/>
+  </p:clrMapOvr>
+</p:sld>
+</file>
+
+<file path=ppt/slides/slide11.xml><?xml version="1.0" encoding="utf-8"?>
 <p:sld xmlns:a="http://schemas.openxmlformats.org/drawingml/2006/main" xmlns:r="http://schemas.openxmlformats.org/officeDocument/2006/relationships" xmlns:p="http://schemas.openxmlformats.org/presentationml/2006/main">
   <p:cSld>
     <p:spTree>
@@ -11440,7 +11828,7 @@
 </p:sld>
 </file>
 
-<file path=ppt/slides/slide11.xml><?xml version="1.0" encoding="utf-8"?>
+<file path=ppt/slides/slide12.xml><?xml version="1.0" encoding="utf-8"?>
 <p:sld xmlns:a="http://schemas.openxmlformats.org/drawingml/2006/main" xmlns:r="http://schemas.openxmlformats.org/officeDocument/2006/relationships" xmlns:p="http://schemas.openxmlformats.org/presentationml/2006/main">
   <p:cSld>
     <p:spTree>
@@ -11587,7 +11975,7 @@
 </p:sld>
 </file>
 
-<file path=ppt/slides/slide12.xml><?xml version="1.0" encoding="utf-8"?>
+<file path=ppt/slides/slide13.xml><?xml version="1.0" encoding="utf-8"?>
 <p:sld xmlns:a="http://schemas.openxmlformats.org/drawingml/2006/main" xmlns:r="http://schemas.openxmlformats.org/officeDocument/2006/relationships" xmlns:p="http://schemas.openxmlformats.org/presentationml/2006/main">
   <p:cSld>
     <p:spTree>
@@ -12622,7 +13010,7 @@
 </p:sld>
 </file>
 
-<file path=ppt/slides/slide13.xml><?xml version="1.0" encoding="utf-8"?>
+<file path=ppt/slides/slide14.xml><?xml version="1.0" encoding="utf-8"?>
 <p:sld xmlns:a="http://schemas.openxmlformats.org/drawingml/2006/main" xmlns:r="http://schemas.openxmlformats.org/officeDocument/2006/relationships" xmlns:p="http://schemas.openxmlformats.org/presentationml/2006/main">
   <p:cSld>
     <p:spTree>
@@ -12779,7 +13167,7 @@
 </p:sld>
 </file>
 
-<file path=ppt/slides/slide14.xml><?xml version="1.0" encoding="utf-8"?>
+<file path=ppt/slides/slide15.xml><?xml version="1.0" encoding="utf-8"?>
 <p:sld xmlns:a="http://schemas.openxmlformats.org/drawingml/2006/main" xmlns:r="http://schemas.openxmlformats.org/officeDocument/2006/relationships" xmlns:p="http://schemas.openxmlformats.org/presentationml/2006/main">
   <p:cSld>
     <p:spTree>
@@ -12889,7 +13277,7 @@
 </p:sld>
 </file>
 
-<file path=ppt/slides/slide15.xml><?xml version="1.0" encoding="utf-8"?>
+<file path=ppt/slides/slide16.xml><?xml version="1.0" encoding="utf-8"?>
 <p:sld xmlns:a="http://schemas.openxmlformats.org/drawingml/2006/main" xmlns:r="http://schemas.openxmlformats.org/officeDocument/2006/relationships" xmlns:p="http://schemas.openxmlformats.org/presentationml/2006/main">
   <p:cSld>
     <p:spTree>
@@ -13037,7 +13425,7 @@
 </p:sld>
 </file>
 
-<file path=ppt/slides/slide16.xml><?xml version="1.0" encoding="utf-8"?>
+<file path=ppt/slides/slide17.xml><?xml version="1.0" encoding="utf-8"?>
 <p:sld xmlns:a="http://schemas.openxmlformats.org/drawingml/2006/main" xmlns:r="http://schemas.openxmlformats.org/officeDocument/2006/relationships" xmlns:p="http://schemas.openxmlformats.org/presentationml/2006/main">
   <p:cSld>
     <p:spTree>
@@ -13108,7 +13496,7 @@
 </p:sld>
 </file>
 
-<file path=ppt/slides/slide17.xml><?xml version="1.0" encoding="utf-8"?>
+<file path=ppt/slides/slide18.xml><?xml version="1.0" encoding="utf-8"?>
 <p:sld xmlns:a="http://schemas.openxmlformats.org/drawingml/2006/main" xmlns:r="http://schemas.openxmlformats.org/officeDocument/2006/relationships" xmlns:p="http://schemas.openxmlformats.org/presentationml/2006/main">
   <p:cSld>
     <p:spTree>
@@ -13370,7 +13758,7 @@
 </p:sld>
 </file>
 
-<file path=ppt/slides/slide18.xml><?xml version="1.0" encoding="utf-8"?>
+<file path=ppt/slides/slide19.xml><?xml version="1.0" encoding="utf-8"?>
 <p:sld xmlns:a="http://schemas.openxmlformats.org/drawingml/2006/main" xmlns:r="http://schemas.openxmlformats.org/officeDocument/2006/relationships" xmlns:p="http://schemas.openxmlformats.org/presentationml/2006/main">
   <p:cSld>
     <p:spTree>
@@ -13710,25 +14098,6 @@
               <a:buNone/>
             </a:pPr>
             <a:endParaRPr lang="de-DE" sz="1000" dirty="0"/>
-          </a:p>
-          <a:p>
-            <a:pPr marL="447675" indent="-447675"/>
-            <a:r>
-              <a:rPr lang="de-DE" sz="3200" dirty="0"/>
-              <a:t>„</a:t>
-            </a:r>
-            <a:r>
-              <a:rPr lang="de-DE" sz="3200" dirty="0" err="1"/>
-              <a:t>Fridge</a:t>
-            </a:r>
-            <a:r>
-              <a:rPr lang="de-DE" sz="3200" dirty="0"/>
-              <a:t>“ + „Gadget“ = FRIDGET!</a:t>
-            </a:r>
-          </a:p>
-          <a:p>
-            <a:pPr marL="447675" indent="-447675"/>
-            <a:endParaRPr lang="de-DE" sz="3200" dirty="0"/>
           </a:p>
         </p:txBody>
       </p:sp>
@@ -13936,7 +14305,7 @@
         </p:nvSpPr>
         <p:spPr>
           <a:xfrm>
-            <a:off x="5015785" y="2534555"/>
+            <a:off x="5179836" y="2506579"/>
             <a:ext cx="627110" cy="338551"/>
           </a:xfrm>
           <a:prstGeom prst="rightArrow">
@@ -14025,6 +14394,550 @@
       </p:grpSpPr>
       <p:sp>
         <p:nvSpPr>
+          <p:cNvPr id="2" name="Titel 1">
+            <a:extLst>
+              <a:ext uri="{FF2B5EF4-FFF2-40B4-BE49-F238E27FC236}">
+                <a16:creationId xmlns:a16="http://schemas.microsoft.com/office/drawing/2014/main" id="{CD77C097-2ECF-4C94-BCC1-60258CCE61E3}"/>
+              </a:ext>
+            </a:extLst>
+          </p:cNvPr>
+          <p:cNvSpPr>
+            <a:spLocks noGrp="1"/>
+          </p:cNvSpPr>
+          <p:nvPr>
+            <p:ph type="title"/>
+          </p:nvPr>
+        </p:nvSpPr>
+        <p:spPr/>
+        <p:txBody>
+          <a:bodyPr/>
+          <a:lstStyle/>
+          <a:p>
+            <a:r>
+              <a:rPr lang="de-DE" dirty="0"/>
+              <a:t>Vorerfahrung</a:t>
+            </a:r>
+          </a:p>
+        </p:txBody>
+      </p:sp>
+      <p:pic>
+        <p:nvPicPr>
+          <p:cNvPr id="5" name="Inhaltsplatzhalter 4" descr="Frau">
+            <a:extLst>
+              <a:ext uri="{FF2B5EF4-FFF2-40B4-BE49-F238E27FC236}">
+                <a16:creationId xmlns:a16="http://schemas.microsoft.com/office/drawing/2014/main" id="{E1480F7E-4E61-42AA-A583-671D4AD83567}"/>
+              </a:ext>
+            </a:extLst>
+          </p:cNvPr>
+          <p:cNvPicPr>
+            <a:picLocks noGrp="1" noChangeAspect="1"/>
+          </p:cNvPicPr>
+          <p:nvPr>
+            <p:ph sz="quarter" idx="1"/>
+          </p:nvPr>
+        </p:nvPicPr>
+        <p:blipFill>
+          <a:blip r:embed="rId2">
+            <a:extLst>
+              <a:ext uri="{28A0092B-C50C-407E-A947-70E740481C1C}">
+                <a14:useLocalDpi xmlns:a14="http://schemas.microsoft.com/office/drawing/2010/main" val="0"/>
+              </a:ext>
+              <a:ext uri="{96DAC541-7B7A-43D3-8B79-37D633B846F1}">
+                <asvg:svgBlip xmlns:asvg="http://schemas.microsoft.com/office/drawing/2016/SVG/main" r:embed="rId3"/>
+              </a:ext>
+            </a:extLst>
+          </a:blip>
+          <a:stretch>
+            <a:fillRect/>
+          </a:stretch>
+        </p:blipFill>
+        <p:spPr>
+          <a:xfrm>
+            <a:off x="2682964" y="4509120"/>
+            <a:ext cx="1459083" cy="1459083"/>
+          </a:xfrm>
+        </p:spPr>
+      </p:pic>
+      <p:pic>
+        <p:nvPicPr>
+          <p:cNvPr id="6" name="Inhaltsplatzhalter 4" descr="Frau">
+            <a:extLst>
+              <a:ext uri="{FF2B5EF4-FFF2-40B4-BE49-F238E27FC236}">
+                <a16:creationId xmlns:a16="http://schemas.microsoft.com/office/drawing/2014/main" id="{F4B1B595-02C2-4BEF-B40E-119A2ECBAEA1}"/>
+              </a:ext>
+            </a:extLst>
+          </p:cNvPr>
+          <p:cNvPicPr>
+            <a:picLocks noChangeAspect="1"/>
+          </p:cNvPicPr>
+          <p:nvPr/>
+        </p:nvPicPr>
+        <p:blipFill>
+          <a:blip r:embed="rId2">
+            <a:extLst>
+              <a:ext uri="{28A0092B-C50C-407E-A947-70E740481C1C}">
+                <a14:useLocalDpi xmlns:a14="http://schemas.microsoft.com/office/drawing/2010/main" val="0"/>
+              </a:ext>
+              <a:ext uri="{96DAC541-7B7A-43D3-8B79-37D633B846F1}">
+                <asvg:svgBlip xmlns:asvg="http://schemas.microsoft.com/office/drawing/2016/SVG/main" r:embed="rId3"/>
+              </a:ext>
+            </a:extLst>
+          </a:blip>
+          <a:stretch>
+            <a:fillRect/>
+          </a:stretch>
+        </p:blipFill>
+        <p:spPr>
+          <a:xfrm>
+            <a:off x="3436591" y="4509120"/>
+            <a:ext cx="1459083" cy="1459083"/>
+          </a:xfrm>
+          <a:prstGeom prst="rect">
+            <a:avLst/>
+          </a:prstGeom>
+        </p:spPr>
+      </p:pic>
+      <p:pic>
+        <p:nvPicPr>
+          <p:cNvPr id="7" name="Inhaltsplatzhalter 4" descr="Frau">
+            <a:extLst>
+              <a:ext uri="{FF2B5EF4-FFF2-40B4-BE49-F238E27FC236}">
+                <a16:creationId xmlns:a16="http://schemas.microsoft.com/office/drawing/2014/main" id="{B12B2201-BB6D-4DF6-83B0-D425295E7DE6}"/>
+              </a:ext>
+            </a:extLst>
+          </p:cNvPr>
+          <p:cNvPicPr>
+            <a:picLocks noChangeAspect="1"/>
+          </p:cNvPicPr>
+          <p:nvPr/>
+        </p:nvPicPr>
+        <p:blipFill>
+          <a:blip r:embed="rId2">
+            <a:extLst>
+              <a:ext uri="{28A0092B-C50C-407E-A947-70E740481C1C}">
+                <a14:useLocalDpi xmlns:a14="http://schemas.microsoft.com/office/drawing/2010/main" val="0"/>
+              </a:ext>
+              <a:ext uri="{96DAC541-7B7A-43D3-8B79-37D633B846F1}">
+                <asvg:svgBlip xmlns:asvg="http://schemas.microsoft.com/office/drawing/2016/SVG/main" r:embed="rId3"/>
+              </a:ext>
+            </a:extLst>
+          </a:blip>
+          <a:stretch>
+            <a:fillRect/>
+          </a:stretch>
+        </p:blipFill>
+        <p:spPr>
+          <a:xfrm>
+            <a:off x="4211960" y="4509120"/>
+            <a:ext cx="1459083" cy="1459083"/>
+          </a:xfrm>
+          <a:prstGeom prst="rect">
+            <a:avLst/>
+          </a:prstGeom>
+        </p:spPr>
+      </p:pic>
+      <p:pic>
+        <p:nvPicPr>
+          <p:cNvPr id="8" name="Inhaltsplatzhalter 4" descr="Frau">
+            <a:extLst>
+              <a:ext uri="{FF2B5EF4-FFF2-40B4-BE49-F238E27FC236}">
+                <a16:creationId xmlns:a16="http://schemas.microsoft.com/office/drawing/2014/main" id="{DCF4BD2B-4606-4FF1-80F1-DB034364173E}"/>
+              </a:ext>
+            </a:extLst>
+          </p:cNvPr>
+          <p:cNvPicPr>
+            <a:picLocks noChangeAspect="1"/>
+          </p:cNvPicPr>
+          <p:nvPr/>
+        </p:nvPicPr>
+        <p:blipFill>
+          <a:blip r:embed="rId2">
+            <a:extLst>
+              <a:ext uri="{28A0092B-C50C-407E-A947-70E740481C1C}">
+                <a14:useLocalDpi xmlns:a14="http://schemas.microsoft.com/office/drawing/2010/main" val="0"/>
+              </a:ext>
+              <a:ext uri="{96DAC541-7B7A-43D3-8B79-37D633B846F1}">
+                <asvg:svgBlip xmlns:asvg="http://schemas.microsoft.com/office/drawing/2016/SVG/main" r:embed="rId3"/>
+              </a:ext>
+            </a:extLst>
+          </a:blip>
+          <a:stretch>
+            <a:fillRect/>
+          </a:stretch>
+        </p:blipFill>
+        <p:spPr>
+          <a:xfrm>
+            <a:off x="4965587" y="4509119"/>
+            <a:ext cx="1459083" cy="1459083"/>
+          </a:xfrm>
+          <a:prstGeom prst="rect">
+            <a:avLst/>
+          </a:prstGeom>
+        </p:spPr>
+      </p:pic>
+      <p:pic>
+        <p:nvPicPr>
+          <p:cNvPr id="9" name="Inhaltsplatzhalter 4" descr="Frau">
+            <a:extLst>
+              <a:ext uri="{FF2B5EF4-FFF2-40B4-BE49-F238E27FC236}">
+                <a16:creationId xmlns:a16="http://schemas.microsoft.com/office/drawing/2014/main" id="{078F6CCE-90EB-49ED-A06A-68863FFE816C}"/>
+              </a:ext>
+            </a:extLst>
+          </p:cNvPr>
+          <p:cNvPicPr>
+            <a:picLocks noChangeAspect="1"/>
+          </p:cNvPicPr>
+          <p:nvPr/>
+        </p:nvPicPr>
+        <p:blipFill>
+          <a:blip r:embed="rId2">
+            <a:extLst>
+              <a:ext uri="{28A0092B-C50C-407E-A947-70E740481C1C}">
+                <a14:useLocalDpi xmlns:a14="http://schemas.microsoft.com/office/drawing/2010/main" val="0"/>
+              </a:ext>
+              <a:ext uri="{96DAC541-7B7A-43D3-8B79-37D633B846F1}">
+                <asvg:svgBlip xmlns:asvg="http://schemas.microsoft.com/office/drawing/2016/SVG/main" r:embed="rId3"/>
+              </a:ext>
+            </a:extLst>
+          </a:blip>
+          <a:stretch>
+            <a:fillRect/>
+          </a:stretch>
+        </p:blipFill>
+        <p:spPr>
+          <a:xfrm>
+            <a:off x="1931680" y="4509122"/>
+            <a:ext cx="1459083" cy="1459083"/>
+          </a:xfrm>
+          <a:prstGeom prst="rect">
+            <a:avLst/>
+          </a:prstGeom>
+        </p:spPr>
+      </p:pic>
+      <p:sp>
+        <p:nvSpPr>
+          <p:cNvPr id="10" name="Denkblase: wolkenförmig 9">
+            <a:extLst>
+              <a:ext uri="{FF2B5EF4-FFF2-40B4-BE49-F238E27FC236}">
+                <a16:creationId xmlns:a16="http://schemas.microsoft.com/office/drawing/2014/main" id="{6BA39F53-1530-4645-A9E2-F56920657475}"/>
+              </a:ext>
+            </a:extLst>
+          </p:cNvPr>
+          <p:cNvSpPr/>
+          <p:nvPr/>
+        </p:nvSpPr>
+        <p:spPr>
+          <a:xfrm flipH="1">
+            <a:off x="539552" y="1534273"/>
+            <a:ext cx="3456383" cy="2247265"/>
+          </a:xfrm>
+          <a:prstGeom prst="cloudCallout">
+            <a:avLst>
+              <a:gd name="adj1" fmla="val -42768"/>
+              <a:gd name="adj2" fmla="val 77205"/>
+            </a:avLst>
+          </a:prstGeom>
+          <a:noFill/>
+          <a:ln w="28575" cap="flat" cmpd="sng" algn="ctr">
+            <a:solidFill>
+              <a:schemeClr val="accent1"/>
+            </a:solidFill>
+            <a:prstDash val="solid"/>
+            <a:round/>
+            <a:headEnd type="none" w="med" len="med"/>
+            <a:tailEnd type="none" w="med" len="med"/>
+          </a:ln>
+        </p:spPr>
+        <p:style>
+          <a:lnRef idx="0">
+            <a:scrgbClr r="0" g="0" b="0"/>
+          </a:lnRef>
+          <a:fillRef idx="0">
+            <a:scrgbClr r="0" g="0" b="0"/>
+          </a:fillRef>
+          <a:effectRef idx="0">
+            <a:scrgbClr r="0" g="0" b="0"/>
+          </a:effectRef>
+          <a:fontRef idx="minor">
+            <a:schemeClr val="accent1"/>
+          </a:fontRef>
+        </p:style>
+        <p:txBody>
+          <a:bodyPr rtlCol="0" anchor="ctr"/>
+          <a:lstStyle/>
+          <a:p>
+            <a:pPr algn="ctr"/>
+            <a:endParaRPr lang="de-DE" dirty="0"/>
+          </a:p>
+        </p:txBody>
+      </p:sp>
+      <p:sp>
+        <p:nvSpPr>
+          <p:cNvPr id="11" name="Textfeld 10">
+            <a:extLst>
+              <a:ext uri="{FF2B5EF4-FFF2-40B4-BE49-F238E27FC236}">
+                <a16:creationId xmlns:a16="http://schemas.microsoft.com/office/drawing/2014/main" id="{770AEFF5-07F2-45EC-B1D4-6BC0F00A736E}"/>
+              </a:ext>
+            </a:extLst>
+          </p:cNvPr>
+          <p:cNvSpPr txBox="1"/>
+          <p:nvPr/>
+        </p:nvSpPr>
+        <p:spPr>
+          <a:xfrm>
+            <a:off x="884117" y="1783968"/>
+            <a:ext cx="2767251" cy="1633887"/>
+          </a:xfrm>
+          <a:prstGeom prst="rect">
+            <a:avLst/>
+          </a:prstGeom>
+          <a:noFill/>
+        </p:spPr>
+        <p:txBody>
+          <a:bodyPr wrap="square" rtlCol="0">
+            <a:spAutoFit/>
+          </a:bodyPr>
+          <a:lstStyle/>
+          <a:p>
+            <a:r>
+              <a:rPr lang="de-DE" sz="2000" dirty="0"/>
+              <a:t>Wenig Erfahrung mit Android und Team-</a:t>
+            </a:r>
+          </a:p>
+          <a:p>
+            <a:r>
+              <a:rPr lang="de-DE" sz="2000" dirty="0"/>
+              <a:t>      Programmierung…</a:t>
+            </a:r>
+          </a:p>
+          <a:p>
+            <a:r>
+              <a:rPr lang="de-DE" sz="2000" dirty="0"/>
+              <a:t>          Wenig Zeit</a:t>
+            </a:r>
+          </a:p>
+          <a:p>
+            <a:r>
+              <a:rPr lang="de-DE" sz="2000" dirty="0"/>
+              <a:t>              zum  Treffen…</a:t>
+            </a:r>
+          </a:p>
+        </p:txBody>
+      </p:sp>
+      <p:sp>
+        <p:nvSpPr>
+          <p:cNvPr id="12" name="Denkblase: wolkenförmig 11">
+            <a:extLst>
+              <a:ext uri="{FF2B5EF4-FFF2-40B4-BE49-F238E27FC236}">
+                <a16:creationId xmlns:a16="http://schemas.microsoft.com/office/drawing/2014/main" id="{600AA49D-88C9-4AC6-87E1-5182ED69E2F6}"/>
+              </a:ext>
+            </a:extLst>
+          </p:cNvPr>
+          <p:cNvSpPr/>
+          <p:nvPr/>
+        </p:nvSpPr>
+        <p:spPr>
+          <a:xfrm>
+            <a:off x="4788024" y="1468430"/>
+            <a:ext cx="3024336" cy="2204509"/>
+          </a:xfrm>
+          <a:prstGeom prst="cloudCallout">
+            <a:avLst>
+              <a:gd name="adj1" fmla="val -42768"/>
+              <a:gd name="adj2" fmla="val 77205"/>
+            </a:avLst>
+          </a:prstGeom>
+          <a:noFill/>
+          <a:ln w="28575" cap="flat" cmpd="sng" algn="ctr">
+            <a:solidFill>
+              <a:schemeClr val="accent1"/>
+            </a:solidFill>
+            <a:prstDash val="solid"/>
+            <a:round/>
+            <a:headEnd type="none" w="med" len="med"/>
+            <a:tailEnd type="none" w="med" len="med"/>
+          </a:ln>
+        </p:spPr>
+        <p:style>
+          <a:lnRef idx="0">
+            <a:scrgbClr r="0" g="0" b="0"/>
+          </a:lnRef>
+          <a:fillRef idx="0">
+            <a:scrgbClr r="0" g="0" b="0"/>
+          </a:fillRef>
+          <a:effectRef idx="0">
+            <a:scrgbClr r="0" g="0" b="0"/>
+          </a:effectRef>
+          <a:fontRef idx="minor">
+            <a:schemeClr val="accent1"/>
+          </a:fontRef>
+        </p:style>
+        <p:txBody>
+          <a:bodyPr rtlCol="0" anchor="ctr"/>
+          <a:lstStyle/>
+          <a:p>
+            <a:pPr algn="ctr"/>
+            <a:endParaRPr lang="de-DE"/>
+          </a:p>
+        </p:txBody>
+      </p:sp>
+      <p:sp>
+        <p:nvSpPr>
+          <p:cNvPr id="13" name="Textfeld 12">
+            <a:extLst>
+              <a:ext uri="{FF2B5EF4-FFF2-40B4-BE49-F238E27FC236}">
+                <a16:creationId xmlns:a16="http://schemas.microsoft.com/office/drawing/2014/main" id="{7ACCF427-47A9-4FB7-9BAB-C0A2705141AA}"/>
+              </a:ext>
+            </a:extLst>
+          </p:cNvPr>
+          <p:cNvSpPr txBox="1"/>
+          <p:nvPr/>
+        </p:nvSpPr>
+        <p:spPr>
+          <a:xfrm>
+            <a:off x="5149056" y="1883568"/>
+            <a:ext cx="2551227" cy="1323439"/>
+          </a:xfrm>
+          <a:prstGeom prst="rect">
+            <a:avLst/>
+          </a:prstGeom>
+          <a:noFill/>
+        </p:spPr>
+        <p:txBody>
+          <a:bodyPr wrap="square" rtlCol="0">
+            <a:spAutoFit/>
+          </a:bodyPr>
+          <a:lstStyle/>
+          <a:p>
+            <a:r>
+              <a:rPr lang="de-DE" sz="2000" dirty="0"/>
+              <a:t>Gemeinsame Interessen…</a:t>
+            </a:r>
+          </a:p>
+          <a:p>
+            <a:r>
+              <a:rPr lang="de-DE" sz="2000" dirty="0"/>
+              <a:t>Viel Verständnis </a:t>
+            </a:r>
+          </a:p>
+          <a:p>
+            <a:r>
+              <a:rPr lang="de-DE" sz="2000" dirty="0"/>
+              <a:t>und  Unterstützung…</a:t>
+            </a:r>
+          </a:p>
+        </p:txBody>
+      </p:sp>
+      <p:pic>
+        <p:nvPicPr>
+          <p:cNvPr id="15" name="Grafik 14" descr="Daumen hoch">
+            <a:extLst>
+              <a:ext uri="{FF2B5EF4-FFF2-40B4-BE49-F238E27FC236}">
+                <a16:creationId xmlns:a16="http://schemas.microsoft.com/office/drawing/2014/main" id="{53067388-974F-4272-A4F5-C881D1A4FACD}"/>
+              </a:ext>
+            </a:extLst>
+          </p:cNvPr>
+          <p:cNvPicPr>
+            <a:picLocks noChangeAspect="1"/>
+          </p:cNvPicPr>
+          <p:nvPr/>
+        </p:nvPicPr>
+        <p:blipFill>
+          <a:blip r:embed="rId4">
+            <a:extLst>
+              <a:ext uri="{28A0092B-C50C-407E-A947-70E740481C1C}">
+                <a14:useLocalDpi xmlns:a14="http://schemas.microsoft.com/office/drawing/2010/main" val="0"/>
+              </a:ext>
+              <a:ext uri="{96DAC541-7B7A-43D3-8B79-37D633B846F1}">
+                <asvg:svgBlip xmlns:asvg="http://schemas.microsoft.com/office/drawing/2016/SVG/main" r:embed="rId5"/>
+              </a:ext>
+            </a:extLst>
+          </a:blip>
+          <a:stretch>
+            <a:fillRect/>
+          </a:stretch>
+        </p:blipFill>
+        <p:spPr>
+          <a:xfrm>
+            <a:off x="6732240" y="1801147"/>
+            <a:ext cx="679858" cy="679858"/>
+          </a:xfrm>
+          <a:prstGeom prst="rect">
+            <a:avLst/>
+          </a:prstGeom>
+        </p:spPr>
+      </p:pic>
+      <p:pic>
+        <p:nvPicPr>
+          <p:cNvPr id="16" name="Grafik 15" descr="Daumen hoch">
+            <a:extLst>
+              <a:ext uri="{FF2B5EF4-FFF2-40B4-BE49-F238E27FC236}">
+                <a16:creationId xmlns:a16="http://schemas.microsoft.com/office/drawing/2014/main" id="{3D8E31B4-B058-42ED-8143-375E74C2A008}"/>
+              </a:ext>
+            </a:extLst>
+          </p:cNvPr>
+          <p:cNvPicPr>
+            <a:picLocks noChangeAspect="1"/>
+          </p:cNvPicPr>
+          <p:nvPr/>
+        </p:nvPicPr>
+        <p:blipFill>
+          <a:blip r:embed="rId6">
+            <a:extLst>
+              <a:ext uri="{28A0092B-C50C-407E-A947-70E740481C1C}">
+                <a14:useLocalDpi xmlns:a14="http://schemas.microsoft.com/office/drawing/2010/main" val="0"/>
+              </a:ext>
+              <a:ext uri="{96DAC541-7B7A-43D3-8B79-37D633B846F1}">
+                <asvg:svgBlip xmlns:asvg="http://schemas.microsoft.com/office/drawing/2016/SVG/main" r:embed="rId7"/>
+              </a:ext>
+            </a:extLst>
+          </a:blip>
+          <a:stretch>
+            <a:fillRect/>
+          </a:stretch>
+        </p:blipFill>
+        <p:spPr>
+          <a:xfrm flipV="1">
+            <a:off x="3038641" y="2034424"/>
+            <a:ext cx="626561" cy="619303"/>
+          </a:xfrm>
+          <a:prstGeom prst="rect">
+            <a:avLst/>
+          </a:prstGeom>
+        </p:spPr>
+      </p:pic>
+    </p:spTree>
+    <p:extLst>
+      <p:ext uri="{BB962C8B-B14F-4D97-AF65-F5344CB8AC3E}">
+        <p14:creationId xmlns:p14="http://schemas.microsoft.com/office/powerpoint/2010/main" val="3738269158"/>
+      </p:ext>
+    </p:extLst>
+  </p:cSld>
+  <p:clrMapOvr>
+    <a:masterClrMapping/>
+  </p:clrMapOvr>
+</p:sld>
+</file>
+
+<file path=ppt/slides/slide5.xml><?xml version="1.0" encoding="utf-8"?>
+<p:sld xmlns:a="http://schemas.openxmlformats.org/drawingml/2006/main" xmlns:r="http://schemas.openxmlformats.org/officeDocument/2006/relationships" xmlns:p="http://schemas.openxmlformats.org/presentationml/2006/main">
+  <p:cSld>
+    <p:spTree>
+      <p:nvGrpSpPr>
+        <p:cNvPr id="1" name=""/>
+        <p:cNvGrpSpPr/>
+        <p:nvPr/>
+      </p:nvGrpSpPr>
+      <p:grpSpPr>
+        <a:xfrm>
+          <a:off x="0" y="0"/>
+          <a:ext cx="0" cy="0"/>
+          <a:chOff x="0" y="0"/>
+          <a:chExt cx="0" cy="0"/>
+        </a:xfrm>
+      </p:grpSpPr>
+      <p:sp>
+        <p:nvSpPr>
           <p:cNvPr id="2" name="Titel 1"/>
           <p:cNvSpPr>
             <a:spLocks noGrp="1"/>
@@ -14040,7 +14953,18 @@
           </a:bodyPr>
           <a:lstStyle/>
           <a:p>
-            <a:endParaRPr lang="de-DE" sz="4000" dirty="0"/>
+            <a:r>
+              <a:rPr lang="de-DE" sz="4000" dirty="0"/>
+              <a:t>Warum </a:t>
+            </a:r>
+            <a:r>
+              <a:rPr lang="de-DE" sz="4000" dirty="0" err="1"/>
+              <a:t>Fridget</a:t>
+            </a:r>
+            <a:r>
+              <a:rPr lang="de-DE" sz="4000" dirty="0"/>
+              <a:t>?</a:t>
+            </a:r>
           </a:p>
         </p:txBody>
       </p:sp>
@@ -14062,7 +14986,7 @@
         </p:spPr>
         <p:txBody>
           <a:bodyPr>
-            <a:normAutofit/>
+            <a:normAutofit lnSpcReduction="10000"/>
           </a:bodyPr>
           <a:lstStyle/>
           <a:p>
@@ -14072,10 +14996,56 @@
             <a:endParaRPr lang="de-DE" sz="1000" dirty="0"/>
           </a:p>
           <a:p>
-            <a:pPr marL="447675" indent="-447675"/>
+            <a:pPr marL="447675" indent="-447675" algn="ctr">
+              <a:buNone/>
+            </a:pPr>
             <a:r>
-              <a:rPr lang="de-DE" sz="3200" dirty="0"/>
-              <a:t>x</a:t>
+              <a:rPr lang="de-DE" sz="4800" dirty="0"/>
+              <a:t>„</a:t>
+            </a:r>
+            <a:r>
+              <a:rPr lang="de-DE" sz="4800" dirty="0" err="1"/>
+              <a:t>Fridge</a:t>
+            </a:r>
+            <a:r>
+              <a:rPr lang="de-DE" sz="4800" dirty="0"/>
+              <a:t>“ (Kühlschrank)  </a:t>
+            </a:r>
+          </a:p>
+          <a:p>
+            <a:pPr marL="447675" indent="-447675" algn="ctr">
+              <a:buNone/>
+            </a:pPr>
+            <a:r>
+              <a:rPr lang="de-DE" sz="4800" dirty="0"/>
+              <a:t>+  </a:t>
+            </a:r>
+          </a:p>
+          <a:p>
+            <a:pPr marL="447675" indent="-447675" algn="ctr">
+              <a:buNone/>
+            </a:pPr>
+            <a:r>
+              <a:rPr lang="de-DE" sz="4800" dirty="0"/>
+              <a:t>„Gadget“ (technisches Werkzeug) </a:t>
+            </a:r>
+          </a:p>
+          <a:p>
+            <a:pPr marL="447675" indent="-447675" algn="ctr">
+              <a:buNone/>
+            </a:pPr>
+            <a:r>
+              <a:rPr lang="de-DE" sz="4800" dirty="0"/>
+              <a:t>= </a:t>
+            </a:r>
+          </a:p>
+          <a:p>
+            <a:pPr marL="447675" indent="-447675">
+              <a:buNone/>
+            </a:pPr>
+            <a:r>
+              <a:rPr lang="de-DE" sz="4800" dirty="0"/>
+              <a:t>			FRIDGET! </a:t>
             </a:r>
           </a:p>
           <a:p>
@@ -14084,60 +15054,44 @@
             </a:pPr>
             <a:endParaRPr lang="de-DE" sz="1000" dirty="0"/>
           </a:p>
-          <a:p>
-            <a:pPr marL="447675" indent="-447675"/>
-            <a:r>
-              <a:rPr lang="de-DE" sz="3200" dirty="0"/>
-              <a:t>x</a:t>
-            </a:r>
-          </a:p>
-          <a:p>
-            <a:pPr marL="447675" indent="-447675">
-              <a:buNone/>
-            </a:pPr>
-            <a:endParaRPr lang="de-DE" sz="1000" dirty="0"/>
-          </a:p>
-          <a:p>
-            <a:pPr marL="447675" indent="-447675"/>
-            <a:r>
-              <a:rPr lang="de-DE" sz="3200" dirty="0"/>
-              <a:t>x</a:t>
-            </a:r>
-          </a:p>
-          <a:p>
-            <a:pPr marL="447675" indent="-447675">
-              <a:buNone/>
-            </a:pPr>
-            <a:endParaRPr lang="de-DE" sz="1000" dirty="0"/>
-          </a:p>
-          <a:p>
-            <a:pPr marL="447675" indent="-447675"/>
-            <a:r>
-              <a:rPr lang="de-DE" sz="3200" dirty="0"/>
-              <a:t>x</a:t>
-            </a:r>
-            <a:endParaRPr lang="de-DE" sz="1000" dirty="0"/>
-          </a:p>
-          <a:p>
-            <a:pPr marL="447675" indent="-447675">
-              <a:buNone/>
-            </a:pPr>
-            <a:endParaRPr lang="de-DE" sz="1000" dirty="0"/>
-          </a:p>
-          <a:p>
-            <a:pPr marL="447675" indent="-447675"/>
-            <a:r>
-              <a:rPr lang="de-DE" sz="3200" dirty="0"/>
-              <a:t>x</a:t>
-            </a:r>
-            <a:endParaRPr lang="de-DE" sz="1000" dirty="0"/>
-          </a:p>
-          <a:p>
-            <a:pPr marL="447675" indent="-447675"/>
-            <a:endParaRPr lang="de-DE" sz="1000" dirty="0"/>
-          </a:p>
         </p:txBody>
       </p:sp>
+      <p:pic>
+        <p:nvPicPr>
+          <p:cNvPr id="5" name="Grafik 4">
+            <a:extLst>
+              <a:ext uri="{FF2B5EF4-FFF2-40B4-BE49-F238E27FC236}">
+                <a16:creationId xmlns:a16="http://schemas.microsoft.com/office/drawing/2014/main" id="{6AC2D600-D934-48FC-ADAE-171A5F5F813E}"/>
+              </a:ext>
+            </a:extLst>
+          </p:cNvPr>
+          <p:cNvPicPr>
+            <a:picLocks noChangeAspect="1"/>
+          </p:cNvPicPr>
+          <p:nvPr/>
+        </p:nvPicPr>
+        <p:blipFill>
+          <a:blip r:embed="rId2">
+            <a:extLst>
+              <a:ext uri="{28A0092B-C50C-407E-A947-70E740481C1C}">
+                <a14:useLocalDpi xmlns:a14="http://schemas.microsoft.com/office/drawing/2010/main" val="0"/>
+              </a:ext>
+            </a:extLst>
+          </a:blip>
+          <a:stretch>
+            <a:fillRect/>
+          </a:stretch>
+        </p:blipFill>
+        <p:spPr>
+          <a:xfrm>
+            <a:off x="4788024" y="5085184"/>
+            <a:ext cx="1270289" cy="1270289"/>
+          </a:xfrm>
+          <a:prstGeom prst="rect">
+            <a:avLst/>
+          </a:prstGeom>
+        </p:spPr>
+      </p:pic>
     </p:spTree>
     <p:extLst>
       <p:ext uri="{BB962C8B-B14F-4D97-AF65-F5344CB8AC3E}">
@@ -14151,7 +15105,7 @@
 </p:sld>
 </file>
 
-<file path=ppt/slides/slide5.xml><?xml version="1.0" encoding="utf-8"?>
+<file path=ppt/slides/slide6.xml><?xml version="1.0" encoding="utf-8"?>
 <p:sld xmlns:a="http://schemas.openxmlformats.org/drawingml/2006/main" xmlns:r="http://schemas.openxmlformats.org/officeDocument/2006/relationships" xmlns:p="http://schemas.openxmlformats.org/presentationml/2006/main">
   <p:cSld>
     <p:spTree>
@@ -15186,7 +16140,7 @@
 </p:sld>
 </file>
 
-<file path=ppt/slides/slide6.xml><?xml version="1.0" encoding="utf-8"?>
+<file path=ppt/slides/slide7.xml><?xml version="1.0" encoding="utf-8"?>
 <p:sld xmlns:a="http://schemas.openxmlformats.org/drawingml/2006/main" xmlns:r="http://schemas.openxmlformats.org/officeDocument/2006/relationships" xmlns:p="http://schemas.openxmlformats.org/presentationml/2006/main">
   <p:cSld>
     <p:spTree>
@@ -15446,7 +16400,7 @@
 </p:sld>
 </file>
 
-<file path=ppt/slides/slide7.xml><?xml version="1.0" encoding="utf-8"?>
+<file path=ppt/slides/slide8.xml><?xml version="1.0" encoding="utf-8"?>
 <p:sld xmlns:a="http://schemas.openxmlformats.org/drawingml/2006/main" xmlns:r="http://schemas.openxmlformats.org/officeDocument/2006/relationships" xmlns:p="http://schemas.openxmlformats.org/presentationml/2006/main">
   <p:cSld>
     <p:spTree>
@@ -15623,7 +16577,7 @@
 </p:sld>
 </file>
 
-<file path=ppt/slides/slide8.xml><?xml version="1.0" encoding="utf-8"?>
+<file path=ppt/slides/slide9.xml><?xml version="1.0" encoding="utf-8"?>
 <p:sld xmlns:a="http://schemas.openxmlformats.org/drawingml/2006/main" xmlns:r="http://schemas.openxmlformats.org/officeDocument/2006/relationships" xmlns:p="http://schemas.openxmlformats.org/presentationml/2006/main">
   <p:cSld>
     <p:spTree>
@@ -16658,393 +17612,6 @@
 </p:sld>
 </file>
 
-<file path=ppt/slides/slide9.xml><?xml version="1.0" encoding="utf-8"?>
-<p:sld xmlns:a="http://schemas.openxmlformats.org/drawingml/2006/main" xmlns:r="http://schemas.openxmlformats.org/officeDocument/2006/relationships" xmlns:p="http://schemas.openxmlformats.org/presentationml/2006/main">
-  <p:cSld>
-    <p:spTree>
-      <p:nvGrpSpPr>
-        <p:cNvPr id="1" name=""/>
-        <p:cNvGrpSpPr/>
-        <p:nvPr/>
-      </p:nvGrpSpPr>
-      <p:grpSpPr>
-        <a:xfrm>
-          <a:off x="0" y="0"/>
-          <a:ext cx="0" cy="0"/>
-          <a:chOff x="0" y="0"/>
-          <a:chExt cx="0" cy="0"/>
-        </a:xfrm>
-      </p:grpSpPr>
-      <p:sp>
-        <p:nvSpPr>
-          <p:cNvPr id="2" name="Titel 1"/>
-          <p:cNvSpPr>
-            <a:spLocks noGrp="1"/>
-          </p:cNvSpPr>
-          <p:nvPr>
-            <p:ph type="title"/>
-          </p:nvPr>
-        </p:nvSpPr>
-        <p:spPr/>
-        <p:txBody>
-          <a:bodyPr>
-            <a:normAutofit/>
-          </a:bodyPr>
-          <a:lstStyle/>
-          <a:p>
-            <a:r>
-              <a:rPr lang="de-DE" sz="4000" dirty="0"/>
-              <a:t>Entwurfsphase</a:t>
-            </a:r>
-          </a:p>
-        </p:txBody>
-      </p:sp>
-      <p:sp>
-        <p:nvSpPr>
-          <p:cNvPr id="3" name="Inhaltsplatzhalter 2"/>
-          <p:cNvSpPr>
-            <a:spLocks noGrp="1"/>
-          </p:cNvSpPr>
-          <p:nvPr>
-            <p:ph sz="quarter" idx="1"/>
-          </p:nvPr>
-        </p:nvSpPr>
-        <p:spPr>
-          <a:xfrm>
-            <a:off x="457200" y="1600200"/>
-            <a:ext cx="7467600" cy="4900634"/>
-          </a:xfrm>
-        </p:spPr>
-        <p:txBody>
-          <a:bodyPr>
-            <a:normAutofit/>
-          </a:bodyPr>
-          <a:lstStyle/>
-          <a:p>
-            <a:pPr marL="447675" indent="-447675">
-              <a:buNone/>
-            </a:pPr>
-            <a:endParaRPr lang="de-DE" sz="1000" dirty="0"/>
-          </a:p>
-          <a:p>
-            <a:pPr marL="447675" indent="-447675"/>
-            <a:r>
-              <a:rPr lang="de-DE" sz="3200" dirty="0"/>
-              <a:t>Änderung: Zugangscode dauerhaft</a:t>
-            </a:r>
-          </a:p>
-          <a:p>
-            <a:pPr marL="447675" indent="-447675"/>
-            <a:endParaRPr lang="de-DE" sz="1000" dirty="0"/>
-          </a:p>
-          <a:p>
-            <a:pPr marL="447675" indent="-447675"/>
-            <a:r>
-              <a:rPr lang="de-DE" sz="3200" dirty="0"/>
-              <a:t>Entwurf</a:t>
-            </a:r>
-          </a:p>
-          <a:p>
-            <a:pPr marL="447675" indent="-447675">
-              <a:buNone/>
-            </a:pPr>
-            <a:endParaRPr lang="de-DE" sz="1000" dirty="0"/>
-          </a:p>
-          <a:p>
-            <a:pPr marL="0" indent="0">
-              <a:buNone/>
-            </a:pPr>
-            <a:endParaRPr lang="de-DE" sz="3200" dirty="0"/>
-          </a:p>
-          <a:p>
-            <a:pPr marL="447675" indent="-447675">
-              <a:buNone/>
-            </a:pPr>
-            <a:endParaRPr lang="de-DE" sz="1000" dirty="0"/>
-          </a:p>
-          <a:p>
-            <a:pPr marL="447675" indent="-447675">
-              <a:buNone/>
-            </a:pPr>
-            <a:endParaRPr lang="de-DE" sz="1000" dirty="0"/>
-          </a:p>
-          <a:p>
-            <a:pPr marL="447675" indent="-447675">
-              <a:buNone/>
-            </a:pPr>
-            <a:endParaRPr lang="de-DE" sz="1000" dirty="0"/>
-          </a:p>
-          <a:p>
-            <a:pPr marL="447675" indent="-447675">
-              <a:buNone/>
-            </a:pPr>
-            <a:endParaRPr lang="de-DE" sz="1000" dirty="0"/>
-          </a:p>
-          <a:p>
-            <a:pPr marL="447675" indent="-447675">
-              <a:buNone/>
-            </a:pPr>
-            <a:endParaRPr lang="de-DE" sz="1000" dirty="0"/>
-          </a:p>
-          <a:p>
-            <a:pPr marL="447675" indent="-447675"/>
-            <a:endParaRPr lang="de-DE" sz="1600" dirty="0"/>
-          </a:p>
-          <a:p>
-            <a:pPr marL="447675" indent="-447675"/>
-            <a:r>
-              <a:rPr lang="de-DE" sz="3200" dirty="0"/>
-              <a:t>Wöchentliches Treffen</a:t>
-            </a:r>
-            <a:endParaRPr lang="de-DE" sz="1000" dirty="0"/>
-          </a:p>
-          <a:p>
-            <a:pPr marL="447675" indent="-447675"/>
-            <a:endParaRPr lang="de-DE" sz="1000" dirty="0"/>
-          </a:p>
-        </p:txBody>
-      </p:sp>
-      <p:sp>
-        <p:nvSpPr>
-          <p:cNvPr id="4" name="Textfeld 3"/>
-          <p:cNvSpPr txBox="1"/>
-          <p:nvPr/>
-        </p:nvSpPr>
-        <p:spPr>
-          <a:xfrm>
-            <a:off x="1475656" y="3204131"/>
-            <a:ext cx="6147837" cy="1908215"/>
-          </a:xfrm>
-          <a:prstGeom prst="rect">
-            <a:avLst/>
-          </a:prstGeom>
-          <a:noFill/>
-          <a:ln>
-            <a:solidFill>
-              <a:schemeClr val="tx1"/>
-            </a:solidFill>
-          </a:ln>
-        </p:spPr>
-        <p:txBody>
-          <a:bodyPr wrap="none" rtlCol="0">
-            <a:spAutoFit/>
-          </a:bodyPr>
-          <a:lstStyle/>
-          <a:p>
-            <a:r>
-              <a:rPr lang="de-DE" sz="3200" dirty="0"/>
-              <a:t>  Client				Server   </a:t>
-            </a:r>
-          </a:p>
-          <a:p>
-            <a:endParaRPr lang="de-DE" dirty="0"/>
-          </a:p>
-          <a:p>
-            <a:endParaRPr lang="de-DE" dirty="0"/>
-          </a:p>
-          <a:p>
-            <a:endParaRPr lang="de-DE" dirty="0"/>
-          </a:p>
-          <a:p>
-            <a:r>
-              <a:rPr lang="de-DE" dirty="0"/>
-              <a:t> </a:t>
-            </a:r>
-            <a:r>
-              <a:rPr lang="de-DE" sz="3200" dirty="0"/>
-              <a:t>MVVM 				   MVC</a:t>
-            </a:r>
-          </a:p>
-        </p:txBody>
-      </p:sp>
-      <p:sp>
-        <p:nvSpPr>
-          <p:cNvPr id="5" name="Pfeil nach unten 4"/>
-          <p:cNvSpPr/>
-          <p:nvPr/>
-        </p:nvSpPr>
-        <p:spPr>
-          <a:xfrm>
-            <a:off x="2051720" y="3861048"/>
-            <a:ext cx="288032" cy="504056"/>
-          </a:xfrm>
-          <a:prstGeom prst="downArrow">
-            <a:avLst/>
-          </a:prstGeom>
-        </p:spPr>
-        <p:style>
-          <a:lnRef idx="2">
-            <a:schemeClr val="accent1">
-              <a:shade val="50000"/>
-            </a:schemeClr>
-          </a:lnRef>
-          <a:fillRef idx="1">
-            <a:schemeClr val="accent1"/>
-          </a:fillRef>
-          <a:effectRef idx="0">
-            <a:schemeClr val="accent1"/>
-          </a:effectRef>
-          <a:fontRef idx="minor">
-            <a:schemeClr val="lt1"/>
-          </a:fontRef>
-        </p:style>
-        <p:txBody>
-          <a:bodyPr rtlCol="0" anchor="ctr"/>
-          <a:lstStyle/>
-          <a:p>
-            <a:pPr algn="ctr"/>
-            <a:endParaRPr lang="de-DE"/>
-          </a:p>
-        </p:txBody>
-      </p:sp>
-      <p:sp>
-        <p:nvSpPr>
-          <p:cNvPr id="6" name="Pfeil nach unten 5"/>
-          <p:cNvSpPr/>
-          <p:nvPr/>
-        </p:nvSpPr>
-        <p:spPr>
-          <a:xfrm>
-            <a:off x="6588224" y="3861048"/>
-            <a:ext cx="288032" cy="504056"/>
-          </a:xfrm>
-          <a:prstGeom prst="downArrow">
-            <a:avLst/>
-          </a:prstGeom>
-        </p:spPr>
-        <p:style>
-          <a:lnRef idx="2">
-            <a:schemeClr val="accent1">
-              <a:shade val="50000"/>
-            </a:schemeClr>
-          </a:lnRef>
-          <a:fillRef idx="1">
-            <a:schemeClr val="accent1"/>
-          </a:fillRef>
-          <a:effectRef idx="0">
-            <a:schemeClr val="accent1"/>
-          </a:effectRef>
-          <a:fontRef idx="minor">
-            <a:schemeClr val="lt1"/>
-          </a:fontRef>
-        </p:style>
-        <p:txBody>
-          <a:bodyPr rtlCol="0" anchor="ctr"/>
-          <a:lstStyle/>
-          <a:p>
-            <a:pPr algn="ctr"/>
-            <a:endParaRPr lang="de-DE"/>
-          </a:p>
-        </p:txBody>
-      </p:sp>
-      <p:cxnSp>
-        <p:nvCxnSpPr>
-          <p:cNvPr id="9" name="Gerade Verbindung mit Pfeil 8"/>
-          <p:cNvCxnSpPr/>
-          <p:nvPr/>
-        </p:nvCxnSpPr>
-        <p:spPr>
-          <a:xfrm>
-            <a:off x="2843808" y="3429000"/>
-            <a:ext cx="3168352" cy="0"/>
-          </a:xfrm>
-          <a:prstGeom prst="straightConnector1">
-            <a:avLst/>
-          </a:prstGeom>
-          <a:ln>
-            <a:tailEnd type="triangle"/>
-          </a:ln>
-        </p:spPr>
-        <p:style>
-          <a:lnRef idx="1">
-            <a:schemeClr val="accent1"/>
-          </a:lnRef>
-          <a:fillRef idx="0">
-            <a:schemeClr val="accent1"/>
-          </a:fillRef>
-          <a:effectRef idx="0">
-            <a:schemeClr val="accent1"/>
-          </a:effectRef>
-          <a:fontRef idx="minor">
-            <a:schemeClr val="tx1"/>
-          </a:fontRef>
-        </p:style>
-      </p:cxnSp>
-      <p:cxnSp>
-        <p:nvCxnSpPr>
-          <p:cNvPr id="10" name="Gerade Verbindung mit Pfeil 9"/>
-          <p:cNvCxnSpPr/>
-          <p:nvPr/>
-        </p:nvCxnSpPr>
-        <p:spPr>
-          <a:xfrm flipH="1">
-            <a:off x="2835176" y="3653870"/>
-            <a:ext cx="3168352" cy="8846"/>
-          </a:xfrm>
-          <a:prstGeom prst="straightConnector1">
-            <a:avLst/>
-          </a:prstGeom>
-          <a:ln>
-            <a:tailEnd type="triangle"/>
-          </a:ln>
-        </p:spPr>
-        <p:style>
-          <a:lnRef idx="1">
-            <a:schemeClr val="accent1"/>
-          </a:lnRef>
-          <a:fillRef idx="0">
-            <a:schemeClr val="accent1"/>
-          </a:fillRef>
-          <a:effectRef idx="0">
-            <a:schemeClr val="accent1"/>
-          </a:effectRef>
-          <a:fontRef idx="minor">
-            <a:schemeClr val="tx1"/>
-          </a:fontRef>
-        </p:style>
-      </p:cxnSp>
-      <p:sp>
-        <p:nvSpPr>
-          <p:cNvPr id="13" name="Textfeld 12"/>
-          <p:cNvSpPr txBox="1"/>
-          <p:nvPr/>
-        </p:nvSpPr>
-        <p:spPr>
-          <a:xfrm>
-            <a:off x="3635896" y="3284984"/>
-            <a:ext cx="1656184" cy="461665"/>
-          </a:xfrm>
-          <a:prstGeom prst="rect">
-            <a:avLst/>
-          </a:prstGeom>
-          <a:noFill/>
-        </p:spPr>
-        <p:txBody>
-          <a:bodyPr wrap="square" rtlCol="0">
-            <a:spAutoFit/>
-          </a:bodyPr>
-          <a:lstStyle/>
-          <a:p>
-            <a:r>
-              <a:rPr lang="de-DE" sz="2400" dirty="0"/>
-              <a:t>HTTP-Calls</a:t>
-            </a:r>
-          </a:p>
-        </p:txBody>
-      </p:sp>
-    </p:spTree>
-    <p:extLst>
-      <p:ext uri="{BB962C8B-B14F-4D97-AF65-F5344CB8AC3E}">
-        <p14:creationId xmlns:p14="http://schemas.microsoft.com/office/powerpoint/2010/main" val="1925524024"/>
-      </p:ext>
-    </p:extLst>
-  </p:cSld>
-  <p:clrMapOvr>
-    <a:masterClrMapping/>
-  </p:clrMapOvr>
-</p:sld>
-</file>
-
 <file path=ppt/theme/theme1.xml><?xml version="1.0" encoding="utf-8"?>
 <a:theme xmlns:a="http://schemas.openxmlformats.org/drawingml/2006/main" name="Nereus">
   <a:themeElements>

--- a/documentation/Abschluss/Abschlusspräsentation.pptx
+++ b/documentation/Abschluss/Abschlusspräsentation.pptx
@@ -13958,35 +13958,57 @@
           <a:lstStyle/>
           <a:p>
             <a:r>
-              <a:rPr lang="de-DE" sz="4000" dirty="0" err="1"/>
+              <a:rPr lang="de-DE" sz="4000"/>
               <a:t>Einleitungs</a:t>
             </a:r>
             <a:r>
               <a:rPr lang="de-DE" sz="4000" dirty="0"/>
-              <a:t> Animation</a:t>
+              <a:t>-</a:t>
             </a:r>
+            <a:r>
+              <a:rPr lang="de-DE" sz="4000"/>
+              <a:t>Animation</a:t>
+            </a:r>
+            <a:endParaRPr lang="de-DE" sz="4000" dirty="0"/>
           </a:p>
         </p:txBody>
       </p:sp>
-      <p:sp>
-        <p:nvSpPr>
-          <p:cNvPr id="4" name="Inhaltsplatzhalter 3"/>
-          <p:cNvSpPr>
-            <a:spLocks noGrp="1"/>
-          </p:cNvSpPr>
+      <p:pic>
+        <p:nvPicPr>
+          <p:cNvPr id="3" name="abschluss">
+            <a:hlinkClick r:id="" action="ppaction://media"/>
+            <a:extLst>
+              <a:ext uri="{FF2B5EF4-FFF2-40B4-BE49-F238E27FC236}">
+                <a16:creationId xmlns:a16="http://schemas.microsoft.com/office/drawing/2014/main" id="{2C42DB09-1A9D-4045-ACA4-1E5B54C0D122}"/>
+              </a:ext>
+            </a:extLst>
+          </p:cNvPr>
+          <p:cNvPicPr>
+            <a:picLocks noGrp="1" noChangeAspect="1"/>
+          </p:cNvPicPr>
           <p:nvPr>
             <p:ph sz="quarter" idx="1"/>
+            <a:videoFile r:link="rId2"/>
+            <p:extLst>
+              <p:ext uri="{DAA4B4D4-6D71-4841-9C94-3DE7FCFB9230}">
+                <p14:media xmlns:p14="http://schemas.microsoft.com/office/powerpoint/2010/main" r:embed="rId1"/>
+              </p:ext>
+            </p:extLst>
           </p:nvPr>
-        </p:nvSpPr>
-        <p:spPr/>
-        <p:txBody>
-          <a:bodyPr/>
-          <a:lstStyle/>
-          <a:p>
-            <a:endParaRPr lang="de-DE" dirty="0"/>
-          </a:p>
-        </p:txBody>
-      </p:sp>
+        </p:nvPicPr>
+        <p:blipFill>
+          <a:blip r:embed="rId4"/>
+          <a:stretch>
+            <a:fillRect/>
+          </a:stretch>
+        </p:blipFill>
+        <p:spPr>
+          <a:xfrm>
+            <a:off x="0" y="1482737"/>
+            <a:ext cx="9143999" cy="5100625"/>
+          </a:xfrm>
+        </p:spPr>
+      </p:pic>
     </p:spTree>
     <p:extLst>
       <p:ext uri="{BB962C8B-B14F-4D97-AF65-F5344CB8AC3E}">
@@ -13997,6 +14019,141 @@
   <p:clrMapOvr>
     <a:masterClrMapping/>
   </p:clrMapOvr>
+  <p:timing>
+    <p:tnLst>
+      <p:par>
+        <p:cTn id="1" dur="indefinite" restart="never" nodeType="tmRoot">
+          <p:childTnLst>
+            <p:seq concurrent="1" nextAc="seek">
+              <p:cTn id="2" dur="indefinite" nodeType="mainSeq">
+                <p:childTnLst>
+                  <p:par>
+                    <p:cTn id="3" fill="hold">
+                      <p:stCondLst>
+                        <p:cond delay="indefinite"/>
+                      </p:stCondLst>
+                      <p:childTnLst>
+                        <p:par>
+                          <p:cTn id="4" fill="hold">
+                            <p:stCondLst>
+                              <p:cond delay="0"/>
+                            </p:stCondLst>
+                            <p:childTnLst>
+                              <p:par>
+                                <p:cTn id="5" presetID="1" presetClass="mediacall" presetSubtype="0" fill="hold" nodeType="clickEffect">
+                                  <p:stCondLst>
+                                    <p:cond delay="0"/>
+                                  </p:stCondLst>
+                                  <p:childTnLst>
+                                    <p:cmd type="call" cmd="playFrom(0.0)">
+                                      <p:cBhvr>
+                                        <p:cTn id="6" dur="39317" fill="hold"/>
+                                        <p:tgtEl>
+                                          <p:spTgt spid="3"/>
+                                        </p:tgtEl>
+                                      </p:cBhvr>
+                                    </p:cmd>
+                                  </p:childTnLst>
+                                </p:cTn>
+                              </p:par>
+                            </p:childTnLst>
+                          </p:cTn>
+                        </p:par>
+                      </p:childTnLst>
+                    </p:cTn>
+                  </p:par>
+                </p:childTnLst>
+              </p:cTn>
+              <p:prevCondLst>
+                <p:cond evt="onPrev" delay="0">
+                  <p:tgtEl>
+                    <p:sldTgt/>
+                  </p:tgtEl>
+                </p:cond>
+              </p:prevCondLst>
+              <p:nextCondLst>
+                <p:cond evt="onNext" delay="0">
+                  <p:tgtEl>
+                    <p:sldTgt/>
+                  </p:tgtEl>
+                </p:cond>
+              </p:nextCondLst>
+            </p:seq>
+            <p:video>
+              <p:cMediaNode vol="80000">
+                <p:cTn id="7" fill="hold" display="0">
+                  <p:stCondLst>
+                    <p:cond delay="indefinite"/>
+                  </p:stCondLst>
+                </p:cTn>
+                <p:tgtEl>
+                  <p:spTgt spid="3"/>
+                </p:tgtEl>
+              </p:cMediaNode>
+            </p:video>
+            <p:seq concurrent="1" nextAc="seek">
+              <p:cTn id="8" restart="whenNotActive" fill="hold" evtFilter="cancelBubble" nodeType="interactiveSeq">
+                <p:stCondLst>
+                  <p:cond evt="onClick" delay="0">
+                    <p:tgtEl>
+                      <p:spTgt spid="3"/>
+                    </p:tgtEl>
+                  </p:cond>
+                </p:stCondLst>
+                <p:endSync evt="end" delay="0">
+                  <p:rtn val="all"/>
+                </p:endSync>
+                <p:childTnLst>
+                  <p:par>
+                    <p:cTn id="9" fill="hold">
+                      <p:stCondLst>
+                        <p:cond delay="0"/>
+                      </p:stCondLst>
+                      <p:childTnLst>
+                        <p:par>
+                          <p:cTn id="10" fill="hold">
+                            <p:stCondLst>
+                              <p:cond delay="0"/>
+                            </p:stCondLst>
+                            <p:childTnLst>
+                              <p:par>
+                                <p:cTn id="11" presetID="2" presetClass="mediacall" presetSubtype="0" fill="hold" nodeType="clickEffect">
+                                  <p:stCondLst>
+                                    <p:cond delay="0"/>
+                                  </p:stCondLst>
+                                  <p:childTnLst>
+                                    <p:cmd type="call" cmd="togglePause">
+                                      <p:cBhvr>
+                                        <p:cTn id="12" dur="1" fill="hold"/>
+                                        <p:tgtEl>
+                                          <p:spTgt spid="3"/>
+                                        </p:tgtEl>
+                                      </p:cBhvr>
+                                    </p:cmd>
+                                  </p:childTnLst>
+                                </p:cTn>
+                              </p:par>
+                            </p:childTnLst>
+                          </p:cTn>
+                        </p:par>
+                      </p:childTnLst>
+                    </p:cTn>
+                  </p:par>
+                </p:childTnLst>
+              </p:cTn>
+              <p:nextCondLst>
+                <p:cond evt="onClick" delay="0">
+                  <p:tgtEl>
+                    <p:spTgt spid="3"/>
+                  </p:tgtEl>
+                </p:cond>
+              </p:nextCondLst>
+            </p:seq>
+          </p:childTnLst>
+        </p:cTn>
+      </p:par>
+    </p:tnLst>
+  </p:timing>
 </p:sld>
 </file>
 

--- a/documentation/Abschluss/Abschlusspräsentation.pptx
+++ b/documentation/Abschluss/Abschlusspräsentation.pptx
@@ -11,19 +11,20 @@
     <p:sldId id="280" r:id="rId5"/>
     <p:sldId id="266" r:id="rId6"/>
     <p:sldId id="268" r:id="rId7"/>
-    <p:sldId id="267" r:id="rId8"/>
-    <p:sldId id="279" r:id="rId9"/>
-    <p:sldId id="269" r:id="rId10"/>
-    <p:sldId id="272" r:id="rId11"/>
-    <p:sldId id="270" r:id="rId12"/>
-    <p:sldId id="273" r:id="rId13"/>
-    <p:sldId id="271" r:id="rId14"/>
-    <p:sldId id="274" r:id="rId15"/>
-    <p:sldId id="277" r:id="rId16"/>
-    <p:sldId id="275" r:id="rId17"/>
-    <p:sldId id="278" r:id="rId18"/>
-    <p:sldId id="276" r:id="rId19"/>
-    <p:sldId id="264" r:id="rId20"/>
+    <p:sldId id="281" r:id="rId8"/>
+    <p:sldId id="282" r:id="rId9"/>
+    <p:sldId id="283" r:id="rId10"/>
+    <p:sldId id="269" r:id="rId11"/>
+    <p:sldId id="272" r:id="rId12"/>
+    <p:sldId id="270" r:id="rId13"/>
+    <p:sldId id="273" r:id="rId14"/>
+    <p:sldId id="271" r:id="rId15"/>
+    <p:sldId id="274" r:id="rId16"/>
+    <p:sldId id="277" r:id="rId17"/>
+    <p:sldId id="275" r:id="rId18"/>
+    <p:sldId id="278" r:id="rId19"/>
+    <p:sldId id="276" r:id="rId20"/>
+    <p:sldId id="264" r:id="rId21"/>
   </p:sldIdLst>
   <p:sldSz cx="9144000" cy="6858000" type="screen4x3"/>
   <p:notesSz cx="6858000" cy="9144000"/>
@@ -124,7 +125,7 @@
   </p:defaultTextStyle>
   <p:extLst>
     <p:ext uri="{EFAFB233-063F-42B5-8137-9DF3F51BA10A}">
-      <p15:sldGuideLst xmlns:p15="http://schemas.microsoft.com/office/powerpoint/2012/main">
+      <p15:sldGuideLst xmlns:p15="http://schemas.microsoft.com/office/powerpoint/2012/main" xmlns="">
         <p15:guide id="1" orient="horz" pos="2160">
           <p15:clr>
             <a:srgbClr val="A4A3A4"/>
@@ -142,18 +143,8 @@
 </file>
 
 <file path=ppt/charts/chart1.xml><?xml version="1.0" encoding="utf-8"?>
-<c:chartSpace xmlns:c="http://schemas.openxmlformats.org/drawingml/2006/chart" xmlns:a="http://schemas.openxmlformats.org/drawingml/2006/main" xmlns:r="http://schemas.openxmlformats.org/officeDocument/2006/relationships" xmlns:c16r2="http://schemas.microsoft.com/office/drawing/2015/06/chart">
-  <c:date1904 val="0"/>
+<c:chartSpace xmlns:c="http://schemas.openxmlformats.org/drawingml/2006/chart" xmlns:a="http://schemas.openxmlformats.org/drawingml/2006/main" xmlns:r="http://schemas.openxmlformats.org/officeDocument/2006/relationships">
   <c:lang val="de-DE"/>
-  <c:roundedCorners val="0"/>
-  <mc:AlternateContent xmlns:mc="http://schemas.openxmlformats.org/markup-compatibility/2006">
-    <mc:Choice xmlns:c14="http://schemas.microsoft.com/office/drawing/2007/8/2/chart" Requires="c14">
-      <c14:style val="102"/>
-    </mc:Choice>
-    <mc:Fallback>
-      <c:style val="2"/>
-    </mc:Fallback>
-  </mc:AlternateContent>
   <c:chart>
     <c:title>
       <c:tx>
@@ -181,7 +172,7 @@
           </a:p>
         </c:rich>
       </c:tx>
-      <c:overlay val="0"/>
+      <c:layout/>
       <c:spPr>
         <a:noFill/>
         <a:ln>
@@ -189,34 +180,12 @@
         </a:ln>
         <a:effectLst/>
       </c:spPr>
-      <c:txPr>
-        <a:bodyPr rot="0" spcFirstLastPara="1" vertOverflow="ellipsis" vert="horz" wrap="square" anchor="ctr" anchorCtr="1"/>
-        <a:lstStyle/>
-        <a:p>
-          <a:pPr>
-            <a:defRPr sz="1862" b="0" i="0" u="none" strike="noStrike" kern="1200" spc="0" baseline="0">
-              <a:solidFill>
-                <a:schemeClr val="tx1">
-                  <a:lumMod val="65000"/>
-                  <a:lumOff val="35000"/>
-                </a:schemeClr>
-              </a:solidFill>
-              <a:latin typeface="+mn-lt"/>
-              <a:ea typeface="+mn-ea"/>
-              <a:cs typeface="+mn-cs"/>
-            </a:defRPr>
-          </a:pPr>
-          <a:endParaRPr lang="de-DE"/>
-        </a:p>
-      </c:txPr>
     </c:title>
-    <c:autoTitleDeleted val="0"/>
     <c:plotArea>
       <c:layout/>
       <c:barChart>
         <c:barDir val="bar"/>
         <c:grouping val="clustered"/>
-        <c:varyColors val="0"/>
         <c:ser>
           <c:idx val="0"/>
           <c:order val="0"/>
@@ -240,7 +209,6 @@
             </a:ln>
             <a:effectLst/>
           </c:spPr>
-          <c:invertIfNegative val="0"/>
           <c:cat>
             <c:strRef>
               <c:f>Tabelle1!$A$2:$A$7</c:f>
@@ -294,34 +262,25 @@
               </c:numCache>
             </c:numRef>
           </c:val>
-          <c:extLst>
+          <c:extLst xmlns:c16r2="http://schemas.microsoft.com/office/drawing/2015/06/chart">
             <c:ext xmlns:c16="http://schemas.microsoft.com/office/drawing/2014/chart" uri="{C3380CC4-5D6E-409C-BE32-E72D297353CC}">
               <c16:uniqueId val="{00000000-5253-460E-879C-581206D8B81C}"/>
             </c:ext>
           </c:extLst>
         </c:ser>
-        <c:dLbls>
-          <c:showLegendKey val="0"/>
-          <c:showVal val="0"/>
-          <c:showCatName val="0"/>
-          <c:showSerName val="0"/>
-          <c:showPercent val="0"/>
-          <c:showBubbleSize val="0"/>
-        </c:dLbls>
+        <c:dLbls/>
         <c:gapWidth val="182"/>
-        <c:axId val="-2101986032"/>
-        <c:axId val="-2101982640"/>
+        <c:axId val="167525760"/>
+        <c:axId val="131961984"/>
       </c:barChart>
       <c:catAx>
-        <c:axId val="-2101986032"/>
+        <c:axId val="167525760"/>
         <c:scaling>
           <c:orientation val="minMax"/>
         </c:scaling>
-        <c:delete val="0"/>
         <c:axPos val="l"/>
         <c:numFmt formatCode="General" sourceLinked="1"/>
         <c:majorTickMark val="none"/>
-        <c:minorTickMark val="none"/>
         <c:tickLblPos val="nextTo"/>
         <c:spPr>
           <a:noFill/>
@@ -356,21 +315,19 @@
             <a:endParaRPr lang="de-DE"/>
           </a:p>
         </c:txPr>
-        <c:crossAx val="-2101982640"/>
+        <c:crossAx val="131961984"/>
         <c:crosses val="autoZero"/>
         <c:auto val="1"/>
         <c:lblAlgn val="ctr"/>
         <c:lblOffset val="100"/>
-        <c:noMultiLvlLbl val="0"/>
       </c:catAx>
       <c:valAx>
-        <c:axId val="-2101982640"/>
+        <c:axId val="131961984"/>
         <c:scaling>
           <c:orientation val="minMax"/>
           <c:max val="7"/>
           <c:min val="1"/>
         </c:scaling>
-        <c:delete val="0"/>
         <c:axPos val="b"/>
         <c:majorGridlines>
           <c:spPr>
@@ -388,7 +345,6 @@
         </c:majorGridlines>
         <c:numFmt formatCode="General" sourceLinked="1"/>
         <c:majorTickMark val="none"/>
-        <c:minorTickMark val="none"/>
         <c:tickLblPos val="nextTo"/>
         <c:spPr>
           <a:noFill/>
@@ -417,7 +373,7 @@
             <a:endParaRPr lang="de-DE"/>
           </a:p>
         </c:txPr>
-        <c:crossAx val="-2101986032"/>
+        <c:crossAx val="167525760"/>
         <c:crosses val="autoZero"/>
         <c:crossBetween val="between"/>
       </c:valAx>
@@ -431,14 +387,13 @@
     </c:plotArea>
     <c:plotVisOnly val="1"/>
     <c:dispBlanksAs val="gap"/>
-    <c:extLst>
+    <c:extLst xmlns:c16r2="http://schemas.microsoft.com/office/drawing/2015/06/chart">
       <c:ext xmlns:c16r3="http://schemas.microsoft.com/office/drawing/2017/03/chart" uri="{56B9EC1D-385E-4148-901F-78D8002777C0}">
         <c16r3:dataDisplayOptions16>
           <c16r3:dispNaAsBlank val="1"/>
         </c16r3:dataDisplayOptions16>
       </c:ext>
     </c:extLst>
-    <c:showDLblsOverMax val="0"/>
   </c:chart>
   <c:spPr>
     <a:noFill/>
@@ -457,25 +412,13 @@
       <a:endParaRPr lang="de-DE"/>
     </a:p>
   </c:txPr>
-  <c:externalData r:id="rId3">
-    <c:autoUpdate val="0"/>
-  </c:externalData>
+  <c:externalData r:id="rId1"/>
 </c:chartSpace>
 </file>
 
 <file path=ppt/charts/chart2.xml><?xml version="1.0" encoding="utf-8"?>
-<c:chartSpace xmlns:c="http://schemas.openxmlformats.org/drawingml/2006/chart" xmlns:a="http://schemas.openxmlformats.org/drawingml/2006/main" xmlns:r="http://schemas.openxmlformats.org/officeDocument/2006/relationships" xmlns:c16r2="http://schemas.microsoft.com/office/drawing/2015/06/chart">
-  <c:date1904 val="0"/>
+<c:chartSpace xmlns:c="http://schemas.openxmlformats.org/drawingml/2006/chart" xmlns:a="http://schemas.openxmlformats.org/drawingml/2006/main" xmlns:r="http://schemas.openxmlformats.org/officeDocument/2006/relationships">
   <c:lang val="de-DE"/>
-  <c:roundedCorners val="0"/>
-  <mc:AlternateContent xmlns:mc="http://schemas.openxmlformats.org/markup-compatibility/2006">
-    <mc:Choice xmlns:c14="http://schemas.microsoft.com/office/drawing/2007/8/2/chart" Requires="c14">
-      <c14:style val="102"/>
-    </mc:Choice>
-    <mc:Fallback>
-      <c:style val="2"/>
-    </mc:Fallback>
-  </mc:AlternateContent>
   <c:chart>
     <c:title>
       <c:tx>
@@ -503,7 +446,7 @@
           </a:p>
         </c:rich>
       </c:tx>
-      <c:overlay val="0"/>
+      <c:layout/>
       <c:spPr>
         <a:noFill/>
         <a:ln>
@@ -511,44 +454,22 @@
         </a:ln>
         <a:effectLst/>
       </c:spPr>
-      <c:txPr>
-        <a:bodyPr rot="0" spcFirstLastPara="1" vertOverflow="ellipsis" vert="horz" wrap="square" anchor="ctr" anchorCtr="1"/>
-        <a:lstStyle/>
-        <a:p>
-          <a:pPr>
-            <a:defRPr sz="1862" b="0" i="0" u="none" strike="noStrike" kern="1200" spc="0" baseline="0">
-              <a:solidFill>
-                <a:schemeClr val="tx1">
-                  <a:lumMod val="65000"/>
-                  <a:lumOff val="35000"/>
-                </a:schemeClr>
-              </a:solidFill>
-              <a:latin typeface="+mn-lt"/>
-              <a:ea typeface="+mn-ea"/>
-              <a:cs typeface="+mn-cs"/>
-            </a:defRPr>
-          </a:pPr>
-          <a:endParaRPr lang="de-DE"/>
-        </a:p>
-      </c:txPr>
     </c:title>
-    <c:autoTitleDeleted val="0"/>
     <c:plotArea>
       <c:layout>
         <c:manualLayout>
           <c:layoutTarget val="inner"/>
           <c:xMode val="edge"/>
           <c:yMode val="edge"/>
-          <c:x val="0.48375717671586399"/>
+          <c:x val="0.48375717671586405"/>
           <c:y val="0.15384222980895401"/>
-          <c:w val="0.45679850011537798"/>
-          <c:h val="0.65705195558005502"/>
+          <c:w val="0.45679850011537793"/>
+          <c:h val="0.65705195558005514"/>
         </c:manualLayout>
       </c:layout>
       <c:barChart>
         <c:barDir val="bar"/>
         <c:grouping val="clustered"/>
-        <c:varyColors val="0"/>
         <c:ser>
           <c:idx val="0"/>
           <c:order val="0"/>
@@ -572,7 +493,6 @@
             </a:ln>
             <a:effectLst/>
           </c:spPr>
-          <c:invertIfNegative val="0"/>
           <c:cat>
             <c:strRef>
               <c:f>Tabelle1!$A$2:$A$9</c:f>
@@ -621,7 +541,7 @@
                   <c:v>4.8333000000000004</c:v>
                 </c:pt>
                 <c:pt idx="3">
-                  <c:v>4.9166699999999999</c:v>
+                  <c:v>4.9166700000000008</c:v>
                 </c:pt>
                 <c:pt idx="4">
                   <c:v>4.25</c:v>
@@ -638,7 +558,7 @@
               </c:numCache>
             </c:numRef>
           </c:val>
-          <c:extLst>
+          <c:extLst xmlns:c16r2="http://schemas.microsoft.com/office/drawing/2015/06/chart">
             <c:ext xmlns:c16="http://schemas.microsoft.com/office/drawing/2014/chart" uri="{C3380CC4-5D6E-409C-BE32-E72D297353CC}">
               <c16:uniqueId val="{00000000-5253-460E-879C-581206D8B81C}"/>
             </c:ext>
@@ -667,7 +587,6 @@
             </a:ln>
             <a:effectLst/>
           </c:spPr>
-          <c:invertIfNegative val="0"/>
           <c:cat>
             <c:strRef>
               <c:f>Tabelle1!$A$2:$A$9</c:f>
@@ -719,7 +638,7 @@
                   <c:v>5.25</c:v>
                 </c:pt>
                 <c:pt idx="4">
-                  <c:v>2.8332999999999999</c:v>
+                  <c:v>2.8332999999999995</c:v>
                 </c:pt>
                 <c:pt idx="5">
                   <c:v>6.0833300000000001</c:v>
@@ -733,7 +652,7 @@
               </c:numCache>
             </c:numRef>
           </c:val>
-          <c:extLst>
+          <c:extLst xmlns:c16r2="http://schemas.microsoft.com/office/drawing/2015/06/chart">
             <c:ext xmlns:c16="http://schemas.microsoft.com/office/drawing/2014/chart" uri="{C3380CC4-5D6E-409C-BE32-E72D297353CC}">
               <c16:uniqueId val="{00000001-5253-460E-879C-581206D8B81C}"/>
             </c:ext>
@@ -762,7 +681,6 @@
             </a:ln>
             <a:effectLst/>
           </c:spPr>
-          <c:invertIfNegative val="0"/>
           <c:cat>
             <c:strRef>
               <c:f>Tabelle1!$A$2:$A$9</c:f>
@@ -804,34 +722,25 @@
               </c:numCache>
             </c:numRef>
           </c:val>
-          <c:extLst>
+          <c:extLst xmlns:c16r2="http://schemas.microsoft.com/office/drawing/2015/06/chart">
             <c:ext xmlns:c16="http://schemas.microsoft.com/office/drawing/2014/chart" uri="{C3380CC4-5D6E-409C-BE32-E72D297353CC}">
               <c16:uniqueId val="{00000000-B8AC-4D32-B8BD-2D16DC70C46C}"/>
             </c:ext>
           </c:extLst>
         </c:ser>
-        <c:dLbls>
-          <c:showLegendKey val="0"/>
-          <c:showVal val="0"/>
-          <c:showCatName val="0"/>
-          <c:showSerName val="0"/>
-          <c:showPercent val="0"/>
-          <c:showBubbleSize val="0"/>
-        </c:dLbls>
+        <c:dLbls/>
         <c:gapWidth val="182"/>
-        <c:axId val="2120586160"/>
-        <c:axId val="2120589728"/>
+        <c:axId val="136965120"/>
+        <c:axId val="137184000"/>
       </c:barChart>
       <c:catAx>
-        <c:axId val="2120586160"/>
+        <c:axId val="136965120"/>
         <c:scaling>
           <c:orientation val="minMax"/>
         </c:scaling>
-        <c:delete val="0"/>
         <c:axPos val="l"/>
         <c:numFmt formatCode="General" sourceLinked="1"/>
         <c:majorTickMark val="none"/>
-        <c:minorTickMark val="none"/>
         <c:tickLblPos val="nextTo"/>
         <c:spPr>
           <a:noFill/>
@@ -866,21 +775,19 @@
             <a:endParaRPr lang="de-DE"/>
           </a:p>
         </c:txPr>
-        <c:crossAx val="2120589728"/>
+        <c:crossAx val="137184000"/>
         <c:crosses val="autoZero"/>
         <c:auto val="1"/>
         <c:lblAlgn val="ctr"/>
         <c:lblOffset val="100"/>
-        <c:noMultiLvlLbl val="0"/>
       </c:catAx>
       <c:valAx>
-        <c:axId val="2120589728"/>
+        <c:axId val="137184000"/>
         <c:scaling>
           <c:orientation val="minMax"/>
           <c:max val="7"/>
           <c:min val="1"/>
         </c:scaling>
-        <c:delete val="0"/>
         <c:axPos val="b"/>
         <c:majorGridlines>
           <c:spPr>
@@ -898,7 +805,6 @@
         </c:majorGridlines>
         <c:numFmt formatCode="General" sourceLinked="1"/>
         <c:majorTickMark val="none"/>
-        <c:minorTickMark val="none"/>
         <c:tickLblPos val="nextTo"/>
         <c:spPr>
           <a:noFill/>
@@ -927,7 +833,7 @@
             <a:endParaRPr lang="de-DE"/>
           </a:p>
         </c:txPr>
-        <c:crossAx val="2120586160"/>
+        <c:crossAx val="136965120"/>
         <c:crosses val="autoZero"/>
         <c:crossBetween val="between"/>
       </c:valAx>
@@ -945,7 +851,7 @@
         <c:idx val="0"/>
         <c:delete val="1"/>
       </c:legendEntry>
-      <c:overlay val="0"/>
+      <c:layout/>
       <c:spPr>
         <a:noFill/>
         <a:ln>
@@ -976,14 +882,13 @@
     </c:legend>
     <c:plotVisOnly val="1"/>
     <c:dispBlanksAs val="gap"/>
-    <c:extLst>
+    <c:extLst xmlns:c16r2="http://schemas.microsoft.com/office/drawing/2015/06/chart">
       <c:ext xmlns:c16r3="http://schemas.microsoft.com/office/drawing/2017/03/chart" uri="{56B9EC1D-385E-4148-901F-78D8002777C0}">
         <c16r3:dataDisplayOptions16>
           <c16r3:dispNaAsBlank val="1"/>
         </c16r3:dataDisplayOptions16>
       </c:ext>
     </c:extLst>
-    <c:showDLblsOverMax val="0"/>
   </c:chart>
   <c:spPr>
     <a:noFill/>
@@ -1002,9 +907,7 @@
       <a:endParaRPr lang="de-DE"/>
     </a:p>
   </c:txPr>
-  <c:externalData r:id="rId3">
-    <c:autoUpdate val="0"/>
-  </c:externalData>
+  <c:externalData r:id="rId1"/>
 </c:chartSpace>
 </file>
 
@@ -3206,6 +3109,13 @@
     <dgm:pt modelId="{7E987B23-1FBF-934F-AE84-A1950824BC19}" type="pres">
       <dgm:prSet presAssocID="{92C21019-64F2-0A48-BD7D-7FDFDD8673B8}" presName="acctBkgd" presStyleLbl="alignAcc1" presStyleIdx="0" presStyleCnt="4"/>
       <dgm:spPr/>
+      <dgm:t>
+        <a:bodyPr/>
+        <a:lstStyle/>
+        <a:p>
+          <a:endParaRPr lang="de-DE"/>
+        </a:p>
+      </dgm:t>
     </dgm:pt>
     <dgm:pt modelId="{018B8698-0B3B-D540-A270-4559257B67AF}" type="pres">
       <dgm:prSet presAssocID="{92C21019-64F2-0A48-BD7D-7FDFDD8673B8}" presName="acctTx" presStyleLbl="alignAcc1" presStyleIdx="0" presStyleCnt="4">
@@ -3214,6 +3124,13 @@
         </dgm:presLayoutVars>
       </dgm:prSet>
       <dgm:spPr/>
+      <dgm:t>
+        <a:bodyPr/>
+        <a:lstStyle/>
+        <a:p>
+          <a:endParaRPr lang="de-DE"/>
+        </a:p>
+      </dgm:t>
     </dgm:pt>
     <dgm:pt modelId="{A9F61433-CB8A-8047-8082-C85308266DA6}" type="pres">
       <dgm:prSet presAssocID="{92C21019-64F2-0A48-BD7D-7FDFDD8673B8}" presName="level" presStyleLbl="node1" presStyleIdx="0" presStyleCnt="4">
@@ -3223,6 +3140,13 @@
         </dgm:presLayoutVars>
       </dgm:prSet>
       <dgm:spPr/>
+      <dgm:t>
+        <a:bodyPr/>
+        <a:lstStyle/>
+        <a:p>
+          <a:endParaRPr lang="de-DE"/>
+        </a:p>
+      </dgm:t>
     </dgm:pt>
     <dgm:pt modelId="{4D34D131-0121-2641-AF3E-C4A924B66906}" type="pres">
       <dgm:prSet presAssocID="{92C21019-64F2-0A48-BD7D-7FDFDD8673B8}" presName="levelTx" presStyleLbl="revTx" presStyleIdx="0" presStyleCnt="0">
@@ -3232,6 +3156,13 @@
         </dgm:presLayoutVars>
       </dgm:prSet>
       <dgm:spPr/>
+      <dgm:t>
+        <a:bodyPr/>
+        <a:lstStyle/>
+        <a:p>
+          <a:endParaRPr lang="de-DE"/>
+        </a:p>
+      </dgm:t>
     </dgm:pt>
     <dgm:pt modelId="{5E71FEFC-0AEF-6148-9B9A-CB806F178227}" type="pres">
       <dgm:prSet presAssocID="{51F1C30F-BC6D-964B-805C-7251FA337436}" presName="Name8" presStyleCnt="0"/>
@@ -3240,6 +3171,13 @@
     <dgm:pt modelId="{8D281AA3-EAE3-0045-A5A0-7223F2D67F92}" type="pres">
       <dgm:prSet presAssocID="{51F1C30F-BC6D-964B-805C-7251FA337436}" presName="acctBkgd" presStyleLbl="alignAcc1" presStyleIdx="1" presStyleCnt="4"/>
       <dgm:spPr/>
+      <dgm:t>
+        <a:bodyPr/>
+        <a:lstStyle/>
+        <a:p>
+          <a:endParaRPr lang="de-DE"/>
+        </a:p>
+      </dgm:t>
     </dgm:pt>
     <dgm:pt modelId="{E9BA28E7-8E28-DC4E-8CFA-4CB60151A223}" type="pres">
       <dgm:prSet presAssocID="{51F1C30F-BC6D-964B-805C-7251FA337436}" presName="acctTx" presStyleLbl="alignAcc1" presStyleIdx="1" presStyleCnt="4">
@@ -3248,6 +3186,13 @@
         </dgm:presLayoutVars>
       </dgm:prSet>
       <dgm:spPr/>
+      <dgm:t>
+        <a:bodyPr/>
+        <a:lstStyle/>
+        <a:p>
+          <a:endParaRPr lang="de-DE"/>
+        </a:p>
+      </dgm:t>
     </dgm:pt>
     <dgm:pt modelId="{6B11F3B5-2AD7-F54A-803F-23A8CC73E218}" type="pres">
       <dgm:prSet presAssocID="{51F1C30F-BC6D-964B-805C-7251FA337436}" presName="level" presStyleLbl="node1" presStyleIdx="1" presStyleCnt="4">
@@ -3257,6 +3202,13 @@
         </dgm:presLayoutVars>
       </dgm:prSet>
       <dgm:spPr/>
+      <dgm:t>
+        <a:bodyPr/>
+        <a:lstStyle/>
+        <a:p>
+          <a:endParaRPr lang="de-DE"/>
+        </a:p>
+      </dgm:t>
     </dgm:pt>
     <dgm:pt modelId="{48B723AD-B3BC-6C4A-BEC9-85FE6C47C9A8}" type="pres">
       <dgm:prSet presAssocID="{51F1C30F-BC6D-964B-805C-7251FA337436}" presName="levelTx" presStyleLbl="revTx" presStyleIdx="0" presStyleCnt="0">
@@ -3266,6 +3218,13 @@
         </dgm:presLayoutVars>
       </dgm:prSet>
       <dgm:spPr/>
+      <dgm:t>
+        <a:bodyPr/>
+        <a:lstStyle/>
+        <a:p>
+          <a:endParaRPr lang="de-DE"/>
+        </a:p>
+      </dgm:t>
     </dgm:pt>
     <dgm:pt modelId="{E3A7B8DF-2AB4-EF4B-A31D-63776D53F9A5}" type="pres">
       <dgm:prSet presAssocID="{95522B47-3477-C141-AFAA-3FD0434218F0}" presName="Name8" presStyleCnt="0"/>
@@ -3274,6 +3233,13 @@
     <dgm:pt modelId="{D77927C9-F46D-F245-BE2A-ABD276F67486}" type="pres">
       <dgm:prSet presAssocID="{95522B47-3477-C141-AFAA-3FD0434218F0}" presName="acctBkgd" presStyleLbl="alignAcc1" presStyleIdx="2" presStyleCnt="4"/>
       <dgm:spPr/>
+      <dgm:t>
+        <a:bodyPr/>
+        <a:lstStyle/>
+        <a:p>
+          <a:endParaRPr lang="de-DE"/>
+        </a:p>
+      </dgm:t>
     </dgm:pt>
     <dgm:pt modelId="{7CA8BB3D-EC27-DF4B-B646-4F05EA0EC76E}" type="pres">
       <dgm:prSet presAssocID="{95522B47-3477-C141-AFAA-3FD0434218F0}" presName="acctTx" presStyleLbl="alignAcc1" presStyleIdx="2" presStyleCnt="4">
@@ -3282,6 +3248,13 @@
         </dgm:presLayoutVars>
       </dgm:prSet>
       <dgm:spPr/>
+      <dgm:t>
+        <a:bodyPr/>
+        <a:lstStyle/>
+        <a:p>
+          <a:endParaRPr lang="de-DE"/>
+        </a:p>
+      </dgm:t>
     </dgm:pt>
     <dgm:pt modelId="{A8CB1A31-73B3-534A-A39D-2DE64F9500D0}" type="pres">
       <dgm:prSet presAssocID="{95522B47-3477-C141-AFAA-3FD0434218F0}" presName="level" presStyleLbl="node1" presStyleIdx="2" presStyleCnt="4">
@@ -3291,6 +3264,13 @@
         </dgm:presLayoutVars>
       </dgm:prSet>
       <dgm:spPr/>
+      <dgm:t>
+        <a:bodyPr/>
+        <a:lstStyle/>
+        <a:p>
+          <a:endParaRPr lang="de-DE"/>
+        </a:p>
+      </dgm:t>
     </dgm:pt>
     <dgm:pt modelId="{DF22608E-46D2-D64D-9F3F-99E16C8A152A}" type="pres">
       <dgm:prSet presAssocID="{95522B47-3477-C141-AFAA-3FD0434218F0}" presName="levelTx" presStyleLbl="revTx" presStyleIdx="0" presStyleCnt="0">
@@ -3300,6 +3280,13 @@
         </dgm:presLayoutVars>
       </dgm:prSet>
       <dgm:spPr/>
+      <dgm:t>
+        <a:bodyPr/>
+        <a:lstStyle/>
+        <a:p>
+          <a:endParaRPr lang="de-DE"/>
+        </a:p>
+      </dgm:t>
     </dgm:pt>
     <dgm:pt modelId="{BF33163F-9E3F-CB49-B9A9-63644BFD4A82}" type="pres">
       <dgm:prSet presAssocID="{D26D63A6-FB7D-0240-97D8-6615283E9E74}" presName="Name8" presStyleCnt="0"/>
@@ -3308,6 +3295,13 @@
     <dgm:pt modelId="{999FE6A6-E8B1-BB44-B941-3BC9347AA8FE}" type="pres">
       <dgm:prSet presAssocID="{D26D63A6-FB7D-0240-97D8-6615283E9E74}" presName="acctBkgd" presStyleLbl="alignAcc1" presStyleIdx="3" presStyleCnt="4"/>
       <dgm:spPr/>
+      <dgm:t>
+        <a:bodyPr/>
+        <a:lstStyle/>
+        <a:p>
+          <a:endParaRPr lang="de-DE"/>
+        </a:p>
+      </dgm:t>
     </dgm:pt>
     <dgm:pt modelId="{26251B07-6187-0C4B-902B-8F81E2C76F5A}" type="pres">
       <dgm:prSet presAssocID="{D26D63A6-FB7D-0240-97D8-6615283E9E74}" presName="acctTx" presStyleLbl="alignAcc1" presStyleIdx="3" presStyleCnt="4">
@@ -3316,6 +3310,13 @@
         </dgm:presLayoutVars>
       </dgm:prSet>
       <dgm:spPr/>
+      <dgm:t>
+        <a:bodyPr/>
+        <a:lstStyle/>
+        <a:p>
+          <a:endParaRPr lang="de-DE"/>
+        </a:p>
+      </dgm:t>
     </dgm:pt>
     <dgm:pt modelId="{2A0A634F-9A33-6544-B1F3-6BFFBF7806C4}" type="pres">
       <dgm:prSet presAssocID="{D26D63A6-FB7D-0240-97D8-6615283E9E74}" presName="level" presStyleLbl="node1" presStyleIdx="3" presStyleCnt="4">
@@ -3325,6 +3326,13 @@
         </dgm:presLayoutVars>
       </dgm:prSet>
       <dgm:spPr/>
+      <dgm:t>
+        <a:bodyPr/>
+        <a:lstStyle/>
+        <a:p>
+          <a:endParaRPr lang="de-DE"/>
+        </a:p>
+      </dgm:t>
     </dgm:pt>
     <dgm:pt modelId="{E68B17FE-F1BB-8B4E-B878-6C4CEBB5AB7C}" type="pres">
       <dgm:prSet presAssocID="{D26D63A6-FB7D-0240-97D8-6615283E9E74}" presName="levelTx" presStyleLbl="revTx" presStyleIdx="0" presStyleCnt="0">
@@ -3334,34 +3342,41 @@
         </dgm:presLayoutVars>
       </dgm:prSet>
       <dgm:spPr/>
+      <dgm:t>
+        <a:bodyPr/>
+        <a:lstStyle/>
+        <a:p>
+          <a:endParaRPr lang="de-DE"/>
+        </a:p>
+      </dgm:t>
     </dgm:pt>
   </dgm:ptLst>
   <dgm:cxnLst>
-    <dgm:cxn modelId="{1D8B7A02-969F-CF45-8699-77BD1E7D48F3}" type="presOf" srcId="{E3B96449-42AF-F148-8F67-EB889FB6512C}" destId="{8D281AA3-EAE3-0045-A5A0-7223F2D67F92}" srcOrd="0" destOrd="0" presId="urn:microsoft.com/office/officeart/2005/8/layout/pyramid1"/>
-    <dgm:cxn modelId="{71386A13-7EC1-004B-9EBD-37E3167C6D12}" type="presOf" srcId="{D26D63A6-FB7D-0240-97D8-6615283E9E74}" destId="{2A0A634F-9A33-6544-B1F3-6BFFBF7806C4}" srcOrd="0" destOrd="0" presId="urn:microsoft.com/office/officeart/2005/8/layout/pyramid1"/>
+    <dgm:cxn modelId="{E97A5C97-0681-864D-8A3C-14A82006E75D}" srcId="{51F1C30F-BC6D-964B-805C-7251FA337436}" destId="{E3B96449-42AF-F148-8F67-EB889FB6512C}" srcOrd="0" destOrd="0" parTransId="{B5FCD191-7AD4-B448-88CE-82D53C569F1C}" sibTransId="{13F26C4E-C59A-774E-8760-E5E040AFEC23}"/>
+    <dgm:cxn modelId="{EBFDDAD3-5806-1448-A843-A19FFE20FB5A}" type="presOf" srcId="{92C21019-64F2-0A48-BD7D-7FDFDD8673B8}" destId="{A9F61433-CB8A-8047-8082-C85308266DA6}" srcOrd="0" destOrd="0" presId="urn:microsoft.com/office/officeart/2005/8/layout/pyramid1"/>
+    <dgm:cxn modelId="{DC60B0B8-DA17-4A4F-989C-BA209B87140B}" type="presOf" srcId="{D26D63A6-FB7D-0240-97D8-6615283E9E74}" destId="{E68B17FE-F1BB-8B4E-B878-6C4CEBB5AB7C}" srcOrd="1" destOrd="0" presId="urn:microsoft.com/office/officeart/2005/8/layout/pyramid1"/>
+    <dgm:cxn modelId="{211DC5FE-E8F6-E641-82FB-5EBA978E76D0}" srcId="{52B83748-D356-8E4B-901B-689C881CB76E}" destId="{51F1C30F-BC6D-964B-805C-7251FA337436}" srcOrd="1" destOrd="0" parTransId="{A57266B8-A1C1-1B41-A949-12337937A6C8}" sibTransId="{C79C864C-4DC6-7443-A73D-93284B5B0F3A}"/>
+    <dgm:cxn modelId="{52297CD7-8089-D24E-B92B-08B2B0849FA7}" srcId="{D26D63A6-FB7D-0240-97D8-6615283E9E74}" destId="{54BB39A5-BC0D-3B45-B235-407F12CB716A}" srcOrd="0" destOrd="0" parTransId="{6BE7F2BC-7853-2844-BD56-AB5ED85CCB6B}" sibTransId="{984FBD6F-6A42-B741-BB79-BB20B9D4D83F}"/>
+    <dgm:cxn modelId="{112C46F9-DC31-A24F-A8F9-6809E192320C}" type="presOf" srcId="{E3B96449-42AF-F148-8F67-EB889FB6512C}" destId="{E9BA28E7-8E28-DC4E-8CFA-4CB60151A223}" srcOrd="1" destOrd="0" presId="urn:microsoft.com/office/officeart/2005/8/layout/pyramid1"/>
+    <dgm:cxn modelId="{E6B1AA86-CAC3-3949-AEA8-582395F83494}" srcId="{52B83748-D356-8E4B-901B-689C881CB76E}" destId="{95522B47-3477-C141-AFAA-3FD0434218F0}" srcOrd="2" destOrd="0" parTransId="{DFBFE72D-52F8-F54E-9F32-235413E7185E}" sibTransId="{B3DE6D2F-29BD-8247-9BF7-96EB91225252}"/>
     <dgm:cxn modelId="{627BF814-1DF4-6F44-ACBD-B39B7772361D}" type="presOf" srcId="{51F1C30F-BC6D-964B-805C-7251FA337436}" destId="{6B11F3B5-2AD7-F54A-803F-23A8CC73E218}" srcOrd="0" destOrd="0" presId="urn:microsoft.com/office/officeart/2005/8/layout/pyramid1"/>
+    <dgm:cxn modelId="{9A721D8F-3AAB-9141-84E7-9B39BE271760}" type="presOf" srcId="{D2AA4A43-264F-8648-B9B2-CFED45AB96AB}" destId="{D77927C9-F46D-F245-BE2A-ABD276F67486}" srcOrd="0" destOrd="0" presId="urn:microsoft.com/office/officeart/2005/8/layout/pyramid1"/>
+    <dgm:cxn modelId="{45E5BCC5-B613-8F47-9D41-F55D9A2F034E}" srcId="{52B83748-D356-8E4B-901B-689C881CB76E}" destId="{D26D63A6-FB7D-0240-97D8-6615283E9E74}" srcOrd="3" destOrd="0" parTransId="{5479B260-1F67-9E43-BC62-5CD5ECE50579}" sibTransId="{CD96E1A7-72A0-D945-B269-B382626CF372}"/>
+    <dgm:cxn modelId="{FE5D4574-3829-E849-A575-0E0B3845CA89}" type="presOf" srcId="{95522B47-3477-C141-AFAA-3FD0434218F0}" destId="{DF22608E-46D2-D64D-9F3F-99E16C8A152A}" srcOrd="1" destOrd="0" presId="urn:microsoft.com/office/officeart/2005/8/layout/pyramid1"/>
+    <dgm:cxn modelId="{502CE793-7F02-AA47-9CE6-FDC1E7427C22}" type="presOf" srcId="{86562535-CB87-E34D-8DAD-030AF61C8641}" destId="{7E987B23-1FBF-934F-AE84-A1950824BC19}" srcOrd="0" destOrd="0" presId="urn:microsoft.com/office/officeart/2005/8/layout/pyramid1"/>
     <dgm:cxn modelId="{7B8EC030-0B4B-3F49-93CC-273FA493DEE6}" type="presOf" srcId="{54BB39A5-BC0D-3B45-B235-407F12CB716A}" destId="{26251B07-6187-0C4B-902B-8F81E2C76F5A}" srcOrd="1" destOrd="0" presId="urn:microsoft.com/office/officeart/2005/8/layout/pyramid1"/>
+    <dgm:cxn modelId="{C0DCFC6C-C5B3-A742-AD97-5E92FB86351D}" type="presOf" srcId="{86562535-CB87-E34D-8DAD-030AF61C8641}" destId="{018B8698-0B3B-D540-A270-4559257B67AF}" srcOrd="1" destOrd="0" presId="urn:microsoft.com/office/officeart/2005/8/layout/pyramid1"/>
+    <dgm:cxn modelId="{86DBF4A1-E75F-914F-BDB4-267F893AF406}" type="presOf" srcId="{54BB39A5-BC0D-3B45-B235-407F12CB716A}" destId="{999FE6A6-E8B1-BB44-B941-3BC9347AA8FE}" srcOrd="0" destOrd="0" presId="urn:microsoft.com/office/officeart/2005/8/layout/pyramid1"/>
     <dgm:cxn modelId="{2FE19B32-6313-E84C-8062-479A4E821B8B}" type="presOf" srcId="{51F1C30F-BC6D-964B-805C-7251FA337436}" destId="{48B723AD-B3BC-6C4A-BEC9-85FE6C47C9A8}" srcOrd="1" destOrd="0" presId="urn:microsoft.com/office/officeart/2005/8/layout/pyramid1"/>
     <dgm:cxn modelId="{CD931F3B-724D-E94B-A36F-46CE2D24E813}" srcId="{52B83748-D356-8E4B-901B-689C881CB76E}" destId="{92C21019-64F2-0A48-BD7D-7FDFDD8673B8}" srcOrd="0" destOrd="0" parTransId="{CFFC1156-F014-ED4C-A89E-770AF591ECA4}" sibTransId="{9703F012-5FE8-834E-AD99-07FBC06FD25E}"/>
+    <dgm:cxn modelId="{24C3F674-5E6E-3A42-98C0-BB38B6F005A0}" srcId="{95522B47-3477-C141-AFAA-3FD0434218F0}" destId="{D2AA4A43-264F-8648-B9B2-CFED45AB96AB}" srcOrd="0" destOrd="0" parTransId="{474CA716-F6C1-7B45-8DAC-52B1A20AF057}" sibTransId="{10B6231A-D3E5-9248-B90E-44C8058A4611}"/>
+    <dgm:cxn modelId="{55DB5057-E167-0F4D-9C45-97536FB21FC5}" srcId="{92C21019-64F2-0A48-BD7D-7FDFDD8673B8}" destId="{86562535-CB87-E34D-8DAD-030AF61C8641}" srcOrd="0" destOrd="0" parTransId="{8E834B72-D6E0-FA42-B016-285DE2472A1B}" sibTransId="{955D2653-D915-ED40-80DB-1448DE6D629A}"/>
+    <dgm:cxn modelId="{DBBF9DA3-28E7-7C42-84A2-4562B85A7E17}" type="presOf" srcId="{95522B47-3477-C141-AFAA-3FD0434218F0}" destId="{A8CB1A31-73B3-534A-A39D-2DE64F9500D0}" srcOrd="0" destOrd="0" presId="urn:microsoft.com/office/officeart/2005/8/layout/pyramid1"/>
+    <dgm:cxn modelId="{EA7A61B1-4190-0B40-AE07-15097723928E}" type="presOf" srcId="{D2AA4A43-264F-8648-B9B2-CFED45AB96AB}" destId="{7CA8BB3D-EC27-DF4B-B646-4F05EA0EC76E}" srcOrd="1" destOrd="0" presId="urn:microsoft.com/office/officeart/2005/8/layout/pyramid1"/>
     <dgm:cxn modelId="{8CE25D3E-3852-0647-B35F-AD06DFC609EB}" type="presOf" srcId="{92C21019-64F2-0A48-BD7D-7FDFDD8673B8}" destId="{4D34D131-0121-2641-AF3E-C4A924B66906}" srcOrd="1" destOrd="0" presId="urn:microsoft.com/office/officeart/2005/8/layout/pyramid1"/>
     <dgm:cxn modelId="{389C8662-EA50-E548-927E-2B90779875DA}" type="presOf" srcId="{52B83748-D356-8E4B-901B-689C881CB76E}" destId="{B087545F-E550-464C-8013-DA49045A25FB}" srcOrd="0" destOrd="0" presId="urn:microsoft.com/office/officeart/2005/8/layout/pyramid1"/>
-    <dgm:cxn modelId="{C0DCFC6C-C5B3-A742-AD97-5E92FB86351D}" type="presOf" srcId="{86562535-CB87-E34D-8DAD-030AF61C8641}" destId="{018B8698-0B3B-D540-A270-4559257B67AF}" srcOrd="1" destOrd="0" presId="urn:microsoft.com/office/officeart/2005/8/layout/pyramid1"/>
-    <dgm:cxn modelId="{FE5D4574-3829-E849-A575-0E0B3845CA89}" type="presOf" srcId="{95522B47-3477-C141-AFAA-3FD0434218F0}" destId="{DF22608E-46D2-D64D-9F3F-99E16C8A152A}" srcOrd="1" destOrd="0" presId="urn:microsoft.com/office/officeart/2005/8/layout/pyramid1"/>
-    <dgm:cxn modelId="{24C3F674-5E6E-3A42-98C0-BB38B6F005A0}" srcId="{95522B47-3477-C141-AFAA-3FD0434218F0}" destId="{D2AA4A43-264F-8648-B9B2-CFED45AB96AB}" srcOrd="0" destOrd="0" parTransId="{474CA716-F6C1-7B45-8DAC-52B1A20AF057}" sibTransId="{10B6231A-D3E5-9248-B90E-44C8058A4611}"/>
-    <dgm:cxn modelId="{55DB5057-E167-0F4D-9C45-97536FB21FC5}" srcId="{92C21019-64F2-0A48-BD7D-7FDFDD8673B8}" destId="{86562535-CB87-E34D-8DAD-030AF61C8641}" srcOrd="0" destOrd="0" parTransId="{8E834B72-D6E0-FA42-B016-285DE2472A1B}" sibTransId="{955D2653-D915-ED40-80DB-1448DE6D629A}"/>
-    <dgm:cxn modelId="{E6B1AA86-CAC3-3949-AEA8-582395F83494}" srcId="{52B83748-D356-8E4B-901B-689C881CB76E}" destId="{95522B47-3477-C141-AFAA-3FD0434218F0}" srcOrd="2" destOrd="0" parTransId="{DFBFE72D-52F8-F54E-9F32-235413E7185E}" sibTransId="{B3DE6D2F-29BD-8247-9BF7-96EB91225252}"/>
-    <dgm:cxn modelId="{9A721D8F-3AAB-9141-84E7-9B39BE271760}" type="presOf" srcId="{D2AA4A43-264F-8648-B9B2-CFED45AB96AB}" destId="{D77927C9-F46D-F245-BE2A-ABD276F67486}" srcOrd="0" destOrd="0" presId="urn:microsoft.com/office/officeart/2005/8/layout/pyramid1"/>
-    <dgm:cxn modelId="{502CE793-7F02-AA47-9CE6-FDC1E7427C22}" type="presOf" srcId="{86562535-CB87-E34D-8DAD-030AF61C8641}" destId="{7E987B23-1FBF-934F-AE84-A1950824BC19}" srcOrd="0" destOrd="0" presId="urn:microsoft.com/office/officeart/2005/8/layout/pyramid1"/>
-    <dgm:cxn modelId="{E97A5C97-0681-864D-8A3C-14A82006E75D}" srcId="{51F1C30F-BC6D-964B-805C-7251FA337436}" destId="{E3B96449-42AF-F148-8F67-EB889FB6512C}" srcOrd="0" destOrd="0" parTransId="{B5FCD191-7AD4-B448-88CE-82D53C569F1C}" sibTransId="{13F26C4E-C59A-774E-8760-E5E040AFEC23}"/>
-    <dgm:cxn modelId="{86DBF4A1-E75F-914F-BDB4-267F893AF406}" type="presOf" srcId="{54BB39A5-BC0D-3B45-B235-407F12CB716A}" destId="{999FE6A6-E8B1-BB44-B941-3BC9347AA8FE}" srcOrd="0" destOrd="0" presId="urn:microsoft.com/office/officeart/2005/8/layout/pyramid1"/>
-    <dgm:cxn modelId="{DBBF9DA3-28E7-7C42-84A2-4562B85A7E17}" type="presOf" srcId="{95522B47-3477-C141-AFAA-3FD0434218F0}" destId="{A8CB1A31-73B3-534A-A39D-2DE64F9500D0}" srcOrd="0" destOrd="0" presId="urn:microsoft.com/office/officeart/2005/8/layout/pyramid1"/>
-    <dgm:cxn modelId="{EA7A61B1-4190-0B40-AE07-15097723928E}" type="presOf" srcId="{D2AA4A43-264F-8648-B9B2-CFED45AB96AB}" destId="{7CA8BB3D-EC27-DF4B-B646-4F05EA0EC76E}" srcOrd="1" destOrd="0" presId="urn:microsoft.com/office/officeart/2005/8/layout/pyramid1"/>
-    <dgm:cxn modelId="{DC60B0B8-DA17-4A4F-989C-BA209B87140B}" type="presOf" srcId="{D26D63A6-FB7D-0240-97D8-6615283E9E74}" destId="{E68B17FE-F1BB-8B4E-B878-6C4CEBB5AB7C}" srcOrd="1" destOrd="0" presId="urn:microsoft.com/office/officeart/2005/8/layout/pyramid1"/>
-    <dgm:cxn modelId="{45E5BCC5-B613-8F47-9D41-F55D9A2F034E}" srcId="{52B83748-D356-8E4B-901B-689C881CB76E}" destId="{D26D63A6-FB7D-0240-97D8-6615283E9E74}" srcOrd="3" destOrd="0" parTransId="{5479B260-1F67-9E43-BC62-5CD5ECE50579}" sibTransId="{CD96E1A7-72A0-D945-B269-B382626CF372}"/>
-    <dgm:cxn modelId="{EBFDDAD3-5806-1448-A843-A19FFE20FB5A}" type="presOf" srcId="{92C21019-64F2-0A48-BD7D-7FDFDD8673B8}" destId="{A9F61433-CB8A-8047-8082-C85308266DA6}" srcOrd="0" destOrd="0" presId="urn:microsoft.com/office/officeart/2005/8/layout/pyramid1"/>
-    <dgm:cxn modelId="{52297CD7-8089-D24E-B92B-08B2B0849FA7}" srcId="{D26D63A6-FB7D-0240-97D8-6615283E9E74}" destId="{54BB39A5-BC0D-3B45-B235-407F12CB716A}" srcOrd="0" destOrd="0" parTransId="{6BE7F2BC-7853-2844-BD56-AB5ED85CCB6B}" sibTransId="{984FBD6F-6A42-B741-BB79-BB20B9D4D83F}"/>
-    <dgm:cxn modelId="{112C46F9-DC31-A24F-A8F9-6809E192320C}" type="presOf" srcId="{E3B96449-42AF-F148-8F67-EB889FB6512C}" destId="{E9BA28E7-8E28-DC4E-8CFA-4CB60151A223}" srcOrd="1" destOrd="0" presId="urn:microsoft.com/office/officeart/2005/8/layout/pyramid1"/>
-    <dgm:cxn modelId="{211DC5FE-E8F6-E641-82FB-5EBA978E76D0}" srcId="{52B83748-D356-8E4B-901B-689C881CB76E}" destId="{51F1C30F-BC6D-964B-805C-7251FA337436}" srcOrd="1" destOrd="0" parTransId="{A57266B8-A1C1-1B41-A949-12337937A6C8}" sibTransId="{C79C864C-4DC6-7443-A73D-93284B5B0F3A}"/>
+    <dgm:cxn modelId="{71386A13-7EC1-004B-9EBD-37E3167C6D12}" type="presOf" srcId="{D26D63A6-FB7D-0240-97D8-6615283E9E74}" destId="{2A0A634F-9A33-6544-B1F3-6BFFBF7806C4}" srcOrd="0" destOrd="0" presId="urn:microsoft.com/office/officeart/2005/8/layout/pyramid1"/>
+    <dgm:cxn modelId="{1D8B7A02-969F-CF45-8699-77BD1E7D48F3}" type="presOf" srcId="{E3B96449-42AF-F148-8F67-EB889FB6512C}" destId="{8D281AA3-EAE3-0045-A5A0-7223F2D67F92}" srcOrd="0" destOrd="0" presId="urn:microsoft.com/office/officeart/2005/8/layout/pyramid1"/>
     <dgm:cxn modelId="{1140912D-454D-3140-B36C-3D051227A737}" type="presParOf" srcId="{B087545F-E550-464C-8013-DA49045A25FB}" destId="{1BE0FB69-2C40-A646-8F48-6CA9A4A163F8}" srcOrd="0" destOrd="0" presId="urn:microsoft.com/office/officeart/2005/8/layout/pyramid1"/>
     <dgm:cxn modelId="{123CB294-32AD-A848-BECE-3620CB2030FC}" type="presParOf" srcId="{1BE0FB69-2C40-A646-8F48-6CA9A4A163F8}" destId="{7E987B23-1FBF-934F-AE84-A1950824BC19}" srcOrd="0" destOrd="0" presId="urn:microsoft.com/office/officeart/2005/8/layout/pyramid1"/>
     <dgm:cxn modelId="{8FD2DC62-457F-BC42-85F0-06289DDC0FFD}" type="presParOf" srcId="{1BE0FB69-2C40-A646-8F48-6CA9A4A163F8}" destId="{018B8698-0B3B-D540-A270-4559257B67AF}" srcOrd="1" destOrd="0" presId="urn:microsoft.com/office/officeart/2005/8/layout/pyramid1"/>
@@ -3387,7 +3402,7 @@
   <dgm:whole/>
   <dgm:extLst>
     <a:ext uri="http://schemas.microsoft.com/office/drawing/2008/diagram">
-      <dsp:dataModelExt xmlns:dsp="http://schemas.microsoft.com/office/drawing/2008/diagram" relId="rId6" minVer="http://schemas.openxmlformats.org/drawingml/2006/diagram"/>
+      <dsp:dataModelExt xmlns:dsp="http://schemas.microsoft.com/office/drawing/2008/diagram" xmlns="" relId="rId6" minVer="http://schemas.openxmlformats.org/drawingml/2006/diagram"/>
     </a:ext>
   </dgm:extLst>
 </dgm:dataModel>
@@ -10403,10 +10418,1059 @@
   <p:clrMapOvr>
     <a:masterClrMapping/>
   </p:clrMapOvr>
+  <p:timing>
+    <p:tnLst>
+      <p:par>
+        <p:cTn id="1" dur="indefinite" restart="never" nodeType="tmRoot"/>
+      </p:par>
+    </p:tnLst>
+  </p:timing>
 </p:sld>
 </file>
 
 <file path=ppt/slides/slide10.xml><?xml version="1.0" encoding="utf-8"?>
+<p:sld xmlns:a="http://schemas.openxmlformats.org/drawingml/2006/main" xmlns:r="http://schemas.openxmlformats.org/officeDocument/2006/relationships" xmlns:p="http://schemas.openxmlformats.org/presentationml/2006/main">
+  <p:cSld>
+    <p:spTree>
+      <p:nvGrpSpPr>
+        <p:cNvPr id="1" name=""/>
+        <p:cNvGrpSpPr/>
+        <p:nvPr/>
+      </p:nvGrpSpPr>
+      <p:grpSpPr>
+        <a:xfrm>
+          <a:off x="0" y="0"/>
+          <a:ext cx="0" cy="0"/>
+          <a:chOff x="0" y="0"/>
+          <a:chExt cx="0" cy="0"/>
+        </a:xfrm>
+      </p:grpSpPr>
+      <p:grpSp>
+        <p:nvGrpSpPr>
+          <p:cNvPr id="7" name="Gruppierung 6"/>
+          <p:cNvGrpSpPr/>
+          <p:nvPr/>
+        </p:nvGrpSpPr>
+        <p:grpSpPr>
+          <a:xfrm>
+            <a:off x="683568" y="1011773"/>
+            <a:ext cx="7368394" cy="4497869"/>
+            <a:chOff x="683568" y="1011773"/>
+            <a:chExt cx="7368394" cy="4497869"/>
+          </a:xfrm>
+        </p:grpSpPr>
+        <p:sp>
+          <p:nvSpPr>
+            <p:cNvPr id="8" name="Nach oben gebogener Pfeil 7"/>
+            <p:cNvSpPr/>
+            <p:nvPr/>
+          </p:nvSpPr>
+          <p:spPr>
+            <a:xfrm rot="5400000">
+              <a:off x="1148757" y="1847546"/>
+              <a:ext cx="1013034" cy="1153303"/>
+            </a:xfrm>
+            <a:prstGeom prst="bentUpArrow">
+              <a:avLst>
+                <a:gd name="adj1" fmla="val 32840"/>
+                <a:gd name="adj2" fmla="val 25000"/>
+                <a:gd name="adj3" fmla="val 35780"/>
+              </a:avLst>
+            </a:prstGeom>
+          </p:spPr>
+          <p:style>
+            <a:lnRef idx="1">
+              <a:schemeClr val="dk1">
+                <a:shade val="80000"/>
+                <a:hueOff val="0"/>
+                <a:satOff val="0"/>
+                <a:lumOff val="0"/>
+                <a:alphaOff val="0"/>
+              </a:schemeClr>
+            </a:lnRef>
+            <a:fillRef idx="1">
+              <a:schemeClr val="dk1">
+                <a:tint val="40000"/>
+                <a:hueOff val="0"/>
+                <a:satOff val="0"/>
+                <a:lumOff val="0"/>
+                <a:alphaOff val="0"/>
+              </a:schemeClr>
+            </a:fillRef>
+            <a:effectRef idx="1">
+              <a:schemeClr val="dk1">
+                <a:tint val="40000"/>
+                <a:hueOff val="0"/>
+                <a:satOff val="0"/>
+                <a:lumOff val="0"/>
+                <a:alphaOff val="0"/>
+              </a:schemeClr>
+            </a:effectRef>
+            <a:fontRef idx="minor">
+              <a:schemeClr val="lt1">
+                <a:hueOff val="0"/>
+                <a:satOff val="0"/>
+                <a:lumOff val="0"/>
+                <a:alphaOff val="0"/>
+              </a:schemeClr>
+            </a:fontRef>
+          </p:style>
+        </p:sp>
+        <p:sp>
+          <p:nvSpPr>
+            <p:cNvPr id="9" name="Freihandform 8"/>
+            <p:cNvSpPr/>
+            <p:nvPr/>
+          </p:nvSpPr>
+          <p:spPr>
+            <a:xfrm>
+              <a:off x="683568" y="1340763"/>
+              <a:ext cx="2671760" cy="541984"/>
+            </a:xfrm>
+            <a:custGeom>
+              <a:avLst/>
+              <a:gdLst>
+                <a:gd name="connsiteX0" fmla="*/ 0 w 2671760"/>
+                <a:gd name="connsiteY0" fmla="*/ 90349 h 541984"/>
+                <a:gd name="connsiteX1" fmla="*/ 90349 w 2671760"/>
+                <a:gd name="connsiteY1" fmla="*/ 0 h 541984"/>
+                <a:gd name="connsiteX2" fmla="*/ 2581411 w 2671760"/>
+                <a:gd name="connsiteY2" fmla="*/ 0 h 541984"/>
+                <a:gd name="connsiteX3" fmla="*/ 2671760 w 2671760"/>
+                <a:gd name="connsiteY3" fmla="*/ 90349 h 541984"/>
+                <a:gd name="connsiteX4" fmla="*/ 2671760 w 2671760"/>
+                <a:gd name="connsiteY4" fmla="*/ 451635 h 541984"/>
+                <a:gd name="connsiteX5" fmla="*/ 2581411 w 2671760"/>
+                <a:gd name="connsiteY5" fmla="*/ 541984 h 541984"/>
+                <a:gd name="connsiteX6" fmla="*/ 90349 w 2671760"/>
+                <a:gd name="connsiteY6" fmla="*/ 541984 h 541984"/>
+                <a:gd name="connsiteX7" fmla="*/ 0 w 2671760"/>
+                <a:gd name="connsiteY7" fmla="*/ 451635 h 541984"/>
+                <a:gd name="connsiteX8" fmla="*/ 0 w 2671760"/>
+                <a:gd name="connsiteY8" fmla="*/ 90349 h 541984"/>
+              </a:gdLst>
+              <a:ahLst/>
+              <a:cxnLst>
+                <a:cxn ang="0">
+                  <a:pos x="connsiteX0" y="connsiteY0"/>
+                </a:cxn>
+                <a:cxn ang="0">
+                  <a:pos x="connsiteX1" y="connsiteY1"/>
+                </a:cxn>
+                <a:cxn ang="0">
+                  <a:pos x="connsiteX2" y="connsiteY2"/>
+                </a:cxn>
+                <a:cxn ang="0">
+                  <a:pos x="connsiteX3" y="connsiteY3"/>
+                </a:cxn>
+                <a:cxn ang="0">
+                  <a:pos x="connsiteX4" y="connsiteY4"/>
+                </a:cxn>
+                <a:cxn ang="0">
+                  <a:pos x="connsiteX5" y="connsiteY5"/>
+                </a:cxn>
+                <a:cxn ang="0">
+                  <a:pos x="connsiteX6" y="connsiteY6"/>
+                </a:cxn>
+                <a:cxn ang="0">
+                  <a:pos x="connsiteX7" y="connsiteY7"/>
+                </a:cxn>
+                <a:cxn ang="0">
+                  <a:pos x="connsiteX8" y="connsiteY8"/>
+                </a:cxn>
+              </a:cxnLst>
+              <a:rect l="l" t="t" r="r" b="b"/>
+              <a:pathLst>
+                <a:path w="2671760" h="541984">
+                  <a:moveTo>
+                    <a:pt x="0" y="90349"/>
+                  </a:moveTo>
+                  <a:cubicBezTo>
+                    <a:pt x="0" y="40451"/>
+                    <a:pt x="40451" y="0"/>
+                    <a:pt x="90349" y="0"/>
+                  </a:cubicBezTo>
+                  <a:lnTo>
+                    <a:pt x="2581411" y="0"/>
+                  </a:lnTo>
+                  <a:cubicBezTo>
+                    <a:pt x="2631309" y="0"/>
+                    <a:pt x="2671760" y="40451"/>
+                    <a:pt x="2671760" y="90349"/>
+                  </a:cubicBezTo>
+                  <a:lnTo>
+                    <a:pt x="2671760" y="451635"/>
+                  </a:lnTo>
+                  <a:cubicBezTo>
+                    <a:pt x="2671760" y="501533"/>
+                    <a:pt x="2631309" y="541984"/>
+                    <a:pt x="2581411" y="541984"/>
+                  </a:cubicBezTo>
+                  <a:lnTo>
+                    <a:pt x="90349" y="541984"/>
+                  </a:lnTo>
+                  <a:cubicBezTo>
+                    <a:pt x="40451" y="541984"/>
+                    <a:pt x="0" y="501533"/>
+                    <a:pt x="0" y="451635"/>
+                  </a:cubicBezTo>
+                  <a:lnTo>
+                    <a:pt x="0" y="90349"/>
+                  </a:lnTo>
+                  <a:close/>
+                </a:path>
+              </a:pathLst>
+            </a:custGeom>
+            <a:scene3d>
+              <a:camera prst="orthographicFront"/>
+              <a:lightRig rig="flat" dir="t"/>
+            </a:scene3d>
+            <a:sp3d prstMaterial="dkEdge">
+              <a:bevelT w="8200" h="38100"/>
+            </a:sp3d>
+          </p:spPr>
+          <p:style>
+            <a:lnRef idx="0">
+              <a:schemeClr val="dk1">
+                <a:shade val="80000"/>
+                <a:hueOff val="0"/>
+                <a:satOff val="0"/>
+                <a:lumOff val="0"/>
+                <a:alphaOff val="0"/>
+              </a:schemeClr>
+            </a:lnRef>
+            <a:fillRef idx="2">
+              <a:schemeClr val="lt1">
+                <a:hueOff val="0"/>
+                <a:satOff val="0"/>
+                <a:lumOff val="0"/>
+                <a:alphaOff val="0"/>
+              </a:schemeClr>
+            </a:fillRef>
+            <a:effectRef idx="1">
+              <a:schemeClr val="lt1">
+                <a:hueOff val="0"/>
+                <a:satOff val="0"/>
+                <a:lumOff val="0"/>
+                <a:alphaOff val="0"/>
+              </a:schemeClr>
+            </a:effectRef>
+            <a:fontRef idx="minor">
+              <a:schemeClr val="dk1">
+                <a:hueOff val="0"/>
+                <a:satOff val="0"/>
+                <a:lumOff val="0"/>
+                <a:alphaOff val="0"/>
+              </a:schemeClr>
+            </a:fontRef>
+          </p:style>
+          <p:txBody>
+            <a:bodyPr spcFirstLastPara="0" vert="horz" wrap="square" lIns="110282" tIns="110282" rIns="110282" bIns="110282" numCol="1" spcCol="1270" anchor="ctr" anchorCtr="0">
+              <a:noAutofit/>
+            </a:bodyPr>
+            <a:lstStyle/>
+            <a:p>
+              <a:pPr lvl="0" algn="ctr" defTabSz="977900">
+                <a:lnSpc>
+                  <a:spcPct val="90000"/>
+                </a:lnSpc>
+                <a:spcBef>
+                  <a:spcPct val="0"/>
+                </a:spcBef>
+                <a:spcAft>
+                  <a:spcPct val="35000"/>
+                </a:spcAft>
+              </a:pPr>
+              <a:r>
+                <a:rPr lang="de-DE" sz="2200" kern="1200" dirty="0"/>
+                <a:t>Pflichtenheft</a:t>
+              </a:r>
+            </a:p>
+          </p:txBody>
+        </p:sp>
+        <p:sp>
+          <p:nvSpPr>
+            <p:cNvPr id="10" name="Rechteck 9"/>
+            <p:cNvSpPr/>
+            <p:nvPr/>
+          </p:nvSpPr>
+          <p:spPr>
+            <a:xfrm>
+              <a:off x="2874252" y="1011773"/>
+              <a:ext cx="1240311" cy="964794"/>
+            </a:xfrm>
+            <a:prstGeom prst="rect">
+              <a:avLst/>
+            </a:prstGeom>
+          </p:spPr>
+          <p:style>
+            <a:lnRef idx="0">
+              <a:schemeClr val="dk1">
+                <a:alpha val="0"/>
+                <a:hueOff val="0"/>
+                <a:satOff val="0"/>
+                <a:lumOff val="0"/>
+                <a:alphaOff val="0"/>
+              </a:schemeClr>
+            </a:lnRef>
+            <a:fillRef idx="0">
+              <a:schemeClr val="lt1">
+                <a:alpha val="0"/>
+                <a:hueOff val="0"/>
+                <a:satOff val="0"/>
+                <a:lumOff val="0"/>
+                <a:alphaOff val="0"/>
+              </a:schemeClr>
+            </a:fillRef>
+            <a:effectRef idx="0">
+              <a:schemeClr val="lt1">
+                <a:alpha val="0"/>
+                <a:hueOff val="0"/>
+                <a:satOff val="0"/>
+                <a:lumOff val="0"/>
+                <a:alphaOff val="0"/>
+              </a:schemeClr>
+            </a:effectRef>
+            <a:fontRef idx="minor">
+              <a:schemeClr val="tx1">
+                <a:hueOff val="0"/>
+                <a:satOff val="0"/>
+                <a:lumOff val="0"/>
+                <a:alphaOff val="0"/>
+              </a:schemeClr>
+            </a:fontRef>
+          </p:style>
+        </p:sp>
+        <p:sp>
+          <p:nvSpPr>
+            <p:cNvPr id="11" name="Nach oben gebogener Pfeil 10"/>
+            <p:cNvSpPr/>
+            <p:nvPr/>
+          </p:nvSpPr>
+          <p:spPr>
+            <a:xfrm rot="5400000">
+              <a:off x="2769931" y="2998825"/>
+              <a:ext cx="1013034" cy="1153303"/>
+            </a:xfrm>
+            <a:prstGeom prst="bentUpArrow">
+              <a:avLst>
+                <a:gd name="adj1" fmla="val 32840"/>
+                <a:gd name="adj2" fmla="val 25000"/>
+                <a:gd name="adj3" fmla="val 35780"/>
+              </a:avLst>
+            </a:prstGeom>
+          </p:spPr>
+          <p:style>
+            <a:lnRef idx="1">
+              <a:schemeClr val="dk1">
+                <a:shade val="80000"/>
+                <a:hueOff val="0"/>
+                <a:satOff val="0"/>
+                <a:lumOff val="0"/>
+                <a:alphaOff val="0"/>
+              </a:schemeClr>
+            </a:lnRef>
+            <a:fillRef idx="1">
+              <a:schemeClr val="dk1">
+                <a:tint val="40000"/>
+                <a:hueOff val="0"/>
+                <a:satOff val="0"/>
+                <a:lumOff val="0"/>
+                <a:alphaOff val="0"/>
+              </a:schemeClr>
+            </a:fillRef>
+            <a:effectRef idx="1">
+              <a:schemeClr val="dk1">
+                <a:tint val="40000"/>
+                <a:hueOff val="0"/>
+                <a:satOff val="0"/>
+                <a:lumOff val="0"/>
+                <a:alphaOff val="0"/>
+              </a:schemeClr>
+            </a:effectRef>
+            <a:fontRef idx="minor">
+              <a:schemeClr val="lt1">
+                <a:hueOff val="0"/>
+                <a:satOff val="0"/>
+                <a:lumOff val="0"/>
+                <a:alphaOff val="0"/>
+              </a:schemeClr>
+            </a:fontRef>
+          </p:style>
+        </p:sp>
+        <p:sp>
+          <p:nvSpPr>
+            <p:cNvPr id="12" name="Freihandform 11"/>
+            <p:cNvSpPr/>
+            <p:nvPr/>
+          </p:nvSpPr>
+          <p:spPr>
+            <a:xfrm>
+              <a:off x="2267738" y="2420890"/>
+              <a:ext cx="2641422" cy="619180"/>
+            </a:xfrm>
+            <a:custGeom>
+              <a:avLst/>
+              <a:gdLst>
+                <a:gd name="connsiteX0" fmla="*/ 0 w 2641422"/>
+                <a:gd name="connsiteY0" fmla="*/ 103217 h 619180"/>
+                <a:gd name="connsiteX1" fmla="*/ 103217 w 2641422"/>
+                <a:gd name="connsiteY1" fmla="*/ 0 h 619180"/>
+                <a:gd name="connsiteX2" fmla="*/ 2538205 w 2641422"/>
+                <a:gd name="connsiteY2" fmla="*/ 0 h 619180"/>
+                <a:gd name="connsiteX3" fmla="*/ 2641422 w 2641422"/>
+                <a:gd name="connsiteY3" fmla="*/ 103217 h 619180"/>
+                <a:gd name="connsiteX4" fmla="*/ 2641422 w 2641422"/>
+                <a:gd name="connsiteY4" fmla="*/ 515963 h 619180"/>
+                <a:gd name="connsiteX5" fmla="*/ 2538205 w 2641422"/>
+                <a:gd name="connsiteY5" fmla="*/ 619180 h 619180"/>
+                <a:gd name="connsiteX6" fmla="*/ 103217 w 2641422"/>
+                <a:gd name="connsiteY6" fmla="*/ 619180 h 619180"/>
+                <a:gd name="connsiteX7" fmla="*/ 0 w 2641422"/>
+                <a:gd name="connsiteY7" fmla="*/ 515963 h 619180"/>
+                <a:gd name="connsiteX8" fmla="*/ 0 w 2641422"/>
+                <a:gd name="connsiteY8" fmla="*/ 103217 h 619180"/>
+              </a:gdLst>
+              <a:ahLst/>
+              <a:cxnLst>
+                <a:cxn ang="0">
+                  <a:pos x="connsiteX0" y="connsiteY0"/>
+                </a:cxn>
+                <a:cxn ang="0">
+                  <a:pos x="connsiteX1" y="connsiteY1"/>
+                </a:cxn>
+                <a:cxn ang="0">
+                  <a:pos x="connsiteX2" y="connsiteY2"/>
+                </a:cxn>
+                <a:cxn ang="0">
+                  <a:pos x="connsiteX3" y="connsiteY3"/>
+                </a:cxn>
+                <a:cxn ang="0">
+                  <a:pos x="connsiteX4" y="connsiteY4"/>
+                </a:cxn>
+                <a:cxn ang="0">
+                  <a:pos x="connsiteX5" y="connsiteY5"/>
+                </a:cxn>
+                <a:cxn ang="0">
+                  <a:pos x="connsiteX6" y="connsiteY6"/>
+                </a:cxn>
+                <a:cxn ang="0">
+                  <a:pos x="connsiteX7" y="connsiteY7"/>
+                </a:cxn>
+                <a:cxn ang="0">
+                  <a:pos x="connsiteX8" y="connsiteY8"/>
+                </a:cxn>
+              </a:cxnLst>
+              <a:rect l="l" t="t" r="r" b="b"/>
+              <a:pathLst>
+                <a:path w="2641422" h="619180">
+                  <a:moveTo>
+                    <a:pt x="0" y="103217"/>
+                  </a:moveTo>
+                  <a:cubicBezTo>
+                    <a:pt x="0" y="46212"/>
+                    <a:pt x="46212" y="0"/>
+                    <a:pt x="103217" y="0"/>
+                  </a:cubicBezTo>
+                  <a:lnTo>
+                    <a:pt x="2538205" y="0"/>
+                  </a:lnTo>
+                  <a:cubicBezTo>
+                    <a:pt x="2595210" y="0"/>
+                    <a:pt x="2641422" y="46212"/>
+                    <a:pt x="2641422" y="103217"/>
+                  </a:cubicBezTo>
+                  <a:lnTo>
+                    <a:pt x="2641422" y="515963"/>
+                  </a:lnTo>
+                  <a:cubicBezTo>
+                    <a:pt x="2641422" y="572968"/>
+                    <a:pt x="2595210" y="619180"/>
+                    <a:pt x="2538205" y="619180"/>
+                  </a:cubicBezTo>
+                  <a:lnTo>
+                    <a:pt x="103217" y="619180"/>
+                  </a:lnTo>
+                  <a:cubicBezTo>
+                    <a:pt x="46212" y="619180"/>
+                    <a:pt x="0" y="572968"/>
+                    <a:pt x="0" y="515963"/>
+                  </a:cubicBezTo>
+                  <a:lnTo>
+                    <a:pt x="0" y="103217"/>
+                  </a:lnTo>
+                  <a:close/>
+                </a:path>
+              </a:pathLst>
+            </a:custGeom>
+          </p:spPr>
+          <p:style>
+            <a:lnRef idx="1">
+              <a:schemeClr val="accent1"/>
+            </a:lnRef>
+            <a:fillRef idx="2">
+              <a:schemeClr val="accent1"/>
+            </a:fillRef>
+            <a:effectRef idx="1">
+              <a:schemeClr val="accent1"/>
+            </a:effectRef>
+            <a:fontRef idx="minor">
+              <a:schemeClr val="dk1"/>
+            </a:fontRef>
+          </p:style>
+          <p:txBody>
+            <a:bodyPr spcFirstLastPara="0" vert="horz" wrap="square" lIns="114051" tIns="114051" rIns="114051" bIns="114051" numCol="1" spcCol="1270" anchor="ctr" anchorCtr="0">
+              <a:noAutofit/>
+            </a:bodyPr>
+            <a:lstStyle/>
+            <a:p>
+              <a:pPr lvl="0" algn="ctr" defTabSz="977900">
+                <a:lnSpc>
+                  <a:spcPct val="90000"/>
+                </a:lnSpc>
+                <a:spcBef>
+                  <a:spcPct val="0"/>
+                </a:spcBef>
+                <a:spcAft>
+                  <a:spcPct val="35000"/>
+                </a:spcAft>
+              </a:pPr>
+              <a:r>
+                <a:rPr lang="de-DE" sz="2200" b="1" kern="1200" dirty="0"/>
+                <a:t>Entwurf</a:t>
+              </a:r>
+            </a:p>
+          </p:txBody>
+        </p:sp>
+        <p:sp>
+          <p:nvSpPr>
+            <p:cNvPr id="13" name="Rechteck 12"/>
+            <p:cNvSpPr/>
+            <p:nvPr/>
+          </p:nvSpPr>
+          <p:spPr>
+            <a:xfrm>
+              <a:off x="4504940" y="2238837"/>
+              <a:ext cx="1240311" cy="964794"/>
+            </a:xfrm>
+            <a:prstGeom prst="rect">
+              <a:avLst/>
+            </a:prstGeom>
+          </p:spPr>
+          <p:style>
+            <a:lnRef idx="0">
+              <a:schemeClr val="dk1">
+                <a:alpha val="0"/>
+                <a:hueOff val="0"/>
+                <a:satOff val="0"/>
+                <a:lumOff val="0"/>
+                <a:alphaOff val="0"/>
+              </a:schemeClr>
+            </a:lnRef>
+            <a:fillRef idx="0">
+              <a:schemeClr val="lt1">
+                <a:alpha val="0"/>
+                <a:hueOff val="0"/>
+                <a:satOff val="0"/>
+                <a:lumOff val="0"/>
+                <a:alphaOff val="0"/>
+              </a:schemeClr>
+            </a:fillRef>
+            <a:effectRef idx="0">
+              <a:schemeClr val="lt1">
+                <a:alpha val="0"/>
+                <a:hueOff val="0"/>
+                <a:satOff val="0"/>
+                <a:lumOff val="0"/>
+                <a:alphaOff val="0"/>
+              </a:schemeClr>
+            </a:effectRef>
+            <a:fontRef idx="minor">
+              <a:schemeClr val="tx1">
+                <a:hueOff val="0"/>
+                <a:satOff val="0"/>
+                <a:lumOff val="0"/>
+                <a:alphaOff val="0"/>
+              </a:schemeClr>
+            </a:fontRef>
+          </p:style>
+        </p:sp>
+        <p:sp>
+          <p:nvSpPr>
+            <p:cNvPr id="14" name="Nach oben gebogener Pfeil 13"/>
+            <p:cNvSpPr/>
+            <p:nvPr/>
+          </p:nvSpPr>
+          <p:spPr>
+            <a:xfrm rot="5400000">
+              <a:off x="4354105" y="4222962"/>
+              <a:ext cx="1013034" cy="1153303"/>
+            </a:xfrm>
+            <a:prstGeom prst="bentUpArrow">
+              <a:avLst>
+                <a:gd name="adj1" fmla="val 32840"/>
+                <a:gd name="adj2" fmla="val 25000"/>
+                <a:gd name="adj3" fmla="val 35780"/>
+              </a:avLst>
+            </a:prstGeom>
+          </p:spPr>
+          <p:style>
+            <a:lnRef idx="1">
+              <a:schemeClr val="dk1">
+                <a:shade val="80000"/>
+                <a:hueOff val="0"/>
+                <a:satOff val="0"/>
+                <a:lumOff val="0"/>
+                <a:alphaOff val="0"/>
+              </a:schemeClr>
+            </a:lnRef>
+            <a:fillRef idx="1">
+              <a:schemeClr val="dk1">
+                <a:tint val="40000"/>
+                <a:hueOff val="0"/>
+                <a:satOff val="0"/>
+                <a:lumOff val="0"/>
+                <a:alphaOff val="0"/>
+              </a:schemeClr>
+            </a:fillRef>
+            <a:effectRef idx="1">
+              <a:schemeClr val="dk1">
+                <a:tint val="40000"/>
+                <a:hueOff val="0"/>
+                <a:satOff val="0"/>
+                <a:lumOff val="0"/>
+                <a:alphaOff val="0"/>
+              </a:schemeClr>
+            </a:effectRef>
+            <a:fontRef idx="minor">
+              <a:schemeClr val="lt1">
+                <a:hueOff val="0"/>
+                <a:satOff val="0"/>
+                <a:lumOff val="0"/>
+                <a:alphaOff val="0"/>
+              </a:schemeClr>
+            </a:fontRef>
+          </p:style>
+        </p:sp>
+        <p:sp>
+          <p:nvSpPr>
+            <p:cNvPr id="15" name="Freihandform 14"/>
+            <p:cNvSpPr/>
+            <p:nvPr/>
+          </p:nvSpPr>
+          <p:spPr>
+            <a:xfrm>
+              <a:off x="3900770" y="3588825"/>
+              <a:ext cx="2713865" cy="669422"/>
+            </a:xfrm>
+            <a:custGeom>
+              <a:avLst/>
+              <a:gdLst>
+                <a:gd name="connsiteX0" fmla="*/ 0 w 2713865"/>
+                <a:gd name="connsiteY0" fmla="*/ 111593 h 669422"/>
+                <a:gd name="connsiteX1" fmla="*/ 111593 w 2713865"/>
+                <a:gd name="connsiteY1" fmla="*/ 0 h 669422"/>
+                <a:gd name="connsiteX2" fmla="*/ 2602272 w 2713865"/>
+                <a:gd name="connsiteY2" fmla="*/ 0 h 669422"/>
+                <a:gd name="connsiteX3" fmla="*/ 2713865 w 2713865"/>
+                <a:gd name="connsiteY3" fmla="*/ 111593 h 669422"/>
+                <a:gd name="connsiteX4" fmla="*/ 2713865 w 2713865"/>
+                <a:gd name="connsiteY4" fmla="*/ 557829 h 669422"/>
+                <a:gd name="connsiteX5" fmla="*/ 2602272 w 2713865"/>
+                <a:gd name="connsiteY5" fmla="*/ 669422 h 669422"/>
+                <a:gd name="connsiteX6" fmla="*/ 111593 w 2713865"/>
+                <a:gd name="connsiteY6" fmla="*/ 669422 h 669422"/>
+                <a:gd name="connsiteX7" fmla="*/ 0 w 2713865"/>
+                <a:gd name="connsiteY7" fmla="*/ 557829 h 669422"/>
+                <a:gd name="connsiteX8" fmla="*/ 0 w 2713865"/>
+                <a:gd name="connsiteY8" fmla="*/ 111593 h 669422"/>
+              </a:gdLst>
+              <a:ahLst/>
+              <a:cxnLst>
+                <a:cxn ang="0">
+                  <a:pos x="connsiteX0" y="connsiteY0"/>
+                </a:cxn>
+                <a:cxn ang="0">
+                  <a:pos x="connsiteX1" y="connsiteY1"/>
+                </a:cxn>
+                <a:cxn ang="0">
+                  <a:pos x="connsiteX2" y="connsiteY2"/>
+                </a:cxn>
+                <a:cxn ang="0">
+                  <a:pos x="connsiteX3" y="connsiteY3"/>
+                </a:cxn>
+                <a:cxn ang="0">
+                  <a:pos x="connsiteX4" y="connsiteY4"/>
+                </a:cxn>
+                <a:cxn ang="0">
+                  <a:pos x="connsiteX5" y="connsiteY5"/>
+                </a:cxn>
+                <a:cxn ang="0">
+                  <a:pos x="connsiteX6" y="connsiteY6"/>
+                </a:cxn>
+                <a:cxn ang="0">
+                  <a:pos x="connsiteX7" y="connsiteY7"/>
+                </a:cxn>
+                <a:cxn ang="0">
+                  <a:pos x="connsiteX8" y="connsiteY8"/>
+                </a:cxn>
+              </a:cxnLst>
+              <a:rect l="l" t="t" r="r" b="b"/>
+              <a:pathLst>
+                <a:path w="2713865" h="669422">
+                  <a:moveTo>
+                    <a:pt x="0" y="111593"/>
+                  </a:moveTo>
+                  <a:cubicBezTo>
+                    <a:pt x="0" y="49962"/>
+                    <a:pt x="49962" y="0"/>
+                    <a:pt x="111593" y="0"/>
+                  </a:cubicBezTo>
+                  <a:lnTo>
+                    <a:pt x="2602272" y="0"/>
+                  </a:lnTo>
+                  <a:cubicBezTo>
+                    <a:pt x="2663903" y="0"/>
+                    <a:pt x="2713865" y="49962"/>
+                    <a:pt x="2713865" y="111593"/>
+                  </a:cubicBezTo>
+                  <a:lnTo>
+                    <a:pt x="2713865" y="557829"/>
+                  </a:lnTo>
+                  <a:cubicBezTo>
+                    <a:pt x="2713865" y="619460"/>
+                    <a:pt x="2663903" y="669422"/>
+                    <a:pt x="2602272" y="669422"/>
+                  </a:cubicBezTo>
+                  <a:lnTo>
+                    <a:pt x="111593" y="669422"/>
+                  </a:lnTo>
+                  <a:cubicBezTo>
+                    <a:pt x="49962" y="669422"/>
+                    <a:pt x="0" y="619460"/>
+                    <a:pt x="0" y="557829"/>
+                  </a:cubicBezTo>
+                  <a:lnTo>
+                    <a:pt x="0" y="111593"/>
+                  </a:lnTo>
+                  <a:close/>
+                </a:path>
+              </a:pathLst>
+            </a:custGeom>
+            <a:scene3d>
+              <a:camera prst="orthographicFront"/>
+              <a:lightRig rig="flat" dir="t"/>
+            </a:scene3d>
+            <a:sp3d prstMaterial="dkEdge">
+              <a:bevelT w="8200" h="38100"/>
+            </a:sp3d>
+          </p:spPr>
+          <p:style>
+            <a:lnRef idx="0">
+              <a:schemeClr val="dk1">
+                <a:shade val="80000"/>
+                <a:hueOff val="0"/>
+                <a:satOff val="0"/>
+                <a:lumOff val="0"/>
+                <a:alphaOff val="0"/>
+              </a:schemeClr>
+            </a:lnRef>
+            <a:fillRef idx="2">
+              <a:schemeClr val="lt1">
+                <a:hueOff val="0"/>
+                <a:satOff val="0"/>
+                <a:lumOff val="0"/>
+                <a:alphaOff val="0"/>
+              </a:schemeClr>
+            </a:fillRef>
+            <a:effectRef idx="1">
+              <a:schemeClr val="lt1">
+                <a:hueOff val="0"/>
+                <a:satOff val="0"/>
+                <a:lumOff val="0"/>
+                <a:alphaOff val="0"/>
+              </a:schemeClr>
+            </a:effectRef>
+            <a:fontRef idx="minor">
+              <a:schemeClr val="dk1">
+                <a:hueOff val="0"/>
+                <a:satOff val="0"/>
+                <a:lumOff val="0"/>
+                <a:alphaOff val="0"/>
+              </a:schemeClr>
+            </a:fontRef>
+          </p:style>
+          <p:txBody>
+            <a:bodyPr spcFirstLastPara="0" vert="horz" wrap="square" lIns="116504" tIns="116504" rIns="116504" bIns="116504" numCol="1" spcCol="1270" anchor="ctr" anchorCtr="0">
+              <a:noAutofit/>
+            </a:bodyPr>
+            <a:lstStyle/>
+            <a:p>
+              <a:pPr lvl="0" algn="ctr" defTabSz="977900">
+                <a:lnSpc>
+                  <a:spcPct val="90000"/>
+                </a:lnSpc>
+                <a:spcBef>
+                  <a:spcPct val="0"/>
+                </a:spcBef>
+                <a:spcAft>
+                  <a:spcPct val="35000"/>
+                </a:spcAft>
+              </a:pPr>
+              <a:r>
+                <a:rPr lang="de-DE" sz="2200" kern="1200" dirty="0"/>
+                <a:t>Implementierung</a:t>
+              </a:r>
+            </a:p>
+          </p:txBody>
+        </p:sp>
+        <p:sp>
+          <p:nvSpPr>
+            <p:cNvPr id="16" name="Rechteck 15"/>
+            <p:cNvSpPr/>
+            <p:nvPr/>
+          </p:nvSpPr>
+          <p:spPr>
+            <a:xfrm>
+              <a:off x="6187019" y="3465902"/>
+              <a:ext cx="1240311" cy="964794"/>
+            </a:xfrm>
+            <a:prstGeom prst="rect">
+              <a:avLst/>
+            </a:prstGeom>
+          </p:spPr>
+          <p:style>
+            <a:lnRef idx="0">
+              <a:schemeClr val="dk1">
+                <a:alpha val="0"/>
+                <a:hueOff val="0"/>
+                <a:satOff val="0"/>
+                <a:lumOff val="0"/>
+                <a:alphaOff val="0"/>
+              </a:schemeClr>
+            </a:lnRef>
+            <a:fillRef idx="0">
+              <a:schemeClr val="lt1">
+                <a:alpha val="0"/>
+                <a:hueOff val="0"/>
+                <a:satOff val="0"/>
+                <a:lumOff val="0"/>
+                <a:alphaOff val="0"/>
+              </a:schemeClr>
+            </a:fillRef>
+            <a:effectRef idx="0">
+              <a:schemeClr val="lt1">
+                <a:alpha val="0"/>
+                <a:hueOff val="0"/>
+                <a:satOff val="0"/>
+                <a:lumOff val="0"/>
+                <a:alphaOff val="0"/>
+              </a:schemeClr>
+            </a:effectRef>
+            <a:fontRef idx="minor">
+              <a:schemeClr val="tx1">
+                <a:hueOff val="0"/>
+                <a:satOff val="0"/>
+                <a:lumOff val="0"/>
+                <a:alphaOff val="0"/>
+              </a:schemeClr>
+            </a:fontRef>
+          </p:style>
+        </p:sp>
+        <p:sp>
+          <p:nvSpPr>
+            <p:cNvPr id="17" name="Freihandform 16"/>
+            <p:cNvSpPr/>
+            <p:nvPr/>
+          </p:nvSpPr>
+          <p:spPr>
+            <a:xfrm>
+              <a:off x="5432949" y="4804206"/>
+              <a:ext cx="2619013" cy="705436"/>
+            </a:xfrm>
+            <a:custGeom>
+              <a:avLst/>
+              <a:gdLst>
+                <a:gd name="connsiteX0" fmla="*/ 0 w 2619013"/>
+                <a:gd name="connsiteY0" fmla="*/ 117596 h 705436"/>
+                <a:gd name="connsiteX1" fmla="*/ 117596 w 2619013"/>
+                <a:gd name="connsiteY1" fmla="*/ 0 h 705436"/>
+                <a:gd name="connsiteX2" fmla="*/ 2501417 w 2619013"/>
+                <a:gd name="connsiteY2" fmla="*/ 0 h 705436"/>
+                <a:gd name="connsiteX3" fmla="*/ 2619013 w 2619013"/>
+                <a:gd name="connsiteY3" fmla="*/ 117596 h 705436"/>
+                <a:gd name="connsiteX4" fmla="*/ 2619013 w 2619013"/>
+                <a:gd name="connsiteY4" fmla="*/ 587840 h 705436"/>
+                <a:gd name="connsiteX5" fmla="*/ 2501417 w 2619013"/>
+                <a:gd name="connsiteY5" fmla="*/ 705436 h 705436"/>
+                <a:gd name="connsiteX6" fmla="*/ 117596 w 2619013"/>
+                <a:gd name="connsiteY6" fmla="*/ 705436 h 705436"/>
+                <a:gd name="connsiteX7" fmla="*/ 0 w 2619013"/>
+                <a:gd name="connsiteY7" fmla="*/ 587840 h 705436"/>
+                <a:gd name="connsiteX8" fmla="*/ 0 w 2619013"/>
+                <a:gd name="connsiteY8" fmla="*/ 117596 h 705436"/>
+              </a:gdLst>
+              <a:ahLst/>
+              <a:cxnLst>
+                <a:cxn ang="0">
+                  <a:pos x="connsiteX0" y="connsiteY0"/>
+                </a:cxn>
+                <a:cxn ang="0">
+                  <a:pos x="connsiteX1" y="connsiteY1"/>
+                </a:cxn>
+                <a:cxn ang="0">
+                  <a:pos x="connsiteX2" y="connsiteY2"/>
+                </a:cxn>
+                <a:cxn ang="0">
+                  <a:pos x="connsiteX3" y="connsiteY3"/>
+                </a:cxn>
+                <a:cxn ang="0">
+                  <a:pos x="connsiteX4" y="connsiteY4"/>
+                </a:cxn>
+                <a:cxn ang="0">
+                  <a:pos x="connsiteX5" y="connsiteY5"/>
+                </a:cxn>
+                <a:cxn ang="0">
+                  <a:pos x="connsiteX6" y="connsiteY6"/>
+                </a:cxn>
+                <a:cxn ang="0">
+                  <a:pos x="connsiteX7" y="connsiteY7"/>
+                </a:cxn>
+                <a:cxn ang="0">
+                  <a:pos x="connsiteX8" y="connsiteY8"/>
+                </a:cxn>
+              </a:cxnLst>
+              <a:rect l="l" t="t" r="r" b="b"/>
+              <a:pathLst>
+                <a:path w="2619013" h="705436">
+                  <a:moveTo>
+                    <a:pt x="0" y="117596"/>
+                  </a:moveTo>
+                  <a:cubicBezTo>
+                    <a:pt x="0" y="52650"/>
+                    <a:pt x="52650" y="0"/>
+                    <a:pt x="117596" y="0"/>
+                  </a:cubicBezTo>
+                  <a:lnTo>
+                    <a:pt x="2501417" y="0"/>
+                  </a:lnTo>
+                  <a:cubicBezTo>
+                    <a:pt x="2566363" y="0"/>
+                    <a:pt x="2619013" y="52650"/>
+                    <a:pt x="2619013" y="117596"/>
+                  </a:cubicBezTo>
+                  <a:lnTo>
+                    <a:pt x="2619013" y="587840"/>
+                  </a:lnTo>
+                  <a:cubicBezTo>
+                    <a:pt x="2619013" y="652786"/>
+                    <a:pt x="2566363" y="705436"/>
+                    <a:pt x="2501417" y="705436"/>
+                  </a:cubicBezTo>
+                  <a:lnTo>
+                    <a:pt x="117596" y="705436"/>
+                  </a:lnTo>
+                  <a:cubicBezTo>
+                    <a:pt x="52650" y="705436"/>
+                    <a:pt x="0" y="652786"/>
+                    <a:pt x="0" y="587840"/>
+                  </a:cubicBezTo>
+                  <a:lnTo>
+                    <a:pt x="0" y="117596"/>
+                  </a:lnTo>
+                  <a:close/>
+                </a:path>
+              </a:pathLst>
+            </a:custGeom>
+            <a:scene3d>
+              <a:camera prst="orthographicFront"/>
+              <a:lightRig rig="flat" dir="t"/>
+            </a:scene3d>
+            <a:sp3d prstMaterial="dkEdge">
+              <a:bevelT w="8200" h="38100"/>
+            </a:sp3d>
+          </p:spPr>
+          <p:style>
+            <a:lnRef idx="0">
+              <a:schemeClr val="dk1">
+                <a:shade val="80000"/>
+                <a:hueOff val="0"/>
+                <a:satOff val="0"/>
+                <a:lumOff val="0"/>
+                <a:alphaOff val="0"/>
+              </a:schemeClr>
+            </a:lnRef>
+            <a:fillRef idx="2">
+              <a:schemeClr val="lt1">
+                <a:hueOff val="0"/>
+                <a:satOff val="0"/>
+                <a:lumOff val="0"/>
+                <a:alphaOff val="0"/>
+              </a:schemeClr>
+            </a:fillRef>
+            <a:effectRef idx="1">
+              <a:schemeClr val="lt1">
+                <a:hueOff val="0"/>
+                <a:satOff val="0"/>
+                <a:lumOff val="0"/>
+                <a:alphaOff val="0"/>
+              </a:schemeClr>
+            </a:effectRef>
+            <a:fontRef idx="minor">
+              <a:schemeClr val="dk1">
+                <a:hueOff val="0"/>
+                <a:satOff val="0"/>
+                <a:lumOff val="0"/>
+                <a:alphaOff val="0"/>
+              </a:schemeClr>
+            </a:fontRef>
+          </p:style>
+          <p:txBody>
+            <a:bodyPr spcFirstLastPara="0" vert="horz" wrap="square" lIns="118263" tIns="118263" rIns="118263" bIns="118263" numCol="1" spcCol="1270" anchor="ctr" anchorCtr="0">
+              <a:noAutofit/>
+            </a:bodyPr>
+            <a:lstStyle/>
+            <a:p>
+              <a:pPr lvl="0" algn="ctr" defTabSz="977900">
+                <a:lnSpc>
+                  <a:spcPct val="90000"/>
+                </a:lnSpc>
+                <a:spcBef>
+                  <a:spcPct val="0"/>
+                </a:spcBef>
+                <a:spcAft>
+                  <a:spcPct val="35000"/>
+                </a:spcAft>
+              </a:pPr>
+              <a:r>
+                <a:rPr lang="de-DE" sz="2200" kern="1200" dirty="0"/>
+                <a:t>Qualitätssicherung</a:t>
+              </a:r>
+            </a:p>
+          </p:txBody>
+        </p:sp>
+      </p:grpSp>
+    </p:spTree>
+    <p:extLst>
+      <p:ext uri="{BB962C8B-B14F-4D97-AF65-F5344CB8AC3E}">
+        <p14:creationId xmlns:p14="http://schemas.microsoft.com/office/powerpoint/2010/main" xmlns="" val="369021320"/>
+      </p:ext>
+    </p:extLst>
+  </p:cSld>
+  <p:clrMapOvr>
+    <a:masterClrMapping/>
+  </p:clrMapOvr>
+  <p:timing>
+    <p:tnLst>
+      <p:par>
+        <p:cTn id="1" dur="indefinite" restart="never" nodeType="tmRoot"/>
+      </p:par>
+    </p:tnLst>
+  </p:timing>
+</p:sld>
+</file>
+
+<file path=ppt/slides/slide11.xml><?xml version="1.0" encoding="utf-8"?>
 <p:sld xmlns:a="http://schemas.openxmlformats.org/drawingml/2006/main" xmlns:r="http://schemas.openxmlformats.org/officeDocument/2006/relationships" xmlns:p="http://schemas.openxmlformats.org/presentationml/2006/main">
   <p:cSld>
     <p:spTree>
@@ -10783,7 +11847,7 @@
     </p:spTree>
     <p:extLst>
       <p:ext uri="{BB962C8B-B14F-4D97-AF65-F5344CB8AC3E}">
-        <p14:creationId xmlns:p14="http://schemas.microsoft.com/office/powerpoint/2010/main" val="1925524024"/>
+        <p14:creationId xmlns:p14="http://schemas.microsoft.com/office/powerpoint/2010/main" xmlns="" val="1925524024"/>
       </p:ext>
     </p:extLst>
   </p:cSld>
@@ -10793,7 +11857,7 @@
 </p:sld>
 </file>
 
-<file path=ppt/slides/slide11.xml><?xml version="1.0" encoding="utf-8"?>
+<file path=ppt/slides/slide12.xml><?xml version="1.0" encoding="utf-8"?>
 <p:sld xmlns:a="http://schemas.openxmlformats.org/drawingml/2006/main" xmlns:r="http://schemas.openxmlformats.org/officeDocument/2006/relationships" xmlns:p="http://schemas.openxmlformats.org/presentationml/2006/main">
   <p:cSld>
     <p:spTree>
@@ -11818,7 +12882,7 @@
     </p:spTree>
     <p:extLst>
       <p:ext uri="{BB962C8B-B14F-4D97-AF65-F5344CB8AC3E}">
-        <p14:creationId xmlns:p14="http://schemas.microsoft.com/office/powerpoint/2010/main" val="215962541"/>
+        <p14:creationId xmlns:p14="http://schemas.microsoft.com/office/powerpoint/2010/main" xmlns="" val="215962541"/>
       </p:ext>
     </p:extLst>
   </p:cSld>
@@ -11828,7 +12892,7 @@
 </p:sld>
 </file>
 
-<file path=ppt/slides/slide12.xml><?xml version="1.0" encoding="utf-8"?>
+<file path=ppt/slides/slide13.xml><?xml version="1.0" encoding="utf-8"?>
 <p:sld xmlns:a="http://schemas.openxmlformats.org/drawingml/2006/main" xmlns:r="http://schemas.openxmlformats.org/officeDocument/2006/relationships" xmlns:p="http://schemas.openxmlformats.org/presentationml/2006/main">
   <p:cSld>
     <p:spTree>
@@ -11965,7 +13029,7 @@
     </p:spTree>
     <p:extLst>
       <p:ext uri="{BB962C8B-B14F-4D97-AF65-F5344CB8AC3E}">
-        <p14:creationId xmlns:p14="http://schemas.microsoft.com/office/powerpoint/2010/main" val="849743291"/>
+        <p14:creationId xmlns:p14="http://schemas.microsoft.com/office/powerpoint/2010/main" xmlns="" val="849743291"/>
       </p:ext>
     </p:extLst>
   </p:cSld>
@@ -11975,7 +13039,7 @@
 </p:sld>
 </file>
 
-<file path=ppt/slides/slide13.xml><?xml version="1.0" encoding="utf-8"?>
+<file path=ppt/slides/slide14.xml><?xml version="1.0" encoding="utf-8"?>
 <p:sld xmlns:a="http://schemas.openxmlformats.org/drawingml/2006/main" xmlns:r="http://schemas.openxmlformats.org/officeDocument/2006/relationships" xmlns:p="http://schemas.openxmlformats.org/presentationml/2006/main">
   <p:cSld>
     <p:spTree>
@@ -13000,164 +14064,7 @@
     </p:spTree>
     <p:extLst>
       <p:ext uri="{BB962C8B-B14F-4D97-AF65-F5344CB8AC3E}">
-        <p14:creationId xmlns:p14="http://schemas.microsoft.com/office/powerpoint/2010/main" val="1976057169"/>
-      </p:ext>
-    </p:extLst>
-  </p:cSld>
-  <p:clrMapOvr>
-    <a:masterClrMapping/>
-  </p:clrMapOvr>
-</p:sld>
-</file>
-
-<file path=ppt/slides/slide14.xml><?xml version="1.0" encoding="utf-8"?>
-<p:sld xmlns:a="http://schemas.openxmlformats.org/drawingml/2006/main" xmlns:r="http://schemas.openxmlformats.org/officeDocument/2006/relationships" xmlns:p="http://schemas.openxmlformats.org/presentationml/2006/main">
-  <p:cSld>
-    <p:spTree>
-      <p:nvGrpSpPr>
-        <p:cNvPr id="1" name=""/>
-        <p:cNvGrpSpPr/>
-        <p:nvPr/>
-      </p:nvGrpSpPr>
-      <p:grpSpPr>
-        <a:xfrm>
-          <a:off x="0" y="0"/>
-          <a:ext cx="0" cy="0"/>
-          <a:chOff x="0" y="0"/>
-          <a:chExt cx="0" cy="0"/>
-        </a:xfrm>
-      </p:grpSpPr>
-      <p:sp>
-        <p:nvSpPr>
-          <p:cNvPr id="2" name="Titel 1"/>
-          <p:cNvSpPr>
-            <a:spLocks noGrp="1"/>
-          </p:cNvSpPr>
-          <p:nvPr>
-            <p:ph type="title"/>
-          </p:nvPr>
-        </p:nvSpPr>
-        <p:spPr/>
-        <p:txBody>
-          <a:bodyPr>
-            <a:normAutofit/>
-          </a:bodyPr>
-          <a:lstStyle/>
-          <a:p>
-            <a:r>
-              <a:rPr lang="de-DE" sz="4000" dirty="0"/>
-              <a:t>Qualitätssicherungsphase</a:t>
-            </a:r>
-          </a:p>
-        </p:txBody>
-      </p:sp>
-      <p:sp>
-        <p:nvSpPr>
-          <p:cNvPr id="3" name="Inhaltsplatzhalter 2"/>
-          <p:cNvSpPr>
-            <a:spLocks noGrp="1"/>
-          </p:cNvSpPr>
-          <p:nvPr>
-            <p:ph sz="quarter" idx="1"/>
-          </p:nvPr>
-        </p:nvSpPr>
-        <p:spPr>
-          <a:xfrm>
-            <a:off x="4860032" y="1790834"/>
-            <a:ext cx="3600400" cy="4086438"/>
-          </a:xfrm>
-        </p:spPr>
-        <p:txBody>
-          <a:bodyPr>
-            <a:normAutofit fontScale="92500"/>
-          </a:bodyPr>
-          <a:lstStyle/>
-          <a:p>
-            <a:pPr marL="447675" indent="-447675">
-              <a:buNone/>
-            </a:pPr>
-            <a:endParaRPr lang="de-DE" sz="1000" dirty="0"/>
-          </a:p>
-          <a:p>
-            <a:pPr marL="447675" indent="-447675"/>
-            <a:r>
-              <a:rPr lang="de-DE" sz="3200" dirty="0"/>
-              <a:t>Probleme</a:t>
-            </a:r>
-          </a:p>
-          <a:p>
-            <a:pPr marL="813435" lvl="1" indent="-447675"/>
-            <a:r>
-              <a:rPr lang="de-DE" sz="3200" dirty="0"/>
-              <a:t>Wenig Erfahrung</a:t>
-            </a:r>
-          </a:p>
-          <a:p>
-            <a:pPr marL="813435" lvl="1" indent="-447675"/>
-            <a:endParaRPr lang="de-DE" sz="3200" dirty="0"/>
-          </a:p>
-          <a:p>
-            <a:pPr marL="813435" lvl="1" indent="-447675"/>
-            <a:r>
-              <a:rPr lang="de-DE" sz="3200" dirty="0"/>
-              <a:t>Keine Treffen</a:t>
-            </a:r>
-          </a:p>
-          <a:p>
-            <a:pPr marL="447675" indent="-447675">
-              <a:buNone/>
-            </a:pPr>
-            <a:endParaRPr lang="de-DE" sz="3200" dirty="0"/>
-          </a:p>
-          <a:p>
-            <a:pPr marL="813435" lvl="1" indent="-447675"/>
-            <a:r>
-              <a:rPr lang="de-DE" sz="3200" dirty="0"/>
-              <a:t>Weniger Online-Konferenzen</a:t>
-            </a:r>
-          </a:p>
-          <a:p>
-            <a:pPr marL="447675" indent="-447675">
-              <a:buNone/>
-            </a:pPr>
-            <a:endParaRPr lang="de-DE" sz="1000" dirty="0"/>
-          </a:p>
-          <a:p>
-            <a:pPr marL="447675" indent="-447675"/>
-            <a:endParaRPr lang="de-DE" sz="1000" dirty="0"/>
-          </a:p>
-          <a:p>
-            <a:pPr marL="447675" indent="-447675"/>
-            <a:endParaRPr lang="de-DE" sz="1000" dirty="0"/>
-          </a:p>
-        </p:txBody>
-      </p:sp>
-      <p:graphicFrame>
-        <p:nvGraphicFramePr>
-          <p:cNvPr id="4" name="Diagramm 3"/>
-          <p:cNvGraphicFramePr/>
-          <p:nvPr>
-            <p:extLst>
-              <p:ext uri="{D42A27DB-BD31-4B8C-83A1-F6EECF244321}">
-                <p14:modId xmlns:p14="http://schemas.microsoft.com/office/powerpoint/2010/main" val="625910118"/>
-              </p:ext>
-            </p:extLst>
-          </p:nvPr>
-        </p:nvGraphicFramePr>
-        <p:xfrm>
-          <a:off x="-163388" y="1723453"/>
-          <a:ext cx="4752528" cy="4311227"/>
-        </p:xfrm>
-        <a:graphic>
-          <a:graphicData uri="http://schemas.openxmlformats.org/drawingml/2006/diagram">
-            <dgm:relIds xmlns:dgm="http://schemas.openxmlformats.org/drawingml/2006/diagram" xmlns:r="http://schemas.openxmlformats.org/officeDocument/2006/relationships" r:dm="rId2" r:lo="rId3" r:qs="rId4" r:cs="rId5"/>
-          </a:graphicData>
-        </a:graphic>
-      </p:graphicFrame>
-    </p:spTree>
-    <p:extLst>
-      <p:ext uri="{BB962C8B-B14F-4D97-AF65-F5344CB8AC3E}">
-        <p14:creationId xmlns:p14="http://schemas.microsoft.com/office/powerpoint/2010/main" val="179655853"/>
+        <p14:creationId xmlns:p14="http://schemas.microsoft.com/office/powerpoint/2010/main" xmlns="" val="1976057169"/>
       </p:ext>
     </p:extLst>
   </p:cSld>
@@ -13203,71 +14110,118 @@
           <a:p>
             <a:r>
               <a:rPr lang="de-DE" sz="4000" dirty="0"/>
-              <a:t>Nutzerstudie</a:t>
+              <a:t>Qualitätssicherungsphase</a:t>
             </a:r>
+          </a:p>
+        </p:txBody>
+      </p:sp>
+      <p:sp>
+        <p:nvSpPr>
+          <p:cNvPr id="3" name="Inhaltsplatzhalter 2"/>
+          <p:cNvSpPr>
+            <a:spLocks noGrp="1"/>
+          </p:cNvSpPr>
+          <p:nvPr>
+            <p:ph sz="quarter" idx="1"/>
+          </p:nvPr>
+        </p:nvSpPr>
+        <p:spPr>
+          <a:xfrm>
+            <a:off x="4860032" y="1790834"/>
+            <a:ext cx="3600400" cy="4086438"/>
+          </a:xfrm>
+        </p:spPr>
+        <p:txBody>
+          <a:bodyPr>
+            <a:normAutofit fontScale="92500"/>
+          </a:bodyPr>
+          <a:lstStyle/>
+          <a:p>
+            <a:pPr marL="447675" indent="-447675">
+              <a:buNone/>
+            </a:pPr>
+            <a:endParaRPr lang="de-DE" sz="1000" dirty="0"/>
+          </a:p>
+          <a:p>
+            <a:pPr marL="447675" indent="-447675"/>
+            <a:r>
+              <a:rPr lang="de-DE" sz="3200" dirty="0"/>
+              <a:t>Probleme</a:t>
+            </a:r>
+          </a:p>
+          <a:p>
+            <a:pPr marL="813435" lvl="1" indent="-447675"/>
+            <a:r>
+              <a:rPr lang="de-DE" sz="3200" dirty="0"/>
+              <a:t>Wenig Erfahrung</a:t>
+            </a:r>
+          </a:p>
+          <a:p>
+            <a:pPr marL="813435" lvl="1" indent="-447675"/>
+            <a:endParaRPr lang="de-DE" sz="3200" dirty="0"/>
+          </a:p>
+          <a:p>
+            <a:pPr marL="813435" lvl="1" indent="-447675"/>
+            <a:r>
+              <a:rPr lang="de-DE" sz="3200" dirty="0"/>
+              <a:t>Keine Treffen</a:t>
+            </a:r>
+          </a:p>
+          <a:p>
+            <a:pPr marL="447675" indent="-447675">
+              <a:buNone/>
+            </a:pPr>
+            <a:endParaRPr lang="de-DE" sz="3200" dirty="0"/>
+          </a:p>
+          <a:p>
+            <a:pPr marL="813435" lvl="1" indent="-447675"/>
+            <a:r>
+              <a:rPr lang="de-DE" sz="3200" dirty="0"/>
+              <a:t>Weniger Online-Konferenzen</a:t>
+            </a:r>
+          </a:p>
+          <a:p>
+            <a:pPr marL="447675" indent="-447675">
+              <a:buNone/>
+            </a:pPr>
+            <a:endParaRPr lang="de-DE" sz="1000" dirty="0"/>
+          </a:p>
+          <a:p>
+            <a:pPr marL="447675" indent="-447675"/>
+            <a:endParaRPr lang="de-DE" sz="1000" dirty="0"/>
+          </a:p>
+          <a:p>
+            <a:pPr marL="447675" indent="-447675"/>
+            <a:endParaRPr lang="de-DE" sz="1000" dirty="0"/>
           </a:p>
         </p:txBody>
       </p:sp>
       <p:graphicFrame>
         <p:nvGraphicFramePr>
-          <p:cNvPr id="7" name="Diagramm 6">
-            <a:extLst>
-              <a:ext uri="{FF2B5EF4-FFF2-40B4-BE49-F238E27FC236}">
-                <a16:creationId xmlns:a16="http://schemas.microsoft.com/office/drawing/2014/main" id="{9841F122-51C3-430E-8A7E-871D79072991}"/>
-              </a:ext>
-            </a:extLst>
-          </p:cNvPr>
+          <p:cNvPr id="4" name="Diagramm 3"/>
           <p:cNvGraphicFramePr/>
           <p:nvPr>
             <p:extLst>
               <p:ext uri="{D42A27DB-BD31-4B8C-83A1-F6EECF244321}">
-                <p14:modId xmlns:p14="http://schemas.microsoft.com/office/powerpoint/2010/main" val="694219115"/>
+                <p14:modId xmlns:p14="http://schemas.microsoft.com/office/powerpoint/2010/main" xmlns="" val="625910118"/>
               </p:ext>
             </p:extLst>
           </p:nvPr>
         </p:nvGraphicFramePr>
         <p:xfrm>
-          <a:off x="4355976" y="1412330"/>
-          <a:ext cx="4443536" cy="3816424"/>
+          <a:off x="-163388" y="1723453"/>
+          <a:ext cx="4752528" cy="4311227"/>
         </p:xfrm>
         <a:graphic>
-          <a:graphicData uri="http://schemas.openxmlformats.org/drawingml/2006/chart">
-            <c:chart xmlns:c="http://schemas.openxmlformats.org/drawingml/2006/chart" xmlns:r="http://schemas.openxmlformats.org/officeDocument/2006/relationships" r:id="rId2"/>
-          </a:graphicData>
-        </a:graphic>
-      </p:graphicFrame>
-      <p:graphicFrame>
-        <p:nvGraphicFramePr>
-          <p:cNvPr id="8" name="Diagramm 7">
-            <a:extLst>
-              <a:ext uri="{FF2B5EF4-FFF2-40B4-BE49-F238E27FC236}">
-                <a16:creationId xmlns:a16="http://schemas.microsoft.com/office/drawing/2014/main" id="{9841F122-51C3-430E-8A7E-871D79072991}"/>
-              </a:ext>
-            </a:extLst>
-          </p:cNvPr>
-          <p:cNvGraphicFramePr/>
-          <p:nvPr>
-            <p:extLst>
-              <p:ext uri="{D42A27DB-BD31-4B8C-83A1-F6EECF244321}">
-                <p14:modId xmlns:p14="http://schemas.microsoft.com/office/powerpoint/2010/main" val="29132963"/>
-              </p:ext>
-            </p:extLst>
-          </p:nvPr>
-        </p:nvGraphicFramePr>
-        <p:xfrm>
-          <a:off x="-118864" y="1417638"/>
-          <a:ext cx="4474840" cy="4752528"/>
-        </p:xfrm>
-        <a:graphic>
-          <a:graphicData uri="http://schemas.openxmlformats.org/drawingml/2006/chart">
-            <c:chart xmlns:c="http://schemas.openxmlformats.org/drawingml/2006/chart" xmlns:r="http://schemas.openxmlformats.org/officeDocument/2006/relationships" r:id="rId3"/>
+          <a:graphicData uri="http://schemas.openxmlformats.org/drawingml/2006/diagram">
+            <dgm:relIds xmlns:dgm="http://schemas.openxmlformats.org/drawingml/2006/diagram" xmlns:r="http://schemas.openxmlformats.org/officeDocument/2006/relationships" r:dm="rId2" r:lo="rId3" r:qs="rId4" r:cs="rId5"/>
           </a:graphicData>
         </a:graphic>
       </p:graphicFrame>
     </p:spTree>
     <p:extLst>
       <p:ext uri="{BB962C8B-B14F-4D97-AF65-F5344CB8AC3E}">
-        <p14:creationId xmlns:p14="http://schemas.microsoft.com/office/powerpoint/2010/main" val="1350698107"/>
+        <p14:creationId xmlns:p14="http://schemas.microsoft.com/office/powerpoint/2010/main" xmlns="" val="179655853"/>
       </p:ext>
     </p:extLst>
   </p:cSld>
@@ -13313,109 +14267,71 @@
           <a:p>
             <a:r>
               <a:rPr lang="de-DE" sz="4000" dirty="0"/>
-              <a:t>Demo</a:t>
+              <a:t>Nutzerstudie</a:t>
             </a:r>
           </a:p>
         </p:txBody>
       </p:sp>
-      <p:sp>
-        <p:nvSpPr>
-          <p:cNvPr id="3" name="Inhaltsplatzhalter 2"/>
-          <p:cNvSpPr>
-            <a:spLocks noGrp="1"/>
-          </p:cNvSpPr>
+      <p:graphicFrame>
+        <p:nvGraphicFramePr>
+          <p:cNvPr id="7" name="Diagramm 6">
+            <a:extLst>
+              <a:ext uri="{FF2B5EF4-FFF2-40B4-BE49-F238E27FC236}">
+                <a16:creationId xmlns:a16="http://schemas.microsoft.com/office/drawing/2014/main" xmlns="" id="{9841F122-51C3-430E-8A7E-871D79072991}"/>
+              </a:ext>
+            </a:extLst>
+          </p:cNvPr>
+          <p:cNvGraphicFramePr/>
           <p:nvPr>
-            <p:ph sz="quarter" idx="1"/>
+            <p:extLst>
+              <p:ext uri="{D42A27DB-BD31-4B8C-83A1-F6EECF244321}">
+                <p14:modId xmlns:p14="http://schemas.microsoft.com/office/powerpoint/2010/main" xmlns="" val="694219115"/>
+              </p:ext>
+            </p:extLst>
           </p:nvPr>
-        </p:nvSpPr>
-        <p:spPr>
-          <a:xfrm>
-            <a:off x="457200" y="1600200"/>
-            <a:ext cx="7467600" cy="4900634"/>
-          </a:xfrm>
-        </p:spPr>
-        <p:txBody>
-          <a:bodyPr>
-            <a:normAutofit/>
-          </a:bodyPr>
-          <a:lstStyle/>
-          <a:p>
-            <a:pPr marL="447675" indent="-447675">
-              <a:buNone/>
-            </a:pPr>
-            <a:endParaRPr lang="de-DE" sz="1000" dirty="0"/>
-          </a:p>
-          <a:p>
-            <a:pPr marL="447675" indent="-447675"/>
-            <a:r>
-              <a:rPr lang="de-DE" sz="3200" dirty="0"/>
-              <a:t>x</a:t>
-            </a:r>
-          </a:p>
-          <a:p>
-            <a:pPr marL="447675" indent="-447675">
-              <a:buNone/>
-            </a:pPr>
-            <a:endParaRPr lang="de-DE" sz="1000" dirty="0"/>
-          </a:p>
-          <a:p>
-            <a:pPr marL="447675" indent="-447675"/>
-            <a:r>
-              <a:rPr lang="de-DE" sz="3200" dirty="0"/>
-              <a:t>x</a:t>
-            </a:r>
-          </a:p>
-          <a:p>
-            <a:pPr marL="447675" indent="-447675">
-              <a:buNone/>
-            </a:pPr>
-            <a:endParaRPr lang="de-DE" sz="1000" dirty="0"/>
-          </a:p>
-          <a:p>
-            <a:pPr marL="447675" indent="-447675"/>
-            <a:r>
-              <a:rPr lang="de-DE" sz="3200" dirty="0"/>
-              <a:t>x</a:t>
-            </a:r>
-          </a:p>
-          <a:p>
-            <a:pPr marL="447675" indent="-447675">
-              <a:buNone/>
-            </a:pPr>
-            <a:endParaRPr lang="de-DE" sz="1000" dirty="0"/>
-          </a:p>
-          <a:p>
-            <a:pPr marL="447675" indent="-447675"/>
-            <a:r>
-              <a:rPr lang="de-DE" sz="3200" dirty="0"/>
-              <a:t>x</a:t>
-            </a:r>
-            <a:endParaRPr lang="de-DE" sz="1000" dirty="0"/>
-          </a:p>
-          <a:p>
-            <a:pPr marL="447675" indent="-447675">
-              <a:buNone/>
-            </a:pPr>
-            <a:endParaRPr lang="de-DE" sz="1000" dirty="0"/>
-          </a:p>
-          <a:p>
-            <a:pPr marL="447675" indent="-447675"/>
-            <a:r>
-              <a:rPr lang="de-DE" sz="3200" dirty="0"/>
-              <a:t>x</a:t>
-            </a:r>
-            <a:endParaRPr lang="de-DE" sz="1000" dirty="0"/>
-          </a:p>
-          <a:p>
-            <a:pPr marL="447675" indent="-447675"/>
-            <a:endParaRPr lang="de-DE" sz="1000" dirty="0"/>
-          </a:p>
-        </p:txBody>
-      </p:sp>
+        </p:nvGraphicFramePr>
+        <p:xfrm>
+          <a:off x="4355976" y="1412330"/>
+          <a:ext cx="4443536" cy="3816424"/>
+        </p:xfrm>
+        <a:graphic>
+          <a:graphicData uri="http://schemas.openxmlformats.org/drawingml/2006/chart">
+            <c:chart xmlns:c="http://schemas.openxmlformats.org/drawingml/2006/chart" xmlns:r="http://schemas.openxmlformats.org/officeDocument/2006/relationships" r:id="rId2"/>
+          </a:graphicData>
+        </a:graphic>
+      </p:graphicFrame>
+      <p:graphicFrame>
+        <p:nvGraphicFramePr>
+          <p:cNvPr id="8" name="Diagramm 7">
+            <a:extLst>
+              <a:ext uri="{FF2B5EF4-FFF2-40B4-BE49-F238E27FC236}">
+                <a16:creationId xmlns:a16="http://schemas.microsoft.com/office/drawing/2014/main" xmlns="" id="{9841F122-51C3-430E-8A7E-871D79072991}"/>
+              </a:ext>
+            </a:extLst>
+          </p:cNvPr>
+          <p:cNvGraphicFramePr/>
+          <p:nvPr>
+            <p:extLst>
+              <p:ext uri="{D42A27DB-BD31-4B8C-83A1-F6EECF244321}">
+                <p14:modId xmlns:p14="http://schemas.microsoft.com/office/powerpoint/2010/main" xmlns="" val="29132963"/>
+              </p:ext>
+            </p:extLst>
+          </p:nvPr>
+        </p:nvGraphicFramePr>
+        <p:xfrm>
+          <a:off x="-118864" y="1417638"/>
+          <a:ext cx="4474840" cy="4752528"/>
+        </p:xfrm>
+        <a:graphic>
+          <a:graphicData uri="http://schemas.openxmlformats.org/drawingml/2006/chart">
+            <c:chart xmlns:c="http://schemas.openxmlformats.org/drawingml/2006/chart" xmlns:r="http://schemas.openxmlformats.org/officeDocument/2006/relationships" r:id="rId3"/>
+          </a:graphicData>
+        </a:graphic>
+      </p:graphicFrame>
     </p:spTree>
     <p:extLst>
       <p:ext uri="{BB962C8B-B14F-4D97-AF65-F5344CB8AC3E}">
-        <p14:creationId xmlns:p14="http://schemas.microsoft.com/office/powerpoint/2010/main" val="666352572"/>
+        <p14:creationId xmlns:p14="http://schemas.microsoft.com/office/powerpoint/2010/main" xmlns="" val="1350698107"/>
       </p:ext>
     </p:extLst>
   </p:cSld>
@@ -13454,12 +14370,14 @@
         </p:nvSpPr>
         <p:spPr/>
         <p:txBody>
-          <a:bodyPr/>
+          <a:bodyPr>
+            <a:normAutofit/>
+          </a:bodyPr>
           <a:lstStyle/>
           <a:p>
             <a:r>
               <a:rPr lang="de-DE" sz="4000" dirty="0"/>
-              <a:t>Statistiken</a:t>
+              <a:t>Demo</a:t>
             </a:r>
           </a:p>
         </p:txBody>
@@ -13474,19 +14392,94 @@
             <p:ph sz="quarter" idx="1"/>
           </p:nvPr>
         </p:nvSpPr>
-        <p:spPr/>
+        <p:spPr>
+          <a:xfrm>
+            <a:off x="457200" y="1600200"/>
+            <a:ext cx="7467600" cy="4900634"/>
+          </a:xfrm>
+        </p:spPr>
         <p:txBody>
-          <a:bodyPr/>
+          <a:bodyPr>
+            <a:normAutofit/>
+          </a:bodyPr>
           <a:lstStyle/>
           <a:p>
-            <a:endParaRPr lang="de-DE"/>
+            <a:pPr marL="447675" indent="-447675">
+              <a:buNone/>
+            </a:pPr>
+            <a:endParaRPr lang="de-DE" sz="1000" dirty="0"/>
+          </a:p>
+          <a:p>
+            <a:pPr marL="447675" indent="-447675"/>
+            <a:r>
+              <a:rPr lang="de-DE" sz="3200" dirty="0"/>
+              <a:t>x</a:t>
+            </a:r>
+          </a:p>
+          <a:p>
+            <a:pPr marL="447675" indent="-447675">
+              <a:buNone/>
+            </a:pPr>
+            <a:endParaRPr lang="de-DE" sz="1000" dirty="0"/>
+          </a:p>
+          <a:p>
+            <a:pPr marL="447675" indent="-447675"/>
+            <a:r>
+              <a:rPr lang="de-DE" sz="3200" dirty="0"/>
+              <a:t>x</a:t>
+            </a:r>
+          </a:p>
+          <a:p>
+            <a:pPr marL="447675" indent="-447675">
+              <a:buNone/>
+            </a:pPr>
+            <a:endParaRPr lang="de-DE" sz="1000" dirty="0"/>
+          </a:p>
+          <a:p>
+            <a:pPr marL="447675" indent="-447675"/>
+            <a:r>
+              <a:rPr lang="de-DE" sz="3200" dirty="0"/>
+              <a:t>x</a:t>
+            </a:r>
+          </a:p>
+          <a:p>
+            <a:pPr marL="447675" indent="-447675">
+              <a:buNone/>
+            </a:pPr>
+            <a:endParaRPr lang="de-DE" sz="1000" dirty="0"/>
+          </a:p>
+          <a:p>
+            <a:pPr marL="447675" indent="-447675"/>
+            <a:r>
+              <a:rPr lang="de-DE" sz="3200" dirty="0"/>
+              <a:t>x</a:t>
+            </a:r>
+            <a:endParaRPr lang="de-DE" sz="1000" dirty="0"/>
+          </a:p>
+          <a:p>
+            <a:pPr marL="447675" indent="-447675">
+              <a:buNone/>
+            </a:pPr>
+            <a:endParaRPr lang="de-DE" sz="1000" dirty="0"/>
+          </a:p>
+          <a:p>
+            <a:pPr marL="447675" indent="-447675"/>
+            <a:r>
+              <a:rPr lang="de-DE" sz="3200" dirty="0"/>
+              <a:t>x</a:t>
+            </a:r>
+            <a:endParaRPr lang="de-DE" sz="1000" dirty="0"/>
+          </a:p>
+          <a:p>
+            <a:pPr marL="447675" indent="-447675"/>
+            <a:endParaRPr lang="de-DE" sz="1000" dirty="0"/>
           </a:p>
         </p:txBody>
       </p:sp>
     </p:spTree>
     <p:extLst>
       <p:ext uri="{BB962C8B-B14F-4D97-AF65-F5344CB8AC3E}">
-        <p14:creationId xmlns:p14="http://schemas.microsoft.com/office/powerpoint/2010/main" val="323547714"/>
+        <p14:creationId xmlns:p14="http://schemas.microsoft.com/office/powerpoint/2010/main" xmlns="" val="666352572"/>
       </p:ext>
     </p:extLst>
   </p:cSld>
@@ -13525,6 +14518,77 @@
         </p:nvSpPr>
         <p:spPr/>
         <p:txBody>
+          <a:bodyPr/>
+          <a:lstStyle/>
+          <a:p>
+            <a:r>
+              <a:rPr lang="de-DE" sz="4000" dirty="0"/>
+              <a:t>Statistiken</a:t>
+            </a:r>
+          </a:p>
+        </p:txBody>
+      </p:sp>
+      <p:sp>
+        <p:nvSpPr>
+          <p:cNvPr id="3" name="Inhaltsplatzhalter 2"/>
+          <p:cNvSpPr>
+            <a:spLocks noGrp="1"/>
+          </p:cNvSpPr>
+          <p:nvPr>
+            <p:ph sz="quarter" idx="1"/>
+          </p:nvPr>
+        </p:nvSpPr>
+        <p:spPr/>
+        <p:txBody>
+          <a:bodyPr/>
+          <a:lstStyle/>
+          <a:p>
+            <a:endParaRPr lang="de-DE"/>
+          </a:p>
+        </p:txBody>
+      </p:sp>
+    </p:spTree>
+    <p:extLst>
+      <p:ext uri="{BB962C8B-B14F-4D97-AF65-F5344CB8AC3E}">
+        <p14:creationId xmlns:p14="http://schemas.microsoft.com/office/powerpoint/2010/main" xmlns="" val="323547714"/>
+      </p:ext>
+    </p:extLst>
+  </p:cSld>
+  <p:clrMapOvr>
+    <a:masterClrMapping/>
+  </p:clrMapOvr>
+</p:sld>
+</file>
+
+<file path=ppt/slides/slide19.xml><?xml version="1.0" encoding="utf-8"?>
+<p:sld xmlns:a="http://schemas.openxmlformats.org/drawingml/2006/main" xmlns:r="http://schemas.openxmlformats.org/officeDocument/2006/relationships" xmlns:p="http://schemas.openxmlformats.org/presentationml/2006/main">
+  <p:cSld>
+    <p:spTree>
+      <p:nvGrpSpPr>
+        <p:cNvPr id="1" name=""/>
+        <p:cNvGrpSpPr/>
+        <p:nvPr/>
+      </p:nvGrpSpPr>
+      <p:grpSpPr>
+        <a:xfrm>
+          <a:off x="0" y="0"/>
+          <a:ext cx="0" cy="0"/>
+          <a:chOff x="0" y="0"/>
+          <a:chExt cx="0" cy="0"/>
+        </a:xfrm>
+      </p:grpSpPr>
+      <p:sp>
+        <p:nvSpPr>
+          <p:cNvPr id="2" name="Titel 1"/>
+          <p:cNvSpPr>
+            <a:spLocks noGrp="1"/>
+          </p:cNvSpPr>
+          <p:nvPr>
+            <p:ph type="title"/>
+          </p:nvPr>
+        </p:nvSpPr>
+        <p:spPr/>
+        <p:txBody>
           <a:bodyPr>
             <a:normAutofit/>
           </a:bodyPr>
@@ -13546,7 +14610,7 @@
           <p:nvPr>
             <p:extLst>
               <p:ext uri="{D42A27DB-BD31-4B8C-83A1-F6EECF244321}">
-                <p14:modId xmlns:p14="http://schemas.microsoft.com/office/powerpoint/2010/main" val="712036674"/>
+                <p14:modId xmlns:p14="http://schemas.microsoft.com/office/powerpoint/2010/main" xmlns="" val="712036674"/>
               </p:ext>
             </p:extLst>
           </p:nvPr>
@@ -13565,21 +14629,21 @@
                 <a:gridCol w="2457776">
                   <a:extLst>
                     <a:ext uri="{9D8B030D-6E8A-4147-A177-3AD203B41FA5}">
-                      <a16:colId xmlns:a16="http://schemas.microsoft.com/office/drawing/2014/main" val="20000"/>
+                      <a16:colId xmlns:a16="http://schemas.microsoft.com/office/drawing/2014/main" xmlns="" val="20000"/>
                     </a:ext>
                   </a:extLst>
                 </a:gridCol>
                 <a:gridCol w="2438768">
                   <a:extLst>
                     <a:ext uri="{9D8B030D-6E8A-4147-A177-3AD203B41FA5}">
-                      <a16:colId xmlns:a16="http://schemas.microsoft.com/office/drawing/2014/main" val="20001"/>
+                      <a16:colId xmlns:a16="http://schemas.microsoft.com/office/drawing/2014/main" xmlns="" val="20001"/>
                     </a:ext>
                   </a:extLst>
                 </a:gridCol>
                 <a:gridCol w="2448272">
                   <a:extLst>
                     <a:ext uri="{9D8B030D-6E8A-4147-A177-3AD203B41FA5}">
-                      <a16:colId xmlns:a16="http://schemas.microsoft.com/office/drawing/2014/main" val="20002"/>
+                      <a16:colId xmlns:a16="http://schemas.microsoft.com/office/drawing/2014/main" xmlns="" val="20002"/>
                     </a:ext>
                   </a:extLst>
                 </a:gridCol>
@@ -13626,7 +14690,7 @@
                 </a:tc>
                 <a:extLst>
                   <a:ext uri="{0D108BD9-81ED-4DB2-BD59-A6C34878D82A}">
-                    <a16:rowId xmlns:a16="http://schemas.microsoft.com/office/drawing/2014/main" val="10000"/>
+                    <a16:rowId xmlns:a16="http://schemas.microsoft.com/office/drawing/2014/main" xmlns="" val="10000"/>
                   </a:ext>
                 </a:extLst>
               </a:tr>
@@ -13663,7 +14727,7 @@
                 </a:tc>
                 <a:extLst>
                   <a:ext uri="{0D108BD9-81ED-4DB2-BD59-A6C34878D82A}">
-                    <a16:rowId xmlns:a16="http://schemas.microsoft.com/office/drawing/2014/main" val="10001"/>
+                    <a16:rowId xmlns:a16="http://schemas.microsoft.com/office/drawing/2014/main" xmlns="" val="10001"/>
                   </a:ext>
                 </a:extLst>
               </a:tr>
@@ -13700,7 +14764,7 @@
                 </a:tc>
                 <a:extLst>
                   <a:ext uri="{0D108BD9-81ED-4DB2-BD59-A6C34878D82A}">
-                    <a16:rowId xmlns:a16="http://schemas.microsoft.com/office/drawing/2014/main" val="10002"/>
+                    <a16:rowId xmlns:a16="http://schemas.microsoft.com/office/drawing/2014/main" xmlns="" val="10002"/>
                   </a:ext>
                 </a:extLst>
               </a:tr>
@@ -13737,7 +14801,7 @@
                 </a:tc>
                 <a:extLst>
                   <a:ext uri="{0D108BD9-81ED-4DB2-BD59-A6C34878D82A}">
-                    <a16:rowId xmlns:a16="http://schemas.microsoft.com/office/drawing/2014/main" val="10003"/>
+                    <a16:rowId xmlns:a16="http://schemas.microsoft.com/office/drawing/2014/main" xmlns="" val="10003"/>
                   </a:ext>
                 </a:extLst>
               </a:tr>
@@ -13748,174 +14812,9 @@
     </p:spTree>
     <p:extLst>
       <p:ext uri="{BB962C8B-B14F-4D97-AF65-F5344CB8AC3E}">
-        <p14:creationId xmlns:p14="http://schemas.microsoft.com/office/powerpoint/2010/main" val="1751430848"/>
+        <p14:creationId xmlns:p14="http://schemas.microsoft.com/office/powerpoint/2010/main" xmlns="" val="1751430848"/>
       </p:ext>
     </p:extLst>
-  </p:cSld>
-  <p:clrMapOvr>
-    <a:masterClrMapping/>
-  </p:clrMapOvr>
-</p:sld>
-</file>
-
-<file path=ppt/slides/slide19.xml><?xml version="1.0" encoding="utf-8"?>
-<p:sld xmlns:a="http://schemas.openxmlformats.org/drawingml/2006/main" xmlns:r="http://schemas.openxmlformats.org/officeDocument/2006/relationships" xmlns:p="http://schemas.openxmlformats.org/presentationml/2006/main">
-  <p:cSld>
-    <p:spTree>
-      <p:nvGrpSpPr>
-        <p:cNvPr id="1" name=""/>
-        <p:cNvGrpSpPr/>
-        <p:nvPr/>
-      </p:nvGrpSpPr>
-      <p:grpSpPr>
-        <a:xfrm>
-          <a:off x="0" y="0"/>
-          <a:ext cx="0" cy="0"/>
-          <a:chOff x="0" y="0"/>
-          <a:chExt cx="0" cy="0"/>
-        </a:xfrm>
-      </p:grpSpPr>
-      <p:sp>
-        <p:nvSpPr>
-          <p:cNvPr id="6" name="Abgerundete rechteckige Legende 5"/>
-          <p:cNvSpPr/>
-          <p:nvPr/>
-        </p:nvSpPr>
-        <p:spPr>
-          <a:xfrm>
-            <a:off x="2995602" y="866758"/>
-            <a:ext cx="5500726" cy="2071702"/>
-          </a:xfrm>
-          <a:prstGeom prst="wedgeRoundRectCallout">
-            <a:avLst>
-              <a:gd name="adj1" fmla="val -43716"/>
-              <a:gd name="adj2" fmla="val 79137"/>
-              <a:gd name="adj3" fmla="val 16667"/>
-            </a:avLst>
-          </a:prstGeom>
-          <a:solidFill>
-            <a:srgbClr val="C5F3EA">
-              <a:alpha val="37647"/>
-            </a:srgbClr>
-          </a:solidFill>
-          <a:ln>
-            <a:solidFill>
-              <a:srgbClr val="66ECB9">
-                <a:alpha val="30000"/>
-              </a:srgbClr>
-            </a:solidFill>
-          </a:ln>
-        </p:spPr>
-        <p:style>
-          <a:lnRef idx="2">
-            <a:schemeClr val="accent1">
-              <a:shade val="50000"/>
-            </a:schemeClr>
-          </a:lnRef>
-          <a:fillRef idx="1">
-            <a:schemeClr val="accent1"/>
-          </a:fillRef>
-          <a:effectRef idx="0">
-            <a:schemeClr val="accent1"/>
-          </a:effectRef>
-          <a:fontRef idx="minor">
-            <a:schemeClr val="lt1"/>
-          </a:fontRef>
-        </p:style>
-        <p:txBody>
-          <a:bodyPr rtlCol="0" anchor="ctr"/>
-          <a:lstStyle/>
-          <a:p>
-            <a:pPr algn="ctr"/>
-            <a:endParaRPr lang="de-DE"/>
-          </a:p>
-        </p:txBody>
-      </p:sp>
-      <p:sp>
-        <p:nvSpPr>
-          <p:cNvPr id="5" name="Titel 4"/>
-          <p:cNvSpPr>
-            <a:spLocks noGrp="1"/>
-          </p:cNvSpPr>
-          <p:nvPr>
-            <p:ph type="title"/>
-          </p:nvPr>
-        </p:nvSpPr>
-        <p:spPr>
-          <a:xfrm>
-            <a:off x="3143239" y="1081072"/>
-            <a:ext cx="5538799" cy="1439850"/>
-          </a:xfrm>
-        </p:spPr>
-        <p:txBody>
-          <a:bodyPr>
-            <a:normAutofit/>
-          </a:bodyPr>
-          <a:lstStyle/>
-          <a:p>
-            <a:r>
-              <a:rPr lang="de-DE" sz="4000" dirty="0"/>
-              <a:t>Vielen Dank </a:t>
-            </a:r>
-            <a:br>
-              <a:rPr lang="de-DE" sz="4000" dirty="0"/>
-            </a:br>
-            <a:r>
-              <a:rPr lang="de-DE" sz="4000" dirty="0"/>
-              <a:t>für Ihre Aufmerksamkeit!</a:t>
-            </a:r>
-          </a:p>
-        </p:txBody>
-      </p:sp>
-      <p:pic>
-        <p:nvPicPr>
-          <p:cNvPr id="7" name="Grafik 6" descr="fridge_face.png"/>
-          <p:cNvPicPr>
-            <a:picLocks noChangeAspect="1"/>
-          </p:cNvPicPr>
-          <p:nvPr/>
-        </p:nvPicPr>
-        <p:blipFill>
-          <a:blip r:embed="rId2"/>
-          <a:stretch>
-            <a:fillRect/>
-          </a:stretch>
-        </p:blipFill>
-        <p:spPr>
-          <a:xfrm>
-            <a:off x="928662" y="2643182"/>
-            <a:ext cx="2400302" cy="4000504"/>
-          </a:xfrm>
-          <a:prstGeom prst="rect">
-            <a:avLst/>
-          </a:prstGeom>
-        </p:spPr>
-      </p:pic>
-      <p:pic>
-        <p:nvPicPr>
-          <p:cNvPr id="8" name="Grafik 7" descr="fridget_logotext.PNG"/>
-          <p:cNvPicPr>
-            <a:picLocks noChangeAspect="1"/>
-          </p:cNvPicPr>
-          <p:nvPr/>
-        </p:nvPicPr>
-        <p:blipFill>
-          <a:blip r:embed="rId3"/>
-          <a:stretch>
-            <a:fillRect/>
-          </a:stretch>
-        </p:blipFill>
-        <p:spPr>
-          <a:xfrm>
-            <a:off x="4000496" y="4357694"/>
-            <a:ext cx="3221206" cy="857256"/>
-          </a:xfrm>
-          <a:prstGeom prst="rect">
-            <a:avLst/>
-          </a:prstGeom>
-        </p:spPr>
-      </p:pic>
-    </p:spTree>
   </p:cSld>
   <p:clrMapOvr>
     <a:masterClrMapping/>
@@ -13979,7 +14878,7 @@
             <a:hlinkClick r:id="" action="ppaction://media"/>
             <a:extLst>
               <a:ext uri="{FF2B5EF4-FFF2-40B4-BE49-F238E27FC236}">
-                <a16:creationId xmlns:a16="http://schemas.microsoft.com/office/drawing/2014/main" id="{2C42DB09-1A9D-4045-ACA4-1E5B54C0D122}"/>
+                <a16:creationId xmlns:a16="http://schemas.microsoft.com/office/drawing/2014/main" xmlns="" id="{2C42DB09-1A9D-4045-ACA4-1E5B54C0D122}"/>
               </a:ext>
             </a:extLst>
           </p:cNvPr>
@@ -13988,10 +14887,10 @@
           </p:cNvPicPr>
           <p:nvPr>
             <p:ph sz="quarter" idx="1"/>
-            <a:videoFile r:link="rId2"/>
+            <a:videoFile r:link="rId1"/>
             <p:extLst>
               <p:ext uri="{DAA4B4D4-6D71-4841-9C94-3DE7FCFB9230}">
-                <p14:media xmlns:p14="http://schemas.microsoft.com/office/powerpoint/2010/main" r:embed="rId1"/>
+                <p14:media xmlns:p14="http://schemas.microsoft.com/office/powerpoint/2010/main" xmlns="" r:embed="rId3"/>
               </p:ext>
             </p:extLst>
           </p:nvPr>
@@ -14012,7 +14911,7 @@
     </p:spTree>
     <p:extLst>
       <p:ext uri="{BB962C8B-B14F-4D97-AF65-F5344CB8AC3E}">
-        <p14:creationId xmlns:p14="http://schemas.microsoft.com/office/powerpoint/2010/main" val="190360359"/>
+        <p14:creationId xmlns:p14="http://schemas.microsoft.com/office/powerpoint/2010/main" xmlns="" val="190360359"/>
       </p:ext>
     </p:extLst>
   </p:cSld>
@@ -14157,6 +15056,171 @@
 </p:sld>
 </file>
 
+<file path=ppt/slides/slide20.xml><?xml version="1.0" encoding="utf-8"?>
+<p:sld xmlns:a="http://schemas.openxmlformats.org/drawingml/2006/main" xmlns:r="http://schemas.openxmlformats.org/officeDocument/2006/relationships" xmlns:p="http://schemas.openxmlformats.org/presentationml/2006/main">
+  <p:cSld>
+    <p:spTree>
+      <p:nvGrpSpPr>
+        <p:cNvPr id="1" name=""/>
+        <p:cNvGrpSpPr/>
+        <p:nvPr/>
+      </p:nvGrpSpPr>
+      <p:grpSpPr>
+        <a:xfrm>
+          <a:off x="0" y="0"/>
+          <a:ext cx="0" cy="0"/>
+          <a:chOff x="0" y="0"/>
+          <a:chExt cx="0" cy="0"/>
+        </a:xfrm>
+      </p:grpSpPr>
+      <p:sp>
+        <p:nvSpPr>
+          <p:cNvPr id="6" name="Abgerundete rechteckige Legende 5"/>
+          <p:cNvSpPr/>
+          <p:nvPr/>
+        </p:nvSpPr>
+        <p:spPr>
+          <a:xfrm>
+            <a:off x="2995602" y="866758"/>
+            <a:ext cx="5500726" cy="2071702"/>
+          </a:xfrm>
+          <a:prstGeom prst="wedgeRoundRectCallout">
+            <a:avLst>
+              <a:gd name="adj1" fmla="val -43716"/>
+              <a:gd name="adj2" fmla="val 79137"/>
+              <a:gd name="adj3" fmla="val 16667"/>
+            </a:avLst>
+          </a:prstGeom>
+          <a:solidFill>
+            <a:srgbClr val="C5F3EA">
+              <a:alpha val="37647"/>
+            </a:srgbClr>
+          </a:solidFill>
+          <a:ln>
+            <a:solidFill>
+              <a:srgbClr val="66ECB9">
+                <a:alpha val="30000"/>
+              </a:srgbClr>
+            </a:solidFill>
+          </a:ln>
+        </p:spPr>
+        <p:style>
+          <a:lnRef idx="2">
+            <a:schemeClr val="accent1">
+              <a:shade val="50000"/>
+            </a:schemeClr>
+          </a:lnRef>
+          <a:fillRef idx="1">
+            <a:schemeClr val="accent1"/>
+          </a:fillRef>
+          <a:effectRef idx="0">
+            <a:schemeClr val="accent1"/>
+          </a:effectRef>
+          <a:fontRef idx="minor">
+            <a:schemeClr val="lt1"/>
+          </a:fontRef>
+        </p:style>
+        <p:txBody>
+          <a:bodyPr rtlCol="0" anchor="ctr"/>
+          <a:lstStyle/>
+          <a:p>
+            <a:pPr algn="ctr"/>
+            <a:endParaRPr lang="de-DE"/>
+          </a:p>
+        </p:txBody>
+      </p:sp>
+      <p:sp>
+        <p:nvSpPr>
+          <p:cNvPr id="5" name="Titel 4"/>
+          <p:cNvSpPr>
+            <a:spLocks noGrp="1"/>
+          </p:cNvSpPr>
+          <p:nvPr>
+            <p:ph type="title"/>
+          </p:nvPr>
+        </p:nvSpPr>
+        <p:spPr>
+          <a:xfrm>
+            <a:off x="3143239" y="1081072"/>
+            <a:ext cx="5538799" cy="1439850"/>
+          </a:xfrm>
+        </p:spPr>
+        <p:txBody>
+          <a:bodyPr>
+            <a:normAutofit/>
+          </a:bodyPr>
+          <a:lstStyle/>
+          <a:p>
+            <a:r>
+              <a:rPr lang="de-DE" sz="4000" dirty="0"/>
+              <a:t>Vielen Dank </a:t>
+            </a:r>
+            <a:br>
+              <a:rPr lang="de-DE" sz="4000" dirty="0"/>
+            </a:br>
+            <a:r>
+              <a:rPr lang="de-DE" sz="4000" dirty="0"/>
+              <a:t>für Ihre Aufmerksamkeit!</a:t>
+            </a:r>
+          </a:p>
+        </p:txBody>
+      </p:sp>
+      <p:pic>
+        <p:nvPicPr>
+          <p:cNvPr id="7" name="Grafik 6" descr="fridge_face.png"/>
+          <p:cNvPicPr>
+            <a:picLocks noChangeAspect="1"/>
+          </p:cNvPicPr>
+          <p:nvPr/>
+        </p:nvPicPr>
+        <p:blipFill>
+          <a:blip r:embed="rId2"/>
+          <a:stretch>
+            <a:fillRect/>
+          </a:stretch>
+        </p:blipFill>
+        <p:spPr>
+          <a:xfrm>
+            <a:off x="928662" y="2643182"/>
+            <a:ext cx="2400302" cy="4000504"/>
+          </a:xfrm>
+          <a:prstGeom prst="rect">
+            <a:avLst/>
+          </a:prstGeom>
+        </p:spPr>
+      </p:pic>
+      <p:pic>
+        <p:nvPicPr>
+          <p:cNvPr id="8" name="Grafik 7" descr="fridget_logotext.PNG"/>
+          <p:cNvPicPr>
+            <a:picLocks noChangeAspect="1"/>
+          </p:cNvPicPr>
+          <p:nvPr/>
+        </p:nvPicPr>
+        <p:blipFill>
+          <a:blip r:embed="rId3"/>
+          <a:stretch>
+            <a:fillRect/>
+          </a:stretch>
+        </p:blipFill>
+        <p:spPr>
+          <a:xfrm>
+            <a:off x="4000496" y="4357694"/>
+            <a:ext cx="3221206" cy="857256"/>
+          </a:xfrm>
+          <a:prstGeom prst="rect">
+            <a:avLst/>
+          </a:prstGeom>
+        </p:spPr>
+      </p:pic>
+    </p:spTree>
+  </p:cSld>
+  <p:clrMapOvr>
+    <a:masterClrMapping/>
+  </p:clrMapOvr>
+</p:sld>
+</file>
+
 <file path=ppt/slides/slide3.xml><?xml version="1.0" encoding="utf-8"?>
 <p:sld xmlns:a="http://schemas.openxmlformats.org/drawingml/2006/main" xmlns:r="http://schemas.openxmlformats.org/officeDocument/2006/relationships" xmlns:p="http://schemas.openxmlformats.org/presentationml/2006/main">
   <p:cSld>
@@ -14297,7 +15361,7 @@
           <p:cNvPr id="5" name="Textfeld 4">
             <a:extLst>
               <a:ext uri="{FF2B5EF4-FFF2-40B4-BE49-F238E27FC236}">
-                <a16:creationId xmlns:a16="http://schemas.microsoft.com/office/drawing/2014/main" id="{09786EE4-3498-40F3-9F90-CDFBC09CBAF7}"/>
+                <a16:creationId xmlns:a16="http://schemas.microsoft.com/office/drawing/2014/main" xmlns="" id="{09786EE4-3498-40F3-9F90-CDFBC09CBAF7}"/>
               </a:ext>
             </a:extLst>
           </p:cNvPr>
@@ -14332,7 +15396,7 @@
           <p:cNvPr id="6" name="Textfeld 5">
             <a:extLst>
               <a:ext uri="{FF2B5EF4-FFF2-40B4-BE49-F238E27FC236}">
-                <a16:creationId xmlns:a16="http://schemas.microsoft.com/office/drawing/2014/main" id="{69886C5E-71FD-41B2-868A-548B5A8ABE95}"/>
+                <a16:creationId xmlns:a16="http://schemas.microsoft.com/office/drawing/2014/main" xmlns="" id="{69886C5E-71FD-41B2-868A-548B5A8ABE95}"/>
               </a:ext>
             </a:extLst>
           </p:cNvPr>
@@ -14375,7 +15439,7 @@
           <p:cNvPr id="8" name="Gerader Verbinder 7">
             <a:extLst>
               <a:ext uri="{FF2B5EF4-FFF2-40B4-BE49-F238E27FC236}">
-                <a16:creationId xmlns:a16="http://schemas.microsoft.com/office/drawing/2014/main" id="{472F3D41-D8FA-45DF-9E64-84B95CF2462D}"/>
+                <a16:creationId xmlns:a16="http://schemas.microsoft.com/office/drawing/2014/main" xmlns="" id="{472F3D41-D8FA-45DF-9E64-84B95CF2462D}"/>
               </a:ext>
             </a:extLst>
           </p:cNvPr>
@@ -14414,7 +15478,7 @@
           <p:cNvPr id="9" name="Gerader Verbinder 8">
             <a:extLst>
               <a:ext uri="{FF2B5EF4-FFF2-40B4-BE49-F238E27FC236}">
-                <a16:creationId xmlns:a16="http://schemas.microsoft.com/office/drawing/2014/main" id="{9D2AC886-E6AD-4582-807A-531D6E17B093}"/>
+                <a16:creationId xmlns:a16="http://schemas.microsoft.com/office/drawing/2014/main" xmlns="" id="{9D2AC886-E6AD-4582-807A-531D6E17B093}"/>
               </a:ext>
             </a:extLst>
           </p:cNvPr>
@@ -14453,7 +15517,7 @@
           <p:cNvPr id="14" name="Pfeil: nach rechts 13">
             <a:extLst>
               <a:ext uri="{FF2B5EF4-FFF2-40B4-BE49-F238E27FC236}">
-                <a16:creationId xmlns:a16="http://schemas.microsoft.com/office/drawing/2014/main" id="{62849E79-E495-42E3-A5C7-0396A5C82072}"/>
+                <a16:creationId xmlns:a16="http://schemas.microsoft.com/office/drawing/2014/main" xmlns="" id="{62849E79-E495-42E3-A5C7-0396A5C82072}"/>
               </a:ext>
             </a:extLst>
           </p:cNvPr>
@@ -14499,7 +15563,7 @@
           <p:cNvPr id="15" name="Grafik 14" descr="fridge_face.png">
             <a:extLst>
               <a:ext uri="{FF2B5EF4-FFF2-40B4-BE49-F238E27FC236}">
-                <a16:creationId xmlns:a16="http://schemas.microsoft.com/office/drawing/2014/main" id="{0E33A284-8A7D-4AD9-A5FB-C64E6211E25C}"/>
+                <a16:creationId xmlns:a16="http://schemas.microsoft.com/office/drawing/2014/main" xmlns="" id="{0E33A284-8A7D-4AD9-A5FB-C64E6211E25C}"/>
               </a:ext>
             </a:extLst>
           </p:cNvPr>
@@ -14554,7 +15618,7 @@
           <p:cNvPr id="2" name="Titel 1">
             <a:extLst>
               <a:ext uri="{FF2B5EF4-FFF2-40B4-BE49-F238E27FC236}">
-                <a16:creationId xmlns:a16="http://schemas.microsoft.com/office/drawing/2014/main" id="{CD77C097-2ECF-4C94-BCC1-60258CCE61E3}"/>
+                <a16:creationId xmlns:a16="http://schemas.microsoft.com/office/drawing/2014/main" xmlns="" id="{CD77C097-2ECF-4C94-BCC1-60258CCE61E3}"/>
               </a:ext>
             </a:extLst>
           </p:cNvPr>
@@ -14582,7 +15646,7 @@
           <p:cNvPr id="5" name="Inhaltsplatzhalter 4" descr="Frau">
             <a:extLst>
               <a:ext uri="{FF2B5EF4-FFF2-40B4-BE49-F238E27FC236}">
-                <a16:creationId xmlns:a16="http://schemas.microsoft.com/office/drawing/2014/main" id="{E1480F7E-4E61-42AA-A583-671D4AD83567}"/>
+                <a16:creationId xmlns:a16="http://schemas.microsoft.com/office/drawing/2014/main" xmlns="" id="{E1480F7E-4E61-42AA-A583-671D4AD83567}"/>
               </a:ext>
             </a:extLst>
           </p:cNvPr>
@@ -14597,10 +15661,10 @@
           <a:blip r:embed="rId2">
             <a:extLst>
               <a:ext uri="{28A0092B-C50C-407E-A947-70E740481C1C}">
-                <a14:useLocalDpi xmlns:a14="http://schemas.microsoft.com/office/drawing/2010/main" val="0"/>
+                <a14:useLocalDpi xmlns:a14="http://schemas.microsoft.com/office/drawing/2010/main" xmlns="" val="0"/>
               </a:ext>
               <a:ext uri="{96DAC541-7B7A-43D3-8B79-37D633B846F1}">
-                <asvg:svgBlip xmlns:asvg="http://schemas.microsoft.com/office/drawing/2016/SVG/main" r:embed="rId3"/>
+                <asvg:svgBlip xmlns:asvg="http://schemas.microsoft.com/office/drawing/2016/SVG/main" xmlns="" r:embed="rId3"/>
               </a:ext>
             </a:extLst>
           </a:blip>
@@ -14620,7 +15684,7 @@
           <p:cNvPr id="6" name="Inhaltsplatzhalter 4" descr="Frau">
             <a:extLst>
               <a:ext uri="{FF2B5EF4-FFF2-40B4-BE49-F238E27FC236}">
-                <a16:creationId xmlns:a16="http://schemas.microsoft.com/office/drawing/2014/main" id="{F4B1B595-02C2-4BEF-B40E-119A2ECBAEA1}"/>
+                <a16:creationId xmlns:a16="http://schemas.microsoft.com/office/drawing/2014/main" xmlns="" id="{F4B1B595-02C2-4BEF-B40E-119A2ECBAEA1}"/>
               </a:ext>
             </a:extLst>
           </p:cNvPr>
@@ -14633,10 +15697,10 @@
           <a:blip r:embed="rId2">
             <a:extLst>
               <a:ext uri="{28A0092B-C50C-407E-A947-70E740481C1C}">
-                <a14:useLocalDpi xmlns:a14="http://schemas.microsoft.com/office/drawing/2010/main" val="0"/>
+                <a14:useLocalDpi xmlns:a14="http://schemas.microsoft.com/office/drawing/2010/main" xmlns="" val="0"/>
               </a:ext>
               <a:ext uri="{96DAC541-7B7A-43D3-8B79-37D633B846F1}">
-                <asvg:svgBlip xmlns:asvg="http://schemas.microsoft.com/office/drawing/2016/SVG/main" r:embed="rId3"/>
+                <asvg:svgBlip xmlns:asvg="http://schemas.microsoft.com/office/drawing/2016/SVG/main" xmlns="" r:embed="rId3"/>
               </a:ext>
             </a:extLst>
           </a:blip>
@@ -14659,7 +15723,7 @@
           <p:cNvPr id="7" name="Inhaltsplatzhalter 4" descr="Frau">
             <a:extLst>
               <a:ext uri="{FF2B5EF4-FFF2-40B4-BE49-F238E27FC236}">
-                <a16:creationId xmlns:a16="http://schemas.microsoft.com/office/drawing/2014/main" id="{B12B2201-BB6D-4DF6-83B0-D425295E7DE6}"/>
+                <a16:creationId xmlns:a16="http://schemas.microsoft.com/office/drawing/2014/main" xmlns="" id="{B12B2201-BB6D-4DF6-83B0-D425295E7DE6}"/>
               </a:ext>
             </a:extLst>
           </p:cNvPr>
@@ -14672,10 +15736,10 @@
           <a:blip r:embed="rId2">
             <a:extLst>
               <a:ext uri="{28A0092B-C50C-407E-A947-70E740481C1C}">
-                <a14:useLocalDpi xmlns:a14="http://schemas.microsoft.com/office/drawing/2010/main" val="0"/>
+                <a14:useLocalDpi xmlns:a14="http://schemas.microsoft.com/office/drawing/2010/main" xmlns="" val="0"/>
               </a:ext>
               <a:ext uri="{96DAC541-7B7A-43D3-8B79-37D633B846F1}">
-                <asvg:svgBlip xmlns:asvg="http://schemas.microsoft.com/office/drawing/2016/SVG/main" r:embed="rId3"/>
+                <asvg:svgBlip xmlns:asvg="http://schemas.microsoft.com/office/drawing/2016/SVG/main" xmlns="" r:embed="rId3"/>
               </a:ext>
             </a:extLst>
           </a:blip>
@@ -14698,7 +15762,7 @@
           <p:cNvPr id="8" name="Inhaltsplatzhalter 4" descr="Frau">
             <a:extLst>
               <a:ext uri="{FF2B5EF4-FFF2-40B4-BE49-F238E27FC236}">
-                <a16:creationId xmlns:a16="http://schemas.microsoft.com/office/drawing/2014/main" id="{DCF4BD2B-4606-4FF1-80F1-DB034364173E}"/>
+                <a16:creationId xmlns:a16="http://schemas.microsoft.com/office/drawing/2014/main" xmlns="" id="{DCF4BD2B-4606-4FF1-80F1-DB034364173E}"/>
               </a:ext>
             </a:extLst>
           </p:cNvPr>
@@ -14711,10 +15775,10 @@
           <a:blip r:embed="rId2">
             <a:extLst>
               <a:ext uri="{28A0092B-C50C-407E-A947-70E740481C1C}">
-                <a14:useLocalDpi xmlns:a14="http://schemas.microsoft.com/office/drawing/2010/main" val="0"/>
+                <a14:useLocalDpi xmlns:a14="http://schemas.microsoft.com/office/drawing/2010/main" xmlns="" val="0"/>
               </a:ext>
               <a:ext uri="{96DAC541-7B7A-43D3-8B79-37D633B846F1}">
-                <asvg:svgBlip xmlns:asvg="http://schemas.microsoft.com/office/drawing/2016/SVG/main" r:embed="rId3"/>
+                <asvg:svgBlip xmlns:asvg="http://schemas.microsoft.com/office/drawing/2016/SVG/main" xmlns="" r:embed="rId3"/>
               </a:ext>
             </a:extLst>
           </a:blip>
@@ -14737,7 +15801,7 @@
           <p:cNvPr id="9" name="Inhaltsplatzhalter 4" descr="Frau">
             <a:extLst>
               <a:ext uri="{FF2B5EF4-FFF2-40B4-BE49-F238E27FC236}">
-                <a16:creationId xmlns:a16="http://schemas.microsoft.com/office/drawing/2014/main" id="{078F6CCE-90EB-49ED-A06A-68863FFE816C}"/>
+                <a16:creationId xmlns:a16="http://schemas.microsoft.com/office/drawing/2014/main" xmlns="" id="{078F6CCE-90EB-49ED-A06A-68863FFE816C}"/>
               </a:ext>
             </a:extLst>
           </p:cNvPr>
@@ -14750,10 +15814,10 @@
           <a:blip r:embed="rId2">
             <a:extLst>
               <a:ext uri="{28A0092B-C50C-407E-A947-70E740481C1C}">
-                <a14:useLocalDpi xmlns:a14="http://schemas.microsoft.com/office/drawing/2010/main" val="0"/>
+                <a14:useLocalDpi xmlns:a14="http://schemas.microsoft.com/office/drawing/2010/main" xmlns="" val="0"/>
               </a:ext>
               <a:ext uri="{96DAC541-7B7A-43D3-8B79-37D633B846F1}">
-                <asvg:svgBlip xmlns:asvg="http://schemas.microsoft.com/office/drawing/2016/SVG/main" r:embed="rId3"/>
+                <asvg:svgBlip xmlns:asvg="http://schemas.microsoft.com/office/drawing/2016/SVG/main" xmlns="" r:embed="rId3"/>
               </a:ext>
             </a:extLst>
           </a:blip>
@@ -14776,7 +15840,7 @@
           <p:cNvPr id="10" name="Denkblase: wolkenförmig 9">
             <a:extLst>
               <a:ext uri="{FF2B5EF4-FFF2-40B4-BE49-F238E27FC236}">
-                <a16:creationId xmlns:a16="http://schemas.microsoft.com/office/drawing/2014/main" id="{6BA39F53-1530-4645-A9E2-F56920657475}"/>
+                <a16:creationId xmlns:a16="http://schemas.microsoft.com/office/drawing/2014/main" xmlns="" id="{6BA39F53-1530-4645-A9E2-F56920657475}"/>
               </a:ext>
             </a:extLst>
           </p:cNvPr>
@@ -14833,7 +15897,7 @@
           <p:cNvPr id="11" name="Textfeld 10">
             <a:extLst>
               <a:ext uri="{FF2B5EF4-FFF2-40B4-BE49-F238E27FC236}">
-                <a16:creationId xmlns:a16="http://schemas.microsoft.com/office/drawing/2014/main" id="{770AEFF5-07F2-45EC-B1D4-6BC0F00A736E}"/>
+                <a16:creationId xmlns:a16="http://schemas.microsoft.com/office/drawing/2014/main" xmlns="" id="{770AEFF5-07F2-45EC-B1D4-6BC0F00A736E}"/>
               </a:ext>
             </a:extLst>
           </p:cNvPr>
@@ -14886,7 +15950,7 @@
           <p:cNvPr id="12" name="Denkblase: wolkenförmig 11">
             <a:extLst>
               <a:ext uri="{FF2B5EF4-FFF2-40B4-BE49-F238E27FC236}">
-                <a16:creationId xmlns:a16="http://schemas.microsoft.com/office/drawing/2014/main" id="{600AA49D-88C9-4AC6-87E1-5182ED69E2F6}"/>
+                <a16:creationId xmlns:a16="http://schemas.microsoft.com/office/drawing/2014/main" xmlns="" id="{600AA49D-88C9-4AC6-87E1-5182ED69E2F6}"/>
               </a:ext>
             </a:extLst>
           </p:cNvPr>
@@ -14943,7 +16007,7 @@
           <p:cNvPr id="13" name="Textfeld 12">
             <a:extLst>
               <a:ext uri="{FF2B5EF4-FFF2-40B4-BE49-F238E27FC236}">
-                <a16:creationId xmlns:a16="http://schemas.microsoft.com/office/drawing/2014/main" id="{7ACCF427-47A9-4FB7-9BAB-C0A2705141AA}"/>
+                <a16:creationId xmlns:a16="http://schemas.microsoft.com/office/drawing/2014/main" xmlns="" id="{7ACCF427-47A9-4FB7-9BAB-C0A2705141AA}"/>
               </a:ext>
             </a:extLst>
           </p:cNvPr>
@@ -14990,7 +16054,7 @@
           <p:cNvPr id="15" name="Grafik 14" descr="Daumen hoch">
             <a:extLst>
               <a:ext uri="{FF2B5EF4-FFF2-40B4-BE49-F238E27FC236}">
-                <a16:creationId xmlns:a16="http://schemas.microsoft.com/office/drawing/2014/main" id="{53067388-974F-4272-A4F5-C881D1A4FACD}"/>
+                <a16:creationId xmlns:a16="http://schemas.microsoft.com/office/drawing/2014/main" xmlns="" id="{53067388-974F-4272-A4F5-C881D1A4FACD}"/>
               </a:ext>
             </a:extLst>
           </p:cNvPr>
@@ -15000,13 +16064,13 @@
           <p:nvPr/>
         </p:nvPicPr>
         <p:blipFill>
-          <a:blip r:embed="rId4">
+          <a:blip r:embed="rId4" cstate="print">
             <a:extLst>
               <a:ext uri="{28A0092B-C50C-407E-A947-70E740481C1C}">
-                <a14:useLocalDpi xmlns:a14="http://schemas.microsoft.com/office/drawing/2010/main" val="0"/>
+                <a14:useLocalDpi xmlns:a14="http://schemas.microsoft.com/office/drawing/2010/main" xmlns="" val="0"/>
               </a:ext>
               <a:ext uri="{96DAC541-7B7A-43D3-8B79-37D633B846F1}">
-                <asvg:svgBlip xmlns:asvg="http://schemas.microsoft.com/office/drawing/2016/SVG/main" r:embed="rId5"/>
+                <asvg:svgBlip xmlns:asvg="http://schemas.microsoft.com/office/drawing/2016/SVG/main" xmlns="" r:embed="rId5"/>
               </a:ext>
             </a:extLst>
           </a:blip>
@@ -15029,7 +16093,7 @@
           <p:cNvPr id="16" name="Grafik 15" descr="Daumen hoch">
             <a:extLst>
               <a:ext uri="{FF2B5EF4-FFF2-40B4-BE49-F238E27FC236}">
-                <a16:creationId xmlns:a16="http://schemas.microsoft.com/office/drawing/2014/main" id="{3D8E31B4-B058-42ED-8143-375E74C2A008}"/>
+                <a16:creationId xmlns:a16="http://schemas.microsoft.com/office/drawing/2014/main" xmlns="" id="{3D8E31B4-B058-42ED-8143-375E74C2A008}"/>
               </a:ext>
             </a:extLst>
           </p:cNvPr>
@@ -15039,13 +16103,13 @@
           <p:nvPr/>
         </p:nvPicPr>
         <p:blipFill>
-          <a:blip r:embed="rId6">
+          <a:blip r:embed="rId6" cstate="print">
             <a:extLst>
               <a:ext uri="{28A0092B-C50C-407E-A947-70E740481C1C}">
-                <a14:useLocalDpi xmlns:a14="http://schemas.microsoft.com/office/drawing/2010/main" val="0"/>
+                <a14:useLocalDpi xmlns:a14="http://schemas.microsoft.com/office/drawing/2010/main" xmlns="" val="0"/>
               </a:ext>
               <a:ext uri="{96DAC541-7B7A-43D3-8B79-37D633B846F1}">
-                <asvg:svgBlip xmlns:asvg="http://schemas.microsoft.com/office/drawing/2016/SVG/main" r:embed="rId7"/>
+                <asvg:svgBlip xmlns:asvg="http://schemas.microsoft.com/office/drawing/2016/SVG/main" xmlns="" r:embed="rId7"/>
               </a:ext>
             </a:extLst>
           </a:blip>
@@ -15066,7 +16130,7 @@
     </p:spTree>
     <p:extLst>
       <p:ext uri="{BB962C8B-B14F-4D97-AF65-F5344CB8AC3E}">
-        <p14:creationId xmlns:p14="http://schemas.microsoft.com/office/powerpoint/2010/main" val="3738269158"/>
+        <p14:creationId xmlns:p14="http://schemas.microsoft.com/office/powerpoint/2010/main" xmlns="" val="3738269158"/>
       </p:ext>
     </p:extLst>
   </p:cSld>
@@ -15218,7 +16282,7 @@
           <p:cNvPr id="5" name="Grafik 4">
             <a:extLst>
               <a:ext uri="{FF2B5EF4-FFF2-40B4-BE49-F238E27FC236}">
-                <a16:creationId xmlns:a16="http://schemas.microsoft.com/office/drawing/2014/main" id="{6AC2D600-D934-48FC-ADAE-171A5F5F813E}"/>
+                <a16:creationId xmlns:a16="http://schemas.microsoft.com/office/drawing/2014/main" xmlns="" id="{6AC2D600-D934-48FC-ADAE-171A5F5F813E}"/>
               </a:ext>
             </a:extLst>
           </p:cNvPr>
@@ -15231,7 +16295,7 @@
           <a:blip r:embed="rId2">
             <a:extLst>
               <a:ext uri="{28A0092B-C50C-407E-A947-70E740481C1C}">
-                <a14:useLocalDpi xmlns:a14="http://schemas.microsoft.com/office/drawing/2010/main" val="0"/>
+                <a14:useLocalDpi xmlns:a14="http://schemas.microsoft.com/office/drawing/2010/main" xmlns="" val="0"/>
               </a:ext>
             </a:extLst>
           </a:blip>
@@ -15252,7 +16316,7 @@
     </p:spTree>
     <p:extLst>
       <p:ext uri="{BB962C8B-B14F-4D97-AF65-F5344CB8AC3E}">
-        <p14:creationId xmlns:p14="http://schemas.microsoft.com/office/powerpoint/2010/main" val="246517011"/>
+        <p14:creationId xmlns:p14="http://schemas.microsoft.com/office/powerpoint/2010/main" xmlns="" val="246517011"/>
       </p:ext>
     </p:extLst>
   </p:cSld>
@@ -16287,17 +17351,748 @@
     </p:spTree>
     <p:extLst>
       <p:ext uri="{BB962C8B-B14F-4D97-AF65-F5344CB8AC3E}">
-        <p14:creationId xmlns:p14="http://schemas.microsoft.com/office/powerpoint/2010/main" val="1754742320"/>
+        <p14:creationId xmlns:p14="http://schemas.microsoft.com/office/powerpoint/2010/main" xmlns="" val="1754742320"/>
       </p:ext>
     </p:extLst>
   </p:cSld>
   <p:clrMapOvr>
     <a:masterClrMapping/>
   </p:clrMapOvr>
+  <p:timing>
+    <p:tnLst>
+      <p:par>
+        <p:cTn id="1" dur="indefinite" restart="never" nodeType="tmRoot"/>
+      </p:par>
+    </p:tnLst>
+  </p:timing>
 </p:sld>
 </file>
 
 <file path=ppt/slides/slide7.xml><?xml version="1.0" encoding="utf-8"?>
+<p:sld xmlns:a="http://schemas.openxmlformats.org/drawingml/2006/main" xmlns:r="http://schemas.openxmlformats.org/officeDocument/2006/relationships" xmlns:p="http://schemas.openxmlformats.org/presentationml/2006/main">
+  <p:cSld>
+    <p:spTree>
+      <p:nvGrpSpPr>
+        <p:cNvPr id="1" name=""/>
+        <p:cNvGrpSpPr/>
+        <p:nvPr/>
+      </p:nvGrpSpPr>
+      <p:grpSpPr>
+        <a:xfrm>
+          <a:off x="0" y="0"/>
+          <a:ext cx="0" cy="0"/>
+          <a:chOff x="0" y="0"/>
+          <a:chExt cx="0" cy="0"/>
+        </a:xfrm>
+      </p:grpSpPr>
+      <p:pic>
+        <p:nvPicPr>
+          <p:cNvPr id="8" name="Grafik 7" descr="pinnwand.jpg"/>
+          <p:cNvPicPr>
+            <a:picLocks noChangeAspect="1"/>
+          </p:cNvPicPr>
+          <p:nvPr/>
+        </p:nvPicPr>
+        <p:blipFill>
+          <a:blip r:embed="rId2"/>
+          <a:srcRect l="15111"/>
+          <a:stretch>
+            <a:fillRect/>
+          </a:stretch>
+        </p:blipFill>
+        <p:spPr>
+          <a:xfrm>
+            <a:off x="704824" y="1195372"/>
+            <a:ext cx="3611821" cy="3857652"/>
+          </a:xfrm>
+          <a:prstGeom prst="rect">
+            <a:avLst/>
+          </a:prstGeom>
+        </p:spPr>
+      </p:pic>
+      <p:pic>
+        <p:nvPicPr>
+          <p:cNvPr id="10" name="Grafik 9" descr="hmm.png"/>
+          <p:cNvPicPr>
+            <a:picLocks noChangeAspect="1"/>
+          </p:cNvPicPr>
+          <p:nvPr/>
+        </p:nvPicPr>
+        <p:blipFill>
+          <a:blip r:embed="rId3"/>
+          <a:stretch>
+            <a:fillRect/>
+          </a:stretch>
+        </p:blipFill>
+        <p:spPr>
+          <a:xfrm>
+            <a:off x="1847832" y="5195900"/>
+            <a:ext cx="1143008" cy="1143008"/>
+          </a:xfrm>
+          <a:prstGeom prst="rect">
+            <a:avLst/>
+          </a:prstGeom>
+        </p:spPr>
+      </p:pic>
+      <p:sp>
+        <p:nvSpPr>
+          <p:cNvPr id="14" name="Titel 1"/>
+          <p:cNvSpPr>
+            <a:spLocks noGrp="1"/>
+          </p:cNvSpPr>
+          <p:nvPr>
+            <p:ph type="title"/>
+          </p:nvPr>
+        </p:nvSpPr>
+        <p:spPr>
+          <a:xfrm>
+            <a:off x="457200" y="274638"/>
+            <a:ext cx="7467600" cy="654032"/>
+          </a:xfrm>
+        </p:spPr>
+        <p:txBody>
+          <a:bodyPr>
+            <a:normAutofit fontScale="90000"/>
+          </a:bodyPr>
+          <a:lstStyle/>
+          <a:p>
+            <a:r>
+              <a:rPr lang="de-DE" sz="4000" dirty="0" smtClean="0"/>
+              <a:t>Pflichtenheftphase</a:t>
+            </a:r>
+            <a:endParaRPr lang="de-DE" sz="4000" dirty="0"/>
+          </a:p>
+        </p:txBody>
+      </p:sp>
+      <p:sp>
+        <p:nvSpPr>
+          <p:cNvPr id="15" name="Inhaltsplatzhalter 2"/>
+          <p:cNvSpPr>
+            <a:spLocks noGrp="1"/>
+          </p:cNvSpPr>
+          <p:nvPr>
+            <p:ph sz="quarter" idx="1"/>
+          </p:nvPr>
+        </p:nvSpPr>
+        <p:spPr>
+          <a:xfrm>
+            <a:off x="4371942" y="1385873"/>
+            <a:ext cx="4714908" cy="4857784"/>
+          </a:xfrm>
+        </p:spPr>
+        <p:txBody>
+          <a:bodyPr>
+            <a:normAutofit/>
+          </a:bodyPr>
+          <a:lstStyle/>
+          <a:p>
+            <a:pPr marL="447675" indent="-447675">
+              <a:buNone/>
+            </a:pPr>
+            <a:endParaRPr lang="de-DE" sz="1000" dirty="0" smtClean="0"/>
+          </a:p>
+          <a:p>
+            <a:pPr marL="447675" indent="-447675">
+              <a:lnSpc>
+                <a:spcPct val="150000"/>
+              </a:lnSpc>
+            </a:pPr>
+            <a:r>
+              <a:rPr lang="de-DE" sz="2600" dirty="0" smtClean="0"/>
+              <a:t>Relevant für Studenten</a:t>
+            </a:r>
+          </a:p>
+          <a:p>
+            <a:pPr marL="447675" indent="-447675">
+              <a:lnSpc>
+                <a:spcPct val="150000"/>
+              </a:lnSpc>
+            </a:pPr>
+            <a:r>
+              <a:rPr lang="de-DE" sz="2600" dirty="0" smtClean="0"/>
+              <a:t>Breiter Anwendungsbereich</a:t>
+            </a:r>
+          </a:p>
+          <a:p>
+            <a:pPr marL="447675" indent="-447675">
+              <a:lnSpc>
+                <a:spcPct val="150000"/>
+              </a:lnSpc>
+            </a:pPr>
+            <a:r>
+              <a:rPr lang="de-DE" sz="2600" dirty="0" smtClean="0"/>
+              <a:t>Klar vorstellbare Zielgruppe</a:t>
+            </a:r>
+            <a:endParaRPr lang="de-DE" sz="2600" dirty="0" smtClean="0"/>
+          </a:p>
+          <a:p>
+            <a:pPr marL="447675" indent="-447675">
+              <a:buNone/>
+            </a:pPr>
+            <a:endParaRPr lang="de-DE" sz="1000" dirty="0" smtClean="0"/>
+          </a:p>
+          <a:p>
+            <a:pPr marL="447675" indent="-447675">
+              <a:buNone/>
+            </a:pPr>
+            <a:endParaRPr lang="de-DE" sz="1000" dirty="0"/>
+          </a:p>
+          <a:p>
+            <a:pPr marL="447675" indent="-447675"/>
+            <a:endParaRPr lang="de-DE" sz="1000" dirty="0"/>
+          </a:p>
+          <a:p>
+            <a:pPr marL="447675" indent="-447675"/>
+            <a:endParaRPr lang="de-DE" sz="1000" dirty="0" smtClean="0"/>
+          </a:p>
+        </p:txBody>
+      </p:sp>
+      <p:pic>
+        <p:nvPicPr>
+          <p:cNvPr id="7" name="Grafik 6" descr="Fridge5.PNG"/>
+          <p:cNvPicPr>
+            <a:picLocks noChangeAspect="1"/>
+          </p:cNvPicPr>
+          <p:nvPr/>
+        </p:nvPicPr>
+        <p:blipFill>
+          <a:blip r:embed="rId4"/>
+          <a:stretch>
+            <a:fillRect/>
+          </a:stretch>
+        </p:blipFill>
+        <p:spPr>
+          <a:xfrm>
+            <a:off x="4481512" y="180143"/>
+            <a:ext cx="4143404" cy="5249121"/>
+          </a:xfrm>
+          <a:prstGeom prst="rect">
+            <a:avLst/>
+          </a:prstGeom>
+        </p:spPr>
+      </p:pic>
+      <p:pic>
+        <p:nvPicPr>
+          <p:cNvPr id="11" name="Grafik 10" descr="aha2.jpg"/>
+          <p:cNvPicPr>
+            <a:picLocks noChangeAspect="1"/>
+          </p:cNvPicPr>
+          <p:nvPr/>
+        </p:nvPicPr>
+        <p:blipFill>
+          <a:blip r:embed="rId5" cstate="print"/>
+          <a:srcRect l="12413" t="9375" r="17633" b="9375"/>
+          <a:stretch>
+            <a:fillRect/>
+          </a:stretch>
+        </p:blipFill>
+        <p:spPr>
+          <a:xfrm>
+            <a:off x="6143636" y="5214950"/>
+            <a:ext cx="1165905" cy="1357322"/>
+          </a:xfrm>
+          <a:prstGeom prst="rect">
+            <a:avLst/>
+          </a:prstGeom>
+        </p:spPr>
+      </p:pic>
+    </p:spTree>
+    <p:extLst>
+      <p:ext uri="{BB962C8B-B14F-4D97-AF65-F5344CB8AC3E}">
+        <p14:creationId xmlns:p14="http://schemas.microsoft.com/office/powerpoint/2010/main" xmlns="" val="1633567392"/>
+      </p:ext>
+    </p:extLst>
+  </p:cSld>
+  <p:clrMapOvr>
+    <a:masterClrMapping/>
+  </p:clrMapOvr>
+  <p:timing>
+    <p:tnLst>
+      <p:par>
+        <p:cTn id="1" dur="indefinite" restart="never" nodeType="tmRoot">
+          <p:childTnLst>
+            <p:seq concurrent="1" nextAc="seek">
+              <p:cTn id="2" dur="indefinite" nodeType="mainSeq">
+                <p:childTnLst>
+                  <p:par>
+                    <p:cTn id="3" fill="hold">
+                      <p:stCondLst>
+                        <p:cond delay="indefinite"/>
+                      </p:stCondLst>
+                      <p:childTnLst>
+                        <p:par>
+                          <p:cTn id="4" fill="hold">
+                            <p:stCondLst>
+                              <p:cond delay="0"/>
+                            </p:stCondLst>
+                            <p:childTnLst>
+                              <p:par>
+                                <p:cTn id="5" presetID="2" presetClass="entr" presetSubtype="4" fill="hold" nodeType="clickEffect">
+                                  <p:stCondLst>
+                                    <p:cond delay="0"/>
+                                  </p:stCondLst>
+                                  <p:childTnLst>
+                                    <p:set>
+                                      <p:cBhvr>
+                                        <p:cTn id="6" dur="1" fill="hold">
+                                          <p:stCondLst>
+                                            <p:cond delay="0"/>
+                                          </p:stCondLst>
+                                        </p:cTn>
+                                        <p:tgtEl>
+                                          <p:spTgt spid="7"/>
+                                        </p:tgtEl>
+                                        <p:attrNameLst>
+                                          <p:attrName>style.visibility</p:attrName>
+                                        </p:attrNameLst>
+                                      </p:cBhvr>
+                                      <p:to>
+                                        <p:strVal val="visible"/>
+                                      </p:to>
+                                    </p:set>
+                                    <p:anim calcmode="lin" valueType="num">
+                                      <p:cBhvr additive="base">
+                                        <p:cTn id="7" dur="500" fill="hold"/>
+                                        <p:tgtEl>
+                                          <p:spTgt spid="7"/>
+                                        </p:tgtEl>
+                                        <p:attrNameLst>
+                                          <p:attrName>ppt_x</p:attrName>
+                                        </p:attrNameLst>
+                                      </p:cBhvr>
+                                      <p:tavLst>
+                                        <p:tav tm="0">
+                                          <p:val>
+                                            <p:strVal val="#ppt_x"/>
+                                          </p:val>
+                                        </p:tav>
+                                        <p:tav tm="100000">
+                                          <p:val>
+                                            <p:strVal val="#ppt_x"/>
+                                          </p:val>
+                                        </p:tav>
+                                      </p:tavLst>
+                                    </p:anim>
+                                    <p:anim calcmode="lin" valueType="num">
+                                      <p:cBhvr additive="base">
+                                        <p:cTn id="8" dur="500" fill="hold"/>
+                                        <p:tgtEl>
+                                          <p:spTgt spid="7"/>
+                                        </p:tgtEl>
+                                        <p:attrNameLst>
+                                          <p:attrName>ppt_y</p:attrName>
+                                        </p:attrNameLst>
+                                      </p:cBhvr>
+                                      <p:tavLst>
+                                        <p:tav tm="0">
+                                          <p:val>
+                                            <p:strVal val="1+#ppt_h/2"/>
+                                          </p:val>
+                                        </p:tav>
+                                        <p:tav tm="100000">
+                                          <p:val>
+                                            <p:strVal val="#ppt_y"/>
+                                          </p:val>
+                                        </p:tav>
+                                      </p:tavLst>
+                                    </p:anim>
+                                  </p:childTnLst>
+                                </p:cTn>
+                              </p:par>
+                              <p:par>
+                                <p:cTn id="9" presetID="2" presetClass="entr" presetSubtype="4" fill="hold" nodeType="withEffect">
+                                  <p:stCondLst>
+                                    <p:cond delay="0"/>
+                                  </p:stCondLst>
+                                  <p:childTnLst>
+                                    <p:set>
+                                      <p:cBhvr>
+                                        <p:cTn id="10" dur="1" fill="hold">
+                                          <p:stCondLst>
+                                            <p:cond delay="0"/>
+                                          </p:stCondLst>
+                                        </p:cTn>
+                                        <p:tgtEl>
+                                          <p:spTgt spid="11"/>
+                                        </p:tgtEl>
+                                        <p:attrNameLst>
+                                          <p:attrName>style.visibility</p:attrName>
+                                        </p:attrNameLst>
+                                      </p:cBhvr>
+                                      <p:to>
+                                        <p:strVal val="visible"/>
+                                      </p:to>
+                                    </p:set>
+                                    <p:anim calcmode="lin" valueType="num">
+                                      <p:cBhvr additive="base">
+                                        <p:cTn id="11" dur="500" fill="hold"/>
+                                        <p:tgtEl>
+                                          <p:spTgt spid="11"/>
+                                        </p:tgtEl>
+                                        <p:attrNameLst>
+                                          <p:attrName>ppt_x</p:attrName>
+                                        </p:attrNameLst>
+                                      </p:cBhvr>
+                                      <p:tavLst>
+                                        <p:tav tm="0">
+                                          <p:val>
+                                            <p:strVal val="#ppt_x"/>
+                                          </p:val>
+                                        </p:tav>
+                                        <p:tav tm="100000">
+                                          <p:val>
+                                            <p:strVal val="#ppt_x"/>
+                                          </p:val>
+                                        </p:tav>
+                                      </p:tavLst>
+                                    </p:anim>
+                                    <p:anim calcmode="lin" valueType="num">
+                                      <p:cBhvr additive="base">
+                                        <p:cTn id="12" dur="500" fill="hold"/>
+                                        <p:tgtEl>
+                                          <p:spTgt spid="11"/>
+                                        </p:tgtEl>
+                                        <p:attrNameLst>
+                                          <p:attrName>ppt_y</p:attrName>
+                                        </p:attrNameLst>
+                                      </p:cBhvr>
+                                      <p:tavLst>
+                                        <p:tav tm="0">
+                                          <p:val>
+                                            <p:strVal val="1+#ppt_h/2"/>
+                                          </p:val>
+                                        </p:tav>
+                                        <p:tav tm="100000">
+                                          <p:val>
+                                            <p:strVal val="#ppt_y"/>
+                                          </p:val>
+                                        </p:tav>
+                                      </p:tavLst>
+                                    </p:anim>
+                                  </p:childTnLst>
+                                </p:cTn>
+                              </p:par>
+                            </p:childTnLst>
+                          </p:cTn>
+                        </p:par>
+                      </p:childTnLst>
+                    </p:cTn>
+                  </p:par>
+                </p:childTnLst>
+              </p:cTn>
+              <p:prevCondLst>
+                <p:cond evt="onPrev" delay="0">
+                  <p:tgtEl>
+                    <p:sldTgt/>
+                  </p:tgtEl>
+                </p:cond>
+              </p:prevCondLst>
+              <p:nextCondLst>
+                <p:cond evt="onNext" delay="0">
+                  <p:tgtEl>
+                    <p:sldTgt/>
+                  </p:tgtEl>
+                </p:cond>
+              </p:nextCondLst>
+            </p:seq>
+          </p:childTnLst>
+        </p:cTn>
+      </p:par>
+    </p:tnLst>
+  </p:timing>
+</p:sld>
+</file>
+
+<file path=ppt/slides/slide8.xml><?xml version="1.0" encoding="utf-8"?>
+<p:sld xmlns:a="http://schemas.openxmlformats.org/drawingml/2006/main" xmlns:r="http://schemas.openxmlformats.org/officeDocument/2006/relationships" xmlns:p="http://schemas.openxmlformats.org/presentationml/2006/main">
+  <p:cSld>
+    <p:spTree>
+      <p:nvGrpSpPr>
+        <p:cNvPr id="1" name=""/>
+        <p:cNvGrpSpPr/>
+        <p:nvPr/>
+      </p:nvGrpSpPr>
+      <p:grpSpPr>
+        <a:xfrm>
+          <a:off x="0" y="0"/>
+          <a:ext cx="0" cy="0"/>
+          <a:chOff x="0" y="0"/>
+          <a:chExt cx="0" cy="0"/>
+        </a:xfrm>
+      </p:grpSpPr>
+      <p:sp>
+        <p:nvSpPr>
+          <p:cNvPr id="4" name="Titel 1"/>
+          <p:cNvSpPr>
+            <a:spLocks noGrp="1"/>
+          </p:cNvSpPr>
+          <p:nvPr>
+            <p:ph type="title"/>
+          </p:nvPr>
+        </p:nvSpPr>
+        <p:spPr>
+          <a:xfrm>
+            <a:off x="457200" y="274638"/>
+            <a:ext cx="7467600" cy="654032"/>
+          </a:xfrm>
+        </p:spPr>
+        <p:txBody>
+          <a:bodyPr>
+            <a:normAutofit fontScale="90000"/>
+          </a:bodyPr>
+          <a:lstStyle/>
+          <a:p>
+            <a:r>
+              <a:rPr lang="de-DE" sz="4000" dirty="0" smtClean="0"/>
+              <a:t>Pflichtenheftphase</a:t>
+            </a:r>
+            <a:endParaRPr lang="de-DE" sz="4000" dirty="0"/>
+          </a:p>
+        </p:txBody>
+      </p:sp>
+      <p:sp>
+        <p:nvSpPr>
+          <p:cNvPr id="5" name="Inhaltsplatzhalter 2"/>
+          <p:cNvSpPr>
+            <a:spLocks noGrp="1"/>
+          </p:cNvSpPr>
+          <p:nvPr>
+            <p:ph sz="quarter" idx="1"/>
+          </p:nvPr>
+        </p:nvSpPr>
+        <p:spPr>
+          <a:xfrm>
+            <a:off x="500034" y="1285860"/>
+            <a:ext cx="7467600" cy="4857784"/>
+          </a:xfrm>
+        </p:spPr>
+        <p:txBody>
+          <a:bodyPr>
+            <a:normAutofit/>
+          </a:bodyPr>
+          <a:lstStyle/>
+          <a:p>
+            <a:pPr marL="447675" indent="-447675">
+              <a:buNone/>
+            </a:pPr>
+            <a:endParaRPr lang="de-DE" sz="1000" dirty="0" smtClean="0"/>
+          </a:p>
+          <a:p>
+            <a:pPr marL="447675" indent="-447675"/>
+            <a:r>
+              <a:rPr lang="de-DE" sz="3000" dirty="0" err="1" smtClean="0"/>
+              <a:t>Frozen</a:t>
+            </a:r>
+            <a:r>
+              <a:rPr lang="de-DE" sz="3000" dirty="0" smtClean="0"/>
+              <a:t> </a:t>
+            </a:r>
+            <a:r>
+              <a:rPr lang="de-DE" sz="3000" dirty="0" smtClean="0"/>
+              <a:t>Notes</a:t>
+            </a:r>
+            <a:endParaRPr lang="de-DE" sz="3000" dirty="0"/>
+          </a:p>
+          <a:p>
+            <a:pPr marL="813435" lvl="1" indent="-447675"/>
+            <a:r>
+              <a:rPr lang="de-DE" sz="2600" dirty="0" smtClean="0"/>
+              <a:t>Bearbeitbar </a:t>
+            </a:r>
+            <a:endParaRPr lang="de-DE" sz="2600" dirty="0" smtClean="0"/>
+          </a:p>
+          <a:p>
+            <a:pPr marL="813435" lvl="1" indent="-447675"/>
+            <a:r>
+              <a:rPr lang="de-DE" sz="2600" dirty="0" smtClean="0"/>
+              <a:t>Nicht löschbar</a:t>
+            </a:r>
+            <a:endParaRPr lang="de-DE" sz="2600" dirty="0"/>
+          </a:p>
+          <a:p>
+            <a:pPr marL="447675" indent="-447675">
+              <a:buNone/>
+            </a:pPr>
+            <a:endParaRPr lang="de-DE" sz="1000" dirty="0" smtClean="0"/>
+          </a:p>
+          <a:p>
+            <a:pPr marL="447675" indent="-447675">
+              <a:buNone/>
+            </a:pPr>
+            <a:endParaRPr lang="de-DE" sz="1000" dirty="0"/>
+          </a:p>
+          <a:p>
+            <a:pPr marL="447675" indent="-447675"/>
+            <a:r>
+              <a:rPr lang="de-DE" sz="3000" dirty="0"/>
+              <a:t>Cool </a:t>
+            </a:r>
+            <a:r>
+              <a:rPr lang="de-DE" sz="3000" dirty="0" smtClean="0"/>
+              <a:t>Notes</a:t>
+            </a:r>
+            <a:endParaRPr lang="de-DE" sz="3000" dirty="0"/>
+          </a:p>
+          <a:p>
+            <a:pPr marL="813435" lvl="1" indent="-447675"/>
+            <a:r>
+              <a:rPr lang="de-DE" sz="2600" dirty="0" smtClean="0"/>
+              <a:t>Nicht bearbeitbar</a:t>
+            </a:r>
+            <a:r>
+              <a:rPr lang="de-DE" sz="2600" dirty="0" smtClean="0"/>
+              <a:t> </a:t>
+            </a:r>
+            <a:endParaRPr lang="de-DE" sz="2600" dirty="0"/>
+          </a:p>
+          <a:p>
+            <a:pPr marL="813435" lvl="1" indent="-447675"/>
+            <a:r>
+              <a:rPr lang="de-DE" sz="2600" dirty="0" smtClean="0"/>
+              <a:t>Löschbar</a:t>
+            </a:r>
+            <a:endParaRPr lang="de-DE" sz="2600" dirty="0"/>
+          </a:p>
+          <a:p>
+            <a:pPr marL="447675" indent="-447675"/>
+            <a:endParaRPr lang="de-DE" sz="1000" dirty="0"/>
+          </a:p>
+          <a:p>
+            <a:pPr marL="447675" indent="-447675"/>
+            <a:endParaRPr lang="de-DE" sz="1000" dirty="0" smtClean="0"/>
+          </a:p>
+        </p:txBody>
+      </p:sp>
+      <p:pic>
+        <p:nvPicPr>
+          <p:cNvPr id="6" name="Bild 3"/>
+          <p:cNvPicPr>
+            <a:picLocks noChangeAspect="1"/>
+          </p:cNvPicPr>
+          <p:nvPr/>
+        </p:nvPicPr>
+        <p:blipFill>
+          <a:blip r:embed="rId2" cstate="print">
+            <a:extLst>
+              <a:ext uri="{28A0092B-C50C-407E-A947-70E740481C1C}">
+                <a14:useLocalDpi xmlns:a14="http://schemas.microsoft.com/office/drawing/2010/main" xmlns="" val="0"/>
+              </a:ext>
+            </a:extLst>
+          </a:blip>
+          <a:stretch>
+            <a:fillRect/>
+          </a:stretch>
+        </p:blipFill>
+        <p:spPr>
+          <a:xfrm>
+            <a:off x="5253044" y="1057258"/>
+            <a:ext cx="2500330" cy="4139578"/>
+          </a:xfrm>
+          <a:prstGeom prst="rect">
+            <a:avLst/>
+          </a:prstGeom>
+        </p:spPr>
+      </p:pic>
+      <p:sp>
+        <p:nvSpPr>
+          <p:cNvPr id="7" name="Geschweifte Klammer links 6"/>
+          <p:cNvSpPr/>
+          <p:nvPr/>
+        </p:nvSpPr>
+        <p:spPr>
+          <a:xfrm>
+            <a:off x="4610102" y="1700200"/>
+            <a:ext cx="357190" cy="1071570"/>
+          </a:xfrm>
+          <a:prstGeom prst="leftBrace">
+            <a:avLst>
+              <a:gd name="adj1" fmla="val 8333"/>
+              <a:gd name="adj2" fmla="val 15141"/>
+            </a:avLst>
+          </a:prstGeom>
+          <a:ln w="38100"/>
+        </p:spPr>
+        <p:style>
+          <a:lnRef idx="1">
+            <a:schemeClr val="accent1"/>
+          </a:lnRef>
+          <a:fillRef idx="0">
+            <a:schemeClr val="accent1"/>
+          </a:fillRef>
+          <a:effectRef idx="0">
+            <a:schemeClr val="accent1"/>
+          </a:effectRef>
+          <a:fontRef idx="minor">
+            <a:schemeClr val="tx1"/>
+          </a:fontRef>
+        </p:style>
+        <p:txBody>
+          <a:bodyPr rtlCol="0" anchor="ctr"/>
+          <a:lstStyle/>
+          <a:p>
+            <a:pPr algn="ctr"/>
+            <a:endParaRPr lang="de-DE"/>
+          </a:p>
+        </p:txBody>
+      </p:sp>
+      <p:sp>
+        <p:nvSpPr>
+          <p:cNvPr id="8" name="Geschweifte Klammer links 7"/>
+          <p:cNvSpPr/>
+          <p:nvPr/>
+        </p:nvSpPr>
+        <p:spPr>
+          <a:xfrm>
+            <a:off x="4652965" y="2852734"/>
+            <a:ext cx="300039" cy="2205052"/>
+          </a:xfrm>
+          <a:prstGeom prst="leftBrace">
+            <a:avLst>
+              <a:gd name="adj1" fmla="val 8333"/>
+              <a:gd name="adj2" fmla="val 43774"/>
+            </a:avLst>
+          </a:prstGeom>
+          <a:ln w="38100"/>
+        </p:spPr>
+        <p:style>
+          <a:lnRef idx="1">
+            <a:schemeClr val="accent1"/>
+          </a:lnRef>
+          <a:fillRef idx="0">
+            <a:schemeClr val="accent1"/>
+          </a:fillRef>
+          <a:effectRef idx="0">
+            <a:schemeClr val="accent1"/>
+          </a:effectRef>
+          <a:fontRef idx="minor">
+            <a:schemeClr val="tx1"/>
+          </a:fontRef>
+        </p:style>
+        <p:txBody>
+          <a:bodyPr rtlCol="0" anchor="ctr"/>
+          <a:lstStyle/>
+          <a:p>
+            <a:pPr algn="ctr"/>
+            <a:endParaRPr lang="de-DE"/>
+          </a:p>
+        </p:txBody>
+      </p:sp>
+    </p:spTree>
+  </p:cSld>
+  <p:clrMapOvr>
+    <a:masterClrMapping/>
+  </p:clrMapOvr>
+  <p:timing>
+    <p:tnLst>
+      <p:par>
+        <p:cTn id="1" dur="indefinite" restart="never" nodeType="tmRoot"/>
+      </p:par>
+    </p:tnLst>
+  </p:timing>
+</p:sld>
+</file>
+
+<file path=ppt/slides/slide9.xml><?xml version="1.0" encoding="utf-8"?>
 <p:sld xmlns:a="http://schemas.openxmlformats.org/drawingml/2006/main" xmlns:r="http://schemas.openxmlformats.org/officeDocument/2006/relationships" xmlns:p="http://schemas.openxmlformats.org/presentationml/2006/main">
   <p:cSld>
     <p:spTree>
@@ -16324,17 +18119,23 @@
             <p:ph type="title"/>
           </p:nvPr>
         </p:nvSpPr>
-        <p:spPr/>
+        <p:spPr>
+          <a:xfrm>
+            <a:off x="457200" y="274638"/>
+            <a:ext cx="7467600" cy="654032"/>
+          </a:xfrm>
+        </p:spPr>
         <p:txBody>
           <a:bodyPr>
-            <a:normAutofit/>
+            <a:normAutofit fontScale="90000"/>
           </a:bodyPr>
           <a:lstStyle/>
           <a:p>
             <a:r>
-              <a:rPr lang="de-DE" sz="4000" dirty="0"/>
+              <a:rPr lang="de-DE" sz="4000" dirty="0" smtClean="0"/>
               <a:t>Pflichtenheftphase</a:t>
             </a:r>
+            <a:endParaRPr lang="de-DE" sz="4000" dirty="0"/>
           </a:p>
         </p:txBody>
       </p:sp>
@@ -16350,1422 +18151,139 @@
         </p:nvSpPr>
         <p:spPr>
           <a:xfrm>
-            <a:off x="457200" y="1600200"/>
+            <a:off x="428596" y="1166797"/>
             <a:ext cx="7467600" cy="4900634"/>
           </a:xfrm>
         </p:spPr>
         <p:txBody>
           <a:bodyPr>
-            <a:normAutofit/>
+            <a:normAutofit fontScale="92500" lnSpcReduction="20000"/>
           </a:bodyPr>
           <a:lstStyle/>
           <a:p>
             <a:pPr marL="447675" indent="-447675">
               <a:buNone/>
             </a:pPr>
-            <a:endParaRPr lang="de-DE" sz="1000" dirty="0"/>
+            <a:endParaRPr lang="de-DE" sz="1000" dirty="0" smtClean="0"/>
           </a:p>
           <a:p>
             <a:pPr marL="447675" indent="-447675"/>
             <a:r>
-              <a:rPr lang="de-DE" sz="3200" dirty="0" err="1"/>
-              <a:t>Frozen</a:t>
+              <a:rPr lang="de-DE" sz="3000" dirty="0" smtClean="0"/>
+              <a:t>Musskriterien</a:t>
             </a:r>
-            <a:r>
-              <a:rPr lang="de-DE" sz="3200" dirty="0"/>
-              <a:t> Notes</a:t>
-            </a:r>
-            <a:endParaRPr lang="de-DE" sz="1000" dirty="0"/>
-          </a:p>
-          <a:p>
-            <a:pPr marL="813435" lvl="1" indent="-447675"/>
-            <a:r>
-              <a:rPr lang="de-DE" sz="2900" dirty="0"/>
-              <a:t>bearbeitbar </a:t>
-            </a:r>
-          </a:p>
-          <a:p>
-            <a:pPr marL="813435" lvl="1" indent="-447675"/>
-            <a:r>
-              <a:rPr lang="de-DE" sz="2900" dirty="0"/>
-              <a:t>Nicht löschbar</a:t>
-            </a:r>
-            <a:endParaRPr lang="de-DE" sz="700" dirty="0"/>
           </a:p>
           <a:p>
             <a:pPr marL="447675" indent="-447675">
               <a:buNone/>
             </a:pPr>
-            <a:endParaRPr lang="de-DE" sz="1000" dirty="0"/>
+            <a:endParaRPr lang="de-DE" sz="1000" dirty="0" smtClean="0"/>
+          </a:p>
+          <a:p>
+            <a:pPr marL="813435" lvl="1" indent="-447675"/>
+            <a:r>
+              <a:rPr lang="de-DE" sz="2600" dirty="0" smtClean="0"/>
+              <a:t>Erstellen einer WG Pinnwand</a:t>
+            </a:r>
           </a:p>
           <a:p>
             <a:pPr marL="447675" indent="-447675">
               <a:buNone/>
             </a:pPr>
-            <a:endParaRPr lang="de-DE" sz="1000" dirty="0"/>
-          </a:p>
-          <a:p>
-            <a:pPr marL="447675" indent="-447675"/>
-            <a:r>
-              <a:rPr lang="de-DE" sz="3200" dirty="0"/>
-              <a:t>Cool Notes</a:t>
-            </a:r>
-            <a:endParaRPr lang="de-DE" sz="1000" dirty="0"/>
+            <a:endParaRPr lang="de-DE" sz="2600" dirty="0" smtClean="0"/>
           </a:p>
           <a:p>
             <a:pPr marL="813435" lvl="1" indent="-447675"/>
             <a:r>
-              <a:rPr lang="de-DE" sz="2900" dirty="0"/>
-              <a:t>erstellen </a:t>
+              <a:rPr lang="de-DE" sz="2600" dirty="0" smtClean="0"/>
+              <a:t>Interaktion mit der Pinnwand</a:t>
             </a:r>
+          </a:p>
+          <a:p>
+            <a:pPr marL="447675" indent="-447675">
+              <a:buNone/>
+            </a:pPr>
+            <a:endParaRPr lang="de-DE" sz="2600" dirty="0"/>
           </a:p>
           <a:p>
             <a:pPr marL="813435" lvl="1" indent="-447675"/>
             <a:r>
-              <a:rPr lang="de-DE" sz="2900" dirty="0"/>
-              <a:t>löschen</a:t>
+              <a:rPr lang="de-DE" sz="2600" dirty="0" smtClean="0"/>
+              <a:t>Synchronisierung mit dem Server</a:t>
             </a:r>
+            <a:endParaRPr lang="de-DE" sz="2600" dirty="0"/>
+          </a:p>
+          <a:p>
+            <a:pPr marL="447675" indent="-447675">
+              <a:buNone/>
+            </a:pPr>
+            <a:endParaRPr lang="de-DE" sz="2600" dirty="0"/>
+          </a:p>
+          <a:p>
+            <a:pPr marL="813435" lvl="1" indent="-447675"/>
+            <a:r>
+              <a:rPr lang="de-DE" sz="2600" dirty="0" smtClean="0"/>
+              <a:t>App-Menü	</a:t>
+            </a:r>
+            <a:endParaRPr lang="de-DE" sz="2600" dirty="0"/>
+          </a:p>
+          <a:p>
+            <a:pPr marL="447675" indent="-447675">
+              <a:buNone/>
+            </a:pPr>
+            <a:endParaRPr lang="de-DE" sz="2600" dirty="0"/>
+          </a:p>
+          <a:p>
+            <a:pPr marL="813435" lvl="1" indent="-447675"/>
+            <a:r>
+              <a:rPr lang="de-DE" sz="2600" dirty="0" smtClean="0"/>
+              <a:t>Lesebestätigung</a:t>
+            </a:r>
+            <a:r>
+              <a:rPr lang="de-DE" sz="2600" dirty="0"/>
+              <a:t>	</a:t>
+            </a:r>
+          </a:p>
+          <a:p>
+            <a:pPr marL="447675" indent="-447675">
+              <a:buNone/>
+            </a:pPr>
+            <a:endParaRPr lang="de-DE" sz="2600" dirty="0"/>
+          </a:p>
+          <a:p>
+            <a:pPr marL="813435" lvl="1" indent="-447675"/>
+            <a:r>
+              <a:rPr lang="de-DE" sz="2600" dirty="0" smtClean="0"/>
+              <a:t>Push-Benachrichtigung</a:t>
+            </a:r>
+            <a:r>
+              <a:rPr lang="de-DE" sz="2600" dirty="0"/>
+              <a:t>	</a:t>
+            </a:r>
           </a:p>
           <a:p>
             <a:pPr marL="447675" indent="-447675"/>
-            <a:endParaRPr lang="de-DE" sz="1000" dirty="0"/>
-          </a:p>
-          <a:p>
-            <a:pPr marL="447675" indent="-447675"/>
-            <a:endParaRPr lang="de-DE" sz="1000" dirty="0"/>
-          </a:p>
-        </p:txBody>
-      </p:sp>
-      <p:pic>
-        <p:nvPicPr>
-          <p:cNvPr id="4" name="Bild 3"/>
-          <p:cNvPicPr>
-            <a:picLocks noChangeAspect="1"/>
-          </p:cNvPicPr>
-          <p:nvPr/>
-        </p:nvPicPr>
-        <p:blipFill>
-          <a:blip r:embed="rId2" cstate="print">
-            <a:extLst>
-              <a:ext uri="{28A0092B-C50C-407E-A947-70E740481C1C}">
-                <a14:useLocalDpi xmlns:a14="http://schemas.microsoft.com/office/drawing/2010/main" val="0"/>
-              </a:ext>
-            </a:extLst>
-          </a:blip>
-          <a:stretch>
-            <a:fillRect/>
-          </a:stretch>
-        </p:blipFill>
-        <p:spPr>
-          <a:xfrm>
-            <a:off x="4860032" y="1759953"/>
-            <a:ext cx="2767029" cy="4581128"/>
-          </a:xfrm>
-          <a:prstGeom prst="rect">
-            <a:avLst/>
-          </a:prstGeom>
-        </p:spPr>
-      </p:pic>
-      <p:sp>
-        <p:nvSpPr>
-          <p:cNvPr id="5" name="Geschweifte Klammer links 4"/>
-          <p:cNvSpPr/>
-          <p:nvPr/>
-        </p:nvSpPr>
-        <p:spPr>
-          <a:xfrm>
-            <a:off x="4283968" y="2276872"/>
-            <a:ext cx="288032" cy="1368152"/>
-          </a:xfrm>
-          <a:prstGeom prst="leftBrace">
-            <a:avLst/>
-          </a:prstGeom>
-          <a:ln w="38100"/>
-        </p:spPr>
-        <p:style>
-          <a:lnRef idx="1">
-            <a:schemeClr val="accent1"/>
-          </a:lnRef>
-          <a:fillRef idx="0">
-            <a:schemeClr val="accent1"/>
-          </a:fillRef>
-          <a:effectRef idx="0">
-            <a:schemeClr val="accent1"/>
-          </a:effectRef>
-          <a:fontRef idx="minor">
-            <a:schemeClr val="tx1"/>
-          </a:fontRef>
-        </p:style>
-        <p:txBody>
-          <a:bodyPr rtlCol="0" anchor="ctr"/>
-          <a:lstStyle/>
-          <a:p>
-            <a:pPr algn="ctr"/>
-            <a:endParaRPr lang="de-DE"/>
-          </a:p>
-        </p:txBody>
-      </p:sp>
-      <p:sp>
-        <p:nvSpPr>
-          <p:cNvPr id="6" name="Geschweifte Klammer links 5"/>
-          <p:cNvSpPr/>
-          <p:nvPr/>
-        </p:nvSpPr>
-        <p:spPr>
-          <a:xfrm>
-            <a:off x="4283968" y="3844230"/>
-            <a:ext cx="288032" cy="2249066"/>
-          </a:xfrm>
-          <a:prstGeom prst="leftBrace">
-            <a:avLst/>
-          </a:prstGeom>
-          <a:ln w="38100"/>
-        </p:spPr>
-        <p:style>
-          <a:lnRef idx="1">
-            <a:schemeClr val="accent1"/>
-          </a:lnRef>
-          <a:fillRef idx="0">
-            <a:schemeClr val="accent1"/>
-          </a:fillRef>
-          <a:effectRef idx="0">
-            <a:schemeClr val="accent1"/>
-          </a:effectRef>
-          <a:fontRef idx="minor">
-            <a:schemeClr val="tx1"/>
-          </a:fontRef>
-        </p:style>
-        <p:txBody>
-          <a:bodyPr rtlCol="0" anchor="ctr"/>
-          <a:lstStyle/>
-          <a:p>
-            <a:pPr algn="ctr"/>
-            <a:endParaRPr lang="de-DE"/>
+            <a:endParaRPr lang="de-DE" sz="1000" dirty="0" smtClean="0"/>
           </a:p>
         </p:txBody>
       </p:sp>
     </p:spTree>
     <p:extLst>
       <p:ext uri="{BB962C8B-B14F-4D97-AF65-F5344CB8AC3E}">
-        <p14:creationId xmlns:p14="http://schemas.microsoft.com/office/powerpoint/2010/main" val="1633567392"/>
+        <p14:creationId xmlns:p14="http://schemas.microsoft.com/office/powerpoint/2010/main" xmlns="" val="1753996425"/>
       </p:ext>
     </p:extLst>
   </p:cSld>
   <p:clrMapOvr>
     <a:masterClrMapping/>
   </p:clrMapOvr>
-</p:sld>
-</file>
-
-<file path=ppt/slides/slide8.xml><?xml version="1.0" encoding="utf-8"?>
-<p:sld xmlns:a="http://schemas.openxmlformats.org/drawingml/2006/main" xmlns:r="http://schemas.openxmlformats.org/officeDocument/2006/relationships" xmlns:p="http://schemas.openxmlformats.org/presentationml/2006/main">
-  <p:cSld>
-    <p:spTree>
-      <p:nvGrpSpPr>
-        <p:cNvPr id="1" name=""/>
-        <p:cNvGrpSpPr/>
-        <p:nvPr/>
-      </p:nvGrpSpPr>
-      <p:grpSpPr>
-        <a:xfrm>
-          <a:off x="0" y="0"/>
-          <a:ext cx="0" cy="0"/>
-          <a:chOff x="0" y="0"/>
-          <a:chExt cx="0" cy="0"/>
-        </a:xfrm>
-      </p:grpSpPr>
-      <p:sp>
-        <p:nvSpPr>
-          <p:cNvPr id="2" name="Titel 1"/>
-          <p:cNvSpPr>
-            <a:spLocks noGrp="1"/>
-          </p:cNvSpPr>
-          <p:nvPr>
-            <p:ph type="title"/>
-          </p:nvPr>
-        </p:nvSpPr>
-        <p:spPr/>
-        <p:txBody>
-          <a:bodyPr>
-            <a:normAutofit/>
-          </a:bodyPr>
-          <a:lstStyle/>
-          <a:p>
-            <a:r>
-              <a:rPr lang="de-DE" sz="4000" dirty="0"/>
-              <a:t>Pflichtenheftphase</a:t>
-            </a:r>
-          </a:p>
-        </p:txBody>
-      </p:sp>
-      <p:sp>
-        <p:nvSpPr>
-          <p:cNvPr id="3" name="Inhaltsplatzhalter 2"/>
-          <p:cNvSpPr>
-            <a:spLocks noGrp="1"/>
-          </p:cNvSpPr>
-          <p:nvPr>
-            <p:ph sz="quarter" idx="1"/>
-          </p:nvPr>
-        </p:nvSpPr>
-        <p:spPr>
-          <a:xfrm>
-            <a:off x="457200" y="1556792"/>
-            <a:ext cx="7467600" cy="4900634"/>
-          </a:xfrm>
-        </p:spPr>
-        <p:txBody>
-          <a:bodyPr>
-            <a:normAutofit fontScale="92500" lnSpcReduction="10000"/>
-          </a:bodyPr>
-          <a:lstStyle/>
-          <a:p>
-            <a:pPr marL="447675" indent="-447675">
-              <a:buNone/>
-            </a:pPr>
-            <a:endParaRPr lang="de-DE" sz="1000" dirty="0"/>
-          </a:p>
-          <a:p>
-            <a:pPr marL="447675" indent="-447675"/>
-            <a:r>
-              <a:rPr lang="de-DE" sz="3200" dirty="0"/>
-              <a:t>Musskriterien</a:t>
-            </a:r>
-          </a:p>
-          <a:p>
-            <a:pPr marL="447675" indent="-447675">
-              <a:buNone/>
-            </a:pPr>
-            <a:endParaRPr lang="de-DE" sz="1000" dirty="0"/>
-          </a:p>
-          <a:p>
-            <a:pPr marL="813435" lvl="1" indent="-447675"/>
-            <a:r>
-              <a:rPr lang="de-DE" sz="2900" dirty="0"/>
-              <a:t>Erstellen einer WG Pinnwand</a:t>
-            </a:r>
-          </a:p>
-          <a:p>
-            <a:pPr marL="447675" indent="-447675">
-              <a:buNone/>
-            </a:pPr>
-            <a:endParaRPr lang="de-DE" sz="1000" dirty="0"/>
-          </a:p>
-          <a:p>
-            <a:pPr marL="813435" lvl="1" indent="-447675"/>
-            <a:r>
-              <a:rPr lang="de-DE" sz="2900" dirty="0"/>
-              <a:t>Interaktion mit der Pinnwand</a:t>
-            </a:r>
-            <a:endParaRPr lang="de-DE" sz="2600" dirty="0"/>
-          </a:p>
-          <a:p>
-            <a:pPr marL="447675" indent="-447675">
-              <a:buNone/>
-            </a:pPr>
-            <a:endParaRPr lang="de-DE" sz="1000" dirty="0"/>
-          </a:p>
-          <a:p>
-            <a:pPr marL="813435" lvl="1" indent="-447675"/>
-            <a:r>
-              <a:rPr lang="de-DE" sz="2900" dirty="0"/>
-              <a:t>Synchronisierung mit dem Server</a:t>
-            </a:r>
-            <a:endParaRPr lang="de-DE" sz="700" dirty="0"/>
-          </a:p>
-          <a:p>
-            <a:pPr marL="447675" indent="-447675">
-              <a:buNone/>
-            </a:pPr>
-            <a:endParaRPr lang="de-DE" sz="1000" dirty="0"/>
-          </a:p>
-          <a:p>
-            <a:pPr marL="813435" lvl="1" indent="-447675"/>
-            <a:r>
-              <a:rPr lang="de-DE" sz="2900" dirty="0"/>
-              <a:t>App-Menü	</a:t>
-            </a:r>
-            <a:endParaRPr lang="de-DE" sz="700" dirty="0"/>
-          </a:p>
-          <a:p>
-            <a:pPr marL="447675" indent="-447675">
-              <a:buNone/>
-            </a:pPr>
-            <a:endParaRPr lang="de-DE" sz="1000" dirty="0"/>
-          </a:p>
-          <a:p>
-            <a:pPr marL="813435" lvl="1" indent="-447675"/>
-            <a:r>
-              <a:rPr lang="de-DE" sz="2900" dirty="0"/>
-              <a:t>Lesebestätigung	</a:t>
-            </a:r>
-            <a:endParaRPr lang="de-DE" sz="700" dirty="0"/>
-          </a:p>
-          <a:p>
-            <a:pPr marL="447675" indent="-447675">
-              <a:buNone/>
-            </a:pPr>
-            <a:endParaRPr lang="de-DE" sz="1000" dirty="0"/>
-          </a:p>
-          <a:p>
-            <a:pPr marL="813435" lvl="1" indent="-447675"/>
-            <a:r>
-              <a:rPr lang="de-DE" sz="2900" dirty="0"/>
-              <a:t>Push-Benachrichtigung	</a:t>
-            </a:r>
-            <a:endParaRPr lang="de-DE" sz="700" dirty="0"/>
-          </a:p>
-          <a:p>
-            <a:pPr marL="447675" indent="-447675"/>
-            <a:endParaRPr lang="de-DE" sz="1000" dirty="0"/>
-          </a:p>
-        </p:txBody>
-      </p:sp>
-    </p:spTree>
-    <p:extLst>
-      <p:ext uri="{BB962C8B-B14F-4D97-AF65-F5344CB8AC3E}">
-        <p14:creationId xmlns:p14="http://schemas.microsoft.com/office/powerpoint/2010/main" val="1753996425"/>
-      </p:ext>
-    </p:extLst>
-  </p:cSld>
-  <p:clrMapOvr>
-    <a:masterClrMapping/>
-  </p:clrMapOvr>
-</p:sld>
-</file>
-
-<file path=ppt/slides/slide9.xml><?xml version="1.0" encoding="utf-8"?>
-<p:sld xmlns:a="http://schemas.openxmlformats.org/drawingml/2006/main" xmlns:r="http://schemas.openxmlformats.org/officeDocument/2006/relationships" xmlns:p="http://schemas.openxmlformats.org/presentationml/2006/main">
-  <p:cSld>
-    <p:spTree>
-      <p:nvGrpSpPr>
-        <p:cNvPr id="1" name=""/>
-        <p:cNvGrpSpPr/>
-        <p:nvPr/>
-      </p:nvGrpSpPr>
-      <p:grpSpPr>
-        <a:xfrm>
-          <a:off x="0" y="0"/>
-          <a:ext cx="0" cy="0"/>
-          <a:chOff x="0" y="0"/>
-          <a:chExt cx="0" cy="0"/>
-        </a:xfrm>
-      </p:grpSpPr>
-      <p:grpSp>
-        <p:nvGrpSpPr>
-          <p:cNvPr id="7" name="Gruppierung 6"/>
-          <p:cNvGrpSpPr/>
-          <p:nvPr/>
-        </p:nvGrpSpPr>
-        <p:grpSpPr>
-          <a:xfrm>
-            <a:off x="683568" y="1011773"/>
-            <a:ext cx="7368394" cy="4497869"/>
-            <a:chOff x="683568" y="1011773"/>
-            <a:chExt cx="7368394" cy="4497869"/>
-          </a:xfrm>
-        </p:grpSpPr>
-        <p:sp>
-          <p:nvSpPr>
-            <p:cNvPr id="8" name="Nach oben gebogener Pfeil 7"/>
-            <p:cNvSpPr/>
-            <p:nvPr/>
-          </p:nvSpPr>
-          <p:spPr>
-            <a:xfrm rot="5400000">
-              <a:off x="1148757" y="1847546"/>
-              <a:ext cx="1013034" cy="1153303"/>
-            </a:xfrm>
-            <a:prstGeom prst="bentUpArrow">
-              <a:avLst>
-                <a:gd name="adj1" fmla="val 32840"/>
-                <a:gd name="adj2" fmla="val 25000"/>
-                <a:gd name="adj3" fmla="val 35780"/>
-              </a:avLst>
-            </a:prstGeom>
-          </p:spPr>
-          <p:style>
-            <a:lnRef idx="1">
-              <a:schemeClr val="dk1">
-                <a:shade val="80000"/>
-                <a:hueOff val="0"/>
-                <a:satOff val="0"/>
-                <a:lumOff val="0"/>
-                <a:alphaOff val="0"/>
-              </a:schemeClr>
-            </a:lnRef>
-            <a:fillRef idx="1">
-              <a:schemeClr val="dk1">
-                <a:tint val="40000"/>
-                <a:hueOff val="0"/>
-                <a:satOff val="0"/>
-                <a:lumOff val="0"/>
-                <a:alphaOff val="0"/>
-              </a:schemeClr>
-            </a:fillRef>
-            <a:effectRef idx="1">
-              <a:schemeClr val="dk1">
-                <a:tint val="40000"/>
-                <a:hueOff val="0"/>
-                <a:satOff val="0"/>
-                <a:lumOff val="0"/>
-                <a:alphaOff val="0"/>
-              </a:schemeClr>
-            </a:effectRef>
-            <a:fontRef idx="minor">
-              <a:schemeClr val="lt1">
-                <a:hueOff val="0"/>
-                <a:satOff val="0"/>
-                <a:lumOff val="0"/>
-                <a:alphaOff val="0"/>
-              </a:schemeClr>
-            </a:fontRef>
-          </p:style>
-        </p:sp>
-        <p:sp>
-          <p:nvSpPr>
-            <p:cNvPr id="9" name="Freihandform 8"/>
-            <p:cNvSpPr/>
-            <p:nvPr/>
-          </p:nvSpPr>
-          <p:spPr>
-            <a:xfrm>
-              <a:off x="683568" y="1340763"/>
-              <a:ext cx="2671760" cy="541984"/>
-            </a:xfrm>
-            <a:custGeom>
-              <a:avLst/>
-              <a:gdLst>
-                <a:gd name="connsiteX0" fmla="*/ 0 w 2671760"/>
-                <a:gd name="connsiteY0" fmla="*/ 90349 h 541984"/>
-                <a:gd name="connsiteX1" fmla="*/ 90349 w 2671760"/>
-                <a:gd name="connsiteY1" fmla="*/ 0 h 541984"/>
-                <a:gd name="connsiteX2" fmla="*/ 2581411 w 2671760"/>
-                <a:gd name="connsiteY2" fmla="*/ 0 h 541984"/>
-                <a:gd name="connsiteX3" fmla="*/ 2671760 w 2671760"/>
-                <a:gd name="connsiteY3" fmla="*/ 90349 h 541984"/>
-                <a:gd name="connsiteX4" fmla="*/ 2671760 w 2671760"/>
-                <a:gd name="connsiteY4" fmla="*/ 451635 h 541984"/>
-                <a:gd name="connsiteX5" fmla="*/ 2581411 w 2671760"/>
-                <a:gd name="connsiteY5" fmla="*/ 541984 h 541984"/>
-                <a:gd name="connsiteX6" fmla="*/ 90349 w 2671760"/>
-                <a:gd name="connsiteY6" fmla="*/ 541984 h 541984"/>
-                <a:gd name="connsiteX7" fmla="*/ 0 w 2671760"/>
-                <a:gd name="connsiteY7" fmla="*/ 451635 h 541984"/>
-                <a:gd name="connsiteX8" fmla="*/ 0 w 2671760"/>
-                <a:gd name="connsiteY8" fmla="*/ 90349 h 541984"/>
-              </a:gdLst>
-              <a:ahLst/>
-              <a:cxnLst>
-                <a:cxn ang="0">
-                  <a:pos x="connsiteX0" y="connsiteY0"/>
-                </a:cxn>
-                <a:cxn ang="0">
-                  <a:pos x="connsiteX1" y="connsiteY1"/>
-                </a:cxn>
-                <a:cxn ang="0">
-                  <a:pos x="connsiteX2" y="connsiteY2"/>
-                </a:cxn>
-                <a:cxn ang="0">
-                  <a:pos x="connsiteX3" y="connsiteY3"/>
-                </a:cxn>
-                <a:cxn ang="0">
-                  <a:pos x="connsiteX4" y="connsiteY4"/>
-                </a:cxn>
-                <a:cxn ang="0">
-                  <a:pos x="connsiteX5" y="connsiteY5"/>
-                </a:cxn>
-                <a:cxn ang="0">
-                  <a:pos x="connsiteX6" y="connsiteY6"/>
-                </a:cxn>
-                <a:cxn ang="0">
-                  <a:pos x="connsiteX7" y="connsiteY7"/>
-                </a:cxn>
-                <a:cxn ang="0">
-                  <a:pos x="connsiteX8" y="connsiteY8"/>
-                </a:cxn>
-              </a:cxnLst>
-              <a:rect l="l" t="t" r="r" b="b"/>
-              <a:pathLst>
-                <a:path w="2671760" h="541984">
-                  <a:moveTo>
-                    <a:pt x="0" y="90349"/>
-                  </a:moveTo>
-                  <a:cubicBezTo>
-                    <a:pt x="0" y="40451"/>
-                    <a:pt x="40451" y="0"/>
-                    <a:pt x="90349" y="0"/>
-                  </a:cubicBezTo>
-                  <a:lnTo>
-                    <a:pt x="2581411" y="0"/>
-                  </a:lnTo>
-                  <a:cubicBezTo>
-                    <a:pt x="2631309" y="0"/>
-                    <a:pt x="2671760" y="40451"/>
-                    <a:pt x="2671760" y="90349"/>
-                  </a:cubicBezTo>
-                  <a:lnTo>
-                    <a:pt x="2671760" y="451635"/>
-                  </a:lnTo>
-                  <a:cubicBezTo>
-                    <a:pt x="2671760" y="501533"/>
-                    <a:pt x="2631309" y="541984"/>
-                    <a:pt x="2581411" y="541984"/>
-                  </a:cubicBezTo>
-                  <a:lnTo>
-                    <a:pt x="90349" y="541984"/>
-                  </a:lnTo>
-                  <a:cubicBezTo>
-                    <a:pt x="40451" y="541984"/>
-                    <a:pt x="0" y="501533"/>
-                    <a:pt x="0" y="451635"/>
-                  </a:cubicBezTo>
-                  <a:lnTo>
-                    <a:pt x="0" y="90349"/>
-                  </a:lnTo>
-                  <a:close/>
-                </a:path>
-              </a:pathLst>
-            </a:custGeom>
-            <a:scene3d>
-              <a:camera prst="orthographicFront"/>
-              <a:lightRig rig="flat" dir="t"/>
-            </a:scene3d>
-            <a:sp3d prstMaterial="dkEdge">
-              <a:bevelT w="8200" h="38100"/>
-            </a:sp3d>
-          </p:spPr>
-          <p:style>
-            <a:lnRef idx="0">
-              <a:schemeClr val="dk1">
-                <a:shade val="80000"/>
-                <a:hueOff val="0"/>
-                <a:satOff val="0"/>
-                <a:lumOff val="0"/>
-                <a:alphaOff val="0"/>
-              </a:schemeClr>
-            </a:lnRef>
-            <a:fillRef idx="2">
-              <a:schemeClr val="lt1">
-                <a:hueOff val="0"/>
-                <a:satOff val="0"/>
-                <a:lumOff val="0"/>
-                <a:alphaOff val="0"/>
-              </a:schemeClr>
-            </a:fillRef>
-            <a:effectRef idx="1">
-              <a:schemeClr val="lt1">
-                <a:hueOff val="0"/>
-                <a:satOff val="0"/>
-                <a:lumOff val="0"/>
-                <a:alphaOff val="0"/>
-              </a:schemeClr>
-            </a:effectRef>
-            <a:fontRef idx="minor">
-              <a:schemeClr val="dk1">
-                <a:hueOff val="0"/>
-                <a:satOff val="0"/>
-                <a:lumOff val="0"/>
-                <a:alphaOff val="0"/>
-              </a:schemeClr>
-            </a:fontRef>
-          </p:style>
-          <p:txBody>
-            <a:bodyPr spcFirstLastPara="0" vert="horz" wrap="square" lIns="110282" tIns="110282" rIns="110282" bIns="110282" numCol="1" spcCol="1270" anchor="ctr" anchorCtr="0">
-              <a:noAutofit/>
-            </a:bodyPr>
-            <a:lstStyle/>
-            <a:p>
-              <a:pPr lvl="0" algn="ctr" defTabSz="977900">
-                <a:lnSpc>
-                  <a:spcPct val="90000"/>
-                </a:lnSpc>
-                <a:spcBef>
-                  <a:spcPct val="0"/>
-                </a:spcBef>
-                <a:spcAft>
-                  <a:spcPct val="35000"/>
-                </a:spcAft>
-              </a:pPr>
-              <a:r>
-                <a:rPr lang="de-DE" sz="2200" kern="1200" dirty="0"/>
-                <a:t>Pflichtenheft</a:t>
-              </a:r>
-            </a:p>
-          </p:txBody>
-        </p:sp>
-        <p:sp>
-          <p:nvSpPr>
-            <p:cNvPr id="10" name="Rechteck 9"/>
-            <p:cNvSpPr/>
-            <p:nvPr/>
-          </p:nvSpPr>
-          <p:spPr>
-            <a:xfrm>
-              <a:off x="2874252" y="1011773"/>
-              <a:ext cx="1240311" cy="964794"/>
-            </a:xfrm>
-            <a:prstGeom prst="rect">
-              <a:avLst/>
-            </a:prstGeom>
-          </p:spPr>
-          <p:style>
-            <a:lnRef idx="0">
-              <a:schemeClr val="dk1">
-                <a:alpha val="0"/>
-                <a:hueOff val="0"/>
-                <a:satOff val="0"/>
-                <a:lumOff val="0"/>
-                <a:alphaOff val="0"/>
-              </a:schemeClr>
-            </a:lnRef>
-            <a:fillRef idx="0">
-              <a:schemeClr val="lt1">
-                <a:alpha val="0"/>
-                <a:hueOff val="0"/>
-                <a:satOff val="0"/>
-                <a:lumOff val="0"/>
-                <a:alphaOff val="0"/>
-              </a:schemeClr>
-            </a:fillRef>
-            <a:effectRef idx="0">
-              <a:schemeClr val="lt1">
-                <a:alpha val="0"/>
-                <a:hueOff val="0"/>
-                <a:satOff val="0"/>
-                <a:lumOff val="0"/>
-                <a:alphaOff val="0"/>
-              </a:schemeClr>
-            </a:effectRef>
-            <a:fontRef idx="minor">
-              <a:schemeClr val="tx1">
-                <a:hueOff val="0"/>
-                <a:satOff val="0"/>
-                <a:lumOff val="0"/>
-                <a:alphaOff val="0"/>
-              </a:schemeClr>
-            </a:fontRef>
-          </p:style>
-        </p:sp>
-        <p:sp>
-          <p:nvSpPr>
-            <p:cNvPr id="11" name="Nach oben gebogener Pfeil 10"/>
-            <p:cNvSpPr/>
-            <p:nvPr/>
-          </p:nvSpPr>
-          <p:spPr>
-            <a:xfrm rot="5400000">
-              <a:off x="2769931" y="2998825"/>
-              <a:ext cx="1013034" cy="1153303"/>
-            </a:xfrm>
-            <a:prstGeom prst="bentUpArrow">
-              <a:avLst>
-                <a:gd name="adj1" fmla="val 32840"/>
-                <a:gd name="adj2" fmla="val 25000"/>
-                <a:gd name="adj3" fmla="val 35780"/>
-              </a:avLst>
-            </a:prstGeom>
-          </p:spPr>
-          <p:style>
-            <a:lnRef idx="1">
-              <a:schemeClr val="dk1">
-                <a:shade val="80000"/>
-                <a:hueOff val="0"/>
-                <a:satOff val="0"/>
-                <a:lumOff val="0"/>
-                <a:alphaOff val="0"/>
-              </a:schemeClr>
-            </a:lnRef>
-            <a:fillRef idx="1">
-              <a:schemeClr val="dk1">
-                <a:tint val="40000"/>
-                <a:hueOff val="0"/>
-                <a:satOff val="0"/>
-                <a:lumOff val="0"/>
-                <a:alphaOff val="0"/>
-              </a:schemeClr>
-            </a:fillRef>
-            <a:effectRef idx="1">
-              <a:schemeClr val="dk1">
-                <a:tint val="40000"/>
-                <a:hueOff val="0"/>
-                <a:satOff val="0"/>
-                <a:lumOff val="0"/>
-                <a:alphaOff val="0"/>
-              </a:schemeClr>
-            </a:effectRef>
-            <a:fontRef idx="minor">
-              <a:schemeClr val="lt1">
-                <a:hueOff val="0"/>
-                <a:satOff val="0"/>
-                <a:lumOff val="0"/>
-                <a:alphaOff val="0"/>
-              </a:schemeClr>
-            </a:fontRef>
-          </p:style>
-        </p:sp>
-        <p:sp>
-          <p:nvSpPr>
-            <p:cNvPr id="12" name="Freihandform 11"/>
-            <p:cNvSpPr/>
-            <p:nvPr/>
-          </p:nvSpPr>
-          <p:spPr>
-            <a:xfrm>
-              <a:off x="2267738" y="2420890"/>
-              <a:ext cx="2641422" cy="619180"/>
-            </a:xfrm>
-            <a:custGeom>
-              <a:avLst/>
-              <a:gdLst>
-                <a:gd name="connsiteX0" fmla="*/ 0 w 2641422"/>
-                <a:gd name="connsiteY0" fmla="*/ 103217 h 619180"/>
-                <a:gd name="connsiteX1" fmla="*/ 103217 w 2641422"/>
-                <a:gd name="connsiteY1" fmla="*/ 0 h 619180"/>
-                <a:gd name="connsiteX2" fmla="*/ 2538205 w 2641422"/>
-                <a:gd name="connsiteY2" fmla="*/ 0 h 619180"/>
-                <a:gd name="connsiteX3" fmla="*/ 2641422 w 2641422"/>
-                <a:gd name="connsiteY3" fmla="*/ 103217 h 619180"/>
-                <a:gd name="connsiteX4" fmla="*/ 2641422 w 2641422"/>
-                <a:gd name="connsiteY4" fmla="*/ 515963 h 619180"/>
-                <a:gd name="connsiteX5" fmla="*/ 2538205 w 2641422"/>
-                <a:gd name="connsiteY5" fmla="*/ 619180 h 619180"/>
-                <a:gd name="connsiteX6" fmla="*/ 103217 w 2641422"/>
-                <a:gd name="connsiteY6" fmla="*/ 619180 h 619180"/>
-                <a:gd name="connsiteX7" fmla="*/ 0 w 2641422"/>
-                <a:gd name="connsiteY7" fmla="*/ 515963 h 619180"/>
-                <a:gd name="connsiteX8" fmla="*/ 0 w 2641422"/>
-                <a:gd name="connsiteY8" fmla="*/ 103217 h 619180"/>
-              </a:gdLst>
-              <a:ahLst/>
-              <a:cxnLst>
-                <a:cxn ang="0">
-                  <a:pos x="connsiteX0" y="connsiteY0"/>
-                </a:cxn>
-                <a:cxn ang="0">
-                  <a:pos x="connsiteX1" y="connsiteY1"/>
-                </a:cxn>
-                <a:cxn ang="0">
-                  <a:pos x="connsiteX2" y="connsiteY2"/>
-                </a:cxn>
-                <a:cxn ang="0">
-                  <a:pos x="connsiteX3" y="connsiteY3"/>
-                </a:cxn>
-                <a:cxn ang="0">
-                  <a:pos x="connsiteX4" y="connsiteY4"/>
-                </a:cxn>
-                <a:cxn ang="0">
-                  <a:pos x="connsiteX5" y="connsiteY5"/>
-                </a:cxn>
-                <a:cxn ang="0">
-                  <a:pos x="connsiteX6" y="connsiteY6"/>
-                </a:cxn>
-                <a:cxn ang="0">
-                  <a:pos x="connsiteX7" y="connsiteY7"/>
-                </a:cxn>
-                <a:cxn ang="0">
-                  <a:pos x="connsiteX8" y="connsiteY8"/>
-                </a:cxn>
-              </a:cxnLst>
-              <a:rect l="l" t="t" r="r" b="b"/>
-              <a:pathLst>
-                <a:path w="2641422" h="619180">
-                  <a:moveTo>
-                    <a:pt x="0" y="103217"/>
-                  </a:moveTo>
-                  <a:cubicBezTo>
-                    <a:pt x="0" y="46212"/>
-                    <a:pt x="46212" y="0"/>
-                    <a:pt x="103217" y="0"/>
-                  </a:cubicBezTo>
-                  <a:lnTo>
-                    <a:pt x="2538205" y="0"/>
-                  </a:lnTo>
-                  <a:cubicBezTo>
-                    <a:pt x="2595210" y="0"/>
-                    <a:pt x="2641422" y="46212"/>
-                    <a:pt x="2641422" y="103217"/>
-                  </a:cubicBezTo>
-                  <a:lnTo>
-                    <a:pt x="2641422" y="515963"/>
-                  </a:lnTo>
-                  <a:cubicBezTo>
-                    <a:pt x="2641422" y="572968"/>
-                    <a:pt x="2595210" y="619180"/>
-                    <a:pt x="2538205" y="619180"/>
-                  </a:cubicBezTo>
-                  <a:lnTo>
-                    <a:pt x="103217" y="619180"/>
-                  </a:lnTo>
-                  <a:cubicBezTo>
-                    <a:pt x="46212" y="619180"/>
-                    <a:pt x="0" y="572968"/>
-                    <a:pt x="0" y="515963"/>
-                  </a:cubicBezTo>
-                  <a:lnTo>
-                    <a:pt x="0" y="103217"/>
-                  </a:lnTo>
-                  <a:close/>
-                </a:path>
-              </a:pathLst>
-            </a:custGeom>
-          </p:spPr>
-          <p:style>
-            <a:lnRef idx="1">
-              <a:schemeClr val="accent1"/>
-            </a:lnRef>
-            <a:fillRef idx="2">
-              <a:schemeClr val="accent1"/>
-            </a:fillRef>
-            <a:effectRef idx="1">
-              <a:schemeClr val="accent1"/>
-            </a:effectRef>
-            <a:fontRef idx="minor">
-              <a:schemeClr val="dk1"/>
-            </a:fontRef>
-          </p:style>
-          <p:txBody>
-            <a:bodyPr spcFirstLastPara="0" vert="horz" wrap="square" lIns="114051" tIns="114051" rIns="114051" bIns="114051" numCol="1" spcCol="1270" anchor="ctr" anchorCtr="0">
-              <a:noAutofit/>
-            </a:bodyPr>
-            <a:lstStyle/>
-            <a:p>
-              <a:pPr lvl="0" algn="ctr" defTabSz="977900">
-                <a:lnSpc>
-                  <a:spcPct val="90000"/>
-                </a:lnSpc>
-                <a:spcBef>
-                  <a:spcPct val="0"/>
-                </a:spcBef>
-                <a:spcAft>
-                  <a:spcPct val="35000"/>
-                </a:spcAft>
-              </a:pPr>
-              <a:r>
-                <a:rPr lang="de-DE" sz="2200" b="1" kern="1200" dirty="0"/>
-                <a:t>Entwurf</a:t>
-              </a:r>
-            </a:p>
-          </p:txBody>
-        </p:sp>
-        <p:sp>
-          <p:nvSpPr>
-            <p:cNvPr id="13" name="Rechteck 12"/>
-            <p:cNvSpPr/>
-            <p:nvPr/>
-          </p:nvSpPr>
-          <p:spPr>
-            <a:xfrm>
-              <a:off x="4504940" y="2238837"/>
-              <a:ext cx="1240311" cy="964794"/>
-            </a:xfrm>
-            <a:prstGeom prst="rect">
-              <a:avLst/>
-            </a:prstGeom>
-          </p:spPr>
-          <p:style>
-            <a:lnRef idx="0">
-              <a:schemeClr val="dk1">
-                <a:alpha val="0"/>
-                <a:hueOff val="0"/>
-                <a:satOff val="0"/>
-                <a:lumOff val="0"/>
-                <a:alphaOff val="0"/>
-              </a:schemeClr>
-            </a:lnRef>
-            <a:fillRef idx="0">
-              <a:schemeClr val="lt1">
-                <a:alpha val="0"/>
-                <a:hueOff val="0"/>
-                <a:satOff val="0"/>
-                <a:lumOff val="0"/>
-                <a:alphaOff val="0"/>
-              </a:schemeClr>
-            </a:fillRef>
-            <a:effectRef idx="0">
-              <a:schemeClr val="lt1">
-                <a:alpha val="0"/>
-                <a:hueOff val="0"/>
-                <a:satOff val="0"/>
-                <a:lumOff val="0"/>
-                <a:alphaOff val="0"/>
-              </a:schemeClr>
-            </a:effectRef>
-            <a:fontRef idx="minor">
-              <a:schemeClr val="tx1">
-                <a:hueOff val="0"/>
-                <a:satOff val="0"/>
-                <a:lumOff val="0"/>
-                <a:alphaOff val="0"/>
-              </a:schemeClr>
-            </a:fontRef>
-          </p:style>
-        </p:sp>
-        <p:sp>
-          <p:nvSpPr>
-            <p:cNvPr id="14" name="Nach oben gebogener Pfeil 13"/>
-            <p:cNvSpPr/>
-            <p:nvPr/>
-          </p:nvSpPr>
-          <p:spPr>
-            <a:xfrm rot="5400000">
-              <a:off x="4354105" y="4222962"/>
-              <a:ext cx="1013034" cy="1153303"/>
-            </a:xfrm>
-            <a:prstGeom prst="bentUpArrow">
-              <a:avLst>
-                <a:gd name="adj1" fmla="val 32840"/>
-                <a:gd name="adj2" fmla="val 25000"/>
-                <a:gd name="adj3" fmla="val 35780"/>
-              </a:avLst>
-            </a:prstGeom>
-          </p:spPr>
-          <p:style>
-            <a:lnRef idx="1">
-              <a:schemeClr val="dk1">
-                <a:shade val="80000"/>
-                <a:hueOff val="0"/>
-                <a:satOff val="0"/>
-                <a:lumOff val="0"/>
-                <a:alphaOff val="0"/>
-              </a:schemeClr>
-            </a:lnRef>
-            <a:fillRef idx="1">
-              <a:schemeClr val="dk1">
-                <a:tint val="40000"/>
-                <a:hueOff val="0"/>
-                <a:satOff val="0"/>
-                <a:lumOff val="0"/>
-                <a:alphaOff val="0"/>
-              </a:schemeClr>
-            </a:fillRef>
-            <a:effectRef idx="1">
-              <a:schemeClr val="dk1">
-                <a:tint val="40000"/>
-                <a:hueOff val="0"/>
-                <a:satOff val="0"/>
-                <a:lumOff val="0"/>
-                <a:alphaOff val="0"/>
-              </a:schemeClr>
-            </a:effectRef>
-            <a:fontRef idx="minor">
-              <a:schemeClr val="lt1">
-                <a:hueOff val="0"/>
-                <a:satOff val="0"/>
-                <a:lumOff val="0"/>
-                <a:alphaOff val="0"/>
-              </a:schemeClr>
-            </a:fontRef>
-          </p:style>
-        </p:sp>
-        <p:sp>
-          <p:nvSpPr>
-            <p:cNvPr id="15" name="Freihandform 14"/>
-            <p:cNvSpPr/>
-            <p:nvPr/>
-          </p:nvSpPr>
-          <p:spPr>
-            <a:xfrm>
-              <a:off x="3900770" y="3588825"/>
-              <a:ext cx="2713865" cy="669422"/>
-            </a:xfrm>
-            <a:custGeom>
-              <a:avLst/>
-              <a:gdLst>
-                <a:gd name="connsiteX0" fmla="*/ 0 w 2713865"/>
-                <a:gd name="connsiteY0" fmla="*/ 111593 h 669422"/>
-                <a:gd name="connsiteX1" fmla="*/ 111593 w 2713865"/>
-                <a:gd name="connsiteY1" fmla="*/ 0 h 669422"/>
-                <a:gd name="connsiteX2" fmla="*/ 2602272 w 2713865"/>
-                <a:gd name="connsiteY2" fmla="*/ 0 h 669422"/>
-                <a:gd name="connsiteX3" fmla="*/ 2713865 w 2713865"/>
-                <a:gd name="connsiteY3" fmla="*/ 111593 h 669422"/>
-                <a:gd name="connsiteX4" fmla="*/ 2713865 w 2713865"/>
-                <a:gd name="connsiteY4" fmla="*/ 557829 h 669422"/>
-                <a:gd name="connsiteX5" fmla="*/ 2602272 w 2713865"/>
-                <a:gd name="connsiteY5" fmla="*/ 669422 h 669422"/>
-                <a:gd name="connsiteX6" fmla="*/ 111593 w 2713865"/>
-                <a:gd name="connsiteY6" fmla="*/ 669422 h 669422"/>
-                <a:gd name="connsiteX7" fmla="*/ 0 w 2713865"/>
-                <a:gd name="connsiteY7" fmla="*/ 557829 h 669422"/>
-                <a:gd name="connsiteX8" fmla="*/ 0 w 2713865"/>
-                <a:gd name="connsiteY8" fmla="*/ 111593 h 669422"/>
-              </a:gdLst>
-              <a:ahLst/>
-              <a:cxnLst>
-                <a:cxn ang="0">
-                  <a:pos x="connsiteX0" y="connsiteY0"/>
-                </a:cxn>
-                <a:cxn ang="0">
-                  <a:pos x="connsiteX1" y="connsiteY1"/>
-                </a:cxn>
-                <a:cxn ang="0">
-                  <a:pos x="connsiteX2" y="connsiteY2"/>
-                </a:cxn>
-                <a:cxn ang="0">
-                  <a:pos x="connsiteX3" y="connsiteY3"/>
-                </a:cxn>
-                <a:cxn ang="0">
-                  <a:pos x="connsiteX4" y="connsiteY4"/>
-                </a:cxn>
-                <a:cxn ang="0">
-                  <a:pos x="connsiteX5" y="connsiteY5"/>
-                </a:cxn>
-                <a:cxn ang="0">
-                  <a:pos x="connsiteX6" y="connsiteY6"/>
-                </a:cxn>
-                <a:cxn ang="0">
-                  <a:pos x="connsiteX7" y="connsiteY7"/>
-                </a:cxn>
-                <a:cxn ang="0">
-                  <a:pos x="connsiteX8" y="connsiteY8"/>
-                </a:cxn>
-              </a:cxnLst>
-              <a:rect l="l" t="t" r="r" b="b"/>
-              <a:pathLst>
-                <a:path w="2713865" h="669422">
-                  <a:moveTo>
-                    <a:pt x="0" y="111593"/>
-                  </a:moveTo>
-                  <a:cubicBezTo>
-                    <a:pt x="0" y="49962"/>
-                    <a:pt x="49962" y="0"/>
-                    <a:pt x="111593" y="0"/>
-                  </a:cubicBezTo>
-                  <a:lnTo>
-                    <a:pt x="2602272" y="0"/>
-                  </a:lnTo>
-                  <a:cubicBezTo>
-                    <a:pt x="2663903" y="0"/>
-                    <a:pt x="2713865" y="49962"/>
-                    <a:pt x="2713865" y="111593"/>
-                  </a:cubicBezTo>
-                  <a:lnTo>
-                    <a:pt x="2713865" y="557829"/>
-                  </a:lnTo>
-                  <a:cubicBezTo>
-                    <a:pt x="2713865" y="619460"/>
-                    <a:pt x="2663903" y="669422"/>
-                    <a:pt x="2602272" y="669422"/>
-                  </a:cubicBezTo>
-                  <a:lnTo>
-                    <a:pt x="111593" y="669422"/>
-                  </a:lnTo>
-                  <a:cubicBezTo>
-                    <a:pt x="49962" y="669422"/>
-                    <a:pt x="0" y="619460"/>
-                    <a:pt x="0" y="557829"/>
-                  </a:cubicBezTo>
-                  <a:lnTo>
-                    <a:pt x="0" y="111593"/>
-                  </a:lnTo>
-                  <a:close/>
-                </a:path>
-              </a:pathLst>
-            </a:custGeom>
-            <a:scene3d>
-              <a:camera prst="orthographicFront"/>
-              <a:lightRig rig="flat" dir="t"/>
-            </a:scene3d>
-            <a:sp3d prstMaterial="dkEdge">
-              <a:bevelT w="8200" h="38100"/>
-            </a:sp3d>
-          </p:spPr>
-          <p:style>
-            <a:lnRef idx="0">
-              <a:schemeClr val="dk1">
-                <a:shade val="80000"/>
-                <a:hueOff val="0"/>
-                <a:satOff val="0"/>
-                <a:lumOff val="0"/>
-                <a:alphaOff val="0"/>
-              </a:schemeClr>
-            </a:lnRef>
-            <a:fillRef idx="2">
-              <a:schemeClr val="lt1">
-                <a:hueOff val="0"/>
-                <a:satOff val="0"/>
-                <a:lumOff val="0"/>
-                <a:alphaOff val="0"/>
-              </a:schemeClr>
-            </a:fillRef>
-            <a:effectRef idx="1">
-              <a:schemeClr val="lt1">
-                <a:hueOff val="0"/>
-                <a:satOff val="0"/>
-                <a:lumOff val="0"/>
-                <a:alphaOff val="0"/>
-              </a:schemeClr>
-            </a:effectRef>
-            <a:fontRef idx="minor">
-              <a:schemeClr val="dk1">
-                <a:hueOff val="0"/>
-                <a:satOff val="0"/>
-                <a:lumOff val="0"/>
-                <a:alphaOff val="0"/>
-              </a:schemeClr>
-            </a:fontRef>
-          </p:style>
-          <p:txBody>
-            <a:bodyPr spcFirstLastPara="0" vert="horz" wrap="square" lIns="116504" tIns="116504" rIns="116504" bIns="116504" numCol="1" spcCol="1270" anchor="ctr" anchorCtr="0">
-              <a:noAutofit/>
-            </a:bodyPr>
-            <a:lstStyle/>
-            <a:p>
-              <a:pPr lvl="0" algn="ctr" defTabSz="977900">
-                <a:lnSpc>
-                  <a:spcPct val="90000"/>
-                </a:lnSpc>
-                <a:spcBef>
-                  <a:spcPct val="0"/>
-                </a:spcBef>
-                <a:spcAft>
-                  <a:spcPct val="35000"/>
-                </a:spcAft>
-              </a:pPr>
-              <a:r>
-                <a:rPr lang="de-DE" sz="2200" kern="1200" dirty="0"/>
-                <a:t>Implementierung</a:t>
-              </a:r>
-            </a:p>
-          </p:txBody>
-        </p:sp>
-        <p:sp>
-          <p:nvSpPr>
-            <p:cNvPr id="16" name="Rechteck 15"/>
-            <p:cNvSpPr/>
-            <p:nvPr/>
-          </p:nvSpPr>
-          <p:spPr>
-            <a:xfrm>
-              <a:off x="6187019" y="3465902"/>
-              <a:ext cx="1240311" cy="964794"/>
-            </a:xfrm>
-            <a:prstGeom prst="rect">
-              <a:avLst/>
-            </a:prstGeom>
-          </p:spPr>
-          <p:style>
-            <a:lnRef idx="0">
-              <a:schemeClr val="dk1">
-                <a:alpha val="0"/>
-                <a:hueOff val="0"/>
-                <a:satOff val="0"/>
-                <a:lumOff val="0"/>
-                <a:alphaOff val="0"/>
-              </a:schemeClr>
-            </a:lnRef>
-            <a:fillRef idx="0">
-              <a:schemeClr val="lt1">
-                <a:alpha val="0"/>
-                <a:hueOff val="0"/>
-                <a:satOff val="0"/>
-                <a:lumOff val="0"/>
-                <a:alphaOff val="0"/>
-              </a:schemeClr>
-            </a:fillRef>
-            <a:effectRef idx="0">
-              <a:schemeClr val="lt1">
-                <a:alpha val="0"/>
-                <a:hueOff val="0"/>
-                <a:satOff val="0"/>
-                <a:lumOff val="0"/>
-                <a:alphaOff val="0"/>
-              </a:schemeClr>
-            </a:effectRef>
-            <a:fontRef idx="minor">
-              <a:schemeClr val="tx1">
-                <a:hueOff val="0"/>
-                <a:satOff val="0"/>
-                <a:lumOff val="0"/>
-                <a:alphaOff val="0"/>
-              </a:schemeClr>
-            </a:fontRef>
-          </p:style>
-        </p:sp>
-        <p:sp>
-          <p:nvSpPr>
-            <p:cNvPr id="17" name="Freihandform 16"/>
-            <p:cNvSpPr/>
-            <p:nvPr/>
-          </p:nvSpPr>
-          <p:spPr>
-            <a:xfrm>
-              <a:off x="5432949" y="4804206"/>
-              <a:ext cx="2619013" cy="705436"/>
-            </a:xfrm>
-            <a:custGeom>
-              <a:avLst/>
-              <a:gdLst>
-                <a:gd name="connsiteX0" fmla="*/ 0 w 2619013"/>
-                <a:gd name="connsiteY0" fmla="*/ 117596 h 705436"/>
-                <a:gd name="connsiteX1" fmla="*/ 117596 w 2619013"/>
-                <a:gd name="connsiteY1" fmla="*/ 0 h 705436"/>
-                <a:gd name="connsiteX2" fmla="*/ 2501417 w 2619013"/>
-                <a:gd name="connsiteY2" fmla="*/ 0 h 705436"/>
-                <a:gd name="connsiteX3" fmla="*/ 2619013 w 2619013"/>
-                <a:gd name="connsiteY3" fmla="*/ 117596 h 705436"/>
-                <a:gd name="connsiteX4" fmla="*/ 2619013 w 2619013"/>
-                <a:gd name="connsiteY4" fmla="*/ 587840 h 705436"/>
-                <a:gd name="connsiteX5" fmla="*/ 2501417 w 2619013"/>
-                <a:gd name="connsiteY5" fmla="*/ 705436 h 705436"/>
-                <a:gd name="connsiteX6" fmla="*/ 117596 w 2619013"/>
-                <a:gd name="connsiteY6" fmla="*/ 705436 h 705436"/>
-                <a:gd name="connsiteX7" fmla="*/ 0 w 2619013"/>
-                <a:gd name="connsiteY7" fmla="*/ 587840 h 705436"/>
-                <a:gd name="connsiteX8" fmla="*/ 0 w 2619013"/>
-                <a:gd name="connsiteY8" fmla="*/ 117596 h 705436"/>
-              </a:gdLst>
-              <a:ahLst/>
-              <a:cxnLst>
-                <a:cxn ang="0">
-                  <a:pos x="connsiteX0" y="connsiteY0"/>
-                </a:cxn>
-                <a:cxn ang="0">
-                  <a:pos x="connsiteX1" y="connsiteY1"/>
-                </a:cxn>
-                <a:cxn ang="0">
-                  <a:pos x="connsiteX2" y="connsiteY2"/>
-                </a:cxn>
-                <a:cxn ang="0">
-                  <a:pos x="connsiteX3" y="connsiteY3"/>
-                </a:cxn>
-                <a:cxn ang="0">
-                  <a:pos x="connsiteX4" y="connsiteY4"/>
-                </a:cxn>
-                <a:cxn ang="0">
-                  <a:pos x="connsiteX5" y="connsiteY5"/>
-                </a:cxn>
-                <a:cxn ang="0">
-                  <a:pos x="connsiteX6" y="connsiteY6"/>
-                </a:cxn>
-                <a:cxn ang="0">
-                  <a:pos x="connsiteX7" y="connsiteY7"/>
-                </a:cxn>
-                <a:cxn ang="0">
-                  <a:pos x="connsiteX8" y="connsiteY8"/>
-                </a:cxn>
-              </a:cxnLst>
-              <a:rect l="l" t="t" r="r" b="b"/>
-              <a:pathLst>
-                <a:path w="2619013" h="705436">
-                  <a:moveTo>
-                    <a:pt x="0" y="117596"/>
-                  </a:moveTo>
-                  <a:cubicBezTo>
-                    <a:pt x="0" y="52650"/>
-                    <a:pt x="52650" y="0"/>
-                    <a:pt x="117596" y="0"/>
-                  </a:cubicBezTo>
-                  <a:lnTo>
-                    <a:pt x="2501417" y="0"/>
-                  </a:lnTo>
-                  <a:cubicBezTo>
-                    <a:pt x="2566363" y="0"/>
-                    <a:pt x="2619013" y="52650"/>
-                    <a:pt x="2619013" y="117596"/>
-                  </a:cubicBezTo>
-                  <a:lnTo>
-                    <a:pt x="2619013" y="587840"/>
-                  </a:lnTo>
-                  <a:cubicBezTo>
-                    <a:pt x="2619013" y="652786"/>
-                    <a:pt x="2566363" y="705436"/>
-                    <a:pt x="2501417" y="705436"/>
-                  </a:cubicBezTo>
-                  <a:lnTo>
-                    <a:pt x="117596" y="705436"/>
-                  </a:lnTo>
-                  <a:cubicBezTo>
-                    <a:pt x="52650" y="705436"/>
-                    <a:pt x="0" y="652786"/>
-                    <a:pt x="0" y="587840"/>
-                  </a:cubicBezTo>
-                  <a:lnTo>
-                    <a:pt x="0" y="117596"/>
-                  </a:lnTo>
-                  <a:close/>
-                </a:path>
-              </a:pathLst>
-            </a:custGeom>
-            <a:scene3d>
-              <a:camera prst="orthographicFront"/>
-              <a:lightRig rig="flat" dir="t"/>
-            </a:scene3d>
-            <a:sp3d prstMaterial="dkEdge">
-              <a:bevelT w="8200" h="38100"/>
-            </a:sp3d>
-          </p:spPr>
-          <p:style>
-            <a:lnRef idx="0">
-              <a:schemeClr val="dk1">
-                <a:shade val="80000"/>
-                <a:hueOff val="0"/>
-                <a:satOff val="0"/>
-                <a:lumOff val="0"/>
-                <a:alphaOff val="0"/>
-              </a:schemeClr>
-            </a:lnRef>
-            <a:fillRef idx="2">
-              <a:schemeClr val="lt1">
-                <a:hueOff val="0"/>
-                <a:satOff val="0"/>
-                <a:lumOff val="0"/>
-                <a:alphaOff val="0"/>
-              </a:schemeClr>
-            </a:fillRef>
-            <a:effectRef idx="1">
-              <a:schemeClr val="lt1">
-                <a:hueOff val="0"/>
-                <a:satOff val="0"/>
-                <a:lumOff val="0"/>
-                <a:alphaOff val="0"/>
-              </a:schemeClr>
-            </a:effectRef>
-            <a:fontRef idx="minor">
-              <a:schemeClr val="dk1">
-                <a:hueOff val="0"/>
-                <a:satOff val="0"/>
-                <a:lumOff val="0"/>
-                <a:alphaOff val="0"/>
-              </a:schemeClr>
-            </a:fontRef>
-          </p:style>
-          <p:txBody>
-            <a:bodyPr spcFirstLastPara="0" vert="horz" wrap="square" lIns="118263" tIns="118263" rIns="118263" bIns="118263" numCol="1" spcCol="1270" anchor="ctr" anchorCtr="0">
-              <a:noAutofit/>
-            </a:bodyPr>
-            <a:lstStyle/>
-            <a:p>
-              <a:pPr lvl="0" algn="ctr" defTabSz="977900">
-                <a:lnSpc>
-                  <a:spcPct val="90000"/>
-                </a:lnSpc>
-                <a:spcBef>
-                  <a:spcPct val="0"/>
-                </a:spcBef>
-                <a:spcAft>
-                  <a:spcPct val="35000"/>
-                </a:spcAft>
-              </a:pPr>
-              <a:r>
-                <a:rPr lang="de-DE" sz="2200" kern="1200" dirty="0"/>
-                <a:t>Qualitätssicherung</a:t>
-              </a:r>
-            </a:p>
-          </p:txBody>
-        </p:sp>
-      </p:grpSp>
-    </p:spTree>
-    <p:extLst>
-      <p:ext uri="{BB962C8B-B14F-4D97-AF65-F5344CB8AC3E}">
-        <p14:creationId xmlns:p14="http://schemas.microsoft.com/office/powerpoint/2010/main" val="369021320"/>
-      </p:ext>
-    </p:extLst>
-  </p:cSld>
-  <p:clrMapOvr>
-    <a:masterClrMapping/>
-  </p:clrMapOvr>
+  <p:timing>
+    <p:tnLst>
+      <p:par>
+        <p:cTn id="1" dur="indefinite" restart="never" nodeType="tmRoot"/>
+      </p:par>
+    </p:tnLst>
+  </p:timing>
 </p:sld>
 </file>
 

--- a/documentation/Abschluss/Abschlusspräsentation.pptx
+++ b/documentation/Abschluss/Abschlusspräsentation.pptx
@@ -4,6 +4,9 @@
   <p:sldMasterIdLst>
     <p:sldMasterId id="2147483660" r:id="rId1"/>
   </p:sldMasterIdLst>
+  <p:notesMasterIdLst>
+    <p:notesMasterId r:id="rId22"/>
+  </p:notesMasterIdLst>
   <p:sldIdLst>
     <p:sldId id="256" r:id="rId2"/>
     <p:sldId id="265" r:id="rId3"/>
@@ -22,7 +25,7 @@
     <p:sldId id="274" r:id="rId16"/>
     <p:sldId id="277" r:id="rId17"/>
     <p:sldId id="275" r:id="rId18"/>
-    <p:sldId id="278" r:id="rId19"/>
+    <p:sldId id="259" r:id="rId19"/>
     <p:sldId id="276" r:id="rId20"/>
     <p:sldId id="264" r:id="rId21"/>
   </p:sldIdLst>
@@ -125,7 +128,7 @@
   </p:defaultTextStyle>
   <p:extLst>
     <p:ext uri="{EFAFB233-063F-42B5-8137-9DF3F51BA10A}">
-      <p15:sldGuideLst xmlns:p15="http://schemas.microsoft.com/office/powerpoint/2012/main" xmlns="">
+      <p15:sldGuideLst xmlns:p15="http://schemas.microsoft.com/office/powerpoint/2012/main">
         <p15:guide id="1" orient="horz" pos="2160">
           <p15:clr>
             <a:srgbClr val="A4A3A4"/>
@@ -143,8 +146,18 @@
 </file>
 
 <file path=ppt/charts/chart1.xml><?xml version="1.0" encoding="utf-8"?>
-<c:chartSpace xmlns:c="http://schemas.openxmlformats.org/drawingml/2006/chart" xmlns:a="http://schemas.openxmlformats.org/drawingml/2006/main" xmlns:r="http://schemas.openxmlformats.org/officeDocument/2006/relationships">
+<c:chartSpace xmlns:c="http://schemas.openxmlformats.org/drawingml/2006/chart" xmlns:a="http://schemas.openxmlformats.org/drawingml/2006/main" xmlns:r="http://schemas.openxmlformats.org/officeDocument/2006/relationships" xmlns:c16r2="http://schemas.microsoft.com/office/drawing/2015/06/chart">
+  <c:date1904 val="0"/>
   <c:lang val="de-DE"/>
+  <c:roundedCorners val="0"/>
+  <mc:AlternateContent xmlns:mc="http://schemas.openxmlformats.org/markup-compatibility/2006">
+    <mc:Choice xmlns:c14="http://schemas.microsoft.com/office/drawing/2007/8/2/chart" Requires="c14">
+      <c14:style val="102"/>
+    </mc:Choice>
+    <mc:Fallback>
+      <c:style val="2"/>
+    </mc:Fallback>
+  </mc:AlternateContent>
   <c:chart>
     <c:title>
       <c:tx>
@@ -172,7 +185,7 @@
           </a:p>
         </c:rich>
       </c:tx>
-      <c:layout/>
+      <c:overlay val="0"/>
       <c:spPr>
         <a:noFill/>
         <a:ln>
@@ -181,11 +194,13 @@
         <a:effectLst/>
       </c:spPr>
     </c:title>
+    <c:autoTitleDeleted val="0"/>
     <c:plotArea>
       <c:layout/>
       <c:barChart>
         <c:barDir val="bar"/>
         <c:grouping val="clustered"/>
+        <c:varyColors val="0"/>
         <c:ser>
           <c:idx val="0"/>
           <c:order val="0"/>
@@ -209,6 +224,7 @@
             </a:ln>
             <a:effectLst/>
           </c:spPr>
+          <c:invertIfNegative val="0"/>
           <c:cat>
             <c:strRef>
               <c:f>Tabelle1!$A$2:$A$7</c:f>
@@ -262,13 +278,20 @@
               </c:numCache>
             </c:numRef>
           </c:val>
-          <c:extLst xmlns:c16r2="http://schemas.microsoft.com/office/drawing/2015/06/chart">
+          <c:extLst>
             <c:ext xmlns:c16="http://schemas.microsoft.com/office/drawing/2014/chart" uri="{C3380CC4-5D6E-409C-BE32-E72D297353CC}">
               <c16:uniqueId val="{00000000-5253-460E-879C-581206D8B81C}"/>
             </c:ext>
           </c:extLst>
         </c:ser>
-        <c:dLbls/>
+        <c:dLbls>
+          <c:showLegendKey val="0"/>
+          <c:showVal val="0"/>
+          <c:showCatName val="0"/>
+          <c:showSerName val="0"/>
+          <c:showPercent val="0"/>
+          <c:showBubbleSize val="0"/>
+        </c:dLbls>
         <c:gapWidth val="182"/>
         <c:axId val="167525760"/>
         <c:axId val="131961984"/>
@@ -278,9 +301,11 @@
         <c:scaling>
           <c:orientation val="minMax"/>
         </c:scaling>
+        <c:delete val="0"/>
         <c:axPos val="l"/>
         <c:numFmt formatCode="General" sourceLinked="1"/>
         <c:majorTickMark val="none"/>
+        <c:minorTickMark val="none"/>
         <c:tickLblPos val="nextTo"/>
         <c:spPr>
           <a:noFill/>
@@ -320,6 +345,7 @@
         <c:auto val="1"/>
         <c:lblAlgn val="ctr"/>
         <c:lblOffset val="100"/>
+        <c:noMultiLvlLbl val="0"/>
       </c:catAx>
       <c:valAx>
         <c:axId val="131961984"/>
@@ -328,6 +354,7 @@
           <c:max val="7"/>
           <c:min val="1"/>
         </c:scaling>
+        <c:delete val="0"/>
         <c:axPos val="b"/>
         <c:majorGridlines>
           <c:spPr>
@@ -345,6 +372,7 @@
         </c:majorGridlines>
         <c:numFmt formatCode="General" sourceLinked="1"/>
         <c:majorTickMark val="none"/>
+        <c:minorTickMark val="none"/>
         <c:tickLblPos val="nextTo"/>
         <c:spPr>
           <a:noFill/>
@@ -387,13 +415,14 @@
     </c:plotArea>
     <c:plotVisOnly val="1"/>
     <c:dispBlanksAs val="gap"/>
-    <c:extLst xmlns:c16r2="http://schemas.microsoft.com/office/drawing/2015/06/chart">
+    <c:extLst>
       <c:ext xmlns:c16r3="http://schemas.microsoft.com/office/drawing/2017/03/chart" uri="{56B9EC1D-385E-4148-901F-78D8002777C0}">
         <c16r3:dataDisplayOptions16>
           <c16r3:dispNaAsBlank val="1"/>
         </c16r3:dataDisplayOptions16>
       </c:ext>
     </c:extLst>
+    <c:showDLblsOverMax val="0"/>
   </c:chart>
   <c:spPr>
     <a:noFill/>
@@ -412,13 +441,25 @@
       <a:endParaRPr lang="de-DE"/>
     </a:p>
   </c:txPr>
-  <c:externalData r:id="rId1"/>
+  <c:externalData r:id="rId1">
+    <c:autoUpdate val="0"/>
+  </c:externalData>
 </c:chartSpace>
 </file>
 
 <file path=ppt/charts/chart2.xml><?xml version="1.0" encoding="utf-8"?>
-<c:chartSpace xmlns:c="http://schemas.openxmlformats.org/drawingml/2006/chart" xmlns:a="http://schemas.openxmlformats.org/drawingml/2006/main" xmlns:r="http://schemas.openxmlformats.org/officeDocument/2006/relationships">
+<c:chartSpace xmlns:c="http://schemas.openxmlformats.org/drawingml/2006/chart" xmlns:a="http://schemas.openxmlformats.org/drawingml/2006/main" xmlns:r="http://schemas.openxmlformats.org/officeDocument/2006/relationships" xmlns:c16r2="http://schemas.microsoft.com/office/drawing/2015/06/chart">
+  <c:date1904 val="0"/>
   <c:lang val="de-DE"/>
+  <c:roundedCorners val="0"/>
+  <mc:AlternateContent xmlns:mc="http://schemas.openxmlformats.org/markup-compatibility/2006">
+    <mc:Choice xmlns:c14="http://schemas.microsoft.com/office/drawing/2007/8/2/chart" Requires="c14">
+      <c14:style val="102"/>
+    </mc:Choice>
+    <mc:Fallback>
+      <c:style val="2"/>
+    </mc:Fallback>
+  </mc:AlternateContent>
   <c:chart>
     <c:title>
       <c:tx>
@@ -446,7 +487,7 @@
           </a:p>
         </c:rich>
       </c:tx>
-      <c:layout/>
+      <c:overlay val="0"/>
       <c:spPr>
         <a:noFill/>
         <a:ln>
@@ -455,6 +496,7 @@
         <a:effectLst/>
       </c:spPr>
     </c:title>
+    <c:autoTitleDeleted val="0"/>
     <c:plotArea>
       <c:layout>
         <c:manualLayout>
@@ -470,6 +512,7 @@
       <c:barChart>
         <c:barDir val="bar"/>
         <c:grouping val="clustered"/>
+        <c:varyColors val="0"/>
         <c:ser>
           <c:idx val="0"/>
           <c:order val="0"/>
@@ -493,6 +536,7 @@
             </a:ln>
             <a:effectLst/>
           </c:spPr>
+          <c:invertIfNegative val="0"/>
           <c:cat>
             <c:strRef>
               <c:f>Tabelle1!$A$2:$A$9</c:f>
@@ -558,7 +602,7 @@
               </c:numCache>
             </c:numRef>
           </c:val>
-          <c:extLst xmlns:c16r2="http://schemas.microsoft.com/office/drawing/2015/06/chart">
+          <c:extLst>
             <c:ext xmlns:c16="http://schemas.microsoft.com/office/drawing/2014/chart" uri="{C3380CC4-5D6E-409C-BE32-E72D297353CC}">
               <c16:uniqueId val="{00000000-5253-460E-879C-581206D8B81C}"/>
             </c:ext>
@@ -587,6 +631,7 @@
             </a:ln>
             <a:effectLst/>
           </c:spPr>
+          <c:invertIfNegative val="0"/>
           <c:cat>
             <c:strRef>
               <c:f>Tabelle1!$A$2:$A$9</c:f>
@@ -652,7 +697,7 @@
               </c:numCache>
             </c:numRef>
           </c:val>
-          <c:extLst xmlns:c16r2="http://schemas.microsoft.com/office/drawing/2015/06/chart">
+          <c:extLst>
             <c:ext xmlns:c16="http://schemas.microsoft.com/office/drawing/2014/chart" uri="{C3380CC4-5D6E-409C-BE32-E72D297353CC}">
               <c16:uniqueId val="{00000001-5253-460E-879C-581206D8B81C}"/>
             </c:ext>
@@ -681,6 +726,7 @@
             </a:ln>
             <a:effectLst/>
           </c:spPr>
+          <c:invertIfNegative val="0"/>
           <c:cat>
             <c:strRef>
               <c:f>Tabelle1!$A$2:$A$9</c:f>
@@ -722,13 +768,20 @@
               </c:numCache>
             </c:numRef>
           </c:val>
-          <c:extLst xmlns:c16r2="http://schemas.microsoft.com/office/drawing/2015/06/chart">
+          <c:extLst>
             <c:ext xmlns:c16="http://schemas.microsoft.com/office/drawing/2014/chart" uri="{C3380CC4-5D6E-409C-BE32-E72D297353CC}">
               <c16:uniqueId val="{00000000-B8AC-4D32-B8BD-2D16DC70C46C}"/>
             </c:ext>
           </c:extLst>
         </c:ser>
-        <c:dLbls/>
+        <c:dLbls>
+          <c:showLegendKey val="0"/>
+          <c:showVal val="0"/>
+          <c:showCatName val="0"/>
+          <c:showSerName val="0"/>
+          <c:showPercent val="0"/>
+          <c:showBubbleSize val="0"/>
+        </c:dLbls>
         <c:gapWidth val="182"/>
         <c:axId val="136965120"/>
         <c:axId val="137184000"/>
@@ -738,9 +791,11 @@
         <c:scaling>
           <c:orientation val="minMax"/>
         </c:scaling>
+        <c:delete val="0"/>
         <c:axPos val="l"/>
         <c:numFmt formatCode="General" sourceLinked="1"/>
         <c:majorTickMark val="none"/>
+        <c:minorTickMark val="none"/>
         <c:tickLblPos val="nextTo"/>
         <c:spPr>
           <a:noFill/>
@@ -780,6 +835,7 @@
         <c:auto val="1"/>
         <c:lblAlgn val="ctr"/>
         <c:lblOffset val="100"/>
+        <c:noMultiLvlLbl val="0"/>
       </c:catAx>
       <c:valAx>
         <c:axId val="137184000"/>
@@ -788,6 +844,7 @@
           <c:max val="7"/>
           <c:min val="1"/>
         </c:scaling>
+        <c:delete val="0"/>
         <c:axPos val="b"/>
         <c:majorGridlines>
           <c:spPr>
@@ -805,6 +862,7 @@
         </c:majorGridlines>
         <c:numFmt formatCode="General" sourceLinked="1"/>
         <c:majorTickMark val="none"/>
+        <c:minorTickMark val="none"/>
         <c:tickLblPos val="nextTo"/>
         <c:spPr>
           <a:noFill/>
@@ -851,7 +909,7 @@
         <c:idx val="0"/>
         <c:delete val="1"/>
       </c:legendEntry>
-      <c:layout/>
+      <c:overlay val="0"/>
       <c:spPr>
         <a:noFill/>
         <a:ln>
@@ -882,13 +940,14 @@
     </c:legend>
     <c:plotVisOnly val="1"/>
     <c:dispBlanksAs val="gap"/>
-    <c:extLst xmlns:c16r2="http://schemas.microsoft.com/office/drawing/2015/06/chart">
+    <c:extLst>
       <c:ext xmlns:c16r3="http://schemas.microsoft.com/office/drawing/2017/03/chart" uri="{56B9EC1D-385E-4148-901F-78D8002777C0}">
         <c16r3:dataDisplayOptions16>
           <c16r3:dispNaAsBlank val="1"/>
         </c16r3:dataDisplayOptions16>
       </c:ext>
     </c:extLst>
+    <c:showDLblsOverMax val="0"/>
   </c:chart>
   <c:spPr>
     <a:noFill/>
@@ -907,1098 +966,10 @@
       <a:endParaRPr lang="de-DE"/>
     </a:p>
   </c:txPr>
-  <c:externalData r:id="rId1"/>
+  <c:externalData r:id="rId1">
+    <c:autoUpdate val="0"/>
+  </c:externalData>
 </c:chartSpace>
-</file>
-
-<file path=ppt/charts/colors1.xml><?xml version="1.0" encoding="utf-8"?>
-<cs:colorStyle xmlns:cs="http://schemas.microsoft.com/office/drawing/2012/chartStyle" xmlns:a="http://schemas.openxmlformats.org/drawingml/2006/main" meth="cycle" id="10">
-  <a:schemeClr val="accent1"/>
-  <a:schemeClr val="accent2"/>
-  <a:schemeClr val="accent3"/>
-  <a:schemeClr val="accent4"/>
-  <a:schemeClr val="accent5"/>
-  <a:schemeClr val="accent6"/>
-  <cs:variation/>
-  <cs:variation>
-    <a:lumMod val="60000"/>
-  </cs:variation>
-  <cs:variation>
-    <a:lumMod val="80000"/>
-    <a:lumOff val="20000"/>
-  </cs:variation>
-  <cs:variation>
-    <a:lumMod val="80000"/>
-  </cs:variation>
-  <cs:variation>
-    <a:lumMod val="60000"/>
-    <a:lumOff val="40000"/>
-  </cs:variation>
-  <cs:variation>
-    <a:lumMod val="50000"/>
-  </cs:variation>
-  <cs:variation>
-    <a:lumMod val="70000"/>
-    <a:lumOff val="30000"/>
-  </cs:variation>
-  <cs:variation>
-    <a:lumMod val="70000"/>
-  </cs:variation>
-  <cs:variation>
-    <a:lumMod val="50000"/>
-    <a:lumOff val="50000"/>
-  </cs:variation>
-</cs:colorStyle>
-</file>
-
-<file path=ppt/charts/colors2.xml><?xml version="1.0" encoding="utf-8"?>
-<cs:colorStyle xmlns:cs="http://schemas.microsoft.com/office/drawing/2012/chartStyle" xmlns:a="http://schemas.openxmlformats.org/drawingml/2006/main" meth="cycle" id="10">
-  <a:schemeClr val="accent1"/>
-  <a:schemeClr val="accent2"/>
-  <a:schemeClr val="accent3"/>
-  <a:schemeClr val="accent4"/>
-  <a:schemeClr val="accent5"/>
-  <a:schemeClr val="accent6"/>
-  <cs:variation/>
-  <cs:variation>
-    <a:lumMod val="60000"/>
-  </cs:variation>
-  <cs:variation>
-    <a:lumMod val="80000"/>
-    <a:lumOff val="20000"/>
-  </cs:variation>
-  <cs:variation>
-    <a:lumMod val="80000"/>
-  </cs:variation>
-  <cs:variation>
-    <a:lumMod val="60000"/>
-    <a:lumOff val="40000"/>
-  </cs:variation>
-  <cs:variation>
-    <a:lumMod val="50000"/>
-  </cs:variation>
-  <cs:variation>
-    <a:lumMod val="70000"/>
-    <a:lumOff val="30000"/>
-  </cs:variation>
-  <cs:variation>
-    <a:lumMod val="70000"/>
-  </cs:variation>
-  <cs:variation>
-    <a:lumMod val="50000"/>
-    <a:lumOff val="50000"/>
-  </cs:variation>
-</cs:colorStyle>
-</file>
-
-<file path=ppt/charts/style1.xml><?xml version="1.0" encoding="utf-8"?>
-<cs:chartStyle xmlns:cs="http://schemas.microsoft.com/office/drawing/2012/chartStyle" xmlns:a="http://schemas.openxmlformats.org/drawingml/2006/main" id="216">
-  <cs:axisTitle>
-    <cs:lnRef idx="0"/>
-    <cs:fillRef idx="0"/>
-    <cs:effectRef idx="0"/>
-    <cs:fontRef idx="minor">
-      <a:schemeClr val="tx1">
-        <a:lumMod val="65000"/>
-        <a:lumOff val="35000"/>
-      </a:schemeClr>
-    </cs:fontRef>
-    <cs:defRPr sz="1330" kern="1200"/>
-  </cs:axisTitle>
-  <cs:categoryAxis>
-    <cs:lnRef idx="0"/>
-    <cs:fillRef idx="0"/>
-    <cs:effectRef idx="0"/>
-    <cs:fontRef idx="minor">
-      <a:schemeClr val="tx1">
-        <a:lumMod val="65000"/>
-        <a:lumOff val="35000"/>
-      </a:schemeClr>
-    </cs:fontRef>
-    <cs:spPr>
-      <a:ln w="9525" cap="flat" cmpd="sng" algn="ctr">
-        <a:solidFill>
-          <a:schemeClr val="tx1">
-            <a:lumMod val="15000"/>
-            <a:lumOff val="85000"/>
-          </a:schemeClr>
-        </a:solidFill>
-        <a:round/>
-      </a:ln>
-    </cs:spPr>
-    <cs:defRPr sz="1197" kern="1200"/>
-  </cs:categoryAxis>
-  <cs:chartArea mods="allowNoFillOverride allowNoLineOverride">
-    <cs:lnRef idx="0"/>
-    <cs:fillRef idx="0"/>
-    <cs:effectRef idx="0"/>
-    <cs:fontRef idx="minor">
-      <a:schemeClr val="tx1"/>
-    </cs:fontRef>
-    <cs:spPr>
-      <a:solidFill>
-        <a:schemeClr val="bg1"/>
-      </a:solidFill>
-      <a:ln w="9525" cap="flat" cmpd="sng" algn="ctr">
-        <a:solidFill>
-          <a:schemeClr val="tx1">
-            <a:lumMod val="15000"/>
-            <a:lumOff val="85000"/>
-          </a:schemeClr>
-        </a:solidFill>
-        <a:round/>
-      </a:ln>
-    </cs:spPr>
-    <cs:defRPr sz="1330" kern="1200"/>
-  </cs:chartArea>
-  <cs:dataLabel>
-    <cs:lnRef idx="0"/>
-    <cs:fillRef idx="0"/>
-    <cs:effectRef idx="0"/>
-    <cs:fontRef idx="minor">
-      <a:schemeClr val="tx1">
-        <a:lumMod val="75000"/>
-        <a:lumOff val="25000"/>
-      </a:schemeClr>
-    </cs:fontRef>
-    <cs:defRPr sz="1197" kern="1200"/>
-  </cs:dataLabel>
-  <cs:dataLabelCallout>
-    <cs:lnRef idx="0"/>
-    <cs:fillRef idx="0"/>
-    <cs:effectRef idx="0"/>
-    <cs:fontRef idx="minor">
-      <a:schemeClr val="dk1">
-        <a:lumMod val="65000"/>
-        <a:lumOff val="35000"/>
-      </a:schemeClr>
-    </cs:fontRef>
-    <cs:spPr>
-      <a:solidFill>
-        <a:schemeClr val="lt1"/>
-      </a:solidFill>
-      <a:ln>
-        <a:solidFill>
-          <a:schemeClr val="dk1">
-            <a:lumMod val="25000"/>
-            <a:lumOff val="75000"/>
-          </a:schemeClr>
-        </a:solidFill>
-      </a:ln>
-    </cs:spPr>
-    <cs:defRPr sz="1197" kern="1200"/>
-    <cs:bodyPr rot="0" spcFirstLastPara="1" vertOverflow="clip" horzOverflow="clip" vert="horz" wrap="square" lIns="36576" tIns="18288" rIns="36576" bIns="18288" anchor="ctr" anchorCtr="1">
-      <a:spAutoFit/>
-    </cs:bodyPr>
-  </cs:dataLabelCallout>
-  <cs:dataPoint>
-    <cs:lnRef idx="0"/>
-    <cs:fillRef idx="1">
-      <cs:styleClr val="auto"/>
-    </cs:fillRef>
-    <cs:effectRef idx="0"/>
-    <cs:fontRef idx="minor">
-      <a:schemeClr val="tx1"/>
-    </cs:fontRef>
-  </cs:dataPoint>
-  <cs:dataPoint3D>
-    <cs:lnRef idx="0"/>
-    <cs:fillRef idx="1">
-      <cs:styleClr val="auto"/>
-    </cs:fillRef>
-    <cs:effectRef idx="0"/>
-    <cs:fontRef idx="minor">
-      <a:schemeClr val="tx1"/>
-    </cs:fontRef>
-  </cs:dataPoint3D>
-  <cs:dataPointLine>
-    <cs:lnRef idx="0">
-      <cs:styleClr val="auto"/>
-    </cs:lnRef>
-    <cs:fillRef idx="1"/>
-    <cs:effectRef idx="0"/>
-    <cs:fontRef idx="minor">
-      <a:schemeClr val="tx1"/>
-    </cs:fontRef>
-    <cs:spPr>
-      <a:ln w="28575" cap="rnd">
-        <a:solidFill>
-          <a:schemeClr val="phClr"/>
-        </a:solidFill>
-        <a:round/>
-      </a:ln>
-    </cs:spPr>
-  </cs:dataPointLine>
-  <cs:dataPointMarker>
-    <cs:lnRef idx="0">
-      <cs:styleClr val="auto"/>
-    </cs:lnRef>
-    <cs:fillRef idx="1">
-      <cs:styleClr val="auto"/>
-    </cs:fillRef>
-    <cs:effectRef idx="0"/>
-    <cs:fontRef idx="minor">
-      <a:schemeClr val="tx1"/>
-    </cs:fontRef>
-    <cs:spPr>
-      <a:ln w="9525">
-        <a:solidFill>
-          <a:schemeClr val="phClr"/>
-        </a:solidFill>
-      </a:ln>
-    </cs:spPr>
-  </cs:dataPointMarker>
-  <cs:dataPointMarkerLayout symbol="circle" size="5"/>
-  <cs:dataPointWireframe>
-    <cs:lnRef idx="0">
-      <cs:styleClr val="auto"/>
-    </cs:lnRef>
-    <cs:fillRef idx="1"/>
-    <cs:effectRef idx="0"/>
-    <cs:fontRef idx="minor">
-      <a:schemeClr val="tx1"/>
-    </cs:fontRef>
-    <cs:spPr>
-      <a:ln w="9525" cap="rnd">
-        <a:solidFill>
-          <a:schemeClr val="phClr"/>
-        </a:solidFill>
-        <a:round/>
-      </a:ln>
-    </cs:spPr>
-  </cs:dataPointWireframe>
-  <cs:dataTable>
-    <cs:lnRef idx="0"/>
-    <cs:fillRef idx="0"/>
-    <cs:effectRef idx="0"/>
-    <cs:fontRef idx="minor">
-      <a:schemeClr val="tx1">
-        <a:lumMod val="65000"/>
-        <a:lumOff val="35000"/>
-      </a:schemeClr>
-    </cs:fontRef>
-    <cs:spPr>
-      <a:noFill/>
-      <a:ln w="9525" cap="flat" cmpd="sng" algn="ctr">
-        <a:solidFill>
-          <a:schemeClr val="tx1">
-            <a:lumMod val="15000"/>
-            <a:lumOff val="85000"/>
-          </a:schemeClr>
-        </a:solidFill>
-        <a:round/>
-      </a:ln>
-    </cs:spPr>
-    <cs:defRPr sz="1197" kern="1200"/>
-  </cs:dataTable>
-  <cs:downBar>
-    <cs:lnRef idx="0"/>
-    <cs:fillRef idx="0"/>
-    <cs:effectRef idx="0"/>
-    <cs:fontRef idx="minor">
-      <a:schemeClr val="tx1"/>
-    </cs:fontRef>
-    <cs:spPr>
-      <a:solidFill>
-        <a:schemeClr val="dk1">
-          <a:lumMod val="75000"/>
-          <a:lumOff val="25000"/>
-        </a:schemeClr>
-      </a:solidFill>
-      <a:ln w="9525" cap="flat" cmpd="sng" algn="ctr">
-        <a:solidFill>
-          <a:schemeClr val="tx1">
-            <a:lumMod val="65000"/>
-            <a:lumOff val="35000"/>
-          </a:schemeClr>
-        </a:solidFill>
-        <a:round/>
-      </a:ln>
-    </cs:spPr>
-  </cs:downBar>
-  <cs:dropLine>
-    <cs:lnRef idx="0"/>
-    <cs:fillRef idx="0"/>
-    <cs:effectRef idx="0"/>
-    <cs:fontRef idx="minor">
-      <a:schemeClr val="tx1"/>
-    </cs:fontRef>
-    <cs:spPr>
-      <a:ln w="9525" cap="flat" cmpd="sng" algn="ctr">
-        <a:solidFill>
-          <a:schemeClr val="tx1">
-            <a:lumMod val="35000"/>
-            <a:lumOff val="65000"/>
-          </a:schemeClr>
-        </a:solidFill>
-        <a:round/>
-      </a:ln>
-    </cs:spPr>
-  </cs:dropLine>
-  <cs:errorBar>
-    <cs:lnRef idx="0"/>
-    <cs:fillRef idx="0"/>
-    <cs:effectRef idx="0"/>
-    <cs:fontRef idx="minor">
-      <a:schemeClr val="tx1"/>
-    </cs:fontRef>
-    <cs:spPr>
-      <a:ln w="9525" cap="flat" cmpd="sng" algn="ctr">
-        <a:solidFill>
-          <a:schemeClr val="tx1">
-            <a:lumMod val="65000"/>
-            <a:lumOff val="35000"/>
-          </a:schemeClr>
-        </a:solidFill>
-        <a:round/>
-      </a:ln>
-    </cs:spPr>
-  </cs:errorBar>
-  <cs:floor>
-    <cs:lnRef idx="0"/>
-    <cs:fillRef idx="0"/>
-    <cs:effectRef idx="0"/>
-    <cs:fontRef idx="minor">
-      <a:schemeClr val="tx1"/>
-    </cs:fontRef>
-    <cs:spPr>
-      <a:noFill/>
-      <a:ln>
-        <a:noFill/>
-      </a:ln>
-    </cs:spPr>
-  </cs:floor>
-  <cs:gridlineMajor>
-    <cs:lnRef idx="0"/>
-    <cs:fillRef idx="0"/>
-    <cs:effectRef idx="0"/>
-    <cs:fontRef idx="minor">
-      <a:schemeClr val="tx1"/>
-    </cs:fontRef>
-    <cs:spPr>
-      <a:ln w="9525" cap="flat" cmpd="sng" algn="ctr">
-        <a:solidFill>
-          <a:schemeClr val="tx1">
-            <a:lumMod val="15000"/>
-            <a:lumOff val="85000"/>
-          </a:schemeClr>
-        </a:solidFill>
-        <a:round/>
-      </a:ln>
-    </cs:spPr>
-  </cs:gridlineMajor>
-  <cs:gridlineMinor>
-    <cs:lnRef idx="0"/>
-    <cs:fillRef idx="0"/>
-    <cs:effectRef idx="0"/>
-    <cs:fontRef idx="minor">
-      <a:schemeClr val="tx1"/>
-    </cs:fontRef>
-    <cs:spPr>
-      <a:ln w="9525" cap="flat" cmpd="sng" algn="ctr">
-        <a:solidFill>
-          <a:schemeClr val="tx1">
-            <a:lumMod val="5000"/>
-            <a:lumOff val="95000"/>
-          </a:schemeClr>
-        </a:solidFill>
-        <a:round/>
-      </a:ln>
-    </cs:spPr>
-  </cs:gridlineMinor>
-  <cs:hiLoLine>
-    <cs:lnRef idx="0"/>
-    <cs:fillRef idx="0"/>
-    <cs:effectRef idx="0"/>
-    <cs:fontRef idx="minor">
-      <a:schemeClr val="tx1"/>
-    </cs:fontRef>
-    <cs:spPr>
-      <a:ln w="9525" cap="flat" cmpd="sng" algn="ctr">
-        <a:solidFill>
-          <a:schemeClr val="tx1">
-            <a:lumMod val="50000"/>
-            <a:lumOff val="50000"/>
-          </a:schemeClr>
-        </a:solidFill>
-        <a:round/>
-      </a:ln>
-    </cs:spPr>
-  </cs:hiLoLine>
-  <cs:leaderLine>
-    <cs:lnRef idx="0"/>
-    <cs:fillRef idx="0"/>
-    <cs:effectRef idx="0"/>
-    <cs:fontRef idx="minor">
-      <a:schemeClr val="tx1"/>
-    </cs:fontRef>
-    <cs:spPr>
-      <a:ln w="9525" cap="flat" cmpd="sng" algn="ctr">
-        <a:solidFill>
-          <a:schemeClr val="tx1">
-            <a:lumMod val="35000"/>
-            <a:lumOff val="65000"/>
-          </a:schemeClr>
-        </a:solidFill>
-        <a:round/>
-      </a:ln>
-    </cs:spPr>
-  </cs:leaderLine>
-  <cs:legend>
-    <cs:lnRef idx="0"/>
-    <cs:fillRef idx="0"/>
-    <cs:effectRef idx="0"/>
-    <cs:fontRef idx="minor">
-      <a:schemeClr val="tx1">
-        <a:lumMod val="65000"/>
-        <a:lumOff val="35000"/>
-      </a:schemeClr>
-    </cs:fontRef>
-    <cs:defRPr sz="1197" kern="1200"/>
-  </cs:legend>
-  <cs:plotArea mods="allowNoFillOverride allowNoLineOverride">
-    <cs:lnRef idx="0"/>
-    <cs:fillRef idx="0"/>
-    <cs:effectRef idx="0"/>
-    <cs:fontRef idx="minor">
-      <a:schemeClr val="tx1"/>
-    </cs:fontRef>
-  </cs:plotArea>
-  <cs:plotArea3D mods="allowNoFillOverride allowNoLineOverride">
-    <cs:lnRef idx="0"/>
-    <cs:fillRef idx="0"/>
-    <cs:effectRef idx="0"/>
-    <cs:fontRef idx="minor">
-      <a:schemeClr val="tx1"/>
-    </cs:fontRef>
-  </cs:plotArea3D>
-  <cs:seriesAxis>
-    <cs:lnRef idx="0"/>
-    <cs:fillRef idx="0"/>
-    <cs:effectRef idx="0"/>
-    <cs:fontRef idx="minor">
-      <a:schemeClr val="tx1">
-        <a:lumMod val="65000"/>
-        <a:lumOff val="35000"/>
-      </a:schemeClr>
-    </cs:fontRef>
-    <cs:defRPr sz="1197" kern="1200"/>
-  </cs:seriesAxis>
-  <cs:seriesLine>
-    <cs:lnRef idx="0"/>
-    <cs:fillRef idx="0"/>
-    <cs:effectRef idx="0"/>
-    <cs:fontRef idx="minor">
-      <a:schemeClr val="tx1"/>
-    </cs:fontRef>
-    <cs:spPr>
-      <a:ln w="9525" cap="flat" cmpd="sng" algn="ctr">
-        <a:solidFill>
-          <a:schemeClr val="tx1">
-            <a:lumMod val="35000"/>
-            <a:lumOff val="65000"/>
-          </a:schemeClr>
-        </a:solidFill>
-        <a:round/>
-      </a:ln>
-    </cs:spPr>
-  </cs:seriesLine>
-  <cs:title>
-    <cs:lnRef idx="0"/>
-    <cs:fillRef idx="0"/>
-    <cs:effectRef idx="0"/>
-    <cs:fontRef idx="minor">
-      <a:schemeClr val="tx1">
-        <a:lumMod val="65000"/>
-        <a:lumOff val="35000"/>
-      </a:schemeClr>
-    </cs:fontRef>
-    <cs:defRPr sz="1862" b="0" kern="1200" spc="0" baseline="0"/>
-  </cs:title>
-  <cs:trendline>
-    <cs:lnRef idx="0">
-      <cs:styleClr val="auto"/>
-    </cs:lnRef>
-    <cs:fillRef idx="0"/>
-    <cs:effectRef idx="0"/>
-    <cs:fontRef idx="minor">
-      <a:schemeClr val="tx1"/>
-    </cs:fontRef>
-    <cs:spPr>
-      <a:ln w="19050" cap="rnd">
-        <a:solidFill>
-          <a:schemeClr val="phClr"/>
-        </a:solidFill>
-        <a:prstDash val="sysDot"/>
-      </a:ln>
-    </cs:spPr>
-  </cs:trendline>
-  <cs:trendlineLabel>
-    <cs:lnRef idx="0"/>
-    <cs:fillRef idx="0"/>
-    <cs:effectRef idx="0"/>
-    <cs:fontRef idx="minor">
-      <a:schemeClr val="tx1">
-        <a:lumMod val="65000"/>
-        <a:lumOff val="35000"/>
-      </a:schemeClr>
-    </cs:fontRef>
-    <cs:defRPr sz="1197" kern="1200"/>
-  </cs:trendlineLabel>
-  <cs:upBar>
-    <cs:lnRef idx="0"/>
-    <cs:fillRef idx="0"/>
-    <cs:effectRef idx="0"/>
-    <cs:fontRef idx="minor">
-      <a:schemeClr val="tx1"/>
-    </cs:fontRef>
-    <cs:spPr>
-      <a:solidFill>
-        <a:schemeClr val="lt1"/>
-      </a:solidFill>
-      <a:ln w="9525" cap="flat" cmpd="sng" algn="ctr">
-        <a:solidFill>
-          <a:schemeClr val="tx1">
-            <a:lumMod val="65000"/>
-            <a:lumOff val="35000"/>
-          </a:schemeClr>
-        </a:solidFill>
-        <a:round/>
-      </a:ln>
-    </cs:spPr>
-  </cs:upBar>
-  <cs:valueAxis>
-    <cs:lnRef idx="0"/>
-    <cs:fillRef idx="0"/>
-    <cs:effectRef idx="0"/>
-    <cs:fontRef idx="minor">
-      <a:schemeClr val="tx1">
-        <a:lumMod val="65000"/>
-        <a:lumOff val="35000"/>
-      </a:schemeClr>
-    </cs:fontRef>
-    <cs:defRPr sz="1197" kern="1200"/>
-  </cs:valueAxis>
-  <cs:wall>
-    <cs:lnRef idx="0"/>
-    <cs:fillRef idx="0"/>
-    <cs:effectRef idx="0"/>
-    <cs:fontRef idx="minor">
-      <a:schemeClr val="tx1"/>
-    </cs:fontRef>
-    <cs:spPr>
-      <a:noFill/>
-      <a:ln>
-        <a:noFill/>
-      </a:ln>
-    </cs:spPr>
-  </cs:wall>
-</cs:chartStyle>
-</file>
-
-<file path=ppt/charts/style2.xml><?xml version="1.0" encoding="utf-8"?>
-<cs:chartStyle xmlns:cs="http://schemas.microsoft.com/office/drawing/2012/chartStyle" xmlns:a="http://schemas.openxmlformats.org/drawingml/2006/main" id="216">
-  <cs:axisTitle>
-    <cs:lnRef idx="0"/>
-    <cs:fillRef idx="0"/>
-    <cs:effectRef idx="0"/>
-    <cs:fontRef idx="minor">
-      <a:schemeClr val="tx1">
-        <a:lumMod val="65000"/>
-        <a:lumOff val="35000"/>
-      </a:schemeClr>
-    </cs:fontRef>
-    <cs:defRPr sz="1330" kern="1200"/>
-  </cs:axisTitle>
-  <cs:categoryAxis>
-    <cs:lnRef idx="0"/>
-    <cs:fillRef idx="0"/>
-    <cs:effectRef idx="0"/>
-    <cs:fontRef idx="minor">
-      <a:schemeClr val="tx1">
-        <a:lumMod val="65000"/>
-        <a:lumOff val="35000"/>
-      </a:schemeClr>
-    </cs:fontRef>
-    <cs:spPr>
-      <a:ln w="9525" cap="flat" cmpd="sng" algn="ctr">
-        <a:solidFill>
-          <a:schemeClr val="tx1">
-            <a:lumMod val="15000"/>
-            <a:lumOff val="85000"/>
-          </a:schemeClr>
-        </a:solidFill>
-        <a:round/>
-      </a:ln>
-    </cs:spPr>
-    <cs:defRPr sz="1197" kern="1200"/>
-  </cs:categoryAxis>
-  <cs:chartArea mods="allowNoFillOverride allowNoLineOverride">
-    <cs:lnRef idx="0"/>
-    <cs:fillRef idx="0"/>
-    <cs:effectRef idx="0"/>
-    <cs:fontRef idx="minor">
-      <a:schemeClr val="tx1"/>
-    </cs:fontRef>
-    <cs:spPr>
-      <a:solidFill>
-        <a:schemeClr val="bg1"/>
-      </a:solidFill>
-      <a:ln w="9525" cap="flat" cmpd="sng" algn="ctr">
-        <a:solidFill>
-          <a:schemeClr val="tx1">
-            <a:lumMod val="15000"/>
-            <a:lumOff val="85000"/>
-          </a:schemeClr>
-        </a:solidFill>
-        <a:round/>
-      </a:ln>
-    </cs:spPr>
-    <cs:defRPr sz="1330" kern="1200"/>
-  </cs:chartArea>
-  <cs:dataLabel>
-    <cs:lnRef idx="0"/>
-    <cs:fillRef idx="0"/>
-    <cs:effectRef idx="0"/>
-    <cs:fontRef idx="minor">
-      <a:schemeClr val="tx1">
-        <a:lumMod val="75000"/>
-        <a:lumOff val="25000"/>
-      </a:schemeClr>
-    </cs:fontRef>
-    <cs:defRPr sz="1197" kern="1200"/>
-  </cs:dataLabel>
-  <cs:dataLabelCallout>
-    <cs:lnRef idx="0"/>
-    <cs:fillRef idx="0"/>
-    <cs:effectRef idx="0"/>
-    <cs:fontRef idx="minor">
-      <a:schemeClr val="dk1">
-        <a:lumMod val="65000"/>
-        <a:lumOff val="35000"/>
-      </a:schemeClr>
-    </cs:fontRef>
-    <cs:spPr>
-      <a:solidFill>
-        <a:schemeClr val="lt1"/>
-      </a:solidFill>
-      <a:ln>
-        <a:solidFill>
-          <a:schemeClr val="dk1">
-            <a:lumMod val="25000"/>
-            <a:lumOff val="75000"/>
-          </a:schemeClr>
-        </a:solidFill>
-      </a:ln>
-    </cs:spPr>
-    <cs:defRPr sz="1197" kern="1200"/>
-    <cs:bodyPr rot="0" spcFirstLastPara="1" vertOverflow="clip" horzOverflow="clip" vert="horz" wrap="square" lIns="36576" tIns="18288" rIns="36576" bIns="18288" anchor="ctr" anchorCtr="1">
-      <a:spAutoFit/>
-    </cs:bodyPr>
-  </cs:dataLabelCallout>
-  <cs:dataPoint>
-    <cs:lnRef idx="0"/>
-    <cs:fillRef idx="1">
-      <cs:styleClr val="auto"/>
-    </cs:fillRef>
-    <cs:effectRef idx="0"/>
-    <cs:fontRef idx="minor">
-      <a:schemeClr val="tx1"/>
-    </cs:fontRef>
-  </cs:dataPoint>
-  <cs:dataPoint3D>
-    <cs:lnRef idx="0"/>
-    <cs:fillRef idx="1">
-      <cs:styleClr val="auto"/>
-    </cs:fillRef>
-    <cs:effectRef idx="0"/>
-    <cs:fontRef idx="minor">
-      <a:schemeClr val="tx1"/>
-    </cs:fontRef>
-  </cs:dataPoint3D>
-  <cs:dataPointLine>
-    <cs:lnRef idx="0">
-      <cs:styleClr val="auto"/>
-    </cs:lnRef>
-    <cs:fillRef idx="1"/>
-    <cs:effectRef idx="0"/>
-    <cs:fontRef idx="minor">
-      <a:schemeClr val="tx1"/>
-    </cs:fontRef>
-    <cs:spPr>
-      <a:ln w="28575" cap="rnd">
-        <a:solidFill>
-          <a:schemeClr val="phClr"/>
-        </a:solidFill>
-        <a:round/>
-      </a:ln>
-    </cs:spPr>
-  </cs:dataPointLine>
-  <cs:dataPointMarker>
-    <cs:lnRef idx="0">
-      <cs:styleClr val="auto"/>
-    </cs:lnRef>
-    <cs:fillRef idx="1">
-      <cs:styleClr val="auto"/>
-    </cs:fillRef>
-    <cs:effectRef idx="0"/>
-    <cs:fontRef idx="minor">
-      <a:schemeClr val="tx1"/>
-    </cs:fontRef>
-    <cs:spPr>
-      <a:ln w="9525">
-        <a:solidFill>
-          <a:schemeClr val="phClr"/>
-        </a:solidFill>
-      </a:ln>
-    </cs:spPr>
-  </cs:dataPointMarker>
-  <cs:dataPointMarkerLayout symbol="circle" size="5"/>
-  <cs:dataPointWireframe>
-    <cs:lnRef idx="0">
-      <cs:styleClr val="auto"/>
-    </cs:lnRef>
-    <cs:fillRef idx="1"/>
-    <cs:effectRef idx="0"/>
-    <cs:fontRef idx="minor">
-      <a:schemeClr val="tx1"/>
-    </cs:fontRef>
-    <cs:spPr>
-      <a:ln w="9525" cap="rnd">
-        <a:solidFill>
-          <a:schemeClr val="phClr"/>
-        </a:solidFill>
-        <a:round/>
-      </a:ln>
-    </cs:spPr>
-  </cs:dataPointWireframe>
-  <cs:dataTable>
-    <cs:lnRef idx="0"/>
-    <cs:fillRef idx="0"/>
-    <cs:effectRef idx="0"/>
-    <cs:fontRef idx="minor">
-      <a:schemeClr val="tx1">
-        <a:lumMod val="65000"/>
-        <a:lumOff val="35000"/>
-      </a:schemeClr>
-    </cs:fontRef>
-    <cs:spPr>
-      <a:noFill/>
-      <a:ln w="9525" cap="flat" cmpd="sng" algn="ctr">
-        <a:solidFill>
-          <a:schemeClr val="tx1">
-            <a:lumMod val="15000"/>
-            <a:lumOff val="85000"/>
-          </a:schemeClr>
-        </a:solidFill>
-        <a:round/>
-      </a:ln>
-    </cs:spPr>
-    <cs:defRPr sz="1197" kern="1200"/>
-  </cs:dataTable>
-  <cs:downBar>
-    <cs:lnRef idx="0"/>
-    <cs:fillRef idx="0"/>
-    <cs:effectRef idx="0"/>
-    <cs:fontRef idx="minor">
-      <a:schemeClr val="tx1"/>
-    </cs:fontRef>
-    <cs:spPr>
-      <a:solidFill>
-        <a:schemeClr val="dk1">
-          <a:lumMod val="75000"/>
-          <a:lumOff val="25000"/>
-        </a:schemeClr>
-      </a:solidFill>
-      <a:ln w="9525" cap="flat" cmpd="sng" algn="ctr">
-        <a:solidFill>
-          <a:schemeClr val="tx1">
-            <a:lumMod val="65000"/>
-            <a:lumOff val="35000"/>
-          </a:schemeClr>
-        </a:solidFill>
-        <a:round/>
-      </a:ln>
-    </cs:spPr>
-  </cs:downBar>
-  <cs:dropLine>
-    <cs:lnRef idx="0"/>
-    <cs:fillRef idx="0"/>
-    <cs:effectRef idx="0"/>
-    <cs:fontRef idx="minor">
-      <a:schemeClr val="tx1"/>
-    </cs:fontRef>
-    <cs:spPr>
-      <a:ln w="9525" cap="flat" cmpd="sng" algn="ctr">
-        <a:solidFill>
-          <a:schemeClr val="tx1">
-            <a:lumMod val="35000"/>
-            <a:lumOff val="65000"/>
-          </a:schemeClr>
-        </a:solidFill>
-        <a:round/>
-      </a:ln>
-    </cs:spPr>
-  </cs:dropLine>
-  <cs:errorBar>
-    <cs:lnRef idx="0"/>
-    <cs:fillRef idx="0"/>
-    <cs:effectRef idx="0"/>
-    <cs:fontRef idx="minor">
-      <a:schemeClr val="tx1"/>
-    </cs:fontRef>
-    <cs:spPr>
-      <a:ln w="9525" cap="flat" cmpd="sng" algn="ctr">
-        <a:solidFill>
-          <a:schemeClr val="tx1">
-            <a:lumMod val="65000"/>
-            <a:lumOff val="35000"/>
-          </a:schemeClr>
-        </a:solidFill>
-        <a:round/>
-      </a:ln>
-    </cs:spPr>
-  </cs:errorBar>
-  <cs:floor>
-    <cs:lnRef idx="0"/>
-    <cs:fillRef idx="0"/>
-    <cs:effectRef idx="0"/>
-    <cs:fontRef idx="minor">
-      <a:schemeClr val="tx1"/>
-    </cs:fontRef>
-    <cs:spPr>
-      <a:noFill/>
-      <a:ln>
-        <a:noFill/>
-      </a:ln>
-    </cs:spPr>
-  </cs:floor>
-  <cs:gridlineMajor>
-    <cs:lnRef idx="0"/>
-    <cs:fillRef idx="0"/>
-    <cs:effectRef idx="0"/>
-    <cs:fontRef idx="minor">
-      <a:schemeClr val="tx1"/>
-    </cs:fontRef>
-    <cs:spPr>
-      <a:ln w="9525" cap="flat" cmpd="sng" algn="ctr">
-        <a:solidFill>
-          <a:schemeClr val="tx1">
-            <a:lumMod val="15000"/>
-            <a:lumOff val="85000"/>
-          </a:schemeClr>
-        </a:solidFill>
-        <a:round/>
-      </a:ln>
-    </cs:spPr>
-  </cs:gridlineMajor>
-  <cs:gridlineMinor>
-    <cs:lnRef idx="0"/>
-    <cs:fillRef idx="0"/>
-    <cs:effectRef idx="0"/>
-    <cs:fontRef idx="minor">
-      <a:schemeClr val="tx1"/>
-    </cs:fontRef>
-    <cs:spPr>
-      <a:ln w="9525" cap="flat" cmpd="sng" algn="ctr">
-        <a:solidFill>
-          <a:schemeClr val="tx1">
-            <a:lumMod val="5000"/>
-            <a:lumOff val="95000"/>
-          </a:schemeClr>
-        </a:solidFill>
-        <a:round/>
-      </a:ln>
-    </cs:spPr>
-  </cs:gridlineMinor>
-  <cs:hiLoLine>
-    <cs:lnRef idx="0"/>
-    <cs:fillRef idx="0"/>
-    <cs:effectRef idx="0"/>
-    <cs:fontRef idx="minor">
-      <a:schemeClr val="tx1"/>
-    </cs:fontRef>
-    <cs:spPr>
-      <a:ln w="9525" cap="flat" cmpd="sng" algn="ctr">
-        <a:solidFill>
-          <a:schemeClr val="tx1">
-            <a:lumMod val="50000"/>
-            <a:lumOff val="50000"/>
-          </a:schemeClr>
-        </a:solidFill>
-        <a:round/>
-      </a:ln>
-    </cs:spPr>
-  </cs:hiLoLine>
-  <cs:leaderLine>
-    <cs:lnRef idx="0"/>
-    <cs:fillRef idx="0"/>
-    <cs:effectRef idx="0"/>
-    <cs:fontRef idx="minor">
-      <a:schemeClr val="tx1"/>
-    </cs:fontRef>
-    <cs:spPr>
-      <a:ln w="9525" cap="flat" cmpd="sng" algn="ctr">
-        <a:solidFill>
-          <a:schemeClr val="tx1">
-            <a:lumMod val="35000"/>
-            <a:lumOff val="65000"/>
-          </a:schemeClr>
-        </a:solidFill>
-        <a:round/>
-      </a:ln>
-    </cs:spPr>
-  </cs:leaderLine>
-  <cs:legend>
-    <cs:lnRef idx="0"/>
-    <cs:fillRef idx="0"/>
-    <cs:effectRef idx="0"/>
-    <cs:fontRef idx="minor">
-      <a:schemeClr val="tx1">
-        <a:lumMod val="65000"/>
-        <a:lumOff val="35000"/>
-      </a:schemeClr>
-    </cs:fontRef>
-    <cs:defRPr sz="1197" kern="1200"/>
-  </cs:legend>
-  <cs:plotArea mods="allowNoFillOverride allowNoLineOverride">
-    <cs:lnRef idx="0"/>
-    <cs:fillRef idx="0"/>
-    <cs:effectRef idx="0"/>
-    <cs:fontRef idx="minor">
-      <a:schemeClr val="tx1"/>
-    </cs:fontRef>
-  </cs:plotArea>
-  <cs:plotArea3D mods="allowNoFillOverride allowNoLineOverride">
-    <cs:lnRef idx="0"/>
-    <cs:fillRef idx="0"/>
-    <cs:effectRef idx="0"/>
-    <cs:fontRef idx="minor">
-      <a:schemeClr val="tx1"/>
-    </cs:fontRef>
-  </cs:plotArea3D>
-  <cs:seriesAxis>
-    <cs:lnRef idx="0"/>
-    <cs:fillRef idx="0"/>
-    <cs:effectRef idx="0"/>
-    <cs:fontRef idx="minor">
-      <a:schemeClr val="tx1">
-        <a:lumMod val="65000"/>
-        <a:lumOff val="35000"/>
-      </a:schemeClr>
-    </cs:fontRef>
-    <cs:defRPr sz="1197" kern="1200"/>
-  </cs:seriesAxis>
-  <cs:seriesLine>
-    <cs:lnRef idx="0"/>
-    <cs:fillRef idx="0"/>
-    <cs:effectRef idx="0"/>
-    <cs:fontRef idx="minor">
-      <a:schemeClr val="tx1"/>
-    </cs:fontRef>
-    <cs:spPr>
-      <a:ln w="9525" cap="flat" cmpd="sng" algn="ctr">
-        <a:solidFill>
-          <a:schemeClr val="tx1">
-            <a:lumMod val="35000"/>
-            <a:lumOff val="65000"/>
-          </a:schemeClr>
-        </a:solidFill>
-        <a:round/>
-      </a:ln>
-    </cs:spPr>
-  </cs:seriesLine>
-  <cs:title>
-    <cs:lnRef idx="0"/>
-    <cs:fillRef idx="0"/>
-    <cs:effectRef idx="0"/>
-    <cs:fontRef idx="minor">
-      <a:schemeClr val="tx1">
-        <a:lumMod val="65000"/>
-        <a:lumOff val="35000"/>
-      </a:schemeClr>
-    </cs:fontRef>
-    <cs:defRPr sz="1862" b="0" kern="1200" spc="0" baseline="0"/>
-  </cs:title>
-  <cs:trendline>
-    <cs:lnRef idx="0">
-      <cs:styleClr val="auto"/>
-    </cs:lnRef>
-    <cs:fillRef idx="0"/>
-    <cs:effectRef idx="0"/>
-    <cs:fontRef idx="minor">
-      <a:schemeClr val="tx1"/>
-    </cs:fontRef>
-    <cs:spPr>
-      <a:ln w="19050" cap="rnd">
-        <a:solidFill>
-          <a:schemeClr val="phClr"/>
-        </a:solidFill>
-        <a:prstDash val="sysDot"/>
-      </a:ln>
-    </cs:spPr>
-  </cs:trendline>
-  <cs:trendlineLabel>
-    <cs:lnRef idx="0"/>
-    <cs:fillRef idx="0"/>
-    <cs:effectRef idx="0"/>
-    <cs:fontRef idx="minor">
-      <a:schemeClr val="tx1">
-        <a:lumMod val="65000"/>
-        <a:lumOff val="35000"/>
-      </a:schemeClr>
-    </cs:fontRef>
-    <cs:defRPr sz="1197" kern="1200"/>
-  </cs:trendlineLabel>
-  <cs:upBar>
-    <cs:lnRef idx="0"/>
-    <cs:fillRef idx="0"/>
-    <cs:effectRef idx="0"/>
-    <cs:fontRef idx="minor">
-      <a:schemeClr val="tx1"/>
-    </cs:fontRef>
-    <cs:spPr>
-      <a:solidFill>
-        <a:schemeClr val="lt1"/>
-      </a:solidFill>
-      <a:ln w="9525" cap="flat" cmpd="sng" algn="ctr">
-        <a:solidFill>
-          <a:schemeClr val="tx1">
-            <a:lumMod val="65000"/>
-            <a:lumOff val="35000"/>
-          </a:schemeClr>
-        </a:solidFill>
-        <a:round/>
-      </a:ln>
-    </cs:spPr>
-  </cs:upBar>
-  <cs:valueAxis>
-    <cs:lnRef idx="0"/>
-    <cs:fillRef idx="0"/>
-    <cs:effectRef idx="0"/>
-    <cs:fontRef idx="minor">
-      <a:schemeClr val="tx1">
-        <a:lumMod val="65000"/>
-        <a:lumOff val="35000"/>
-      </a:schemeClr>
-    </cs:fontRef>
-    <cs:defRPr sz="1197" kern="1200"/>
-  </cs:valueAxis>
-  <cs:wall>
-    <cs:lnRef idx="0"/>
-    <cs:fillRef idx="0"/>
-    <cs:effectRef idx="0"/>
-    <cs:fontRef idx="minor">
-      <a:schemeClr val="tx1"/>
-    </cs:fontRef>
-    <cs:spPr>
-      <a:noFill/>
-      <a:ln>
-        <a:noFill/>
-      </a:ln>
-    </cs:spPr>
-  </cs:wall>
-</cs:chartStyle>
 </file>
 
 <file path=ppt/diagrams/colors1.xml><?xml version="1.0" encoding="utf-8"?>
@@ -3109,13 +2080,6 @@
     <dgm:pt modelId="{7E987B23-1FBF-934F-AE84-A1950824BC19}" type="pres">
       <dgm:prSet presAssocID="{92C21019-64F2-0A48-BD7D-7FDFDD8673B8}" presName="acctBkgd" presStyleLbl="alignAcc1" presStyleIdx="0" presStyleCnt="4"/>
       <dgm:spPr/>
-      <dgm:t>
-        <a:bodyPr/>
-        <a:lstStyle/>
-        <a:p>
-          <a:endParaRPr lang="de-DE"/>
-        </a:p>
-      </dgm:t>
     </dgm:pt>
     <dgm:pt modelId="{018B8698-0B3B-D540-A270-4559257B67AF}" type="pres">
       <dgm:prSet presAssocID="{92C21019-64F2-0A48-BD7D-7FDFDD8673B8}" presName="acctTx" presStyleLbl="alignAcc1" presStyleIdx="0" presStyleCnt="4">
@@ -3124,13 +2088,6 @@
         </dgm:presLayoutVars>
       </dgm:prSet>
       <dgm:spPr/>
-      <dgm:t>
-        <a:bodyPr/>
-        <a:lstStyle/>
-        <a:p>
-          <a:endParaRPr lang="de-DE"/>
-        </a:p>
-      </dgm:t>
     </dgm:pt>
     <dgm:pt modelId="{A9F61433-CB8A-8047-8082-C85308266DA6}" type="pres">
       <dgm:prSet presAssocID="{92C21019-64F2-0A48-BD7D-7FDFDD8673B8}" presName="level" presStyleLbl="node1" presStyleIdx="0" presStyleCnt="4">
@@ -3140,13 +2097,6 @@
         </dgm:presLayoutVars>
       </dgm:prSet>
       <dgm:spPr/>
-      <dgm:t>
-        <a:bodyPr/>
-        <a:lstStyle/>
-        <a:p>
-          <a:endParaRPr lang="de-DE"/>
-        </a:p>
-      </dgm:t>
     </dgm:pt>
     <dgm:pt modelId="{4D34D131-0121-2641-AF3E-C4A924B66906}" type="pres">
       <dgm:prSet presAssocID="{92C21019-64F2-0A48-BD7D-7FDFDD8673B8}" presName="levelTx" presStyleLbl="revTx" presStyleIdx="0" presStyleCnt="0">
@@ -3156,13 +2106,6 @@
         </dgm:presLayoutVars>
       </dgm:prSet>
       <dgm:spPr/>
-      <dgm:t>
-        <a:bodyPr/>
-        <a:lstStyle/>
-        <a:p>
-          <a:endParaRPr lang="de-DE"/>
-        </a:p>
-      </dgm:t>
     </dgm:pt>
     <dgm:pt modelId="{5E71FEFC-0AEF-6148-9B9A-CB806F178227}" type="pres">
       <dgm:prSet presAssocID="{51F1C30F-BC6D-964B-805C-7251FA337436}" presName="Name8" presStyleCnt="0"/>
@@ -3171,13 +2114,6 @@
     <dgm:pt modelId="{8D281AA3-EAE3-0045-A5A0-7223F2D67F92}" type="pres">
       <dgm:prSet presAssocID="{51F1C30F-BC6D-964B-805C-7251FA337436}" presName="acctBkgd" presStyleLbl="alignAcc1" presStyleIdx="1" presStyleCnt="4"/>
       <dgm:spPr/>
-      <dgm:t>
-        <a:bodyPr/>
-        <a:lstStyle/>
-        <a:p>
-          <a:endParaRPr lang="de-DE"/>
-        </a:p>
-      </dgm:t>
     </dgm:pt>
     <dgm:pt modelId="{E9BA28E7-8E28-DC4E-8CFA-4CB60151A223}" type="pres">
       <dgm:prSet presAssocID="{51F1C30F-BC6D-964B-805C-7251FA337436}" presName="acctTx" presStyleLbl="alignAcc1" presStyleIdx="1" presStyleCnt="4">
@@ -3186,13 +2122,6 @@
         </dgm:presLayoutVars>
       </dgm:prSet>
       <dgm:spPr/>
-      <dgm:t>
-        <a:bodyPr/>
-        <a:lstStyle/>
-        <a:p>
-          <a:endParaRPr lang="de-DE"/>
-        </a:p>
-      </dgm:t>
     </dgm:pt>
     <dgm:pt modelId="{6B11F3B5-2AD7-F54A-803F-23A8CC73E218}" type="pres">
       <dgm:prSet presAssocID="{51F1C30F-BC6D-964B-805C-7251FA337436}" presName="level" presStyleLbl="node1" presStyleIdx="1" presStyleCnt="4">
@@ -3202,13 +2131,6 @@
         </dgm:presLayoutVars>
       </dgm:prSet>
       <dgm:spPr/>
-      <dgm:t>
-        <a:bodyPr/>
-        <a:lstStyle/>
-        <a:p>
-          <a:endParaRPr lang="de-DE"/>
-        </a:p>
-      </dgm:t>
     </dgm:pt>
     <dgm:pt modelId="{48B723AD-B3BC-6C4A-BEC9-85FE6C47C9A8}" type="pres">
       <dgm:prSet presAssocID="{51F1C30F-BC6D-964B-805C-7251FA337436}" presName="levelTx" presStyleLbl="revTx" presStyleIdx="0" presStyleCnt="0">
@@ -3218,13 +2140,6 @@
         </dgm:presLayoutVars>
       </dgm:prSet>
       <dgm:spPr/>
-      <dgm:t>
-        <a:bodyPr/>
-        <a:lstStyle/>
-        <a:p>
-          <a:endParaRPr lang="de-DE"/>
-        </a:p>
-      </dgm:t>
     </dgm:pt>
     <dgm:pt modelId="{E3A7B8DF-2AB4-EF4B-A31D-63776D53F9A5}" type="pres">
       <dgm:prSet presAssocID="{95522B47-3477-C141-AFAA-3FD0434218F0}" presName="Name8" presStyleCnt="0"/>
@@ -3233,13 +2148,6 @@
     <dgm:pt modelId="{D77927C9-F46D-F245-BE2A-ABD276F67486}" type="pres">
       <dgm:prSet presAssocID="{95522B47-3477-C141-AFAA-3FD0434218F0}" presName="acctBkgd" presStyleLbl="alignAcc1" presStyleIdx="2" presStyleCnt="4"/>
       <dgm:spPr/>
-      <dgm:t>
-        <a:bodyPr/>
-        <a:lstStyle/>
-        <a:p>
-          <a:endParaRPr lang="de-DE"/>
-        </a:p>
-      </dgm:t>
     </dgm:pt>
     <dgm:pt modelId="{7CA8BB3D-EC27-DF4B-B646-4F05EA0EC76E}" type="pres">
       <dgm:prSet presAssocID="{95522B47-3477-C141-AFAA-3FD0434218F0}" presName="acctTx" presStyleLbl="alignAcc1" presStyleIdx="2" presStyleCnt="4">
@@ -3248,13 +2156,6 @@
         </dgm:presLayoutVars>
       </dgm:prSet>
       <dgm:spPr/>
-      <dgm:t>
-        <a:bodyPr/>
-        <a:lstStyle/>
-        <a:p>
-          <a:endParaRPr lang="de-DE"/>
-        </a:p>
-      </dgm:t>
     </dgm:pt>
     <dgm:pt modelId="{A8CB1A31-73B3-534A-A39D-2DE64F9500D0}" type="pres">
       <dgm:prSet presAssocID="{95522B47-3477-C141-AFAA-3FD0434218F0}" presName="level" presStyleLbl="node1" presStyleIdx="2" presStyleCnt="4">
@@ -3264,13 +2165,6 @@
         </dgm:presLayoutVars>
       </dgm:prSet>
       <dgm:spPr/>
-      <dgm:t>
-        <a:bodyPr/>
-        <a:lstStyle/>
-        <a:p>
-          <a:endParaRPr lang="de-DE"/>
-        </a:p>
-      </dgm:t>
     </dgm:pt>
     <dgm:pt modelId="{DF22608E-46D2-D64D-9F3F-99E16C8A152A}" type="pres">
       <dgm:prSet presAssocID="{95522B47-3477-C141-AFAA-3FD0434218F0}" presName="levelTx" presStyleLbl="revTx" presStyleIdx="0" presStyleCnt="0">
@@ -3280,13 +2174,6 @@
         </dgm:presLayoutVars>
       </dgm:prSet>
       <dgm:spPr/>
-      <dgm:t>
-        <a:bodyPr/>
-        <a:lstStyle/>
-        <a:p>
-          <a:endParaRPr lang="de-DE"/>
-        </a:p>
-      </dgm:t>
     </dgm:pt>
     <dgm:pt modelId="{BF33163F-9E3F-CB49-B9A9-63644BFD4A82}" type="pres">
       <dgm:prSet presAssocID="{D26D63A6-FB7D-0240-97D8-6615283E9E74}" presName="Name8" presStyleCnt="0"/>
@@ -3295,13 +2182,6 @@
     <dgm:pt modelId="{999FE6A6-E8B1-BB44-B941-3BC9347AA8FE}" type="pres">
       <dgm:prSet presAssocID="{D26D63A6-FB7D-0240-97D8-6615283E9E74}" presName="acctBkgd" presStyleLbl="alignAcc1" presStyleIdx="3" presStyleCnt="4"/>
       <dgm:spPr/>
-      <dgm:t>
-        <a:bodyPr/>
-        <a:lstStyle/>
-        <a:p>
-          <a:endParaRPr lang="de-DE"/>
-        </a:p>
-      </dgm:t>
     </dgm:pt>
     <dgm:pt modelId="{26251B07-6187-0C4B-902B-8F81E2C76F5A}" type="pres">
       <dgm:prSet presAssocID="{D26D63A6-FB7D-0240-97D8-6615283E9E74}" presName="acctTx" presStyleLbl="alignAcc1" presStyleIdx="3" presStyleCnt="4">
@@ -3310,13 +2190,6 @@
         </dgm:presLayoutVars>
       </dgm:prSet>
       <dgm:spPr/>
-      <dgm:t>
-        <a:bodyPr/>
-        <a:lstStyle/>
-        <a:p>
-          <a:endParaRPr lang="de-DE"/>
-        </a:p>
-      </dgm:t>
     </dgm:pt>
     <dgm:pt modelId="{2A0A634F-9A33-6544-B1F3-6BFFBF7806C4}" type="pres">
       <dgm:prSet presAssocID="{D26D63A6-FB7D-0240-97D8-6615283E9E74}" presName="level" presStyleLbl="node1" presStyleIdx="3" presStyleCnt="4">
@@ -3326,13 +2199,6 @@
         </dgm:presLayoutVars>
       </dgm:prSet>
       <dgm:spPr/>
-      <dgm:t>
-        <a:bodyPr/>
-        <a:lstStyle/>
-        <a:p>
-          <a:endParaRPr lang="de-DE"/>
-        </a:p>
-      </dgm:t>
     </dgm:pt>
     <dgm:pt modelId="{E68B17FE-F1BB-8B4E-B878-6C4CEBB5AB7C}" type="pres">
       <dgm:prSet presAssocID="{D26D63A6-FB7D-0240-97D8-6615283E9E74}" presName="levelTx" presStyleLbl="revTx" presStyleIdx="0" presStyleCnt="0">
@@ -3342,41 +2208,34 @@
         </dgm:presLayoutVars>
       </dgm:prSet>
       <dgm:spPr/>
-      <dgm:t>
-        <a:bodyPr/>
-        <a:lstStyle/>
-        <a:p>
-          <a:endParaRPr lang="de-DE"/>
-        </a:p>
-      </dgm:t>
     </dgm:pt>
   </dgm:ptLst>
   <dgm:cxnLst>
+    <dgm:cxn modelId="{1D8B7A02-969F-CF45-8699-77BD1E7D48F3}" type="presOf" srcId="{E3B96449-42AF-F148-8F67-EB889FB6512C}" destId="{8D281AA3-EAE3-0045-A5A0-7223F2D67F92}" srcOrd="0" destOrd="0" presId="urn:microsoft.com/office/officeart/2005/8/layout/pyramid1"/>
+    <dgm:cxn modelId="{71386A13-7EC1-004B-9EBD-37E3167C6D12}" type="presOf" srcId="{D26D63A6-FB7D-0240-97D8-6615283E9E74}" destId="{2A0A634F-9A33-6544-B1F3-6BFFBF7806C4}" srcOrd="0" destOrd="0" presId="urn:microsoft.com/office/officeart/2005/8/layout/pyramid1"/>
+    <dgm:cxn modelId="{627BF814-1DF4-6F44-ACBD-B39B7772361D}" type="presOf" srcId="{51F1C30F-BC6D-964B-805C-7251FA337436}" destId="{6B11F3B5-2AD7-F54A-803F-23A8CC73E218}" srcOrd="0" destOrd="0" presId="urn:microsoft.com/office/officeart/2005/8/layout/pyramid1"/>
+    <dgm:cxn modelId="{7B8EC030-0B4B-3F49-93CC-273FA493DEE6}" type="presOf" srcId="{54BB39A5-BC0D-3B45-B235-407F12CB716A}" destId="{26251B07-6187-0C4B-902B-8F81E2C76F5A}" srcOrd="1" destOrd="0" presId="urn:microsoft.com/office/officeart/2005/8/layout/pyramid1"/>
+    <dgm:cxn modelId="{2FE19B32-6313-E84C-8062-479A4E821B8B}" type="presOf" srcId="{51F1C30F-BC6D-964B-805C-7251FA337436}" destId="{48B723AD-B3BC-6C4A-BEC9-85FE6C47C9A8}" srcOrd="1" destOrd="0" presId="urn:microsoft.com/office/officeart/2005/8/layout/pyramid1"/>
+    <dgm:cxn modelId="{CD931F3B-724D-E94B-A36F-46CE2D24E813}" srcId="{52B83748-D356-8E4B-901B-689C881CB76E}" destId="{92C21019-64F2-0A48-BD7D-7FDFDD8673B8}" srcOrd="0" destOrd="0" parTransId="{CFFC1156-F014-ED4C-A89E-770AF591ECA4}" sibTransId="{9703F012-5FE8-834E-AD99-07FBC06FD25E}"/>
+    <dgm:cxn modelId="{8CE25D3E-3852-0647-B35F-AD06DFC609EB}" type="presOf" srcId="{92C21019-64F2-0A48-BD7D-7FDFDD8673B8}" destId="{4D34D131-0121-2641-AF3E-C4A924B66906}" srcOrd="1" destOrd="0" presId="urn:microsoft.com/office/officeart/2005/8/layout/pyramid1"/>
+    <dgm:cxn modelId="{389C8662-EA50-E548-927E-2B90779875DA}" type="presOf" srcId="{52B83748-D356-8E4B-901B-689C881CB76E}" destId="{B087545F-E550-464C-8013-DA49045A25FB}" srcOrd="0" destOrd="0" presId="urn:microsoft.com/office/officeart/2005/8/layout/pyramid1"/>
+    <dgm:cxn modelId="{C0DCFC6C-C5B3-A742-AD97-5E92FB86351D}" type="presOf" srcId="{86562535-CB87-E34D-8DAD-030AF61C8641}" destId="{018B8698-0B3B-D540-A270-4559257B67AF}" srcOrd="1" destOrd="0" presId="urn:microsoft.com/office/officeart/2005/8/layout/pyramid1"/>
+    <dgm:cxn modelId="{FE5D4574-3829-E849-A575-0E0B3845CA89}" type="presOf" srcId="{95522B47-3477-C141-AFAA-3FD0434218F0}" destId="{DF22608E-46D2-D64D-9F3F-99E16C8A152A}" srcOrd="1" destOrd="0" presId="urn:microsoft.com/office/officeart/2005/8/layout/pyramid1"/>
+    <dgm:cxn modelId="{24C3F674-5E6E-3A42-98C0-BB38B6F005A0}" srcId="{95522B47-3477-C141-AFAA-3FD0434218F0}" destId="{D2AA4A43-264F-8648-B9B2-CFED45AB96AB}" srcOrd="0" destOrd="0" parTransId="{474CA716-F6C1-7B45-8DAC-52B1A20AF057}" sibTransId="{10B6231A-D3E5-9248-B90E-44C8058A4611}"/>
+    <dgm:cxn modelId="{55DB5057-E167-0F4D-9C45-97536FB21FC5}" srcId="{92C21019-64F2-0A48-BD7D-7FDFDD8673B8}" destId="{86562535-CB87-E34D-8DAD-030AF61C8641}" srcOrd="0" destOrd="0" parTransId="{8E834B72-D6E0-FA42-B016-285DE2472A1B}" sibTransId="{955D2653-D915-ED40-80DB-1448DE6D629A}"/>
+    <dgm:cxn modelId="{E6B1AA86-CAC3-3949-AEA8-582395F83494}" srcId="{52B83748-D356-8E4B-901B-689C881CB76E}" destId="{95522B47-3477-C141-AFAA-3FD0434218F0}" srcOrd="2" destOrd="0" parTransId="{DFBFE72D-52F8-F54E-9F32-235413E7185E}" sibTransId="{B3DE6D2F-29BD-8247-9BF7-96EB91225252}"/>
+    <dgm:cxn modelId="{9A721D8F-3AAB-9141-84E7-9B39BE271760}" type="presOf" srcId="{D2AA4A43-264F-8648-B9B2-CFED45AB96AB}" destId="{D77927C9-F46D-F245-BE2A-ABD276F67486}" srcOrd="0" destOrd="0" presId="urn:microsoft.com/office/officeart/2005/8/layout/pyramid1"/>
+    <dgm:cxn modelId="{502CE793-7F02-AA47-9CE6-FDC1E7427C22}" type="presOf" srcId="{86562535-CB87-E34D-8DAD-030AF61C8641}" destId="{7E987B23-1FBF-934F-AE84-A1950824BC19}" srcOrd="0" destOrd="0" presId="urn:microsoft.com/office/officeart/2005/8/layout/pyramid1"/>
     <dgm:cxn modelId="{E97A5C97-0681-864D-8A3C-14A82006E75D}" srcId="{51F1C30F-BC6D-964B-805C-7251FA337436}" destId="{E3B96449-42AF-F148-8F67-EB889FB6512C}" srcOrd="0" destOrd="0" parTransId="{B5FCD191-7AD4-B448-88CE-82D53C569F1C}" sibTransId="{13F26C4E-C59A-774E-8760-E5E040AFEC23}"/>
+    <dgm:cxn modelId="{86DBF4A1-E75F-914F-BDB4-267F893AF406}" type="presOf" srcId="{54BB39A5-BC0D-3B45-B235-407F12CB716A}" destId="{999FE6A6-E8B1-BB44-B941-3BC9347AA8FE}" srcOrd="0" destOrd="0" presId="urn:microsoft.com/office/officeart/2005/8/layout/pyramid1"/>
+    <dgm:cxn modelId="{DBBF9DA3-28E7-7C42-84A2-4562B85A7E17}" type="presOf" srcId="{95522B47-3477-C141-AFAA-3FD0434218F0}" destId="{A8CB1A31-73B3-534A-A39D-2DE64F9500D0}" srcOrd="0" destOrd="0" presId="urn:microsoft.com/office/officeart/2005/8/layout/pyramid1"/>
+    <dgm:cxn modelId="{EA7A61B1-4190-0B40-AE07-15097723928E}" type="presOf" srcId="{D2AA4A43-264F-8648-B9B2-CFED45AB96AB}" destId="{7CA8BB3D-EC27-DF4B-B646-4F05EA0EC76E}" srcOrd="1" destOrd="0" presId="urn:microsoft.com/office/officeart/2005/8/layout/pyramid1"/>
+    <dgm:cxn modelId="{DC60B0B8-DA17-4A4F-989C-BA209B87140B}" type="presOf" srcId="{D26D63A6-FB7D-0240-97D8-6615283E9E74}" destId="{E68B17FE-F1BB-8B4E-B878-6C4CEBB5AB7C}" srcOrd="1" destOrd="0" presId="urn:microsoft.com/office/officeart/2005/8/layout/pyramid1"/>
+    <dgm:cxn modelId="{45E5BCC5-B613-8F47-9D41-F55D9A2F034E}" srcId="{52B83748-D356-8E4B-901B-689C881CB76E}" destId="{D26D63A6-FB7D-0240-97D8-6615283E9E74}" srcOrd="3" destOrd="0" parTransId="{5479B260-1F67-9E43-BC62-5CD5ECE50579}" sibTransId="{CD96E1A7-72A0-D945-B269-B382626CF372}"/>
     <dgm:cxn modelId="{EBFDDAD3-5806-1448-A843-A19FFE20FB5A}" type="presOf" srcId="{92C21019-64F2-0A48-BD7D-7FDFDD8673B8}" destId="{A9F61433-CB8A-8047-8082-C85308266DA6}" srcOrd="0" destOrd="0" presId="urn:microsoft.com/office/officeart/2005/8/layout/pyramid1"/>
-    <dgm:cxn modelId="{DC60B0B8-DA17-4A4F-989C-BA209B87140B}" type="presOf" srcId="{D26D63A6-FB7D-0240-97D8-6615283E9E74}" destId="{E68B17FE-F1BB-8B4E-B878-6C4CEBB5AB7C}" srcOrd="1" destOrd="0" presId="urn:microsoft.com/office/officeart/2005/8/layout/pyramid1"/>
-    <dgm:cxn modelId="{211DC5FE-E8F6-E641-82FB-5EBA978E76D0}" srcId="{52B83748-D356-8E4B-901B-689C881CB76E}" destId="{51F1C30F-BC6D-964B-805C-7251FA337436}" srcOrd="1" destOrd="0" parTransId="{A57266B8-A1C1-1B41-A949-12337937A6C8}" sibTransId="{C79C864C-4DC6-7443-A73D-93284B5B0F3A}"/>
     <dgm:cxn modelId="{52297CD7-8089-D24E-B92B-08B2B0849FA7}" srcId="{D26D63A6-FB7D-0240-97D8-6615283E9E74}" destId="{54BB39A5-BC0D-3B45-B235-407F12CB716A}" srcOrd="0" destOrd="0" parTransId="{6BE7F2BC-7853-2844-BD56-AB5ED85CCB6B}" sibTransId="{984FBD6F-6A42-B741-BB79-BB20B9D4D83F}"/>
     <dgm:cxn modelId="{112C46F9-DC31-A24F-A8F9-6809E192320C}" type="presOf" srcId="{E3B96449-42AF-F148-8F67-EB889FB6512C}" destId="{E9BA28E7-8E28-DC4E-8CFA-4CB60151A223}" srcOrd="1" destOrd="0" presId="urn:microsoft.com/office/officeart/2005/8/layout/pyramid1"/>
-    <dgm:cxn modelId="{E6B1AA86-CAC3-3949-AEA8-582395F83494}" srcId="{52B83748-D356-8E4B-901B-689C881CB76E}" destId="{95522B47-3477-C141-AFAA-3FD0434218F0}" srcOrd="2" destOrd="0" parTransId="{DFBFE72D-52F8-F54E-9F32-235413E7185E}" sibTransId="{B3DE6D2F-29BD-8247-9BF7-96EB91225252}"/>
-    <dgm:cxn modelId="{627BF814-1DF4-6F44-ACBD-B39B7772361D}" type="presOf" srcId="{51F1C30F-BC6D-964B-805C-7251FA337436}" destId="{6B11F3B5-2AD7-F54A-803F-23A8CC73E218}" srcOrd="0" destOrd="0" presId="urn:microsoft.com/office/officeart/2005/8/layout/pyramid1"/>
-    <dgm:cxn modelId="{9A721D8F-3AAB-9141-84E7-9B39BE271760}" type="presOf" srcId="{D2AA4A43-264F-8648-B9B2-CFED45AB96AB}" destId="{D77927C9-F46D-F245-BE2A-ABD276F67486}" srcOrd="0" destOrd="0" presId="urn:microsoft.com/office/officeart/2005/8/layout/pyramid1"/>
-    <dgm:cxn modelId="{45E5BCC5-B613-8F47-9D41-F55D9A2F034E}" srcId="{52B83748-D356-8E4B-901B-689C881CB76E}" destId="{D26D63A6-FB7D-0240-97D8-6615283E9E74}" srcOrd="3" destOrd="0" parTransId="{5479B260-1F67-9E43-BC62-5CD5ECE50579}" sibTransId="{CD96E1A7-72A0-D945-B269-B382626CF372}"/>
-    <dgm:cxn modelId="{FE5D4574-3829-E849-A575-0E0B3845CA89}" type="presOf" srcId="{95522B47-3477-C141-AFAA-3FD0434218F0}" destId="{DF22608E-46D2-D64D-9F3F-99E16C8A152A}" srcOrd="1" destOrd="0" presId="urn:microsoft.com/office/officeart/2005/8/layout/pyramid1"/>
-    <dgm:cxn modelId="{502CE793-7F02-AA47-9CE6-FDC1E7427C22}" type="presOf" srcId="{86562535-CB87-E34D-8DAD-030AF61C8641}" destId="{7E987B23-1FBF-934F-AE84-A1950824BC19}" srcOrd="0" destOrd="0" presId="urn:microsoft.com/office/officeart/2005/8/layout/pyramid1"/>
-    <dgm:cxn modelId="{7B8EC030-0B4B-3F49-93CC-273FA493DEE6}" type="presOf" srcId="{54BB39A5-BC0D-3B45-B235-407F12CB716A}" destId="{26251B07-6187-0C4B-902B-8F81E2C76F5A}" srcOrd="1" destOrd="0" presId="urn:microsoft.com/office/officeart/2005/8/layout/pyramid1"/>
-    <dgm:cxn modelId="{C0DCFC6C-C5B3-A742-AD97-5E92FB86351D}" type="presOf" srcId="{86562535-CB87-E34D-8DAD-030AF61C8641}" destId="{018B8698-0B3B-D540-A270-4559257B67AF}" srcOrd="1" destOrd="0" presId="urn:microsoft.com/office/officeart/2005/8/layout/pyramid1"/>
-    <dgm:cxn modelId="{86DBF4A1-E75F-914F-BDB4-267F893AF406}" type="presOf" srcId="{54BB39A5-BC0D-3B45-B235-407F12CB716A}" destId="{999FE6A6-E8B1-BB44-B941-3BC9347AA8FE}" srcOrd="0" destOrd="0" presId="urn:microsoft.com/office/officeart/2005/8/layout/pyramid1"/>
-    <dgm:cxn modelId="{2FE19B32-6313-E84C-8062-479A4E821B8B}" type="presOf" srcId="{51F1C30F-BC6D-964B-805C-7251FA337436}" destId="{48B723AD-B3BC-6C4A-BEC9-85FE6C47C9A8}" srcOrd="1" destOrd="0" presId="urn:microsoft.com/office/officeart/2005/8/layout/pyramid1"/>
-    <dgm:cxn modelId="{CD931F3B-724D-E94B-A36F-46CE2D24E813}" srcId="{52B83748-D356-8E4B-901B-689C881CB76E}" destId="{92C21019-64F2-0A48-BD7D-7FDFDD8673B8}" srcOrd="0" destOrd="0" parTransId="{CFFC1156-F014-ED4C-A89E-770AF591ECA4}" sibTransId="{9703F012-5FE8-834E-AD99-07FBC06FD25E}"/>
-    <dgm:cxn modelId="{24C3F674-5E6E-3A42-98C0-BB38B6F005A0}" srcId="{95522B47-3477-C141-AFAA-3FD0434218F0}" destId="{D2AA4A43-264F-8648-B9B2-CFED45AB96AB}" srcOrd="0" destOrd="0" parTransId="{474CA716-F6C1-7B45-8DAC-52B1A20AF057}" sibTransId="{10B6231A-D3E5-9248-B90E-44C8058A4611}"/>
-    <dgm:cxn modelId="{55DB5057-E167-0F4D-9C45-97536FB21FC5}" srcId="{92C21019-64F2-0A48-BD7D-7FDFDD8673B8}" destId="{86562535-CB87-E34D-8DAD-030AF61C8641}" srcOrd="0" destOrd="0" parTransId="{8E834B72-D6E0-FA42-B016-285DE2472A1B}" sibTransId="{955D2653-D915-ED40-80DB-1448DE6D629A}"/>
-    <dgm:cxn modelId="{DBBF9DA3-28E7-7C42-84A2-4562B85A7E17}" type="presOf" srcId="{95522B47-3477-C141-AFAA-3FD0434218F0}" destId="{A8CB1A31-73B3-534A-A39D-2DE64F9500D0}" srcOrd="0" destOrd="0" presId="urn:microsoft.com/office/officeart/2005/8/layout/pyramid1"/>
-    <dgm:cxn modelId="{EA7A61B1-4190-0B40-AE07-15097723928E}" type="presOf" srcId="{D2AA4A43-264F-8648-B9B2-CFED45AB96AB}" destId="{7CA8BB3D-EC27-DF4B-B646-4F05EA0EC76E}" srcOrd="1" destOrd="0" presId="urn:microsoft.com/office/officeart/2005/8/layout/pyramid1"/>
-    <dgm:cxn modelId="{8CE25D3E-3852-0647-B35F-AD06DFC609EB}" type="presOf" srcId="{92C21019-64F2-0A48-BD7D-7FDFDD8673B8}" destId="{4D34D131-0121-2641-AF3E-C4A924B66906}" srcOrd="1" destOrd="0" presId="urn:microsoft.com/office/officeart/2005/8/layout/pyramid1"/>
-    <dgm:cxn modelId="{389C8662-EA50-E548-927E-2B90779875DA}" type="presOf" srcId="{52B83748-D356-8E4B-901B-689C881CB76E}" destId="{B087545F-E550-464C-8013-DA49045A25FB}" srcOrd="0" destOrd="0" presId="urn:microsoft.com/office/officeart/2005/8/layout/pyramid1"/>
-    <dgm:cxn modelId="{71386A13-7EC1-004B-9EBD-37E3167C6D12}" type="presOf" srcId="{D26D63A6-FB7D-0240-97D8-6615283E9E74}" destId="{2A0A634F-9A33-6544-B1F3-6BFFBF7806C4}" srcOrd="0" destOrd="0" presId="urn:microsoft.com/office/officeart/2005/8/layout/pyramid1"/>
-    <dgm:cxn modelId="{1D8B7A02-969F-CF45-8699-77BD1E7D48F3}" type="presOf" srcId="{E3B96449-42AF-F148-8F67-EB889FB6512C}" destId="{8D281AA3-EAE3-0045-A5A0-7223F2D67F92}" srcOrd="0" destOrd="0" presId="urn:microsoft.com/office/officeart/2005/8/layout/pyramid1"/>
+    <dgm:cxn modelId="{211DC5FE-E8F6-E641-82FB-5EBA978E76D0}" srcId="{52B83748-D356-8E4B-901B-689C881CB76E}" destId="{51F1C30F-BC6D-964B-805C-7251FA337436}" srcOrd="1" destOrd="0" parTransId="{A57266B8-A1C1-1B41-A949-12337937A6C8}" sibTransId="{C79C864C-4DC6-7443-A73D-93284B5B0F3A}"/>
     <dgm:cxn modelId="{1140912D-454D-3140-B36C-3D051227A737}" type="presParOf" srcId="{B087545F-E550-464C-8013-DA49045A25FB}" destId="{1BE0FB69-2C40-A646-8F48-6CA9A4A163F8}" srcOrd="0" destOrd="0" presId="urn:microsoft.com/office/officeart/2005/8/layout/pyramid1"/>
     <dgm:cxn modelId="{123CB294-32AD-A848-BECE-3620CB2030FC}" type="presParOf" srcId="{1BE0FB69-2C40-A646-8F48-6CA9A4A163F8}" destId="{7E987B23-1FBF-934F-AE84-A1950824BC19}" srcOrd="0" destOrd="0" presId="urn:microsoft.com/office/officeart/2005/8/layout/pyramid1"/>
     <dgm:cxn modelId="{8FD2DC62-457F-BC42-85F0-06289DDC0FFD}" type="presParOf" srcId="{1BE0FB69-2C40-A646-8F48-6CA9A4A163F8}" destId="{018B8698-0B3B-D540-A270-4559257B67AF}" srcOrd="1" destOrd="0" presId="urn:microsoft.com/office/officeart/2005/8/layout/pyramid1"/>
@@ -3402,7 +2261,7 @@
   <dgm:whole/>
   <dgm:extLst>
     <a:ext uri="http://schemas.microsoft.com/office/drawing/2008/diagram">
-      <dsp:dataModelExt xmlns:dsp="http://schemas.microsoft.com/office/drawing/2008/diagram" xmlns="" relId="rId6" minVer="http://schemas.openxmlformats.org/drawingml/2006/diagram"/>
+      <dsp:dataModelExt xmlns:dsp="http://schemas.microsoft.com/office/drawing/2008/diagram" relId="rId6" minVer="http://schemas.openxmlformats.org/drawingml/2006/diagram"/>
     </a:ext>
   </dgm:extLst>
 </dgm:dataModel>
@@ -5339,6 +4198,533 @@
 </dgm:styleDef>
 </file>
 
+<file path=ppt/notesMasters/notesMaster1.xml><?xml version="1.0" encoding="utf-8"?>
+<p:notesMaster xmlns:a="http://schemas.openxmlformats.org/drawingml/2006/main" xmlns:r="http://schemas.openxmlformats.org/officeDocument/2006/relationships" xmlns:p="http://schemas.openxmlformats.org/presentationml/2006/main">
+  <p:cSld>
+    <p:bg>
+      <p:bgRef idx="1001">
+        <a:schemeClr val="bg1"/>
+      </p:bgRef>
+    </p:bg>
+    <p:spTree>
+      <p:nvGrpSpPr>
+        <p:cNvPr id="1" name=""/>
+        <p:cNvGrpSpPr/>
+        <p:nvPr/>
+      </p:nvGrpSpPr>
+      <p:grpSpPr>
+        <a:xfrm>
+          <a:off x="0" y="0"/>
+          <a:ext cx="0" cy="0"/>
+          <a:chOff x="0" y="0"/>
+          <a:chExt cx="0" cy="0"/>
+        </a:xfrm>
+      </p:grpSpPr>
+      <p:sp>
+        <p:nvSpPr>
+          <p:cNvPr id="2" name="Kopfzeilenplatzhalter 1"/>
+          <p:cNvSpPr>
+            <a:spLocks noGrp="1"/>
+          </p:cNvSpPr>
+          <p:nvPr>
+            <p:ph type="hdr" sz="quarter"/>
+          </p:nvPr>
+        </p:nvSpPr>
+        <p:spPr>
+          <a:xfrm>
+            <a:off x="0" y="0"/>
+            <a:ext cx="2971800" cy="458788"/>
+          </a:xfrm>
+          <a:prstGeom prst="rect">
+            <a:avLst/>
+          </a:prstGeom>
+        </p:spPr>
+        <p:txBody>
+          <a:bodyPr vert="horz" lIns="91440" tIns="45720" rIns="91440" bIns="45720" rtlCol="0"/>
+          <a:lstStyle>
+            <a:lvl1pPr algn="l">
+              <a:defRPr sz="1200"/>
+            </a:lvl1pPr>
+          </a:lstStyle>
+          <a:p>
+            <a:endParaRPr lang="de-DE"/>
+          </a:p>
+        </p:txBody>
+      </p:sp>
+      <p:sp>
+        <p:nvSpPr>
+          <p:cNvPr id="3" name="Datumsplatzhalter 2"/>
+          <p:cNvSpPr>
+            <a:spLocks noGrp="1"/>
+          </p:cNvSpPr>
+          <p:nvPr>
+            <p:ph type="dt" idx="1"/>
+          </p:nvPr>
+        </p:nvSpPr>
+        <p:spPr>
+          <a:xfrm>
+            <a:off x="3884613" y="0"/>
+            <a:ext cx="2971800" cy="458788"/>
+          </a:xfrm>
+          <a:prstGeom prst="rect">
+            <a:avLst/>
+          </a:prstGeom>
+        </p:spPr>
+        <p:txBody>
+          <a:bodyPr vert="horz" lIns="91440" tIns="45720" rIns="91440" bIns="45720" rtlCol="0"/>
+          <a:lstStyle>
+            <a:lvl1pPr algn="r">
+              <a:defRPr sz="1200"/>
+            </a:lvl1pPr>
+          </a:lstStyle>
+          <a:p>
+            <a:fld id="{943B4DA7-281E-4EE6-804A-56F379FC019E}" type="datetimeFigureOut">
+              <a:rPr lang="de-DE" smtClean="0"/>
+              <a:t>17.09.2018</a:t>
+            </a:fld>
+            <a:endParaRPr lang="de-DE"/>
+          </a:p>
+        </p:txBody>
+      </p:sp>
+      <p:sp>
+        <p:nvSpPr>
+          <p:cNvPr id="4" name="Folienbildplatzhalter 3"/>
+          <p:cNvSpPr>
+            <a:spLocks noGrp="1" noRot="1" noChangeAspect="1"/>
+          </p:cNvSpPr>
+          <p:nvPr>
+            <p:ph type="sldImg" idx="2"/>
+          </p:nvPr>
+        </p:nvSpPr>
+        <p:spPr>
+          <a:xfrm>
+            <a:off x="1371600" y="1143000"/>
+            <a:ext cx="4114800" cy="3086100"/>
+          </a:xfrm>
+          <a:prstGeom prst="rect">
+            <a:avLst/>
+          </a:prstGeom>
+          <a:noFill/>
+          <a:ln w="12700">
+            <a:solidFill>
+              <a:prstClr val="black"/>
+            </a:solidFill>
+          </a:ln>
+        </p:spPr>
+        <p:txBody>
+          <a:bodyPr vert="horz" lIns="91440" tIns="45720" rIns="91440" bIns="45720" rtlCol="0" anchor="ctr"/>
+          <a:lstStyle/>
+          <a:p>
+            <a:endParaRPr lang="de-DE"/>
+          </a:p>
+        </p:txBody>
+      </p:sp>
+      <p:sp>
+        <p:nvSpPr>
+          <p:cNvPr id="5" name="Notizenplatzhalter 4"/>
+          <p:cNvSpPr>
+            <a:spLocks noGrp="1"/>
+          </p:cNvSpPr>
+          <p:nvPr>
+            <p:ph type="body" sz="quarter" idx="3"/>
+          </p:nvPr>
+        </p:nvSpPr>
+        <p:spPr>
+          <a:xfrm>
+            <a:off x="685800" y="4400550"/>
+            <a:ext cx="5486400" cy="3600450"/>
+          </a:xfrm>
+          <a:prstGeom prst="rect">
+            <a:avLst/>
+          </a:prstGeom>
+        </p:spPr>
+        <p:txBody>
+          <a:bodyPr vert="horz" lIns="91440" tIns="45720" rIns="91440" bIns="45720" rtlCol="0"/>
+          <a:lstStyle/>
+          <a:p>
+            <a:pPr lvl="0"/>
+            <a:r>
+              <a:rPr lang="de-DE"/>
+              <a:t>Mastertextformat bearbeiten</a:t>
+            </a:r>
+          </a:p>
+          <a:p>
+            <a:pPr lvl="1"/>
+            <a:r>
+              <a:rPr lang="de-DE"/>
+              <a:t>Zweite Ebene</a:t>
+            </a:r>
+          </a:p>
+          <a:p>
+            <a:pPr lvl="2"/>
+            <a:r>
+              <a:rPr lang="de-DE"/>
+              <a:t>Dritte Ebene</a:t>
+            </a:r>
+          </a:p>
+          <a:p>
+            <a:pPr lvl="3"/>
+            <a:r>
+              <a:rPr lang="de-DE"/>
+              <a:t>Vierte Ebene</a:t>
+            </a:r>
+          </a:p>
+          <a:p>
+            <a:pPr lvl="4"/>
+            <a:r>
+              <a:rPr lang="de-DE"/>
+              <a:t>Fünfte Ebene</a:t>
+            </a:r>
+          </a:p>
+        </p:txBody>
+      </p:sp>
+      <p:sp>
+        <p:nvSpPr>
+          <p:cNvPr id="6" name="Fußzeilenplatzhalter 5"/>
+          <p:cNvSpPr>
+            <a:spLocks noGrp="1"/>
+          </p:cNvSpPr>
+          <p:nvPr>
+            <p:ph type="ftr" sz="quarter" idx="4"/>
+          </p:nvPr>
+        </p:nvSpPr>
+        <p:spPr>
+          <a:xfrm>
+            <a:off x="0" y="8685213"/>
+            <a:ext cx="2971800" cy="458787"/>
+          </a:xfrm>
+          <a:prstGeom prst="rect">
+            <a:avLst/>
+          </a:prstGeom>
+        </p:spPr>
+        <p:txBody>
+          <a:bodyPr vert="horz" lIns="91440" tIns="45720" rIns="91440" bIns="45720" rtlCol="0" anchor="b"/>
+          <a:lstStyle>
+            <a:lvl1pPr algn="l">
+              <a:defRPr sz="1200"/>
+            </a:lvl1pPr>
+          </a:lstStyle>
+          <a:p>
+            <a:endParaRPr lang="de-DE"/>
+          </a:p>
+        </p:txBody>
+      </p:sp>
+      <p:sp>
+        <p:nvSpPr>
+          <p:cNvPr id="7" name="Foliennummernplatzhalter 6"/>
+          <p:cNvSpPr>
+            <a:spLocks noGrp="1"/>
+          </p:cNvSpPr>
+          <p:nvPr>
+            <p:ph type="sldNum" sz="quarter" idx="5"/>
+          </p:nvPr>
+        </p:nvSpPr>
+        <p:spPr>
+          <a:xfrm>
+            <a:off x="3884613" y="8685213"/>
+            <a:ext cx="2971800" cy="458787"/>
+          </a:xfrm>
+          <a:prstGeom prst="rect">
+            <a:avLst/>
+          </a:prstGeom>
+        </p:spPr>
+        <p:txBody>
+          <a:bodyPr vert="horz" lIns="91440" tIns="45720" rIns="91440" bIns="45720" rtlCol="0" anchor="b"/>
+          <a:lstStyle>
+            <a:lvl1pPr algn="r">
+              <a:defRPr sz="1200"/>
+            </a:lvl1pPr>
+          </a:lstStyle>
+          <a:p>
+            <a:fld id="{11E06177-BAEC-4F1A-B0D1-6A04DEDD7055}" type="slidenum">
+              <a:rPr lang="de-DE" smtClean="0"/>
+              <a:t>‹Nr.›</a:t>
+            </a:fld>
+            <a:endParaRPr lang="de-DE"/>
+          </a:p>
+        </p:txBody>
+      </p:sp>
+    </p:spTree>
+    <p:extLst>
+      <p:ext uri="{BB962C8B-B14F-4D97-AF65-F5344CB8AC3E}">
+        <p14:creationId xmlns:p14="http://schemas.microsoft.com/office/powerpoint/2010/main" val="455812744"/>
+      </p:ext>
+    </p:extLst>
+  </p:cSld>
+  <p:clrMap bg1="lt1" tx1="dk1" bg2="lt2" tx2="dk2" accent1="accent1" accent2="accent2" accent3="accent3" accent4="accent4" accent5="accent5" accent6="accent6" hlink="hlink" folHlink="folHlink"/>
+  <p:notesStyle>
+    <a:lvl1pPr marL="0" algn="l" defTabSz="914400" rtl="0" eaLnBrk="1" latinLnBrk="0" hangingPunct="1">
+      <a:defRPr sz="1200" kern="1200">
+        <a:solidFill>
+          <a:schemeClr val="tx1"/>
+        </a:solidFill>
+        <a:latin typeface="+mn-lt"/>
+        <a:ea typeface="+mn-ea"/>
+        <a:cs typeface="+mn-cs"/>
+      </a:defRPr>
+    </a:lvl1pPr>
+    <a:lvl2pPr marL="457200" algn="l" defTabSz="914400" rtl="0" eaLnBrk="1" latinLnBrk="0" hangingPunct="1">
+      <a:defRPr sz="1200" kern="1200">
+        <a:solidFill>
+          <a:schemeClr val="tx1"/>
+        </a:solidFill>
+        <a:latin typeface="+mn-lt"/>
+        <a:ea typeface="+mn-ea"/>
+        <a:cs typeface="+mn-cs"/>
+      </a:defRPr>
+    </a:lvl2pPr>
+    <a:lvl3pPr marL="914400" algn="l" defTabSz="914400" rtl="0" eaLnBrk="1" latinLnBrk="0" hangingPunct="1">
+      <a:defRPr sz="1200" kern="1200">
+        <a:solidFill>
+          <a:schemeClr val="tx1"/>
+        </a:solidFill>
+        <a:latin typeface="+mn-lt"/>
+        <a:ea typeface="+mn-ea"/>
+        <a:cs typeface="+mn-cs"/>
+      </a:defRPr>
+    </a:lvl3pPr>
+    <a:lvl4pPr marL="1371600" algn="l" defTabSz="914400" rtl="0" eaLnBrk="1" latinLnBrk="0" hangingPunct="1">
+      <a:defRPr sz="1200" kern="1200">
+        <a:solidFill>
+          <a:schemeClr val="tx1"/>
+        </a:solidFill>
+        <a:latin typeface="+mn-lt"/>
+        <a:ea typeface="+mn-ea"/>
+        <a:cs typeface="+mn-cs"/>
+      </a:defRPr>
+    </a:lvl4pPr>
+    <a:lvl5pPr marL="1828800" algn="l" defTabSz="914400" rtl="0" eaLnBrk="1" latinLnBrk="0" hangingPunct="1">
+      <a:defRPr sz="1200" kern="1200">
+        <a:solidFill>
+          <a:schemeClr val="tx1"/>
+        </a:solidFill>
+        <a:latin typeface="+mn-lt"/>
+        <a:ea typeface="+mn-ea"/>
+        <a:cs typeface="+mn-cs"/>
+      </a:defRPr>
+    </a:lvl5pPr>
+    <a:lvl6pPr marL="2286000" algn="l" defTabSz="914400" rtl="0" eaLnBrk="1" latinLnBrk="0" hangingPunct="1">
+      <a:defRPr sz="1200" kern="1200">
+        <a:solidFill>
+          <a:schemeClr val="tx1"/>
+        </a:solidFill>
+        <a:latin typeface="+mn-lt"/>
+        <a:ea typeface="+mn-ea"/>
+        <a:cs typeface="+mn-cs"/>
+      </a:defRPr>
+    </a:lvl6pPr>
+    <a:lvl7pPr marL="2743200" algn="l" defTabSz="914400" rtl="0" eaLnBrk="1" latinLnBrk="0" hangingPunct="1">
+      <a:defRPr sz="1200" kern="1200">
+        <a:solidFill>
+          <a:schemeClr val="tx1"/>
+        </a:solidFill>
+        <a:latin typeface="+mn-lt"/>
+        <a:ea typeface="+mn-ea"/>
+        <a:cs typeface="+mn-cs"/>
+      </a:defRPr>
+    </a:lvl7pPr>
+    <a:lvl8pPr marL="3200400" algn="l" defTabSz="914400" rtl="0" eaLnBrk="1" latinLnBrk="0" hangingPunct="1">
+      <a:defRPr sz="1200" kern="1200">
+        <a:solidFill>
+          <a:schemeClr val="tx1"/>
+        </a:solidFill>
+        <a:latin typeface="+mn-lt"/>
+        <a:ea typeface="+mn-ea"/>
+        <a:cs typeface="+mn-cs"/>
+      </a:defRPr>
+    </a:lvl8pPr>
+    <a:lvl9pPr marL="3657600" algn="l" defTabSz="914400" rtl="0" eaLnBrk="1" latinLnBrk="0" hangingPunct="1">
+      <a:defRPr sz="1200" kern="1200">
+        <a:solidFill>
+          <a:schemeClr val="tx1"/>
+        </a:solidFill>
+        <a:latin typeface="+mn-lt"/>
+        <a:ea typeface="+mn-ea"/>
+        <a:cs typeface="+mn-cs"/>
+      </a:defRPr>
+    </a:lvl9pPr>
+  </p:notesStyle>
+</p:notesMaster>
+</file>
+
+<file path=ppt/notesSlides/notesSlide1.xml><?xml version="1.0" encoding="utf-8"?>
+<p:notes xmlns:a="http://schemas.openxmlformats.org/drawingml/2006/main" xmlns:r="http://schemas.openxmlformats.org/officeDocument/2006/relationships" xmlns:p="http://schemas.openxmlformats.org/presentationml/2006/main">
+  <p:cSld>
+    <p:spTree>
+      <p:nvGrpSpPr>
+        <p:cNvPr id="1" name=""/>
+        <p:cNvGrpSpPr/>
+        <p:nvPr/>
+      </p:nvGrpSpPr>
+      <p:grpSpPr>
+        <a:xfrm>
+          <a:off x="0" y="0"/>
+          <a:ext cx="0" cy="0"/>
+          <a:chOff x="0" y="0"/>
+          <a:chExt cx="0" cy="0"/>
+        </a:xfrm>
+      </p:grpSpPr>
+      <p:sp>
+        <p:nvSpPr>
+          <p:cNvPr id="2" name="Folienbildplatzhalter 1"/>
+          <p:cNvSpPr>
+            <a:spLocks noGrp="1" noRot="1" noChangeAspect="1"/>
+          </p:cNvSpPr>
+          <p:nvPr>
+            <p:ph type="sldImg"/>
+          </p:nvPr>
+        </p:nvSpPr>
+        <p:spPr/>
+      </p:sp>
+      <p:sp>
+        <p:nvSpPr>
+          <p:cNvPr id="3" name="Notizenplatzhalter 2"/>
+          <p:cNvSpPr>
+            <a:spLocks noGrp="1"/>
+          </p:cNvSpPr>
+          <p:nvPr>
+            <p:ph type="body" idx="1"/>
+          </p:nvPr>
+        </p:nvSpPr>
+        <p:spPr/>
+        <p:txBody>
+          <a:bodyPr>
+            <a:normAutofit/>
+          </a:bodyPr>
+          <a:lstStyle/>
+          <a:p>
+            <a:r>
+              <a:rPr lang="de-DE" dirty="0"/>
+              <a:t>Wir haben versucht die Arbeit aufzuteilen dass es nicht zyklisch aneinander</a:t>
+            </a:r>
+            <a:r>
+              <a:rPr lang="de-DE" baseline="0" dirty="0"/>
+              <a:t> abhängig ist, indem wir nicht nach </a:t>
+            </a:r>
+            <a:r>
+              <a:rPr lang="de-DE" baseline="0" dirty="0" err="1"/>
+              <a:t>Packages</a:t>
+            </a:r>
+            <a:r>
+              <a:rPr lang="de-DE" baseline="0" dirty="0"/>
+              <a:t> aber nach Funktionen und zusammenhängende Brocken von der </a:t>
+            </a:r>
+            <a:r>
+              <a:rPr lang="de-DE" baseline="0" dirty="0" err="1"/>
+              <a:t>App</a:t>
+            </a:r>
+            <a:r>
+              <a:rPr lang="de-DE" baseline="0" dirty="0"/>
+              <a:t> aufgeteilt haben.</a:t>
+            </a:r>
+          </a:p>
+          <a:p>
+            <a:endParaRPr lang="de-DE" baseline="0" dirty="0"/>
+          </a:p>
+          <a:p>
+            <a:r>
+              <a:rPr lang="de-DE" baseline="0" dirty="0"/>
+              <a:t>Die Server Seite wurde von </a:t>
+            </a:r>
+            <a:r>
+              <a:rPr lang="de-DE" baseline="0" dirty="0" err="1"/>
+              <a:t>Yuka</a:t>
+            </a:r>
+            <a:r>
+              <a:rPr lang="de-DE" baseline="0" dirty="0"/>
+              <a:t> übernommen, was ein sehr großer Teil der </a:t>
+            </a:r>
+            <a:r>
+              <a:rPr lang="de-DE" baseline="0"/>
+              <a:t>Arbeit war, </a:t>
+            </a:r>
+            <a:r>
+              <a:rPr lang="de-DE" baseline="0" dirty="0"/>
+              <a:t>und </a:t>
+            </a:r>
+            <a:r>
+              <a:rPr lang="de-DE" baseline="0"/>
+              <a:t>sie hat </a:t>
+            </a:r>
+            <a:r>
+              <a:rPr lang="de-DE" baseline="0" dirty="0"/>
+              <a:t>die meiste Erfahrung mit Programmieren und </a:t>
+            </a:r>
+            <a:r>
+              <a:rPr lang="de-DE" baseline="0"/>
+              <a:t>hat uns dann vielseitig geholfen.</a:t>
+            </a:r>
+            <a:endParaRPr lang="de-DE" baseline="0" dirty="0"/>
+          </a:p>
+          <a:p>
+            <a:r>
+              <a:rPr lang="de-DE" baseline="0" dirty="0"/>
+              <a:t>Trotz ein bisschen weniger Erfahrung unter der Gruppe, wobei wir dann uns einarbeiten müssten mit </a:t>
+            </a:r>
+            <a:r>
+              <a:rPr lang="de-DE" baseline="0" dirty="0" err="1"/>
+              <a:t>Retrofit</a:t>
+            </a:r>
+            <a:r>
+              <a:rPr lang="de-DE" baseline="0" dirty="0"/>
+              <a:t>, und Datenbanken, haben wir uns gegenseitig sehr gut unterstützen und helfen können und wir sind auch unter Druck alle freundlich geblieben.</a:t>
+            </a:r>
+          </a:p>
+          <a:p>
+            <a:r>
+              <a:rPr lang="de-DE" baseline="0" dirty="0"/>
+              <a:t>Bei Diskussionen könnten wir ehrlich und sachlich unsere Meinungen rüberbringen und Probleme diskutieren.</a:t>
+            </a:r>
+          </a:p>
+          <a:p>
+            <a:endParaRPr lang="de-DE" baseline="0" dirty="0"/>
+          </a:p>
+          <a:p>
+            <a:r>
+              <a:rPr lang="de-DE" baseline="0" dirty="0"/>
+              <a:t>Wir haben uns nicht sehr oft treffen können und Online Konferenzen hatten die übliche Einschränkungen und Probleme.</a:t>
+            </a:r>
+          </a:p>
+          <a:p>
+            <a:endParaRPr lang="de-DE" baseline="0" dirty="0"/>
+          </a:p>
+          <a:p>
+            <a:endParaRPr lang="de-DE" dirty="0"/>
+          </a:p>
+        </p:txBody>
+      </p:sp>
+      <p:sp>
+        <p:nvSpPr>
+          <p:cNvPr id="4" name="Foliennummernplatzhalter 3"/>
+          <p:cNvSpPr>
+            <a:spLocks noGrp="1"/>
+          </p:cNvSpPr>
+          <p:nvPr>
+            <p:ph type="sldNum" sz="quarter" idx="10"/>
+          </p:nvPr>
+        </p:nvSpPr>
+        <p:spPr/>
+        <p:txBody>
+          <a:bodyPr/>
+          <a:lstStyle/>
+          <a:p>
+            <a:fld id="{5CA283F8-424D-4A95-9593-1ADA8596C12A}" type="slidenum">
+              <a:rPr lang="de-DE" smtClean="0"/>
+              <a:pPr/>
+              <a:t>18</a:t>
+            </a:fld>
+            <a:endParaRPr lang="de-DE"/>
+          </a:p>
+        </p:txBody>
+      </p:sp>
+    </p:spTree>
+  </p:cSld>
+  <p:clrMapOvr>
+    <a:masterClrMapping/>
+  </p:clrMapOvr>
+</p:notes>
+</file>
+
 <file path=ppt/slideLayouts/slideLayout1.xml><?xml version="1.0" encoding="utf-8"?>
 <p:sldLayout xmlns:a="http://schemas.openxmlformats.org/drawingml/2006/main" xmlns:r="http://schemas.openxmlformats.org/officeDocument/2006/relationships" xmlns:p="http://schemas.openxmlformats.org/presentationml/2006/main" showMasterSp="0" type="title" preserve="1">
   <p:cSld name="Titelfolie">
@@ -10418,13 +9804,6 @@
   <p:clrMapOvr>
     <a:masterClrMapping/>
   </p:clrMapOvr>
-  <p:timing>
-    <p:tnLst>
-      <p:par>
-        <p:cTn id="1" dur="indefinite" restart="never" nodeType="tmRoot"/>
-      </p:par>
-    </p:tnLst>
-  </p:timing>
 </p:sld>
 </file>
 
@@ -11453,20 +10832,13 @@
     </p:spTree>
     <p:extLst>
       <p:ext uri="{BB962C8B-B14F-4D97-AF65-F5344CB8AC3E}">
-        <p14:creationId xmlns:p14="http://schemas.microsoft.com/office/powerpoint/2010/main" xmlns="" val="369021320"/>
+        <p14:creationId xmlns:p14="http://schemas.microsoft.com/office/powerpoint/2010/main" val="369021320"/>
       </p:ext>
     </p:extLst>
   </p:cSld>
   <p:clrMapOvr>
     <a:masterClrMapping/>
   </p:clrMapOvr>
-  <p:timing>
-    <p:tnLst>
-      <p:par>
-        <p:cTn id="1" dur="indefinite" restart="never" nodeType="tmRoot"/>
-      </p:par>
-    </p:tnLst>
-  </p:timing>
 </p:sld>
 </file>
 
@@ -11847,7 +11219,7 @@
     </p:spTree>
     <p:extLst>
       <p:ext uri="{BB962C8B-B14F-4D97-AF65-F5344CB8AC3E}">
-        <p14:creationId xmlns:p14="http://schemas.microsoft.com/office/powerpoint/2010/main" xmlns="" val="1925524024"/>
+        <p14:creationId xmlns:p14="http://schemas.microsoft.com/office/powerpoint/2010/main" val="1925524024"/>
       </p:ext>
     </p:extLst>
   </p:cSld>
@@ -12882,7 +12254,7 @@
     </p:spTree>
     <p:extLst>
       <p:ext uri="{BB962C8B-B14F-4D97-AF65-F5344CB8AC3E}">
-        <p14:creationId xmlns:p14="http://schemas.microsoft.com/office/powerpoint/2010/main" xmlns="" val="215962541"/>
+        <p14:creationId xmlns:p14="http://schemas.microsoft.com/office/powerpoint/2010/main" val="215962541"/>
       </p:ext>
     </p:extLst>
   </p:cSld>
@@ -13029,7 +12401,7 @@
     </p:spTree>
     <p:extLst>
       <p:ext uri="{BB962C8B-B14F-4D97-AF65-F5344CB8AC3E}">
-        <p14:creationId xmlns:p14="http://schemas.microsoft.com/office/powerpoint/2010/main" xmlns="" val="849743291"/>
+        <p14:creationId xmlns:p14="http://schemas.microsoft.com/office/powerpoint/2010/main" val="849743291"/>
       </p:ext>
     </p:extLst>
   </p:cSld>
@@ -14064,7 +13436,7 @@
     </p:spTree>
     <p:extLst>
       <p:ext uri="{BB962C8B-B14F-4D97-AF65-F5344CB8AC3E}">
-        <p14:creationId xmlns:p14="http://schemas.microsoft.com/office/powerpoint/2010/main" xmlns="" val="1976057169"/>
+        <p14:creationId xmlns:p14="http://schemas.microsoft.com/office/powerpoint/2010/main" val="1976057169"/>
       </p:ext>
     </p:extLst>
   </p:cSld>
@@ -14203,7 +13575,7 @@
           <p:nvPr>
             <p:extLst>
               <p:ext uri="{D42A27DB-BD31-4B8C-83A1-F6EECF244321}">
-                <p14:modId xmlns:p14="http://schemas.microsoft.com/office/powerpoint/2010/main" xmlns="" val="625910118"/>
+                <p14:modId xmlns:p14="http://schemas.microsoft.com/office/powerpoint/2010/main" val="625910118"/>
               </p:ext>
             </p:extLst>
           </p:nvPr>
@@ -14221,7 +13593,7 @@
     </p:spTree>
     <p:extLst>
       <p:ext uri="{BB962C8B-B14F-4D97-AF65-F5344CB8AC3E}">
-        <p14:creationId xmlns:p14="http://schemas.microsoft.com/office/powerpoint/2010/main" xmlns="" val="179655853"/>
+        <p14:creationId xmlns:p14="http://schemas.microsoft.com/office/powerpoint/2010/main" val="179655853"/>
       </p:ext>
     </p:extLst>
   </p:cSld>
@@ -14277,7 +13649,7 @@
           <p:cNvPr id="7" name="Diagramm 6">
             <a:extLst>
               <a:ext uri="{FF2B5EF4-FFF2-40B4-BE49-F238E27FC236}">
-                <a16:creationId xmlns:a16="http://schemas.microsoft.com/office/drawing/2014/main" xmlns="" id="{9841F122-51C3-430E-8A7E-871D79072991}"/>
+                <a16:creationId xmlns:a16="http://schemas.microsoft.com/office/drawing/2014/main" id="{9841F122-51C3-430E-8A7E-871D79072991}"/>
               </a:ext>
             </a:extLst>
           </p:cNvPr>
@@ -14285,7 +13657,7 @@
           <p:nvPr>
             <p:extLst>
               <p:ext uri="{D42A27DB-BD31-4B8C-83A1-F6EECF244321}">
-                <p14:modId xmlns:p14="http://schemas.microsoft.com/office/powerpoint/2010/main" xmlns="" val="694219115"/>
+                <p14:modId xmlns:p14="http://schemas.microsoft.com/office/powerpoint/2010/main" val="694219115"/>
               </p:ext>
             </p:extLst>
           </p:nvPr>
@@ -14305,7 +13677,7 @@
           <p:cNvPr id="8" name="Diagramm 7">
             <a:extLst>
               <a:ext uri="{FF2B5EF4-FFF2-40B4-BE49-F238E27FC236}">
-                <a16:creationId xmlns:a16="http://schemas.microsoft.com/office/drawing/2014/main" xmlns="" id="{9841F122-51C3-430E-8A7E-871D79072991}"/>
+                <a16:creationId xmlns:a16="http://schemas.microsoft.com/office/drawing/2014/main" id="{9841F122-51C3-430E-8A7E-871D79072991}"/>
               </a:ext>
             </a:extLst>
           </p:cNvPr>
@@ -14313,7 +13685,7 @@
           <p:nvPr>
             <p:extLst>
               <p:ext uri="{D42A27DB-BD31-4B8C-83A1-F6EECF244321}">
-                <p14:modId xmlns:p14="http://schemas.microsoft.com/office/powerpoint/2010/main" xmlns="" val="29132963"/>
+                <p14:modId xmlns:p14="http://schemas.microsoft.com/office/powerpoint/2010/main" val="29132963"/>
               </p:ext>
             </p:extLst>
           </p:nvPr>
@@ -14331,7 +13703,7 @@
     </p:spTree>
     <p:extLst>
       <p:ext uri="{BB962C8B-B14F-4D97-AF65-F5344CB8AC3E}">
-        <p14:creationId xmlns:p14="http://schemas.microsoft.com/office/powerpoint/2010/main" xmlns="" val="1350698107"/>
+        <p14:creationId xmlns:p14="http://schemas.microsoft.com/office/powerpoint/2010/main" val="1350698107"/>
       </p:ext>
     </p:extLst>
   </p:cSld>
@@ -14479,7 +13851,7 @@
     </p:spTree>
     <p:extLst>
       <p:ext uri="{BB962C8B-B14F-4D97-AF65-F5344CB8AC3E}">
-        <p14:creationId xmlns:p14="http://schemas.microsoft.com/office/powerpoint/2010/main" xmlns="" val="666352572"/>
+        <p14:creationId xmlns:p14="http://schemas.microsoft.com/office/powerpoint/2010/main" val="666352572"/>
       </p:ext>
     </p:extLst>
   </p:cSld>
@@ -14518,11 +13890,16 @@
         </p:nvSpPr>
         <p:spPr/>
         <p:txBody>
-          <a:bodyPr/>
+          <a:bodyPr>
+            <a:normAutofit/>
+          </a:bodyPr>
           <a:lstStyle/>
           <a:p>
             <a:r>
-              <a:rPr lang="de-DE" sz="4000" dirty="0"/>
+              <a:rPr lang="de-DE" sz="4400" dirty="0">
+                <a:latin typeface="Calibri" pitchFamily="34" charset="0"/>
+                <a:cs typeface="Calibri" pitchFamily="34" charset="0"/>
+              </a:rPr>
               <a:t>Statistiken</a:t>
             </a:r>
           </a:p>
@@ -14538,21 +13915,567 @@
             <p:ph sz="quarter" idx="1"/>
           </p:nvPr>
         </p:nvSpPr>
-        <p:spPr/>
+        <p:spPr>
+          <a:xfrm>
+            <a:off x="457200" y="1600200"/>
+            <a:ext cx="7467600" cy="1328734"/>
+          </a:xfrm>
+        </p:spPr>
         <p:txBody>
-          <a:bodyPr/>
+          <a:bodyPr>
+            <a:normAutofit/>
+          </a:bodyPr>
           <a:lstStyle/>
           <a:p>
-            <a:endParaRPr lang="de-DE"/>
+            <a:r>
+              <a:rPr lang="de-DE" sz="3200" dirty="0">
+                <a:latin typeface="Calibri" pitchFamily="34" charset="0"/>
+                <a:cs typeface="Calibri" pitchFamily="34" charset="0"/>
+              </a:rPr>
+              <a:t>587 </a:t>
+            </a:r>
+            <a:r>
+              <a:rPr lang="de-DE" sz="3200" dirty="0" err="1">
+                <a:latin typeface="Calibri" pitchFamily="34" charset="0"/>
+                <a:cs typeface="Calibri" pitchFamily="34" charset="0"/>
+              </a:rPr>
+              <a:t>Commits</a:t>
+            </a:r>
+            <a:endParaRPr lang="de-DE" sz="3200" dirty="0">
+              <a:latin typeface="Calibri" pitchFamily="34" charset="0"/>
+              <a:cs typeface="Calibri" pitchFamily="34" charset="0"/>
+            </a:endParaRPr>
+          </a:p>
+          <a:p>
+            <a:r>
+              <a:rPr lang="de-DE" sz="3200" dirty="0">
+                <a:latin typeface="Calibri" pitchFamily="34" charset="0"/>
+                <a:cs typeface="Calibri" pitchFamily="34" charset="0"/>
+              </a:rPr>
+              <a:t>19236 </a:t>
+            </a:r>
+            <a:r>
+              <a:rPr lang="de-DE" sz="3200" dirty="0" err="1">
+                <a:latin typeface="Calibri" pitchFamily="34" charset="0"/>
+                <a:cs typeface="Calibri" pitchFamily="34" charset="0"/>
+              </a:rPr>
+              <a:t>Lines</a:t>
+            </a:r>
+            <a:r>
+              <a:rPr lang="de-DE" sz="3200" dirty="0">
+                <a:latin typeface="Calibri" pitchFamily="34" charset="0"/>
+                <a:cs typeface="Calibri" pitchFamily="34" charset="0"/>
+              </a:rPr>
+              <a:t> </a:t>
+            </a:r>
+            <a:r>
+              <a:rPr lang="de-DE" sz="3200" dirty="0" err="1">
+                <a:latin typeface="Calibri" pitchFamily="34" charset="0"/>
+                <a:cs typeface="Calibri" pitchFamily="34" charset="0"/>
+              </a:rPr>
+              <a:t>of</a:t>
+            </a:r>
+            <a:r>
+              <a:rPr lang="de-DE" sz="3200" dirty="0">
+                <a:latin typeface="Calibri" pitchFamily="34" charset="0"/>
+                <a:cs typeface="Calibri" pitchFamily="34" charset="0"/>
+              </a:rPr>
+              <a:t> Code</a:t>
+            </a:r>
           </a:p>
         </p:txBody>
       </p:sp>
+      <p:pic>
+        <p:nvPicPr>
+          <p:cNvPr id="4" name="Grafik 3" descr="WhatsApp Image 2018-08-13 at 20.58.10.jpeg"/>
+          <p:cNvPicPr>
+            <a:picLocks noChangeAspect="1"/>
+          </p:cNvPicPr>
+          <p:nvPr/>
+        </p:nvPicPr>
+        <p:blipFill>
+          <a:blip r:embed="rId3"/>
+          <a:stretch>
+            <a:fillRect/>
+          </a:stretch>
+        </p:blipFill>
+        <p:spPr>
+          <a:xfrm>
+            <a:off x="4240130" y="71414"/>
+            <a:ext cx="4832464" cy="3357586"/>
+          </a:xfrm>
+          <a:prstGeom prst="rect">
+            <a:avLst/>
+          </a:prstGeom>
+        </p:spPr>
+      </p:pic>
+      <p:pic>
+        <p:nvPicPr>
+          <p:cNvPr id="5" name="Grafik 4" descr="WhatsApp Image 2018-08-13 at 21.16.08.jpeg"/>
+          <p:cNvPicPr>
+            <a:picLocks noChangeAspect="1"/>
+          </p:cNvPicPr>
+          <p:nvPr/>
+        </p:nvPicPr>
+        <p:blipFill>
+          <a:blip r:embed="rId4"/>
+          <a:stretch>
+            <a:fillRect/>
+          </a:stretch>
+        </p:blipFill>
+        <p:spPr>
+          <a:xfrm>
+            <a:off x="4255854" y="3429000"/>
+            <a:ext cx="4786108" cy="3357586"/>
+          </a:xfrm>
+          <a:prstGeom prst="rect">
+            <a:avLst/>
+          </a:prstGeom>
+        </p:spPr>
+      </p:pic>
+      <p:graphicFrame>
+        <p:nvGraphicFramePr>
+          <p:cNvPr id="6" name="Tabelle 5"/>
+          <p:cNvGraphicFramePr>
+            <a:graphicFrameLocks noGrp="1"/>
+          </p:cNvGraphicFramePr>
+          <p:nvPr/>
+        </p:nvGraphicFramePr>
+        <p:xfrm>
+          <a:off x="428596" y="3786190"/>
+          <a:ext cx="3786214" cy="1483360"/>
+        </p:xfrm>
+        <a:graphic>
+          <a:graphicData uri="http://schemas.openxmlformats.org/drawingml/2006/table">
+            <a:tbl>
+              <a:tblPr firstRow="1" bandRow="1">
+                <a:tableStyleId>{6E25E649-3F16-4E02-A733-19D2CDBF48F0}</a:tableStyleId>
+              </a:tblPr>
+              <a:tblGrid>
+                <a:gridCol w="848634">
+                  <a:extLst>
+                    <a:ext uri="{9D8B030D-6E8A-4147-A177-3AD203B41FA5}">
+                      <a16:colId xmlns:a16="http://schemas.microsoft.com/office/drawing/2014/main" val="20000"/>
+                    </a:ext>
+                  </a:extLst>
+                </a:gridCol>
+                <a:gridCol w="979193">
+                  <a:extLst>
+                    <a:ext uri="{9D8B030D-6E8A-4147-A177-3AD203B41FA5}">
+                      <a16:colId xmlns:a16="http://schemas.microsoft.com/office/drawing/2014/main" val="20001"/>
+                    </a:ext>
+                  </a:extLst>
+                </a:gridCol>
+                <a:gridCol w="1044473">
+                  <a:extLst>
+                    <a:ext uri="{9D8B030D-6E8A-4147-A177-3AD203B41FA5}">
+                      <a16:colId xmlns:a16="http://schemas.microsoft.com/office/drawing/2014/main" val="20002"/>
+                    </a:ext>
+                  </a:extLst>
+                </a:gridCol>
+                <a:gridCol w="913914">
+                  <a:extLst>
+                    <a:ext uri="{9D8B030D-6E8A-4147-A177-3AD203B41FA5}">
+                      <a16:colId xmlns:a16="http://schemas.microsoft.com/office/drawing/2014/main" val="20003"/>
+                    </a:ext>
+                  </a:extLst>
+                </a:gridCol>
+              </a:tblGrid>
+              <a:tr h="370840">
+                <a:tc>
+                  <a:txBody>
+                    <a:bodyPr/>
+                    <a:lstStyle/>
+                    <a:p>
+                      <a:endParaRPr lang="de-DE" sz="1600" dirty="0"/>
+                    </a:p>
+                  </a:txBody>
+                  <a:tcPr>
+                    <a:lnR w="12700" cap="flat" cmpd="sng" algn="ctr">
+                      <a:solidFill>
+                        <a:schemeClr val="tx1"/>
+                      </a:solidFill>
+                      <a:prstDash val="solid"/>
+                      <a:round/>
+                      <a:headEnd type="none" w="med" len="med"/>
+                      <a:tailEnd type="none" w="med" len="med"/>
+                    </a:lnR>
+                  </a:tcPr>
+                </a:tc>
+                <a:tc>
+                  <a:txBody>
+                    <a:bodyPr/>
+                    <a:lstStyle/>
+                    <a:p>
+                      <a:r>
+                        <a:rPr lang="de-DE" sz="1600" dirty="0" err="1"/>
+                        <a:t>Packages</a:t>
+                      </a:r>
+                      <a:endParaRPr lang="de-DE" sz="1600" dirty="0"/>
+                    </a:p>
+                  </a:txBody>
+                  <a:tcPr>
+                    <a:lnL w="12700" cap="flat" cmpd="sng" algn="ctr">
+                      <a:solidFill>
+                        <a:schemeClr val="tx1"/>
+                      </a:solidFill>
+                      <a:prstDash val="solid"/>
+                      <a:round/>
+                      <a:headEnd type="none" w="med" len="med"/>
+                      <a:tailEnd type="none" w="med" len="med"/>
+                    </a:lnL>
+                  </a:tcPr>
+                </a:tc>
+                <a:tc>
+                  <a:txBody>
+                    <a:bodyPr/>
+                    <a:lstStyle/>
+                    <a:p>
+                      <a:r>
+                        <a:rPr lang="de-DE" sz="1600" dirty="0"/>
+                        <a:t>Interfaces</a:t>
+                      </a:r>
+                    </a:p>
+                  </a:txBody>
+                  <a:tcPr/>
+                </a:tc>
+                <a:tc>
+                  <a:txBody>
+                    <a:bodyPr/>
+                    <a:lstStyle/>
+                    <a:p>
+                      <a:r>
+                        <a:rPr lang="de-DE" sz="1600" dirty="0"/>
+                        <a:t>Klassen</a:t>
+                      </a:r>
+                    </a:p>
+                  </a:txBody>
+                  <a:tcPr/>
+                </a:tc>
+                <a:extLst>
+                  <a:ext uri="{0D108BD9-81ED-4DB2-BD59-A6C34878D82A}">
+                    <a16:rowId xmlns:a16="http://schemas.microsoft.com/office/drawing/2014/main" val="10000"/>
+                  </a:ext>
+                </a:extLst>
+              </a:tr>
+              <a:tr h="370840">
+                <a:tc>
+                  <a:txBody>
+                    <a:bodyPr/>
+                    <a:lstStyle/>
+                    <a:p>
+                      <a:r>
+                        <a:rPr lang="de-DE" sz="1600" dirty="0"/>
+                        <a:t>Client</a:t>
+                      </a:r>
+                    </a:p>
+                  </a:txBody>
+                  <a:tcPr>
+                    <a:lnR w="12700" cap="flat" cmpd="sng" algn="ctr">
+                      <a:solidFill>
+                        <a:schemeClr val="tx1"/>
+                      </a:solidFill>
+                      <a:prstDash val="solid"/>
+                      <a:round/>
+                      <a:headEnd type="none" w="med" len="med"/>
+                      <a:tailEnd type="none" w="med" len="med"/>
+                    </a:lnR>
+                  </a:tcPr>
+                </a:tc>
+                <a:tc>
+                  <a:txBody>
+                    <a:bodyPr/>
+                    <a:lstStyle/>
+                    <a:p>
+                      <a:r>
+                        <a:rPr lang="de-DE" sz="1600" dirty="0"/>
+                        <a:t>6</a:t>
+                      </a:r>
+                    </a:p>
+                  </a:txBody>
+                  <a:tcPr anchor="ctr">
+                    <a:lnL w="12700" cap="flat" cmpd="sng" algn="ctr">
+                      <a:solidFill>
+                        <a:schemeClr val="tx1"/>
+                      </a:solidFill>
+                      <a:prstDash val="solid"/>
+                      <a:round/>
+                      <a:headEnd type="none" w="med" len="med"/>
+                      <a:tailEnd type="none" w="med" len="med"/>
+                    </a:lnL>
+                  </a:tcPr>
+                </a:tc>
+                <a:tc>
+                  <a:txBody>
+                    <a:bodyPr/>
+                    <a:lstStyle/>
+                    <a:p>
+                      <a:r>
+                        <a:rPr lang="de-DE" sz="1600" dirty="0"/>
+                        <a:t>9</a:t>
+                      </a:r>
+                    </a:p>
+                  </a:txBody>
+                  <a:tcPr anchor="ctr"/>
+                </a:tc>
+                <a:tc>
+                  <a:txBody>
+                    <a:bodyPr/>
+                    <a:lstStyle/>
+                    <a:p>
+                      <a:r>
+                        <a:rPr lang="de-DE" sz="1600" dirty="0"/>
+                        <a:t>48</a:t>
+                      </a:r>
+                    </a:p>
+                  </a:txBody>
+                  <a:tcPr anchor="ctr"/>
+                </a:tc>
+                <a:extLst>
+                  <a:ext uri="{0D108BD9-81ED-4DB2-BD59-A6C34878D82A}">
+                    <a16:rowId xmlns:a16="http://schemas.microsoft.com/office/drawing/2014/main" val="10001"/>
+                  </a:ext>
+                </a:extLst>
+              </a:tr>
+              <a:tr h="370840">
+                <a:tc>
+                  <a:txBody>
+                    <a:bodyPr/>
+                    <a:lstStyle/>
+                    <a:p>
+                      <a:r>
+                        <a:rPr lang="de-DE" sz="1600" dirty="0"/>
+                        <a:t>Server</a:t>
+                      </a:r>
+                    </a:p>
+                  </a:txBody>
+                  <a:tcPr>
+                    <a:lnR w="12700" cap="flat" cmpd="sng" algn="ctr">
+                      <a:solidFill>
+                        <a:schemeClr val="tx1"/>
+                      </a:solidFill>
+                      <a:prstDash val="solid"/>
+                      <a:round/>
+                      <a:headEnd type="none" w="med" len="med"/>
+                      <a:tailEnd type="none" w="med" len="med"/>
+                    </a:lnR>
+                    <a:lnB w="12700" cap="flat" cmpd="sng" algn="ctr">
+                      <a:solidFill>
+                        <a:schemeClr val="tx1"/>
+                      </a:solidFill>
+                      <a:prstDash val="solid"/>
+                      <a:round/>
+                      <a:headEnd type="none" w="med" len="med"/>
+                      <a:tailEnd type="none" w="med" len="med"/>
+                    </a:lnB>
+                  </a:tcPr>
+                </a:tc>
+                <a:tc>
+                  <a:txBody>
+                    <a:bodyPr/>
+                    <a:lstStyle/>
+                    <a:p>
+                      <a:r>
+                        <a:rPr lang="de-DE" sz="1600" dirty="0"/>
+                        <a:t>6</a:t>
+                      </a:r>
+                    </a:p>
+                  </a:txBody>
+                  <a:tcPr anchor="ctr">
+                    <a:lnL w="12700" cap="flat" cmpd="sng" algn="ctr">
+                      <a:solidFill>
+                        <a:schemeClr val="tx1"/>
+                      </a:solidFill>
+                      <a:prstDash val="solid"/>
+                      <a:round/>
+                      <a:headEnd type="none" w="med" len="med"/>
+                      <a:tailEnd type="none" w="med" len="med"/>
+                    </a:lnL>
+                    <a:lnB w="12700" cap="flat" cmpd="sng" algn="ctr">
+                      <a:solidFill>
+                        <a:schemeClr val="tx1"/>
+                      </a:solidFill>
+                      <a:prstDash val="solid"/>
+                      <a:round/>
+                      <a:headEnd type="none" w="med" len="med"/>
+                      <a:tailEnd type="none" w="med" len="med"/>
+                    </a:lnB>
+                  </a:tcPr>
+                </a:tc>
+                <a:tc>
+                  <a:txBody>
+                    <a:bodyPr/>
+                    <a:lstStyle/>
+                    <a:p>
+                      <a:r>
+                        <a:rPr lang="de-DE" sz="1600" dirty="0"/>
+                        <a:t>11</a:t>
+                      </a:r>
+                    </a:p>
+                  </a:txBody>
+                  <a:tcPr anchor="ctr">
+                    <a:lnB w="12700" cap="flat" cmpd="sng" algn="ctr">
+                      <a:solidFill>
+                        <a:schemeClr val="tx1"/>
+                      </a:solidFill>
+                      <a:prstDash val="solid"/>
+                      <a:round/>
+                      <a:headEnd type="none" w="med" len="med"/>
+                      <a:tailEnd type="none" w="med" len="med"/>
+                    </a:lnB>
+                  </a:tcPr>
+                </a:tc>
+                <a:tc>
+                  <a:txBody>
+                    <a:bodyPr/>
+                    <a:lstStyle/>
+                    <a:p>
+                      <a:r>
+                        <a:rPr lang="de-DE" sz="1600" dirty="0"/>
+                        <a:t>43</a:t>
+                      </a:r>
+                    </a:p>
+                  </a:txBody>
+                  <a:tcPr anchor="ctr">
+                    <a:lnB w="12700" cap="flat" cmpd="sng" algn="ctr">
+                      <a:solidFill>
+                        <a:schemeClr val="tx1"/>
+                      </a:solidFill>
+                      <a:prstDash val="solid"/>
+                      <a:round/>
+                      <a:headEnd type="none" w="med" len="med"/>
+                      <a:tailEnd type="none" w="med" len="med"/>
+                    </a:lnB>
+                  </a:tcPr>
+                </a:tc>
+                <a:extLst>
+                  <a:ext uri="{0D108BD9-81ED-4DB2-BD59-A6C34878D82A}">
+                    <a16:rowId xmlns:a16="http://schemas.microsoft.com/office/drawing/2014/main" val="10002"/>
+                  </a:ext>
+                </a:extLst>
+              </a:tr>
+              <a:tr h="370840">
+                <a:tc>
+                  <a:txBody>
+                    <a:bodyPr/>
+                    <a:lstStyle/>
+                    <a:p>
+                      <a:r>
+                        <a:rPr lang="de-DE" sz="1600" dirty="0"/>
+                        <a:t>Summe</a:t>
+                      </a:r>
+                    </a:p>
+                  </a:txBody>
+                  <a:tcPr>
+                    <a:lnR w="12700" cap="flat" cmpd="sng" algn="ctr">
+                      <a:solidFill>
+                        <a:schemeClr val="tx1"/>
+                      </a:solidFill>
+                      <a:prstDash val="solid"/>
+                      <a:round/>
+                      <a:headEnd type="none" w="med" len="med"/>
+                      <a:tailEnd type="none" w="med" len="med"/>
+                    </a:lnR>
+                    <a:lnT w="12700" cap="flat" cmpd="sng" algn="ctr">
+                      <a:solidFill>
+                        <a:schemeClr val="tx1"/>
+                      </a:solidFill>
+                      <a:prstDash val="solid"/>
+                      <a:round/>
+                      <a:headEnd type="none" w="med" len="med"/>
+                      <a:tailEnd type="none" w="med" len="med"/>
+                    </a:lnT>
+                  </a:tcPr>
+                </a:tc>
+                <a:tc>
+                  <a:txBody>
+                    <a:bodyPr/>
+                    <a:lstStyle/>
+                    <a:p>
+                      <a:r>
+                        <a:rPr lang="de-DE" sz="1600" dirty="0"/>
+                        <a:t>12</a:t>
+                      </a:r>
+                    </a:p>
+                  </a:txBody>
+                  <a:tcPr anchor="ctr">
+                    <a:lnL w="12700" cap="flat" cmpd="sng" algn="ctr">
+                      <a:solidFill>
+                        <a:schemeClr val="tx1"/>
+                      </a:solidFill>
+                      <a:prstDash val="solid"/>
+                      <a:round/>
+                      <a:headEnd type="none" w="med" len="med"/>
+                      <a:tailEnd type="none" w="med" len="med"/>
+                    </a:lnL>
+                    <a:lnT w="12700" cap="flat" cmpd="sng" algn="ctr">
+                      <a:solidFill>
+                        <a:schemeClr val="tx1"/>
+                      </a:solidFill>
+                      <a:prstDash val="solid"/>
+                      <a:round/>
+                      <a:headEnd type="none" w="med" len="med"/>
+                      <a:tailEnd type="none" w="med" len="med"/>
+                    </a:lnT>
+                  </a:tcPr>
+                </a:tc>
+                <a:tc>
+                  <a:txBody>
+                    <a:bodyPr/>
+                    <a:lstStyle/>
+                    <a:p>
+                      <a:r>
+                        <a:rPr lang="de-DE" sz="1600" dirty="0"/>
+                        <a:t>20</a:t>
+                      </a:r>
+                    </a:p>
+                  </a:txBody>
+                  <a:tcPr anchor="ctr">
+                    <a:lnT w="12700" cap="flat" cmpd="sng" algn="ctr">
+                      <a:solidFill>
+                        <a:schemeClr val="tx1"/>
+                      </a:solidFill>
+                      <a:prstDash val="solid"/>
+                      <a:round/>
+                      <a:headEnd type="none" w="med" len="med"/>
+                      <a:tailEnd type="none" w="med" len="med"/>
+                    </a:lnT>
+                  </a:tcPr>
+                </a:tc>
+                <a:tc>
+                  <a:txBody>
+                    <a:bodyPr/>
+                    <a:lstStyle/>
+                    <a:p>
+                      <a:r>
+                        <a:rPr lang="de-DE" sz="1600" dirty="0"/>
+                        <a:t>91</a:t>
+                      </a:r>
+                    </a:p>
+                  </a:txBody>
+                  <a:tcPr anchor="ctr">
+                    <a:lnT w="12700" cap="flat" cmpd="sng" algn="ctr">
+                      <a:solidFill>
+                        <a:schemeClr val="tx1"/>
+                      </a:solidFill>
+                      <a:prstDash val="solid"/>
+                      <a:round/>
+                      <a:headEnd type="none" w="med" len="med"/>
+                      <a:tailEnd type="none" w="med" len="med"/>
+                    </a:lnT>
+                  </a:tcPr>
+                </a:tc>
+                <a:extLst>
+                  <a:ext uri="{0D108BD9-81ED-4DB2-BD59-A6C34878D82A}">
+                    <a16:rowId xmlns:a16="http://schemas.microsoft.com/office/drawing/2014/main" val="10003"/>
+                  </a:ext>
+                </a:extLst>
+              </a:tr>
+            </a:tbl>
+          </a:graphicData>
+        </a:graphic>
+      </p:graphicFrame>
     </p:spTree>
-    <p:extLst>
-      <p:ext uri="{BB962C8B-B14F-4D97-AF65-F5344CB8AC3E}">
-        <p14:creationId xmlns:p14="http://schemas.microsoft.com/office/powerpoint/2010/main" xmlns="" val="323547714"/>
-      </p:ext>
-    </p:extLst>
   </p:cSld>
   <p:clrMapOvr>
     <a:masterClrMapping/>
@@ -14610,7 +14533,7 @@
           <p:nvPr>
             <p:extLst>
               <p:ext uri="{D42A27DB-BD31-4B8C-83A1-F6EECF244321}">
-                <p14:modId xmlns:p14="http://schemas.microsoft.com/office/powerpoint/2010/main" xmlns="" val="712036674"/>
+                <p14:modId xmlns:p14="http://schemas.microsoft.com/office/powerpoint/2010/main" val="712036674"/>
               </p:ext>
             </p:extLst>
           </p:nvPr>
@@ -14629,21 +14552,21 @@
                 <a:gridCol w="2457776">
                   <a:extLst>
                     <a:ext uri="{9D8B030D-6E8A-4147-A177-3AD203B41FA5}">
-                      <a16:colId xmlns:a16="http://schemas.microsoft.com/office/drawing/2014/main" xmlns="" val="20000"/>
+                      <a16:colId xmlns:a16="http://schemas.microsoft.com/office/drawing/2014/main" val="20000"/>
                     </a:ext>
                   </a:extLst>
                 </a:gridCol>
                 <a:gridCol w="2438768">
                   <a:extLst>
                     <a:ext uri="{9D8B030D-6E8A-4147-A177-3AD203B41FA5}">
-                      <a16:colId xmlns:a16="http://schemas.microsoft.com/office/drawing/2014/main" xmlns="" val="20001"/>
+                      <a16:colId xmlns:a16="http://schemas.microsoft.com/office/drawing/2014/main" val="20001"/>
                     </a:ext>
                   </a:extLst>
                 </a:gridCol>
                 <a:gridCol w="2448272">
                   <a:extLst>
                     <a:ext uri="{9D8B030D-6E8A-4147-A177-3AD203B41FA5}">
-                      <a16:colId xmlns:a16="http://schemas.microsoft.com/office/drawing/2014/main" xmlns="" val="20002"/>
+                      <a16:colId xmlns:a16="http://schemas.microsoft.com/office/drawing/2014/main" val="20002"/>
                     </a:ext>
                   </a:extLst>
                 </a:gridCol>
@@ -14690,7 +14613,7 @@
                 </a:tc>
                 <a:extLst>
                   <a:ext uri="{0D108BD9-81ED-4DB2-BD59-A6C34878D82A}">
-                    <a16:rowId xmlns:a16="http://schemas.microsoft.com/office/drawing/2014/main" xmlns="" val="10000"/>
+                    <a16:rowId xmlns:a16="http://schemas.microsoft.com/office/drawing/2014/main" val="10000"/>
                   </a:ext>
                 </a:extLst>
               </a:tr>
@@ -14727,7 +14650,7 @@
                 </a:tc>
                 <a:extLst>
                   <a:ext uri="{0D108BD9-81ED-4DB2-BD59-A6C34878D82A}">
-                    <a16:rowId xmlns:a16="http://schemas.microsoft.com/office/drawing/2014/main" xmlns="" val="10001"/>
+                    <a16:rowId xmlns:a16="http://schemas.microsoft.com/office/drawing/2014/main" val="10001"/>
                   </a:ext>
                 </a:extLst>
               </a:tr>
@@ -14764,7 +14687,7 @@
                 </a:tc>
                 <a:extLst>
                   <a:ext uri="{0D108BD9-81ED-4DB2-BD59-A6C34878D82A}">
-                    <a16:rowId xmlns:a16="http://schemas.microsoft.com/office/drawing/2014/main" xmlns="" val="10002"/>
+                    <a16:rowId xmlns:a16="http://schemas.microsoft.com/office/drawing/2014/main" val="10002"/>
                   </a:ext>
                 </a:extLst>
               </a:tr>
@@ -14801,7 +14724,7 @@
                 </a:tc>
                 <a:extLst>
                   <a:ext uri="{0D108BD9-81ED-4DB2-BD59-A6C34878D82A}">
-                    <a16:rowId xmlns:a16="http://schemas.microsoft.com/office/drawing/2014/main" xmlns="" val="10003"/>
+                    <a16:rowId xmlns:a16="http://schemas.microsoft.com/office/drawing/2014/main" val="10003"/>
                   </a:ext>
                 </a:extLst>
               </a:tr>
@@ -14812,7 +14735,7 @@
     </p:spTree>
     <p:extLst>
       <p:ext uri="{BB962C8B-B14F-4D97-AF65-F5344CB8AC3E}">
-        <p14:creationId xmlns:p14="http://schemas.microsoft.com/office/powerpoint/2010/main" xmlns="" val="1751430848"/>
+        <p14:creationId xmlns:p14="http://schemas.microsoft.com/office/powerpoint/2010/main" val="1751430848"/>
       </p:ext>
     </p:extLst>
   </p:cSld>
@@ -14878,7 +14801,7 @@
             <a:hlinkClick r:id="" action="ppaction://media"/>
             <a:extLst>
               <a:ext uri="{FF2B5EF4-FFF2-40B4-BE49-F238E27FC236}">
-                <a16:creationId xmlns:a16="http://schemas.microsoft.com/office/drawing/2014/main" xmlns="" id="{2C42DB09-1A9D-4045-ACA4-1E5B54C0D122}"/>
+                <a16:creationId xmlns:a16="http://schemas.microsoft.com/office/drawing/2014/main" id="{2C42DB09-1A9D-4045-ACA4-1E5B54C0D122}"/>
               </a:ext>
             </a:extLst>
           </p:cNvPr>
@@ -14887,10 +14810,10 @@
           </p:cNvPicPr>
           <p:nvPr>
             <p:ph sz="quarter" idx="1"/>
-            <a:videoFile r:link="rId1"/>
+            <a:videoFile r:link="rId2"/>
             <p:extLst>
               <p:ext uri="{DAA4B4D4-6D71-4841-9C94-3DE7FCFB9230}">
-                <p14:media xmlns:p14="http://schemas.microsoft.com/office/powerpoint/2010/main" xmlns="" r:embed="rId3"/>
+                <p14:media xmlns:p14="http://schemas.microsoft.com/office/powerpoint/2010/main" r:embed="rId1"/>
               </p:ext>
             </p:extLst>
           </p:nvPr>
@@ -14911,7 +14834,7 @@
     </p:spTree>
     <p:extLst>
       <p:ext uri="{BB962C8B-B14F-4D97-AF65-F5344CB8AC3E}">
-        <p14:creationId xmlns:p14="http://schemas.microsoft.com/office/powerpoint/2010/main" xmlns="" val="190360359"/>
+        <p14:creationId xmlns:p14="http://schemas.microsoft.com/office/powerpoint/2010/main" val="190360359"/>
       </p:ext>
     </p:extLst>
   </p:cSld>
@@ -15361,7 +15284,7 @@
           <p:cNvPr id="5" name="Textfeld 4">
             <a:extLst>
               <a:ext uri="{FF2B5EF4-FFF2-40B4-BE49-F238E27FC236}">
-                <a16:creationId xmlns:a16="http://schemas.microsoft.com/office/drawing/2014/main" xmlns="" id="{09786EE4-3498-40F3-9F90-CDFBC09CBAF7}"/>
+                <a16:creationId xmlns:a16="http://schemas.microsoft.com/office/drawing/2014/main" id="{09786EE4-3498-40F3-9F90-CDFBC09CBAF7}"/>
               </a:ext>
             </a:extLst>
           </p:cNvPr>
@@ -15396,7 +15319,7 @@
           <p:cNvPr id="6" name="Textfeld 5">
             <a:extLst>
               <a:ext uri="{FF2B5EF4-FFF2-40B4-BE49-F238E27FC236}">
-                <a16:creationId xmlns:a16="http://schemas.microsoft.com/office/drawing/2014/main" xmlns="" id="{69886C5E-71FD-41B2-868A-548B5A8ABE95}"/>
+                <a16:creationId xmlns:a16="http://schemas.microsoft.com/office/drawing/2014/main" id="{69886C5E-71FD-41B2-868A-548B5A8ABE95}"/>
               </a:ext>
             </a:extLst>
           </p:cNvPr>
@@ -15439,7 +15362,7 @@
           <p:cNvPr id="8" name="Gerader Verbinder 7">
             <a:extLst>
               <a:ext uri="{FF2B5EF4-FFF2-40B4-BE49-F238E27FC236}">
-                <a16:creationId xmlns:a16="http://schemas.microsoft.com/office/drawing/2014/main" xmlns="" id="{472F3D41-D8FA-45DF-9E64-84B95CF2462D}"/>
+                <a16:creationId xmlns:a16="http://schemas.microsoft.com/office/drawing/2014/main" id="{472F3D41-D8FA-45DF-9E64-84B95CF2462D}"/>
               </a:ext>
             </a:extLst>
           </p:cNvPr>
@@ -15478,7 +15401,7 @@
           <p:cNvPr id="9" name="Gerader Verbinder 8">
             <a:extLst>
               <a:ext uri="{FF2B5EF4-FFF2-40B4-BE49-F238E27FC236}">
-                <a16:creationId xmlns:a16="http://schemas.microsoft.com/office/drawing/2014/main" xmlns="" id="{9D2AC886-E6AD-4582-807A-531D6E17B093}"/>
+                <a16:creationId xmlns:a16="http://schemas.microsoft.com/office/drawing/2014/main" id="{9D2AC886-E6AD-4582-807A-531D6E17B093}"/>
               </a:ext>
             </a:extLst>
           </p:cNvPr>
@@ -15517,7 +15440,7 @@
           <p:cNvPr id="14" name="Pfeil: nach rechts 13">
             <a:extLst>
               <a:ext uri="{FF2B5EF4-FFF2-40B4-BE49-F238E27FC236}">
-                <a16:creationId xmlns:a16="http://schemas.microsoft.com/office/drawing/2014/main" xmlns="" id="{62849E79-E495-42E3-A5C7-0396A5C82072}"/>
+                <a16:creationId xmlns:a16="http://schemas.microsoft.com/office/drawing/2014/main" id="{62849E79-E495-42E3-A5C7-0396A5C82072}"/>
               </a:ext>
             </a:extLst>
           </p:cNvPr>
@@ -15563,7 +15486,7 @@
           <p:cNvPr id="15" name="Grafik 14" descr="fridge_face.png">
             <a:extLst>
               <a:ext uri="{FF2B5EF4-FFF2-40B4-BE49-F238E27FC236}">
-                <a16:creationId xmlns:a16="http://schemas.microsoft.com/office/drawing/2014/main" xmlns="" id="{0E33A284-8A7D-4AD9-A5FB-C64E6211E25C}"/>
+                <a16:creationId xmlns:a16="http://schemas.microsoft.com/office/drawing/2014/main" id="{0E33A284-8A7D-4AD9-A5FB-C64E6211E25C}"/>
               </a:ext>
             </a:extLst>
           </p:cNvPr>
@@ -15618,7 +15541,7 @@
           <p:cNvPr id="2" name="Titel 1">
             <a:extLst>
               <a:ext uri="{FF2B5EF4-FFF2-40B4-BE49-F238E27FC236}">
-                <a16:creationId xmlns:a16="http://schemas.microsoft.com/office/drawing/2014/main" xmlns="" id="{CD77C097-2ECF-4C94-BCC1-60258CCE61E3}"/>
+                <a16:creationId xmlns:a16="http://schemas.microsoft.com/office/drawing/2014/main" id="{CD77C097-2ECF-4C94-BCC1-60258CCE61E3}"/>
               </a:ext>
             </a:extLst>
           </p:cNvPr>
@@ -15646,7 +15569,7 @@
           <p:cNvPr id="5" name="Inhaltsplatzhalter 4" descr="Frau">
             <a:extLst>
               <a:ext uri="{FF2B5EF4-FFF2-40B4-BE49-F238E27FC236}">
-                <a16:creationId xmlns:a16="http://schemas.microsoft.com/office/drawing/2014/main" xmlns="" id="{E1480F7E-4E61-42AA-A583-671D4AD83567}"/>
+                <a16:creationId xmlns:a16="http://schemas.microsoft.com/office/drawing/2014/main" id="{E1480F7E-4E61-42AA-A583-671D4AD83567}"/>
               </a:ext>
             </a:extLst>
           </p:cNvPr>
@@ -15661,10 +15584,10 @@
           <a:blip r:embed="rId2">
             <a:extLst>
               <a:ext uri="{28A0092B-C50C-407E-A947-70E740481C1C}">
-                <a14:useLocalDpi xmlns:a14="http://schemas.microsoft.com/office/drawing/2010/main" xmlns="" val="0"/>
+                <a14:useLocalDpi xmlns:a14="http://schemas.microsoft.com/office/drawing/2010/main" val="0"/>
               </a:ext>
               <a:ext uri="{96DAC541-7B7A-43D3-8B79-37D633B846F1}">
-                <asvg:svgBlip xmlns:asvg="http://schemas.microsoft.com/office/drawing/2016/SVG/main" xmlns="" r:embed="rId3"/>
+                <asvg:svgBlip xmlns:asvg="http://schemas.microsoft.com/office/drawing/2016/SVG/main" r:embed="rId3"/>
               </a:ext>
             </a:extLst>
           </a:blip>
@@ -15684,7 +15607,7 @@
           <p:cNvPr id="6" name="Inhaltsplatzhalter 4" descr="Frau">
             <a:extLst>
               <a:ext uri="{FF2B5EF4-FFF2-40B4-BE49-F238E27FC236}">
-                <a16:creationId xmlns:a16="http://schemas.microsoft.com/office/drawing/2014/main" xmlns="" id="{F4B1B595-02C2-4BEF-B40E-119A2ECBAEA1}"/>
+                <a16:creationId xmlns:a16="http://schemas.microsoft.com/office/drawing/2014/main" id="{F4B1B595-02C2-4BEF-B40E-119A2ECBAEA1}"/>
               </a:ext>
             </a:extLst>
           </p:cNvPr>
@@ -15697,10 +15620,10 @@
           <a:blip r:embed="rId2">
             <a:extLst>
               <a:ext uri="{28A0092B-C50C-407E-A947-70E740481C1C}">
-                <a14:useLocalDpi xmlns:a14="http://schemas.microsoft.com/office/drawing/2010/main" xmlns="" val="0"/>
+                <a14:useLocalDpi xmlns:a14="http://schemas.microsoft.com/office/drawing/2010/main" val="0"/>
               </a:ext>
               <a:ext uri="{96DAC541-7B7A-43D3-8B79-37D633B846F1}">
-                <asvg:svgBlip xmlns:asvg="http://schemas.microsoft.com/office/drawing/2016/SVG/main" xmlns="" r:embed="rId3"/>
+                <asvg:svgBlip xmlns:asvg="http://schemas.microsoft.com/office/drawing/2016/SVG/main" r:embed="rId3"/>
               </a:ext>
             </a:extLst>
           </a:blip>
@@ -15723,7 +15646,7 @@
           <p:cNvPr id="7" name="Inhaltsplatzhalter 4" descr="Frau">
             <a:extLst>
               <a:ext uri="{FF2B5EF4-FFF2-40B4-BE49-F238E27FC236}">
-                <a16:creationId xmlns:a16="http://schemas.microsoft.com/office/drawing/2014/main" xmlns="" id="{B12B2201-BB6D-4DF6-83B0-D425295E7DE6}"/>
+                <a16:creationId xmlns:a16="http://schemas.microsoft.com/office/drawing/2014/main" id="{B12B2201-BB6D-4DF6-83B0-D425295E7DE6}"/>
               </a:ext>
             </a:extLst>
           </p:cNvPr>
@@ -15736,10 +15659,10 @@
           <a:blip r:embed="rId2">
             <a:extLst>
               <a:ext uri="{28A0092B-C50C-407E-A947-70E740481C1C}">
-                <a14:useLocalDpi xmlns:a14="http://schemas.microsoft.com/office/drawing/2010/main" xmlns="" val="0"/>
+                <a14:useLocalDpi xmlns:a14="http://schemas.microsoft.com/office/drawing/2010/main" val="0"/>
               </a:ext>
               <a:ext uri="{96DAC541-7B7A-43D3-8B79-37D633B846F1}">
-                <asvg:svgBlip xmlns:asvg="http://schemas.microsoft.com/office/drawing/2016/SVG/main" xmlns="" r:embed="rId3"/>
+                <asvg:svgBlip xmlns:asvg="http://schemas.microsoft.com/office/drawing/2016/SVG/main" r:embed="rId3"/>
               </a:ext>
             </a:extLst>
           </a:blip>
@@ -15762,7 +15685,7 @@
           <p:cNvPr id="8" name="Inhaltsplatzhalter 4" descr="Frau">
             <a:extLst>
               <a:ext uri="{FF2B5EF4-FFF2-40B4-BE49-F238E27FC236}">
-                <a16:creationId xmlns:a16="http://schemas.microsoft.com/office/drawing/2014/main" xmlns="" id="{DCF4BD2B-4606-4FF1-80F1-DB034364173E}"/>
+                <a16:creationId xmlns:a16="http://schemas.microsoft.com/office/drawing/2014/main" id="{DCF4BD2B-4606-4FF1-80F1-DB034364173E}"/>
               </a:ext>
             </a:extLst>
           </p:cNvPr>
@@ -15775,10 +15698,10 @@
           <a:blip r:embed="rId2">
             <a:extLst>
               <a:ext uri="{28A0092B-C50C-407E-A947-70E740481C1C}">
-                <a14:useLocalDpi xmlns:a14="http://schemas.microsoft.com/office/drawing/2010/main" xmlns="" val="0"/>
+                <a14:useLocalDpi xmlns:a14="http://schemas.microsoft.com/office/drawing/2010/main" val="0"/>
               </a:ext>
               <a:ext uri="{96DAC541-7B7A-43D3-8B79-37D633B846F1}">
-                <asvg:svgBlip xmlns:asvg="http://schemas.microsoft.com/office/drawing/2016/SVG/main" xmlns="" r:embed="rId3"/>
+                <asvg:svgBlip xmlns:asvg="http://schemas.microsoft.com/office/drawing/2016/SVG/main" r:embed="rId3"/>
               </a:ext>
             </a:extLst>
           </a:blip>
@@ -15801,7 +15724,7 @@
           <p:cNvPr id="9" name="Inhaltsplatzhalter 4" descr="Frau">
             <a:extLst>
               <a:ext uri="{FF2B5EF4-FFF2-40B4-BE49-F238E27FC236}">
-                <a16:creationId xmlns:a16="http://schemas.microsoft.com/office/drawing/2014/main" xmlns="" id="{078F6CCE-90EB-49ED-A06A-68863FFE816C}"/>
+                <a16:creationId xmlns:a16="http://schemas.microsoft.com/office/drawing/2014/main" id="{078F6CCE-90EB-49ED-A06A-68863FFE816C}"/>
               </a:ext>
             </a:extLst>
           </p:cNvPr>
@@ -15814,10 +15737,10 @@
           <a:blip r:embed="rId2">
             <a:extLst>
               <a:ext uri="{28A0092B-C50C-407E-A947-70E740481C1C}">
-                <a14:useLocalDpi xmlns:a14="http://schemas.microsoft.com/office/drawing/2010/main" xmlns="" val="0"/>
+                <a14:useLocalDpi xmlns:a14="http://schemas.microsoft.com/office/drawing/2010/main" val="0"/>
               </a:ext>
               <a:ext uri="{96DAC541-7B7A-43D3-8B79-37D633B846F1}">
-                <asvg:svgBlip xmlns:asvg="http://schemas.microsoft.com/office/drawing/2016/SVG/main" xmlns="" r:embed="rId3"/>
+                <asvg:svgBlip xmlns:asvg="http://schemas.microsoft.com/office/drawing/2016/SVG/main" r:embed="rId3"/>
               </a:ext>
             </a:extLst>
           </a:blip>
@@ -15840,7 +15763,7 @@
           <p:cNvPr id="10" name="Denkblase: wolkenförmig 9">
             <a:extLst>
               <a:ext uri="{FF2B5EF4-FFF2-40B4-BE49-F238E27FC236}">
-                <a16:creationId xmlns:a16="http://schemas.microsoft.com/office/drawing/2014/main" xmlns="" id="{6BA39F53-1530-4645-A9E2-F56920657475}"/>
+                <a16:creationId xmlns:a16="http://schemas.microsoft.com/office/drawing/2014/main" id="{6BA39F53-1530-4645-A9E2-F56920657475}"/>
               </a:ext>
             </a:extLst>
           </p:cNvPr>
@@ -15897,7 +15820,7 @@
           <p:cNvPr id="11" name="Textfeld 10">
             <a:extLst>
               <a:ext uri="{FF2B5EF4-FFF2-40B4-BE49-F238E27FC236}">
-                <a16:creationId xmlns:a16="http://schemas.microsoft.com/office/drawing/2014/main" xmlns="" id="{770AEFF5-07F2-45EC-B1D4-6BC0F00A736E}"/>
+                <a16:creationId xmlns:a16="http://schemas.microsoft.com/office/drawing/2014/main" id="{770AEFF5-07F2-45EC-B1D4-6BC0F00A736E}"/>
               </a:ext>
             </a:extLst>
           </p:cNvPr>
@@ -15950,7 +15873,7 @@
           <p:cNvPr id="12" name="Denkblase: wolkenförmig 11">
             <a:extLst>
               <a:ext uri="{FF2B5EF4-FFF2-40B4-BE49-F238E27FC236}">
-                <a16:creationId xmlns:a16="http://schemas.microsoft.com/office/drawing/2014/main" xmlns="" id="{600AA49D-88C9-4AC6-87E1-5182ED69E2F6}"/>
+                <a16:creationId xmlns:a16="http://schemas.microsoft.com/office/drawing/2014/main" id="{600AA49D-88C9-4AC6-87E1-5182ED69E2F6}"/>
               </a:ext>
             </a:extLst>
           </p:cNvPr>
@@ -16007,7 +15930,7 @@
           <p:cNvPr id="13" name="Textfeld 12">
             <a:extLst>
               <a:ext uri="{FF2B5EF4-FFF2-40B4-BE49-F238E27FC236}">
-                <a16:creationId xmlns:a16="http://schemas.microsoft.com/office/drawing/2014/main" xmlns="" id="{7ACCF427-47A9-4FB7-9BAB-C0A2705141AA}"/>
+                <a16:creationId xmlns:a16="http://schemas.microsoft.com/office/drawing/2014/main" id="{7ACCF427-47A9-4FB7-9BAB-C0A2705141AA}"/>
               </a:ext>
             </a:extLst>
           </p:cNvPr>
@@ -16054,7 +15977,7 @@
           <p:cNvPr id="15" name="Grafik 14" descr="Daumen hoch">
             <a:extLst>
               <a:ext uri="{FF2B5EF4-FFF2-40B4-BE49-F238E27FC236}">
-                <a16:creationId xmlns:a16="http://schemas.microsoft.com/office/drawing/2014/main" xmlns="" id="{53067388-974F-4272-A4F5-C881D1A4FACD}"/>
+                <a16:creationId xmlns:a16="http://schemas.microsoft.com/office/drawing/2014/main" id="{53067388-974F-4272-A4F5-C881D1A4FACD}"/>
               </a:ext>
             </a:extLst>
           </p:cNvPr>
@@ -16067,10 +15990,10 @@
           <a:blip r:embed="rId4" cstate="print">
             <a:extLst>
               <a:ext uri="{28A0092B-C50C-407E-A947-70E740481C1C}">
-                <a14:useLocalDpi xmlns:a14="http://schemas.microsoft.com/office/drawing/2010/main" xmlns="" val="0"/>
+                <a14:useLocalDpi xmlns:a14="http://schemas.microsoft.com/office/drawing/2010/main" val="0"/>
               </a:ext>
               <a:ext uri="{96DAC541-7B7A-43D3-8B79-37D633B846F1}">
-                <asvg:svgBlip xmlns:asvg="http://schemas.microsoft.com/office/drawing/2016/SVG/main" xmlns="" r:embed="rId5"/>
+                <asvg:svgBlip xmlns:asvg="http://schemas.microsoft.com/office/drawing/2016/SVG/main" r:embed="rId5"/>
               </a:ext>
             </a:extLst>
           </a:blip>
@@ -16093,7 +16016,7 @@
           <p:cNvPr id="16" name="Grafik 15" descr="Daumen hoch">
             <a:extLst>
               <a:ext uri="{FF2B5EF4-FFF2-40B4-BE49-F238E27FC236}">
-                <a16:creationId xmlns:a16="http://schemas.microsoft.com/office/drawing/2014/main" xmlns="" id="{3D8E31B4-B058-42ED-8143-375E74C2A008}"/>
+                <a16:creationId xmlns:a16="http://schemas.microsoft.com/office/drawing/2014/main" id="{3D8E31B4-B058-42ED-8143-375E74C2A008}"/>
               </a:ext>
             </a:extLst>
           </p:cNvPr>
@@ -16106,10 +16029,10 @@
           <a:blip r:embed="rId6" cstate="print">
             <a:extLst>
               <a:ext uri="{28A0092B-C50C-407E-A947-70E740481C1C}">
-                <a14:useLocalDpi xmlns:a14="http://schemas.microsoft.com/office/drawing/2010/main" xmlns="" val="0"/>
+                <a14:useLocalDpi xmlns:a14="http://schemas.microsoft.com/office/drawing/2010/main" val="0"/>
               </a:ext>
               <a:ext uri="{96DAC541-7B7A-43D3-8B79-37D633B846F1}">
-                <asvg:svgBlip xmlns:asvg="http://schemas.microsoft.com/office/drawing/2016/SVG/main" xmlns="" r:embed="rId7"/>
+                <asvg:svgBlip xmlns:asvg="http://schemas.microsoft.com/office/drawing/2016/SVG/main" r:embed="rId7"/>
               </a:ext>
             </a:extLst>
           </a:blip>
@@ -16130,7 +16053,7 @@
     </p:spTree>
     <p:extLst>
       <p:ext uri="{BB962C8B-B14F-4D97-AF65-F5344CB8AC3E}">
-        <p14:creationId xmlns:p14="http://schemas.microsoft.com/office/powerpoint/2010/main" xmlns="" val="3738269158"/>
+        <p14:creationId xmlns:p14="http://schemas.microsoft.com/office/powerpoint/2010/main" val="3738269158"/>
       </p:ext>
     </p:extLst>
   </p:cSld>
@@ -16282,7 +16205,7 @@
           <p:cNvPr id="5" name="Grafik 4">
             <a:extLst>
               <a:ext uri="{FF2B5EF4-FFF2-40B4-BE49-F238E27FC236}">
-                <a16:creationId xmlns:a16="http://schemas.microsoft.com/office/drawing/2014/main" xmlns="" id="{6AC2D600-D934-48FC-ADAE-171A5F5F813E}"/>
+                <a16:creationId xmlns:a16="http://schemas.microsoft.com/office/drawing/2014/main" id="{6AC2D600-D934-48FC-ADAE-171A5F5F813E}"/>
               </a:ext>
             </a:extLst>
           </p:cNvPr>
@@ -16295,7 +16218,7 @@
           <a:blip r:embed="rId2">
             <a:extLst>
               <a:ext uri="{28A0092B-C50C-407E-A947-70E740481C1C}">
-                <a14:useLocalDpi xmlns:a14="http://schemas.microsoft.com/office/drawing/2010/main" xmlns="" val="0"/>
+                <a14:useLocalDpi xmlns:a14="http://schemas.microsoft.com/office/drawing/2010/main" val="0"/>
               </a:ext>
             </a:extLst>
           </a:blip>
@@ -16316,7 +16239,7 @@
     </p:spTree>
     <p:extLst>
       <p:ext uri="{BB962C8B-B14F-4D97-AF65-F5344CB8AC3E}">
-        <p14:creationId xmlns:p14="http://schemas.microsoft.com/office/powerpoint/2010/main" xmlns="" val="246517011"/>
+        <p14:creationId xmlns:p14="http://schemas.microsoft.com/office/powerpoint/2010/main" val="246517011"/>
       </p:ext>
     </p:extLst>
   </p:cSld>
@@ -17351,20 +17274,13 @@
     </p:spTree>
     <p:extLst>
       <p:ext uri="{BB962C8B-B14F-4D97-AF65-F5344CB8AC3E}">
-        <p14:creationId xmlns:p14="http://schemas.microsoft.com/office/powerpoint/2010/main" xmlns="" val="1754742320"/>
+        <p14:creationId xmlns:p14="http://schemas.microsoft.com/office/powerpoint/2010/main" val="1754742320"/>
       </p:ext>
     </p:extLst>
   </p:cSld>
   <p:clrMapOvr>
     <a:masterClrMapping/>
   </p:clrMapOvr>
-  <p:timing>
-    <p:tnLst>
-      <p:par>
-        <p:cTn id="1" dur="indefinite" restart="never" nodeType="tmRoot"/>
-      </p:par>
-    </p:tnLst>
-  </p:timing>
 </p:sld>
 </file>
 
@@ -17457,10 +17373,9 @@
           <a:lstStyle/>
           <a:p>
             <a:r>
-              <a:rPr lang="de-DE" sz="4000" dirty="0" smtClean="0"/>
+              <a:rPr lang="de-DE" sz="4000" dirty="0"/>
               <a:t>Pflichtenheftphase</a:t>
             </a:r>
-            <a:endParaRPr lang="de-DE" sz="4000" dirty="0"/>
           </a:p>
         </p:txBody>
       </p:sp>
@@ -17489,7 +17404,7 @@
             <a:pPr marL="447675" indent="-447675">
               <a:buNone/>
             </a:pPr>
-            <a:endParaRPr lang="de-DE" sz="1000" dirty="0" smtClean="0"/>
+            <a:endParaRPr lang="de-DE" sz="1000" dirty="0"/>
           </a:p>
           <a:p>
             <a:pPr marL="447675" indent="-447675">
@@ -17498,7 +17413,7 @@
               </a:lnSpc>
             </a:pPr>
             <a:r>
-              <a:rPr lang="de-DE" sz="2600" dirty="0" smtClean="0"/>
+              <a:rPr lang="de-DE" sz="2600" dirty="0"/>
               <a:t>Relevant für Studenten</a:t>
             </a:r>
           </a:p>
@@ -17509,7 +17424,7 @@
               </a:lnSpc>
             </a:pPr>
             <a:r>
-              <a:rPr lang="de-DE" sz="2600" dirty="0" smtClean="0"/>
+              <a:rPr lang="de-DE" sz="2600" dirty="0"/>
               <a:t>Breiter Anwendungsbereich</a:t>
             </a:r>
           </a:p>
@@ -17520,16 +17435,9 @@
               </a:lnSpc>
             </a:pPr>
             <a:r>
-              <a:rPr lang="de-DE" sz="2600" dirty="0" smtClean="0"/>
+              <a:rPr lang="de-DE" sz="2600" dirty="0"/>
               <a:t>Klar vorstellbare Zielgruppe</a:t>
             </a:r>
-            <a:endParaRPr lang="de-DE" sz="2600" dirty="0" smtClean="0"/>
-          </a:p>
-          <a:p>
-            <a:pPr marL="447675" indent="-447675">
-              <a:buNone/>
-            </a:pPr>
-            <a:endParaRPr lang="de-DE" sz="1000" dirty="0" smtClean="0"/>
           </a:p>
           <a:p>
             <a:pPr marL="447675" indent="-447675">
@@ -17538,12 +17446,18 @@
             <a:endParaRPr lang="de-DE" sz="1000" dirty="0"/>
           </a:p>
           <a:p>
+            <a:pPr marL="447675" indent="-447675">
+              <a:buNone/>
+            </a:pPr>
+            <a:endParaRPr lang="de-DE" sz="1000" dirty="0"/>
+          </a:p>
+          <a:p>
             <a:pPr marL="447675" indent="-447675"/>
             <a:endParaRPr lang="de-DE" sz="1000" dirty="0"/>
           </a:p>
           <a:p>
             <a:pPr marL="447675" indent="-447675"/>
-            <a:endParaRPr lang="de-DE" sz="1000" dirty="0" smtClean="0"/>
+            <a:endParaRPr lang="de-DE" sz="1000" dirty="0"/>
           </a:p>
         </p:txBody>
       </p:sp>
@@ -17599,7 +17513,7 @@
     </p:spTree>
     <p:extLst>
       <p:ext uri="{BB962C8B-B14F-4D97-AF65-F5344CB8AC3E}">
-        <p14:creationId xmlns:p14="http://schemas.microsoft.com/office/powerpoint/2010/main" xmlns="" val="1633567392"/>
+        <p14:creationId xmlns:p14="http://schemas.microsoft.com/office/powerpoint/2010/main" val="1633567392"/>
       </p:ext>
     </p:extLst>
   </p:cSld>
@@ -17843,10 +17757,9 @@
           <a:lstStyle/>
           <a:p>
             <a:r>
-              <a:rPr lang="de-DE" sz="4000" dirty="0" smtClean="0"/>
+              <a:rPr lang="de-DE" sz="4000" dirty="0"/>
               <a:t>Pflichtenheftphase</a:t>
             </a:r>
-            <a:endParaRPr lang="de-DE" sz="4000" dirty="0"/>
           </a:p>
         </p:txBody>
       </p:sp>
@@ -17875,45 +17788,32 @@
             <a:pPr marL="447675" indent="-447675">
               <a:buNone/>
             </a:pPr>
-            <a:endParaRPr lang="de-DE" sz="1000" dirty="0" smtClean="0"/>
+            <a:endParaRPr lang="de-DE" sz="1000" dirty="0"/>
           </a:p>
           <a:p>
             <a:pPr marL="447675" indent="-447675"/>
             <a:r>
-              <a:rPr lang="de-DE" sz="3000" dirty="0" err="1" smtClean="0"/>
+              <a:rPr lang="de-DE" sz="3000" dirty="0" err="1"/>
               <a:t>Frozen</a:t>
             </a:r>
             <a:r>
-              <a:rPr lang="de-DE" sz="3000" dirty="0" smtClean="0"/>
-              <a:t> </a:t>
+              <a:rPr lang="de-DE" sz="3000" dirty="0"/>
+              <a:t> Notes</a:t>
             </a:r>
-            <a:r>
-              <a:rPr lang="de-DE" sz="3000" dirty="0" smtClean="0"/>
-              <a:t>Notes</a:t>
-            </a:r>
-            <a:endParaRPr lang="de-DE" sz="3000" dirty="0"/>
           </a:p>
           <a:p>
             <a:pPr marL="813435" lvl="1" indent="-447675"/>
             <a:r>
-              <a:rPr lang="de-DE" sz="2600" dirty="0" smtClean="0"/>
+              <a:rPr lang="de-DE" sz="2600" dirty="0"/>
               <a:t>Bearbeitbar </a:t>
             </a:r>
-            <a:endParaRPr lang="de-DE" sz="2600" dirty="0" smtClean="0"/>
           </a:p>
           <a:p>
             <a:pPr marL="813435" lvl="1" indent="-447675"/>
             <a:r>
-              <a:rPr lang="de-DE" sz="2600" dirty="0" smtClean="0"/>
+              <a:rPr lang="de-DE" sz="2600" dirty="0"/>
               <a:t>Nicht löschbar</a:t>
             </a:r>
-            <a:endParaRPr lang="de-DE" sz="2600" dirty="0"/>
-          </a:p>
-          <a:p>
-            <a:pPr marL="447675" indent="-447675">
-              <a:buNone/>
-            </a:pPr>
-            <a:endParaRPr lang="de-DE" sz="1000" dirty="0" smtClean="0"/>
           </a:p>
           <a:p>
             <a:pPr marL="447675" indent="-447675">
@@ -17922,36 +17822,31 @@
             <a:endParaRPr lang="de-DE" sz="1000" dirty="0"/>
           </a:p>
           <a:p>
+            <a:pPr marL="447675" indent="-447675">
+              <a:buNone/>
+            </a:pPr>
+            <a:endParaRPr lang="de-DE" sz="1000" dirty="0"/>
+          </a:p>
+          <a:p>
             <a:pPr marL="447675" indent="-447675"/>
             <a:r>
               <a:rPr lang="de-DE" sz="3000" dirty="0"/>
-              <a:t>Cool </a:t>
+              <a:t>Cool Notes</a:t>
             </a:r>
-            <a:r>
-              <a:rPr lang="de-DE" sz="3000" dirty="0" smtClean="0"/>
-              <a:t>Notes</a:t>
-            </a:r>
-            <a:endParaRPr lang="de-DE" sz="3000" dirty="0"/>
           </a:p>
           <a:p>
             <a:pPr marL="813435" lvl="1" indent="-447675"/>
             <a:r>
-              <a:rPr lang="de-DE" sz="2600" dirty="0" smtClean="0"/>
-              <a:t>Nicht bearbeitbar</a:t>
+              <a:rPr lang="de-DE" sz="2600" dirty="0"/>
+              <a:t>Nicht bearbeitbar </a:t>
             </a:r>
-            <a:r>
-              <a:rPr lang="de-DE" sz="2600" dirty="0" smtClean="0"/>
-              <a:t> </a:t>
-            </a:r>
-            <a:endParaRPr lang="de-DE" sz="2600" dirty="0"/>
           </a:p>
           <a:p>
             <a:pPr marL="813435" lvl="1" indent="-447675"/>
             <a:r>
-              <a:rPr lang="de-DE" sz="2600" dirty="0" smtClean="0"/>
+              <a:rPr lang="de-DE" sz="2600" dirty="0"/>
               <a:t>Löschbar</a:t>
             </a:r>
-            <a:endParaRPr lang="de-DE" sz="2600" dirty="0"/>
           </a:p>
           <a:p>
             <a:pPr marL="447675" indent="-447675"/>
@@ -17959,7 +17854,7 @@
           </a:p>
           <a:p>
             <a:pPr marL="447675" indent="-447675"/>
-            <a:endParaRPr lang="de-DE" sz="1000" dirty="0" smtClean="0"/>
+            <a:endParaRPr lang="de-DE" sz="1000" dirty="0"/>
           </a:p>
         </p:txBody>
       </p:sp>
@@ -17975,7 +17870,7 @@
           <a:blip r:embed="rId2" cstate="print">
             <a:extLst>
               <a:ext uri="{28A0092B-C50C-407E-A947-70E740481C1C}">
-                <a14:useLocalDpi xmlns:a14="http://schemas.microsoft.com/office/drawing/2010/main" xmlns="" val="0"/>
+                <a14:useLocalDpi xmlns:a14="http://schemas.microsoft.com/office/drawing/2010/main" val="0"/>
               </a:ext>
             </a:extLst>
           </a:blip>
@@ -18082,13 +17977,6 @@
   <p:clrMapOvr>
     <a:masterClrMapping/>
   </p:clrMapOvr>
-  <p:timing>
-    <p:tnLst>
-      <p:par>
-        <p:cTn id="1" dur="indefinite" restart="never" nodeType="tmRoot"/>
-      </p:par>
-    </p:tnLst>
-  </p:timing>
 </p:sld>
 </file>
 
@@ -18132,10 +18020,9 @@
           <a:lstStyle/>
           <a:p>
             <a:r>
-              <a:rPr lang="de-DE" sz="4000" dirty="0" smtClean="0"/>
+              <a:rPr lang="de-DE" sz="4000" dirty="0"/>
               <a:t>Pflichtenheftphase</a:t>
             </a:r>
-            <a:endParaRPr lang="de-DE" sz="4000" dirty="0"/>
           </a:p>
         </p:txBody>
       </p:sp>
@@ -18164,12 +18051,12 @@
             <a:pPr marL="447675" indent="-447675">
               <a:buNone/>
             </a:pPr>
-            <a:endParaRPr lang="de-DE" sz="1000" dirty="0" smtClean="0"/>
+            <a:endParaRPr lang="de-DE" sz="1000" dirty="0"/>
           </a:p>
           <a:p>
             <a:pPr marL="447675" indent="-447675"/>
             <a:r>
-              <a:rPr lang="de-DE" sz="3000" dirty="0" smtClean="0"/>
+              <a:rPr lang="de-DE" sz="3000" dirty="0"/>
               <a:t>Musskriterien</a:t>
             </a:r>
           </a:p>
@@ -18177,26 +18064,13 @@
             <a:pPr marL="447675" indent="-447675">
               <a:buNone/>
             </a:pPr>
-            <a:endParaRPr lang="de-DE" sz="1000" dirty="0" smtClean="0"/>
+            <a:endParaRPr lang="de-DE" sz="1000" dirty="0"/>
           </a:p>
           <a:p>
             <a:pPr marL="813435" lvl="1" indent="-447675"/>
             <a:r>
-              <a:rPr lang="de-DE" sz="2600" dirty="0" smtClean="0"/>
+              <a:rPr lang="de-DE" sz="2600" dirty="0"/>
               <a:t>Erstellen einer WG Pinnwand</a:t>
-            </a:r>
-          </a:p>
-          <a:p>
-            <a:pPr marL="447675" indent="-447675">
-              <a:buNone/>
-            </a:pPr>
-            <a:endParaRPr lang="de-DE" sz="2600" dirty="0" smtClean="0"/>
-          </a:p>
-          <a:p>
-            <a:pPr marL="813435" lvl="1" indent="-447675"/>
-            <a:r>
-              <a:rPr lang="de-DE" sz="2600" dirty="0" smtClean="0"/>
-              <a:t>Interaktion mit der Pinnwand</a:t>
             </a:r>
           </a:p>
           <a:p>
@@ -18208,10 +18082,9 @@
           <a:p>
             <a:pPr marL="813435" lvl="1" indent="-447675"/>
             <a:r>
-              <a:rPr lang="de-DE" sz="2600" dirty="0" smtClean="0"/>
-              <a:t>Synchronisierung mit dem Server</a:t>
+              <a:rPr lang="de-DE" sz="2600" dirty="0"/>
+              <a:t>Interaktion mit der Pinnwand</a:t>
             </a:r>
-            <a:endParaRPr lang="de-DE" sz="2600" dirty="0"/>
           </a:p>
           <a:p>
             <a:pPr marL="447675" indent="-447675">
@@ -18222,10 +18095,9 @@
           <a:p>
             <a:pPr marL="813435" lvl="1" indent="-447675"/>
             <a:r>
-              <a:rPr lang="de-DE" sz="2600" dirty="0" smtClean="0"/>
-              <a:t>App-Menü	</a:t>
+              <a:rPr lang="de-DE" sz="2600" dirty="0"/>
+              <a:t>Synchronisierung mit dem Server</a:t>
             </a:r>
-            <a:endParaRPr lang="de-DE" sz="2600" dirty="0"/>
           </a:p>
           <a:p>
             <a:pPr marL="447675" indent="-447675">
@@ -18236,12 +18108,8 @@
           <a:p>
             <a:pPr marL="813435" lvl="1" indent="-447675"/>
             <a:r>
-              <a:rPr lang="de-DE" sz="2600" dirty="0" smtClean="0"/>
-              <a:t>Lesebestätigung</a:t>
-            </a:r>
-            <a:r>
               <a:rPr lang="de-DE" sz="2600" dirty="0"/>
-              <a:t>	</a:t>
+              <a:t>App-Menü	</a:t>
             </a:r>
           </a:p>
           <a:p>
@@ -18253,37 +18121,39 @@
           <a:p>
             <a:pPr marL="813435" lvl="1" indent="-447675"/>
             <a:r>
-              <a:rPr lang="de-DE" sz="2600" dirty="0" smtClean="0"/>
-              <a:t>Push-Benachrichtigung</a:t>
+              <a:rPr lang="de-DE" sz="2600" dirty="0"/>
+              <a:t>Lesebestätigung	</a:t>
             </a:r>
+          </a:p>
+          <a:p>
+            <a:pPr marL="447675" indent="-447675">
+              <a:buNone/>
+            </a:pPr>
+            <a:endParaRPr lang="de-DE" sz="2600" dirty="0"/>
+          </a:p>
+          <a:p>
+            <a:pPr marL="813435" lvl="1" indent="-447675"/>
             <a:r>
               <a:rPr lang="de-DE" sz="2600" dirty="0"/>
-              <a:t>	</a:t>
+              <a:t>Push-Benachrichtigung	</a:t>
             </a:r>
           </a:p>
           <a:p>
             <a:pPr marL="447675" indent="-447675"/>
-            <a:endParaRPr lang="de-DE" sz="1000" dirty="0" smtClean="0"/>
+            <a:endParaRPr lang="de-DE" sz="1000" dirty="0"/>
           </a:p>
         </p:txBody>
       </p:sp>
     </p:spTree>
     <p:extLst>
       <p:ext uri="{BB962C8B-B14F-4D97-AF65-F5344CB8AC3E}">
-        <p14:creationId xmlns:p14="http://schemas.microsoft.com/office/powerpoint/2010/main" xmlns="" val="1753996425"/>
+        <p14:creationId xmlns:p14="http://schemas.microsoft.com/office/powerpoint/2010/main" val="1753996425"/>
       </p:ext>
     </p:extLst>
   </p:cSld>
   <p:clrMapOvr>
     <a:masterClrMapping/>
   </p:clrMapOvr>
-  <p:timing>
-    <p:tnLst>
-      <p:par>
-        <p:cTn id="1" dur="indefinite" restart="never" nodeType="tmRoot"/>
-      </p:par>
-    </p:tnLst>
-  </p:timing>
 </p:sld>
 </file>
 
@@ -18578,4 +18448,299 @@
   <a:objectDefaults/>
   <a:extraClrSchemeLst/>
 </a:theme>
+</file>
+
+<file path=ppt/theme/theme2.xml><?xml version="1.0" encoding="utf-8"?>
+<a:theme xmlns:a="http://schemas.openxmlformats.org/drawingml/2006/main" name="Office">
+  <a:themeElements>
+    <a:clrScheme name="Office">
+      <a:dk1>
+        <a:sysClr val="windowText" lastClr="000000"/>
+      </a:dk1>
+      <a:lt1>
+        <a:sysClr val="window" lastClr="FFFFFF"/>
+      </a:lt1>
+      <a:dk2>
+        <a:srgbClr val="44546A"/>
+      </a:dk2>
+      <a:lt2>
+        <a:srgbClr val="E7E6E6"/>
+      </a:lt2>
+      <a:accent1>
+        <a:srgbClr val="4472C4"/>
+      </a:accent1>
+      <a:accent2>
+        <a:srgbClr val="ED7D31"/>
+      </a:accent2>
+      <a:accent3>
+        <a:srgbClr val="A5A5A5"/>
+      </a:accent3>
+      <a:accent4>
+        <a:srgbClr val="FFC000"/>
+      </a:accent4>
+      <a:accent5>
+        <a:srgbClr val="5B9BD5"/>
+      </a:accent5>
+      <a:accent6>
+        <a:srgbClr val="70AD47"/>
+      </a:accent6>
+      <a:hlink>
+        <a:srgbClr val="0563C1"/>
+      </a:hlink>
+      <a:folHlink>
+        <a:srgbClr val="954F72"/>
+      </a:folHlink>
+    </a:clrScheme>
+    <a:fontScheme name="Office">
+      <a:majorFont>
+        <a:latin typeface="Calibri Light" panose="020F0302020204030204"/>
+        <a:ea typeface=""/>
+        <a:cs typeface=""/>
+        <a:font script="Jpan" typeface="游ゴシック Light"/>
+        <a:font script="Hang" typeface="맑은 고딕"/>
+        <a:font script="Hans" typeface="等线 Light"/>
+        <a:font script="Hant" typeface="新細明體"/>
+        <a:font script="Arab" typeface="Times New Roman"/>
+        <a:font script="Hebr" typeface="Times New Roman"/>
+        <a:font script="Thai" typeface="Angsana New"/>
+        <a:font script="Ethi" typeface="Nyala"/>
+        <a:font script="Beng" typeface="Vrinda"/>
+        <a:font script="Gujr" typeface="Shruti"/>
+        <a:font script="Khmr" typeface="MoolBoran"/>
+        <a:font script="Knda" typeface="Tunga"/>
+        <a:font script="Guru" typeface="Raavi"/>
+        <a:font script="Cans" typeface="Euphemia"/>
+        <a:font script="Cher" typeface="Plantagenet Cherokee"/>
+        <a:font script="Yiii" typeface="Microsoft Yi Baiti"/>
+        <a:font script="Tibt" typeface="Microsoft Himalaya"/>
+        <a:font script="Thaa" typeface="MV Boli"/>
+        <a:font script="Deva" typeface="Mangal"/>
+        <a:font script="Telu" typeface="Gautami"/>
+        <a:font script="Taml" typeface="Latha"/>
+        <a:font script="Syrc" typeface="Estrangelo Edessa"/>
+        <a:font script="Orya" typeface="Kalinga"/>
+        <a:font script="Mlym" typeface="Kartika"/>
+        <a:font script="Laoo" typeface="DokChampa"/>
+        <a:font script="Sinh" typeface="Iskoola Pota"/>
+        <a:font script="Mong" typeface="Mongolian Baiti"/>
+        <a:font script="Viet" typeface="Times New Roman"/>
+        <a:font script="Uigh" typeface="Microsoft Uighur"/>
+        <a:font script="Geor" typeface="Sylfaen"/>
+        <a:font script="Armn" typeface="Arial"/>
+        <a:font script="Bugi" typeface="Leelawadee UI"/>
+        <a:font script="Bopo" typeface="Microsoft JhengHei"/>
+        <a:font script="Java" typeface="Javanese Text"/>
+        <a:font script="Lisu" typeface="Segoe UI"/>
+        <a:font script="Mymr" typeface="Myanmar Text"/>
+        <a:font script="Nkoo" typeface="Ebrima"/>
+        <a:font script="Olck" typeface="Nirmala UI"/>
+        <a:font script="Osma" typeface="Ebrima"/>
+        <a:font script="Phag" typeface="Phagspa"/>
+        <a:font script="Syrn" typeface="Estrangelo Edessa"/>
+        <a:font script="Syrj" typeface="Estrangelo Edessa"/>
+        <a:font script="Syre" typeface="Estrangelo Edessa"/>
+        <a:font script="Sora" typeface="Nirmala UI"/>
+        <a:font script="Tale" typeface="Microsoft Tai Le"/>
+        <a:font script="Talu" typeface="Microsoft New Tai Lue"/>
+        <a:font script="Tfng" typeface="Ebrima"/>
+      </a:majorFont>
+      <a:minorFont>
+        <a:latin typeface="Calibri" panose="020F0502020204030204"/>
+        <a:ea typeface=""/>
+        <a:cs typeface=""/>
+        <a:font script="Jpan" typeface="游ゴシック"/>
+        <a:font script="Hang" typeface="맑은 고딕"/>
+        <a:font script="Hans" typeface="等线"/>
+        <a:font script="Hant" typeface="新細明體"/>
+        <a:font script="Arab" typeface="Arial"/>
+        <a:font script="Hebr" typeface="Arial"/>
+        <a:font script="Thai" typeface="Cordia New"/>
+        <a:font script="Ethi" typeface="Nyala"/>
+        <a:font script="Beng" typeface="Vrinda"/>
+        <a:font script="Gujr" typeface="Shruti"/>
+        <a:font script="Khmr" typeface="DaunPenh"/>
+        <a:font script="Knda" typeface="Tunga"/>
+        <a:font script="Guru" typeface="Raavi"/>
+        <a:font script="Cans" typeface="Euphemia"/>
+        <a:font script="Cher" typeface="Plantagenet Cherokee"/>
+        <a:font script="Yiii" typeface="Microsoft Yi Baiti"/>
+        <a:font script="Tibt" typeface="Microsoft Himalaya"/>
+        <a:font script="Thaa" typeface="MV Boli"/>
+        <a:font script="Deva" typeface="Mangal"/>
+        <a:font script="Telu" typeface="Gautami"/>
+        <a:font script="Taml" typeface="Latha"/>
+        <a:font script="Syrc" typeface="Estrangelo Edessa"/>
+        <a:font script="Orya" typeface="Kalinga"/>
+        <a:font script="Mlym" typeface="Kartika"/>
+        <a:font script="Laoo" typeface="DokChampa"/>
+        <a:font script="Sinh" typeface="Iskoola Pota"/>
+        <a:font script="Mong" typeface="Mongolian Baiti"/>
+        <a:font script="Viet" typeface="Arial"/>
+        <a:font script="Uigh" typeface="Microsoft Uighur"/>
+        <a:font script="Geor" typeface="Sylfaen"/>
+        <a:font script="Armn" typeface="Arial"/>
+        <a:font script="Bugi" typeface="Leelawadee UI"/>
+        <a:font script="Bopo" typeface="Microsoft JhengHei"/>
+        <a:font script="Java" typeface="Javanese Text"/>
+        <a:font script="Lisu" typeface="Segoe UI"/>
+        <a:font script="Mymr" typeface="Myanmar Text"/>
+        <a:font script="Nkoo" typeface="Ebrima"/>
+        <a:font script="Olck" typeface="Nirmala UI"/>
+        <a:font script="Osma" typeface="Ebrima"/>
+        <a:font script="Phag" typeface="Phagspa"/>
+        <a:font script="Syrn" typeface="Estrangelo Edessa"/>
+        <a:font script="Syrj" typeface="Estrangelo Edessa"/>
+        <a:font script="Syre" typeface="Estrangelo Edessa"/>
+        <a:font script="Sora" typeface="Nirmala UI"/>
+        <a:font script="Tale" typeface="Microsoft Tai Le"/>
+        <a:font script="Talu" typeface="Microsoft New Tai Lue"/>
+        <a:font script="Tfng" typeface="Ebrima"/>
+      </a:minorFont>
+    </a:fontScheme>
+    <a:fmtScheme name="Office">
+      <a:fillStyleLst>
+        <a:solidFill>
+          <a:schemeClr val="phClr"/>
+        </a:solidFill>
+        <a:gradFill rotWithShape="1">
+          <a:gsLst>
+            <a:gs pos="0">
+              <a:schemeClr val="phClr">
+                <a:lumMod val="110000"/>
+                <a:satMod val="105000"/>
+                <a:tint val="67000"/>
+              </a:schemeClr>
+            </a:gs>
+            <a:gs pos="50000">
+              <a:schemeClr val="phClr">
+                <a:lumMod val="105000"/>
+                <a:satMod val="103000"/>
+                <a:tint val="73000"/>
+              </a:schemeClr>
+            </a:gs>
+            <a:gs pos="100000">
+              <a:schemeClr val="phClr">
+                <a:lumMod val="105000"/>
+                <a:satMod val="109000"/>
+                <a:tint val="81000"/>
+              </a:schemeClr>
+            </a:gs>
+          </a:gsLst>
+          <a:lin ang="5400000" scaled="0"/>
+        </a:gradFill>
+        <a:gradFill rotWithShape="1">
+          <a:gsLst>
+            <a:gs pos="0">
+              <a:schemeClr val="phClr">
+                <a:satMod val="103000"/>
+                <a:lumMod val="102000"/>
+                <a:tint val="94000"/>
+              </a:schemeClr>
+            </a:gs>
+            <a:gs pos="50000">
+              <a:schemeClr val="phClr">
+                <a:satMod val="110000"/>
+                <a:lumMod val="100000"/>
+                <a:shade val="100000"/>
+              </a:schemeClr>
+            </a:gs>
+            <a:gs pos="100000">
+              <a:schemeClr val="phClr">
+                <a:lumMod val="99000"/>
+                <a:satMod val="120000"/>
+                <a:shade val="78000"/>
+              </a:schemeClr>
+            </a:gs>
+          </a:gsLst>
+          <a:lin ang="5400000" scaled="0"/>
+        </a:gradFill>
+      </a:fillStyleLst>
+      <a:lnStyleLst>
+        <a:ln w="6350" cap="flat" cmpd="sng" algn="ctr">
+          <a:solidFill>
+            <a:schemeClr val="phClr"/>
+          </a:solidFill>
+          <a:prstDash val="solid"/>
+          <a:miter lim="800000"/>
+        </a:ln>
+        <a:ln w="12700" cap="flat" cmpd="sng" algn="ctr">
+          <a:solidFill>
+            <a:schemeClr val="phClr"/>
+          </a:solidFill>
+          <a:prstDash val="solid"/>
+          <a:miter lim="800000"/>
+        </a:ln>
+        <a:ln w="19050" cap="flat" cmpd="sng" algn="ctr">
+          <a:solidFill>
+            <a:schemeClr val="phClr"/>
+          </a:solidFill>
+          <a:prstDash val="solid"/>
+          <a:miter lim="800000"/>
+        </a:ln>
+      </a:lnStyleLst>
+      <a:effectStyleLst>
+        <a:effectStyle>
+          <a:effectLst/>
+        </a:effectStyle>
+        <a:effectStyle>
+          <a:effectLst/>
+        </a:effectStyle>
+        <a:effectStyle>
+          <a:effectLst>
+            <a:outerShdw blurRad="57150" dist="19050" dir="5400000" algn="ctr" rotWithShape="0">
+              <a:srgbClr val="000000">
+                <a:alpha val="63000"/>
+              </a:srgbClr>
+            </a:outerShdw>
+          </a:effectLst>
+        </a:effectStyle>
+      </a:effectStyleLst>
+      <a:bgFillStyleLst>
+        <a:solidFill>
+          <a:schemeClr val="phClr"/>
+        </a:solidFill>
+        <a:solidFill>
+          <a:schemeClr val="phClr">
+            <a:tint val="95000"/>
+            <a:satMod val="170000"/>
+          </a:schemeClr>
+        </a:solidFill>
+        <a:gradFill rotWithShape="1">
+          <a:gsLst>
+            <a:gs pos="0">
+              <a:schemeClr val="phClr">
+                <a:tint val="93000"/>
+                <a:satMod val="150000"/>
+                <a:shade val="98000"/>
+                <a:lumMod val="102000"/>
+              </a:schemeClr>
+            </a:gs>
+            <a:gs pos="50000">
+              <a:schemeClr val="phClr">
+                <a:tint val="98000"/>
+                <a:satMod val="130000"/>
+                <a:shade val="90000"/>
+                <a:lumMod val="103000"/>
+              </a:schemeClr>
+            </a:gs>
+            <a:gs pos="100000">
+              <a:schemeClr val="phClr">
+                <a:shade val="63000"/>
+                <a:satMod val="120000"/>
+              </a:schemeClr>
+            </a:gs>
+          </a:gsLst>
+          <a:lin ang="5400000" scaled="0"/>
+        </a:gradFill>
+      </a:bgFillStyleLst>
+    </a:fmtScheme>
+  </a:themeElements>
+  <a:objectDefaults/>
+  <a:extraClrSchemeLst/>
+  <a:extLst>
+    <a:ext uri="{05A4C25C-085E-4340-85A3-A5531E510DB2}">
+      <thm15:themeFamily xmlns:thm15="http://schemas.microsoft.com/office/thememl/2012/main" name="Office Theme" id="{62F939B6-93AF-4DB8-9C6B-D6C7DFDC589F}" vid="{4A3C46E8-61CC-4603-A589-7422A47A8E4A}"/>
+    </a:ext>
+  </a:extLst>
+</a:theme>
 </file>
--- a/documentation/Abschluss/Abschlusspräsentation.pptx
+++ b/documentation/Abschluss/Abschlusspräsentation.pptx
@@ -128,7 +128,7 @@
   </p:defaultTextStyle>
   <p:extLst>
     <p:ext uri="{EFAFB233-063F-42B5-8137-9DF3F51BA10A}">
-      <p15:sldGuideLst xmlns:p15="http://schemas.microsoft.com/office/powerpoint/2012/main">
+      <p15:sldGuideLst xmlns:p15="http://schemas.microsoft.com/office/powerpoint/2012/main" xmlns="">
         <p15:guide id="1" orient="horz" pos="2160">
           <p15:clr>
             <a:srgbClr val="A4A3A4"/>
@@ -146,18 +146,8 @@
 </file>
 
 <file path=ppt/charts/chart1.xml><?xml version="1.0" encoding="utf-8"?>
-<c:chartSpace xmlns:c="http://schemas.openxmlformats.org/drawingml/2006/chart" xmlns:a="http://schemas.openxmlformats.org/drawingml/2006/main" xmlns:r="http://schemas.openxmlformats.org/officeDocument/2006/relationships" xmlns:c16r2="http://schemas.microsoft.com/office/drawing/2015/06/chart">
-  <c:date1904 val="0"/>
+<c:chartSpace xmlns:c="http://schemas.openxmlformats.org/drawingml/2006/chart" xmlns:a="http://schemas.openxmlformats.org/drawingml/2006/main" xmlns:r="http://schemas.openxmlformats.org/officeDocument/2006/relationships">
   <c:lang val="de-DE"/>
-  <c:roundedCorners val="0"/>
-  <mc:AlternateContent xmlns:mc="http://schemas.openxmlformats.org/markup-compatibility/2006">
-    <mc:Choice xmlns:c14="http://schemas.microsoft.com/office/drawing/2007/8/2/chart" Requires="c14">
-      <c14:style val="102"/>
-    </mc:Choice>
-    <mc:Fallback>
-      <c:style val="2"/>
-    </mc:Fallback>
-  </mc:AlternateContent>
   <c:chart>
     <c:title>
       <c:tx>
@@ -185,7 +175,7 @@
           </a:p>
         </c:rich>
       </c:tx>
-      <c:overlay val="0"/>
+      <c:layout/>
       <c:spPr>
         <a:noFill/>
         <a:ln>
@@ -194,13 +184,11 @@
         <a:effectLst/>
       </c:spPr>
     </c:title>
-    <c:autoTitleDeleted val="0"/>
     <c:plotArea>
       <c:layout/>
       <c:barChart>
         <c:barDir val="bar"/>
         <c:grouping val="clustered"/>
-        <c:varyColors val="0"/>
         <c:ser>
           <c:idx val="0"/>
           <c:order val="0"/>
@@ -224,7 +212,6 @@
             </a:ln>
             <a:effectLst/>
           </c:spPr>
-          <c:invertIfNegative val="0"/>
           <c:cat>
             <c:strRef>
               <c:f>Tabelle1!$A$2:$A$7</c:f>
@@ -278,34 +265,25 @@
               </c:numCache>
             </c:numRef>
           </c:val>
-          <c:extLst>
+          <c:extLst xmlns:c16r2="http://schemas.microsoft.com/office/drawing/2015/06/chart">
             <c:ext xmlns:c16="http://schemas.microsoft.com/office/drawing/2014/chart" uri="{C3380CC4-5D6E-409C-BE32-E72D297353CC}">
               <c16:uniqueId val="{00000000-5253-460E-879C-581206D8B81C}"/>
             </c:ext>
           </c:extLst>
         </c:ser>
-        <c:dLbls>
-          <c:showLegendKey val="0"/>
-          <c:showVal val="0"/>
-          <c:showCatName val="0"/>
-          <c:showSerName val="0"/>
-          <c:showPercent val="0"/>
-          <c:showBubbleSize val="0"/>
-        </c:dLbls>
+        <c:dLbls/>
         <c:gapWidth val="182"/>
-        <c:axId val="167525760"/>
-        <c:axId val="131961984"/>
+        <c:axId val="103747584"/>
+        <c:axId val="105390464"/>
       </c:barChart>
       <c:catAx>
-        <c:axId val="167525760"/>
+        <c:axId val="103747584"/>
         <c:scaling>
           <c:orientation val="minMax"/>
         </c:scaling>
-        <c:delete val="0"/>
         <c:axPos val="l"/>
         <c:numFmt formatCode="General" sourceLinked="1"/>
         <c:majorTickMark val="none"/>
-        <c:minorTickMark val="none"/>
         <c:tickLblPos val="nextTo"/>
         <c:spPr>
           <a:noFill/>
@@ -340,21 +318,19 @@
             <a:endParaRPr lang="de-DE"/>
           </a:p>
         </c:txPr>
-        <c:crossAx val="131961984"/>
+        <c:crossAx val="105390464"/>
         <c:crosses val="autoZero"/>
         <c:auto val="1"/>
         <c:lblAlgn val="ctr"/>
         <c:lblOffset val="100"/>
-        <c:noMultiLvlLbl val="0"/>
       </c:catAx>
       <c:valAx>
-        <c:axId val="131961984"/>
+        <c:axId val="105390464"/>
         <c:scaling>
           <c:orientation val="minMax"/>
           <c:max val="7"/>
           <c:min val="1"/>
         </c:scaling>
-        <c:delete val="0"/>
         <c:axPos val="b"/>
         <c:majorGridlines>
           <c:spPr>
@@ -372,7 +348,6 @@
         </c:majorGridlines>
         <c:numFmt formatCode="General" sourceLinked="1"/>
         <c:majorTickMark val="none"/>
-        <c:minorTickMark val="none"/>
         <c:tickLblPos val="nextTo"/>
         <c:spPr>
           <a:noFill/>
@@ -401,7 +376,7 @@
             <a:endParaRPr lang="de-DE"/>
           </a:p>
         </c:txPr>
-        <c:crossAx val="167525760"/>
+        <c:crossAx val="103747584"/>
         <c:crosses val="autoZero"/>
         <c:crossBetween val="between"/>
       </c:valAx>
@@ -415,14 +390,13 @@
     </c:plotArea>
     <c:plotVisOnly val="1"/>
     <c:dispBlanksAs val="gap"/>
-    <c:extLst>
+    <c:extLst xmlns:c16r2="http://schemas.microsoft.com/office/drawing/2015/06/chart">
       <c:ext xmlns:c16r3="http://schemas.microsoft.com/office/drawing/2017/03/chart" uri="{56B9EC1D-385E-4148-901F-78D8002777C0}">
         <c16r3:dataDisplayOptions16>
           <c16r3:dispNaAsBlank val="1"/>
         </c16r3:dataDisplayOptions16>
       </c:ext>
     </c:extLst>
-    <c:showDLblsOverMax val="0"/>
   </c:chart>
   <c:spPr>
     <a:noFill/>
@@ -441,25 +415,13 @@
       <a:endParaRPr lang="de-DE"/>
     </a:p>
   </c:txPr>
-  <c:externalData r:id="rId1">
-    <c:autoUpdate val="0"/>
-  </c:externalData>
+  <c:externalData r:id="rId1"/>
 </c:chartSpace>
 </file>
 
 <file path=ppt/charts/chart2.xml><?xml version="1.0" encoding="utf-8"?>
-<c:chartSpace xmlns:c="http://schemas.openxmlformats.org/drawingml/2006/chart" xmlns:a="http://schemas.openxmlformats.org/drawingml/2006/main" xmlns:r="http://schemas.openxmlformats.org/officeDocument/2006/relationships" xmlns:c16r2="http://schemas.microsoft.com/office/drawing/2015/06/chart">
-  <c:date1904 val="0"/>
+<c:chartSpace xmlns:c="http://schemas.openxmlformats.org/drawingml/2006/chart" xmlns:a="http://schemas.openxmlformats.org/drawingml/2006/main" xmlns:r="http://schemas.openxmlformats.org/officeDocument/2006/relationships">
   <c:lang val="de-DE"/>
-  <c:roundedCorners val="0"/>
-  <mc:AlternateContent xmlns:mc="http://schemas.openxmlformats.org/markup-compatibility/2006">
-    <mc:Choice xmlns:c14="http://schemas.microsoft.com/office/drawing/2007/8/2/chart" Requires="c14">
-      <c14:style val="102"/>
-    </mc:Choice>
-    <mc:Fallback>
-      <c:style val="2"/>
-    </mc:Fallback>
-  </mc:AlternateContent>
   <c:chart>
     <c:title>
       <c:tx>
@@ -487,7 +449,7 @@
           </a:p>
         </c:rich>
       </c:tx>
-      <c:overlay val="0"/>
+      <c:layout/>
       <c:spPr>
         <a:noFill/>
         <a:ln>
@@ -496,23 +458,21 @@
         <a:effectLst/>
       </c:spPr>
     </c:title>
-    <c:autoTitleDeleted val="0"/>
     <c:plotArea>
       <c:layout>
         <c:manualLayout>
           <c:layoutTarget val="inner"/>
           <c:xMode val="edge"/>
           <c:yMode val="edge"/>
-          <c:x val="0.48375717671586405"/>
+          <c:x val="0.4837571767158641"/>
           <c:y val="0.15384222980895401"/>
           <c:w val="0.45679850011537793"/>
-          <c:h val="0.65705195558005514"/>
+          <c:h val="0.65705195558005525"/>
         </c:manualLayout>
       </c:layout>
       <c:barChart>
         <c:barDir val="bar"/>
         <c:grouping val="clustered"/>
-        <c:varyColors val="0"/>
         <c:ser>
           <c:idx val="0"/>
           <c:order val="0"/>
@@ -536,7 +496,6 @@
             </a:ln>
             <a:effectLst/>
           </c:spPr>
-          <c:invertIfNegative val="0"/>
           <c:cat>
             <c:strRef>
               <c:f>Tabelle1!$A$2:$A$9</c:f>
@@ -585,7 +544,7 @@
                   <c:v>4.8333000000000004</c:v>
                 </c:pt>
                 <c:pt idx="3">
-                  <c:v>4.9166700000000008</c:v>
+                  <c:v>4.9166700000000017</c:v>
                 </c:pt>
                 <c:pt idx="4">
                   <c:v>4.25</c:v>
@@ -602,7 +561,7 @@
               </c:numCache>
             </c:numRef>
           </c:val>
-          <c:extLst>
+          <c:extLst xmlns:c16r2="http://schemas.microsoft.com/office/drawing/2015/06/chart">
             <c:ext xmlns:c16="http://schemas.microsoft.com/office/drawing/2014/chart" uri="{C3380CC4-5D6E-409C-BE32-E72D297353CC}">
               <c16:uniqueId val="{00000000-5253-460E-879C-581206D8B81C}"/>
             </c:ext>
@@ -631,7 +590,6 @@
             </a:ln>
             <a:effectLst/>
           </c:spPr>
-          <c:invertIfNegative val="0"/>
           <c:cat>
             <c:strRef>
               <c:f>Tabelle1!$A$2:$A$9</c:f>
@@ -683,7 +641,7 @@
                   <c:v>5.25</c:v>
                 </c:pt>
                 <c:pt idx="4">
-                  <c:v>2.8332999999999995</c:v>
+                  <c:v>2.833299999999999</c:v>
                 </c:pt>
                 <c:pt idx="5">
                   <c:v>6.0833300000000001</c:v>
@@ -697,7 +655,7 @@
               </c:numCache>
             </c:numRef>
           </c:val>
-          <c:extLst>
+          <c:extLst xmlns:c16r2="http://schemas.microsoft.com/office/drawing/2015/06/chart">
             <c:ext xmlns:c16="http://schemas.microsoft.com/office/drawing/2014/chart" uri="{C3380CC4-5D6E-409C-BE32-E72D297353CC}">
               <c16:uniqueId val="{00000001-5253-460E-879C-581206D8B81C}"/>
             </c:ext>
@@ -726,7 +684,6 @@
             </a:ln>
             <a:effectLst/>
           </c:spPr>
-          <c:invertIfNegative val="0"/>
           <c:cat>
             <c:strRef>
               <c:f>Tabelle1!$A$2:$A$9</c:f>
@@ -768,34 +725,25 @@
               </c:numCache>
             </c:numRef>
           </c:val>
-          <c:extLst>
+          <c:extLst xmlns:c16r2="http://schemas.microsoft.com/office/drawing/2015/06/chart">
             <c:ext xmlns:c16="http://schemas.microsoft.com/office/drawing/2014/chart" uri="{C3380CC4-5D6E-409C-BE32-E72D297353CC}">
               <c16:uniqueId val="{00000000-B8AC-4D32-B8BD-2D16DC70C46C}"/>
             </c:ext>
           </c:extLst>
         </c:ser>
-        <c:dLbls>
-          <c:showLegendKey val="0"/>
-          <c:showVal val="0"/>
-          <c:showCatName val="0"/>
-          <c:showSerName val="0"/>
-          <c:showPercent val="0"/>
-          <c:showBubbleSize val="0"/>
-        </c:dLbls>
+        <c:dLbls/>
         <c:gapWidth val="182"/>
-        <c:axId val="136965120"/>
-        <c:axId val="137184000"/>
+        <c:axId val="167523840"/>
+        <c:axId val="167525760"/>
       </c:barChart>
       <c:catAx>
-        <c:axId val="136965120"/>
+        <c:axId val="167523840"/>
         <c:scaling>
           <c:orientation val="minMax"/>
         </c:scaling>
-        <c:delete val="0"/>
         <c:axPos val="l"/>
         <c:numFmt formatCode="General" sourceLinked="1"/>
         <c:majorTickMark val="none"/>
-        <c:minorTickMark val="none"/>
         <c:tickLblPos val="nextTo"/>
         <c:spPr>
           <a:noFill/>
@@ -830,21 +778,19 @@
             <a:endParaRPr lang="de-DE"/>
           </a:p>
         </c:txPr>
-        <c:crossAx val="137184000"/>
+        <c:crossAx val="167525760"/>
         <c:crosses val="autoZero"/>
         <c:auto val="1"/>
         <c:lblAlgn val="ctr"/>
         <c:lblOffset val="100"/>
-        <c:noMultiLvlLbl val="0"/>
       </c:catAx>
       <c:valAx>
-        <c:axId val="137184000"/>
+        <c:axId val="167525760"/>
         <c:scaling>
           <c:orientation val="minMax"/>
           <c:max val="7"/>
           <c:min val="1"/>
         </c:scaling>
-        <c:delete val="0"/>
         <c:axPos val="b"/>
         <c:majorGridlines>
           <c:spPr>
@@ -862,7 +808,6 @@
         </c:majorGridlines>
         <c:numFmt formatCode="General" sourceLinked="1"/>
         <c:majorTickMark val="none"/>
-        <c:minorTickMark val="none"/>
         <c:tickLblPos val="nextTo"/>
         <c:spPr>
           <a:noFill/>
@@ -891,7 +836,7 @@
             <a:endParaRPr lang="de-DE"/>
           </a:p>
         </c:txPr>
-        <c:crossAx val="136965120"/>
+        <c:crossAx val="167523840"/>
         <c:crosses val="autoZero"/>
         <c:crossBetween val="between"/>
       </c:valAx>
@@ -909,7 +854,7 @@
         <c:idx val="0"/>
         <c:delete val="1"/>
       </c:legendEntry>
-      <c:overlay val="0"/>
+      <c:layout/>
       <c:spPr>
         <a:noFill/>
         <a:ln>
@@ -940,14 +885,13 @@
     </c:legend>
     <c:plotVisOnly val="1"/>
     <c:dispBlanksAs val="gap"/>
-    <c:extLst>
+    <c:extLst xmlns:c16r2="http://schemas.microsoft.com/office/drawing/2015/06/chart">
       <c:ext xmlns:c16r3="http://schemas.microsoft.com/office/drawing/2017/03/chart" uri="{56B9EC1D-385E-4148-901F-78D8002777C0}">
         <c16r3:dataDisplayOptions16>
           <c16r3:dispNaAsBlank val="1"/>
         </c16r3:dataDisplayOptions16>
       </c:ext>
     </c:extLst>
-    <c:showDLblsOverMax val="0"/>
   </c:chart>
   <c:spPr>
     <a:noFill/>
@@ -966,9 +910,7 @@
       <a:endParaRPr lang="de-DE"/>
     </a:p>
   </c:txPr>
-  <c:externalData r:id="rId1">
-    <c:autoUpdate val="0"/>
-  </c:externalData>
+  <c:externalData r:id="rId1"/>
 </c:chartSpace>
 </file>
 
@@ -2080,6 +2022,13 @@
     <dgm:pt modelId="{7E987B23-1FBF-934F-AE84-A1950824BC19}" type="pres">
       <dgm:prSet presAssocID="{92C21019-64F2-0A48-BD7D-7FDFDD8673B8}" presName="acctBkgd" presStyleLbl="alignAcc1" presStyleIdx="0" presStyleCnt="4"/>
       <dgm:spPr/>
+      <dgm:t>
+        <a:bodyPr/>
+        <a:lstStyle/>
+        <a:p>
+          <a:endParaRPr lang="de-DE"/>
+        </a:p>
+      </dgm:t>
     </dgm:pt>
     <dgm:pt modelId="{018B8698-0B3B-D540-A270-4559257B67AF}" type="pres">
       <dgm:prSet presAssocID="{92C21019-64F2-0A48-BD7D-7FDFDD8673B8}" presName="acctTx" presStyleLbl="alignAcc1" presStyleIdx="0" presStyleCnt="4">
@@ -2088,6 +2037,13 @@
         </dgm:presLayoutVars>
       </dgm:prSet>
       <dgm:spPr/>
+      <dgm:t>
+        <a:bodyPr/>
+        <a:lstStyle/>
+        <a:p>
+          <a:endParaRPr lang="de-DE"/>
+        </a:p>
+      </dgm:t>
     </dgm:pt>
     <dgm:pt modelId="{A9F61433-CB8A-8047-8082-C85308266DA6}" type="pres">
       <dgm:prSet presAssocID="{92C21019-64F2-0A48-BD7D-7FDFDD8673B8}" presName="level" presStyleLbl="node1" presStyleIdx="0" presStyleCnt="4">
@@ -2097,6 +2053,13 @@
         </dgm:presLayoutVars>
       </dgm:prSet>
       <dgm:spPr/>
+      <dgm:t>
+        <a:bodyPr/>
+        <a:lstStyle/>
+        <a:p>
+          <a:endParaRPr lang="de-DE"/>
+        </a:p>
+      </dgm:t>
     </dgm:pt>
     <dgm:pt modelId="{4D34D131-0121-2641-AF3E-C4A924B66906}" type="pres">
       <dgm:prSet presAssocID="{92C21019-64F2-0A48-BD7D-7FDFDD8673B8}" presName="levelTx" presStyleLbl="revTx" presStyleIdx="0" presStyleCnt="0">
@@ -2106,6 +2069,13 @@
         </dgm:presLayoutVars>
       </dgm:prSet>
       <dgm:spPr/>
+      <dgm:t>
+        <a:bodyPr/>
+        <a:lstStyle/>
+        <a:p>
+          <a:endParaRPr lang="de-DE"/>
+        </a:p>
+      </dgm:t>
     </dgm:pt>
     <dgm:pt modelId="{5E71FEFC-0AEF-6148-9B9A-CB806F178227}" type="pres">
       <dgm:prSet presAssocID="{51F1C30F-BC6D-964B-805C-7251FA337436}" presName="Name8" presStyleCnt="0"/>
@@ -2114,6 +2084,13 @@
     <dgm:pt modelId="{8D281AA3-EAE3-0045-A5A0-7223F2D67F92}" type="pres">
       <dgm:prSet presAssocID="{51F1C30F-BC6D-964B-805C-7251FA337436}" presName="acctBkgd" presStyleLbl="alignAcc1" presStyleIdx="1" presStyleCnt="4"/>
       <dgm:spPr/>
+      <dgm:t>
+        <a:bodyPr/>
+        <a:lstStyle/>
+        <a:p>
+          <a:endParaRPr lang="de-DE"/>
+        </a:p>
+      </dgm:t>
     </dgm:pt>
     <dgm:pt modelId="{E9BA28E7-8E28-DC4E-8CFA-4CB60151A223}" type="pres">
       <dgm:prSet presAssocID="{51F1C30F-BC6D-964B-805C-7251FA337436}" presName="acctTx" presStyleLbl="alignAcc1" presStyleIdx="1" presStyleCnt="4">
@@ -2122,6 +2099,13 @@
         </dgm:presLayoutVars>
       </dgm:prSet>
       <dgm:spPr/>
+      <dgm:t>
+        <a:bodyPr/>
+        <a:lstStyle/>
+        <a:p>
+          <a:endParaRPr lang="de-DE"/>
+        </a:p>
+      </dgm:t>
     </dgm:pt>
     <dgm:pt modelId="{6B11F3B5-2AD7-F54A-803F-23A8CC73E218}" type="pres">
       <dgm:prSet presAssocID="{51F1C30F-BC6D-964B-805C-7251FA337436}" presName="level" presStyleLbl="node1" presStyleIdx="1" presStyleCnt="4">
@@ -2131,6 +2115,13 @@
         </dgm:presLayoutVars>
       </dgm:prSet>
       <dgm:spPr/>
+      <dgm:t>
+        <a:bodyPr/>
+        <a:lstStyle/>
+        <a:p>
+          <a:endParaRPr lang="de-DE"/>
+        </a:p>
+      </dgm:t>
     </dgm:pt>
     <dgm:pt modelId="{48B723AD-B3BC-6C4A-BEC9-85FE6C47C9A8}" type="pres">
       <dgm:prSet presAssocID="{51F1C30F-BC6D-964B-805C-7251FA337436}" presName="levelTx" presStyleLbl="revTx" presStyleIdx="0" presStyleCnt="0">
@@ -2140,6 +2131,13 @@
         </dgm:presLayoutVars>
       </dgm:prSet>
       <dgm:spPr/>
+      <dgm:t>
+        <a:bodyPr/>
+        <a:lstStyle/>
+        <a:p>
+          <a:endParaRPr lang="de-DE"/>
+        </a:p>
+      </dgm:t>
     </dgm:pt>
     <dgm:pt modelId="{E3A7B8DF-2AB4-EF4B-A31D-63776D53F9A5}" type="pres">
       <dgm:prSet presAssocID="{95522B47-3477-C141-AFAA-3FD0434218F0}" presName="Name8" presStyleCnt="0"/>
@@ -2148,6 +2146,13 @@
     <dgm:pt modelId="{D77927C9-F46D-F245-BE2A-ABD276F67486}" type="pres">
       <dgm:prSet presAssocID="{95522B47-3477-C141-AFAA-3FD0434218F0}" presName="acctBkgd" presStyleLbl="alignAcc1" presStyleIdx="2" presStyleCnt="4"/>
       <dgm:spPr/>
+      <dgm:t>
+        <a:bodyPr/>
+        <a:lstStyle/>
+        <a:p>
+          <a:endParaRPr lang="de-DE"/>
+        </a:p>
+      </dgm:t>
     </dgm:pt>
     <dgm:pt modelId="{7CA8BB3D-EC27-DF4B-B646-4F05EA0EC76E}" type="pres">
       <dgm:prSet presAssocID="{95522B47-3477-C141-AFAA-3FD0434218F0}" presName="acctTx" presStyleLbl="alignAcc1" presStyleIdx="2" presStyleCnt="4">
@@ -2156,6 +2161,13 @@
         </dgm:presLayoutVars>
       </dgm:prSet>
       <dgm:spPr/>
+      <dgm:t>
+        <a:bodyPr/>
+        <a:lstStyle/>
+        <a:p>
+          <a:endParaRPr lang="de-DE"/>
+        </a:p>
+      </dgm:t>
     </dgm:pt>
     <dgm:pt modelId="{A8CB1A31-73B3-534A-A39D-2DE64F9500D0}" type="pres">
       <dgm:prSet presAssocID="{95522B47-3477-C141-AFAA-3FD0434218F0}" presName="level" presStyleLbl="node1" presStyleIdx="2" presStyleCnt="4">
@@ -2165,6 +2177,13 @@
         </dgm:presLayoutVars>
       </dgm:prSet>
       <dgm:spPr/>
+      <dgm:t>
+        <a:bodyPr/>
+        <a:lstStyle/>
+        <a:p>
+          <a:endParaRPr lang="de-DE"/>
+        </a:p>
+      </dgm:t>
     </dgm:pt>
     <dgm:pt modelId="{DF22608E-46D2-D64D-9F3F-99E16C8A152A}" type="pres">
       <dgm:prSet presAssocID="{95522B47-3477-C141-AFAA-3FD0434218F0}" presName="levelTx" presStyleLbl="revTx" presStyleIdx="0" presStyleCnt="0">
@@ -2174,6 +2193,13 @@
         </dgm:presLayoutVars>
       </dgm:prSet>
       <dgm:spPr/>
+      <dgm:t>
+        <a:bodyPr/>
+        <a:lstStyle/>
+        <a:p>
+          <a:endParaRPr lang="de-DE"/>
+        </a:p>
+      </dgm:t>
     </dgm:pt>
     <dgm:pt modelId="{BF33163F-9E3F-CB49-B9A9-63644BFD4A82}" type="pres">
       <dgm:prSet presAssocID="{D26D63A6-FB7D-0240-97D8-6615283E9E74}" presName="Name8" presStyleCnt="0"/>
@@ -2182,6 +2208,13 @@
     <dgm:pt modelId="{999FE6A6-E8B1-BB44-B941-3BC9347AA8FE}" type="pres">
       <dgm:prSet presAssocID="{D26D63A6-FB7D-0240-97D8-6615283E9E74}" presName="acctBkgd" presStyleLbl="alignAcc1" presStyleIdx="3" presStyleCnt="4"/>
       <dgm:spPr/>
+      <dgm:t>
+        <a:bodyPr/>
+        <a:lstStyle/>
+        <a:p>
+          <a:endParaRPr lang="de-DE"/>
+        </a:p>
+      </dgm:t>
     </dgm:pt>
     <dgm:pt modelId="{26251B07-6187-0C4B-902B-8F81E2C76F5A}" type="pres">
       <dgm:prSet presAssocID="{D26D63A6-FB7D-0240-97D8-6615283E9E74}" presName="acctTx" presStyleLbl="alignAcc1" presStyleIdx="3" presStyleCnt="4">
@@ -2190,6 +2223,13 @@
         </dgm:presLayoutVars>
       </dgm:prSet>
       <dgm:spPr/>
+      <dgm:t>
+        <a:bodyPr/>
+        <a:lstStyle/>
+        <a:p>
+          <a:endParaRPr lang="de-DE"/>
+        </a:p>
+      </dgm:t>
     </dgm:pt>
     <dgm:pt modelId="{2A0A634F-9A33-6544-B1F3-6BFFBF7806C4}" type="pres">
       <dgm:prSet presAssocID="{D26D63A6-FB7D-0240-97D8-6615283E9E74}" presName="level" presStyleLbl="node1" presStyleIdx="3" presStyleCnt="4">
@@ -2199,6 +2239,13 @@
         </dgm:presLayoutVars>
       </dgm:prSet>
       <dgm:spPr/>
+      <dgm:t>
+        <a:bodyPr/>
+        <a:lstStyle/>
+        <a:p>
+          <a:endParaRPr lang="de-DE"/>
+        </a:p>
+      </dgm:t>
     </dgm:pt>
     <dgm:pt modelId="{E68B17FE-F1BB-8B4E-B878-6C4CEBB5AB7C}" type="pres">
       <dgm:prSet presAssocID="{D26D63A6-FB7D-0240-97D8-6615283E9E74}" presName="levelTx" presStyleLbl="revTx" presStyleIdx="0" presStyleCnt="0">
@@ -2208,34 +2255,41 @@
         </dgm:presLayoutVars>
       </dgm:prSet>
       <dgm:spPr/>
+      <dgm:t>
+        <a:bodyPr/>
+        <a:lstStyle/>
+        <a:p>
+          <a:endParaRPr lang="de-DE"/>
+        </a:p>
+      </dgm:t>
     </dgm:pt>
   </dgm:ptLst>
   <dgm:cxnLst>
-    <dgm:cxn modelId="{1D8B7A02-969F-CF45-8699-77BD1E7D48F3}" type="presOf" srcId="{E3B96449-42AF-F148-8F67-EB889FB6512C}" destId="{8D281AA3-EAE3-0045-A5A0-7223F2D67F92}" srcOrd="0" destOrd="0" presId="urn:microsoft.com/office/officeart/2005/8/layout/pyramid1"/>
-    <dgm:cxn modelId="{71386A13-7EC1-004B-9EBD-37E3167C6D12}" type="presOf" srcId="{D26D63A6-FB7D-0240-97D8-6615283E9E74}" destId="{2A0A634F-9A33-6544-B1F3-6BFFBF7806C4}" srcOrd="0" destOrd="0" presId="urn:microsoft.com/office/officeart/2005/8/layout/pyramid1"/>
+    <dgm:cxn modelId="{E97A5C97-0681-864D-8A3C-14A82006E75D}" srcId="{51F1C30F-BC6D-964B-805C-7251FA337436}" destId="{E3B96449-42AF-F148-8F67-EB889FB6512C}" srcOrd="0" destOrd="0" parTransId="{B5FCD191-7AD4-B448-88CE-82D53C569F1C}" sibTransId="{13F26C4E-C59A-774E-8760-E5E040AFEC23}"/>
+    <dgm:cxn modelId="{EBFDDAD3-5806-1448-A843-A19FFE20FB5A}" type="presOf" srcId="{92C21019-64F2-0A48-BD7D-7FDFDD8673B8}" destId="{A9F61433-CB8A-8047-8082-C85308266DA6}" srcOrd="0" destOrd="0" presId="urn:microsoft.com/office/officeart/2005/8/layout/pyramid1"/>
+    <dgm:cxn modelId="{DC60B0B8-DA17-4A4F-989C-BA209B87140B}" type="presOf" srcId="{D26D63A6-FB7D-0240-97D8-6615283E9E74}" destId="{E68B17FE-F1BB-8B4E-B878-6C4CEBB5AB7C}" srcOrd="1" destOrd="0" presId="urn:microsoft.com/office/officeart/2005/8/layout/pyramid1"/>
+    <dgm:cxn modelId="{211DC5FE-E8F6-E641-82FB-5EBA978E76D0}" srcId="{52B83748-D356-8E4B-901B-689C881CB76E}" destId="{51F1C30F-BC6D-964B-805C-7251FA337436}" srcOrd="1" destOrd="0" parTransId="{A57266B8-A1C1-1B41-A949-12337937A6C8}" sibTransId="{C79C864C-4DC6-7443-A73D-93284B5B0F3A}"/>
+    <dgm:cxn modelId="{52297CD7-8089-D24E-B92B-08B2B0849FA7}" srcId="{D26D63A6-FB7D-0240-97D8-6615283E9E74}" destId="{54BB39A5-BC0D-3B45-B235-407F12CB716A}" srcOrd="0" destOrd="0" parTransId="{6BE7F2BC-7853-2844-BD56-AB5ED85CCB6B}" sibTransId="{984FBD6F-6A42-B741-BB79-BB20B9D4D83F}"/>
+    <dgm:cxn modelId="{112C46F9-DC31-A24F-A8F9-6809E192320C}" type="presOf" srcId="{E3B96449-42AF-F148-8F67-EB889FB6512C}" destId="{E9BA28E7-8E28-DC4E-8CFA-4CB60151A223}" srcOrd="1" destOrd="0" presId="urn:microsoft.com/office/officeart/2005/8/layout/pyramid1"/>
+    <dgm:cxn modelId="{E6B1AA86-CAC3-3949-AEA8-582395F83494}" srcId="{52B83748-D356-8E4B-901B-689C881CB76E}" destId="{95522B47-3477-C141-AFAA-3FD0434218F0}" srcOrd="2" destOrd="0" parTransId="{DFBFE72D-52F8-F54E-9F32-235413E7185E}" sibTransId="{B3DE6D2F-29BD-8247-9BF7-96EB91225252}"/>
     <dgm:cxn modelId="{627BF814-1DF4-6F44-ACBD-B39B7772361D}" type="presOf" srcId="{51F1C30F-BC6D-964B-805C-7251FA337436}" destId="{6B11F3B5-2AD7-F54A-803F-23A8CC73E218}" srcOrd="0" destOrd="0" presId="urn:microsoft.com/office/officeart/2005/8/layout/pyramid1"/>
+    <dgm:cxn modelId="{9A721D8F-3AAB-9141-84E7-9B39BE271760}" type="presOf" srcId="{D2AA4A43-264F-8648-B9B2-CFED45AB96AB}" destId="{D77927C9-F46D-F245-BE2A-ABD276F67486}" srcOrd="0" destOrd="0" presId="urn:microsoft.com/office/officeart/2005/8/layout/pyramid1"/>
+    <dgm:cxn modelId="{45E5BCC5-B613-8F47-9D41-F55D9A2F034E}" srcId="{52B83748-D356-8E4B-901B-689C881CB76E}" destId="{D26D63A6-FB7D-0240-97D8-6615283E9E74}" srcOrd="3" destOrd="0" parTransId="{5479B260-1F67-9E43-BC62-5CD5ECE50579}" sibTransId="{CD96E1A7-72A0-D945-B269-B382626CF372}"/>
+    <dgm:cxn modelId="{FE5D4574-3829-E849-A575-0E0B3845CA89}" type="presOf" srcId="{95522B47-3477-C141-AFAA-3FD0434218F0}" destId="{DF22608E-46D2-D64D-9F3F-99E16C8A152A}" srcOrd="1" destOrd="0" presId="urn:microsoft.com/office/officeart/2005/8/layout/pyramid1"/>
+    <dgm:cxn modelId="{502CE793-7F02-AA47-9CE6-FDC1E7427C22}" type="presOf" srcId="{86562535-CB87-E34D-8DAD-030AF61C8641}" destId="{7E987B23-1FBF-934F-AE84-A1950824BC19}" srcOrd="0" destOrd="0" presId="urn:microsoft.com/office/officeart/2005/8/layout/pyramid1"/>
     <dgm:cxn modelId="{7B8EC030-0B4B-3F49-93CC-273FA493DEE6}" type="presOf" srcId="{54BB39A5-BC0D-3B45-B235-407F12CB716A}" destId="{26251B07-6187-0C4B-902B-8F81E2C76F5A}" srcOrd="1" destOrd="0" presId="urn:microsoft.com/office/officeart/2005/8/layout/pyramid1"/>
+    <dgm:cxn modelId="{C0DCFC6C-C5B3-A742-AD97-5E92FB86351D}" type="presOf" srcId="{86562535-CB87-E34D-8DAD-030AF61C8641}" destId="{018B8698-0B3B-D540-A270-4559257B67AF}" srcOrd="1" destOrd="0" presId="urn:microsoft.com/office/officeart/2005/8/layout/pyramid1"/>
+    <dgm:cxn modelId="{86DBF4A1-E75F-914F-BDB4-267F893AF406}" type="presOf" srcId="{54BB39A5-BC0D-3B45-B235-407F12CB716A}" destId="{999FE6A6-E8B1-BB44-B941-3BC9347AA8FE}" srcOrd="0" destOrd="0" presId="urn:microsoft.com/office/officeart/2005/8/layout/pyramid1"/>
     <dgm:cxn modelId="{2FE19B32-6313-E84C-8062-479A4E821B8B}" type="presOf" srcId="{51F1C30F-BC6D-964B-805C-7251FA337436}" destId="{48B723AD-B3BC-6C4A-BEC9-85FE6C47C9A8}" srcOrd="1" destOrd="0" presId="urn:microsoft.com/office/officeart/2005/8/layout/pyramid1"/>
     <dgm:cxn modelId="{CD931F3B-724D-E94B-A36F-46CE2D24E813}" srcId="{52B83748-D356-8E4B-901B-689C881CB76E}" destId="{92C21019-64F2-0A48-BD7D-7FDFDD8673B8}" srcOrd="0" destOrd="0" parTransId="{CFFC1156-F014-ED4C-A89E-770AF591ECA4}" sibTransId="{9703F012-5FE8-834E-AD99-07FBC06FD25E}"/>
+    <dgm:cxn modelId="{24C3F674-5E6E-3A42-98C0-BB38B6F005A0}" srcId="{95522B47-3477-C141-AFAA-3FD0434218F0}" destId="{D2AA4A43-264F-8648-B9B2-CFED45AB96AB}" srcOrd="0" destOrd="0" parTransId="{474CA716-F6C1-7B45-8DAC-52B1A20AF057}" sibTransId="{10B6231A-D3E5-9248-B90E-44C8058A4611}"/>
+    <dgm:cxn modelId="{55DB5057-E167-0F4D-9C45-97536FB21FC5}" srcId="{92C21019-64F2-0A48-BD7D-7FDFDD8673B8}" destId="{86562535-CB87-E34D-8DAD-030AF61C8641}" srcOrd="0" destOrd="0" parTransId="{8E834B72-D6E0-FA42-B016-285DE2472A1B}" sibTransId="{955D2653-D915-ED40-80DB-1448DE6D629A}"/>
+    <dgm:cxn modelId="{DBBF9DA3-28E7-7C42-84A2-4562B85A7E17}" type="presOf" srcId="{95522B47-3477-C141-AFAA-3FD0434218F0}" destId="{A8CB1A31-73B3-534A-A39D-2DE64F9500D0}" srcOrd="0" destOrd="0" presId="urn:microsoft.com/office/officeart/2005/8/layout/pyramid1"/>
+    <dgm:cxn modelId="{EA7A61B1-4190-0B40-AE07-15097723928E}" type="presOf" srcId="{D2AA4A43-264F-8648-B9B2-CFED45AB96AB}" destId="{7CA8BB3D-EC27-DF4B-B646-4F05EA0EC76E}" srcOrd="1" destOrd="0" presId="urn:microsoft.com/office/officeart/2005/8/layout/pyramid1"/>
     <dgm:cxn modelId="{8CE25D3E-3852-0647-B35F-AD06DFC609EB}" type="presOf" srcId="{92C21019-64F2-0A48-BD7D-7FDFDD8673B8}" destId="{4D34D131-0121-2641-AF3E-C4A924B66906}" srcOrd="1" destOrd="0" presId="urn:microsoft.com/office/officeart/2005/8/layout/pyramid1"/>
     <dgm:cxn modelId="{389C8662-EA50-E548-927E-2B90779875DA}" type="presOf" srcId="{52B83748-D356-8E4B-901B-689C881CB76E}" destId="{B087545F-E550-464C-8013-DA49045A25FB}" srcOrd="0" destOrd="0" presId="urn:microsoft.com/office/officeart/2005/8/layout/pyramid1"/>
-    <dgm:cxn modelId="{C0DCFC6C-C5B3-A742-AD97-5E92FB86351D}" type="presOf" srcId="{86562535-CB87-E34D-8DAD-030AF61C8641}" destId="{018B8698-0B3B-D540-A270-4559257B67AF}" srcOrd="1" destOrd="0" presId="urn:microsoft.com/office/officeart/2005/8/layout/pyramid1"/>
-    <dgm:cxn modelId="{FE5D4574-3829-E849-A575-0E0B3845CA89}" type="presOf" srcId="{95522B47-3477-C141-AFAA-3FD0434218F0}" destId="{DF22608E-46D2-D64D-9F3F-99E16C8A152A}" srcOrd="1" destOrd="0" presId="urn:microsoft.com/office/officeart/2005/8/layout/pyramid1"/>
-    <dgm:cxn modelId="{24C3F674-5E6E-3A42-98C0-BB38B6F005A0}" srcId="{95522B47-3477-C141-AFAA-3FD0434218F0}" destId="{D2AA4A43-264F-8648-B9B2-CFED45AB96AB}" srcOrd="0" destOrd="0" parTransId="{474CA716-F6C1-7B45-8DAC-52B1A20AF057}" sibTransId="{10B6231A-D3E5-9248-B90E-44C8058A4611}"/>
-    <dgm:cxn modelId="{55DB5057-E167-0F4D-9C45-97536FB21FC5}" srcId="{92C21019-64F2-0A48-BD7D-7FDFDD8673B8}" destId="{86562535-CB87-E34D-8DAD-030AF61C8641}" srcOrd="0" destOrd="0" parTransId="{8E834B72-D6E0-FA42-B016-285DE2472A1B}" sibTransId="{955D2653-D915-ED40-80DB-1448DE6D629A}"/>
-    <dgm:cxn modelId="{E6B1AA86-CAC3-3949-AEA8-582395F83494}" srcId="{52B83748-D356-8E4B-901B-689C881CB76E}" destId="{95522B47-3477-C141-AFAA-3FD0434218F0}" srcOrd="2" destOrd="0" parTransId="{DFBFE72D-52F8-F54E-9F32-235413E7185E}" sibTransId="{B3DE6D2F-29BD-8247-9BF7-96EB91225252}"/>
-    <dgm:cxn modelId="{9A721D8F-3AAB-9141-84E7-9B39BE271760}" type="presOf" srcId="{D2AA4A43-264F-8648-B9B2-CFED45AB96AB}" destId="{D77927C9-F46D-F245-BE2A-ABD276F67486}" srcOrd="0" destOrd="0" presId="urn:microsoft.com/office/officeart/2005/8/layout/pyramid1"/>
-    <dgm:cxn modelId="{502CE793-7F02-AA47-9CE6-FDC1E7427C22}" type="presOf" srcId="{86562535-CB87-E34D-8DAD-030AF61C8641}" destId="{7E987B23-1FBF-934F-AE84-A1950824BC19}" srcOrd="0" destOrd="0" presId="urn:microsoft.com/office/officeart/2005/8/layout/pyramid1"/>
-    <dgm:cxn modelId="{E97A5C97-0681-864D-8A3C-14A82006E75D}" srcId="{51F1C30F-BC6D-964B-805C-7251FA337436}" destId="{E3B96449-42AF-F148-8F67-EB889FB6512C}" srcOrd="0" destOrd="0" parTransId="{B5FCD191-7AD4-B448-88CE-82D53C569F1C}" sibTransId="{13F26C4E-C59A-774E-8760-E5E040AFEC23}"/>
-    <dgm:cxn modelId="{86DBF4A1-E75F-914F-BDB4-267F893AF406}" type="presOf" srcId="{54BB39A5-BC0D-3B45-B235-407F12CB716A}" destId="{999FE6A6-E8B1-BB44-B941-3BC9347AA8FE}" srcOrd="0" destOrd="0" presId="urn:microsoft.com/office/officeart/2005/8/layout/pyramid1"/>
-    <dgm:cxn modelId="{DBBF9DA3-28E7-7C42-84A2-4562B85A7E17}" type="presOf" srcId="{95522B47-3477-C141-AFAA-3FD0434218F0}" destId="{A8CB1A31-73B3-534A-A39D-2DE64F9500D0}" srcOrd="0" destOrd="0" presId="urn:microsoft.com/office/officeart/2005/8/layout/pyramid1"/>
-    <dgm:cxn modelId="{EA7A61B1-4190-0B40-AE07-15097723928E}" type="presOf" srcId="{D2AA4A43-264F-8648-B9B2-CFED45AB96AB}" destId="{7CA8BB3D-EC27-DF4B-B646-4F05EA0EC76E}" srcOrd="1" destOrd="0" presId="urn:microsoft.com/office/officeart/2005/8/layout/pyramid1"/>
-    <dgm:cxn modelId="{DC60B0B8-DA17-4A4F-989C-BA209B87140B}" type="presOf" srcId="{D26D63A6-FB7D-0240-97D8-6615283E9E74}" destId="{E68B17FE-F1BB-8B4E-B878-6C4CEBB5AB7C}" srcOrd="1" destOrd="0" presId="urn:microsoft.com/office/officeart/2005/8/layout/pyramid1"/>
-    <dgm:cxn modelId="{45E5BCC5-B613-8F47-9D41-F55D9A2F034E}" srcId="{52B83748-D356-8E4B-901B-689C881CB76E}" destId="{D26D63A6-FB7D-0240-97D8-6615283E9E74}" srcOrd="3" destOrd="0" parTransId="{5479B260-1F67-9E43-BC62-5CD5ECE50579}" sibTransId="{CD96E1A7-72A0-D945-B269-B382626CF372}"/>
-    <dgm:cxn modelId="{EBFDDAD3-5806-1448-A843-A19FFE20FB5A}" type="presOf" srcId="{92C21019-64F2-0A48-BD7D-7FDFDD8673B8}" destId="{A9F61433-CB8A-8047-8082-C85308266DA6}" srcOrd="0" destOrd="0" presId="urn:microsoft.com/office/officeart/2005/8/layout/pyramid1"/>
-    <dgm:cxn modelId="{52297CD7-8089-D24E-B92B-08B2B0849FA7}" srcId="{D26D63A6-FB7D-0240-97D8-6615283E9E74}" destId="{54BB39A5-BC0D-3B45-B235-407F12CB716A}" srcOrd="0" destOrd="0" parTransId="{6BE7F2BC-7853-2844-BD56-AB5ED85CCB6B}" sibTransId="{984FBD6F-6A42-B741-BB79-BB20B9D4D83F}"/>
-    <dgm:cxn modelId="{112C46F9-DC31-A24F-A8F9-6809E192320C}" type="presOf" srcId="{E3B96449-42AF-F148-8F67-EB889FB6512C}" destId="{E9BA28E7-8E28-DC4E-8CFA-4CB60151A223}" srcOrd="1" destOrd="0" presId="urn:microsoft.com/office/officeart/2005/8/layout/pyramid1"/>
-    <dgm:cxn modelId="{211DC5FE-E8F6-E641-82FB-5EBA978E76D0}" srcId="{52B83748-D356-8E4B-901B-689C881CB76E}" destId="{51F1C30F-BC6D-964B-805C-7251FA337436}" srcOrd="1" destOrd="0" parTransId="{A57266B8-A1C1-1B41-A949-12337937A6C8}" sibTransId="{C79C864C-4DC6-7443-A73D-93284B5B0F3A}"/>
+    <dgm:cxn modelId="{71386A13-7EC1-004B-9EBD-37E3167C6D12}" type="presOf" srcId="{D26D63A6-FB7D-0240-97D8-6615283E9E74}" destId="{2A0A634F-9A33-6544-B1F3-6BFFBF7806C4}" srcOrd="0" destOrd="0" presId="urn:microsoft.com/office/officeart/2005/8/layout/pyramid1"/>
+    <dgm:cxn modelId="{1D8B7A02-969F-CF45-8699-77BD1E7D48F3}" type="presOf" srcId="{E3B96449-42AF-F148-8F67-EB889FB6512C}" destId="{8D281AA3-EAE3-0045-A5A0-7223F2D67F92}" srcOrd="0" destOrd="0" presId="urn:microsoft.com/office/officeart/2005/8/layout/pyramid1"/>
     <dgm:cxn modelId="{1140912D-454D-3140-B36C-3D051227A737}" type="presParOf" srcId="{B087545F-E550-464C-8013-DA49045A25FB}" destId="{1BE0FB69-2C40-A646-8F48-6CA9A4A163F8}" srcOrd="0" destOrd="0" presId="urn:microsoft.com/office/officeart/2005/8/layout/pyramid1"/>
     <dgm:cxn modelId="{123CB294-32AD-A848-BECE-3620CB2030FC}" type="presParOf" srcId="{1BE0FB69-2C40-A646-8F48-6CA9A4A163F8}" destId="{7E987B23-1FBF-934F-AE84-A1950824BC19}" srcOrd="0" destOrd="0" presId="urn:microsoft.com/office/officeart/2005/8/layout/pyramid1"/>
     <dgm:cxn modelId="{8FD2DC62-457F-BC42-85F0-06289DDC0FFD}" type="presParOf" srcId="{1BE0FB69-2C40-A646-8F48-6CA9A4A163F8}" destId="{018B8698-0B3B-D540-A270-4559257B67AF}" srcOrd="1" destOrd="0" presId="urn:microsoft.com/office/officeart/2005/8/layout/pyramid1"/>
@@ -2261,7 +2315,7 @@
   <dgm:whole/>
   <dgm:extLst>
     <a:ext uri="http://schemas.microsoft.com/office/drawing/2008/diagram">
-      <dsp:dataModelExt xmlns:dsp="http://schemas.microsoft.com/office/drawing/2008/diagram" relId="rId6" minVer="http://schemas.openxmlformats.org/drawingml/2006/diagram"/>
+      <dsp:dataModelExt xmlns:dsp="http://schemas.microsoft.com/office/drawing/2008/diagram" xmlns="" relId="rId6" minVer="http://schemas.openxmlformats.org/drawingml/2006/diagram"/>
     </a:ext>
   </dgm:extLst>
 </dgm:dataModel>
@@ -4280,6 +4334,7 @@
           <a:p>
             <a:fld id="{943B4DA7-281E-4EE6-804A-56F379FC019E}" type="datetimeFigureOut">
               <a:rPr lang="de-DE" smtClean="0"/>
+              <a:pPr/>
               <a:t>17.09.2018</a:t>
             </a:fld>
             <a:endParaRPr lang="de-DE"/>
@@ -4438,6 +4493,7 @@
           <a:p>
             <a:fld id="{11E06177-BAEC-4F1A-B0D1-6A04DEDD7055}" type="slidenum">
               <a:rPr lang="de-DE" smtClean="0"/>
+              <a:pPr/>
               <a:t>‹Nr.›</a:t>
             </a:fld>
             <a:endParaRPr lang="de-DE"/>
@@ -4447,7 +4503,7 @@
     </p:spTree>
     <p:extLst>
       <p:ext uri="{BB962C8B-B14F-4D97-AF65-F5344CB8AC3E}">
-        <p14:creationId xmlns:p14="http://schemas.microsoft.com/office/powerpoint/2010/main" val="455812744"/>
+        <p14:creationId xmlns:p14="http://schemas.microsoft.com/office/powerpoint/2010/main" xmlns="" val="455812744"/>
       </p:ext>
     </p:extLst>
   </p:cSld>
@@ -4712,6 +4768,88 @@
               <a:rPr lang="de-DE" smtClean="0"/>
               <a:pPr/>
               <a:t>18</a:t>
+            </a:fld>
+            <a:endParaRPr lang="de-DE"/>
+          </a:p>
+        </p:txBody>
+      </p:sp>
+    </p:spTree>
+  </p:cSld>
+  <p:clrMapOvr>
+    <a:masterClrMapping/>
+  </p:clrMapOvr>
+</p:notes>
+</file>
+
+<file path=ppt/notesSlides/notesSlide2.xml><?xml version="1.0" encoding="utf-8"?>
+<p:notes xmlns:a="http://schemas.openxmlformats.org/drawingml/2006/main" xmlns:r="http://schemas.openxmlformats.org/officeDocument/2006/relationships" xmlns:p="http://schemas.openxmlformats.org/presentationml/2006/main">
+  <p:cSld>
+    <p:spTree>
+      <p:nvGrpSpPr>
+        <p:cNvPr id="1" name=""/>
+        <p:cNvGrpSpPr/>
+        <p:nvPr/>
+      </p:nvGrpSpPr>
+      <p:grpSpPr>
+        <a:xfrm>
+          <a:off x="0" y="0"/>
+          <a:ext cx="0" cy="0"/>
+          <a:chOff x="0" y="0"/>
+          <a:chExt cx="0" cy="0"/>
+        </a:xfrm>
+      </p:grpSpPr>
+      <p:sp>
+        <p:nvSpPr>
+          <p:cNvPr id="2" name="Folienbildplatzhalter 1"/>
+          <p:cNvSpPr>
+            <a:spLocks noGrp="1" noRot="1" noChangeAspect="1"/>
+          </p:cNvSpPr>
+          <p:nvPr>
+            <p:ph type="sldImg"/>
+          </p:nvPr>
+        </p:nvSpPr>
+        <p:spPr/>
+      </p:sp>
+      <p:sp>
+        <p:nvSpPr>
+          <p:cNvPr id="3" name="Notizenplatzhalter 2"/>
+          <p:cNvSpPr>
+            <a:spLocks noGrp="1"/>
+          </p:cNvSpPr>
+          <p:nvPr>
+            <p:ph type="body" idx="1"/>
+          </p:nvPr>
+        </p:nvSpPr>
+        <p:spPr/>
+        <p:txBody>
+          <a:bodyPr>
+            <a:normAutofit/>
+          </a:bodyPr>
+          <a:lstStyle/>
+          <a:p>
+            <a:endParaRPr lang="de-DE" dirty="0"/>
+          </a:p>
+        </p:txBody>
+      </p:sp>
+      <p:sp>
+        <p:nvSpPr>
+          <p:cNvPr id="4" name="Foliennummernplatzhalter 3"/>
+          <p:cNvSpPr>
+            <a:spLocks noGrp="1"/>
+          </p:cNvSpPr>
+          <p:nvPr>
+            <p:ph type="sldNum" sz="quarter" idx="10"/>
+          </p:nvPr>
+        </p:nvSpPr>
+        <p:spPr/>
+        <p:txBody>
+          <a:bodyPr/>
+          <a:lstStyle/>
+          <a:p>
+            <a:fld id="{11E06177-BAEC-4F1A-B0D1-6A04DEDD7055}" type="slidenum">
+              <a:rPr lang="de-DE" smtClean="0"/>
+              <a:pPr/>
+              <a:t>19</a:t>
             </a:fld>
             <a:endParaRPr lang="de-DE"/>
           </a:p>
@@ -9804,6 +9942,13 @@
   <p:clrMapOvr>
     <a:masterClrMapping/>
   </p:clrMapOvr>
+  <p:timing>
+    <p:tnLst>
+      <p:par>
+        <p:cTn id="1" dur="indefinite" restart="never" nodeType="tmRoot"/>
+      </p:par>
+    </p:tnLst>
+  </p:timing>
 </p:sld>
 </file>
 
@@ -10832,13 +10977,20 @@
     </p:spTree>
     <p:extLst>
       <p:ext uri="{BB962C8B-B14F-4D97-AF65-F5344CB8AC3E}">
-        <p14:creationId xmlns:p14="http://schemas.microsoft.com/office/powerpoint/2010/main" val="369021320"/>
+        <p14:creationId xmlns:p14="http://schemas.microsoft.com/office/powerpoint/2010/main" xmlns="" val="369021320"/>
       </p:ext>
     </p:extLst>
   </p:cSld>
   <p:clrMapOvr>
     <a:masterClrMapping/>
   </p:clrMapOvr>
+  <p:timing>
+    <p:tnLst>
+      <p:par>
+        <p:cTn id="1" dur="indefinite" restart="never" nodeType="tmRoot"/>
+      </p:par>
+    </p:tnLst>
+  </p:timing>
 </p:sld>
 </file>
 
@@ -11219,13 +11371,20 @@
     </p:spTree>
     <p:extLst>
       <p:ext uri="{BB962C8B-B14F-4D97-AF65-F5344CB8AC3E}">
-        <p14:creationId xmlns:p14="http://schemas.microsoft.com/office/powerpoint/2010/main" val="1925524024"/>
+        <p14:creationId xmlns:p14="http://schemas.microsoft.com/office/powerpoint/2010/main" xmlns="" val="1925524024"/>
       </p:ext>
     </p:extLst>
   </p:cSld>
   <p:clrMapOvr>
     <a:masterClrMapping/>
   </p:clrMapOvr>
+  <p:timing>
+    <p:tnLst>
+      <p:par>
+        <p:cTn id="1" dur="indefinite" restart="never" nodeType="tmRoot"/>
+      </p:par>
+    </p:tnLst>
+  </p:timing>
 </p:sld>
 </file>
 
@@ -12254,13 +12413,20 @@
     </p:spTree>
     <p:extLst>
       <p:ext uri="{BB962C8B-B14F-4D97-AF65-F5344CB8AC3E}">
-        <p14:creationId xmlns:p14="http://schemas.microsoft.com/office/powerpoint/2010/main" val="215962541"/>
+        <p14:creationId xmlns:p14="http://schemas.microsoft.com/office/powerpoint/2010/main" xmlns="" val="215962541"/>
       </p:ext>
     </p:extLst>
   </p:cSld>
   <p:clrMapOvr>
     <a:masterClrMapping/>
   </p:clrMapOvr>
+  <p:timing>
+    <p:tnLst>
+      <p:par>
+        <p:cTn id="1" dur="indefinite" restart="never" nodeType="tmRoot"/>
+      </p:par>
+    </p:tnLst>
+  </p:timing>
 </p:sld>
 </file>
 
@@ -12401,13 +12567,20 @@
     </p:spTree>
     <p:extLst>
       <p:ext uri="{BB962C8B-B14F-4D97-AF65-F5344CB8AC3E}">
-        <p14:creationId xmlns:p14="http://schemas.microsoft.com/office/powerpoint/2010/main" val="849743291"/>
+        <p14:creationId xmlns:p14="http://schemas.microsoft.com/office/powerpoint/2010/main" xmlns="" val="849743291"/>
       </p:ext>
     </p:extLst>
   </p:cSld>
   <p:clrMapOvr>
     <a:masterClrMapping/>
   </p:clrMapOvr>
+  <p:timing>
+    <p:tnLst>
+      <p:par>
+        <p:cTn id="1" dur="indefinite" restart="never" nodeType="tmRoot"/>
+      </p:par>
+    </p:tnLst>
+  </p:timing>
 </p:sld>
 </file>
 
@@ -13436,13 +13609,20 @@
     </p:spTree>
     <p:extLst>
       <p:ext uri="{BB962C8B-B14F-4D97-AF65-F5344CB8AC3E}">
-        <p14:creationId xmlns:p14="http://schemas.microsoft.com/office/powerpoint/2010/main" val="1976057169"/>
+        <p14:creationId xmlns:p14="http://schemas.microsoft.com/office/powerpoint/2010/main" xmlns="" val="1976057169"/>
       </p:ext>
     </p:extLst>
   </p:cSld>
   <p:clrMapOvr>
     <a:masterClrMapping/>
   </p:clrMapOvr>
+  <p:timing>
+    <p:tnLst>
+      <p:par>
+        <p:cTn id="1" dur="indefinite" restart="never" nodeType="tmRoot"/>
+      </p:par>
+    </p:tnLst>
+  </p:timing>
 </p:sld>
 </file>
 
@@ -13575,7 +13755,7 @@
           <p:nvPr>
             <p:extLst>
               <p:ext uri="{D42A27DB-BD31-4B8C-83A1-F6EECF244321}">
-                <p14:modId xmlns:p14="http://schemas.microsoft.com/office/powerpoint/2010/main" val="625910118"/>
+                <p14:modId xmlns:p14="http://schemas.microsoft.com/office/powerpoint/2010/main" xmlns="" val="625910118"/>
               </p:ext>
             </p:extLst>
           </p:nvPr>
@@ -13593,13 +13773,20 @@
     </p:spTree>
     <p:extLst>
       <p:ext uri="{BB962C8B-B14F-4D97-AF65-F5344CB8AC3E}">
-        <p14:creationId xmlns:p14="http://schemas.microsoft.com/office/powerpoint/2010/main" val="179655853"/>
+        <p14:creationId xmlns:p14="http://schemas.microsoft.com/office/powerpoint/2010/main" xmlns="" val="179655853"/>
       </p:ext>
     </p:extLst>
   </p:cSld>
   <p:clrMapOvr>
     <a:masterClrMapping/>
   </p:clrMapOvr>
+  <p:timing>
+    <p:tnLst>
+      <p:par>
+        <p:cTn id="1" dur="indefinite" restart="never" nodeType="tmRoot"/>
+      </p:par>
+    </p:tnLst>
+  </p:timing>
 </p:sld>
 </file>
 
@@ -13649,7 +13836,7 @@
           <p:cNvPr id="7" name="Diagramm 6">
             <a:extLst>
               <a:ext uri="{FF2B5EF4-FFF2-40B4-BE49-F238E27FC236}">
-                <a16:creationId xmlns:a16="http://schemas.microsoft.com/office/drawing/2014/main" id="{9841F122-51C3-430E-8A7E-871D79072991}"/>
+                <a16:creationId xmlns:a16="http://schemas.microsoft.com/office/drawing/2014/main" xmlns="" id="{9841F122-51C3-430E-8A7E-871D79072991}"/>
               </a:ext>
             </a:extLst>
           </p:cNvPr>
@@ -13657,7 +13844,7 @@
           <p:nvPr>
             <p:extLst>
               <p:ext uri="{D42A27DB-BD31-4B8C-83A1-F6EECF244321}">
-                <p14:modId xmlns:p14="http://schemas.microsoft.com/office/powerpoint/2010/main" val="694219115"/>
+                <p14:modId xmlns:p14="http://schemas.microsoft.com/office/powerpoint/2010/main" xmlns="" val="694219115"/>
               </p:ext>
             </p:extLst>
           </p:nvPr>
@@ -13677,7 +13864,7 @@
           <p:cNvPr id="8" name="Diagramm 7">
             <a:extLst>
               <a:ext uri="{FF2B5EF4-FFF2-40B4-BE49-F238E27FC236}">
-                <a16:creationId xmlns:a16="http://schemas.microsoft.com/office/drawing/2014/main" id="{9841F122-51C3-430E-8A7E-871D79072991}"/>
+                <a16:creationId xmlns:a16="http://schemas.microsoft.com/office/drawing/2014/main" xmlns="" id="{9841F122-51C3-430E-8A7E-871D79072991}"/>
               </a:ext>
             </a:extLst>
           </p:cNvPr>
@@ -13685,7 +13872,7 @@
           <p:nvPr>
             <p:extLst>
               <p:ext uri="{D42A27DB-BD31-4B8C-83A1-F6EECF244321}">
-                <p14:modId xmlns:p14="http://schemas.microsoft.com/office/powerpoint/2010/main" val="29132963"/>
+                <p14:modId xmlns:p14="http://schemas.microsoft.com/office/powerpoint/2010/main" xmlns="" val="29132963"/>
               </p:ext>
             </p:extLst>
           </p:nvPr>
@@ -13703,13 +13890,20 @@
     </p:spTree>
     <p:extLst>
       <p:ext uri="{BB962C8B-B14F-4D97-AF65-F5344CB8AC3E}">
-        <p14:creationId xmlns:p14="http://schemas.microsoft.com/office/powerpoint/2010/main" val="1350698107"/>
+        <p14:creationId xmlns:p14="http://schemas.microsoft.com/office/powerpoint/2010/main" xmlns="" val="1350698107"/>
       </p:ext>
     </p:extLst>
   </p:cSld>
   <p:clrMapOvr>
     <a:masterClrMapping/>
   </p:clrMapOvr>
+  <p:timing>
+    <p:tnLst>
+      <p:par>
+        <p:cTn id="1" dur="indefinite" restart="never" nodeType="tmRoot"/>
+      </p:par>
+    </p:tnLst>
+  </p:timing>
 </p:sld>
 </file>
 
@@ -13851,13 +14045,20 @@
     </p:spTree>
     <p:extLst>
       <p:ext uri="{BB962C8B-B14F-4D97-AF65-F5344CB8AC3E}">
-        <p14:creationId xmlns:p14="http://schemas.microsoft.com/office/powerpoint/2010/main" val="666352572"/>
+        <p14:creationId xmlns:p14="http://schemas.microsoft.com/office/powerpoint/2010/main" xmlns="" val="666352572"/>
       </p:ext>
     </p:extLst>
   </p:cSld>
   <p:clrMapOvr>
     <a:masterClrMapping/>
   </p:clrMapOvr>
+  <p:timing>
+    <p:tnLst>
+      <p:par>
+        <p:cTn id="1" dur="indefinite" restart="never" nodeType="tmRoot"/>
+      </p:par>
+    </p:tnLst>
+  </p:timing>
 </p:sld>
 </file>
 
@@ -14055,28 +14256,28 @@
                 <a:gridCol w="848634">
                   <a:extLst>
                     <a:ext uri="{9D8B030D-6E8A-4147-A177-3AD203B41FA5}">
-                      <a16:colId xmlns:a16="http://schemas.microsoft.com/office/drawing/2014/main" val="20000"/>
+                      <a16:colId xmlns:a16="http://schemas.microsoft.com/office/drawing/2014/main" xmlns="" val="20000"/>
                     </a:ext>
                   </a:extLst>
                 </a:gridCol>
                 <a:gridCol w="979193">
                   <a:extLst>
                     <a:ext uri="{9D8B030D-6E8A-4147-A177-3AD203B41FA5}">
-                      <a16:colId xmlns:a16="http://schemas.microsoft.com/office/drawing/2014/main" val="20001"/>
+                      <a16:colId xmlns:a16="http://schemas.microsoft.com/office/drawing/2014/main" xmlns="" val="20001"/>
                     </a:ext>
                   </a:extLst>
                 </a:gridCol>
                 <a:gridCol w="1044473">
                   <a:extLst>
                     <a:ext uri="{9D8B030D-6E8A-4147-A177-3AD203B41FA5}">
-                      <a16:colId xmlns:a16="http://schemas.microsoft.com/office/drawing/2014/main" val="20002"/>
+                      <a16:colId xmlns:a16="http://schemas.microsoft.com/office/drawing/2014/main" xmlns="" val="20002"/>
                     </a:ext>
                   </a:extLst>
                 </a:gridCol>
                 <a:gridCol w="913914">
                   <a:extLst>
                     <a:ext uri="{9D8B030D-6E8A-4147-A177-3AD203B41FA5}">
-                      <a16:colId xmlns:a16="http://schemas.microsoft.com/office/drawing/2014/main" val="20003"/>
+                      <a16:colId xmlns:a16="http://schemas.microsoft.com/office/drawing/2014/main" xmlns="" val="20003"/>
                     </a:ext>
                   </a:extLst>
                 </a:gridCol>
@@ -14154,7 +14355,7 @@
                 </a:tc>
                 <a:extLst>
                   <a:ext uri="{0D108BD9-81ED-4DB2-BD59-A6C34878D82A}">
-                    <a16:rowId xmlns:a16="http://schemas.microsoft.com/office/drawing/2014/main" val="10000"/>
+                    <a16:rowId xmlns:a16="http://schemas.microsoft.com/office/drawing/2014/main" xmlns="" val="10000"/>
                   </a:ext>
                 </a:extLst>
               </a:tr>
@@ -14233,7 +14434,7 @@
                 </a:tc>
                 <a:extLst>
                   <a:ext uri="{0D108BD9-81ED-4DB2-BD59-A6C34878D82A}">
-                    <a16:rowId xmlns:a16="http://schemas.microsoft.com/office/drawing/2014/main" val="10001"/>
+                    <a16:rowId xmlns:a16="http://schemas.microsoft.com/office/drawing/2014/main" xmlns="" val="10001"/>
                   </a:ext>
                 </a:extLst>
               </a:tr>
@@ -14350,7 +14551,7 @@
                 </a:tc>
                 <a:extLst>
                   <a:ext uri="{0D108BD9-81ED-4DB2-BD59-A6C34878D82A}">
-                    <a16:rowId xmlns:a16="http://schemas.microsoft.com/office/drawing/2014/main" val="10002"/>
+                    <a16:rowId xmlns:a16="http://schemas.microsoft.com/office/drawing/2014/main" xmlns="" val="10002"/>
                   </a:ext>
                 </a:extLst>
               </a:tr>
@@ -14467,7 +14668,7 @@
                 </a:tc>
                 <a:extLst>
                   <a:ext uri="{0D108BD9-81ED-4DB2-BD59-A6C34878D82A}">
-                    <a16:rowId xmlns:a16="http://schemas.microsoft.com/office/drawing/2014/main" val="10003"/>
+                    <a16:rowId xmlns:a16="http://schemas.microsoft.com/office/drawing/2014/main" xmlns="" val="10003"/>
                   </a:ext>
                 </a:extLst>
               </a:tr>
@@ -14480,6 +14681,13 @@
   <p:clrMapOvr>
     <a:masterClrMapping/>
   </p:clrMapOvr>
+  <p:timing>
+    <p:tnLst>
+      <p:par>
+        <p:cTn id="1" dur="indefinite" restart="never" nodeType="tmRoot"/>
+      </p:par>
+    </p:tnLst>
+  </p:timing>
 </p:sld>
 </file>
 
@@ -14533,14 +14741,14 @@
           <p:nvPr>
             <p:extLst>
               <p:ext uri="{D42A27DB-BD31-4B8C-83A1-F6EECF244321}">
-                <p14:modId xmlns:p14="http://schemas.microsoft.com/office/powerpoint/2010/main" val="712036674"/>
+                <p14:modId xmlns:p14="http://schemas.microsoft.com/office/powerpoint/2010/main" xmlns="" val="712036674"/>
               </p:ext>
             </p:extLst>
           </p:nvPr>
         </p:nvGraphicFramePr>
         <p:xfrm>
           <a:off x="827584" y="1772816"/>
-          <a:ext cx="7344816" cy="1463040"/>
+          <a:ext cx="7316316" cy="1870500"/>
         </p:xfrm>
         <a:graphic>
           <a:graphicData uri="http://schemas.openxmlformats.org/drawingml/2006/table">
@@ -14549,29 +14757,22 @@
                 <a:tableStyleId>{616DA210-FB5B-4158-B5E0-FEB733F419BA}</a:tableStyleId>
               </a:tblPr>
               <a:tblGrid>
-                <a:gridCol w="2457776">
+                <a:gridCol w="3672359">
                   <a:extLst>
                     <a:ext uri="{9D8B030D-6E8A-4147-A177-3AD203B41FA5}">
-                      <a16:colId xmlns:a16="http://schemas.microsoft.com/office/drawing/2014/main" val="20000"/>
+                      <a16:colId xmlns:a16="http://schemas.microsoft.com/office/drawing/2014/main" xmlns="" val="20000"/>
                     </a:ext>
                   </a:extLst>
                 </a:gridCol>
-                <a:gridCol w="2438768">
+                <a:gridCol w="3643957">
                   <a:extLst>
                     <a:ext uri="{9D8B030D-6E8A-4147-A177-3AD203B41FA5}">
-                      <a16:colId xmlns:a16="http://schemas.microsoft.com/office/drawing/2014/main" val="20001"/>
-                    </a:ext>
-                  </a:extLst>
-                </a:gridCol>
-                <a:gridCol w="2448272">
-                  <a:extLst>
-                    <a:ext uri="{9D8B030D-6E8A-4147-A177-3AD203B41FA5}">
-                      <a16:colId xmlns:a16="http://schemas.microsoft.com/office/drawing/2014/main" val="20002"/>
+                      <a16:colId xmlns:a16="http://schemas.microsoft.com/office/drawing/2014/main" xmlns="" val="20001"/>
                     </a:ext>
                   </a:extLst>
                 </a:gridCol>
               </a:tblGrid>
-              <a:tr h="360040">
+              <a:tr h="467625">
                 <a:tc>
                   <a:txBody>
                     <a:bodyPr/>
@@ -14598,36 +14799,13 @@
                   </a:txBody>
                   <a:tcPr/>
                 </a:tc>
-                <a:tc>
-                  <a:txBody>
-                    <a:bodyPr/>
-                    <a:lstStyle/>
-                    <a:p>
-                      <a:r>
-                        <a:rPr lang="de-DE" dirty="0"/>
-                        <a:t>Wasserfallmodell</a:t>
-                      </a:r>
-                    </a:p>
-                  </a:txBody>
-                  <a:tcPr/>
-                </a:tc>
                 <a:extLst>
                   <a:ext uri="{0D108BD9-81ED-4DB2-BD59-A6C34878D82A}">
-                    <a16:rowId xmlns:a16="http://schemas.microsoft.com/office/drawing/2014/main" val="10000"/>
+                    <a16:rowId xmlns:a16="http://schemas.microsoft.com/office/drawing/2014/main" xmlns="" val="10000"/>
                   </a:ext>
                 </a:extLst>
               </a:tr>
-              <a:tr h="360040">
-                <a:tc>
-                  <a:txBody>
-                    <a:bodyPr/>
-                    <a:lstStyle/>
-                    <a:p>
-                      <a:endParaRPr lang="de-DE" dirty="0"/>
-                    </a:p>
-                  </a:txBody>
-                  <a:tcPr/>
-                </a:tc>
+              <a:tr h="467625">
                 <a:tc>
                   <a:txBody>
                     <a:bodyPr/>
@@ -14650,21 +14828,11 @@
                 </a:tc>
                 <a:extLst>
                   <a:ext uri="{0D108BD9-81ED-4DB2-BD59-A6C34878D82A}">
-                    <a16:rowId xmlns:a16="http://schemas.microsoft.com/office/drawing/2014/main" val="10001"/>
+                    <a16:rowId xmlns:a16="http://schemas.microsoft.com/office/drawing/2014/main" xmlns="" val="10001"/>
                   </a:ext>
                 </a:extLst>
               </a:tr>
-              <a:tr h="360040">
-                <a:tc>
-                  <a:txBody>
-                    <a:bodyPr/>
-                    <a:lstStyle/>
-                    <a:p>
-                      <a:endParaRPr lang="de-DE" dirty="0"/>
-                    </a:p>
-                  </a:txBody>
-                  <a:tcPr/>
-                </a:tc>
+              <a:tr h="467625">
                 <a:tc>
                   <a:txBody>
                     <a:bodyPr/>
@@ -14687,21 +14855,11 @@
                 </a:tc>
                 <a:extLst>
                   <a:ext uri="{0D108BD9-81ED-4DB2-BD59-A6C34878D82A}">
-                    <a16:rowId xmlns:a16="http://schemas.microsoft.com/office/drawing/2014/main" val="10002"/>
+                    <a16:rowId xmlns:a16="http://schemas.microsoft.com/office/drawing/2014/main" xmlns="" val="10002"/>
                   </a:ext>
                 </a:extLst>
               </a:tr>
-              <a:tr h="360040">
-                <a:tc>
-                  <a:txBody>
-                    <a:bodyPr/>
-                    <a:lstStyle/>
-                    <a:p>
-                      <a:endParaRPr lang="de-DE" dirty="0"/>
-                    </a:p>
-                  </a:txBody>
-                  <a:tcPr/>
-                </a:tc>
+              <a:tr h="467625">
                 <a:tc>
                   <a:txBody>
                     <a:bodyPr/>
@@ -14724,7 +14882,7 @@
                 </a:tc>
                 <a:extLst>
                   <a:ext uri="{0D108BD9-81ED-4DB2-BD59-A6C34878D82A}">
-                    <a16:rowId xmlns:a16="http://schemas.microsoft.com/office/drawing/2014/main" val="10003"/>
+                    <a16:rowId xmlns:a16="http://schemas.microsoft.com/office/drawing/2014/main" xmlns="" val="10003"/>
                   </a:ext>
                 </a:extLst>
               </a:tr>
@@ -14732,16 +14890,94 @@
           </a:graphicData>
         </a:graphic>
       </p:graphicFrame>
+      <p:sp>
+        <p:nvSpPr>
+          <p:cNvPr id="5" name="Inhaltsplatzhalter 2"/>
+          <p:cNvSpPr>
+            <a:spLocks noGrp="1"/>
+          </p:cNvSpPr>
+          <p:nvPr>
+            <p:ph sz="quarter" idx="1"/>
+          </p:nvPr>
+        </p:nvSpPr>
+        <p:spPr>
+          <a:xfrm>
+            <a:off x="857224" y="3857628"/>
+            <a:ext cx="7467600" cy="2357454"/>
+          </a:xfrm>
+        </p:spPr>
+        <p:txBody>
+          <a:bodyPr>
+            <a:normAutofit lnSpcReduction="10000"/>
+          </a:bodyPr>
+          <a:lstStyle/>
+          <a:p>
+            <a:pPr>
+              <a:lnSpc>
+                <a:spcPct val="150000"/>
+              </a:lnSpc>
+            </a:pPr>
+            <a:r>
+              <a:rPr lang="de-DE" dirty="0" smtClean="0">
+                <a:latin typeface="Calibri" pitchFamily="34" charset="0"/>
+                <a:cs typeface="Calibri" pitchFamily="34" charset="0"/>
+              </a:rPr>
+              <a:t>Änderungen weiterleiten und dokumentieren schwierig/aufwendig</a:t>
+            </a:r>
+          </a:p>
+          <a:p>
+            <a:pPr>
+              <a:lnSpc>
+                <a:spcPct val="150000"/>
+              </a:lnSpc>
+            </a:pPr>
+            <a:r>
+              <a:rPr lang="de-DE" dirty="0" smtClean="0">
+                <a:latin typeface="Calibri" pitchFamily="34" charset="0"/>
+                <a:cs typeface="Calibri" pitchFamily="34" charset="0"/>
+              </a:rPr>
+              <a:t>Struktur einfach zu verstehen</a:t>
+            </a:r>
+          </a:p>
+          <a:p>
+            <a:pPr>
+              <a:lnSpc>
+                <a:spcPct val="150000"/>
+              </a:lnSpc>
+            </a:pPr>
+            <a:r>
+              <a:rPr lang="de-DE" dirty="0" smtClean="0">
+                <a:latin typeface="Calibri" pitchFamily="34" charset="0"/>
+                <a:cs typeface="Calibri" pitchFamily="34" charset="0"/>
+              </a:rPr>
+              <a:t>Gute Lernerfahrung</a:t>
+            </a:r>
+          </a:p>
+          <a:p>
+            <a:endParaRPr lang="de-DE" sz="3200" dirty="0">
+              <a:latin typeface="Calibri" pitchFamily="34" charset="0"/>
+              <a:cs typeface="Calibri" pitchFamily="34" charset="0"/>
+            </a:endParaRPr>
+          </a:p>
+        </p:txBody>
+      </p:sp>
     </p:spTree>
     <p:extLst>
       <p:ext uri="{BB962C8B-B14F-4D97-AF65-F5344CB8AC3E}">
-        <p14:creationId xmlns:p14="http://schemas.microsoft.com/office/powerpoint/2010/main" val="1751430848"/>
+        <p14:creationId xmlns:p14="http://schemas.microsoft.com/office/powerpoint/2010/main" xmlns="" val="1751430848"/>
       </p:ext>
     </p:extLst>
   </p:cSld>
   <p:clrMapOvr>
     <a:masterClrMapping/>
   </p:clrMapOvr>
+  <p:timing>
+    <p:tnLst>
+      <p:par>
+        <p:cTn id="1" dur="indefinite" restart="never" nodeType="tmRoot"/>
+      </p:par>
+    </p:tnLst>
+  </p:timing>
 </p:sld>
 </file>
 
@@ -14801,7 +15037,7 @@
             <a:hlinkClick r:id="" action="ppaction://media"/>
             <a:extLst>
               <a:ext uri="{FF2B5EF4-FFF2-40B4-BE49-F238E27FC236}">
-                <a16:creationId xmlns:a16="http://schemas.microsoft.com/office/drawing/2014/main" id="{2C42DB09-1A9D-4045-ACA4-1E5B54C0D122}"/>
+                <a16:creationId xmlns:a16="http://schemas.microsoft.com/office/drawing/2014/main" xmlns="" id="{2C42DB09-1A9D-4045-ACA4-1E5B54C0D122}"/>
               </a:ext>
             </a:extLst>
           </p:cNvPr>
@@ -14810,10 +15046,10 @@
           </p:cNvPicPr>
           <p:nvPr>
             <p:ph sz="quarter" idx="1"/>
-            <a:videoFile r:link="rId2"/>
+            <a:videoFile r:link="rId1"/>
             <p:extLst>
               <p:ext uri="{DAA4B4D4-6D71-4841-9C94-3DE7FCFB9230}">
-                <p14:media xmlns:p14="http://schemas.microsoft.com/office/powerpoint/2010/main" r:embed="rId1"/>
+                <p14:media xmlns:p14="http://schemas.microsoft.com/office/powerpoint/2010/main" xmlns="" r:embed="rId3"/>
               </p:ext>
             </p:extLst>
           </p:nvPr>
@@ -14834,7 +15070,7 @@
     </p:spTree>
     <p:extLst>
       <p:ext uri="{BB962C8B-B14F-4D97-AF65-F5344CB8AC3E}">
-        <p14:creationId xmlns:p14="http://schemas.microsoft.com/office/powerpoint/2010/main" val="190360359"/>
+        <p14:creationId xmlns:p14="http://schemas.microsoft.com/office/powerpoint/2010/main" xmlns="" val="190360359"/>
       </p:ext>
     </p:extLst>
   </p:cSld>
@@ -15141,6 +15377,13 @@
   <p:clrMapOvr>
     <a:masterClrMapping/>
   </p:clrMapOvr>
+  <p:timing>
+    <p:tnLst>
+      <p:par>
+        <p:cTn id="1" dur="indefinite" restart="never" nodeType="tmRoot"/>
+      </p:par>
+    </p:tnLst>
+  </p:timing>
 </p:sld>
 </file>
 
@@ -15284,7 +15527,7 @@
           <p:cNvPr id="5" name="Textfeld 4">
             <a:extLst>
               <a:ext uri="{FF2B5EF4-FFF2-40B4-BE49-F238E27FC236}">
-                <a16:creationId xmlns:a16="http://schemas.microsoft.com/office/drawing/2014/main" id="{09786EE4-3498-40F3-9F90-CDFBC09CBAF7}"/>
+                <a16:creationId xmlns:a16="http://schemas.microsoft.com/office/drawing/2014/main" xmlns="" id="{09786EE4-3498-40F3-9F90-CDFBC09CBAF7}"/>
               </a:ext>
             </a:extLst>
           </p:cNvPr>
@@ -15319,7 +15562,7 @@
           <p:cNvPr id="6" name="Textfeld 5">
             <a:extLst>
               <a:ext uri="{FF2B5EF4-FFF2-40B4-BE49-F238E27FC236}">
-                <a16:creationId xmlns:a16="http://schemas.microsoft.com/office/drawing/2014/main" id="{69886C5E-71FD-41B2-868A-548B5A8ABE95}"/>
+                <a16:creationId xmlns:a16="http://schemas.microsoft.com/office/drawing/2014/main" xmlns="" id="{69886C5E-71FD-41B2-868A-548B5A8ABE95}"/>
               </a:ext>
             </a:extLst>
           </p:cNvPr>
@@ -15362,7 +15605,7 @@
           <p:cNvPr id="8" name="Gerader Verbinder 7">
             <a:extLst>
               <a:ext uri="{FF2B5EF4-FFF2-40B4-BE49-F238E27FC236}">
-                <a16:creationId xmlns:a16="http://schemas.microsoft.com/office/drawing/2014/main" id="{472F3D41-D8FA-45DF-9E64-84B95CF2462D}"/>
+                <a16:creationId xmlns:a16="http://schemas.microsoft.com/office/drawing/2014/main" xmlns="" id="{472F3D41-D8FA-45DF-9E64-84B95CF2462D}"/>
               </a:ext>
             </a:extLst>
           </p:cNvPr>
@@ -15401,7 +15644,7 @@
           <p:cNvPr id="9" name="Gerader Verbinder 8">
             <a:extLst>
               <a:ext uri="{FF2B5EF4-FFF2-40B4-BE49-F238E27FC236}">
-                <a16:creationId xmlns:a16="http://schemas.microsoft.com/office/drawing/2014/main" id="{9D2AC886-E6AD-4582-807A-531D6E17B093}"/>
+                <a16:creationId xmlns:a16="http://schemas.microsoft.com/office/drawing/2014/main" xmlns="" id="{9D2AC886-E6AD-4582-807A-531D6E17B093}"/>
               </a:ext>
             </a:extLst>
           </p:cNvPr>
@@ -15440,7 +15683,7 @@
           <p:cNvPr id="14" name="Pfeil: nach rechts 13">
             <a:extLst>
               <a:ext uri="{FF2B5EF4-FFF2-40B4-BE49-F238E27FC236}">
-                <a16:creationId xmlns:a16="http://schemas.microsoft.com/office/drawing/2014/main" id="{62849E79-E495-42E3-A5C7-0396A5C82072}"/>
+                <a16:creationId xmlns:a16="http://schemas.microsoft.com/office/drawing/2014/main" xmlns="" id="{62849E79-E495-42E3-A5C7-0396A5C82072}"/>
               </a:ext>
             </a:extLst>
           </p:cNvPr>
@@ -15486,7 +15729,7 @@
           <p:cNvPr id="15" name="Grafik 14" descr="fridge_face.png">
             <a:extLst>
               <a:ext uri="{FF2B5EF4-FFF2-40B4-BE49-F238E27FC236}">
-                <a16:creationId xmlns:a16="http://schemas.microsoft.com/office/drawing/2014/main" id="{0E33A284-8A7D-4AD9-A5FB-C64E6211E25C}"/>
+                <a16:creationId xmlns:a16="http://schemas.microsoft.com/office/drawing/2014/main" xmlns="" id="{0E33A284-8A7D-4AD9-A5FB-C64E6211E25C}"/>
               </a:ext>
             </a:extLst>
           </p:cNvPr>
@@ -15516,6 +15759,13 @@
   <p:clrMapOvr>
     <a:masterClrMapping/>
   </p:clrMapOvr>
+  <p:timing>
+    <p:tnLst>
+      <p:par>
+        <p:cTn id="1" dur="indefinite" restart="never" nodeType="tmRoot"/>
+      </p:par>
+    </p:tnLst>
+  </p:timing>
 </p:sld>
 </file>
 
@@ -15541,7 +15791,7 @@
           <p:cNvPr id="2" name="Titel 1">
             <a:extLst>
               <a:ext uri="{FF2B5EF4-FFF2-40B4-BE49-F238E27FC236}">
-                <a16:creationId xmlns:a16="http://schemas.microsoft.com/office/drawing/2014/main" id="{CD77C097-2ECF-4C94-BCC1-60258CCE61E3}"/>
+                <a16:creationId xmlns:a16="http://schemas.microsoft.com/office/drawing/2014/main" xmlns="" id="{CD77C097-2ECF-4C94-BCC1-60258CCE61E3}"/>
               </a:ext>
             </a:extLst>
           </p:cNvPr>
@@ -15569,7 +15819,7 @@
           <p:cNvPr id="5" name="Inhaltsplatzhalter 4" descr="Frau">
             <a:extLst>
               <a:ext uri="{FF2B5EF4-FFF2-40B4-BE49-F238E27FC236}">
-                <a16:creationId xmlns:a16="http://schemas.microsoft.com/office/drawing/2014/main" id="{E1480F7E-4E61-42AA-A583-671D4AD83567}"/>
+                <a16:creationId xmlns:a16="http://schemas.microsoft.com/office/drawing/2014/main" xmlns="" id="{E1480F7E-4E61-42AA-A583-671D4AD83567}"/>
               </a:ext>
             </a:extLst>
           </p:cNvPr>
@@ -15584,10 +15834,10 @@
           <a:blip r:embed="rId2">
             <a:extLst>
               <a:ext uri="{28A0092B-C50C-407E-A947-70E740481C1C}">
-                <a14:useLocalDpi xmlns:a14="http://schemas.microsoft.com/office/drawing/2010/main" val="0"/>
+                <a14:useLocalDpi xmlns:a14="http://schemas.microsoft.com/office/drawing/2010/main" xmlns="" val="0"/>
               </a:ext>
               <a:ext uri="{96DAC541-7B7A-43D3-8B79-37D633B846F1}">
-                <asvg:svgBlip xmlns:asvg="http://schemas.microsoft.com/office/drawing/2016/SVG/main" r:embed="rId3"/>
+                <asvg:svgBlip xmlns:asvg="http://schemas.microsoft.com/office/drawing/2016/SVG/main" xmlns="" r:embed="rId3"/>
               </a:ext>
             </a:extLst>
           </a:blip>
@@ -15607,7 +15857,7 @@
           <p:cNvPr id="6" name="Inhaltsplatzhalter 4" descr="Frau">
             <a:extLst>
               <a:ext uri="{FF2B5EF4-FFF2-40B4-BE49-F238E27FC236}">
-                <a16:creationId xmlns:a16="http://schemas.microsoft.com/office/drawing/2014/main" id="{F4B1B595-02C2-4BEF-B40E-119A2ECBAEA1}"/>
+                <a16:creationId xmlns:a16="http://schemas.microsoft.com/office/drawing/2014/main" xmlns="" id="{F4B1B595-02C2-4BEF-B40E-119A2ECBAEA1}"/>
               </a:ext>
             </a:extLst>
           </p:cNvPr>
@@ -15620,10 +15870,10 @@
           <a:blip r:embed="rId2">
             <a:extLst>
               <a:ext uri="{28A0092B-C50C-407E-A947-70E740481C1C}">
-                <a14:useLocalDpi xmlns:a14="http://schemas.microsoft.com/office/drawing/2010/main" val="0"/>
+                <a14:useLocalDpi xmlns:a14="http://schemas.microsoft.com/office/drawing/2010/main" xmlns="" val="0"/>
               </a:ext>
               <a:ext uri="{96DAC541-7B7A-43D3-8B79-37D633B846F1}">
-                <asvg:svgBlip xmlns:asvg="http://schemas.microsoft.com/office/drawing/2016/SVG/main" r:embed="rId3"/>
+                <asvg:svgBlip xmlns:asvg="http://schemas.microsoft.com/office/drawing/2016/SVG/main" xmlns="" r:embed="rId3"/>
               </a:ext>
             </a:extLst>
           </a:blip>
@@ -15646,7 +15896,7 @@
           <p:cNvPr id="7" name="Inhaltsplatzhalter 4" descr="Frau">
             <a:extLst>
               <a:ext uri="{FF2B5EF4-FFF2-40B4-BE49-F238E27FC236}">
-                <a16:creationId xmlns:a16="http://schemas.microsoft.com/office/drawing/2014/main" id="{B12B2201-BB6D-4DF6-83B0-D425295E7DE6}"/>
+                <a16:creationId xmlns:a16="http://schemas.microsoft.com/office/drawing/2014/main" xmlns="" id="{B12B2201-BB6D-4DF6-83B0-D425295E7DE6}"/>
               </a:ext>
             </a:extLst>
           </p:cNvPr>
@@ -15659,10 +15909,10 @@
           <a:blip r:embed="rId2">
             <a:extLst>
               <a:ext uri="{28A0092B-C50C-407E-A947-70E740481C1C}">
-                <a14:useLocalDpi xmlns:a14="http://schemas.microsoft.com/office/drawing/2010/main" val="0"/>
+                <a14:useLocalDpi xmlns:a14="http://schemas.microsoft.com/office/drawing/2010/main" xmlns="" val="0"/>
               </a:ext>
               <a:ext uri="{96DAC541-7B7A-43D3-8B79-37D633B846F1}">
-                <asvg:svgBlip xmlns:asvg="http://schemas.microsoft.com/office/drawing/2016/SVG/main" r:embed="rId3"/>
+                <asvg:svgBlip xmlns:asvg="http://schemas.microsoft.com/office/drawing/2016/SVG/main" xmlns="" r:embed="rId3"/>
               </a:ext>
             </a:extLst>
           </a:blip>
@@ -15685,7 +15935,7 @@
           <p:cNvPr id="8" name="Inhaltsplatzhalter 4" descr="Frau">
             <a:extLst>
               <a:ext uri="{FF2B5EF4-FFF2-40B4-BE49-F238E27FC236}">
-                <a16:creationId xmlns:a16="http://schemas.microsoft.com/office/drawing/2014/main" id="{DCF4BD2B-4606-4FF1-80F1-DB034364173E}"/>
+                <a16:creationId xmlns:a16="http://schemas.microsoft.com/office/drawing/2014/main" xmlns="" id="{DCF4BD2B-4606-4FF1-80F1-DB034364173E}"/>
               </a:ext>
             </a:extLst>
           </p:cNvPr>
@@ -15698,10 +15948,10 @@
           <a:blip r:embed="rId2">
             <a:extLst>
               <a:ext uri="{28A0092B-C50C-407E-A947-70E740481C1C}">
-                <a14:useLocalDpi xmlns:a14="http://schemas.microsoft.com/office/drawing/2010/main" val="0"/>
+                <a14:useLocalDpi xmlns:a14="http://schemas.microsoft.com/office/drawing/2010/main" xmlns="" val="0"/>
               </a:ext>
               <a:ext uri="{96DAC541-7B7A-43D3-8B79-37D633B846F1}">
-                <asvg:svgBlip xmlns:asvg="http://schemas.microsoft.com/office/drawing/2016/SVG/main" r:embed="rId3"/>
+                <asvg:svgBlip xmlns:asvg="http://schemas.microsoft.com/office/drawing/2016/SVG/main" xmlns="" r:embed="rId3"/>
               </a:ext>
             </a:extLst>
           </a:blip>
@@ -15724,7 +15974,7 @@
           <p:cNvPr id="9" name="Inhaltsplatzhalter 4" descr="Frau">
             <a:extLst>
               <a:ext uri="{FF2B5EF4-FFF2-40B4-BE49-F238E27FC236}">
-                <a16:creationId xmlns:a16="http://schemas.microsoft.com/office/drawing/2014/main" id="{078F6CCE-90EB-49ED-A06A-68863FFE816C}"/>
+                <a16:creationId xmlns:a16="http://schemas.microsoft.com/office/drawing/2014/main" xmlns="" id="{078F6CCE-90EB-49ED-A06A-68863FFE816C}"/>
               </a:ext>
             </a:extLst>
           </p:cNvPr>
@@ -15737,10 +15987,10 @@
           <a:blip r:embed="rId2">
             <a:extLst>
               <a:ext uri="{28A0092B-C50C-407E-A947-70E740481C1C}">
-                <a14:useLocalDpi xmlns:a14="http://schemas.microsoft.com/office/drawing/2010/main" val="0"/>
+                <a14:useLocalDpi xmlns:a14="http://schemas.microsoft.com/office/drawing/2010/main" xmlns="" val="0"/>
               </a:ext>
               <a:ext uri="{96DAC541-7B7A-43D3-8B79-37D633B846F1}">
-                <asvg:svgBlip xmlns:asvg="http://schemas.microsoft.com/office/drawing/2016/SVG/main" r:embed="rId3"/>
+                <asvg:svgBlip xmlns:asvg="http://schemas.microsoft.com/office/drawing/2016/SVG/main" xmlns="" r:embed="rId3"/>
               </a:ext>
             </a:extLst>
           </a:blip>
@@ -15763,7 +16013,7 @@
           <p:cNvPr id="10" name="Denkblase: wolkenförmig 9">
             <a:extLst>
               <a:ext uri="{FF2B5EF4-FFF2-40B4-BE49-F238E27FC236}">
-                <a16:creationId xmlns:a16="http://schemas.microsoft.com/office/drawing/2014/main" id="{6BA39F53-1530-4645-A9E2-F56920657475}"/>
+                <a16:creationId xmlns:a16="http://schemas.microsoft.com/office/drawing/2014/main" xmlns="" id="{6BA39F53-1530-4645-A9E2-F56920657475}"/>
               </a:ext>
             </a:extLst>
           </p:cNvPr>
@@ -15820,7 +16070,7 @@
           <p:cNvPr id="11" name="Textfeld 10">
             <a:extLst>
               <a:ext uri="{FF2B5EF4-FFF2-40B4-BE49-F238E27FC236}">
-                <a16:creationId xmlns:a16="http://schemas.microsoft.com/office/drawing/2014/main" id="{770AEFF5-07F2-45EC-B1D4-6BC0F00A736E}"/>
+                <a16:creationId xmlns:a16="http://schemas.microsoft.com/office/drawing/2014/main" xmlns="" id="{770AEFF5-07F2-45EC-B1D4-6BC0F00A736E}"/>
               </a:ext>
             </a:extLst>
           </p:cNvPr>
@@ -15873,7 +16123,7 @@
           <p:cNvPr id="12" name="Denkblase: wolkenförmig 11">
             <a:extLst>
               <a:ext uri="{FF2B5EF4-FFF2-40B4-BE49-F238E27FC236}">
-                <a16:creationId xmlns:a16="http://schemas.microsoft.com/office/drawing/2014/main" id="{600AA49D-88C9-4AC6-87E1-5182ED69E2F6}"/>
+                <a16:creationId xmlns:a16="http://schemas.microsoft.com/office/drawing/2014/main" xmlns="" id="{600AA49D-88C9-4AC6-87E1-5182ED69E2F6}"/>
               </a:ext>
             </a:extLst>
           </p:cNvPr>
@@ -15930,7 +16180,7 @@
           <p:cNvPr id="13" name="Textfeld 12">
             <a:extLst>
               <a:ext uri="{FF2B5EF4-FFF2-40B4-BE49-F238E27FC236}">
-                <a16:creationId xmlns:a16="http://schemas.microsoft.com/office/drawing/2014/main" id="{7ACCF427-47A9-4FB7-9BAB-C0A2705141AA}"/>
+                <a16:creationId xmlns:a16="http://schemas.microsoft.com/office/drawing/2014/main" xmlns="" id="{7ACCF427-47A9-4FB7-9BAB-C0A2705141AA}"/>
               </a:ext>
             </a:extLst>
           </p:cNvPr>
@@ -15977,7 +16227,7 @@
           <p:cNvPr id="15" name="Grafik 14" descr="Daumen hoch">
             <a:extLst>
               <a:ext uri="{FF2B5EF4-FFF2-40B4-BE49-F238E27FC236}">
-                <a16:creationId xmlns:a16="http://schemas.microsoft.com/office/drawing/2014/main" id="{53067388-974F-4272-A4F5-C881D1A4FACD}"/>
+                <a16:creationId xmlns:a16="http://schemas.microsoft.com/office/drawing/2014/main" xmlns="" id="{53067388-974F-4272-A4F5-C881D1A4FACD}"/>
               </a:ext>
             </a:extLst>
           </p:cNvPr>
@@ -15990,10 +16240,10 @@
           <a:blip r:embed="rId4" cstate="print">
             <a:extLst>
               <a:ext uri="{28A0092B-C50C-407E-A947-70E740481C1C}">
-                <a14:useLocalDpi xmlns:a14="http://schemas.microsoft.com/office/drawing/2010/main" val="0"/>
+                <a14:useLocalDpi xmlns:a14="http://schemas.microsoft.com/office/drawing/2010/main" xmlns="" val="0"/>
               </a:ext>
               <a:ext uri="{96DAC541-7B7A-43D3-8B79-37D633B846F1}">
-                <asvg:svgBlip xmlns:asvg="http://schemas.microsoft.com/office/drawing/2016/SVG/main" r:embed="rId5"/>
+                <asvg:svgBlip xmlns:asvg="http://schemas.microsoft.com/office/drawing/2016/SVG/main" xmlns="" r:embed="rId5"/>
               </a:ext>
             </a:extLst>
           </a:blip>
@@ -16016,7 +16266,7 @@
           <p:cNvPr id="16" name="Grafik 15" descr="Daumen hoch">
             <a:extLst>
               <a:ext uri="{FF2B5EF4-FFF2-40B4-BE49-F238E27FC236}">
-                <a16:creationId xmlns:a16="http://schemas.microsoft.com/office/drawing/2014/main" id="{3D8E31B4-B058-42ED-8143-375E74C2A008}"/>
+                <a16:creationId xmlns:a16="http://schemas.microsoft.com/office/drawing/2014/main" xmlns="" id="{3D8E31B4-B058-42ED-8143-375E74C2A008}"/>
               </a:ext>
             </a:extLst>
           </p:cNvPr>
@@ -16029,10 +16279,10 @@
           <a:blip r:embed="rId6" cstate="print">
             <a:extLst>
               <a:ext uri="{28A0092B-C50C-407E-A947-70E740481C1C}">
-                <a14:useLocalDpi xmlns:a14="http://schemas.microsoft.com/office/drawing/2010/main" val="0"/>
+                <a14:useLocalDpi xmlns:a14="http://schemas.microsoft.com/office/drawing/2010/main" xmlns="" val="0"/>
               </a:ext>
               <a:ext uri="{96DAC541-7B7A-43D3-8B79-37D633B846F1}">
-                <asvg:svgBlip xmlns:asvg="http://schemas.microsoft.com/office/drawing/2016/SVG/main" r:embed="rId7"/>
+                <asvg:svgBlip xmlns:asvg="http://schemas.microsoft.com/office/drawing/2016/SVG/main" xmlns="" r:embed="rId7"/>
               </a:ext>
             </a:extLst>
           </a:blip>
@@ -16053,13 +16303,20 @@
     </p:spTree>
     <p:extLst>
       <p:ext uri="{BB962C8B-B14F-4D97-AF65-F5344CB8AC3E}">
-        <p14:creationId xmlns:p14="http://schemas.microsoft.com/office/powerpoint/2010/main" val="3738269158"/>
+        <p14:creationId xmlns:p14="http://schemas.microsoft.com/office/powerpoint/2010/main" xmlns="" val="3738269158"/>
       </p:ext>
     </p:extLst>
   </p:cSld>
   <p:clrMapOvr>
     <a:masterClrMapping/>
   </p:clrMapOvr>
+  <p:timing>
+    <p:tnLst>
+      <p:par>
+        <p:cTn id="1" dur="indefinite" restart="never" nodeType="tmRoot"/>
+      </p:par>
+    </p:tnLst>
+  </p:timing>
 </p:sld>
 </file>
 
@@ -16205,7 +16462,7 @@
           <p:cNvPr id="5" name="Grafik 4">
             <a:extLst>
               <a:ext uri="{FF2B5EF4-FFF2-40B4-BE49-F238E27FC236}">
-                <a16:creationId xmlns:a16="http://schemas.microsoft.com/office/drawing/2014/main" id="{6AC2D600-D934-48FC-ADAE-171A5F5F813E}"/>
+                <a16:creationId xmlns:a16="http://schemas.microsoft.com/office/drawing/2014/main" xmlns="" id="{6AC2D600-D934-48FC-ADAE-171A5F5F813E}"/>
               </a:ext>
             </a:extLst>
           </p:cNvPr>
@@ -16218,7 +16475,7 @@
           <a:blip r:embed="rId2">
             <a:extLst>
               <a:ext uri="{28A0092B-C50C-407E-A947-70E740481C1C}">
-                <a14:useLocalDpi xmlns:a14="http://schemas.microsoft.com/office/drawing/2010/main" val="0"/>
+                <a14:useLocalDpi xmlns:a14="http://schemas.microsoft.com/office/drawing/2010/main" xmlns="" val="0"/>
               </a:ext>
             </a:extLst>
           </a:blip>
@@ -16239,13 +16496,20 @@
     </p:spTree>
     <p:extLst>
       <p:ext uri="{BB962C8B-B14F-4D97-AF65-F5344CB8AC3E}">
-        <p14:creationId xmlns:p14="http://schemas.microsoft.com/office/powerpoint/2010/main" val="246517011"/>
+        <p14:creationId xmlns:p14="http://schemas.microsoft.com/office/powerpoint/2010/main" xmlns="" val="246517011"/>
       </p:ext>
     </p:extLst>
   </p:cSld>
   <p:clrMapOvr>
     <a:masterClrMapping/>
   </p:clrMapOvr>
+  <p:timing>
+    <p:tnLst>
+      <p:par>
+        <p:cTn id="1" dur="indefinite" restart="never" nodeType="tmRoot"/>
+      </p:par>
+    </p:tnLst>
+  </p:timing>
 </p:sld>
 </file>
 
@@ -17274,13 +17538,20 @@
     </p:spTree>
     <p:extLst>
       <p:ext uri="{BB962C8B-B14F-4D97-AF65-F5344CB8AC3E}">
-        <p14:creationId xmlns:p14="http://schemas.microsoft.com/office/powerpoint/2010/main" val="1754742320"/>
+        <p14:creationId xmlns:p14="http://schemas.microsoft.com/office/powerpoint/2010/main" xmlns="" val="1754742320"/>
       </p:ext>
     </p:extLst>
   </p:cSld>
   <p:clrMapOvr>
     <a:masterClrMapping/>
   </p:clrMapOvr>
+  <p:timing>
+    <p:tnLst>
+      <p:par>
+        <p:cTn id="1" dur="indefinite" restart="never" nodeType="tmRoot"/>
+      </p:par>
+    </p:tnLst>
+  </p:timing>
 </p:sld>
 </file>
 
@@ -17513,7 +17784,7 @@
     </p:spTree>
     <p:extLst>
       <p:ext uri="{BB962C8B-B14F-4D97-AF65-F5344CB8AC3E}">
-        <p14:creationId xmlns:p14="http://schemas.microsoft.com/office/powerpoint/2010/main" val="1633567392"/>
+        <p14:creationId xmlns:p14="http://schemas.microsoft.com/office/powerpoint/2010/main" xmlns="" val="1633567392"/>
       </p:ext>
     </p:extLst>
   </p:cSld>
@@ -17870,7 +18141,7 @@
           <a:blip r:embed="rId2" cstate="print">
             <a:extLst>
               <a:ext uri="{28A0092B-C50C-407E-A947-70E740481C1C}">
-                <a14:useLocalDpi xmlns:a14="http://schemas.microsoft.com/office/drawing/2010/main" val="0"/>
+                <a14:useLocalDpi xmlns:a14="http://schemas.microsoft.com/office/drawing/2010/main" xmlns="" val="0"/>
               </a:ext>
             </a:extLst>
           </a:blip>
@@ -17977,6 +18248,13 @@
   <p:clrMapOvr>
     <a:masterClrMapping/>
   </p:clrMapOvr>
+  <p:timing>
+    <p:tnLst>
+      <p:par>
+        <p:cTn id="1" dur="indefinite" restart="never" nodeType="tmRoot"/>
+      </p:par>
+    </p:tnLst>
+  </p:timing>
 </p:sld>
 </file>
 
@@ -18147,13 +18425,20 @@
     </p:spTree>
     <p:extLst>
       <p:ext uri="{BB962C8B-B14F-4D97-AF65-F5344CB8AC3E}">
-        <p14:creationId xmlns:p14="http://schemas.microsoft.com/office/powerpoint/2010/main" val="1753996425"/>
+        <p14:creationId xmlns:p14="http://schemas.microsoft.com/office/powerpoint/2010/main" xmlns="" val="1753996425"/>
       </p:ext>
     </p:extLst>
   </p:cSld>
   <p:clrMapOvr>
     <a:masterClrMapping/>
   </p:clrMapOvr>
+  <p:timing>
+    <p:tnLst>
+      <p:par>
+        <p:cTn id="1" dur="indefinite" restart="never" nodeType="tmRoot"/>
+      </p:par>
+    </p:tnLst>
+  </p:timing>
 </p:sld>
 </file>
 
@@ -18493,7 +18778,7 @@
     </a:clrScheme>
     <a:fontScheme name="Office">
       <a:majorFont>
-        <a:latin typeface="Calibri Light" panose="020F0302020204030204"/>
+        <a:latin typeface="Calibri Light"/>
         <a:ea typeface=""/>
         <a:cs typeface=""/>
         <a:font script="Jpan" typeface="游ゴシック Light"/>
@@ -18545,7 +18830,7 @@
         <a:font script="Tfng" typeface="Ebrima"/>
       </a:majorFont>
       <a:minorFont>
-        <a:latin typeface="Calibri" panose="020F0502020204030204"/>
+        <a:latin typeface="Calibri"/>
         <a:ea typeface=""/>
         <a:cs typeface=""/>
         <a:font script="Jpan" typeface="游ゴシック"/>
@@ -18739,7 +19024,7 @@
   <a:extraClrSchemeLst/>
   <a:extLst>
     <a:ext uri="{05A4C25C-085E-4340-85A3-A5531E510DB2}">
-      <thm15:themeFamily xmlns:thm15="http://schemas.microsoft.com/office/thememl/2012/main" name="Office Theme" id="{62F939B6-93AF-4DB8-9C6B-D6C7DFDC589F}" vid="{4A3C46E8-61CC-4603-A589-7422A47A8E4A}"/>
+      <thm15:themeFamily xmlns:thm15="http://schemas.microsoft.com/office/thememl/2012/main" xmlns="" name="Office Theme" id="{62F939B6-93AF-4DB8-9C6B-D6C7DFDC589F}" vid="{4A3C46E8-61CC-4603-A589-7422A47A8E4A}"/>
     </a:ext>
   </a:extLst>
 </a:theme>

--- a/documentation/Abschluss/Abschlusspräsentation.pptx
+++ b/documentation/Abschluss/Abschlusspräsentation.pptx
@@ -128,7 +128,7 @@
   </p:defaultTextStyle>
   <p:extLst>
     <p:ext uri="{EFAFB233-063F-42B5-8137-9DF3F51BA10A}">
-      <p15:sldGuideLst xmlns:p15="http://schemas.microsoft.com/office/powerpoint/2012/main" xmlns="">
+      <p15:sldGuideLst xmlns:p15="http://schemas.microsoft.com/office/powerpoint/2012/main">
         <p15:guide id="1" orient="horz" pos="2160">
           <p15:clr>
             <a:srgbClr val="A4A3A4"/>
@@ -146,8 +146,18 @@
 </file>
 
 <file path=ppt/charts/chart1.xml><?xml version="1.0" encoding="utf-8"?>
-<c:chartSpace xmlns:c="http://schemas.openxmlformats.org/drawingml/2006/chart" xmlns:a="http://schemas.openxmlformats.org/drawingml/2006/main" xmlns:r="http://schemas.openxmlformats.org/officeDocument/2006/relationships">
+<c:chartSpace xmlns:c="http://schemas.openxmlformats.org/drawingml/2006/chart" xmlns:a="http://schemas.openxmlformats.org/drawingml/2006/main" xmlns:r="http://schemas.openxmlformats.org/officeDocument/2006/relationships" xmlns:c16r2="http://schemas.microsoft.com/office/drawing/2015/06/chart">
+  <c:date1904 val="0"/>
   <c:lang val="de-DE"/>
+  <c:roundedCorners val="0"/>
+  <mc:AlternateContent xmlns:mc="http://schemas.openxmlformats.org/markup-compatibility/2006">
+    <mc:Choice xmlns:c14="http://schemas.microsoft.com/office/drawing/2007/8/2/chart" Requires="c14">
+      <c14:style val="102"/>
+    </mc:Choice>
+    <mc:Fallback>
+      <c:style val="2"/>
+    </mc:Fallback>
+  </mc:AlternateContent>
   <c:chart>
     <c:title>
       <c:tx>
@@ -175,7 +185,7 @@
           </a:p>
         </c:rich>
       </c:tx>
-      <c:layout/>
+      <c:overlay val="0"/>
       <c:spPr>
         <a:noFill/>
         <a:ln>
@@ -184,11 +194,13 @@
         <a:effectLst/>
       </c:spPr>
     </c:title>
+    <c:autoTitleDeleted val="0"/>
     <c:plotArea>
       <c:layout/>
       <c:barChart>
         <c:barDir val="bar"/>
         <c:grouping val="clustered"/>
+        <c:varyColors val="0"/>
         <c:ser>
           <c:idx val="0"/>
           <c:order val="0"/>
@@ -212,6 +224,7 @@
             </a:ln>
             <a:effectLst/>
           </c:spPr>
+          <c:invertIfNegative val="0"/>
           <c:cat>
             <c:strRef>
               <c:f>Tabelle1!$A$2:$A$7</c:f>
@@ -265,13 +278,20 @@
               </c:numCache>
             </c:numRef>
           </c:val>
-          <c:extLst xmlns:c16r2="http://schemas.microsoft.com/office/drawing/2015/06/chart">
+          <c:extLst>
             <c:ext xmlns:c16="http://schemas.microsoft.com/office/drawing/2014/chart" uri="{C3380CC4-5D6E-409C-BE32-E72D297353CC}">
               <c16:uniqueId val="{00000000-5253-460E-879C-581206D8B81C}"/>
             </c:ext>
           </c:extLst>
         </c:ser>
-        <c:dLbls/>
+        <c:dLbls>
+          <c:showLegendKey val="0"/>
+          <c:showVal val="0"/>
+          <c:showCatName val="0"/>
+          <c:showSerName val="0"/>
+          <c:showPercent val="0"/>
+          <c:showBubbleSize val="0"/>
+        </c:dLbls>
         <c:gapWidth val="182"/>
         <c:axId val="103747584"/>
         <c:axId val="105390464"/>
@@ -281,9 +301,11 @@
         <c:scaling>
           <c:orientation val="minMax"/>
         </c:scaling>
+        <c:delete val="0"/>
         <c:axPos val="l"/>
         <c:numFmt formatCode="General" sourceLinked="1"/>
         <c:majorTickMark val="none"/>
+        <c:minorTickMark val="none"/>
         <c:tickLblPos val="nextTo"/>
         <c:spPr>
           <a:noFill/>
@@ -323,6 +345,7 @@
         <c:auto val="1"/>
         <c:lblAlgn val="ctr"/>
         <c:lblOffset val="100"/>
+        <c:noMultiLvlLbl val="0"/>
       </c:catAx>
       <c:valAx>
         <c:axId val="105390464"/>
@@ -331,6 +354,7 @@
           <c:max val="7"/>
           <c:min val="1"/>
         </c:scaling>
+        <c:delete val="0"/>
         <c:axPos val="b"/>
         <c:majorGridlines>
           <c:spPr>
@@ -348,6 +372,7 @@
         </c:majorGridlines>
         <c:numFmt formatCode="General" sourceLinked="1"/>
         <c:majorTickMark val="none"/>
+        <c:minorTickMark val="none"/>
         <c:tickLblPos val="nextTo"/>
         <c:spPr>
           <a:noFill/>
@@ -390,13 +415,14 @@
     </c:plotArea>
     <c:plotVisOnly val="1"/>
     <c:dispBlanksAs val="gap"/>
-    <c:extLst xmlns:c16r2="http://schemas.microsoft.com/office/drawing/2015/06/chart">
+    <c:extLst>
       <c:ext xmlns:c16r3="http://schemas.microsoft.com/office/drawing/2017/03/chart" uri="{56B9EC1D-385E-4148-901F-78D8002777C0}">
         <c16r3:dataDisplayOptions16>
           <c16r3:dispNaAsBlank val="1"/>
         </c16r3:dataDisplayOptions16>
       </c:ext>
     </c:extLst>
+    <c:showDLblsOverMax val="0"/>
   </c:chart>
   <c:spPr>
     <a:noFill/>
@@ -415,13 +441,25 @@
       <a:endParaRPr lang="de-DE"/>
     </a:p>
   </c:txPr>
-  <c:externalData r:id="rId1"/>
+  <c:externalData r:id="rId1">
+    <c:autoUpdate val="0"/>
+  </c:externalData>
 </c:chartSpace>
 </file>
 
 <file path=ppt/charts/chart2.xml><?xml version="1.0" encoding="utf-8"?>
-<c:chartSpace xmlns:c="http://schemas.openxmlformats.org/drawingml/2006/chart" xmlns:a="http://schemas.openxmlformats.org/drawingml/2006/main" xmlns:r="http://schemas.openxmlformats.org/officeDocument/2006/relationships">
+<c:chartSpace xmlns:c="http://schemas.openxmlformats.org/drawingml/2006/chart" xmlns:a="http://schemas.openxmlformats.org/drawingml/2006/main" xmlns:r="http://schemas.openxmlformats.org/officeDocument/2006/relationships" xmlns:c16r2="http://schemas.microsoft.com/office/drawing/2015/06/chart">
+  <c:date1904 val="0"/>
   <c:lang val="de-DE"/>
+  <c:roundedCorners val="0"/>
+  <mc:AlternateContent xmlns:mc="http://schemas.openxmlformats.org/markup-compatibility/2006">
+    <mc:Choice xmlns:c14="http://schemas.microsoft.com/office/drawing/2007/8/2/chart" Requires="c14">
+      <c14:style val="102"/>
+    </mc:Choice>
+    <mc:Fallback>
+      <c:style val="2"/>
+    </mc:Fallback>
+  </mc:AlternateContent>
   <c:chart>
     <c:title>
       <c:tx>
@@ -449,7 +487,7 @@
           </a:p>
         </c:rich>
       </c:tx>
-      <c:layout/>
+      <c:overlay val="0"/>
       <c:spPr>
         <a:noFill/>
         <a:ln>
@@ -458,6 +496,7 @@
         <a:effectLst/>
       </c:spPr>
     </c:title>
+    <c:autoTitleDeleted val="0"/>
     <c:plotArea>
       <c:layout>
         <c:manualLayout>
@@ -473,6 +512,7 @@
       <c:barChart>
         <c:barDir val="bar"/>
         <c:grouping val="clustered"/>
+        <c:varyColors val="0"/>
         <c:ser>
           <c:idx val="0"/>
           <c:order val="0"/>
@@ -496,6 +536,7 @@
             </a:ln>
             <a:effectLst/>
           </c:spPr>
+          <c:invertIfNegative val="0"/>
           <c:cat>
             <c:strRef>
               <c:f>Tabelle1!$A$2:$A$9</c:f>
@@ -561,7 +602,7 @@
               </c:numCache>
             </c:numRef>
           </c:val>
-          <c:extLst xmlns:c16r2="http://schemas.microsoft.com/office/drawing/2015/06/chart">
+          <c:extLst>
             <c:ext xmlns:c16="http://schemas.microsoft.com/office/drawing/2014/chart" uri="{C3380CC4-5D6E-409C-BE32-E72D297353CC}">
               <c16:uniqueId val="{00000000-5253-460E-879C-581206D8B81C}"/>
             </c:ext>
@@ -590,6 +631,7 @@
             </a:ln>
             <a:effectLst/>
           </c:spPr>
+          <c:invertIfNegative val="0"/>
           <c:cat>
             <c:strRef>
               <c:f>Tabelle1!$A$2:$A$9</c:f>
@@ -655,7 +697,7 @@
               </c:numCache>
             </c:numRef>
           </c:val>
-          <c:extLst xmlns:c16r2="http://schemas.microsoft.com/office/drawing/2015/06/chart">
+          <c:extLst>
             <c:ext xmlns:c16="http://schemas.microsoft.com/office/drawing/2014/chart" uri="{C3380CC4-5D6E-409C-BE32-E72D297353CC}">
               <c16:uniqueId val="{00000001-5253-460E-879C-581206D8B81C}"/>
             </c:ext>
@@ -684,6 +726,7 @@
             </a:ln>
             <a:effectLst/>
           </c:spPr>
+          <c:invertIfNegative val="0"/>
           <c:cat>
             <c:strRef>
               <c:f>Tabelle1!$A$2:$A$9</c:f>
@@ -725,13 +768,20 @@
               </c:numCache>
             </c:numRef>
           </c:val>
-          <c:extLst xmlns:c16r2="http://schemas.microsoft.com/office/drawing/2015/06/chart">
+          <c:extLst>
             <c:ext xmlns:c16="http://schemas.microsoft.com/office/drawing/2014/chart" uri="{C3380CC4-5D6E-409C-BE32-E72D297353CC}">
               <c16:uniqueId val="{00000000-B8AC-4D32-B8BD-2D16DC70C46C}"/>
             </c:ext>
           </c:extLst>
         </c:ser>
-        <c:dLbls/>
+        <c:dLbls>
+          <c:showLegendKey val="0"/>
+          <c:showVal val="0"/>
+          <c:showCatName val="0"/>
+          <c:showSerName val="0"/>
+          <c:showPercent val="0"/>
+          <c:showBubbleSize val="0"/>
+        </c:dLbls>
         <c:gapWidth val="182"/>
         <c:axId val="167523840"/>
         <c:axId val="167525760"/>
@@ -741,9 +791,11 @@
         <c:scaling>
           <c:orientation val="minMax"/>
         </c:scaling>
+        <c:delete val="0"/>
         <c:axPos val="l"/>
         <c:numFmt formatCode="General" sourceLinked="1"/>
         <c:majorTickMark val="none"/>
+        <c:minorTickMark val="none"/>
         <c:tickLblPos val="nextTo"/>
         <c:spPr>
           <a:noFill/>
@@ -783,6 +835,7 @@
         <c:auto val="1"/>
         <c:lblAlgn val="ctr"/>
         <c:lblOffset val="100"/>
+        <c:noMultiLvlLbl val="0"/>
       </c:catAx>
       <c:valAx>
         <c:axId val="167525760"/>
@@ -791,6 +844,7 @@
           <c:max val="7"/>
           <c:min val="1"/>
         </c:scaling>
+        <c:delete val="0"/>
         <c:axPos val="b"/>
         <c:majorGridlines>
           <c:spPr>
@@ -808,6 +862,7 @@
         </c:majorGridlines>
         <c:numFmt formatCode="General" sourceLinked="1"/>
         <c:majorTickMark val="none"/>
+        <c:minorTickMark val="none"/>
         <c:tickLblPos val="nextTo"/>
         <c:spPr>
           <a:noFill/>
@@ -854,7 +909,7 @@
         <c:idx val="0"/>
         <c:delete val="1"/>
       </c:legendEntry>
-      <c:layout/>
+      <c:overlay val="0"/>
       <c:spPr>
         <a:noFill/>
         <a:ln>
@@ -885,13 +940,14 @@
     </c:legend>
     <c:plotVisOnly val="1"/>
     <c:dispBlanksAs val="gap"/>
-    <c:extLst xmlns:c16r2="http://schemas.microsoft.com/office/drawing/2015/06/chart">
+    <c:extLst>
       <c:ext xmlns:c16r3="http://schemas.microsoft.com/office/drawing/2017/03/chart" uri="{56B9EC1D-385E-4148-901F-78D8002777C0}">
         <c16r3:dataDisplayOptions16>
           <c16r3:dispNaAsBlank val="1"/>
         </c16r3:dataDisplayOptions16>
       </c:ext>
     </c:extLst>
+    <c:showDLblsOverMax val="0"/>
   </c:chart>
   <c:spPr>
     <a:noFill/>
@@ -910,7 +966,9 @@
       <a:endParaRPr lang="de-DE"/>
     </a:p>
   </c:txPr>
-  <c:externalData r:id="rId1"/>
+  <c:externalData r:id="rId1">
+    <c:autoUpdate val="0"/>
+  </c:externalData>
 </c:chartSpace>
 </file>
 
@@ -2022,13 +2080,6 @@
     <dgm:pt modelId="{7E987B23-1FBF-934F-AE84-A1950824BC19}" type="pres">
       <dgm:prSet presAssocID="{92C21019-64F2-0A48-BD7D-7FDFDD8673B8}" presName="acctBkgd" presStyleLbl="alignAcc1" presStyleIdx="0" presStyleCnt="4"/>
       <dgm:spPr/>
-      <dgm:t>
-        <a:bodyPr/>
-        <a:lstStyle/>
-        <a:p>
-          <a:endParaRPr lang="de-DE"/>
-        </a:p>
-      </dgm:t>
     </dgm:pt>
     <dgm:pt modelId="{018B8698-0B3B-D540-A270-4559257B67AF}" type="pres">
       <dgm:prSet presAssocID="{92C21019-64F2-0A48-BD7D-7FDFDD8673B8}" presName="acctTx" presStyleLbl="alignAcc1" presStyleIdx="0" presStyleCnt="4">
@@ -2037,13 +2088,6 @@
         </dgm:presLayoutVars>
       </dgm:prSet>
       <dgm:spPr/>
-      <dgm:t>
-        <a:bodyPr/>
-        <a:lstStyle/>
-        <a:p>
-          <a:endParaRPr lang="de-DE"/>
-        </a:p>
-      </dgm:t>
     </dgm:pt>
     <dgm:pt modelId="{A9F61433-CB8A-8047-8082-C85308266DA6}" type="pres">
       <dgm:prSet presAssocID="{92C21019-64F2-0A48-BD7D-7FDFDD8673B8}" presName="level" presStyleLbl="node1" presStyleIdx="0" presStyleCnt="4">
@@ -2053,13 +2097,6 @@
         </dgm:presLayoutVars>
       </dgm:prSet>
       <dgm:spPr/>
-      <dgm:t>
-        <a:bodyPr/>
-        <a:lstStyle/>
-        <a:p>
-          <a:endParaRPr lang="de-DE"/>
-        </a:p>
-      </dgm:t>
     </dgm:pt>
     <dgm:pt modelId="{4D34D131-0121-2641-AF3E-C4A924B66906}" type="pres">
       <dgm:prSet presAssocID="{92C21019-64F2-0A48-BD7D-7FDFDD8673B8}" presName="levelTx" presStyleLbl="revTx" presStyleIdx="0" presStyleCnt="0">
@@ -2069,13 +2106,6 @@
         </dgm:presLayoutVars>
       </dgm:prSet>
       <dgm:spPr/>
-      <dgm:t>
-        <a:bodyPr/>
-        <a:lstStyle/>
-        <a:p>
-          <a:endParaRPr lang="de-DE"/>
-        </a:p>
-      </dgm:t>
     </dgm:pt>
     <dgm:pt modelId="{5E71FEFC-0AEF-6148-9B9A-CB806F178227}" type="pres">
       <dgm:prSet presAssocID="{51F1C30F-BC6D-964B-805C-7251FA337436}" presName="Name8" presStyleCnt="0"/>
@@ -2084,13 +2114,6 @@
     <dgm:pt modelId="{8D281AA3-EAE3-0045-A5A0-7223F2D67F92}" type="pres">
       <dgm:prSet presAssocID="{51F1C30F-BC6D-964B-805C-7251FA337436}" presName="acctBkgd" presStyleLbl="alignAcc1" presStyleIdx="1" presStyleCnt="4"/>
       <dgm:spPr/>
-      <dgm:t>
-        <a:bodyPr/>
-        <a:lstStyle/>
-        <a:p>
-          <a:endParaRPr lang="de-DE"/>
-        </a:p>
-      </dgm:t>
     </dgm:pt>
     <dgm:pt modelId="{E9BA28E7-8E28-DC4E-8CFA-4CB60151A223}" type="pres">
       <dgm:prSet presAssocID="{51F1C30F-BC6D-964B-805C-7251FA337436}" presName="acctTx" presStyleLbl="alignAcc1" presStyleIdx="1" presStyleCnt="4">
@@ -2099,13 +2122,6 @@
         </dgm:presLayoutVars>
       </dgm:prSet>
       <dgm:spPr/>
-      <dgm:t>
-        <a:bodyPr/>
-        <a:lstStyle/>
-        <a:p>
-          <a:endParaRPr lang="de-DE"/>
-        </a:p>
-      </dgm:t>
     </dgm:pt>
     <dgm:pt modelId="{6B11F3B5-2AD7-F54A-803F-23A8CC73E218}" type="pres">
       <dgm:prSet presAssocID="{51F1C30F-BC6D-964B-805C-7251FA337436}" presName="level" presStyleLbl="node1" presStyleIdx="1" presStyleCnt="4">
@@ -2115,13 +2131,6 @@
         </dgm:presLayoutVars>
       </dgm:prSet>
       <dgm:spPr/>
-      <dgm:t>
-        <a:bodyPr/>
-        <a:lstStyle/>
-        <a:p>
-          <a:endParaRPr lang="de-DE"/>
-        </a:p>
-      </dgm:t>
     </dgm:pt>
     <dgm:pt modelId="{48B723AD-B3BC-6C4A-BEC9-85FE6C47C9A8}" type="pres">
       <dgm:prSet presAssocID="{51F1C30F-BC6D-964B-805C-7251FA337436}" presName="levelTx" presStyleLbl="revTx" presStyleIdx="0" presStyleCnt="0">
@@ -2131,13 +2140,6 @@
         </dgm:presLayoutVars>
       </dgm:prSet>
       <dgm:spPr/>
-      <dgm:t>
-        <a:bodyPr/>
-        <a:lstStyle/>
-        <a:p>
-          <a:endParaRPr lang="de-DE"/>
-        </a:p>
-      </dgm:t>
     </dgm:pt>
     <dgm:pt modelId="{E3A7B8DF-2AB4-EF4B-A31D-63776D53F9A5}" type="pres">
       <dgm:prSet presAssocID="{95522B47-3477-C141-AFAA-3FD0434218F0}" presName="Name8" presStyleCnt="0"/>
@@ -2146,13 +2148,6 @@
     <dgm:pt modelId="{D77927C9-F46D-F245-BE2A-ABD276F67486}" type="pres">
       <dgm:prSet presAssocID="{95522B47-3477-C141-AFAA-3FD0434218F0}" presName="acctBkgd" presStyleLbl="alignAcc1" presStyleIdx="2" presStyleCnt="4"/>
       <dgm:spPr/>
-      <dgm:t>
-        <a:bodyPr/>
-        <a:lstStyle/>
-        <a:p>
-          <a:endParaRPr lang="de-DE"/>
-        </a:p>
-      </dgm:t>
     </dgm:pt>
     <dgm:pt modelId="{7CA8BB3D-EC27-DF4B-B646-4F05EA0EC76E}" type="pres">
       <dgm:prSet presAssocID="{95522B47-3477-C141-AFAA-3FD0434218F0}" presName="acctTx" presStyleLbl="alignAcc1" presStyleIdx="2" presStyleCnt="4">
@@ -2161,13 +2156,6 @@
         </dgm:presLayoutVars>
       </dgm:prSet>
       <dgm:spPr/>
-      <dgm:t>
-        <a:bodyPr/>
-        <a:lstStyle/>
-        <a:p>
-          <a:endParaRPr lang="de-DE"/>
-        </a:p>
-      </dgm:t>
     </dgm:pt>
     <dgm:pt modelId="{A8CB1A31-73B3-534A-A39D-2DE64F9500D0}" type="pres">
       <dgm:prSet presAssocID="{95522B47-3477-C141-AFAA-3FD0434218F0}" presName="level" presStyleLbl="node1" presStyleIdx="2" presStyleCnt="4">
@@ -2177,13 +2165,6 @@
         </dgm:presLayoutVars>
       </dgm:prSet>
       <dgm:spPr/>
-      <dgm:t>
-        <a:bodyPr/>
-        <a:lstStyle/>
-        <a:p>
-          <a:endParaRPr lang="de-DE"/>
-        </a:p>
-      </dgm:t>
     </dgm:pt>
     <dgm:pt modelId="{DF22608E-46D2-D64D-9F3F-99E16C8A152A}" type="pres">
       <dgm:prSet presAssocID="{95522B47-3477-C141-AFAA-3FD0434218F0}" presName="levelTx" presStyleLbl="revTx" presStyleIdx="0" presStyleCnt="0">
@@ -2193,13 +2174,6 @@
         </dgm:presLayoutVars>
       </dgm:prSet>
       <dgm:spPr/>
-      <dgm:t>
-        <a:bodyPr/>
-        <a:lstStyle/>
-        <a:p>
-          <a:endParaRPr lang="de-DE"/>
-        </a:p>
-      </dgm:t>
     </dgm:pt>
     <dgm:pt modelId="{BF33163F-9E3F-CB49-B9A9-63644BFD4A82}" type="pres">
       <dgm:prSet presAssocID="{D26D63A6-FB7D-0240-97D8-6615283E9E74}" presName="Name8" presStyleCnt="0"/>
@@ -2208,13 +2182,6 @@
     <dgm:pt modelId="{999FE6A6-E8B1-BB44-B941-3BC9347AA8FE}" type="pres">
       <dgm:prSet presAssocID="{D26D63A6-FB7D-0240-97D8-6615283E9E74}" presName="acctBkgd" presStyleLbl="alignAcc1" presStyleIdx="3" presStyleCnt="4"/>
       <dgm:spPr/>
-      <dgm:t>
-        <a:bodyPr/>
-        <a:lstStyle/>
-        <a:p>
-          <a:endParaRPr lang="de-DE"/>
-        </a:p>
-      </dgm:t>
     </dgm:pt>
     <dgm:pt modelId="{26251B07-6187-0C4B-902B-8F81E2C76F5A}" type="pres">
       <dgm:prSet presAssocID="{D26D63A6-FB7D-0240-97D8-6615283E9E74}" presName="acctTx" presStyleLbl="alignAcc1" presStyleIdx="3" presStyleCnt="4">
@@ -2223,13 +2190,6 @@
         </dgm:presLayoutVars>
       </dgm:prSet>
       <dgm:spPr/>
-      <dgm:t>
-        <a:bodyPr/>
-        <a:lstStyle/>
-        <a:p>
-          <a:endParaRPr lang="de-DE"/>
-        </a:p>
-      </dgm:t>
     </dgm:pt>
     <dgm:pt modelId="{2A0A634F-9A33-6544-B1F3-6BFFBF7806C4}" type="pres">
       <dgm:prSet presAssocID="{D26D63A6-FB7D-0240-97D8-6615283E9E74}" presName="level" presStyleLbl="node1" presStyleIdx="3" presStyleCnt="4">
@@ -2239,13 +2199,6 @@
         </dgm:presLayoutVars>
       </dgm:prSet>
       <dgm:spPr/>
-      <dgm:t>
-        <a:bodyPr/>
-        <a:lstStyle/>
-        <a:p>
-          <a:endParaRPr lang="de-DE"/>
-        </a:p>
-      </dgm:t>
     </dgm:pt>
     <dgm:pt modelId="{E68B17FE-F1BB-8B4E-B878-6C4CEBB5AB7C}" type="pres">
       <dgm:prSet presAssocID="{D26D63A6-FB7D-0240-97D8-6615283E9E74}" presName="levelTx" presStyleLbl="revTx" presStyleIdx="0" presStyleCnt="0">
@@ -2255,41 +2208,34 @@
         </dgm:presLayoutVars>
       </dgm:prSet>
       <dgm:spPr/>
-      <dgm:t>
-        <a:bodyPr/>
-        <a:lstStyle/>
-        <a:p>
-          <a:endParaRPr lang="de-DE"/>
-        </a:p>
-      </dgm:t>
     </dgm:pt>
   </dgm:ptLst>
   <dgm:cxnLst>
+    <dgm:cxn modelId="{1D8B7A02-969F-CF45-8699-77BD1E7D48F3}" type="presOf" srcId="{E3B96449-42AF-F148-8F67-EB889FB6512C}" destId="{8D281AA3-EAE3-0045-A5A0-7223F2D67F92}" srcOrd="0" destOrd="0" presId="urn:microsoft.com/office/officeart/2005/8/layout/pyramid1"/>
+    <dgm:cxn modelId="{71386A13-7EC1-004B-9EBD-37E3167C6D12}" type="presOf" srcId="{D26D63A6-FB7D-0240-97D8-6615283E9E74}" destId="{2A0A634F-9A33-6544-B1F3-6BFFBF7806C4}" srcOrd="0" destOrd="0" presId="urn:microsoft.com/office/officeart/2005/8/layout/pyramid1"/>
+    <dgm:cxn modelId="{627BF814-1DF4-6F44-ACBD-B39B7772361D}" type="presOf" srcId="{51F1C30F-BC6D-964B-805C-7251FA337436}" destId="{6B11F3B5-2AD7-F54A-803F-23A8CC73E218}" srcOrd="0" destOrd="0" presId="urn:microsoft.com/office/officeart/2005/8/layout/pyramid1"/>
+    <dgm:cxn modelId="{7B8EC030-0B4B-3F49-93CC-273FA493DEE6}" type="presOf" srcId="{54BB39A5-BC0D-3B45-B235-407F12CB716A}" destId="{26251B07-6187-0C4B-902B-8F81E2C76F5A}" srcOrd="1" destOrd="0" presId="urn:microsoft.com/office/officeart/2005/8/layout/pyramid1"/>
+    <dgm:cxn modelId="{2FE19B32-6313-E84C-8062-479A4E821B8B}" type="presOf" srcId="{51F1C30F-BC6D-964B-805C-7251FA337436}" destId="{48B723AD-B3BC-6C4A-BEC9-85FE6C47C9A8}" srcOrd="1" destOrd="0" presId="urn:microsoft.com/office/officeart/2005/8/layout/pyramid1"/>
+    <dgm:cxn modelId="{CD931F3B-724D-E94B-A36F-46CE2D24E813}" srcId="{52B83748-D356-8E4B-901B-689C881CB76E}" destId="{92C21019-64F2-0A48-BD7D-7FDFDD8673B8}" srcOrd="0" destOrd="0" parTransId="{CFFC1156-F014-ED4C-A89E-770AF591ECA4}" sibTransId="{9703F012-5FE8-834E-AD99-07FBC06FD25E}"/>
+    <dgm:cxn modelId="{8CE25D3E-3852-0647-B35F-AD06DFC609EB}" type="presOf" srcId="{92C21019-64F2-0A48-BD7D-7FDFDD8673B8}" destId="{4D34D131-0121-2641-AF3E-C4A924B66906}" srcOrd="1" destOrd="0" presId="urn:microsoft.com/office/officeart/2005/8/layout/pyramid1"/>
+    <dgm:cxn modelId="{389C8662-EA50-E548-927E-2B90779875DA}" type="presOf" srcId="{52B83748-D356-8E4B-901B-689C881CB76E}" destId="{B087545F-E550-464C-8013-DA49045A25FB}" srcOrd="0" destOrd="0" presId="urn:microsoft.com/office/officeart/2005/8/layout/pyramid1"/>
+    <dgm:cxn modelId="{C0DCFC6C-C5B3-A742-AD97-5E92FB86351D}" type="presOf" srcId="{86562535-CB87-E34D-8DAD-030AF61C8641}" destId="{018B8698-0B3B-D540-A270-4559257B67AF}" srcOrd="1" destOrd="0" presId="urn:microsoft.com/office/officeart/2005/8/layout/pyramid1"/>
+    <dgm:cxn modelId="{FE5D4574-3829-E849-A575-0E0B3845CA89}" type="presOf" srcId="{95522B47-3477-C141-AFAA-3FD0434218F0}" destId="{DF22608E-46D2-D64D-9F3F-99E16C8A152A}" srcOrd="1" destOrd="0" presId="urn:microsoft.com/office/officeart/2005/8/layout/pyramid1"/>
+    <dgm:cxn modelId="{24C3F674-5E6E-3A42-98C0-BB38B6F005A0}" srcId="{95522B47-3477-C141-AFAA-3FD0434218F0}" destId="{D2AA4A43-264F-8648-B9B2-CFED45AB96AB}" srcOrd="0" destOrd="0" parTransId="{474CA716-F6C1-7B45-8DAC-52B1A20AF057}" sibTransId="{10B6231A-D3E5-9248-B90E-44C8058A4611}"/>
+    <dgm:cxn modelId="{55DB5057-E167-0F4D-9C45-97536FB21FC5}" srcId="{92C21019-64F2-0A48-BD7D-7FDFDD8673B8}" destId="{86562535-CB87-E34D-8DAD-030AF61C8641}" srcOrd="0" destOrd="0" parTransId="{8E834B72-D6E0-FA42-B016-285DE2472A1B}" sibTransId="{955D2653-D915-ED40-80DB-1448DE6D629A}"/>
+    <dgm:cxn modelId="{E6B1AA86-CAC3-3949-AEA8-582395F83494}" srcId="{52B83748-D356-8E4B-901B-689C881CB76E}" destId="{95522B47-3477-C141-AFAA-3FD0434218F0}" srcOrd="2" destOrd="0" parTransId="{DFBFE72D-52F8-F54E-9F32-235413E7185E}" sibTransId="{B3DE6D2F-29BD-8247-9BF7-96EB91225252}"/>
+    <dgm:cxn modelId="{9A721D8F-3AAB-9141-84E7-9B39BE271760}" type="presOf" srcId="{D2AA4A43-264F-8648-B9B2-CFED45AB96AB}" destId="{D77927C9-F46D-F245-BE2A-ABD276F67486}" srcOrd="0" destOrd="0" presId="urn:microsoft.com/office/officeart/2005/8/layout/pyramid1"/>
+    <dgm:cxn modelId="{502CE793-7F02-AA47-9CE6-FDC1E7427C22}" type="presOf" srcId="{86562535-CB87-E34D-8DAD-030AF61C8641}" destId="{7E987B23-1FBF-934F-AE84-A1950824BC19}" srcOrd="0" destOrd="0" presId="urn:microsoft.com/office/officeart/2005/8/layout/pyramid1"/>
     <dgm:cxn modelId="{E97A5C97-0681-864D-8A3C-14A82006E75D}" srcId="{51F1C30F-BC6D-964B-805C-7251FA337436}" destId="{E3B96449-42AF-F148-8F67-EB889FB6512C}" srcOrd="0" destOrd="0" parTransId="{B5FCD191-7AD4-B448-88CE-82D53C569F1C}" sibTransId="{13F26C4E-C59A-774E-8760-E5E040AFEC23}"/>
+    <dgm:cxn modelId="{86DBF4A1-E75F-914F-BDB4-267F893AF406}" type="presOf" srcId="{54BB39A5-BC0D-3B45-B235-407F12CB716A}" destId="{999FE6A6-E8B1-BB44-B941-3BC9347AA8FE}" srcOrd="0" destOrd="0" presId="urn:microsoft.com/office/officeart/2005/8/layout/pyramid1"/>
+    <dgm:cxn modelId="{DBBF9DA3-28E7-7C42-84A2-4562B85A7E17}" type="presOf" srcId="{95522B47-3477-C141-AFAA-3FD0434218F0}" destId="{A8CB1A31-73B3-534A-A39D-2DE64F9500D0}" srcOrd="0" destOrd="0" presId="urn:microsoft.com/office/officeart/2005/8/layout/pyramid1"/>
+    <dgm:cxn modelId="{EA7A61B1-4190-0B40-AE07-15097723928E}" type="presOf" srcId="{D2AA4A43-264F-8648-B9B2-CFED45AB96AB}" destId="{7CA8BB3D-EC27-DF4B-B646-4F05EA0EC76E}" srcOrd="1" destOrd="0" presId="urn:microsoft.com/office/officeart/2005/8/layout/pyramid1"/>
+    <dgm:cxn modelId="{DC60B0B8-DA17-4A4F-989C-BA209B87140B}" type="presOf" srcId="{D26D63A6-FB7D-0240-97D8-6615283E9E74}" destId="{E68B17FE-F1BB-8B4E-B878-6C4CEBB5AB7C}" srcOrd="1" destOrd="0" presId="urn:microsoft.com/office/officeart/2005/8/layout/pyramid1"/>
+    <dgm:cxn modelId="{45E5BCC5-B613-8F47-9D41-F55D9A2F034E}" srcId="{52B83748-D356-8E4B-901B-689C881CB76E}" destId="{D26D63A6-FB7D-0240-97D8-6615283E9E74}" srcOrd="3" destOrd="0" parTransId="{5479B260-1F67-9E43-BC62-5CD5ECE50579}" sibTransId="{CD96E1A7-72A0-D945-B269-B382626CF372}"/>
     <dgm:cxn modelId="{EBFDDAD3-5806-1448-A843-A19FFE20FB5A}" type="presOf" srcId="{92C21019-64F2-0A48-BD7D-7FDFDD8673B8}" destId="{A9F61433-CB8A-8047-8082-C85308266DA6}" srcOrd="0" destOrd="0" presId="urn:microsoft.com/office/officeart/2005/8/layout/pyramid1"/>
-    <dgm:cxn modelId="{DC60B0B8-DA17-4A4F-989C-BA209B87140B}" type="presOf" srcId="{D26D63A6-FB7D-0240-97D8-6615283E9E74}" destId="{E68B17FE-F1BB-8B4E-B878-6C4CEBB5AB7C}" srcOrd="1" destOrd="0" presId="urn:microsoft.com/office/officeart/2005/8/layout/pyramid1"/>
-    <dgm:cxn modelId="{211DC5FE-E8F6-E641-82FB-5EBA978E76D0}" srcId="{52B83748-D356-8E4B-901B-689C881CB76E}" destId="{51F1C30F-BC6D-964B-805C-7251FA337436}" srcOrd="1" destOrd="0" parTransId="{A57266B8-A1C1-1B41-A949-12337937A6C8}" sibTransId="{C79C864C-4DC6-7443-A73D-93284B5B0F3A}"/>
     <dgm:cxn modelId="{52297CD7-8089-D24E-B92B-08B2B0849FA7}" srcId="{D26D63A6-FB7D-0240-97D8-6615283E9E74}" destId="{54BB39A5-BC0D-3B45-B235-407F12CB716A}" srcOrd="0" destOrd="0" parTransId="{6BE7F2BC-7853-2844-BD56-AB5ED85CCB6B}" sibTransId="{984FBD6F-6A42-B741-BB79-BB20B9D4D83F}"/>
     <dgm:cxn modelId="{112C46F9-DC31-A24F-A8F9-6809E192320C}" type="presOf" srcId="{E3B96449-42AF-F148-8F67-EB889FB6512C}" destId="{E9BA28E7-8E28-DC4E-8CFA-4CB60151A223}" srcOrd="1" destOrd="0" presId="urn:microsoft.com/office/officeart/2005/8/layout/pyramid1"/>
-    <dgm:cxn modelId="{E6B1AA86-CAC3-3949-AEA8-582395F83494}" srcId="{52B83748-D356-8E4B-901B-689C881CB76E}" destId="{95522B47-3477-C141-AFAA-3FD0434218F0}" srcOrd="2" destOrd="0" parTransId="{DFBFE72D-52F8-F54E-9F32-235413E7185E}" sibTransId="{B3DE6D2F-29BD-8247-9BF7-96EB91225252}"/>
-    <dgm:cxn modelId="{627BF814-1DF4-6F44-ACBD-B39B7772361D}" type="presOf" srcId="{51F1C30F-BC6D-964B-805C-7251FA337436}" destId="{6B11F3B5-2AD7-F54A-803F-23A8CC73E218}" srcOrd="0" destOrd="0" presId="urn:microsoft.com/office/officeart/2005/8/layout/pyramid1"/>
-    <dgm:cxn modelId="{9A721D8F-3AAB-9141-84E7-9B39BE271760}" type="presOf" srcId="{D2AA4A43-264F-8648-B9B2-CFED45AB96AB}" destId="{D77927C9-F46D-F245-BE2A-ABD276F67486}" srcOrd="0" destOrd="0" presId="urn:microsoft.com/office/officeart/2005/8/layout/pyramid1"/>
-    <dgm:cxn modelId="{45E5BCC5-B613-8F47-9D41-F55D9A2F034E}" srcId="{52B83748-D356-8E4B-901B-689C881CB76E}" destId="{D26D63A6-FB7D-0240-97D8-6615283E9E74}" srcOrd="3" destOrd="0" parTransId="{5479B260-1F67-9E43-BC62-5CD5ECE50579}" sibTransId="{CD96E1A7-72A0-D945-B269-B382626CF372}"/>
-    <dgm:cxn modelId="{FE5D4574-3829-E849-A575-0E0B3845CA89}" type="presOf" srcId="{95522B47-3477-C141-AFAA-3FD0434218F0}" destId="{DF22608E-46D2-D64D-9F3F-99E16C8A152A}" srcOrd="1" destOrd="0" presId="urn:microsoft.com/office/officeart/2005/8/layout/pyramid1"/>
-    <dgm:cxn modelId="{502CE793-7F02-AA47-9CE6-FDC1E7427C22}" type="presOf" srcId="{86562535-CB87-E34D-8DAD-030AF61C8641}" destId="{7E987B23-1FBF-934F-AE84-A1950824BC19}" srcOrd="0" destOrd="0" presId="urn:microsoft.com/office/officeart/2005/8/layout/pyramid1"/>
-    <dgm:cxn modelId="{7B8EC030-0B4B-3F49-93CC-273FA493DEE6}" type="presOf" srcId="{54BB39A5-BC0D-3B45-B235-407F12CB716A}" destId="{26251B07-6187-0C4B-902B-8F81E2C76F5A}" srcOrd="1" destOrd="0" presId="urn:microsoft.com/office/officeart/2005/8/layout/pyramid1"/>
-    <dgm:cxn modelId="{C0DCFC6C-C5B3-A742-AD97-5E92FB86351D}" type="presOf" srcId="{86562535-CB87-E34D-8DAD-030AF61C8641}" destId="{018B8698-0B3B-D540-A270-4559257B67AF}" srcOrd="1" destOrd="0" presId="urn:microsoft.com/office/officeart/2005/8/layout/pyramid1"/>
-    <dgm:cxn modelId="{86DBF4A1-E75F-914F-BDB4-267F893AF406}" type="presOf" srcId="{54BB39A5-BC0D-3B45-B235-407F12CB716A}" destId="{999FE6A6-E8B1-BB44-B941-3BC9347AA8FE}" srcOrd="0" destOrd="0" presId="urn:microsoft.com/office/officeart/2005/8/layout/pyramid1"/>
-    <dgm:cxn modelId="{2FE19B32-6313-E84C-8062-479A4E821B8B}" type="presOf" srcId="{51F1C30F-BC6D-964B-805C-7251FA337436}" destId="{48B723AD-B3BC-6C4A-BEC9-85FE6C47C9A8}" srcOrd="1" destOrd="0" presId="urn:microsoft.com/office/officeart/2005/8/layout/pyramid1"/>
-    <dgm:cxn modelId="{CD931F3B-724D-E94B-A36F-46CE2D24E813}" srcId="{52B83748-D356-8E4B-901B-689C881CB76E}" destId="{92C21019-64F2-0A48-BD7D-7FDFDD8673B8}" srcOrd="0" destOrd="0" parTransId="{CFFC1156-F014-ED4C-A89E-770AF591ECA4}" sibTransId="{9703F012-5FE8-834E-AD99-07FBC06FD25E}"/>
-    <dgm:cxn modelId="{24C3F674-5E6E-3A42-98C0-BB38B6F005A0}" srcId="{95522B47-3477-C141-AFAA-3FD0434218F0}" destId="{D2AA4A43-264F-8648-B9B2-CFED45AB96AB}" srcOrd="0" destOrd="0" parTransId="{474CA716-F6C1-7B45-8DAC-52B1A20AF057}" sibTransId="{10B6231A-D3E5-9248-B90E-44C8058A4611}"/>
-    <dgm:cxn modelId="{55DB5057-E167-0F4D-9C45-97536FB21FC5}" srcId="{92C21019-64F2-0A48-BD7D-7FDFDD8673B8}" destId="{86562535-CB87-E34D-8DAD-030AF61C8641}" srcOrd="0" destOrd="0" parTransId="{8E834B72-D6E0-FA42-B016-285DE2472A1B}" sibTransId="{955D2653-D915-ED40-80DB-1448DE6D629A}"/>
-    <dgm:cxn modelId="{DBBF9DA3-28E7-7C42-84A2-4562B85A7E17}" type="presOf" srcId="{95522B47-3477-C141-AFAA-3FD0434218F0}" destId="{A8CB1A31-73B3-534A-A39D-2DE64F9500D0}" srcOrd="0" destOrd="0" presId="urn:microsoft.com/office/officeart/2005/8/layout/pyramid1"/>
-    <dgm:cxn modelId="{EA7A61B1-4190-0B40-AE07-15097723928E}" type="presOf" srcId="{D2AA4A43-264F-8648-B9B2-CFED45AB96AB}" destId="{7CA8BB3D-EC27-DF4B-B646-4F05EA0EC76E}" srcOrd="1" destOrd="0" presId="urn:microsoft.com/office/officeart/2005/8/layout/pyramid1"/>
-    <dgm:cxn modelId="{8CE25D3E-3852-0647-B35F-AD06DFC609EB}" type="presOf" srcId="{92C21019-64F2-0A48-BD7D-7FDFDD8673B8}" destId="{4D34D131-0121-2641-AF3E-C4A924B66906}" srcOrd="1" destOrd="0" presId="urn:microsoft.com/office/officeart/2005/8/layout/pyramid1"/>
-    <dgm:cxn modelId="{389C8662-EA50-E548-927E-2B90779875DA}" type="presOf" srcId="{52B83748-D356-8E4B-901B-689C881CB76E}" destId="{B087545F-E550-464C-8013-DA49045A25FB}" srcOrd="0" destOrd="0" presId="urn:microsoft.com/office/officeart/2005/8/layout/pyramid1"/>
-    <dgm:cxn modelId="{71386A13-7EC1-004B-9EBD-37E3167C6D12}" type="presOf" srcId="{D26D63A6-FB7D-0240-97D8-6615283E9E74}" destId="{2A0A634F-9A33-6544-B1F3-6BFFBF7806C4}" srcOrd="0" destOrd="0" presId="urn:microsoft.com/office/officeart/2005/8/layout/pyramid1"/>
-    <dgm:cxn modelId="{1D8B7A02-969F-CF45-8699-77BD1E7D48F3}" type="presOf" srcId="{E3B96449-42AF-F148-8F67-EB889FB6512C}" destId="{8D281AA3-EAE3-0045-A5A0-7223F2D67F92}" srcOrd="0" destOrd="0" presId="urn:microsoft.com/office/officeart/2005/8/layout/pyramid1"/>
+    <dgm:cxn modelId="{211DC5FE-E8F6-E641-82FB-5EBA978E76D0}" srcId="{52B83748-D356-8E4B-901B-689C881CB76E}" destId="{51F1C30F-BC6D-964B-805C-7251FA337436}" srcOrd="1" destOrd="0" parTransId="{A57266B8-A1C1-1B41-A949-12337937A6C8}" sibTransId="{C79C864C-4DC6-7443-A73D-93284B5B0F3A}"/>
     <dgm:cxn modelId="{1140912D-454D-3140-B36C-3D051227A737}" type="presParOf" srcId="{B087545F-E550-464C-8013-DA49045A25FB}" destId="{1BE0FB69-2C40-A646-8F48-6CA9A4A163F8}" srcOrd="0" destOrd="0" presId="urn:microsoft.com/office/officeart/2005/8/layout/pyramid1"/>
     <dgm:cxn modelId="{123CB294-32AD-A848-BECE-3620CB2030FC}" type="presParOf" srcId="{1BE0FB69-2C40-A646-8F48-6CA9A4A163F8}" destId="{7E987B23-1FBF-934F-AE84-A1950824BC19}" srcOrd="0" destOrd="0" presId="urn:microsoft.com/office/officeart/2005/8/layout/pyramid1"/>
     <dgm:cxn modelId="{8FD2DC62-457F-BC42-85F0-06289DDC0FFD}" type="presParOf" srcId="{1BE0FB69-2C40-A646-8F48-6CA9A4A163F8}" destId="{018B8698-0B3B-D540-A270-4559257B67AF}" srcOrd="1" destOrd="0" presId="urn:microsoft.com/office/officeart/2005/8/layout/pyramid1"/>
@@ -2315,7 +2261,7 @@
   <dgm:whole/>
   <dgm:extLst>
     <a:ext uri="http://schemas.microsoft.com/office/drawing/2008/diagram">
-      <dsp:dataModelExt xmlns:dsp="http://schemas.microsoft.com/office/drawing/2008/diagram" xmlns="" relId="rId6" minVer="http://schemas.openxmlformats.org/drawingml/2006/diagram"/>
+      <dsp:dataModelExt xmlns:dsp="http://schemas.microsoft.com/office/drawing/2008/diagram" relId="rId6" minVer="http://schemas.openxmlformats.org/drawingml/2006/diagram"/>
     </a:ext>
   </dgm:extLst>
 </dgm:dataModel>
@@ -4503,7 +4449,7 @@
     </p:spTree>
     <p:extLst>
       <p:ext uri="{BB962C8B-B14F-4D97-AF65-F5344CB8AC3E}">
-        <p14:creationId xmlns:p14="http://schemas.microsoft.com/office/powerpoint/2010/main" xmlns="" val="455812744"/>
+        <p14:creationId xmlns:p14="http://schemas.microsoft.com/office/powerpoint/2010/main" val="455812744"/>
       </p:ext>
     </p:extLst>
   </p:cSld>
@@ -9942,13 +9888,6 @@
   <p:clrMapOvr>
     <a:masterClrMapping/>
   </p:clrMapOvr>
-  <p:timing>
-    <p:tnLst>
-      <p:par>
-        <p:cTn id="1" dur="indefinite" restart="never" nodeType="tmRoot"/>
-      </p:par>
-    </p:tnLst>
-  </p:timing>
 </p:sld>
 </file>
 
@@ -10977,20 +10916,13 @@
     </p:spTree>
     <p:extLst>
       <p:ext uri="{BB962C8B-B14F-4D97-AF65-F5344CB8AC3E}">
-        <p14:creationId xmlns:p14="http://schemas.microsoft.com/office/powerpoint/2010/main" xmlns="" val="369021320"/>
+        <p14:creationId xmlns:p14="http://schemas.microsoft.com/office/powerpoint/2010/main" val="369021320"/>
       </p:ext>
     </p:extLst>
   </p:cSld>
   <p:clrMapOvr>
     <a:masterClrMapping/>
   </p:clrMapOvr>
-  <p:timing>
-    <p:tnLst>
-      <p:par>
-        <p:cTn id="1" dur="indefinite" restart="never" nodeType="tmRoot"/>
-      </p:par>
-    </p:tnLst>
-  </p:timing>
 </p:sld>
 </file>
 
@@ -11347,7 +11279,7 @@
         </p:nvSpPr>
         <p:spPr>
           <a:xfrm>
-            <a:off x="3635896" y="3284984"/>
+            <a:off x="3707904" y="3327375"/>
             <a:ext cx="1656184" cy="461665"/>
           </a:xfrm>
           <a:prstGeom prst="rect">
@@ -11371,20 +11303,13 @@
     </p:spTree>
     <p:extLst>
       <p:ext uri="{BB962C8B-B14F-4D97-AF65-F5344CB8AC3E}">
-        <p14:creationId xmlns:p14="http://schemas.microsoft.com/office/powerpoint/2010/main" xmlns="" val="1925524024"/>
+        <p14:creationId xmlns:p14="http://schemas.microsoft.com/office/powerpoint/2010/main" val="1925524024"/>
       </p:ext>
     </p:extLst>
   </p:cSld>
   <p:clrMapOvr>
     <a:masterClrMapping/>
   </p:clrMapOvr>
-  <p:timing>
-    <p:tnLst>
-      <p:par>
-        <p:cTn id="1" dur="indefinite" restart="never" nodeType="tmRoot"/>
-      </p:par>
-    </p:tnLst>
-  </p:timing>
 </p:sld>
 </file>
 
@@ -12413,20 +12338,13 @@
     </p:spTree>
     <p:extLst>
       <p:ext uri="{BB962C8B-B14F-4D97-AF65-F5344CB8AC3E}">
-        <p14:creationId xmlns:p14="http://schemas.microsoft.com/office/powerpoint/2010/main" xmlns="" val="215962541"/>
+        <p14:creationId xmlns:p14="http://schemas.microsoft.com/office/powerpoint/2010/main" val="215962541"/>
       </p:ext>
     </p:extLst>
   </p:cSld>
   <p:clrMapOvr>
     <a:masterClrMapping/>
   </p:clrMapOvr>
-  <p:timing>
-    <p:tnLst>
-      <p:par>
-        <p:cTn id="1" dur="indefinite" restart="never" nodeType="tmRoot"/>
-      </p:par>
-    </p:tnLst>
-  </p:timing>
 </p:sld>
 </file>
 
@@ -12567,20 +12485,13 @@
     </p:spTree>
     <p:extLst>
       <p:ext uri="{BB962C8B-B14F-4D97-AF65-F5344CB8AC3E}">
-        <p14:creationId xmlns:p14="http://schemas.microsoft.com/office/powerpoint/2010/main" xmlns="" val="849743291"/>
+        <p14:creationId xmlns:p14="http://schemas.microsoft.com/office/powerpoint/2010/main" val="849743291"/>
       </p:ext>
     </p:extLst>
   </p:cSld>
   <p:clrMapOvr>
     <a:masterClrMapping/>
   </p:clrMapOvr>
-  <p:timing>
-    <p:tnLst>
-      <p:par>
-        <p:cTn id="1" dur="indefinite" restart="never" nodeType="tmRoot"/>
-      </p:par>
-    </p:tnLst>
-  </p:timing>
 </p:sld>
 </file>
 
@@ -13609,20 +13520,13 @@
     </p:spTree>
     <p:extLst>
       <p:ext uri="{BB962C8B-B14F-4D97-AF65-F5344CB8AC3E}">
-        <p14:creationId xmlns:p14="http://schemas.microsoft.com/office/powerpoint/2010/main" xmlns="" val="1976057169"/>
+        <p14:creationId xmlns:p14="http://schemas.microsoft.com/office/powerpoint/2010/main" val="1976057169"/>
       </p:ext>
     </p:extLst>
   </p:cSld>
   <p:clrMapOvr>
     <a:masterClrMapping/>
   </p:clrMapOvr>
-  <p:timing>
-    <p:tnLst>
-      <p:par>
-        <p:cTn id="1" dur="indefinite" restart="never" nodeType="tmRoot"/>
-      </p:par>
-    </p:tnLst>
-  </p:timing>
 </p:sld>
 </file>
 
@@ -13755,7 +13659,7 @@
           <p:nvPr>
             <p:extLst>
               <p:ext uri="{D42A27DB-BD31-4B8C-83A1-F6EECF244321}">
-                <p14:modId xmlns:p14="http://schemas.microsoft.com/office/powerpoint/2010/main" xmlns="" val="625910118"/>
+                <p14:modId xmlns:p14="http://schemas.microsoft.com/office/powerpoint/2010/main" val="625910118"/>
               </p:ext>
             </p:extLst>
           </p:nvPr>
@@ -13773,20 +13677,13 @@
     </p:spTree>
     <p:extLst>
       <p:ext uri="{BB962C8B-B14F-4D97-AF65-F5344CB8AC3E}">
-        <p14:creationId xmlns:p14="http://schemas.microsoft.com/office/powerpoint/2010/main" xmlns="" val="179655853"/>
+        <p14:creationId xmlns:p14="http://schemas.microsoft.com/office/powerpoint/2010/main" val="179655853"/>
       </p:ext>
     </p:extLst>
   </p:cSld>
   <p:clrMapOvr>
     <a:masterClrMapping/>
   </p:clrMapOvr>
-  <p:timing>
-    <p:tnLst>
-      <p:par>
-        <p:cTn id="1" dur="indefinite" restart="never" nodeType="tmRoot"/>
-      </p:par>
-    </p:tnLst>
-  </p:timing>
 </p:sld>
 </file>
 
@@ -13836,7 +13733,7 @@
           <p:cNvPr id="7" name="Diagramm 6">
             <a:extLst>
               <a:ext uri="{FF2B5EF4-FFF2-40B4-BE49-F238E27FC236}">
-                <a16:creationId xmlns:a16="http://schemas.microsoft.com/office/drawing/2014/main" xmlns="" id="{9841F122-51C3-430E-8A7E-871D79072991}"/>
+                <a16:creationId xmlns:a16="http://schemas.microsoft.com/office/drawing/2014/main" id="{9841F122-51C3-430E-8A7E-871D79072991}"/>
               </a:ext>
             </a:extLst>
           </p:cNvPr>
@@ -13844,7 +13741,7 @@
           <p:nvPr>
             <p:extLst>
               <p:ext uri="{D42A27DB-BD31-4B8C-83A1-F6EECF244321}">
-                <p14:modId xmlns:p14="http://schemas.microsoft.com/office/powerpoint/2010/main" xmlns="" val="694219115"/>
+                <p14:modId xmlns:p14="http://schemas.microsoft.com/office/powerpoint/2010/main" val="694219115"/>
               </p:ext>
             </p:extLst>
           </p:nvPr>
@@ -13864,7 +13761,7 @@
           <p:cNvPr id="8" name="Diagramm 7">
             <a:extLst>
               <a:ext uri="{FF2B5EF4-FFF2-40B4-BE49-F238E27FC236}">
-                <a16:creationId xmlns:a16="http://schemas.microsoft.com/office/drawing/2014/main" xmlns="" id="{9841F122-51C3-430E-8A7E-871D79072991}"/>
+                <a16:creationId xmlns:a16="http://schemas.microsoft.com/office/drawing/2014/main" id="{9841F122-51C3-430E-8A7E-871D79072991}"/>
               </a:ext>
             </a:extLst>
           </p:cNvPr>
@@ -13872,7 +13769,7 @@
           <p:nvPr>
             <p:extLst>
               <p:ext uri="{D42A27DB-BD31-4B8C-83A1-F6EECF244321}">
-                <p14:modId xmlns:p14="http://schemas.microsoft.com/office/powerpoint/2010/main" xmlns="" val="29132963"/>
+                <p14:modId xmlns:p14="http://schemas.microsoft.com/office/powerpoint/2010/main" val="29132963"/>
               </p:ext>
             </p:extLst>
           </p:nvPr>
@@ -13890,20 +13787,13 @@
     </p:spTree>
     <p:extLst>
       <p:ext uri="{BB962C8B-B14F-4D97-AF65-F5344CB8AC3E}">
-        <p14:creationId xmlns:p14="http://schemas.microsoft.com/office/powerpoint/2010/main" xmlns="" val="1350698107"/>
+        <p14:creationId xmlns:p14="http://schemas.microsoft.com/office/powerpoint/2010/main" val="1350698107"/>
       </p:ext>
     </p:extLst>
   </p:cSld>
   <p:clrMapOvr>
     <a:masterClrMapping/>
   </p:clrMapOvr>
-  <p:timing>
-    <p:tnLst>
-      <p:par>
-        <p:cTn id="1" dur="indefinite" restart="never" nodeType="tmRoot"/>
-      </p:par>
-    </p:tnLst>
-  </p:timing>
 </p:sld>
 </file>
 
@@ -14045,20 +13935,13 @@
     </p:spTree>
     <p:extLst>
       <p:ext uri="{BB962C8B-B14F-4D97-AF65-F5344CB8AC3E}">
-        <p14:creationId xmlns:p14="http://schemas.microsoft.com/office/powerpoint/2010/main" xmlns="" val="666352572"/>
+        <p14:creationId xmlns:p14="http://schemas.microsoft.com/office/powerpoint/2010/main" val="666352572"/>
       </p:ext>
     </p:extLst>
   </p:cSld>
   <p:clrMapOvr>
     <a:masterClrMapping/>
   </p:clrMapOvr>
-  <p:timing>
-    <p:tnLst>
-      <p:par>
-        <p:cTn id="1" dur="indefinite" restart="never" nodeType="tmRoot"/>
-      </p:par>
-    </p:tnLst>
-  </p:timing>
 </p:sld>
 </file>
 
@@ -14186,64 +14069,22 @@
           </a:p>
         </p:txBody>
       </p:sp>
-      <p:pic>
-        <p:nvPicPr>
-          <p:cNvPr id="4" name="Grafik 3" descr="WhatsApp Image 2018-08-13 at 20.58.10.jpeg"/>
-          <p:cNvPicPr>
-            <a:picLocks noChangeAspect="1"/>
-          </p:cNvPicPr>
-          <p:nvPr/>
-        </p:nvPicPr>
-        <p:blipFill>
-          <a:blip r:embed="rId3"/>
-          <a:stretch>
-            <a:fillRect/>
-          </a:stretch>
-        </p:blipFill>
-        <p:spPr>
-          <a:xfrm>
-            <a:off x="4240130" y="71414"/>
-            <a:ext cx="4832464" cy="3357586"/>
-          </a:xfrm>
-          <a:prstGeom prst="rect">
-            <a:avLst/>
-          </a:prstGeom>
-        </p:spPr>
-      </p:pic>
-      <p:pic>
-        <p:nvPicPr>
-          <p:cNvPr id="5" name="Grafik 4" descr="WhatsApp Image 2018-08-13 at 21.16.08.jpeg"/>
-          <p:cNvPicPr>
-            <a:picLocks noChangeAspect="1"/>
-          </p:cNvPicPr>
-          <p:nvPr/>
-        </p:nvPicPr>
-        <p:blipFill>
-          <a:blip r:embed="rId4"/>
-          <a:stretch>
-            <a:fillRect/>
-          </a:stretch>
-        </p:blipFill>
-        <p:spPr>
-          <a:xfrm>
-            <a:off x="4255854" y="3429000"/>
-            <a:ext cx="4786108" cy="3357586"/>
-          </a:xfrm>
-          <a:prstGeom prst="rect">
-            <a:avLst/>
-          </a:prstGeom>
-        </p:spPr>
-      </p:pic>
       <p:graphicFrame>
         <p:nvGraphicFramePr>
           <p:cNvPr id="6" name="Tabelle 5"/>
           <p:cNvGraphicFramePr>
             <a:graphicFrameLocks noGrp="1"/>
           </p:cNvGraphicFramePr>
-          <p:nvPr/>
+          <p:nvPr>
+            <p:extLst>
+              <p:ext uri="{D42A27DB-BD31-4B8C-83A1-F6EECF244321}">
+                <p14:modId xmlns:p14="http://schemas.microsoft.com/office/powerpoint/2010/main" val="3226745716"/>
+              </p:ext>
+            </p:extLst>
+          </p:nvPr>
         </p:nvGraphicFramePr>
         <p:xfrm>
-          <a:off x="428596" y="3786190"/>
+          <a:off x="2297893" y="3429000"/>
           <a:ext cx="3786214" cy="1483360"/>
         </p:xfrm>
         <a:graphic>
@@ -14256,28 +14097,28 @@
                 <a:gridCol w="848634">
                   <a:extLst>
                     <a:ext uri="{9D8B030D-6E8A-4147-A177-3AD203B41FA5}">
-                      <a16:colId xmlns:a16="http://schemas.microsoft.com/office/drawing/2014/main" xmlns="" val="20000"/>
+                      <a16:colId xmlns:a16="http://schemas.microsoft.com/office/drawing/2014/main" val="20000"/>
                     </a:ext>
                   </a:extLst>
                 </a:gridCol>
                 <a:gridCol w="979193">
                   <a:extLst>
                     <a:ext uri="{9D8B030D-6E8A-4147-A177-3AD203B41FA5}">
-                      <a16:colId xmlns:a16="http://schemas.microsoft.com/office/drawing/2014/main" xmlns="" val="20001"/>
+                      <a16:colId xmlns:a16="http://schemas.microsoft.com/office/drawing/2014/main" val="20001"/>
                     </a:ext>
                   </a:extLst>
                 </a:gridCol>
                 <a:gridCol w="1044473">
                   <a:extLst>
                     <a:ext uri="{9D8B030D-6E8A-4147-A177-3AD203B41FA5}">
-                      <a16:colId xmlns:a16="http://schemas.microsoft.com/office/drawing/2014/main" xmlns="" val="20002"/>
+                      <a16:colId xmlns:a16="http://schemas.microsoft.com/office/drawing/2014/main" val="20002"/>
                     </a:ext>
                   </a:extLst>
                 </a:gridCol>
                 <a:gridCol w="913914">
                   <a:extLst>
                     <a:ext uri="{9D8B030D-6E8A-4147-A177-3AD203B41FA5}">
-                      <a16:colId xmlns:a16="http://schemas.microsoft.com/office/drawing/2014/main" xmlns="" val="20003"/>
+                      <a16:colId xmlns:a16="http://schemas.microsoft.com/office/drawing/2014/main" val="20003"/>
                     </a:ext>
                   </a:extLst>
                 </a:gridCol>
@@ -14355,7 +14196,7 @@
                 </a:tc>
                 <a:extLst>
                   <a:ext uri="{0D108BD9-81ED-4DB2-BD59-A6C34878D82A}">
-                    <a16:rowId xmlns:a16="http://schemas.microsoft.com/office/drawing/2014/main" xmlns="" val="10000"/>
+                    <a16:rowId xmlns:a16="http://schemas.microsoft.com/office/drawing/2014/main" val="10000"/>
                   </a:ext>
                 </a:extLst>
               </a:tr>
@@ -14434,7 +14275,7 @@
                 </a:tc>
                 <a:extLst>
                   <a:ext uri="{0D108BD9-81ED-4DB2-BD59-A6C34878D82A}">
-                    <a16:rowId xmlns:a16="http://schemas.microsoft.com/office/drawing/2014/main" xmlns="" val="10001"/>
+                    <a16:rowId xmlns:a16="http://schemas.microsoft.com/office/drawing/2014/main" val="10001"/>
                   </a:ext>
                 </a:extLst>
               </a:tr>
@@ -14551,7 +14392,7 @@
                 </a:tc>
                 <a:extLst>
                   <a:ext uri="{0D108BD9-81ED-4DB2-BD59-A6C34878D82A}">
-                    <a16:rowId xmlns:a16="http://schemas.microsoft.com/office/drawing/2014/main" xmlns="" val="10002"/>
+                    <a16:rowId xmlns:a16="http://schemas.microsoft.com/office/drawing/2014/main" val="10002"/>
                   </a:ext>
                 </a:extLst>
               </a:tr>
@@ -14668,7 +14509,7 @@
                 </a:tc>
                 <a:extLst>
                   <a:ext uri="{0D108BD9-81ED-4DB2-BD59-A6C34878D82A}">
-                    <a16:rowId xmlns:a16="http://schemas.microsoft.com/office/drawing/2014/main" xmlns="" val="10003"/>
+                    <a16:rowId xmlns:a16="http://schemas.microsoft.com/office/drawing/2014/main" val="10003"/>
                   </a:ext>
                 </a:extLst>
               </a:tr>
@@ -14681,13 +14522,6 @@
   <p:clrMapOvr>
     <a:masterClrMapping/>
   </p:clrMapOvr>
-  <p:timing>
-    <p:tnLst>
-      <p:par>
-        <p:cTn id="1" dur="indefinite" restart="never" nodeType="tmRoot"/>
-      </p:par>
-    </p:tnLst>
-  </p:timing>
 </p:sld>
 </file>
 
@@ -14741,14 +14575,14 @@
           <p:nvPr>
             <p:extLst>
               <p:ext uri="{D42A27DB-BD31-4B8C-83A1-F6EECF244321}">
-                <p14:modId xmlns:p14="http://schemas.microsoft.com/office/powerpoint/2010/main" xmlns="" val="712036674"/>
+                <p14:modId xmlns:p14="http://schemas.microsoft.com/office/powerpoint/2010/main" val="1147337324"/>
               </p:ext>
             </p:extLst>
           </p:nvPr>
         </p:nvGraphicFramePr>
         <p:xfrm>
-          <a:off x="827584" y="1772816"/>
-          <a:ext cx="7316316" cy="1870500"/>
+          <a:off x="687202" y="3940922"/>
+          <a:ext cx="7316316" cy="2387865"/>
         </p:xfrm>
         <a:graphic>
           <a:graphicData uri="http://schemas.openxmlformats.org/drawingml/2006/table">
@@ -14760,14 +14594,14 @@
                 <a:gridCol w="3672359">
                   <a:extLst>
                     <a:ext uri="{9D8B030D-6E8A-4147-A177-3AD203B41FA5}">
-                      <a16:colId xmlns:a16="http://schemas.microsoft.com/office/drawing/2014/main" xmlns="" val="20000"/>
+                      <a16:colId xmlns:a16="http://schemas.microsoft.com/office/drawing/2014/main" val="20000"/>
                     </a:ext>
                   </a:extLst>
                 </a:gridCol>
                 <a:gridCol w="3643957">
                   <a:extLst>
                     <a:ext uri="{9D8B030D-6E8A-4147-A177-3AD203B41FA5}">
-                      <a16:colId xmlns:a16="http://schemas.microsoft.com/office/drawing/2014/main" xmlns="" val="20001"/>
+                      <a16:colId xmlns:a16="http://schemas.microsoft.com/office/drawing/2014/main" val="20001"/>
                     </a:ext>
                   </a:extLst>
                 </a:gridCol>
@@ -14801,7 +14635,7 @@
                 </a:tc>
                 <a:extLst>
                   <a:ext uri="{0D108BD9-81ED-4DB2-BD59-A6C34878D82A}">
-                    <a16:rowId xmlns:a16="http://schemas.microsoft.com/office/drawing/2014/main" xmlns="" val="10000"/>
+                    <a16:rowId xmlns:a16="http://schemas.microsoft.com/office/drawing/2014/main" val="10000"/>
                   </a:ext>
                 </a:extLst>
               </a:tr>
@@ -14811,7 +14645,10 @@
                     <a:bodyPr/>
                     <a:lstStyle/>
                     <a:p>
-                      <a:endParaRPr lang="de-DE" dirty="0"/>
+                      <a:r>
+                        <a:rPr lang="de-DE" dirty="0"/>
+                        <a:t>Irgendwann ging bei uns die Puste aus</a:t>
+                      </a:r>
                     </a:p>
                   </a:txBody>
                   <a:tcPr/>
@@ -14821,14 +14658,17 @@
                     <a:bodyPr/>
                     <a:lstStyle/>
                     <a:p>
-                      <a:endParaRPr lang="de-DE" dirty="0"/>
+                      <a:r>
+                        <a:rPr lang="de-DE" dirty="0"/>
+                        <a:t>Schulung war gut und hilfreich</a:t>
+                      </a:r>
                     </a:p>
                   </a:txBody>
                   <a:tcPr/>
                 </a:tc>
                 <a:extLst>
                   <a:ext uri="{0D108BD9-81ED-4DB2-BD59-A6C34878D82A}">
-                    <a16:rowId xmlns:a16="http://schemas.microsoft.com/office/drawing/2014/main" xmlns="" val="10001"/>
+                    <a16:rowId xmlns:a16="http://schemas.microsoft.com/office/drawing/2014/main" val="10001"/>
                   </a:ext>
                 </a:extLst>
               </a:tr>
@@ -14838,7 +14678,10 @@
                     <a:bodyPr/>
                     <a:lstStyle/>
                     <a:p>
-                      <a:endParaRPr lang="de-DE" dirty="0"/>
+                      <a:r>
+                        <a:rPr lang="de-DE" dirty="0"/>
+                        <a:t>Mehr und besser mit Testen auseinandersetzen</a:t>
+                      </a:r>
                     </a:p>
                   </a:txBody>
                   <a:tcPr/>
@@ -14848,14 +14691,17 @@
                     <a:bodyPr/>
                     <a:lstStyle/>
                     <a:p>
-                      <a:endParaRPr lang="de-DE" dirty="0"/>
+                      <a:r>
+                        <a:rPr lang="de-DE" dirty="0"/>
+                        <a:t>Gute Betreuung</a:t>
+                      </a:r>
                     </a:p>
                   </a:txBody>
                   <a:tcPr/>
                 </a:tc>
                 <a:extLst>
                   <a:ext uri="{0D108BD9-81ED-4DB2-BD59-A6C34878D82A}">
-                    <a16:rowId xmlns:a16="http://schemas.microsoft.com/office/drawing/2014/main" xmlns="" val="10002"/>
+                    <a16:rowId xmlns:a16="http://schemas.microsoft.com/office/drawing/2014/main" val="10002"/>
                   </a:ext>
                 </a:extLst>
               </a:tr>
@@ -14865,7 +14711,10 @@
                     <a:bodyPr/>
                     <a:lstStyle/>
                     <a:p>
-                      <a:endParaRPr lang="de-DE" dirty="0"/>
+                      <a:r>
+                        <a:rPr lang="de-DE" dirty="0"/>
+                        <a:t>Einige Missverständnisse und Kommunikationsprobleme </a:t>
+                      </a:r>
                     </a:p>
                   </a:txBody>
                   <a:tcPr/>
@@ -14875,14 +14724,17 @@
                     <a:bodyPr/>
                     <a:lstStyle/>
                     <a:p>
-                      <a:endParaRPr lang="de-DE" dirty="0"/>
+                      <a:r>
+                        <a:rPr lang="de-DE" dirty="0"/>
+                        <a:t>Gutes Team und Teamwork</a:t>
+                      </a:r>
                     </a:p>
                   </a:txBody>
                   <a:tcPr/>
                 </a:tc>
                 <a:extLst>
                   <a:ext uri="{0D108BD9-81ED-4DB2-BD59-A6C34878D82A}">
-                    <a16:rowId xmlns:a16="http://schemas.microsoft.com/office/drawing/2014/main" xmlns="" val="10003"/>
+                    <a16:rowId xmlns:a16="http://schemas.microsoft.com/office/drawing/2014/main" val="10003"/>
                   </a:ext>
                 </a:extLst>
               </a:tr>
@@ -14902,7 +14754,7 @@
         </p:nvSpPr>
         <p:spPr>
           <a:xfrm>
-            <a:off x="857224" y="3857628"/>
+            <a:off x="611560" y="1396678"/>
             <a:ext cx="7467600" cy="2357454"/>
           </a:xfrm>
         </p:spPr>
@@ -14918,7 +14770,7 @@
               </a:lnSpc>
             </a:pPr>
             <a:r>
-              <a:rPr lang="de-DE" dirty="0" smtClean="0">
+              <a:rPr lang="de-DE" dirty="0">
                 <a:latin typeface="Calibri" pitchFamily="34" charset="0"/>
                 <a:cs typeface="Calibri" pitchFamily="34" charset="0"/>
               </a:rPr>
@@ -14932,7 +14784,7 @@
               </a:lnSpc>
             </a:pPr>
             <a:r>
-              <a:rPr lang="de-DE" dirty="0" smtClean="0">
+              <a:rPr lang="de-DE" dirty="0">
                 <a:latin typeface="Calibri" pitchFamily="34" charset="0"/>
                 <a:cs typeface="Calibri" pitchFamily="34" charset="0"/>
               </a:rPr>
@@ -14946,7 +14798,7 @@
               </a:lnSpc>
             </a:pPr>
             <a:r>
-              <a:rPr lang="de-DE" dirty="0" smtClean="0">
+              <a:rPr lang="de-DE" dirty="0">
                 <a:latin typeface="Calibri" pitchFamily="34" charset="0"/>
                 <a:cs typeface="Calibri" pitchFamily="34" charset="0"/>
               </a:rPr>
@@ -14964,20 +14816,13 @@
     </p:spTree>
     <p:extLst>
       <p:ext uri="{BB962C8B-B14F-4D97-AF65-F5344CB8AC3E}">
-        <p14:creationId xmlns:p14="http://schemas.microsoft.com/office/powerpoint/2010/main" xmlns="" val="1751430848"/>
+        <p14:creationId xmlns:p14="http://schemas.microsoft.com/office/powerpoint/2010/main" val="1751430848"/>
       </p:ext>
     </p:extLst>
   </p:cSld>
   <p:clrMapOvr>
     <a:masterClrMapping/>
   </p:clrMapOvr>
-  <p:timing>
-    <p:tnLst>
-      <p:par>
-        <p:cTn id="1" dur="indefinite" restart="never" nodeType="tmRoot"/>
-      </p:par>
-    </p:tnLst>
-  </p:timing>
 </p:sld>
 </file>
 
@@ -15033,11 +14878,11 @@
       </p:sp>
       <p:pic>
         <p:nvPicPr>
-          <p:cNvPr id="3" name="abschluss">
+          <p:cNvPr id="6" name="abschluss">
             <a:hlinkClick r:id="" action="ppaction://media"/>
             <a:extLst>
               <a:ext uri="{FF2B5EF4-FFF2-40B4-BE49-F238E27FC236}">
-                <a16:creationId xmlns:a16="http://schemas.microsoft.com/office/drawing/2014/main" xmlns="" id="{2C42DB09-1A9D-4045-ACA4-1E5B54C0D122}"/>
+                <a16:creationId xmlns:a16="http://schemas.microsoft.com/office/drawing/2014/main" id="{57330626-0F6D-4EB0-8FBE-2FB7A1DD5AB2}"/>
               </a:ext>
             </a:extLst>
           </p:cNvPr>
@@ -15046,10 +14891,10 @@
           </p:cNvPicPr>
           <p:nvPr>
             <p:ph sz="quarter" idx="1"/>
-            <a:videoFile r:link="rId1"/>
+            <a:videoFile r:link="rId2"/>
             <p:extLst>
               <p:ext uri="{DAA4B4D4-6D71-4841-9C94-3DE7FCFB9230}">
-                <p14:media xmlns:p14="http://schemas.microsoft.com/office/powerpoint/2010/main" xmlns="" r:embed="rId3"/>
+                <p14:media xmlns:p14="http://schemas.microsoft.com/office/powerpoint/2010/main" r:embed="rId1"/>
               </p:ext>
             </p:extLst>
           </p:nvPr>
@@ -15062,15 +14907,15 @@
         </p:blipFill>
         <p:spPr>
           <a:xfrm>
-            <a:off x="0" y="1482737"/>
-            <a:ext cx="9143999" cy="5100625"/>
+            <a:off x="0" y="1417638"/>
+            <a:ext cx="9183510" cy="5165724"/>
           </a:xfrm>
         </p:spPr>
       </p:pic>
     </p:spTree>
     <p:extLst>
       <p:ext uri="{BB962C8B-B14F-4D97-AF65-F5344CB8AC3E}">
-        <p14:creationId xmlns:p14="http://schemas.microsoft.com/office/powerpoint/2010/main" xmlns="" val="190360359"/>
+        <p14:creationId xmlns:p14="http://schemas.microsoft.com/office/powerpoint/2010/main" val="190360359"/>
       </p:ext>
     </p:extLst>
   </p:cSld>
@@ -15107,7 +14952,7 @@
                                       <p:cBhvr>
                                         <p:cTn id="6" dur="39317" fill="hold"/>
                                         <p:tgtEl>
-                                          <p:spTgt spid="3"/>
+                                          <p:spTgt spid="6"/>
                                         </p:tgtEl>
                                       </p:cBhvr>
                                     </p:cmd>
@@ -15145,7 +14990,7 @@
                   </p:stCondLst>
                 </p:cTn>
                 <p:tgtEl>
-                  <p:spTgt spid="3"/>
+                  <p:spTgt spid="6"/>
                 </p:tgtEl>
               </p:cMediaNode>
             </p:video>
@@ -15154,7 +14999,7 @@
                 <p:stCondLst>
                   <p:cond evt="onClick" delay="0">
                     <p:tgtEl>
-                      <p:spTgt spid="3"/>
+                      <p:spTgt spid="6"/>
                     </p:tgtEl>
                   </p:cond>
                 </p:stCondLst>
@@ -15184,7 +15029,7 @@
                                       <p:cBhvr>
                                         <p:cTn id="12" dur="1" fill="hold"/>
                                         <p:tgtEl>
-                                          <p:spTgt spid="3"/>
+                                          <p:spTgt spid="6"/>
                                         </p:tgtEl>
                                       </p:cBhvr>
                                     </p:cmd>
@@ -15202,7 +15047,7 @@
               <p:nextCondLst>
                 <p:cond evt="onClick" delay="0">
                   <p:tgtEl>
-                    <p:spTgt spid="3"/>
+                    <p:spTgt spid="6"/>
                   </p:tgtEl>
                 </p:cond>
               </p:nextCondLst>
@@ -15377,13 +15222,6 @@
   <p:clrMapOvr>
     <a:masterClrMapping/>
   </p:clrMapOvr>
-  <p:timing>
-    <p:tnLst>
-      <p:par>
-        <p:cTn id="1" dur="indefinite" restart="never" nodeType="tmRoot"/>
-      </p:par>
-    </p:tnLst>
-  </p:timing>
 </p:sld>
 </file>
 
@@ -15497,7 +15335,7 @@
         <p:spPr>
           <a:xfrm>
             <a:off x="912856" y="1885020"/>
-            <a:ext cx="1728358" cy="369332"/>
+            <a:ext cx="1912703" cy="369332"/>
           </a:xfrm>
           <a:prstGeom prst="rect">
             <a:avLst/>
@@ -15516,7 +15354,7 @@
             </a:r>
             <a:r>
               <a:rPr lang="de-DE" dirty="0" err="1"/>
-              <a:t>Gespame</a:t>
+              <a:t>Gespamme</a:t>
             </a:r>
             <a:endParaRPr lang="de-DE" dirty="0"/>
           </a:p>
@@ -15527,7 +15365,7 @@
           <p:cNvPr id="5" name="Textfeld 4">
             <a:extLst>
               <a:ext uri="{FF2B5EF4-FFF2-40B4-BE49-F238E27FC236}">
-                <a16:creationId xmlns:a16="http://schemas.microsoft.com/office/drawing/2014/main" xmlns="" id="{09786EE4-3498-40F3-9F90-CDFBC09CBAF7}"/>
+                <a16:creationId xmlns:a16="http://schemas.microsoft.com/office/drawing/2014/main" id="{09786EE4-3498-40F3-9F90-CDFBC09CBAF7}"/>
               </a:ext>
             </a:extLst>
           </p:cNvPr>
@@ -15562,7 +15400,7 @@
           <p:cNvPr id="6" name="Textfeld 5">
             <a:extLst>
               <a:ext uri="{FF2B5EF4-FFF2-40B4-BE49-F238E27FC236}">
-                <a16:creationId xmlns:a16="http://schemas.microsoft.com/office/drawing/2014/main" xmlns="" id="{69886C5E-71FD-41B2-868A-548B5A8ABE95}"/>
+                <a16:creationId xmlns:a16="http://schemas.microsoft.com/office/drawing/2014/main" id="{69886C5E-71FD-41B2-868A-548B5A8ABE95}"/>
               </a:ext>
             </a:extLst>
           </p:cNvPr>
@@ -15605,7 +15443,7 @@
           <p:cNvPr id="8" name="Gerader Verbinder 7">
             <a:extLst>
               <a:ext uri="{FF2B5EF4-FFF2-40B4-BE49-F238E27FC236}">
-                <a16:creationId xmlns:a16="http://schemas.microsoft.com/office/drawing/2014/main" xmlns="" id="{472F3D41-D8FA-45DF-9E64-84B95CF2462D}"/>
+                <a16:creationId xmlns:a16="http://schemas.microsoft.com/office/drawing/2014/main" id="{472F3D41-D8FA-45DF-9E64-84B95CF2462D}"/>
               </a:ext>
             </a:extLst>
           </p:cNvPr>
@@ -15644,7 +15482,7 @@
           <p:cNvPr id="9" name="Gerader Verbinder 8">
             <a:extLst>
               <a:ext uri="{FF2B5EF4-FFF2-40B4-BE49-F238E27FC236}">
-                <a16:creationId xmlns:a16="http://schemas.microsoft.com/office/drawing/2014/main" xmlns="" id="{9D2AC886-E6AD-4582-807A-531D6E17B093}"/>
+                <a16:creationId xmlns:a16="http://schemas.microsoft.com/office/drawing/2014/main" id="{9D2AC886-E6AD-4582-807A-531D6E17B093}"/>
               </a:ext>
             </a:extLst>
           </p:cNvPr>
@@ -15683,7 +15521,7 @@
           <p:cNvPr id="14" name="Pfeil: nach rechts 13">
             <a:extLst>
               <a:ext uri="{FF2B5EF4-FFF2-40B4-BE49-F238E27FC236}">
-                <a16:creationId xmlns:a16="http://schemas.microsoft.com/office/drawing/2014/main" xmlns="" id="{62849E79-E495-42E3-A5C7-0396A5C82072}"/>
+                <a16:creationId xmlns:a16="http://schemas.microsoft.com/office/drawing/2014/main" id="{62849E79-E495-42E3-A5C7-0396A5C82072}"/>
               </a:ext>
             </a:extLst>
           </p:cNvPr>
@@ -15729,7 +15567,7 @@
           <p:cNvPr id="15" name="Grafik 14" descr="fridge_face.png">
             <a:extLst>
               <a:ext uri="{FF2B5EF4-FFF2-40B4-BE49-F238E27FC236}">
-                <a16:creationId xmlns:a16="http://schemas.microsoft.com/office/drawing/2014/main" xmlns="" id="{0E33A284-8A7D-4AD9-A5FB-C64E6211E25C}"/>
+                <a16:creationId xmlns:a16="http://schemas.microsoft.com/office/drawing/2014/main" id="{0E33A284-8A7D-4AD9-A5FB-C64E6211E25C}"/>
               </a:ext>
             </a:extLst>
           </p:cNvPr>
@@ -15759,13 +15597,6 @@
   <p:clrMapOvr>
     <a:masterClrMapping/>
   </p:clrMapOvr>
-  <p:timing>
-    <p:tnLst>
-      <p:par>
-        <p:cTn id="1" dur="indefinite" restart="never" nodeType="tmRoot"/>
-      </p:par>
-    </p:tnLst>
-  </p:timing>
 </p:sld>
 </file>
 
@@ -15791,7 +15622,7 @@
           <p:cNvPr id="2" name="Titel 1">
             <a:extLst>
               <a:ext uri="{FF2B5EF4-FFF2-40B4-BE49-F238E27FC236}">
-                <a16:creationId xmlns:a16="http://schemas.microsoft.com/office/drawing/2014/main" xmlns="" id="{CD77C097-2ECF-4C94-BCC1-60258CCE61E3}"/>
+                <a16:creationId xmlns:a16="http://schemas.microsoft.com/office/drawing/2014/main" id="{CD77C097-2ECF-4C94-BCC1-60258CCE61E3}"/>
               </a:ext>
             </a:extLst>
           </p:cNvPr>
@@ -15819,7 +15650,7 @@
           <p:cNvPr id="5" name="Inhaltsplatzhalter 4" descr="Frau">
             <a:extLst>
               <a:ext uri="{FF2B5EF4-FFF2-40B4-BE49-F238E27FC236}">
-                <a16:creationId xmlns:a16="http://schemas.microsoft.com/office/drawing/2014/main" xmlns="" id="{E1480F7E-4E61-42AA-A583-671D4AD83567}"/>
+                <a16:creationId xmlns:a16="http://schemas.microsoft.com/office/drawing/2014/main" id="{E1480F7E-4E61-42AA-A583-671D4AD83567}"/>
               </a:ext>
             </a:extLst>
           </p:cNvPr>
@@ -15834,10 +15665,10 @@
           <a:blip r:embed="rId2">
             <a:extLst>
               <a:ext uri="{28A0092B-C50C-407E-A947-70E740481C1C}">
-                <a14:useLocalDpi xmlns:a14="http://schemas.microsoft.com/office/drawing/2010/main" xmlns="" val="0"/>
+                <a14:useLocalDpi xmlns:a14="http://schemas.microsoft.com/office/drawing/2010/main" val="0"/>
               </a:ext>
               <a:ext uri="{96DAC541-7B7A-43D3-8B79-37D633B846F1}">
-                <asvg:svgBlip xmlns:asvg="http://schemas.microsoft.com/office/drawing/2016/SVG/main" xmlns="" r:embed="rId3"/>
+                <asvg:svgBlip xmlns:asvg="http://schemas.microsoft.com/office/drawing/2016/SVG/main" r:embed="rId3"/>
               </a:ext>
             </a:extLst>
           </a:blip>
@@ -15857,7 +15688,7 @@
           <p:cNvPr id="6" name="Inhaltsplatzhalter 4" descr="Frau">
             <a:extLst>
               <a:ext uri="{FF2B5EF4-FFF2-40B4-BE49-F238E27FC236}">
-                <a16:creationId xmlns:a16="http://schemas.microsoft.com/office/drawing/2014/main" xmlns="" id="{F4B1B595-02C2-4BEF-B40E-119A2ECBAEA1}"/>
+                <a16:creationId xmlns:a16="http://schemas.microsoft.com/office/drawing/2014/main" id="{F4B1B595-02C2-4BEF-B40E-119A2ECBAEA1}"/>
               </a:ext>
             </a:extLst>
           </p:cNvPr>
@@ -15870,10 +15701,10 @@
           <a:blip r:embed="rId2">
             <a:extLst>
               <a:ext uri="{28A0092B-C50C-407E-A947-70E740481C1C}">
-                <a14:useLocalDpi xmlns:a14="http://schemas.microsoft.com/office/drawing/2010/main" xmlns="" val="0"/>
+                <a14:useLocalDpi xmlns:a14="http://schemas.microsoft.com/office/drawing/2010/main" val="0"/>
               </a:ext>
               <a:ext uri="{96DAC541-7B7A-43D3-8B79-37D633B846F1}">
-                <asvg:svgBlip xmlns:asvg="http://schemas.microsoft.com/office/drawing/2016/SVG/main" xmlns="" r:embed="rId3"/>
+                <asvg:svgBlip xmlns:asvg="http://schemas.microsoft.com/office/drawing/2016/SVG/main" r:embed="rId3"/>
               </a:ext>
             </a:extLst>
           </a:blip>
@@ -15896,7 +15727,7 @@
           <p:cNvPr id="7" name="Inhaltsplatzhalter 4" descr="Frau">
             <a:extLst>
               <a:ext uri="{FF2B5EF4-FFF2-40B4-BE49-F238E27FC236}">
-                <a16:creationId xmlns:a16="http://schemas.microsoft.com/office/drawing/2014/main" xmlns="" id="{B12B2201-BB6D-4DF6-83B0-D425295E7DE6}"/>
+                <a16:creationId xmlns:a16="http://schemas.microsoft.com/office/drawing/2014/main" id="{B12B2201-BB6D-4DF6-83B0-D425295E7DE6}"/>
               </a:ext>
             </a:extLst>
           </p:cNvPr>
@@ -15909,10 +15740,10 @@
           <a:blip r:embed="rId2">
             <a:extLst>
               <a:ext uri="{28A0092B-C50C-407E-A947-70E740481C1C}">
-                <a14:useLocalDpi xmlns:a14="http://schemas.microsoft.com/office/drawing/2010/main" xmlns="" val="0"/>
+                <a14:useLocalDpi xmlns:a14="http://schemas.microsoft.com/office/drawing/2010/main" val="0"/>
               </a:ext>
               <a:ext uri="{96DAC541-7B7A-43D3-8B79-37D633B846F1}">
-                <asvg:svgBlip xmlns:asvg="http://schemas.microsoft.com/office/drawing/2016/SVG/main" xmlns="" r:embed="rId3"/>
+                <asvg:svgBlip xmlns:asvg="http://schemas.microsoft.com/office/drawing/2016/SVG/main" r:embed="rId3"/>
               </a:ext>
             </a:extLst>
           </a:blip>
@@ -15935,7 +15766,7 @@
           <p:cNvPr id="8" name="Inhaltsplatzhalter 4" descr="Frau">
             <a:extLst>
               <a:ext uri="{FF2B5EF4-FFF2-40B4-BE49-F238E27FC236}">
-                <a16:creationId xmlns:a16="http://schemas.microsoft.com/office/drawing/2014/main" xmlns="" id="{DCF4BD2B-4606-4FF1-80F1-DB034364173E}"/>
+                <a16:creationId xmlns:a16="http://schemas.microsoft.com/office/drawing/2014/main" id="{DCF4BD2B-4606-4FF1-80F1-DB034364173E}"/>
               </a:ext>
             </a:extLst>
           </p:cNvPr>
@@ -15948,10 +15779,10 @@
           <a:blip r:embed="rId2">
             <a:extLst>
               <a:ext uri="{28A0092B-C50C-407E-A947-70E740481C1C}">
-                <a14:useLocalDpi xmlns:a14="http://schemas.microsoft.com/office/drawing/2010/main" xmlns="" val="0"/>
+                <a14:useLocalDpi xmlns:a14="http://schemas.microsoft.com/office/drawing/2010/main" val="0"/>
               </a:ext>
               <a:ext uri="{96DAC541-7B7A-43D3-8B79-37D633B846F1}">
-                <asvg:svgBlip xmlns:asvg="http://schemas.microsoft.com/office/drawing/2016/SVG/main" xmlns="" r:embed="rId3"/>
+                <asvg:svgBlip xmlns:asvg="http://schemas.microsoft.com/office/drawing/2016/SVG/main" r:embed="rId3"/>
               </a:ext>
             </a:extLst>
           </a:blip>
@@ -15974,7 +15805,7 @@
           <p:cNvPr id="9" name="Inhaltsplatzhalter 4" descr="Frau">
             <a:extLst>
               <a:ext uri="{FF2B5EF4-FFF2-40B4-BE49-F238E27FC236}">
-                <a16:creationId xmlns:a16="http://schemas.microsoft.com/office/drawing/2014/main" xmlns="" id="{078F6CCE-90EB-49ED-A06A-68863FFE816C}"/>
+                <a16:creationId xmlns:a16="http://schemas.microsoft.com/office/drawing/2014/main" id="{078F6CCE-90EB-49ED-A06A-68863FFE816C}"/>
               </a:ext>
             </a:extLst>
           </p:cNvPr>
@@ -15987,10 +15818,10 @@
           <a:blip r:embed="rId2">
             <a:extLst>
               <a:ext uri="{28A0092B-C50C-407E-A947-70E740481C1C}">
-                <a14:useLocalDpi xmlns:a14="http://schemas.microsoft.com/office/drawing/2010/main" xmlns="" val="0"/>
+                <a14:useLocalDpi xmlns:a14="http://schemas.microsoft.com/office/drawing/2010/main" val="0"/>
               </a:ext>
               <a:ext uri="{96DAC541-7B7A-43D3-8B79-37D633B846F1}">
-                <asvg:svgBlip xmlns:asvg="http://schemas.microsoft.com/office/drawing/2016/SVG/main" xmlns="" r:embed="rId3"/>
+                <asvg:svgBlip xmlns:asvg="http://schemas.microsoft.com/office/drawing/2016/SVG/main" r:embed="rId3"/>
               </a:ext>
             </a:extLst>
           </a:blip>
@@ -16013,7 +15844,7 @@
           <p:cNvPr id="10" name="Denkblase: wolkenförmig 9">
             <a:extLst>
               <a:ext uri="{FF2B5EF4-FFF2-40B4-BE49-F238E27FC236}">
-                <a16:creationId xmlns:a16="http://schemas.microsoft.com/office/drawing/2014/main" xmlns="" id="{6BA39F53-1530-4645-A9E2-F56920657475}"/>
+                <a16:creationId xmlns:a16="http://schemas.microsoft.com/office/drawing/2014/main" id="{6BA39F53-1530-4645-A9E2-F56920657475}"/>
               </a:ext>
             </a:extLst>
           </p:cNvPr>
@@ -16070,7 +15901,7 @@
           <p:cNvPr id="11" name="Textfeld 10">
             <a:extLst>
               <a:ext uri="{FF2B5EF4-FFF2-40B4-BE49-F238E27FC236}">
-                <a16:creationId xmlns:a16="http://schemas.microsoft.com/office/drawing/2014/main" xmlns="" id="{770AEFF5-07F2-45EC-B1D4-6BC0F00A736E}"/>
+                <a16:creationId xmlns:a16="http://schemas.microsoft.com/office/drawing/2014/main" id="{770AEFF5-07F2-45EC-B1D4-6BC0F00A736E}"/>
               </a:ext>
             </a:extLst>
           </p:cNvPr>
@@ -16123,7 +15954,7 @@
           <p:cNvPr id="12" name="Denkblase: wolkenförmig 11">
             <a:extLst>
               <a:ext uri="{FF2B5EF4-FFF2-40B4-BE49-F238E27FC236}">
-                <a16:creationId xmlns:a16="http://schemas.microsoft.com/office/drawing/2014/main" xmlns="" id="{600AA49D-88C9-4AC6-87E1-5182ED69E2F6}"/>
+                <a16:creationId xmlns:a16="http://schemas.microsoft.com/office/drawing/2014/main" id="{600AA49D-88C9-4AC6-87E1-5182ED69E2F6}"/>
               </a:ext>
             </a:extLst>
           </p:cNvPr>
@@ -16180,7 +16011,7 @@
           <p:cNvPr id="13" name="Textfeld 12">
             <a:extLst>
               <a:ext uri="{FF2B5EF4-FFF2-40B4-BE49-F238E27FC236}">
-                <a16:creationId xmlns:a16="http://schemas.microsoft.com/office/drawing/2014/main" xmlns="" id="{7ACCF427-47A9-4FB7-9BAB-C0A2705141AA}"/>
+                <a16:creationId xmlns:a16="http://schemas.microsoft.com/office/drawing/2014/main" id="{7ACCF427-47A9-4FB7-9BAB-C0A2705141AA}"/>
               </a:ext>
             </a:extLst>
           </p:cNvPr>
@@ -16227,7 +16058,7 @@
           <p:cNvPr id="15" name="Grafik 14" descr="Daumen hoch">
             <a:extLst>
               <a:ext uri="{FF2B5EF4-FFF2-40B4-BE49-F238E27FC236}">
-                <a16:creationId xmlns:a16="http://schemas.microsoft.com/office/drawing/2014/main" xmlns="" id="{53067388-974F-4272-A4F5-C881D1A4FACD}"/>
+                <a16:creationId xmlns:a16="http://schemas.microsoft.com/office/drawing/2014/main" id="{53067388-974F-4272-A4F5-C881D1A4FACD}"/>
               </a:ext>
             </a:extLst>
           </p:cNvPr>
@@ -16240,10 +16071,10 @@
           <a:blip r:embed="rId4" cstate="print">
             <a:extLst>
               <a:ext uri="{28A0092B-C50C-407E-A947-70E740481C1C}">
-                <a14:useLocalDpi xmlns:a14="http://schemas.microsoft.com/office/drawing/2010/main" xmlns="" val="0"/>
+                <a14:useLocalDpi xmlns:a14="http://schemas.microsoft.com/office/drawing/2010/main" val="0"/>
               </a:ext>
               <a:ext uri="{96DAC541-7B7A-43D3-8B79-37D633B846F1}">
-                <asvg:svgBlip xmlns:asvg="http://schemas.microsoft.com/office/drawing/2016/SVG/main" xmlns="" r:embed="rId5"/>
+                <asvg:svgBlip xmlns:asvg="http://schemas.microsoft.com/office/drawing/2016/SVG/main" r:embed="rId5"/>
               </a:ext>
             </a:extLst>
           </a:blip>
@@ -16266,7 +16097,7 @@
           <p:cNvPr id="16" name="Grafik 15" descr="Daumen hoch">
             <a:extLst>
               <a:ext uri="{FF2B5EF4-FFF2-40B4-BE49-F238E27FC236}">
-                <a16:creationId xmlns:a16="http://schemas.microsoft.com/office/drawing/2014/main" xmlns="" id="{3D8E31B4-B058-42ED-8143-375E74C2A008}"/>
+                <a16:creationId xmlns:a16="http://schemas.microsoft.com/office/drawing/2014/main" id="{3D8E31B4-B058-42ED-8143-375E74C2A008}"/>
               </a:ext>
             </a:extLst>
           </p:cNvPr>
@@ -16279,10 +16110,10 @@
           <a:blip r:embed="rId6" cstate="print">
             <a:extLst>
               <a:ext uri="{28A0092B-C50C-407E-A947-70E740481C1C}">
-                <a14:useLocalDpi xmlns:a14="http://schemas.microsoft.com/office/drawing/2010/main" xmlns="" val="0"/>
+                <a14:useLocalDpi xmlns:a14="http://schemas.microsoft.com/office/drawing/2010/main" val="0"/>
               </a:ext>
               <a:ext uri="{96DAC541-7B7A-43D3-8B79-37D633B846F1}">
-                <asvg:svgBlip xmlns:asvg="http://schemas.microsoft.com/office/drawing/2016/SVG/main" xmlns="" r:embed="rId7"/>
+                <asvg:svgBlip xmlns:asvg="http://schemas.microsoft.com/office/drawing/2016/SVG/main" r:embed="rId7"/>
               </a:ext>
             </a:extLst>
           </a:blip>
@@ -16303,20 +16134,13 @@
     </p:spTree>
     <p:extLst>
       <p:ext uri="{BB962C8B-B14F-4D97-AF65-F5344CB8AC3E}">
-        <p14:creationId xmlns:p14="http://schemas.microsoft.com/office/powerpoint/2010/main" xmlns="" val="3738269158"/>
+        <p14:creationId xmlns:p14="http://schemas.microsoft.com/office/powerpoint/2010/main" val="3738269158"/>
       </p:ext>
     </p:extLst>
   </p:cSld>
   <p:clrMapOvr>
     <a:masterClrMapping/>
   </p:clrMapOvr>
-  <p:timing>
-    <p:tnLst>
-      <p:par>
-        <p:cTn id="1" dur="indefinite" restart="never" nodeType="tmRoot"/>
-      </p:par>
-    </p:tnLst>
-  </p:timing>
 </p:sld>
 </file>
 
@@ -16462,7 +16286,7 @@
           <p:cNvPr id="5" name="Grafik 4">
             <a:extLst>
               <a:ext uri="{FF2B5EF4-FFF2-40B4-BE49-F238E27FC236}">
-                <a16:creationId xmlns:a16="http://schemas.microsoft.com/office/drawing/2014/main" xmlns="" id="{6AC2D600-D934-48FC-ADAE-171A5F5F813E}"/>
+                <a16:creationId xmlns:a16="http://schemas.microsoft.com/office/drawing/2014/main" id="{6AC2D600-D934-48FC-ADAE-171A5F5F813E}"/>
               </a:ext>
             </a:extLst>
           </p:cNvPr>
@@ -16475,7 +16299,7 @@
           <a:blip r:embed="rId2">
             <a:extLst>
               <a:ext uri="{28A0092B-C50C-407E-A947-70E740481C1C}">
-                <a14:useLocalDpi xmlns:a14="http://schemas.microsoft.com/office/drawing/2010/main" xmlns="" val="0"/>
+                <a14:useLocalDpi xmlns:a14="http://schemas.microsoft.com/office/drawing/2010/main" val="0"/>
               </a:ext>
             </a:extLst>
           </a:blip>
@@ -16496,20 +16320,13 @@
     </p:spTree>
     <p:extLst>
       <p:ext uri="{BB962C8B-B14F-4D97-AF65-F5344CB8AC3E}">
-        <p14:creationId xmlns:p14="http://schemas.microsoft.com/office/powerpoint/2010/main" xmlns="" val="246517011"/>
+        <p14:creationId xmlns:p14="http://schemas.microsoft.com/office/powerpoint/2010/main" val="246517011"/>
       </p:ext>
     </p:extLst>
   </p:cSld>
   <p:clrMapOvr>
     <a:masterClrMapping/>
   </p:clrMapOvr>
-  <p:timing>
-    <p:tnLst>
-      <p:par>
-        <p:cTn id="1" dur="indefinite" restart="never" nodeType="tmRoot"/>
-      </p:par>
-    </p:tnLst>
-  </p:timing>
 </p:sld>
 </file>
 
@@ -17538,20 +17355,13 @@
     </p:spTree>
     <p:extLst>
       <p:ext uri="{BB962C8B-B14F-4D97-AF65-F5344CB8AC3E}">
-        <p14:creationId xmlns:p14="http://schemas.microsoft.com/office/powerpoint/2010/main" xmlns="" val="1754742320"/>
+        <p14:creationId xmlns:p14="http://schemas.microsoft.com/office/powerpoint/2010/main" val="1754742320"/>
       </p:ext>
     </p:extLst>
   </p:cSld>
   <p:clrMapOvr>
     <a:masterClrMapping/>
   </p:clrMapOvr>
-  <p:timing>
-    <p:tnLst>
-      <p:par>
-        <p:cTn id="1" dur="indefinite" restart="never" nodeType="tmRoot"/>
-      </p:par>
-    </p:tnLst>
-  </p:timing>
 </p:sld>
 </file>
 
@@ -17784,7 +17594,7 @@
     </p:spTree>
     <p:extLst>
       <p:ext uri="{BB962C8B-B14F-4D97-AF65-F5344CB8AC3E}">
-        <p14:creationId xmlns:p14="http://schemas.microsoft.com/office/powerpoint/2010/main" xmlns="" val="1633567392"/>
+        <p14:creationId xmlns:p14="http://schemas.microsoft.com/office/powerpoint/2010/main" val="1633567392"/>
       </p:ext>
     </p:extLst>
   </p:cSld>
@@ -18141,7 +17951,7 @@
           <a:blip r:embed="rId2" cstate="print">
             <a:extLst>
               <a:ext uri="{28A0092B-C50C-407E-A947-70E740481C1C}">
-                <a14:useLocalDpi xmlns:a14="http://schemas.microsoft.com/office/drawing/2010/main" xmlns="" val="0"/>
+                <a14:useLocalDpi xmlns:a14="http://schemas.microsoft.com/office/drawing/2010/main" val="0"/>
               </a:ext>
             </a:extLst>
           </a:blip>
@@ -18248,13 +18058,6 @@
   <p:clrMapOvr>
     <a:masterClrMapping/>
   </p:clrMapOvr>
-  <p:timing>
-    <p:tnLst>
-      <p:par>
-        <p:cTn id="1" dur="indefinite" restart="never" nodeType="tmRoot"/>
-      </p:par>
-    </p:tnLst>
-  </p:timing>
 </p:sld>
 </file>
 
@@ -18425,20 +18228,13 @@
     </p:spTree>
     <p:extLst>
       <p:ext uri="{BB962C8B-B14F-4D97-AF65-F5344CB8AC3E}">
-        <p14:creationId xmlns:p14="http://schemas.microsoft.com/office/powerpoint/2010/main" xmlns="" val="1753996425"/>
+        <p14:creationId xmlns:p14="http://schemas.microsoft.com/office/powerpoint/2010/main" val="1753996425"/>
       </p:ext>
     </p:extLst>
   </p:cSld>
   <p:clrMapOvr>
     <a:masterClrMapping/>
   </p:clrMapOvr>
-  <p:timing>
-    <p:tnLst>
-      <p:par>
-        <p:cTn id="1" dur="indefinite" restart="never" nodeType="tmRoot"/>
-      </p:par>
-    </p:tnLst>
-  </p:timing>
 </p:sld>
 </file>
 
@@ -19024,7 +18820,7 @@
   <a:extraClrSchemeLst/>
   <a:extLst>
     <a:ext uri="{05A4C25C-085E-4340-85A3-A5531E510DB2}">
-      <thm15:themeFamily xmlns:thm15="http://schemas.microsoft.com/office/thememl/2012/main" xmlns="" name="Office Theme" id="{62F939B6-93AF-4DB8-9C6B-D6C7DFDC589F}" vid="{4A3C46E8-61CC-4603-A589-7422A47A8E4A}"/>
+      <thm15:themeFamily xmlns:thm15="http://schemas.microsoft.com/office/thememl/2012/main" name="Office Theme" id="{62F939B6-93AF-4DB8-9C6B-D6C7DFDC589F}" vid="{4A3C46E8-61CC-4603-A589-7422A47A8E4A}"/>
     </a:ext>
   </a:extLst>
 </a:theme>
